--- a/Abschlusspräsentation/Abschlusspräsentation.pptx
+++ b/Abschlusspräsentation/Abschlusspräsentation.pptx
@@ -3453,6 +3453,57 @@
           <a:chExt cx="0" cy="0"/>
         </a:xfrm>
       </p:grpSpPr>
+      <p:pic>
+        <p:nvPicPr>
+          <p:cNvPr id="5" name="Grafik 4">
+            <a:extLst>
+              <a:ext uri="{FF2B5EF4-FFF2-40B4-BE49-F238E27FC236}">
+                <a16:creationId xmlns:a16="http://schemas.microsoft.com/office/drawing/2014/main" id="{96548815-D0B4-C949-9E46-44CBCA32CE8D}"/>
+              </a:ext>
+            </a:extLst>
+          </p:cNvPr>
+          <p:cNvPicPr>
+            <a:picLocks noChangeAspect="1"/>
+          </p:cNvPicPr>
+          <p:nvPr/>
+        </p:nvPicPr>
+        <p:blipFill>
+          <a:blip r:embed="rId2">
+            <a:alphaModFix amt="85000"/>
+            <a:extLst>
+              <a:ext uri="{BEBA8EAE-BF5A-486C-A8C5-ECC9F3942E4B}">
+                <a14:imgProps xmlns:a14="http://schemas.microsoft.com/office/drawing/2010/main">
+                  <a14:imgLayer>
+                    <a14:imgEffect>
+                      <a14:sharpenSoften amount="50000"/>
+                    </a14:imgEffect>
+                    <a14:imgEffect>
+                      <a14:brightnessContrast bright="20000"/>
+                    </a14:imgEffect>
+                  </a14:imgLayer>
+                </a14:imgProps>
+              </a:ext>
+            </a:extLst>
+          </a:blip>
+          <a:stretch>
+            <a:fillRect/>
+          </a:stretch>
+        </p:blipFill>
+        <p:spPr>
+          <a:xfrm>
+            <a:off x="0" y="0"/>
+            <a:ext cx="12192000" cy="6858000"/>
+          </a:xfrm>
+          <a:prstGeom prst="rect">
+            <a:avLst/>
+          </a:prstGeom>
+          <a:ln>
+            <a:solidFill>
+              <a:schemeClr val="tx1"/>
+            </a:solidFill>
+          </a:ln>
+        </p:spPr>
+      </p:pic>
       <p:sp>
         <p:nvSpPr>
           <p:cNvPr id="2" name="Titel 1">
@@ -3469,20 +3520,59 @@
             <p:ph type="ctrTitle"/>
           </p:nvPr>
         </p:nvSpPr>
-        <p:spPr/>
+        <p:spPr>
+          <a:xfrm>
+            <a:off x="1524000" y="1420836"/>
+            <a:ext cx="9144000" cy="1765569"/>
+          </a:xfrm>
+          <a:solidFill>
+            <a:schemeClr val="bg2"/>
+          </a:solidFill>
+          <a:ln w="28575">
+            <a:solidFill>
+              <a:schemeClr val="tx1"/>
+            </a:solidFill>
+          </a:ln>
+        </p:spPr>
+        <p:style>
+          <a:lnRef idx="0">
+            <a:schemeClr val="accent3"/>
+          </a:lnRef>
+          <a:fillRef idx="3">
+            <a:schemeClr val="accent3"/>
+          </a:fillRef>
+          <a:effectRef idx="3">
+            <a:schemeClr val="accent3"/>
+          </a:effectRef>
+          <a:fontRef idx="minor">
+            <a:schemeClr val="lt1"/>
+          </a:fontRef>
+        </p:style>
         <p:txBody>
           <a:bodyPr/>
           <a:lstStyle/>
           <a:p>
             <a:r>
-              <a:rPr lang="de-DE" b="1" dirty="0"/>
+              <a:rPr lang="de-DE" b="1" dirty="0">
+                <a:solidFill>
+                  <a:sysClr val="windowText" lastClr="000000"/>
+                </a:solidFill>
+              </a:rPr>
               <a:t>Abschlusspräsentation</a:t>
             </a:r>
             <a:br>
-              <a:rPr lang="de-DE" b="1" dirty="0"/>
+              <a:rPr lang="de-DE" b="1" dirty="0">
+                <a:solidFill>
+                  <a:sysClr val="windowText" lastClr="000000"/>
+                </a:solidFill>
+              </a:rPr>
             </a:br>
             <a:r>
-              <a:rPr lang="de-DE" sz="5400" b="1" dirty="0"/>
+              <a:rPr lang="de-DE" sz="5400" b="1" dirty="0">
+                <a:solidFill>
+                  <a:sysClr val="windowText" lastClr="000000"/>
+                </a:solidFill>
+              </a:rPr>
               <a:t>- Schach-App -</a:t>
             </a:r>
           </a:p>
@@ -3506,43 +3596,286 @@
         </p:nvSpPr>
         <p:spPr>
           <a:xfrm>
-            <a:off x="1524000" y="4320540"/>
-            <a:ext cx="9144000" cy="937260"/>
+            <a:off x="2193387" y="3429000"/>
+            <a:ext cx="7805225" cy="1424354"/>
           </a:xfrm>
+          <a:solidFill>
+            <a:schemeClr val="bg2"/>
+          </a:solidFill>
+          <a:ln w="28575">
+            <a:solidFill>
+              <a:schemeClr val="tx1"/>
+            </a:solidFill>
+          </a:ln>
         </p:spPr>
-        <p:txBody>
-          <a:bodyPr/>
+        <p:style>
+          <a:lnRef idx="0">
+            <a:schemeClr val="accent3"/>
+          </a:lnRef>
+          <a:fillRef idx="3">
+            <a:schemeClr val="accent3"/>
+          </a:fillRef>
+          <a:effectRef idx="3">
+            <a:schemeClr val="accent3"/>
+          </a:effectRef>
+          <a:fontRef idx="minor">
+            <a:schemeClr val="lt1"/>
+          </a:fontRef>
+        </p:style>
+        <p:txBody>
+          <a:bodyPr>
+            <a:normAutofit/>
+          </a:bodyPr>
           <a:lstStyle/>
           <a:p>
+            <a:br>
+              <a:rPr lang="de-DE" dirty="0"/>
+            </a:br>
             <a:r>
-              <a:rPr lang="de-DE" dirty="0" err="1"/>
-              <a:t>Orkhan</a:t>
+              <a:rPr lang="de-DE" dirty="0">
+                <a:solidFill>
+                  <a:sysClr val="windowText" lastClr="000000"/>
+                </a:solidFill>
+              </a:rPr>
+              <a:t>Orkhan Aliev, Tim Groß, Daniel Helmig, Rukiye Devran</a:t>
             </a:r>
+          </a:p>
+          <a:p>
             <a:r>
-              <a:rPr lang="de-DE" dirty="0"/>
-              <a:t> </a:t>
+              <a:rPr lang="de-DE" dirty="0">
+                <a:solidFill>
+                  <a:sysClr val="windowText" lastClr="000000"/>
+                </a:solidFill>
+              </a:rPr>
+              <a:t>Betreuer: Erik Burger, Sandro Koch</a:t>
             </a:r>
+          </a:p>
+          <a:p>
+            <a:endParaRPr lang="de-DE" dirty="0"/>
+          </a:p>
+        </p:txBody>
+      </p:sp>
+      <p:sp>
+        <p:nvSpPr>
+          <p:cNvPr id="6" name="Untertitel 2">
+            <a:extLst>
+              <a:ext uri="{FF2B5EF4-FFF2-40B4-BE49-F238E27FC236}">
+                <a16:creationId xmlns:a16="http://schemas.microsoft.com/office/drawing/2014/main" id="{99AB431A-1E4D-2145-AA86-3D9BA5323E76}"/>
+              </a:ext>
+            </a:extLst>
+          </p:cNvPr>
+          <p:cNvSpPr txBox="1">
+            <a:spLocks/>
+          </p:cNvSpPr>
+          <p:nvPr/>
+        </p:nvSpPr>
+        <p:spPr>
+          <a:xfrm>
+            <a:off x="0" y="6175718"/>
+            <a:ext cx="12192000" cy="548640"/>
+          </a:xfrm>
+          <a:prstGeom prst="rect">
+            <a:avLst/>
+          </a:prstGeom>
+          <a:solidFill>
+            <a:schemeClr val="bg2"/>
+          </a:solidFill>
+          <a:ln>
+            <a:solidFill>
+              <a:schemeClr val="tx1"/>
+            </a:solidFill>
+          </a:ln>
+        </p:spPr>
+        <p:style>
+          <a:lnRef idx="0">
+            <a:schemeClr val="accent3"/>
+          </a:lnRef>
+          <a:fillRef idx="3">
+            <a:schemeClr val="accent3"/>
+          </a:fillRef>
+          <a:effectRef idx="3">
+            <a:schemeClr val="accent3"/>
+          </a:effectRef>
+          <a:fontRef idx="minor">
+            <a:schemeClr val="lt1"/>
+          </a:fontRef>
+        </p:style>
+        <p:txBody>
+          <a:bodyPr vert="horz" lIns="91440" tIns="45720" rIns="91440" bIns="45720" rtlCol="0">
+            <a:normAutofit fontScale="32500" lnSpcReduction="20000"/>
+          </a:bodyPr>
+          <a:lstStyle>
+            <a:lvl1pPr marL="0" indent="0" algn="ctr" defTabSz="914400" rtl="0" eaLnBrk="1" latinLnBrk="0" hangingPunct="1">
+              <a:lnSpc>
+                <a:spcPct val="90000"/>
+              </a:lnSpc>
+              <a:spcBef>
+                <a:spcPts val="1000"/>
+              </a:spcBef>
+              <a:buFont typeface="Arial" panose="020B0604020202020204" pitchFamily="34" charset="0"/>
+              <a:buNone/>
+              <a:defRPr sz="2400" kern="1200">
+                <a:solidFill>
+                  <a:schemeClr val="tx1"/>
+                </a:solidFill>
+                <a:latin typeface="+mn-lt"/>
+                <a:ea typeface="+mn-ea"/>
+                <a:cs typeface="+mn-cs"/>
+              </a:defRPr>
+            </a:lvl1pPr>
+            <a:lvl2pPr marL="457200" indent="0" algn="ctr" defTabSz="914400" rtl="0" eaLnBrk="1" latinLnBrk="0" hangingPunct="1">
+              <a:lnSpc>
+                <a:spcPct val="90000"/>
+              </a:lnSpc>
+              <a:spcBef>
+                <a:spcPts val="500"/>
+              </a:spcBef>
+              <a:buFont typeface="Arial" panose="020B0604020202020204" pitchFamily="34" charset="0"/>
+              <a:buNone/>
+              <a:defRPr sz="2000" kern="1200">
+                <a:solidFill>
+                  <a:schemeClr val="tx1"/>
+                </a:solidFill>
+                <a:latin typeface="+mn-lt"/>
+                <a:ea typeface="+mn-ea"/>
+                <a:cs typeface="+mn-cs"/>
+              </a:defRPr>
+            </a:lvl2pPr>
+            <a:lvl3pPr marL="914400" indent="0" algn="ctr" defTabSz="914400" rtl="0" eaLnBrk="1" latinLnBrk="0" hangingPunct="1">
+              <a:lnSpc>
+                <a:spcPct val="90000"/>
+              </a:lnSpc>
+              <a:spcBef>
+                <a:spcPts val="500"/>
+              </a:spcBef>
+              <a:buFont typeface="Arial" panose="020B0604020202020204" pitchFamily="34" charset="0"/>
+              <a:buNone/>
+              <a:defRPr sz="1800" kern="1200">
+                <a:solidFill>
+                  <a:schemeClr val="tx1"/>
+                </a:solidFill>
+                <a:latin typeface="+mn-lt"/>
+                <a:ea typeface="+mn-ea"/>
+                <a:cs typeface="+mn-cs"/>
+              </a:defRPr>
+            </a:lvl3pPr>
+            <a:lvl4pPr marL="1371600" indent="0" algn="ctr" defTabSz="914400" rtl="0" eaLnBrk="1" latinLnBrk="0" hangingPunct="1">
+              <a:lnSpc>
+                <a:spcPct val="90000"/>
+              </a:lnSpc>
+              <a:spcBef>
+                <a:spcPts val="500"/>
+              </a:spcBef>
+              <a:buFont typeface="Arial" panose="020B0604020202020204" pitchFamily="34" charset="0"/>
+              <a:buNone/>
+              <a:defRPr sz="1600" kern="1200">
+                <a:solidFill>
+                  <a:schemeClr val="tx1"/>
+                </a:solidFill>
+                <a:latin typeface="+mn-lt"/>
+                <a:ea typeface="+mn-ea"/>
+                <a:cs typeface="+mn-cs"/>
+              </a:defRPr>
+            </a:lvl4pPr>
+            <a:lvl5pPr marL="1828800" indent="0" algn="ctr" defTabSz="914400" rtl="0" eaLnBrk="1" latinLnBrk="0" hangingPunct="1">
+              <a:lnSpc>
+                <a:spcPct val="90000"/>
+              </a:lnSpc>
+              <a:spcBef>
+                <a:spcPts val="500"/>
+              </a:spcBef>
+              <a:buFont typeface="Arial" panose="020B0604020202020204" pitchFamily="34" charset="0"/>
+              <a:buNone/>
+              <a:defRPr sz="1600" kern="1200">
+                <a:solidFill>
+                  <a:schemeClr val="tx1"/>
+                </a:solidFill>
+                <a:latin typeface="+mn-lt"/>
+                <a:ea typeface="+mn-ea"/>
+                <a:cs typeface="+mn-cs"/>
+              </a:defRPr>
+            </a:lvl5pPr>
+            <a:lvl6pPr marL="2286000" indent="0" algn="ctr" defTabSz="914400" rtl="0" eaLnBrk="1" latinLnBrk="0" hangingPunct="1">
+              <a:lnSpc>
+                <a:spcPct val="90000"/>
+              </a:lnSpc>
+              <a:spcBef>
+                <a:spcPts val="500"/>
+              </a:spcBef>
+              <a:buFont typeface="Arial" panose="020B0604020202020204" pitchFamily="34" charset="0"/>
+              <a:buNone/>
+              <a:defRPr sz="1600" kern="1200">
+                <a:solidFill>
+                  <a:schemeClr val="tx1"/>
+                </a:solidFill>
+                <a:latin typeface="+mn-lt"/>
+                <a:ea typeface="+mn-ea"/>
+                <a:cs typeface="+mn-cs"/>
+              </a:defRPr>
+            </a:lvl6pPr>
+            <a:lvl7pPr marL="2743200" indent="0" algn="ctr" defTabSz="914400" rtl="0" eaLnBrk="1" latinLnBrk="0" hangingPunct="1">
+              <a:lnSpc>
+                <a:spcPct val="90000"/>
+              </a:lnSpc>
+              <a:spcBef>
+                <a:spcPts val="500"/>
+              </a:spcBef>
+              <a:buFont typeface="Arial" panose="020B0604020202020204" pitchFamily="34" charset="0"/>
+              <a:buNone/>
+              <a:defRPr sz="1600" kern="1200">
+                <a:solidFill>
+                  <a:schemeClr val="tx1"/>
+                </a:solidFill>
+                <a:latin typeface="+mn-lt"/>
+                <a:ea typeface="+mn-ea"/>
+                <a:cs typeface="+mn-cs"/>
+              </a:defRPr>
+            </a:lvl7pPr>
+            <a:lvl8pPr marL="3200400" indent="0" algn="ctr" defTabSz="914400" rtl="0" eaLnBrk="1" latinLnBrk="0" hangingPunct="1">
+              <a:lnSpc>
+                <a:spcPct val="90000"/>
+              </a:lnSpc>
+              <a:spcBef>
+                <a:spcPts val="500"/>
+              </a:spcBef>
+              <a:buFont typeface="Arial" panose="020B0604020202020204" pitchFamily="34" charset="0"/>
+              <a:buNone/>
+              <a:defRPr sz="1600" kern="1200">
+                <a:solidFill>
+                  <a:schemeClr val="tx1"/>
+                </a:solidFill>
+                <a:latin typeface="+mn-lt"/>
+                <a:ea typeface="+mn-ea"/>
+                <a:cs typeface="+mn-cs"/>
+              </a:defRPr>
+            </a:lvl8pPr>
+            <a:lvl9pPr marL="3657600" indent="0" algn="ctr" defTabSz="914400" rtl="0" eaLnBrk="1" latinLnBrk="0" hangingPunct="1">
+              <a:lnSpc>
+                <a:spcPct val="90000"/>
+              </a:lnSpc>
+              <a:spcBef>
+                <a:spcPts val="500"/>
+              </a:spcBef>
+              <a:buFont typeface="Arial" panose="020B0604020202020204" pitchFamily="34" charset="0"/>
+              <a:buNone/>
+              <a:defRPr sz="1600" kern="1200">
+                <a:solidFill>
+                  <a:schemeClr val="tx1"/>
+                </a:solidFill>
+                <a:latin typeface="+mn-lt"/>
+                <a:ea typeface="+mn-ea"/>
+                <a:cs typeface="+mn-cs"/>
+              </a:defRPr>
+            </a:lvl9pPr>
+          </a:lstStyle>
+          <a:p>
+            <a:endParaRPr lang="de-DE" dirty="0"/>
+          </a:p>
+          <a:p>
             <a:r>
-              <a:rPr lang="de-DE" dirty="0" err="1"/>
-              <a:t>Aliev</a:t>
+              <a:rPr lang="de-DE" sz="6200" dirty="0"/>
+              <a:t>Praxis der Softwareentwicklung, Wintersemester 2017/18</a:t>
             </a:r>
-            <a:r>
-              <a:rPr lang="de-DE" dirty="0"/>
-              <a:t>, Tim Groß, Daniel </a:t>
-            </a:r>
-            <a:r>
-              <a:rPr lang="de-DE" dirty="0" err="1"/>
-              <a:t>Helmig</a:t>
-            </a:r>
-            <a:r>
-              <a:rPr lang="de-DE" dirty="0"/>
-              <a:t>, Rukiye </a:t>
-            </a:r>
-            <a:r>
-              <a:rPr lang="de-DE" dirty="0" err="1"/>
-              <a:t>Devran</a:t>
-            </a:r>
-            <a:endParaRPr lang="de-DE" dirty="0"/>
           </a:p>
         </p:txBody>
       </p:sp>
@@ -3576,65 +3909,12 @@
           <a:chExt cx="0" cy="0"/>
         </a:xfrm>
       </p:grpSpPr>
-      <p:sp>
-        <p:nvSpPr>
-          <p:cNvPr id="2" name="Titel 1">
-            <a:extLst>
-              <a:ext uri="{FF2B5EF4-FFF2-40B4-BE49-F238E27FC236}">
-                <a16:creationId xmlns:a16="http://schemas.microsoft.com/office/drawing/2014/main" id="{7837ABFA-FEAA-734A-9BEB-3E2BEBFDD881}"/>
-              </a:ext>
-            </a:extLst>
-          </p:cNvPr>
-          <p:cNvSpPr>
-            <a:spLocks noGrp="1"/>
-          </p:cNvSpPr>
-          <p:nvPr>
-            <p:ph type="title"/>
-          </p:nvPr>
-        </p:nvSpPr>
-        <p:spPr/>
-        <p:txBody>
-          <a:bodyPr/>
-          <a:lstStyle/>
-          <a:p>
-            <a:r>
-              <a:rPr lang="de-DE" b="1" dirty="0"/>
-              <a:t>Verwendete Tools</a:t>
-            </a:r>
-          </a:p>
-        </p:txBody>
-      </p:sp>
-      <p:sp>
-        <p:nvSpPr>
-          <p:cNvPr id="3" name="Inhaltsplatzhalter 2">
-            <a:extLst>
-              <a:ext uri="{FF2B5EF4-FFF2-40B4-BE49-F238E27FC236}">
-                <a16:creationId xmlns:a16="http://schemas.microsoft.com/office/drawing/2014/main" id="{81D542E1-4C3E-824E-BA34-89942ABFD8A0}"/>
-              </a:ext>
-            </a:extLst>
-          </p:cNvPr>
-          <p:cNvSpPr>
-            <a:spLocks noGrp="1"/>
-          </p:cNvSpPr>
-          <p:nvPr>
-            <p:ph idx="1"/>
-          </p:nvPr>
-        </p:nvSpPr>
-        <p:spPr/>
-        <p:txBody>
-          <a:bodyPr/>
-          <a:lstStyle/>
-          <a:p>
-            <a:endParaRPr lang="de-DE"/>
-          </a:p>
-        </p:txBody>
-      </p:sp>
       <p:pic>
         <p:nvPicPr>
-          <p:cNvPr id="4" name="Inhaltsplatzhalter 4">
-            <a:extLst>
-              <a:ext uri="{FF2B5EF4-FFF2-40B4-BE49-F238E27FC236}">
-                <a16:creationId xmlns:a16="http://schemas.microsoft.com/office/drawing/2014/main" id="{C21DE334-6847-F84B-BB9E-FEFEF1FE63E3}"/>
+          <p:cNvPr id="8" name="Grafik 7">
+            <a:extLst>
+              <a:ext uri="{FF2B5EF4-FFF2-40B4-BE49-F238E27FC236}">
+                <a16:creationId xmlns:a16="http://schemas.microsoft.com/office/drawing/2014/main" id="{8D3CA7FB-C623-9944-8554-489B3CF0D331}"/>
               </a:ext>
             </a:extLst>
           </p:cNvPr>
@@ -3644,14 +3924,335 @@
           <p:nvPr/>
         </p:nvPicPr>
         <p:blipFill>
-          <a:blip r:embed="rId2"/>
+          <a:blip r:embed="rId2">
+            <a:alphaModFix amt="70000"/>
+            <a:extLst>
+              <a:ext uri="{BEBA8EAE-BF5A-486C-A8C5-ECC9F3942E4B}">
+                <a14:imgProps xmlns:a14="http://schemas.microsoft.com/office/drawing/2010/main">
+                  <a14:imgLayer>
+                    <a14:imgEffect>
+                      <a14:sharpenSoften amount="50000"/>
+                    </a14:imgEffect>
+                    <a14:imgEffect>
+                      <a14:brightnessContrast bright="20000"/>
+                    </a14:imgEffect>
+                  </a14:imgLayer>
+                </a14:imgProps>
+              </a:ext>
+            </a:extLst>
+          </a:blip>
           <a:stretch>
             <a:fillRect/>
           </a:stretch>
         </p:blipFill>
         <p:spPr>
           <a:xfrm>
-            <a:off x="10601655" y="108525"/>
+            <a:off x="0" y="0"/>
+            <a:ext cx="12192000" cy="6858000"/>
+          </a:xfrm>
+          <a:prstGeom prst="rect">
+            <a:avLst/>
+          </a:prstGeom>
+        </p:spPr>
+      </p:pic>
+      <p:sp>
+        <p:nvSpPr>
+          <p:cNvPr id="6" name="Foliennummernplatzhalter 5">
+            <a:extLst>
+              <a:ext uri="{FF2B5EF4-FFF2-40B4-BE49-F238E27FC236}">
+                <a16:creationId xmlns:a16="http://schemas.microsoft.com/office/drawing/2014/main" id="{8E839A05-E2CD-304E-883A-1D5997376548}"/>
+              </a:ext>
+            </a:extLst>
+          </p:cNvPr>
+          <p:cNvSpPr>
+            <a:spLocks noGrp="1"/>
+          </p:cNvSpPr>
+          <p:nvPr>
+            <p:ph type="sldNum" sz="quarter" idx="12"/>
+          </p:nvPr>
+        </p:nvSpPr>
+        <p:spPr/>
+        <p:txBody>
+          <a:bodyPr/>
+          <a:lstStyle/>
+          <a:p>
+            <a:fld id="{78776B16-91FB-9448-9CB1-FBF57F5ADB35}" type="slidenum">
+              <a:rPr lang="de-DE" smtClean="0"/>
+              <a:t>10</a:t>
+            </a:fld>
+            <a:endParaRPr lang="de-DE"/>
+          </a:p>
+        </p:txBody>
+      </p:sp>
+      <p:sp>
+        <p:nvSpPr>
+          <p:cNvPr id="10" name="Titel 1">
+            <a:extLst>
+              <a:ext uri="{FF2B5EF4-FFF2-40B4-BE49-F238E27FC236}">
+                <a16:creationId xmlns:a16="http://schemas.microsoft.com/office/drawing/2014/main" id="{F8F12A2B-6116-B040-B87B-51EA79DB792A}"/>
+              </a:ext>
+            </a:extLst>
+          </p:cNvPr>
+          <p:cNvSpPr txBox="1">
+            <a:spLocks/>
+          </p:cNvSpPr>
+          <p:nvPr/>
+        </p:nvSpPr>
+        <p:spPr>
+          <a:xfrm>
+            <a:off x="0" y="192933"/>
+            <a:ext cx="10930597" cy="777738"/>
+          </a:xfrm>
+          <a:prstGeom prst="rect">
+            <a:avLst/>
+          </a:prstGeom>
+          <a:solidFill>
+            <a:schemeClr val="bg2"/>
+          </a:solidFill>
+          <a:ln>
+            <a:solidFill>
+              <a:schemeClr val="tx1"/>
+            </a:solidFill>
+          </a:ln>
+        </p:spPr>
+        <p:style>
+          <a:lnRef idx="0">
+            <a:schemeClr val="accent3"/>
+          </a:lnRef>
+          <a:fillRef idx="3">
+            <a:schemeClr val="accent3"/>
+          </a:fillRef>
+          <a:effectRef idx="3">
+            <a:schemeClr val="accent3"/>
+          </a:effectRef>
+          <a:fontRef idx="minor">
+            <a:schemeClr val="lt1"/>
+          </a:fontRef>
+        </p:style>
+        <p:txBody>
+          <a:bodyPr vert="horz" lIns="91440" tIns="45720" rIns="91440" bIns="45720" rtlCol="0" anchor="ctr">
+            <a:normAutofit/>
+          </a:bodyPr>
+          <a:lstStyle>
+            <a:lvl1pPr algn="l" defTabSz="914400" rtl="0" eaLnBrk="1" latinLnBrk="0" hangingPunct="1">
+              <a:lnSpc>
+                <a:spcPct val="90000"/>
+              </a:lnSpc>
+              <a:spcBef>
+                <a:spcPct val="0"/>
+              </a:spcBef>
+              <a:buNone/>
+              <a:defRPr sz="4400" kern="1200">
+                <a:solidFill>
+                  <a:schemeClr val="lt1"/>
+                </a:solidFill>
+                <a:latin typeface="+mn-lt"/>
+                <a:ea typeface="+mn-ea"/>
+                <a:cs typeface="+mn-cs"/>
+              </a:defRPr>
+            </a:lvl1pPr>
+            <a:lvl2pPr>
+              <a:defRPr>
+                <a:solidFill>
+                  <a:schemeClr val="lt1"/>
+                </a:solidFill>
+                <a:latin typeface="+mn-lt"/>
+                <a:ea typeface="+mn-ea"/>
+                <a:cs typeface="+mn-cs"/>
+              </a:defRPr>
+            </a:lvl2pPr>
+            <a:lvl3pPr>
+              <a:defRPr>
+                <a:solidFill>
+                  <a:schemeClr val="lt1"/>
+                </a:solidFill>
+                <a:latin typeface="+mn-lt"/>
+                <a:ea typeface="+mn-ea"/>
+                <a:cs typeface="+mn-cs"/>
+              </a:defRPr>
+            </a:lvl3pPr>
+            <a:lvl4pPr>
+              <a:defRPr>
+                <a:solidFill>
+                  <a:schemeClr val="lt1"/>
+                </a:solidFill>
+                <a:latin typeface="+mn-lt"/>
+                <a:ea typeface="+mn-ea"/>
+                <a:cs typeface="+mn-cs"/>
+              </a:defRPr>
+            </a:lvl4pPr>
+            <a:lvl5pPr>
+              <a:defRPr>
+                <a:solidFill>
+                  <a:schemeClr val="lt1"/>
+                </a:solidFill>
+                <a:latin typeface="+mn-lt"/>
+                <a:ea typeface="+mn-ea"/>
+                <a:cs typeface="+mn-cs"/>
+              </a:defRPr>
+            </a:lvl5pPr>
+            <a:lvl6pPr>
+              <a:defRPr>
+                <a:solidFill>
+                  <a:schemeClr val="lt1"/>
+                </a:solidFill>
+                <a:latin typeface="+mn-lt"/>
+                <a:ea typeface="+mn-ea"/>
+                <a:cs typeface="+mn-cs"/>
+              </a:defRPr>
+            </a:lvl6pPr>
+            <a:lvl7pPr>
+              <a:defRPr>
+                <a:solidFill>
+                  <a:schemeClr val="lt1"/>
+                </a:solidFill>
+                <a:latin typeface="+mn-lt"/>
+                <a:ea typeface="+mn-ea"/>
+                <a:cs typeface="+mn-cs"/>
+              </a:defRPr>
+            </a:lvl7pPr>
+            <a:lvl8pPr>
+              <a:defRPr>
+                <a:solidFill>
+                  <a:schemeClr val="lt1"/>
+                </a:solidFill>
+                <a:latin typeface="+mn-lt"/>
+                <a:ea typeface="+mn-ea"/>
+                <a:cs typeface="+mn-cs"/>
+              </a:defRPr>
+            </a:lvl8pPr>
+            <a:lvl9pPr>
+              <a:defRPr>
+                <a:solidFill>
+                  <a:schemeClr val="lt1"/>
+                </a:solidFill>
+                <a:latin typeface="+mn-lt"/>
+                <a:ea typeface="+mn-ea"/>
+                <a:cs typeface="+mn-cs"/>
+              </a:defRPr>
+            </a:lvl9pPr>
+          </a:lstStyle>
+          <a:p>
+            <a:r>
+              <a:rPr lang="de-DE" b="1" dirty="0">
+                <a:solidFill>
+                  <a:schemeClr val="tx1"/>
+                </a:solidFill>
+              </a:rPr>
+              <a:t>      1.4 Qualitätssicherung</a:t>
+            </a:r>
+            <a:r>
+              <a:rPr lang="de-DE" dirty="0">
+                <a:solidFill>
+                  <a:schemeClr val="tx1"/>
+                </a:solidFill>
+              </a:rPr>
+              <a:t> </a:t>
+            </a:r>
+            <a:endParaRPr lang="de-DE" b="1" dirty="0">
+              <a:solidFill>
+                <a:schemeClr val="tx1"/>
+              </a:solidFill>
+            </a:endParaRPr>
+          </a:p>
+        </p:txBody>
+      </p:sp>
+      <p:sp>
+        <p:nvSpPr>
+          <p:cNvPr id="13" name="Inhaltsplatzhalter 2">
+            <a:extLst>
+              <a:ext uri="{FF2B5EF4-FFF2-40B4-BE49-F238E27FC236}">
+                <a16:creationId xmlns:a16="http://schemas.microsoft.com/office/drawing/2014/main" id="{382E00AB-3A0D-7440-9E21-0F1B08DB493B}"/>
+              </a:ext>
+            </a:extLst>
+          </p:cNvPr>
+          <p:cNvSpPr>
+            <a:spLocks noGrp="1"/>
+          </p:cNvSpPr>
+          <p:nvPr>
+            <p:ph idx="1"/>
+          </p:nvPr>
+        </p:nvSpPr>
+        <p:spPr>
+          <a:xfrm>
+            <a:off x="0" y="1639393"/>
+            <a:ext cx="12192000" cy="3664127"/>
+          </a:xfrm>
+          <a:solidFill>
+            <a:schemeClr val="bg2"/>
+          </a:solidFill>
+          <a:ln w="28575">
+            <a:solidFill>
+              <a:schemeClr val="tx1"/>
+            </a:solidFill>
+          </a:ln>
+        </p:spPr>
+        <p:txBody>
+          <a:bodyPr/>
+          <a:lstStyle/>
+          <a:p>
+            <a:pPr marL="457200" lvl="1" indent="0">
+              <a:buNone/>
+            </a:pPr>
+            <a:br>
+              <a:rPr lang="de-DE" b="1" dirty="0"/>
+            </a:br>
+            <a:r>
+              <a:rPr lang="de-DE" sz="2800" b="1" u="sng" dirty="0"/>
+              <a:t>Verwendete Tools</a:t>
+            </a:r>
+            <a:endParaRPr lang="de-DE" sz="2800" u="sng" dirty="0"/>
+          </a:p>
+          <a:p>
+            <a:pPr lvl="1"/>
+            <a:r>
+              <a:rPr lang="de-DE" sz="2800" dirty="0" err="1"/>
+              <a:t>Monkey</a:t>
+            </a:r>
+            <a:r>
+              <a:rPr lang="de-DE" sz="2800" dirty="0"/>
+              <a:t> Testing</a:t>
+            </a:r>
+          </a:p>
+          <a:p>
+            <a:pPr lvl="1"/>
+            <a:r>
+              <a:rPr lang="de-DE" sz="2800" dirty="0"/>
+              <a:t>JUnit</a:t>
+            </a:r>
+          </a:p>
+          <a:p>
+            <a:pPr lvl="1"/>
+            <a:r>
+              <a:rPr lang="de-DE" sz="2800" dirty="0"/>
+              <a:t>....</a:t>
+            </a:r>
+          </a:p>
+        </p:txBody>
+      </p:sp>
+      <p:pic>
+        <p:nvPicPr>
+          <p:cNvPr id="4" name="Inhaltsplatzhalter 4">
+            <a:extLst>
+              <a:ext uri="{FF2B5EF4-FFF2-40B4-BE49-F238E27FC236}">
+                <a16:creationId xmlns:a16="http://schemas.microsoft.com/office/drawing/2014/main" id="{C21DE334-6847-F84B-BB9E-FEFEF1FE63E3}"/>
+              </a:ext>
+            </a:extLst>
+          </p:cNvPr>
+          <p:cNvPicPr>
+            <a:picLocks noChangeAspect="1"/>
+          </p:cNvPicPr>
+          <p:nvPr/>
+        </p:nvPicPr>
+        <p:blipFill>
+          <a:blip r:embed="rId3"/>
+          <a:stretch>
+            <a:fillRect/>
+          </a:stretch>
+        </p:blipFill>
+        <p:spPr>
+          <a:xfrm>
+            <a:off x="10687711" y="-110171"/>
             <a:ext cx="1504289" cy="1383945"/>
           </a:xfrm>
           <a:prstGeom prst="rect">
@@ -3661,10 +4262,10 @@
       </p:pic>
       <p:sp>
         <p:nvSpPr>
-          <p:cNvPr id="6" name="Foliennummernplatzhalter 5">
-            <a:extLst>
-              <a:ext uri="{FF2B5EF4-FFF2-40B4-BE49-F238E27FC236}">
-                <a16:creationId xmlns:a16="http://schemas.microsoft.com/office/drawing/2014/main" id="{8E839A05-E2CD-304E-883A-1D5997376548}"/>
+          <p:cNvPr id="9" name="Fußzeilenplatzhalter 4">
+            <a:extLst>
+              <a:ext uri="{FF2B5EF4-FFF2-40B4-BE49-F238E27FC236}">
+                <a16:creationId xmlns:a16="http://schemas.microsoft.com/office/drawing/2014/main" id="{D4A97D1F-017A-2544-913E-76818C304226}"/>
               </a:ext>
             </a:extLst>
           </p:cNvPr>
@@ -3672,40 +4273,71 @@
             <a:spLocks noGrp="1"/>
           </p:cNvSpPr>
           <p:nvPr>
-            <p:ph type="sldNum" sz="quarter" idx="12"/>
+            <p:ph type="ftr" sz="quarter" idx="11"/>
           </p:nvPr>
-        </p:nvSpPr>
-        <p:spPr/>
-        <p:txBody>
-          <a:bodyPr/>
-          <a:lstStyle/>
-          <a:p>
-            <a:fld id="{78776B16-91FB-9448-9CB1-FBF57F5ADB35}" type="slidenum">
-              <a:rPr lang="de-DE" smtClean="0"/>
-              <a:t>10</a:t>
-            </a:fld>
-            <a:endParaRPr lang="de-DE"/>
-          </a:p>
-        </p:txBody>
-      </p:sp>
-      <p:sp>
-        <p:nvSpPr>
-          <p:cNvPr id="7" name="Fußzeilenplatzhalter 4">
-            <a:extLst>
-              <a:ext uri="{FF2B5EF4-FFF2-40B4-BE49-F238E27FC236}">
-                <a16:creationId xmlns:a16="http://schemas.microsoft.com/office/drawing/2014/main" id="{E0889CB8-C720-D541-B512-25FA2C40375D}"/>
-              </a:ext>
-            </a:extLst>
-          </p:cNvPr>
-          <p:cNvSpPr txBox="1">
-            <a:spLocks/>
-          </p:cNvSpPr>
-          <p:nvPr/>
         </p:nvSpPr>
         <p:spPr>
           <a:xfrm>
             <a:off x="0" y="6356350"/>
-            <a:ext cx="4114800" cy="365125"/>
+            <a:ext cx="12192000" cy="365125"/>
+          </a:xfrm>
+          <a:solidFill>
+            <a:schemeClr val="bg2"/>
+          </a:solidFill>
+          <a:ln>
+            <a:solidFill>
+              <a:schemeClr val="tx1"/>
+            </a:solidFill>
+          </a:ln>
+        </p:spPr>
+        <p:style>
+          <a:lnRef idx="0">
+            <a:schemeClr val="accent3"/>
+          </a:lnRef>
+          <a:fillRef idx="3">
+            <a:schemeClr val="accent3"/>
+          </a:fillRef>
+          <a:effectRef idx="3">
+            <a:schemeClr val="accent3"/>
+          </a:effectRef>
+          <a:fontRef idx="minor">
+            <a:schemeClr val="lt1"/>
+          </a:fontRef>
+        </p:style>
+        <p:txBody>
+          <a:bodyPr/>
+          <a:lstStyle/>
+          <a:p>
+            <a:pPr algn="l"/>
+            <a:r>
+              <a:rPr lang="de-DE" dirty="0">
+                <a:solidFill>
+                  <a:schemeClr val="tx1"/>
+                </a:solidFill>
+              </a:rPr>
+              <a:t>          Orkhan Aliev, Tim Groß, Daniel Helmig, Rukiye Devran</a:t>
+            </a:r>
+          </a:p>
+        </p:txBody>
+      </p:sp>
+      <p:sp>
+        <p:nvSpPr>
+          <p:cNvPr id="14" name="Foliennummernplatzhalter 5">
+            <a:extLst>
+              <a:ext uri="{FF2B5EF4-FFF2-40B4-BE49-F238E27FC236}">
+                <a16:creationId xmlns:a16="http://schemas.microsoft.com/office/drawing/2014/main" id="{B9F068FA-D6F2-5545-BEF5-ABC141F3D2CA}"/>
+              </a:ext>
+            </a:extLst>
+          </p:cNvPr>
+          <p:cNvSpPr txBox="1">
+            <a:spLocks/>
+          </p:cNvSpPr>
+          <p:nvPr/>
+        </p:nvSpPr>
+        <p:spPr>
+          <a:xfrm>
+            <a:off x="8620547" y="6356350"/>
+            <a:ext cx="2743200" cy="365125"/>
           </a:xfrm>
           <a:prstGeom prst="rect">
             <a:avLst/>
@@ -3717,7 +4349,7 @@
             <a:defPPr>
               <a:defRPr lang="de-DE"/>
             </a:defPPr>
-            <a:lvl1pPr marL="0" algn="ctr" defTabSz="914400" rtl="0" eaLnBrk="1" latinLnBrk="0" hangingPunct="1">
+            <a:lvl1pPr marL="0" algn="r" defTabSz="914400" rtl="0" eaLnBrk="1" latinLnBrk="0" hangingPunct="1">
               <a:defRPr sz="1200" kern="1200">
                 <a:solidFill>
                   <a:schemeClr val="tx1">
@@ -3812,34 +4444,9 @@
           </a:lstStyle>
           <a:p>
             <a:r>
-              <a:rPr lang="de-DE" dirty="0" err="1"/>
-              <a:t>Orkhan</a:t>
+              <a:rPr lang="de-DE" dirty="0"/>
+              <a:t>10</a:t>
             </a:r>
-            <a:r>
-              <a:rPr lang="de-DE" dirty="0"/>
-              <a:t> </a:t>
-            </a:r>
-            <a:r>
-              <a:rPr lang="de-DE" dirty="0" err="1"/>
-              <a:t>Aliev</a:t>
-            </a:r>
-            <a:r>
-              <a:rPr lang="de-DE" dirty="0"/>
-              <a:t>, Tim Groß, Daniel </a:t>
-            </a:r>
-            <a:r>
-              <a:rPr lang="de-DE" dirty="0" err="1"/>
-              <a:t>Helmig</a:t>
-            </a:r>
-            <a:r>
-              <a:rPr lang="de-DE" dirty="0"/>
-              <a:t>, Rukiye </a:t>
-            </a:r>
-            <a:r>
-              <a:rPr lang="de-DE" dirty="0" err="1"/>
-              <a:t>Devran</a:t>
-            </a:r>
-            <a:endParaRPr lang="de-DE" dirty="0"/>
           </a:p>
         </p:txBody>
       </p:sp>
@@ -3873,71 +4480,12 @@
           <a:chExt cx="0" cy="0"/>
         </a:xfrm>
       </p:grpSpPr>
-      <p:sp>
-        <p:nvSpPr>
-          <p:cNvPr id="2" name="Titel 1">
-            <a:extLst>
-              <a:ext uri="{FF2B5EF4-FFF2-40B4-BE49-F238E27FC236}">
-                <a16:creationId xmlns:a16="http://schemas.microsoft.com/office/drawing/2014/main" id="{3EE51EA0-F173-5243-BE5A-5683C334F9C1}"/>
-              </a:ext>
-            </a:extLst>
-          </p:cNvPr>
-          <p:cNvSpPr>
-            <a:spLocks noGrp="1"/>
-          </p:cNvSpPr>
-          <p:nvPr>
-            <p:ph type="title"/>
-          </p:nvPr>
-        </p:nvSpPr>
-        <p:spPr/>
-        <p:txBody>
-          <a:bodyPr/>
-          <a:lstStyle/>
-          <a:p>
-            <a:r>
-              <a:rPr lang="de-DE" b="1" dirty="0"/>
-              <a:t>2. Allgemeine Schwierigkeiten</a:t>
-            </a:r>
-          </a:p>
-        </p:txBody>
-      </p:sp>
-      <p:sp>
-        <p:nvSpPr>
-          <p:cNvPr id="3" name="Inhaltsplatzhalter 2">
-            <a:extLst>
-              <a:ext uri="{FF2B5EF4-FFF2-40B4-BE49-F238E27FC236}">
-                <a16:creationId xmlns:a16="http://schemas.microsoft.com/office/drawing/2014/main" id="{F2696C74-BBD7-044A-B353-C3A7EB3B2A35}"/>
-              </a:ext>
-            </a:extLst>
-          </p:cNvPr>
-          <p:cNvSpPr>
-            <a:spLocks noGrp="1"/>
-          </p:cNvSpPr>
-          <p:nvPr>
-            <p:ph idx="1"/>
-          </p:nvPr>
-        </p:nvSpPr>
-        <p:spPr/>
-        <p:txBody>
-          <a:bodyPr/>
-          <a:lstStyle/>
-          <a:p>
-            <a:r>
-              <a:rPr lang="de-DE" dirty="0"/>
-              <a:t>Server....</a:t>
-            </a:r>
-          </a:p>
-          <a:p>
-            <a:endParaRPr lang="de-DE" dirty="0"/>
-          </a:p>
-        </p:txBody>
-      </p:sp>
       <p:pic>
         <p:nvPicPr>
-          <p:cNvPr id="4" name="Inhaltsplatzhalter 4">
-            <a:extLst>
-              <a:ext uri="{FF2B5EF4-FFF2-40B4-BE49-F238E27FC236}">
-                <a16:creationId xmlns:a16="http://schemas.microsoft.com/office/drawing/2014/main" id="{D32FA1F4-4B32-1C4A-9360-CCA6404C1916}"/>
+          <p:cNvPr id="8" name="Grafik 7">
+            <a:extLst>
+              <a:ext uri="{FF2B5EF4-FFF2-40B4-BE49-F238E27FC236}">
+                <a16:creationId xmlns:a16="http://schemas.microsoft.com/office/drawing/2014/main" id="{20AEE990-C300-824C-9EC3-8C674825AAB6}"/>
               </a:ext>
             </a:extLst>
           </p:cNvPr>
@@ -3947,14 +4495,322 @@
           <p:nvPr/>
         </p:nvPicPr>
         <p:blipFill>
-          <a:blip r:embed="rId2"/>
+          <a:blip r:embed="rId2">
+            <a:alphaModFix amt="70000"/>
+            <a:extLst>
+              <a:ext uri="{BEBA8EAE-BF5A-486C-A8C5-ECC9F3942E4B}">
+                <a14:imgProps xmlns:a14="http://schemas.microsoft.com/office/drawing/2010/main">
+                  <a14:imgLayer>
+                    <a14:imgEffect>
+                      <a14:sharpenSoften amount="50000"/>
+                    </a14:imgEffect>
+                    <a14:imgEffect>
+                      <a14:brightnessContrast bright="20000"/>
+                    </a14:imgEffect>
+                  </a14:imgLayer>
+                </a14:imgProps>
+              </a:ext>
+            </a:extLst>
+          </a:blip>
           <a:stretch>
             <a:fillRect/>
           </a:stretch>
         </p:blipFill>
         <p:spPr>
           <a:xfrm>
-            <a:off x="10601655" y="108525"/>
+            <a:off x="0" y="0"/>
+            <a:ext cx="12192000" cy="6858000"/>
+          </a:xfrm>
+          <a:prstGeom prst="rect">
+            <a:avLst/>
+          </a:prstGeom>
+        </p:spPr>
+      </p:pic>
+      <p:sp>
+        <p:nvSpPr>
+          <p:cNvPr id="6" name="Foliennummernplatzhalter 5">
+            <a:extLst>
+              <a:ext uri="{FF2B5EF4-FFF2-40B4-BE49-F238E27FC236}">
+                <a16:creationId xmlns:a16="http://schemas.microsoft.com/office/drawing/2014/main" id="{CE667594-0D22-3D47-BC92-18F73DA69662}"/>
+              </a:ext>
+            </a:extLst>
+          </p:cNvPr>
+          <p:cNvSpPr>
+            <a:spLocks noGrp="1"/>
+          </p:cNvSpPr>
+          <p:nvPr>
+            <p:ph type="sldNum" sz="quarter" idx="12"/>
+          </p:nvPr>
+        </p:nvSpPr>
+        <p:spPr/>
+        <p:txBody>
+          <a:bodyPr/>
+          <a:lstStyle/>
+          <a:p>
+            <a:fld id="{78776B16-91FB-9448-9CB1-FBF57F5ADB35}" type="slidenum">
+              <a:rPr lang="de-DE" smtClean="0"/>
+              <a:t>11</a:t>
+            </a:fld>
+            <a:endParaRPr lang="de-DE"/>
+          </a:p>
+        </p:txBody>
+      </p:sp>
+      <p:sp>
+        <p:nvSpPr>
+          <p:cNvPr id="9" name="Fußzeilenplatzhalter 4">
+            <a:extLst>
+              <a:ext uri="{FF2B5EF4-FFF2-40B4-BE49-F238E27FC236}">
+                <a16:creationId xmlns:a16="http://schemas.microsoft.com/office/drawing/2014/main" id="{28119FDB-601C-1D4F-AF81-2FC0AC777806}"/>
+              </a:ext>
+            </a:extLst>
+          </p:cNvPr>
+          <p:cNvSpPr>
+            <a:spLocks noGrp="1"/>
+          </p:cNvSpPr>
+          <p:nvPr>
+            <p:ph type="ftr" sz="quarter" idx="11"/>
+          </p:nvPr>
+        </p:nvSpPr>
+        <p:spPr>
+          <a:xfrm>
+            <a:off x="0" y="6356350"/>
+            <a:ext cx="12192000" cy="365125"/>
+          </a:xfrm>
+          <a:solidFill>
+            <a:schemeClr val="bg2"/>
+          </a:solidFill>
+          <a:ln>
+            <a:solidFill>
+              <a:schemeClr val="tx1"/>
+            </a:solidFill>
+          </a:ln>
+        </p:spPr>
+        <p:style>
+          <a:lnRef idx="0">
+            <a:schemeClr val="accent3"/>
+          </a:lnRef>
+          <a:fillRef idx="3">
+            <a:schemeClr val="accent3"/>
+          </a:fillRef>
+          <a:effectRef idx="3">
+            <a:schemeClr val="accent3"/>
+          </a:effectRef>
+          <a:fontRef idx="minor">
+            <a:schemeClr val="lt1"/>
+          </a:fontRef>
+        </p:style>
+        <p:txBody>
+          <a:bodyPr/>
+          <a:lstStyle/>
+          <a:p>
+            <a:pPr algn="l"/>
+            <a:r>
+              <a:rPr lang="de-DE" dirty="0">
+                <a:solidFill>
+                  <a:schemeClr val="tx1"/>
+                </a:solidFill>
+              </a:rPr>
+              <a:t>          Orkhan Aliev, Tim Groß, Daniel Helmig, Rukiye Devran</a:t>
+            </a:r>
+          </a:p>
+        </p:txBody>
+      </p:sp>
+      <p:sp>
+        <p:nvSpPr>
+          <p:cNvPr id="10" name="Titel 1">
+            <a:extLst>
+              <a:ext uri="{FF2B5EF4-FFF2-40B4-BE49-F238E27FC236}">
+                <a16:creationId xmlns:a16="http://schemas.microsoft.com/office/drawing/2014/main" id="{8C412BFA-EF8B-E745-8915-938294B1F36B}"/>
+              </a:ext>
+            </a:extLst>
+          </p:cNvPr>
+          <p:cNvSpPr txBox="1">
+            <a:spLocks/>
+          </p:cNvSpPr>
+          <p:nvPr/>
+        </p:nvSpPr>
+        <p:spPr>
+          <a:xfrm>
+            <a:off x="0" y="192933"/>
+            <a:ext cx="10930597" cy="777738"/>
+          </a:xfrm>
+          <a:prstGeom prst="rect">
+            <a:avLst/>
+          </a:prstGeom>
+          <a:solidFill>
+            <a:schemeClr val="bg2"/>
+          </a:solidFill>
+          <a:ln>
+            <a:solidFill>
+              <a:schemeClr val="tx1"/>
+            </a:solidFill>
+          </a:ln>
+        </p:spPr>
+        <p:style>
+          <a:lnRef idx="0">
+            <a:schemeClr val="accent3"/>
+          </a:lnRef>
+          <a:fillRef idx="3">
+            <a:schemeClr val="accent3"/>
+          </a:fillRef>
+          <a:effectRef idx="3">
+            <a:schemeClr val="accent3"/>
+          </a:effectRef>
+          <a:fontRef idx="minor">
+            <a:schemeClr val="lt1"/>
+          </a:fontRef>
+        </p:style>
+        <p:txBody>
+          <a:bodyPr vert="horz" lIns="91440" tIns="45720" rIns="91440" bIns="45720" rtlCol="0" anchor="ctr">
+            <a:normAutofit/>
+          </a:bodyPr>
+          <a:lstStyle>
+            <a:lvl1pPr algn="l" defTabSz="914400" rtl="0" eaLnBrk="1" latinLnBrk="0" hangingPunct="1">
+              <a:lnSpc>
+                <a:spcPct val="90000"/>
+              </a:lnSpc>
+              <a:spcBef>
+                <a:spcPct val="0"/>
+              </a:spcBef>
+              <a:buNone/>
+              <a:defRPr sz="4400" kern="1200">
+                <a:solidFill>
+                  <a:schemeClr val="lt1"/>
+                </a:solidFill>
+                <a:latin typeface="+mn-lt"/>
+                <a:ea typeface="+mn-ea"/>
+                <a:cs typeface="+mn-cs"/>
+              </a:defRPr>
+            </a:lvl1pPr>
+            <a:lvl2pPr>
+              <a:defRPr>
+                <a:solidFill>
+                  <a:schemeClr val="lt1"/>
+                </a:solidFill>
+                <a:latin typeface="+mn-lt"/>
+                <a:ea typeface="+mn-ea"/>
+                <a:cs typeface="+mn-cs"/>
+              </a:defRPr>
+            </a:lvl2pPr>
+            <a:lvl3pPr>
+              <a:defRPr>
+                <a:solidFill>
+                  <a:schemeClr val="lt1"/>
+                </a:solidFill>
+                <a:latin typeface="+mn-lt"/>
+                <a:ea typeface="+mn-ea"/>
+                <a:cs typeface="+mn-cs"/>
+              </a:defRPr>
+            </a:lvl3pPr>
+            <a:lvl4pPr>
+              <a:defRPr>
+                <a:solidFill>
+                  <a:schemeClr val="lt1"/>
+                </a:solidFill>
+                <a:latin typeface="+mn-lt"/>
+                <a:ea typeface="+mn-ea"/>
+                <a:cs typeface="+mn-cs"/>
+              </a:defRPr>
+            </a:lvl4pPr>
+            <a:lvl5pPr>
+              <a:defRPr>
+                <a:solidFill>
+                  <a:schemeClr val="lt1"/>
+                </a:solidFill>
+                <a:latin typeface="+mn-lt"/>
+                <a:ea typeface="+mn-ea"/>
+                <a:cs typeface="+mn-cs"/>
+              </a:defRPr>
+            </a:lvl5pPr>
+            <a:lvl6pPr>
+              <a:defRPr>
+                <a:solidFill>
+                  <a:schemeClr val="lt1"/>
+                </a:solidFill>
+                <a:latin typeface="+mn-lt"/>
+                <a:ea typeface="+mn-ea"/>
+                <a:cs typeface="+mn-cs"/>
+              </a:defRPr>
+            </a:lvl6pPr>
+            <a:lvl7pPr>
+              <a:defRPr>
+                <a:solidFill>
+                  <a:schemeClr val="lt1"/>
+                </a:solidFill>
+                <a:latin typeface="+mn-lt"/>
+                <a:ea typeface="+mn-ea"/>
+                <a:cs typeface="+mn-cs"/>
+              </a:defRPr>
+            </a:lvl7pPr>
+            <a:lvl8pPr>
+              <a:defRPr>
+                <a:solidFill>
+                  <a:schemeClr val="lt1"/>
+                </a:solidFill>
+                <a:latin typeface="+mn-lt"/>
+                <a:ea typeface="+mn-ea"/>
+                <a:cs typeface="+mn-cs"/>
+              </a:defRPr>
+            </a:lvl8pPr>
+            <a:lvl9pPr>
+              <a:defRPr>
+                <a:solidFill>
+                  <a:schemeClr val="lt1"/>
+                </a:solidFill>
+                <a:latin typeface="+mn-lt"/>
+                <a:ea typeface="+mn-ea"/>
+                <a:cs typeface="+mn-cs"/>
+              </a:defRPr>
+            </a:lvl9pPr>
+          </a:lstStyle>
+          <a:p>
+            <a:r>
+              <a:rPr lang="de-DE" b="1" dirty="0">
+                <a:solidFill>
+                  <a:schemeClr val="tx1"/>
+                </a:solidFill>
+              </a:rPr>
+              <a:t>      2. Allgemeine Schwierigkeiten</a:t>
+            </a:r>
+            <a:r>
+              <a:rPr lang="de-DE" dirty="0">
+                <a:solidFill>
+                  <a:schemeClr val="tx1"/>
+                </a:solidFill>
+              </a:rPr>
+              <a:t> </a:t>
+            </a:r>
+            <a:endParaRPr lang="de-DE" b="1" dirty="0">
+              <a:solidFill>
+                <a:schemeClr val="tx1"/>
+              </a:solidFill>
+            </a:endParaRPr>
+          </a:p>
+        </p:txBody>
+      </p:sp>
+      <p:pic>
+        <p:nvPicPr>
+          <p:cNvPr id="4" name="Inhaltsplatzhalter 4">
+            <a:extLst>
+              <a:ext uri="{FF2B5EF4-FFF2-40B4-BE49-F238E27FC236}">
+                <a16:creationId xmlns:a16="http://schemas.microsoft.com/office/drawing/2014/main" id="{D32FA1F4-4B32-1C4A-9360-CCA6404C1916}"/>
+              </a:ext>
+            </a:extLst>
+          </p:cNvPr>
+          <p:cNvPicPr>
+            <a:picLocks noChangeAspect="1"/>
+          </p:cNvPicPr>
+          <p:nvPr/>
+        </p:nvPicPr>
+        <p:blipFill>
+          <a:blip r:embed="rId3"/>
+          <a:stretch>
+            <a:fillRect/>
+          </a:stretch>
+        </p:blipFill>
+        <p:spPr>
+          <a:xfrm>
+            <a:off x="10687711" y="-110171"/>
             <a:ext cx="1504289" cy="1383945"/>
           </a:xfrm>
           <a:prstGeom prst="rect">
@@ -3964,10 +4820,10 @@
       </p:pic>
       <p:sp>
         <p:nvSpPr>
-          <p:cNvPr id="6" name="Foliennummernplatzhalter 5">
-            <a:extLst>
-              <a:ext uri="{FF2B5EF4-FFF2-40B4-BE49-F238E27FC236}">
-                <a16:creationId xmlns:a16="http://schemas.microsoft.com/office/drawing/2014/main" id="{CE667594-0D22-3D47-BC92-18F73DA69662}"/>
+          <p:cNvPr id="15" name="Inhaltsplatzhalter 2">
+            <a:extLst>
+              <a:ext uri="{FF2B5EF4-FFF2-40B4-BE49-F238E27FC236}">
+                <a16:creationId xmlns:a16="http://schemas.microsoft.com/office/drawing/2014/main" id="{239DAB00-5DB8-744C-88FE-03D87681F179}"/>
               </a:ext>
             </a:extLst>
           </p:cNvPr>
@@ -3975,28 +4831,54 @@
             <a:spLocks noGrp="1"/>
           </p:cNvSpPr>
           <p:nvPr>
-            <p:ph type="sldNum" sz="quarter" idx="12"/>
+            <p:ph idx="1"/>
           </p:nvPr>
         </p:nvSpPr>
-        <p:spPr/>
+        <p:spPr>
+          <a:xfrm>
+            <a:off x="0" y="1639393"/>
+            <a:ext cx="12192000" cy="3664127"/>
+          </a:xfrm>
+          <a:solidFill>
+            <a:schemeClr val="bg2"/>
+          </a:solidFill>
+          <a:ln w="28575">
+            <a:solidFill>
+              <a:schemeClr val="tx1"/>
+            </a:solidFill>
+          </a:ln>
+        </p:spPr>
         <p:txBody>
           <a:bodyPr/>
           <a:lstStyle/>
           <a:p>
-            <a:fld id="{78776B16-91FB-9448-9CB1-FBF57F5ADB35}" type="slidenum">
-              <a:rPr lang="de-DE" smtClean="0"/>
-              <a:t>11</a:t>
-            </a:fld>
-            <a:endParaRPr lang="de-DE"/>
-          </a:p>
-        </p:txBody>
-      </p:sp>
-      <p:sp>
-        <p:nvSpPr>
-          <p:cNvPr id="7" name="Fußzeilenplatzhalter 4">
-            <a:extLst>
-              <a:ext uri="{FF2B5EF4-FFF2-40B4-BE49-F238E27FC236}">
-                <a16:creationId xmlns:a16="http://schemas.microsoft.com/office/drawing/2014/main" id="{E8CA9BD8-EBEF-6847-8F5D-1FD5640DE2AB}"/>
+            <a:pPr marL="457200" lvl="1" indent="0">
+              <a:buNone/>
+            </a:pPr>
+            <a:endParaRPr lang="de-DE" sz="2800" dirty="0"/>
+          </a:p>
+          <a:p>
+            <a:pPr lvl="1"/>
+            <a:r>
+              <a:rPr lang="de-DE" sz="2800" dirty="0"/>
+              <a:t>Server</a:t>
+            </a:r>
+          </a:p>
+          <a:p>
+            <a:pPr lvl="1"/>
+            <a:r>
+              <a:rPr lang="de-DE" sz="2800" dirty="0"/>
+              <a:t>....</a:t>
+            </a:r>
+          </a:p>
+        </p:txBody>
+      </p:sp>
+      <p:sp>
+        <p:nvSpPr>
+          <p:cNvPr id="16" name="Foliennummernplatzhalter 5">
+            <a:extLst>
+              <a:ext uri="{FF2B5EF4-FFF2-40B4-BE49-F238E27FC236}">
+                <a16:creationId xmlns:a16="http://schemas.microsoft.com/office/drawing/2014/main" id="{FE343FB5-05C7-E444-A6C3-7C4B5753176C}"/>
               </a:ext>
             </a:extLst>
           </p:cNvPr>
@@ -4007,8 +4889,8 @@
         </p:nvSpPr>
         <p:spPr>
           <a:xfrm>
-            <a:off x="0" y="6356350"/>
-            <a:ext cx="4114800" cy="365125"/>
+            <a:off x="8620547" y="6356350"/>
+            <a:ext cx="2743200" cy="365125"/>
           </a:xfrm>
           <a:prstGeom prst="rect">
             <a:avLst/>
@@ -4020,7 +4902,7 @@
             <a:defPPr>
               <a:defRPr lang="de-DE"/>
             </a:defPPr>
-            <a:lvl1pPr marL="0" algn="ctr" defTabSz="914400" rtl="0" eaLnBrk="1" latinLnBrk="0" hangingPunct="1">
+            <a:lvl1pPr marL="0" algn="r" defTabSz="914400" rtl="0" eaLnBrk="1" latinLnBrk="0" hangingPunct="1">
               <a:defRPr sz="1200" kern="1200">
                 <a:solidFill>
                   <a:schemeClr val="tx1">
@@ -4115,34 +4997,9 @@
           </a:lstStyle>
           <a:p>
             <a:r>
-              <a:rPr lang="de-DE" dirty="0" err="1"/>
-              <a:t>Orkhan</a:t>
+              <a:rPr lang="de-DE" dirty="0"/>
+              <a:t>11</a:t>
             </a:r>
-            <a:r>
-              <a:rPr lang="de-DE" dirty="0"/>
-              <a:t> </a:t>
-            </a:r>
-            <a:r>
-              <a:rPr lang="de-DE" dirty="0" err="1"/>
-              <a:t>Aliev</a:t>
-            </a:r>
-            <a:r>
-              <a:rPr lang="de-DE" dirty="0"/>
-              <a:t>, Tim Groß, Daniel </a:t>
-            </a:r>
-            <a:r>
-              <a:rPr lang="de-DE" dirty="0" err="1"/>
-              <a:t>Helmig</a:t>
-            </a:r>
-            <a:r>
-              <a:rPr lang="de-DE" dirty="0"/>
-              <a:t>, Rukiye </a:t>
-            </a:r>
-            <a:r>
-              <a:rPr lang="de-DE" dirty="0" err="1"/>
-              <a:t>Devran</a:t>
-            </a:r>
-            <a:endParaRPr lang="de-DE" dirty="0"/>
           </a:p>
         </p:txBody>
       </p:sp>
@@ -4176,12 +5033,266 @@
           <a:chExt cx="0" cy="0"/>
         </a:xfrm>
       </p:grpSpPr>
-      <p:sp>
-        <p:nvSpPr>
-          <p:cNvPr id="2" name="Titel 1">
-            <a:extLst>
-              <a:ext uri="{FF2B5EF4-FFF2-40B4-BE49-F238E27FC236}">
-                <a16:creationId xmlns:a16="http://schemas.microsoft.com/office/drawing/2014/main" id="{F40CB291-0785-1244-815A-8B1E7637A253}"/>
+      <p:pic>
+        <p:nvPicPr>
+          <p:cNvPr id="10" name="Grafik 9">
+            <a:extLst>
+              <a:ext uri="{FF2B5EF4-FFF2-40B4-BE49-F238E27FC236}">
+                <a16:creationId xmlns:a16="http://schemas.microsoft.com/office/drawing/2014/main" id="{E7D77146-B6AE-3A47-863B-F36F824FE892}"/>
+              </a:ext>
+            </a:extLst>
+          </p:cNvPr>
+          <p:cNvPicPr>
+            <a:picLocks noChangeAspect="1"/>
+          </p:cNvPicPr>
+          <p:nvPr/>
+        </p:nvPicPr>
+        <p:blipFill>
+          <a:blip r:embed="rId2">
+            <a:alphaModFix amt="70000"/>
+            <a:extLst>
+              <a:ext uri="{BEBA8EAE-BF5A-486C-A8C5-ECC9F3942E4B}">
+                <a14:imgProps xmlns:a14="http://schemas.microsoft.com/office/drawing/2010/main">
+                  <a14:imgLayer>
+                    <a14:imgEffect>
+                      <a14:sharpenSoften amount="50000"/>
+                    </a14:imgEffect>
+                    <a14:imgEffect>
+                      <a14:brightnessContrast bright="20000"/>
+                    </a14:imgEffect>
+                  </a14:imgLayer>
+                </a14:imgProps>
+              </a:ext>
+            </a:extLst>
+          </a:blip>
+          <a:stretch>
+            <a:fillRect/>
+          </a:stretch>
+        </p:blipFill>
+        <p:spPr>
+          <a:xfrm>
+            <a:off x="0" y="0"/>
+            <a:ext cx="12192000" cy="6858000"/>
+          </a:xfrm>
+          <a:prstGeom prst="rect">
+            <a:avLst/>
+          </a:prstGeom>
+        </p:spPr>
+      </p:pic>
+      <p:sp>
+        <p:nvSpPr>
+          <p:cNvPr id="15" name="Inhaltsplatzhalter 2">
+            <a:extLst>
+              <a:ext uri="{FF2B5EF4-FFF2-40B4-BE49-F238E27FC236}">
+                <a16:creationId xmlns:a16="http://schemas.microsoft.com/office/drawing/2014/main" id="{145984F8-646B-8641-8B77-91311028AE17}"/>
+              </a:ext>
+            </a:extLst>
+          </p:cNvPr>
+          <p:cNvSpPr txBox="1">
+            <a:spLocks/>
+          </p:cNvSpPr>
+          <p:nvPr/>
+        </p:nvSpPr>
+        <p:spPr>
+          <a:xfrm>
+            <a:off x="0" y="1639394"/>
+            <a:ext cx="12192000" cy="2524643"/>
+          </a:xfrm>
+          <a:prstGeom prst="rect">
+            <a:avLst/>
+          </a:prstGeom>
+          <a:solidFill>
+            <a:schemeClr val="bg2"/>
+          </a:solidFill>
+          <a:ln w="28575">
+            <a:solidFill>
+              <a:schemeClr val="tx1"/>
+            </a:solidFill>
+          </a:ln>
+        </p:spPr>
+        <p:txBody>
+          <a:bodyPr vert="horz" lIns="91440" tIns="45720" rIns="91440" bIns="45720" rtlCol="0">
+            <a:normAutofit/>
+          </a:bodyPr>
+          <a:lstStyle>
+            <a:lvl1pPr marL="228600" indent="-228600" algn="l" defTabSz="914400" rtl="0" eaLnBrk="1" latinLnBrk="0" hangingPunct="1">
+              <a:lnSpc>
+                <a:spcPct val="90000"/>
+              </a:lnSpc>
+              <a:spcBef>
+                <a:spcPts val="1000"/>
+              </a:spcBef>
+              <a:buFont typeface="Arial" panose="020B0604020202020204" pitchFamily="34" charset="0"/>
+              <a:buChar char="•"/>
+              <a:defRPr sz="2800" kern="1200">
+                <a:solidFill>
+                  <a:schemeClr val="tx1"/>
+                </a:solidFill>
+                <a:latin typeface="+mn-lt"/>
+                <a:ea typeface="+mn-ea"/>
+                <a:cs typeface="+mn-cs"/>
+              </a:defRPr>
+            </a:lvl1pPr>
+            <a:lvl2pPr marL="685800" indent="-228600" algn="l" defTabSz="914400" rtl="0" eaLnBrk="1" latinLnBrk="0" hangingPunct="1">
+              <a:lnSpc>
+                <a:spcPct val="90000"/>
+              </a:lnSpc>
+              <a:spcBef>
+                <a:spcPts val="500"/>
+              </a:spcBef>
+              <a:buFont typeface="Arial" panose="020B0604020202020204" pitchFamily="34" charset="0"/>
+              <a:buChar char="•"/>
+              <a:defRPr sz="2400" kern="1200">
+                <a:solidFill>
+                  <a:schemeClr val="tx1"/>
+                </a:solidFill>
+                <a:latin typeface="+mn-lt"/>
+                <a:ea typeface="+mn-ea"/>
+                <a:cs typeface="+mn-cs"/>
+              </a:defRPr>
+            </a:lvl2pPr>
+            <a:lvl3pPr marL="1143000" indent="-228600" algn="l" defTabSz="914400" rtl="0" eaLnBrk="1" latinLnBrk="0" hangingPunct="1">
+              <a:lnSpc>
+                <a:spcPct val="90000"/>
+              </a:lnSpc>
+              <a:spcBef>
+                <a:spcPts val="500"/>
+              </a:spcBef>
+              <a:buFont typeface="Arial" panose="020B0604020202020204" pitchFamily="34" charset="0"/>
+              <a:buChar char="•"/>
+              <a:defRPr sz="2000" kern="1200">
+                <a:solidFill>
+                  <a:schemeClr val="tx1"/>
+                </a:solidFill>
+                <a:latin typeface="+mn-lt"/>
+                <a:ea typeface="+mn-ea"/>
+                <a:cs typeface="+mn-cs"/>
+              </a:defRPr>
+            </a:lvl3pPr>
+            <a:lvl4pPr marL="1600200" indent="-228600" algn="l" defTabSz="914400" rtl="0" eaLnBrk="1" latinLnBrk="0" hangingPunct="1">
+              <a:lnSpc>
+                <a:spcPct val="90000"/>
+              </a:lnSpc>
+              <a:spcBef>
+                <a:spcPts val="500"/>
+              </a:spcBef>
+              <a:buFont typeface="Arial" panose="020B0604020202020204" pitchFamily="34" charset="0"/>
+              <a:buChar char="•"/>
+              <a:defRPr sz="1800" kern="1200">
+                <a:solidFill>
+                  <a:schemeClr val="tx1"/>
+                </a:solidFill>
+                <a:latin typeface="+mn-lt"/>
+                <a:ea typeface="+mn-ea"/>
+                <a:cs typeface="+mn-cs"/>
+              </a:defRPr>
+            </a:lvl4pPr>
+            <a:lvl5pPr marL="2057400" indent="-228600" algn="l" defTabSz="914400" rtl="0" eaLnBrk="1" latinLnBrk="0" hangingPunct="1">
+              <a:lnSpc>
+                <a:spcPct val="90000"/>
+              </a:lnSpc>
+              <a:spcBef>
+                <a:spcPts val="500"/>
+              </a:spcBef>
+              <a:buFont typeface="Arial" panose="020B0604020202020204" pitchFamily="34" charset="0"/>
+              <a:buChar char="•"/>
+              <a:defRPr sz="1800" kern="1200">
+                <a:solidFill>
+                  <a:schemeClr val="tx1"/>
+                </a:solidFill>
+                <a:latin typeface="+mn-lt"/>
+                <a:ea typeface="+mn-ea"/>
+                <a:cs typeface="+mn-cs"/>
+              </a:defRPr>
+            </a:lvl5pPr>
+            <a:lvl6pPr marL="2514600" indent="-228600" algn="l" defTabSz="914400" rtl="0" eaLnBrk="1" latinLnBrk="0" hangingPunct="1">
+              <a:lnSpc>
+                <a:spcPct val="90000"/>
+              </a:lnSpc>
+              <a:spcBef>
+                <a:spcPts val="500"/>
+              </a:spcBef>
+              <a:buFont typeface="Arial" panose="020B0604020202020204" pitchFamily="34" charset="0"/>
+              <a:buChar char="•"/>
+              <a:defRPr sz="1800" kern="1200">
+                <a:solidFill>
+                  <a:schemeClr val="tx1"/>
+                </a:solidFill>
+                <a:latin typeface="+mn-lt"/>
+                <a:ea typeface="+mn-ea"/>
+                <a:cs typeface="+mn-cs"/>
+              </a:defRPr>
+            </a:lvl6pPr>
+            <a:lvl7pPr marL="2971800" indent="-228600" algn="l" defTabSz="914400" rtl="0" eaLnBrk="1" latinLnBrk="0" hangingPunct="1">
+              <a:lnSpc>
+                <a:spcPct val="90000"/>
+              </a:lnSpc>
+              <a:spcBef>
+                <a:spcPts val="500"/>
+              </a:spcBef>
+              <a:buFont typeface="Arial" panose="020B0604020202020204" pitchFamily="34" charset="0"/>
+              <a:buChar char="•"/>
+              <a:defRPr sz="1800" kern="1200">
+                <a:solidFill>
+                  <a:schemeClr val="tx1"/>
+                </a:solidFill>
+                <a:latin typeface="+mn-lt"/>
+                <a:ea typeface="+mn-ea"/>
+                <a:cs typeface="+mn-cs"/>
+              </a:defRPr>
+            </a:lvl7pPr>
+            <a:lvl8pPr marL="3429000" indent="-228600" algn="l" defTabSz="914400" rtl="0" eaLnBrk="1" latinLnBrk="0" hangingPunct="1">
+              <a:lnSpc>
+                <a:spcPct val="90000"/>
+              </a:lnSpc>
+              <a:spcBef>
+                <a:spcPts val="500"/>
+              </a:spcBef>
+              <a:buFont typeface="Arial" panose="020B0604020202020204" pitchFamily="34" charset="0"/>
+              <a:buChar char="•"/>
+              <a:defRPr sz="1800" kern="1200">
+                <a:solidFill>
+                  <a:schemeClr val="tx1"/>
+                </a:solidFill>
+                <a:latin typeface="+mn-lt"/>
+                <a:ea typeface="+mn-ea"/>
+                <a:cs typeface="+mn-cs"/>
+              </a:defRPr>
+            </a:lvl8pPr>
+            <a:lvl9pPr marL="3886200" indent="-228600" algn="l" defTabSz="914400" rtl="0" eaLnBrk="1" latinLnBrk="0" hangingPunct="1">
+              <a:lnSpc>
+                <a:spcPct val="90000"/>
+              </a:lnSpc>
+              <a:spcBef>
+                <a:spcPts val="500"/>
+              </a:spcBef>
+              <a:buFont typeface="Arial" panose="020B0604020202020204" pitchFamily="34" charset="0"/>
+              <a:buChar char="•"/>
+              <a:defRPr sz="1800" kern="1200">
+                <a:solidFill>
+                  <a:schemeClr val="tx1"/>
+                </a:solidFill>
+                <a:latin typeface="+mn-lt"/>
+                <a:ea typeface="+mn-ea"/>
+                <a:cs typeface="+mn-cs"/>
+              </a:defRPr>
+            </a:lvl9pPr>
+          </a:lstStyle>
+          <a:p>
+            <a:pPr marL="457200" lvl="1" indent="0">
+              <a:buFont typeface="Arial" panose="020B0604020202020204" pitchFamily="34" charset="0"/>
+              <a:buNone/>
+            </a:pPr>
+            <a:endParaRPr lang="de-DE" sz="2800" dirty="0"/>
+          </a:p>
+        </p:txBody>
+      </p:sp>
+      <p:sp>
+        <p:nvSpPr>
+          <p:cNvPr id="8" name="Foliennummernplatzhalter 7">
+            <a:extLst>
+              <a:ext uri="{FF2B5EF4-FFF2-40B4-BE49-F238E27FC236}">
+                <a16:creationId xmlns:a16="http://schemas.microsoft.com/office/drawing/2014/main" id="{10969AAB-F240-6E45-B069-5960B3889F6A}"/>
               </a:ext>
             </a:extLst>
           </p:cNvPr>
@@ -4189,7 +5300,7 @@
             <a:spLocks noGrp="1"/>
           </p:cNvSpPr>
           <p:nvPr>
-            <p:ph type="title"/>
+            <p:ph type="sldNum" sz="quarter" idx="12"/>
           </p:nvPr>
         </p:nvSpPr>
         <p:spPr/>
@@ -4197,19 +5308,270 @@
           <a:bodyPr/>
           <a:lstStyle/>
           <a:p>
+            <a:fld id="{78776B16-91FB-9448-9CB1-FBF57F5ADB35}" type="slidenum">
+              <a:rPr lang="de-DE" smtClean="0"/>
+              <a:t>12</a:t>
+            </a:fld>
+            <a:endParaRPr lang="de-DE"/>
+          </a:p>
+        </p:txBody>
+      </p:sp>
+      <p:sp>
+        <p:nvSpPr>
+          <p:cNvPr id="11" name="Fußzeilenplatzhalter 4">
+            <a:extLst>
+              <a:ext uri="{FF2B5EF4-FFF2-40B4-BE49-F238E27FC236}">
+                <a16:creationId xmlns:a16="http://schemas.microsoft.com/office/drawing/2014/main" id="{399F1CD2-5D5E-4C4D-B6DC-1F79D23F7386}"/>
+              </a:ext>
+            </a:extLst>
+          </p:cNvPr>
+          <p:cNvSpPr>
+            <a:spLocks noGrp="1"/>
+          </p:cNvSpPr>
+          <p:nvPr>
+            <p:ph type="ftr" sz="quarter" idx="11"/>
+          </p:nvPr>
+        </p:nvSpPr>
+        <p:spPr>
+          <a:xfrm>
+            <a:off x="0" y="6356350"/>
+            <a:ext cx="12192000" cy="365125"/>
+          </a:xfrm>
+          <a:solidFill>
+            <a:schemeClr val="bg2"/>
+          </a:solidFill>
+          <a:ln>
+            <a:solidFill>
+              <a:schemeClr val="tx1"/>
+            </a:solidFill>
+          </a:ln>
+        </p:spPr>
+        <p:style>
+          <a:lnRef idx="0">
+            <a:schemeClr val="accent3"/>
+          </a:lnRef>
+          <a:fillRef idx="3">
+            <a:schemeClr val="accent3"/>
+          </a:fillRef>
+          <a:effectRef idx="3">
+            <a:schemeClr val="accent3"/>
+          </a:effectRef>
+          <a:fontRef idx="minor">
+            <a:schemeClr val="lt1"/>
+          </a:fontRef>
+        </p:style>
+        <p:txBody>
+          <a:bodyPr/>
+          <a:lstStyle/>
+          <a:p>
+            <a:pPr algn="l"/>
             <a:r>
-              <a:rPr lang="de-DE" b="1" dirty="0"/>
-              <a:t>3. App Demonstration</a:t>
+              <a:rPr lang="de-DE" dirty="0">
+                <a:solidFill>
+                  <a:schemeClr val="tx1"/>
+                </a:solidFill>
+              </a:rPr>
+              <a:t>          Orkhan Aliev, Tim Groß, Daniel Helmig, Rukiye Devran</a:t>
+            </a:r>
+          </a:p>
+        </p:txBody>
+      </p:sp>
+      <p:sp>
+        <p:nvSpPr>
+          <p:cNvPr id="12" name="Titel 1">
+            <a:extLst>
+              <a:ext uri="{FF2B5EF4-FFF2-40B4-BE49-F238E27FC236}">
+                <a16:creationId xmlns:a16="http://schemas.microsoft.com/office/drawing/2014/main" id="{E3D739D8-EC04-5F4E-AF55-01A09BA39B0C}"/>
+              </a:ext>
+            </a:extLst>
+          </p:cNvPr>
+          <p:cNvSpPr txBox="1">
+            <a:spLocks/>
+          </p:cNvSpPr>
+          <p:nvPr/>
+        </p:nvSpPr>
+        <p:spPr>
+          <a:xfrm>
+            <a:off x="0" y="192933"/>
+            <a:ext cx="10930597" cy="777738"/>
+          </a:xfrm>
+          <a:prstGeom prst="rect">
+            <a:avLst/>
+          </a:prstGeom>
+          <a:solidFill>
+            <a:schemeClr val="bg2"/>
+          </a:solidFill>
+          <a:ln>
+            <a:solidFill>
+              <a:schemeClr val="tx1"/>
+            </a:solidFill>
+          </a:ln>
+        </p:spPr>
+        <p:style>
+          <a:lnRef idx="0">
+            <a:schemeClr val="accent3"/>
+          </a:lnRef>
+          <a:fillRef idx="3">
+            <a:schemeClr val="accent3"/>
+          </a:fillRef>
+          <a:effectRef idx="3">
+            <a:schemeClr val="accent3"/>
+          </a:effectRef>
+          <a:fontRef idx="minor">
+            <a:schemeClr val="lt1"/>
+          </a:fontRef>
+        </p:style>
+        <p:txBody>
+          <a:bodyPr vert="horz" lIns="91440" tIns="45720" rIns="91440" bIns="45720" rtlCol="0" anchor="ctr">
+            <a:normAutofit/>
+          </a:bodyPr>
+          <a:lstStyle>
+            <a:lvl1pPr algn="l" defTabSz="914400" rtl="0" eaLnBrk="1" latinLnBrk="0" hangingPunct="1">
+              <a:lnSpc>
+                <a:spcPct val="90000"/>
+              </a:lnSpc>
+              <a:spcBef>
+                <a:spcPct val="0"/>
+              </a:spcBef>
+              <a:buNone/>
+              <a:defRPr sz="4400" kern="1200">
+                <a:solidFill>
+                  <a:schemeClr val="lt1"/>
+                </a:solidFill>
+                <a:latin typeface="+mn-lt"/>
+                <a:ea typeface="+mn-ea"/>
+                <a:cs typeface="+mn-cs"/>
+              </a:defRPr>
+            </a:lvl1pPr>
+            <a:lvl2pPr>
+              <a:defRPr>
+                <a:solidFill>
+                  <a:schemeClr val="lt1"/>
+                </a:solidFill>
+                <a:latin typeface="+mn-lt"/>
+                <a:ea typeface="+mn-ea"/>
+                <a:cs typeface="+mn-cs"/>
+              </a:defRPr>
+            </a:lvl2pPr>
+            <a:lvl3pPr>
+              <a:defRPr>
+                <a:solidFill>
+                  <a:schemeClr val="lt1"/>
+                </a:solidFill>
+                <a:latin typeface="+mn-lt"/>
+                <a:ea typeface="+mn-ea"/>
+                <a:cs typeface="+mn-cs"/>
+              </a:defRPr>
+            </a:lvl3pPr>
+            <a:lvl4pPr>
+              <a:defRPr>
+                <a:solidFill>
+                  <a:schemeClr val="lt1"/>
+                </a:solidFill>
+                <a:latin typeface="+mn-lt"/>
+                <a:ea typeface="+mn-ea"/>
+                <a:cs typeface="+mn-cs"/>
+              </a:defRPr>
+            </a:lvl4pPr>
+            <a:lvl5pPr>
+              <a:defRPr>
+                <a:solidFill>
+                  <a:schemeClr val="lt1"/>
+                </a:solidFill>
+                <a:latin typeface="+mn-lt"/>
+                <a:ea typeface="+mn-ea"/>
+                <a:cs typeface="+mn-cs"/>
+              </a:defRPr>
+            </a:lvl5pPr>
+            <a:lvl6pPr>
+              <a:defRPr>
+                <a:solidFill>
+                  <a:schemeClr val="lt1"/>
+                </a:solidFill>
+                <a:latin typeface="+mn-lt"/>
+                <a:ea typeface="+mn-ea"/>
+                <a:cs typeface="+mn-cs"/>
+              </a:defRPr>
+            </a:lvl6pPr>
+            <a:lvl7pPr>
+              <a:defRPr>
+                <a:solidFill>
+                  <a:schemeClr val="lt1"/>
+                </a:solidFill>
+                <a:latin typeface="+mn-lt"/>
+                <a:ea typeface="+mn-ea"/>
+                <a:cs typeface="+mn-cs"/>
+              </a:defRPr>
+            </a:lvl7pPr>
+            <a:lvl8pPr>
+              <a:defRPr>
+                <a:solidFill>
+                  <a:schemeClr val="lt1"/>
+                </a:solidFill>
+                <a:latin typeface="+mn-lt"/>
+                <a:ea typeface="+mn-ea"/>
+                <a:cs typeface="+mn-cs"/>
+              </a:defRPr>
+            </a:lvl8pPr>
+            <a:lvl9pPr>
+              <a:defRPr>
+                <a:solidFill>
+                  <a:schemeClr val="lt1"/>
+                </a:solidFill>
+                <a:latin typeface="+mn-lt"/>
+                <a:ea typeface="+mn-ea"/>
+                <a:cs typeface="+mn-cs"/>
+              </a:defRPr>
+            </a:lvl9pPr>
+          </a:lstStyle>
+          <a:p>
+            <a:r>
+              <a:rPr lang="de-DE" b="1" dirty="0">
+                <a:solidFill>
+                  <a:schemeClr val="tx1"/>
+                </a:solidFill>
+              </a:rPr>
+              <a:t>      3. App Demonstration</a:t>
             </a:r>
           </a:p>
         </p:txBody>
       </p:sp>
       <p:pic>
         <p:nvPicPr>
-          <p:cNvPr id="5" name="Inhaltsplatzhalter 4">
-            <a:extLst>
-              <a:ext uri="{FF2B5EF4-FFF2-40B4-BE49-F238E27FC236}">
-                <a16:creationId xmlns:a16="http://schemas.microsoft.com/office/drawing/2014/main" id="{A60AEED8-FB29-B24D-AF86-5E2164B56EDC}"/>
+          <p:cNvPr id="13" name="Inhaltsplatzhalter 4">
+            <a:extLst>
+              <a:ext uri="{FF2B5EF4-FFF2-40B4-BE49-F238E27FC236}">
+                <a16:creationId xmlns:a16="http://schemas.microsoft.com/office/drawing/2014/main" id="{5FCC1094-BB12-D04F-AC8D-EA4EF1BEDE86}"/>
+              </a:ext>
+            </a:extLst>
+          </p:cNvPr>
+          <p:cNvPicPr>
+            <a:picLocks noChangeAspect="1"/>
+          </p:cNvPicPr>
+          <p:nvPr/>
+        </p:nvPicPr>
+        <p:blipFill>
+          <a:blip r:embed="rId3"/>
+          <a:stretch>
+            <a:fillRect/>
+          </a:stretch>
+        </p:blipFill>
+        <p:spPr>
+          <a:xfrm>
+            <a:off x="10687711" y="-110171"/>
+            <a:ext cx="1504289" cy="1383945"/>
+          </a:xfrm>
+          <a:prstGeom prst="rect">
+            <a:avLst/>
+          </a:prstGeom>
+        </p:spPr>
+      </p:pic>
+      <p:pic>
+        <p:nvPicPr>
+          <p:cNvPr id="17" name="Inhaltsplatzhalter 4">
+            <a:extLst>
+              <a:ext uri="{FF2B5EF4-FFF2-40B4-BE49-F238E27FC236}">
+                <a16:creationId xmlns:a16="http://schemas.microsoft.com/office/drawing/2014/main" id="{9C4EB775-86DF-AC49-ADAC-B2B918BA77AC}"/>
               </a:ext>
             </a:extLst>
           </p:cNvPr>
@@ -4221,53 +5583,49 @@
           </p:nvPr>
         </p:nvPicPr>
         <p:blipFill>
-          <a:blip r:embed="rId2"/>
+          <a:blip r:embed="rId4">
+            <a:extLst>
+              <a:ext uri="{BEBA8EAE-BF5A-486C-A8C5-ECC9F3942E4B}">
+                <a14:imgProps xmlns:a14="http://schemas.microsoft.com/office/drawing/2010/main">
+                  <a14:imgLayer>
+                    <a14:imgEffect>
+                      <a14:sharpenSoften amount="50000"/>
+                    </a14:imgEffect>
+                    <a14:imgEffect>
+                      <a14:colorTemperature colorTemp="11200"/>
+                    </a14:imgEffect>
+                    <a14:imgEffect>
+                      <a14:saturation sat="0"/>
+                    </a14:imgEffect>
+                    <a14:imgEffect>
+                      <a14:brightnessContrast contrast="20000"/>
+                    </a14:imgEffect>
+                  </a14:imgLayer>
+                </a14:imgProps>
+              </a:ext>
+            </a:extLst>
+          </a:blip>
           <a:stretch>
             <a:fillRect/>
           </a:stretch>
         </p:blipFill>
         <p:spPr>
           <a:xfrm>
-            <a:off x="4831474" y="2536414"/>
-            <a:ext cx="2258291" cy="2077627"/>
+            <a:off x="352475" y="1820002"/>
+            <a:ext cx="2427456" cy="2233259"/>
           </a:xfrm>
+          <a:noFill/>
+          <a:ln>
+            <a:noFill/>
+          </a:ln>
         </p:spPr>
       </p:pic>
       <p:sp>
         <p:nvSpPr>
-          <p:cNvPr id="8" name="Foliennummernplatzhalter 7">
-            <a:extLst>
-              <a:ext uri="{FF2B5EF4-FFF2-40B4-BE49-F238E27FC236}">
-                <a16:creationId xmlns:a16="http://schemas.microsoft.com/office/drawing/2014/main" id="{10969AAB-F240-6E45-B069-5960B3889F6A}"/>
-              </a:ext>
-            </a:extLst>
-          </p:cNvPr>
-          <p:cNvSpPr>
-            <a:spLocks noGrp="1"/>
-          </p:cNvSpPr>
-          <p:nvPr>
-            <p:ph type="sldNum" sz="quarter" idx="12"/>
-          </p:nvPr>
-        </p:nvSpPr>
-        <p:spPr/>
-        <p:txBody>
-          <a:bodyPr/>
-          <a:lstStyle/>
-          <a:p>
-            <a:fld id="{78776B16-91FB-9448-9CB1-FBF57F5ADB35}" type="slidenum">
-              <a:rPr lang="de-DE" smtClean="0"/>
-              <a:t>12</a:t>
-            </a:fld>
-            <a:endParaRPr lang="de-DE"/>
-          </a:p>
-        </p:txBody>
-      </p:sp>
-      <p:sp>
-        <p:nvSpPr>
-          <p:cNvPr id="9" name="Fußzeilenplatzhalter 4">
-            <a:extLst>
-              <a:ext uri="{FF2B5EF4-FFF2-40B4-BE49-F238E27FC236}">
-                <a16:creationId xmlns:a16="http://schemas.microsoft.com/office/drawing/2014/main" id="{224E26EC-4F26-F741-AB11-A8562BAAAE27}"/>
+          <p:cNvPr id="18" name="Foliennummernplatzhalter 5">
+            <a:extLst>
+              <a:ext uri="{FF2B5EF4-FFF2-40B4-BE49-F238E27FC236}">
+                <a16:creationId xmlns:a16="http://schemas.microsoft.com/office/drawing/2014/main" id="{9EBB46DB-AA5E-E14E-8CD8-C578AC083DD3}"/>
               </a:ext>
             </a:extLst>
           </p:cNvPr>
@@ -4278,8 +5636,8 @@
         </p:nvSpPr>
         <p:spPr>
           <a:xfrm>
-            <a:off x="0" y="6356350"/>
-            <a:ext cx="4114800" cy="365125"/>
+            <a:off x="8620547" y="6356350"/>
+            <a:ext cx="2743200" cy="365125"/>
           </a:xfrm>
           <a:prstGeom prst="rect">
             <a:avLst/>
@@ -4291,7 +5649,7 @@
             <a:defPPr>
               <a:defRPr lang="de-DE"/>
             </a:defPPr>
-            <a:lvl1pPr marL="0" algn="ctr" defTabSz="914400" rtl="0" eaLnBrk="1" latinLnBrk="0" hangingPunct="1">
+            <a:lvl1pPr marL="0" algn="r" defTabSz="914400" rtl="0" eaLnBrk="1" latinLnBrk="0" hangingPunct="1">
               <a:defRPr sz="1200" kern="1200">
                 <a:solidFill>
                   <a:schemeClr val="tx1">
@@ -4386,34 +5744,9 @@
           </a:lstStyle>
           <a:p>
             <a:r>
-              <a:rPr lang="de-DE" dirty="0" err="1"/>
-              <a:t>Orkhan</a:t>
+              <a:rPr lang="de-DE" dirty="0"/>
+              <a:t>12</a:t>
             </a:r>
-            <a:r>
-              <a:rPr lang="de-DE" dirty="0"/>
-              <a:t> </a:t>
-            </a:r>
-            <a:r>
-              <a:rPr lang="de-DE" dirty="0" err="1"/>
-              <a:t>Aliev</a:t>
-            </a:r>
-            <a:r>
-              <a:rPr lang="de-DE" dirty="0"/>
-              <a:t>, Tim Groß, Daniel </a:t>
-            </a:r>
-            <a:r>
-              <a:rPr lang="de-DE" dirty="0" err="1"/>
-              <a:t>Helmig</a:t>
-            </a:r>
-            <a:r>
-              <a:rPr lang="de-DE" dirty="0"/>
-              <a:t>, Rukiye </a:t>
-            </a:r>
-            <a:r>
-              <a:rPr lang="de-DE" dirty="0" err="1"/>
-              <a:t>Devran</a:t>
-            </a:r>
-            <a:endParaRPr lang="de-DE" dirty="0"/>
           </a:p>
         </p:txBody>
       </p:sp>
@@ -4447,121 +5780,12 @@
           <a:chExt cx="0" cy="0"/>
         </a:xfrm>
       </p:grpSpPr>
-      <p:sp>
-        <p:nvSpPr>
-          <p:cNvPr id="2" name="Titel 1">
-            <a:extLst>
-              <a:ext uri="{FF2B5EF4-FFF2-40B4-BE49-F238E27FC236}">
-                <a16:creationId xmlns:a16="http://schemas.microsoft.com/office/drawing/2014/main" id="{9EC574EB-8C59-D147-813A-B27BCD9251C2}"/>
-              </a:ext>
-            </a:extLst>
-          </p:cNvPr>
-          <p:cNvSpPr>
-            <a:spLocks noGrp="1"/>
-          </p:cNvSpPr>
-          <p:nvPr>
-            <p:ph type="title"/>
-          </p:nvPr>
-        </p:nvSpPr>
-        <p:spPr/>
-        <p:txBody>
-          <a:bodyPr/>
-          <a:lstStyle/>
-          <a:p>
-            <a:r>
-              <a:rPr lang="de-DE" b="1" dirty="0"/>
-              <a:t>4. Fazit</a:t>
-            </a:r>
-          </a:p>
-        </p:txBody>
-      </p:sp>
-      <p:sp>
-        <p:nvSpPr>
-          <p:cNvPr id="3" name="Inhaltsplatzhalter 2">
-            <a:extLst>
-              <a:ext uri="{FF2B5EF4-FFF2-40B4-BE49-F238E27FC236}">
-                <a16:creationId xmlns:a16="http://schemas.microsoft.com/office/drawing/2014/main" id="{152C754F-FF1B-A147-8C3D-6A25CF64554A}"/>
-              </a:ext>
-            </a:extLst>
-          </p:cNvPr>
-          <p:cNvSpPr>
-            <a:spLocks noGrp="1"/>
-          </p:cNvSpPr>
-          <p:nvPr>
-            <p:ph idx="1"/>
-          </p:nvPr>
-        </p:nvSpPr>
-        <p:spPr/>
-        <p:txBody>
-          <a:bodyPr/>
-          <a:lstStyle/>
-          <a:p>
-            <a:pPr marL="0" indent="0">
-              <a:buNone/>
-            </a:pPr>
-            <a:r>
-              <a:rPr lang="de-DE" b="1" dirty="0">
-                <a:sym typeface="Wingdings" pitchFamily="2" charset="2"/>
-              </a:rPr>
-              <a:t>Erfahrungen:</a:t>
-            </a:r>
-          </a:p>
-          <a:p>
-            <a:pPr>
-              <a:buFontTx/>
-              <a:buChar char="-"/>
-            </a:pPr>
-            <a:r>
-              <a:rPr lang="de-DE" dirty="0">
-                <a:sym typeface="Wingdings" pitchFamily="2" charset="2"/>
-              </a:rPr>
-              <a:t>zu Optimistisch geplanter Zeitaufwand</a:t>
-            </a:r>
-          </a:p>
-          <a:p>
-            <a:pPr>
-              <a:buFontTx/>
-              <a:buChar char="-"/>
-            </a:pPr>
-            <a:r>
-              <a:rPr lang="de-DE" dirty="0">
-                <a:sym typeface="Wingdings" pitchFamily="2" charset="2"/>
-              </a:rPr>
-              <a:t>Pflichtenheft und Entwurfsheft nie vollständig</a:t>
-            </a:r>
-          </a:p>
-          <a:p>
-            <a:pPr>
-              <a:buFont typeface="Wingdings" pitchFamily="2" charset="2"/>
-              <a:buChar char="à"/>
-            </a:pPr>
-            <a:r>
-              <a:rPr lang="de-DE" dirty="0">
-                <a:sym typeface="Wingdings" pitchFamily="2" charset="2"/>
-              </a:rPr>
-              <a:t> viele Probleme erst bei Implementierung aufgetaucht</a:t>
-            </a:r>
-          </a:p>
-          <a:p>
-            <a:pPr marL="0" indent="0">
-              <a:buNone/>
-            </a:pPr>
-            <a:r>
-              <a:rPr lang="de-DE" dirty="0">
-                <a:sym typeface="Wingdings" pitchFamily="2" charset="2"/>
-              </a:rPr>
-              <a:t>- </a:t>
-            </a:r>
-            <a:endParaRPr lang="de-DE" dirty="0"/>
-          </a:p>
-        </p:txBody>
-      </p:sp>
       <p:pic>
         <p:nvPicPr>
-          <p:cNvPr id="4" name="Inhaltsplatzhalter 4">
-            <a:extLst>
-              <a:ext uri="{FF2B5EF4-FFF2-40B4-BE49-F238E27FC236}">
-                <a16:creationId xmlns:a16="http://schemas.microsoft.com/office/drawing/2014/main" id="{71745377-BDFA-014C-8A7A-E071B6B6692B}"/>
+          <p:cNvPr id="8" name="Grafik 7">
+            <a:extLst>
+              <a:ext uri="{FF2B5EF4-FFF2-40B4-BE49-F238E27FC236}">
+                <a16:creationId xmlns:a16="http://schemas.microsoft.com/office/drawing/2014/main" id="{DE122CF9-F31E-EC46-9341-52C7F81E4ED8}"/>
               </a:ext>
             </a:extLst>
           </p:cNvPr>
@@ -4571,14 +5795,418 @@
           <p:nvPr/>
         </p:nvPicPr>
         <p:blipFill>
-          <a:blip r:embed="rId2"/>
+          <a:blip r:embed="rId2">
+            <a:alphaModFix amt="70000"/>
+            <a:extLst>
+              <a:ext uri="{BEBA8EAE-BF5A-486C-A8C5-ECC9F3942E4B}">
+                <a14:imgProps xmlns:a14="http://schemas.microsoft.com/office/drawing/2010/main">
+                  <a14:imgLayer>
+                    <a14:imgEffect>
+                      <a14:sharpenSoften amount="50000"/>
+                    </a14:imgEffect>
+                    <a14:imgEffect>
+                      <a14:brightnessContrast bright="20000"/>
+                    </a14:imgEffect>
+                  </a14:imgLayer>
+                </a14:imgProps>
+              </a:ext>
+            </a:extLst>
+          </a:blip>
           <a:stretch>
             <a:fillRect/>
           </a:stretch>
         </p:blipFill>
         <p:spPr>
           <a:xfrm>
-            <a:off x="10601655" y="108525"/>
+            <a:off x="0" y="0"/>
+            <a:ext cx="12192000" cy="6858000"/>
+          </a:xfrm>
+          <a:prstGeom prst="rect">
+            <a:avLst/>
+          </a:prstGeom>
+        </p:spPr>
+      </p:pic>
+      <p:sp>
+        <p:nvSpPr>
+          <p:cNvPr id="3" name="Inhaltsplatzhalter 2">
+            <a:extLst>
+              <a:ext uri="{FF2B5EF4-FFF2-40B4-BE49-F238E27FC236}">
+                <a16:creationId xmlns:a16="http://schemas.microsoft.com/office/drawing/2014/main" id="{152C754F-FF1B-A147-8C3D-6A25CF64554A}"/>
+              </a:ext>
+            </a:extLst>
+          </p:cNvPr>
+          <p:cNvSpPr>
+            <a:spLocks noGrp="1"/>
+          </p:cNvSpPr>
+          <p:nvPr>
+            <p:ph idx="1"/>
+          </p:nvPr>
+        </p:nvSpPr>
+        <p:spPr>
+          <a:xfrm>
+            <a:off x="0" y="1628678"/>
+            <a:ext cx="12192000" cy="3745181"/>
+          </a:xfrm>
+          <a:solidFill>
+            <a:schemeClr val="bg2"/>
+          </a:solidFill>
+          <a:ln w="28575">
+            <a:solidFill>
+              <a:schemeClr val="tx1"/>
+            </a:solidFill>
+          </a:ln>
+        </p:spPr>
+        <p:txBody>
+          <a:bodyPr/>
+          <a:lstStyle/>
+          <a:p>
+            <a:pPr marL="0" indent="0">
+              <a:buNone/>
+            </a:pPr>
+            <a:endParaRPr lang="de-DE" b="1" dirty="0">
+              <a:sym typeface="Wingdings" pitchFamily="2" charset="2"/>
+            </a:endParaRPr>
+          </a:p>
+          <a:p>
+            <a:pPr marL="457200" lvl="1" indent="0">
+              <a:buNone/>
+            </a:pPr>
+            <a:r>
+              <a:rPr lang="de-DE" sz="2800" b="1" dirty="0">
+                <a:sym typeface="Wingdings" pitchFamily="2" charset="2"/>
+              </a:rPr>
+              <a:t>Erfahrungen:</a:t>
+            </a:r>
+          </a:p>
+          <a:p>
+            <a:pPr lvl="1"/>
+            <a:r>
+              <a:rPr lang="de-DE" sz="2800" dirty="0">
+                <a:sym typeface="Wingdings" pitchFamily="2" charset="2"/>
+              </a:rPr>
+              <a:t>zu Optimistisch geplanter Zeitaufwand</a:t>
+            </a:r>
+          </a:p>
+          <a:p>
+            <a:pPr lvl="1"/>
+            <a:r>
+              <a:rPr lang="de-DE" sz="2800" dirty="0">
+                <a:sym typeface="Wingdings" pitchFamily="2" charset="2"/>
+              </a:rPr>
+              <a:t>Pflichtenheft und Entwurfsheft nie vollständig</a:t>
+            </a:r>
+          </a:p>
+          <a:p>
+            <a:pPr lvl="1"/>
+            <a:r>
+              <a:rPr lang="de-DE" sz="2800" dirty="0">
+                <a:sym typeface="Wingdings" pitchFamily="2" charset="2"/>
+              </a:rPr>
+              <a:t> viele Probleme erst bei Implementierung aufgetaucht</a:t>
+            </a:r>
+          </a:p>
+          <a:p>
+            <a:pPr lvl="1"/>
+            <a:r>
+              <a:rPr lang="de-DE" sz="2800" dirty="0">
+                <a:sym typeface="Wingdings" pitchFamily="2" charset="2"/>
+              </a:rPr>
+              <a:t>...</a:t>
+            </a:r>
+            <a:endParaRPr lang="de-DE" sz="2800" dirty="0"/>
+          </a:p>
+        </p:txBody>
+      </p:sp>
+      <p:sp>
+        <p:nvSpPr>
+          <p:cNvPr id="6" name="Foliennummernplatzhalter 5">
+            <a:extLst>
+              <a:ext uri="{FF2B5EF4-FFF2-40B4-BE49-F238E27FC236}">
+                <a16:creationId xmlns:a16="http://schemas.microsoft.com/office/drawing/2014/main" id="{108B7FEB-0E2A-734B-B8B8-F0704F1DC5E9}"/>
+              </a:ext>
+            </a:extLst>
+          </p:cNvPr>
+          <p:cNvSpPr>
+            <a:spLocks noGrp="1"/>
+          </p:cNvSpPr>
+          <p:nvPr>
+            <p:ph type="sldNum" sz="quarter" idx="12"/>
+          </p:nvPr>
+        </p:nvSpPr>
+        <p:spPr/>
+        <p:txBody>
+          <a:bodyPr/>
+          <a:lstStyle/>
+          <a:p>
+            <a:fld id="{78776B16-91FB-9448-9CB1-FBF57F5ADB35}" type="slidenum">
+              <a:rPr lang="de-DE" smtClean="0"/>
+              <a:t>13</a:t>
+            </a:fld>
+            <a:endParaRPr lang="de-DE"/>
+          </a:p>
+        </p:txBody>
+      </p:sp>
+      <p:sp>
+        <p:nvSpPr>
+          <p:cNvPr id="9" name="Fußzeilenplatzhalter 4">
+            <a:extLst>
+              <a:ext uri="{FF2B5EF4-FFF2-40B4-BE49-F238E27FC236}">
+                <a16:creationId xmlns:a16="http://schemas.microsoft.com/office/drawing/2014/main" id="{6CF6F754-F093-C543-8C7B-32E9F223FDB6}"/>
+              </a:ext>
+            </a:extLst>
+          </p:cNvPr>
+          <p:cNvSpPr>
+            <a:spLocks noGrp="1"/>
+          </p:cNvSpPr>
+          <p:nvPr>
+            <p:ph type="ftr" sz="quarter" idx="11"/>
+          </p:nvPr>
+        </p:nvSpPr>
+        <p:spPr>
+          <a:xfrm>
+            <a:off x="0" y="6356350"/>
+            <a:ext cx="12192000" cy="365125"/>
+          </a:xfrm>
+          <a:solidFill>
+            <a:schemeClr val="bg2"/>
+          </a:solidFill>
+          <a:ln>
+            <a:solidFill>
+              <a:schemeClr val="tx1"/>
+            </a:solidFill>
+          </a:ln>
+        </p:spPr>
+        <p:style>
+          <a:lnRef idx="0">
+            <a:schemeClr val="accent3"/>
+          </a:lnRef>
+          <a:fillRef idx="3">
+            <a:schemeClr val="accent3"/>
+          </a:fillRef>
+          <a:effectRef idx="3">
+            <a:schemeClr val="accent3"/>
+          </a:effectRef>
+          <a:fontRef idx="minor">
+            <a:schemeClr val="lt1"/>
+          </a:fontRef>
+        </p:style>
+        <p:txBody>
+          <a:bodyPr/>
+          <a:lstStyle/>
+          <a:p>
+            <a:pPr algn="l"/>
+            <a:r>
+              <a:rPr lang="de-DE">
+                <a:solidFill>
+                  <a:schemeClr val="tx1"/>
+                </a:solidFill>
+              </a:rPr>
+              <a:t>          Orkhan Aliev, Tim Groß, Daniel Helmig, Rukiye Devran </a:t>
+            </a:r>
+            <a:endParaRPr lang="de-DE" dirty="0">
+              <a:solidFill>
+                <a:schemeClr val="tx1"/>
+              </a:solidFill>
+            </a:endParaRPr>
+          </a:p>
+        </p:txBody>
+      </p:sp>
+      <p:sp>
+        <p:nvSpPr>
+          <p:cNvPr id="10" name="Titel 1">
+            <a:extLst>
+              <a:ext uri="{FF2B5EF4-FFF2-40B4-BE49-F238E27FC236}">
+                <a16:creationId xmlns:a16="http://schemas.microsoft.com/office/drawing/2014/main" id="{5874C92B-3A54-554E-9CF7-17B600FE0EBB}"/>
+              </a:ext>
+            </a:extLst>
+          </p:cNvPr>
+          <p:cNvSpPr txBox="1">
+            <a:spLocks/>
+          </p:cNvSpPr>
+          <p:nvPr/>
+        </p:nvSpPr>
+        <p:spPr>
+          <a:xfrm>
+            <a:off x="0" y="192933"/>
+            <a:ext cx="10930597" cy="777738"/>
+          </a:xfrm>
+          <a:prstGeom prst="rect">
+            <a:avLst/>
+          </a:prstGeom>
+          <a:solidFill>
+            <a:schemeClr val="bg2"/>
+          </a:solidFill>
+          <a:ln>
+            <a:solidFill>
+              <a:schemeClr val="tx1"/>
+            </a:solidFill>
+          </a:ln>
+        </p:spPr>
+        <p:style>
+          <a:lnRef idx="0">
+            <a:schemeClr val="accent3"/>
+          </a:lnRef>
+          <a:fillRef idx="3">
+            <a:schemeClr val="accent3"/>
+          </a:fillRef>
+          <a:effectRef idx="3">
+            <a:schemeClr val="accent3"/>
+          </a:effectRef>
+          <a:fontRef idx="minor">
+            <a:schemeClr val="lt1"/>
+          </a:fontRef>
+        </p:style>
+        <p:txBody>
+          <a:bodyPr vert="horz" lIns="91440" tIns="45720" rIns="91440" bIns="45720" rtlCol="0" anchor="ctr">
+            <a:normAutofit/>
+          </a:bodyPr>
+          <a:lstStyle>
+            <a:lvl1pPr algn="l" defTabSz="914400" rtl="0" eaLnBrk="1" latinLnBrk="0" hangingPunct="1">
+              <a:lnSpc>
+                <a:spcPct val="90000"/>
+              </a:lnSpc>
+              <a:spcBef>
+                <a:spcPct val="0"/>
+              </a:spcBef>
+              <a:buNone/>
+              <a:defRPr sz="4400" kern="1200">
+                <a:solidFill>
+                  <a:schemeClr val="lt1"/>
+                </a:solidFill>
+                <a:latin typeface="+mn-lt"/>
+                <a:ea typeface="+mn-ea"/>
+                <a:cs typeface="+mn-cs"/>
+              </a:defRPr>
+            </a:lvl1pPr>
+            <a:lvl2pPr>
+              <a:defRPr>
+                <a:solidFill>
+                  <a:schemeClr val="lt1"/>
+                </a:solidFill>
+                <a:latin typeface="+mn-lt"/>
+                <a:ea typeface="+mn-ea"/>
+                <a:cs typeface="+mn-cs"/>
+              </a:defRPr>
+            </a:lvl2pPr>
+            <a:lvl3pPr>
+              <a:defRPr>
+                <a:solidFill>
+                  <a:schemeClr val="lt1"/>
+                </a:solidFill>
+                <a:latin typeface="+mn-lt"/>
+                <a:ea typeface="+mn-ea"/>
+                <a:cs typeface="+mn-cs"/>
+              </a:defRPr>
+            </a:lvl3pPr>
+            <a:lvl4pPr>
+              <a:defRPr>
+                <a:solidFill>
+                  <a:schemeClr val="lt1"/>
+                </a:solidFill>
+                <a:latin typeface="+mn-lt"/>
+                <a:ea typeface="+mn-ea"/>
+                <a:cs typeface="+mn-cs"/>
+              </a:defRPr>
+            </a:lvl4pPr>
+            <a:lvl5pPr>
+              <a:defRPr>
+                <a:solidFill>
+                  <a:schemeClr val="lt1"/>
+                </a:solidFill>
+                <a:latin typeface="+mn-lt"/>
+                <a:ea typeface="+mn-ea"/>
+                <a:cs typeface="+mn-cs"/>
+              </a:defRPr>
+            </a:lvl5pPr>
+            <a:lvl6pPr>
+              <a:defRPr>
+                <a:solidFill>
+                  <a:schemeClr val="lt1"/>
+                </a:solidFill>
+                <a:latin typeface="+mn-lt"/>
+                <a:ea typeface="+mn-ea"/>
+                <a:cs typeface="+mn-cs"/>
+              </a:defRPr>
+            </a:lvl6pPr>
+            <a:lvl7pPr>
+              <a:defRPr>
+                <a:solidFill>
+                  <a:schemeClr val="lt1"/>
+                </a:solidFill>
+                <a:latin typeface="+mn-lt"/>
+                <a:ea typeface="+mn-ea"/>
+                <a:cs typeface="+mn-cs"/>
+              </a:defRPr>
+            </a:lvl7pPr>
+            <a:lvl8pPr>
+              <a:defRPr>
+                <a:solidFill>
+                  <a:schemeClr val="lt1"/>
+                </a:solidFill>
+                <a:latin typeface="+mn-lt"/>
+                <a:ea typeface="+mn-ea"/>
+                <a:cs typeface="+mn-cs"/>
+              </a:defRPr>
+            </a:lvl8pPr>
+            <a:lvl9pPr>
+              <a:defRPr>
+                <a:solidFill>
+                  <a:schemeClr val="lt1"/>
+                </a:solidFill>
+                <a:latin typeface="+mn-lt"/>
+                <a:ea typeface="+mn-ea"/>
+                <a:cs typeface="+mn-cs"/>
+              </a:defRPr>
+            </a:lvl9pPr>
+          </a:lstStyle>
+          <a:p>
+            <a:r>
+              <a:rPr lang="de-DE" b="1" dirty="0">
+                <a:solidFill>
+                  <a:schemeClr val="tx1"/>
+                </a:solidFill>
+              </a:rPr>
+              <a:t>      4. Fazit</a:t>
+            </a:r>
+            <a:r>
+              <a:rPr lang="de-DE" dirty="0">
+                <a:solidFill>
+                  <a:schemeClr val="tx1"/>
+                </a:solidFill>
+              </a:rPr>
+              <a:t> </a:t>
+            </a:r>
+            <a:endParaRPr lang="de-DE" b="1" dirty="0">
+              <a:solidFill>
+                <a:schemeClr val="tx1"/>
+              </a:solidFill>
+            </a:endParaRPr>
+          </a:p>
+        </p:txBody>
+      </p:sp>
+      <p:pic>
+        <p:nvPicPr>
+          <p:cNvPr id="4" name="Inhaltsplatzhalter 4">
+            <a:extLst>
+              <a:ext uri="{FF2B5EF4-FFF2-40B4-BE49-F238E27FC236}">
+                <a16:creationId xmlns:a16="http://schemas.microsoft.com/office/drawing/2014/main" id="{71745377-BDFA-014C-8A7A-E071B6B6692B}"/>
+              </a:ext>
+            </a:extLst>
+          </p:cNvPr>
+          <p:cNvPicPr>
+            <a:picLocks noChangeAspect="1"/>
+          </p:cNvPicPr>
+          <p:nvPr/>
+        </p:nvPicPr>
+        <p:blipFill>
+          <a:blip r:embed="rId3"/>
+          <a:stretch>
+            <a:fillRect/>
+          </a:stretch>
+        </p:blipFill>
+        <p:spPr>
+          <a:xfrm>
+            <a:off x="10687711" y="-110171"/>
             <a:ext cx="1504289" cy="1383945"/>
           </a:xfrm>
           <a:prstGeom prst="rect">
@@ -4588,39 +6216,10 @@
       </p:pic>
       <p:sp>
         <p:nvSpPr>
-          <p:cNvPr id="6" name="Foliennummernplatzhalter 5">
-            <a:extLst>
-              <a:ext uri="{FF2B5EF4-FFF2-40B4-BE49-F238E27FC236}">
-                <a16:creationId xmlns:a16="http://schemas.microsoft.com/office/drawing/2014/main" id="{108B7FEB-0E2A-734B-B8B8-F0704F1DC5E9}"/>
-              </a:ext>
-            </a:extLst>
-          </p:cNvPr>
-          <p:cNvSpPr>
-            <a:spLocks noGrp="1"/>
-          </p:cNvSpPr>
-          <p:nvPr>
-            <p:ph type="sldNum" sz="quarter" idx="12"/>
-          </p:nvPr>
-        </p:nvSpPr>
-        <p:spPr/>
-        <p:txBody>
-          <a:bodyPr/>
-          <a:lstStyle/>
-          <a:p>
-            <a:fld id="{78776B16-91FB-9448-9CB1-FBF57F5ADB35}" type="slidenum">
-              <a:rPr lang="de-DE" smtClean="0"/>
-              <a:t>13</a:t>
-            </a:fld>
-            <a:endParaRPr lang="de-DE"/>
-          </a:p>
-        </p:txBody>
-      </p:sp>
-      <p:sp>
-        <p:nvSpPr>
-          <p:cNvPr id="7" name="Fußzeilenplatzhalter 4">
-            <a:extLst>
-              <a:ext uri="{FF2B5EF4-FFF2-40B4-BE49-F238E27FC236}">
-                <a16:creationId xmlns:a16="http://schemas.microsoft.com/office/drawing/2014/main" id="{4BE54F77-4DF0-9E42-BF79-50E9713285C9}"/>
+          <p:cNvPr id="11" name="Foliennummernplatzhalter 5">
+            <a:extLst>
+              <a:ext uri="{FF2B5EF4-FFF2-40B4-BE49-F238E27FC236}">
+                <a16:creationId xmlns:a16="http://schemas.microsoft.com/office/drawing/2014/main" id="{83A2BFA8-1211-BD4D-8210-A163C747B6C0}"/>
               </a:ext>
             </a:extLst>
           </p:cNvPr>
@@ -4631,8 +6230,8 @@
         </p:nvSpPr>
         <p:spPr>
           <a:xfrm>
-            <a:off x="0" y="6356350"/>
-            <a:ext cx="4114800" cy="365125"/>
+            <a:off x="8620547" y="6356350"/>
+            <a:ext cx="2743200" cy="365125"/>
           </a:xfrm>
           <a:prstGeom prst="rect">
             <a:avLst/>
@@ -4644,7 +6243,7 @@
             <a:defPPr>
               <a:defRPr lang="de-DE"/>
             </a:defPPr>
-            <a:lvl1pPr marL="0" algn="ctr" defTabSz="914400" rtl="0" eaLnBrk="1" latinLnBrk="0" hangingPunct="1">
+            <a:lvl1pPr marL="0" algn="r" defTabSz="914400" rtl="0" eaLnBrk="1" latinLnBrk="0" hangingPunct="1">
               <a:defRPr sz="1200" kern="1200">
                 <a:solidFill>
                   <a:schemeClr val="tx1">
@@ -4739,34 +6338,9 @@
           </a:lstStyle>
           <a:p>
             <a:r>
-              <a:rPr lang="de-DE" dirty="0" err="1"/>
-              <a:t>Orkhan</a:t>
+              <a:rPr lang="de-DE" dirty="0"/>
+              <a:t>13</a:t>
             </a:r>
-            <a:r>
-              <a:rPr lang="de-DE" dirty="0"/>
-              <a:t> </a:t>
-            </a:r>
-            <a:r>
-              <a:rPr lang="de-DE" dirty="0" err="1"/>
-              <a:t>Aliev</a:t>
-            </a:r>
-            <a:r>
-              <a:rPr lang="de-DE" dirty="0"/>
-              <a:t>, Tim Groß, Daniel </a:t>
-            </a:r>
-            <a:r>
-              <a:rPr lang="de-DE" dirty="0" err="1"/>
-              <a:t>Helmig</a:t>
-            </a:r>
-            <a:r>
-              <a:rPr lang="de-DE" dirty="0"/>
-              <a:t>, Rukiye </a:t>
-            </a:r>
-            <a:r>
-              <a:rPr lang="de-DE" dirty="0" err="1"/>
-              <a:t>Devran</a:t>
-            </a:r>
-            <a:endParaRPr lang="de-DE" dirty="0"/>
           </a:p>
         </p:txBody>
       </p:sp>
@@ -4800,50 +6374,12 @@
           <a:chExt cx="0" cy="0"/>
         </a:xfrm>
       </p:grpSpPr>
-      <p:sp>
-        <p:nvSpPr>
-          <p:cNvPr id="3" name="Inhaltsplatzhalter 2">
-            <a:extLst>
-              <a:ext uri="{FF2B5EF4-FFF2-40B4-BE49-F238E27FC236}">
-                <a16:creationId xmlns:a16="http://schemas.microsoft.com/office/drawing/2014/main" id="{975E5260-C0C3-4941-B59F-21D6490A9954}"/>
-              </a:ext>
-            </a:extLst>
-          </p:cNvPr>
-          <p:cNvSpPr>
-            <a:spLocks noGrp="1"/>
-          </p:cNvSpPr>
-          <p:nvPr>
-            <p:ph idx="1"/>
-          </p:nvPr>
-        </p:nvSpPr>
-        <p:spPr>
-          <a:xfrm>
-            <a:off x="838199" y="2370137"/>
-            <a:ext cx="10515600" cy="4351338"/>
-          </a:xfrm>
-        </p:spPr>
-        <p:txBody>
-          <a:bodyPr>
-            <a:normAutofit/>
-          </a:bodyPr>
-          <a:lstStyle/>
-          <a:p>
-            <a:pPr marL="0" indent="0" algn="ctr">
-              <a:buNone/>
-            </a:pPr>
-            <a:r>
-              <a:rPr lang="de-DE" sz="5400" b="1" dirty="0"/>
-              <a:t>Vielen Dank für Eure Aufmerksamkeit!</a:t>
-            </a:r>
-          </a:p>
-        </p:txBody>
-      </p:sp>
       <p:pic>
         <p:nvPicPr>
-          <p:cNvPr id="4" name="Inhaltsplatzhalter 4">
-            <a:extLst>
-              <a:ext uri="{FF2B5EF4-FFF2-40B4-BE49-F238E27FC236}">
-                <a16:creationId xmlns:a16="http://schemas.microsoft.com/office/drawing/2014/main" id="{212108A4-926C-5D40-A440-6A2813C346F5}"/>
+          <p:cNvPr id="8" name="Grafik 7">
+            <a:extLst>
+              <a:ext uri="{FF2B5EF4-FFF2-40B4-BE49-F238E27FC236}">
+                <a16:creationId xmlns:a16="http://schemas.microsoft.com/office/drawing/2014/main" id="{B4CA1025-4694-724B-A555-8140F17A1C60}"/>
               </a:ext>
             </a:extLst>
           </p:cNvPr>
@@ -4853,14 +6389,374 @@
           <p:nvPr/>
         </p:nvPicPr>
         <p:blipFill>
-          <a:blip r:embed="rId2"/>
+          <a:blip r:embed="rId2">
+            <a:alphaModFix amt="70000"/>
+            <a:extLst>
+              <a:ext uri="{BEBA8EAE-BF5A-486C-A8C5-ECC9F3942E4B}">
+                <a14:imgProps xmlns:a14="http://schemas.microsoft.com/office/drawing/2010/main">
+                  <a14:imgLayer>
+                    <a14:imgEffect>
+                      <a14:sharpenSoften amount="50000"/>
+                    </a14:imgEffect>
+                    <a14:imgEffect>
+                      <a14:brightnessContrast bright="20000"/>
+                    </a14:imgEffect>
+                  </a14:imgLayer>
+                </a14:imgProps>
+              </a:ext>
+            </a:extLst>
+          </a:blip>
           <a:stretch>
             <a:fillRect/>
           </a:stretch>
         </p:blipFill>
         <p:spPr>
           <a:xfrm>
-            <a:off x="10601655" y="108525"/>
+            <a:off x="0" y="0"/>
+            <a:ext cx="12192000" cy="6858000"/>
+          </a:xfrm>
+          <a:prstGeom prst="rect">
+            <a:avLst/>
+          </a:prstGeom>
+        </p:spPr>
+      </p:pic>
+      <p:sp>
+        <p:nvSpPr>
+          <p:cNvPr id="3" name="Inhaltsplatzhalter 2">
+            <a:extLst>
+              <a:ext uri="{FF2B5EF4-FFF2-40B4-BE49-F238E27FC236}">
+                <a16:creationId xmlns:a16="http://schemas.microsoft.com/office/drawing/2014/main" id="{975E5260-C0C3-4941-B59F-21D6490A9954}"/>
+              </a:ext>
+            </a:extLst>
+          </p:cNvPr>
+          <p:cNvSpPr>
+            <a:spLocks noGrp="1"/>
+          </p:cNvSpPr>
+          <p:nvPr>
+            <p:ph idx="1"/>
+          </p:nvPr>
+        </p:nvSpPr>
+        <p:spPr>
+          <a:xfrm>
+            <a:off x="0" y="1631853"/>
+            <a:ext cx="12192000" cy="3080823"/>
+          </a:xfrm>
+          <a:solidFill>
+            <a:schemeClr val="bg2"/>
+          </a:solidFill>
+          <a:ln>
+            <a:solidFill>
+              <a:schemeClr val="tx1"/>
+            </a:solidFill>
+          </a:ln>
+        </p:spPr>
+        <p:txBody>
+          <a:bodyPr>
+            <a:normAutofit/>
+          </a:bodyPr>
+          <a:lstStyle/>
+          <a:p>
+            <a:pPr marL="0" indent="0" algn="ctr">
+              <a:buNone/>
+            </a:pPr>
+            <a:endParaRPr lang="de-DE" sz="2000" b="1" dirty="0"/>
+          </a:p>
+          <a:p>
+            <a:pPr marL="0" indent="0" algn="ctr">
+              <a:buNone/>
+            </a:pPr>
+            <a:endParaRPr lang="de-DE" sz="2000" b="1" dirty="0"/>
+          </a:p>
+          <a:p>
+            <a:pPr marL="0" indent="0" algn="ctr">
+              <a:buNone/>
+            </a:pPr>
+            <a:r>
+              <a:rPr lang="de-DE" sz="5400" b="1" dirty="0"/>
+              <a:t>Vielen Dank für </a:t>
+            </a:r>
+            <a:br>
+              <a:rPr lang="de-DE" sz="5400" b="1" dirty="0"/>
+            </a:br>
+            <a:r>
+              <a:rPr lang="de-DE" sz="5400" b="1" dirty="0"/>
+              <a:t>Eure Aufmerksamkeit!</a:t>
+            </a:r>
+          </a:p>
+        </p:txBody>
+      </p:sp>
+      <p:sp>
+        <p:nvSpPr>
+          <p:cNvPr id="6" name="Foliennummernplatzhalter 5">
+            <a:extLst>
+              <a:ext uri="{FF2B5EF4-FFF2-40B4-BE49-F238E27FC236}">
+                <a16:creationId xmlns:a16="http://schemas.microsoft.com/office/drawing/2014/main" id="{DBA75DD0-809D-C843-B340-F7DCB31B3C94}"/>
+              </a:ext>
+            </a:extLst>
+          </p:cNvPr>
+          <p:cNvSpPr>
+            <a:spLocks noGrp="1"/>
+          </p:cNvSpPr>
+          <p:nvPr>
+            <p:ph type="sldNum" sz="quarter" idx="12"/>
+          </p:nvPr>
+        </p:nvSpPr>
+        <p:spPr/>
+        <p:txBody>
+          <a:bodyPr/>
+          <a:lstStyle/>
+          <a:p>
+            <a:fld id="{78776B16-91FB-9448-9CB1-FBF57F5ADB35}" type="slidenum">
+              <a:rPr lang="de-DE" smtClean="0"/>
+              <a:t>14</a:t>
+            </a:fld>
+            <a:endParaRPr lang="de-DE"/>
+          </a:p>
+        </p:txBody>
+      </p:sp>
+      <p:sp>
+        <p:nvSpPr>
+          <p:cNvPr id="9" name="Fußzeilenplatzhalter 4">
+            <a:extLst>
+              <a:ext uri="{FF2B5EF4-FFF2-40B4-BE49-F238E27FC236}">
+                <a16:creationId xmlns:a16="http://schemas.microsoft.com/office/drawing/2014/main" id="{7954C9BD-9470-C448-A6AF-103FEEC1AAFE}"/>
+              </a:ext>
+            </a:extLst>
+          </p:cNvPr>
+          <p:cNvSpPr>
+            <a:spLocks noGrp="1"/>
+          </p:cNvSpPr>
+          <p:nvPr>
+            <p:ph type="ftr" sz="quarter" idx="11"/>
+          </p:nvPr>
+        </p:nvSpPr>
+        <p:spPr>
+          <a:xfrm>
+            <a:off x="0" y="6356350"/>
+            <a:ext cx="12192000" cy="365125"/>
+          </a:xfrm>
+          <a:solidFill>
+            <a:schemeClr val="bg2"/>
+          </a:solidFill>
+          <a:ln>
+            <a:solidFill>
+              <a:schemeClr val="tx1"/>
+            </a:solidFill>
+          </a:ln>
+        </p:spPr>
+        <p:style>
+          <a:lnRef idx="0">
+            <a:schemeClr val="accent3"/>
+          </a:lnRef>
+          <a:fillRef idx="3">
+            <a:schemeClr val="accent3"/>
+          </a:fillRef>
+          <a:effectRef idx="3">
+            <a:schemeClr val="accent3"/>
+          </a:effectRef>
+          <a:fontRef idx="minor">
+            <a:schemeClr val="lt1"/>
+          </a:fontRef>
+        </p:style>
+        <p:txBody>
+          <a:bodyPr/>
+          <a:lstStyle/>
+          <a:p>
+            <a:pPr algn="l"/>
+            <a:r>
+              <a:rPr lang="de-DE" dirty="0">
+                <a:solidFill>
+                  <a:schemeClr val="tx1"/>
+                </a:solidFill>
+              </a:rPr>
+              <a:t>          Orkhan Aliev, Tim Groß, Daniel Helmig, Rukiye Devran</a:t>
+            </a:r>
+          </a:p>
+        </p:txBody>
+      </p:sp>
+      <p:sp>
+        <p:nvSpPr>
+          <p:cNvPr id="10" name="Titel 1">
+            <a:extLst>
+              <a:ext uri="{FF2B5EF4-FFF2-40B4-BE49-F238E27FC236}">
+                <a16:creationId xmlns:a16="http://schemas.microsoft.com/office/drawing/2014/main" id="{834F639C-ABD7-A447-8A0B-B79909280D18}"/>
+              </a:ext>
+            </a:extLst>
+          </p:cNvPr>
+          <p:cNvSpPr txBox="1">
+            <a:spLocks/>
+          </p:cNvSpPr>
+          <p:nvPr/>
+        </p:nvSpPr>
+        <p:spPr>
+          <a:xfrm>
+            <a:off x="0" y="192933"/>
+            <a:ext cx="10930597" cy="777738"/>
+          </a:xfrm>
+          <a:prstGeom prst="rect">
+            <a:avLst/>
+          </a:prstGeom>
+          <a:solidFill>
+            <a:schemeClr val="bg2"/>
+          </a:solidFill>
+          <a:ln>
+            <a:solidFill>
+              <a:schemeClr val="tx1"/>
+            </a:solidFill>
+          </a:ln>
+        </p:spPr>
+        <p:style>
+          <a:lnRef idx="0">
+            <a:schemeClr val="accent3"/>
+          </a:lnRef>
+          <a:fillRef idx="3">
+            <a:schemeClr val="accent3"/>
+          </a:fillRef>
+          <a:effectRef idx="3">
+            <a:schemeClr val="accent3"/>
+          </a:effectRef>
+          <a:fontRef idx="minor">
+            <a:schemeClr val="lt1"/>
+          </a:fontRef>
+        </p:style>
+        <p:txBody>
+          <a:bodyPr vert="horz" lIns="91440" tIns="45720" rIns="91440" bIns="45720" rtlCol="0" anchor="ctr">
+            <a:normAutofit/>
+          </a:bodyPr>
+          <a:lstStyle>
+            <a:lvl1pPr algn="l" defTabSz="914400" rtl="0" eaLnBrk="1" latinLnBrk="0" hangingPunct="1">
+              <a:lnSpc>
+                <a:spcPct val="90000"/>
+              </a:lnSpc>
+              <a:spcBef>
+                <a:spcPct val="0"/>
+              </a:spcBef>
+              <a:buNone/>
+              <a:defRPr sz="4400" kern="1200">
+                <a:solidFill>
+                  <a:schemeClr val="lt1"/>
+                </a:solidFill>
+                <a:latin typeface="+mn-lt"/>
+                <a:ea typeface="+mn-ea"/>
+                <a:cs typeface="+mn-cs"/>
+              </a:defRPr>
+            </a:lvl1pPr>
+            <a:lvl2pPr>
+              <a:defRPr>
+                <a:solidFill>
+                  <a:schemeClr val="lt1"/>
+                </a:solidFill>
+                <a:latin typeface="+mn-lt"/>
+                <a:ea typeface="+mn-ea"/>
+                <a:cs typeface="+mn-cs"/>
+              </a:defRPr>
+            </a:lvl2pPr>
+            <a:lvl3pPr>
+              <a:defRPr>
+                <a:solidFill>
+                  <a:schemeClr val="lt1"/>
+                </a:solidFill>
+                <a:latin typeface="+mn-lt"/>
+                <a:ea typeface="+mn-ea"/>
+                <a:cs typeface="+mn-cs"/>
+              </a:defRPr>
+            </a:lvl3pPr>
+            <a:lvl4pPr>
+              <a:defRPr>
+                <a:solidFill>
+                  <a:schemeClr val="lt1"/>
+                </a:solidFill>
+                <a:latin typeface="+mn-lt"/>
+                <a:ea typeface="+mn-ea"/>
+                <a:cs typeface="+mn-cs"/>
+              </a:defRPr>
+            </a:lvl4pPr>
+            <a:lvl5pPr>
+              <a:defRPr>
+                <a:solidFill>
+                  <a:schemeClr val="lt1"/>
+                </a:solidFill>
+                <a:latin typeface="+mn-lt"/>
+                <a:ea typeface="+mn-ea"/>
+                <a:cs typeface="+mn-cs"/>
+              </a:defRPr>
+            </a:lvl5pPr>
+            <a:lvl6pPr>
+              <a:defRPr>
+                <a:solidFill>
+                  <a:schemeClr val="lt1"/>
+                </a:solidFill>
+                <a:latin typeface="+mn-lt"/>
+                <a:ea typeface="+mn-ea"/>
+                <a:cs typeface="+mn-cs"/>
+              </a:defRPr>
+            </a:lvl6pPr>
+            <a:lvl7pPr>
+              <a:defRPr>
+                <a:solidFill>
+                  <a:schemeClr val="lt1"/>
+                </a:solidFill>
+                <a:latin typeface="+mn-lt"/>
+                <a:ea typeface="+mn-ea"/>
+                <a:cs typeface="+mn-cs"/>
+              </a:defRPr>
+            </a:lvl7pPr>
+            <a:lvl8pPr>
+              <a:defRPr>
+                <a:solidFill>
+                  <a:schemeClr val="lt1"/>
+                </a:solidFill>
+                <a:latin typeface="+mn-lt"/>
+                <a:ea typeface="+mn-ea"/>
+                <a:cs typeface="+mn-cs"/>
+              </a:defRPr>
+            </a:lvl8pPr>
+            <a:lvl9pPr>
+              <a:defRPr>
+                <a:solidFill>
+                  <a:schemeClr val="lt1"/>
+                </a:solidFill>
+                <a:latin typeface="+mn-lt"/>
+                <a:ea typeface="+mn-ea"/>
+                <a:cs typeface="+mn-cs"/>
+              </a:defRPr>
+            </a:lvl9pPr>
+          </a:lstStyle>
+          <a:p>
+            <a:r>
+              <a:rPr lang="de-DE" b="1" dirty="0">
+                <a:solidFill>
+                  <a:schemeClr val="tx1"/>
+                </a:solidFill>
+              </a:rPr>
+              <a:t>      Ende</a:t>
+            </a:r>
+          </a:p>
+        </p:txBody>
+      </p:sp>
+      <p:pic>
+        <p:nvPicPr>
+          <p:cNvPr id="4" name="Inhaltsplatzhalter 4">
+            <a:extLst>
+              <a:ext uri="{FF2B5EF4-FFF2-40B4-BE49-F238E27FC236}">
+                <a16:creationId xmlns:a16="http://schemas.microsoft.com/office/drawing/2014/main" id="{212108A4-926C-5D40-A440-6A2813C346F5}"/>
+              </a:ext>
+            </a:extLst>
+          </p:cNvPr>
+          <p:cNvPicPr>
+            <a:picLocks noChangeAspect="1"/>
+          </p:cNvPicPr>
+          <p:nvPr/>
+        </p:nvPicPr>
+        <p:blipFill>
+          <a:blip r:embed="rId3"/>
+          <a:stretch>
+            <a:fillRect/>
+          </a:stretch>
+        </p:blipFill>
+        <p:spPr>
+          <a:xfrm>
+            <a:off x="10687711" y="-110171"/>
             <a:ext cx="1504289" cy="1383945"/>
           </a:xfrm>
           <a:prstGeom prst="rect">
@@ -4870,39 +6766,10 @@
       </p:pic>
       <p:sp>
         <p:nvSpPr>
-          <p:cNvPr id="6" name="Foliennummernplatzhalter 5">
-            <a:extLst>
-              <a:ext uri="{FF2B5EF4-FFF2-40B4-BE49-F238E27FC236}">
-                <a16:creationId xmlns:a16="http://schemas.microsoft.com/office/drawing/2014/main" id="{DBA75DD0-809D-C843-B340-F7DCB31B3C94}"/>
-              </a:ext>
-            </a:extLst>
-          </p:cNvPr>
-          <p:cNvSpPr>
-            <a:spLocks noGrp="1"/>
-          </p:cNvSpPr>
-          <p:nvPr>
-            <p:ph type="sldNum" sz="quarter" idx="12"/>
-          </p:nvPr>
-        </p:nvSpPr>
-        <p:spPr/>
-        <p:txBody>
-          <a:bodyPr/>
-          <a:lstStyle/>
-          <a:p>
-            <a:fld id="{78776B16-91FB-9448-9CB1-FBF57F5ADB35}" type="slidenum">
-              <a:rPr lang="de-DE" smtClean="0"/>
-              <a:t>14</a:t>
-            </a:fld>
-            <a:endParaRPr lang="de-DE"/>
-          </a:p>
-        </p:txBody>
-      </p:sp>
-      <p:sp>
-        <p:nvSpPr>
-          <p:cNvPr id="7" name="Fußzeilenplatzhalter 4">
-            <a:extLst>
-              <a:ext uri="{FF2B5EF4-FFF2-40B4-BE49-F238E27FC236}">
-                <a16:creationId xmlns:a16="http://schemas.microsoft.com/office/drawing/2014/main" id="{B4F912AD-71BC-D344-8F17-5C24FA4E553C}"/>
+          <p:cNvPr id="11" name="Foliennummernplatzhalter 5">
+            <a:extLst>
+              <a:ext uri="{FF2B5EF4-FFF2-40B4-BE49-F238E27FC236}">
+                <a16:creationId xmlns:a16="http://schemas.microsoft.com/office/drawing/2014/main" id="{AF2FB51D-507F-CD4E-98C5-B1C08CC9E889}"/>
               </a:ext>
             </a:extLst>
           </p:cNvPr>
@@ -4913,8 +6780,8 @@
         </p:nvSpPr>
         <p:spPr>
           <a:xfrm>
-            <a:off x="0" y="6356350"/>
-            <a:ext cx="4114800" cy="365125"/>
+            <a:off x="8620547" y="6356350"/>
+            <a:ext cx="2743200" cy="365125"/>
           </a:xfrm>
           <a:prstGeom prst="rect">
             <a:avLst/>
@@ -4926,7 +6793,7 @@
             <a:defPPr>
               <a:defRPr lang="de-DE"/>
             </a:defPPr>
-            <a:lvl1pPr marL="0" algn="ctr" defTabSz="914400" rtl="0" eaLnBrk="1" latinLnBrk="0" hangingPunct="1">
+            <a:lvl1pPr marL="0" algn="r" defTabSz="914400" rtl="0" eaLnBrk="1" latinLnBrk="0" hangingPunct="1">
               <a:defRPr sz="1200" kern="1200">
                 <a:solidFill>
                   <a:schemeClr val="tx1">
@@ -5021,34 +6888,9 @@
           </a:lstStyle>
           <a:p>
             <a:r>
-              <a:rPr lang="de-DE" dirty="0" err="1"/>
-              <a:t>Orkhan</a:t>
+              <a:rPr lang="de-DE" dirty="0"/>
+              <a:t>14</a:t>
             </a:r>
-            <a:r>
-              <a:rPr lang="de-DE" dirty="0"/>
-              <a:t> </a:t>
-            </a:r>
-            <a:r>
-              <a:rPr lang="de-DE" dirty="0" err="1"/>
-              <a:t>Aliev</a:t>
-            </a:r>
-            <a:r>
-              <a:rPr lang="de-DE" dirty="0"/>
-              <a:t>, Tim Groß, Daniel </a:t>
-            </a:r>
-            <a:r>
-              <a:rPr lang="de-DE" dirty="0" err="1"/>
-              <a:t>Helmig</a:t>
-            </a:r>
-            <a:r>
-              <a:rPr lang="de-DE" dirty="0"/>
-              <a:t>, Rukiye </a:t>
-            </a:r>
-            <a:r>
-              <a:rPr lang="de-DE" dirty="0" err="1"/>
-              <a:t>Devran</a:t>
-            </a:r>
-            <a:endParaRPr lang="de-DE" dirty="0"/>
           </a:p>
         </p:txBody>
       </p:sp>
@@ -5082,76 +6924,12 @@
           <a:chExt cx="0" cy="0"/>
         </a:xfrm>
       </p:grpSpPr>
-      <p:sp>
-        <p:nvSpPr>
-          <p:cNvPr id="2" name="Titel 1">
-            <a:extLst>
-              <a:ext uri="{FF2B5EF4-FFF2-40B4-BE49-F238E27FC236}">
-                <a16:creationId xmlns:a16="http://schemas.microsoft.com/office/drawing/2014/main" id="{C45E65DC-D161-604F-925D-929CBF2C805B}"/>
-              </a:ext>
-            </a:extLst>
-          </p:cNvPr>
-          <p:cNvSpPr>
-            <a:spLocks noGrp="1"/>
-          </p:cNvSpPr>
-          <p:nvPr>
-            <p:ph type="title"/>
-          </p:nvPr>
-        </p:nvSpPr>
-        <p:spPr/>
-        <p:txBody>
-          <a:bodyPr/>
-          <a:lstStyle/>
-          <a:p>
-            <a:r>
-              <a:rPr lang="de-DE" b="1" dirty="0"/>
-              <a:t>5. Fragen</a:t>
-            </a:r>
-          </a:p>
-        </p:txBody>
-      </p:sp>
-      <p:sp>
-        <p:nvSpPr>
-          <p:cNvPr id="3" name="Inhaltsplatzhalter 2">
-            <a:extLst>
-              <a:ext uri="{FF2B5EF4-FFF2-40B4-BE49-F238E27FC236}">
-                <a16:creationId xmlns:a16="http://schemas.microsoft.com/office/drawing/2014/main" id="{1EF11CCB-9637-404D-B957-847D7B3C3DB9}"/>
-              </a:ext>
-            </a:extLst>
-          </p:cNvPr>
-          <p:cNvSpPr>
-            <a:spLocks noGrp="1"/>
-          </p:cNvSpPr>
-          <p:nvPr>
-            <p:ph idx="1"/>
-          </p:nvPr>
-        </p:nvSpPr>
-        <p:spPr>
-          <a:xfrm>
-            <a:off x="838200" y="2490951"/>
-            <a:ext cx="10515600" cy="3686011"/>
-          </a:xfrm>
-        </p:spPr>
-        <p:txBody>
-          <a:bodyPr/>
-          <a:lstStyle/>
-          <a:p>
-            <a:pPr marL="0" indent="0">
-              <a:buNone/>
-            </a:pPr>
-            <a:r>
-              <a:rPr lang="de-DE" dirty="0"/>
-              <a:t>Gibt es noch Fragen?</a:t>
-            </a:r>
-          </a:p>
-        </p:txBody>
-      </p:sp>
       <p:pic>
         <p:nvPicPr>
-          <p:cNvPr id="4" name="Inhaltsplatzhalter 4">
-            <a:extLst>
-              <a:ext uri="{FF2B5EF4-FFF2-40B4-BE49-F238E27FC236}">
-                <a16:creationId xmlns:a16="http://schemas.microsoft.com/office/drawing/2014/main" id="{F1B8E86B-7A3B-5440-A6B6-8D29D7DDD34E}"/>
+          <p:cNvPr id="8" name="Grafik 7">
+            <a:extLst>
+              <a:ext uri="{FF2B5EF4-FFF2-40B4-BE49-F238E27FC236}">
+                <a16:creationId xmlns:a16="http://schemas.microsoft.com/office/drawing/2014/main" id="{1D4FFE3D-6219-774C-AA8A-59974DE8939A}"/>
               </a:ext>
             </a:extLst>
           </p:cNvPr>
@@ -5161,14 +6939,545 @@
           <p:nvPr/>
         </p:nvPicPr>
         <p:blipFill>
-          <a:blip r:embed="rId2"/>
+          <a:blip r:embed="rId2">
+            <a:alphaModFix amt="70000"/>
+            <a:extLst>
+              <a:ext uri="{BEBA8EAE-BF5A-486C-A8C5-ECC9F3942E4B}">
+                <a14:imgProps xmlns:a14="http://schemas.microsoft.com/office/drawing/2010/main">
+                  <a14:imgLayer>
+                    <a14:imgEffect>
+                      <a14:sharpenSoften amount="50000"/>
+                    </a14:imgEffect>
+                    <a14:imgEffect>
+                      <a14:brightnessContrast bright="20000"/>
+                    </a14:imgEffect>
+                  </a14:imgLayer>
+                </a14:imgProps>
+              </a:ext>
+            </a:extLst>
+          </a:blip>
           <a:stretch>
             <a:fillRect/>
           </a:stretch>
         </p:blipFill>
         <p:spPr>
           <a:xfrm>
-            <a:off x="10601655" y="108525"/>
+            <a:off x="0" y="0"/>
+            <a:ext cx="12192000" cy="6858000"/>
+          </a:xfrm>
+          <a:prstGeom prst="rect">
+            <a:avLst/>
+          </a:prstGeom>
+        </p:spPr>
+      </p:pic>
+      <p:sp>
+        <p:nvSpPr>
+          <p:cNvPr id="6" name="Foliennummernplatzhalter 5">
+            <a:extLst>
+              <a:ext uri="{FF2B5EF4-FFF2-40B4-BE49-F238E27FC236}">
+                <a16:creationId xmlns:a16="http://schemas.microsoft.com/office/drawing/2014/main" id="{EC05A2B7-D800-5D48-848A-6F55990F4949}"/>
+              </a:ext>
+            </a:extLst>
+          </p:cNvPr>
+          <p:cNvSpPr>
+            <a:spLocks noGrp="1"/>
+          </p:cNvSpPr>
+          <p:nvPr>
+            <p:ph type="sldNum" sz="quarter" idx="12"/>
+          </p:nvPr>
+        </p:nvSpPr>
+        <p:spPr/>
+        <p:txBody>
+          <a:bodyPr/>
+          <a:lstStyle/>
+          <a:p>
+            <a:fld id="{78776B16-91FB-9448-9CB1-FBF57F5ADB35}" type="slidenum">
+              <a:rPr lang="de-DE" smtClean="0"/>
+              <a:t>15</a:t>
+            </a:fld>
+            <a:endParaRPr lang="de-DE"/>
+          </a:p>
+        </p:txBody>
+      </p:sp>
+      <p:sp>
+        <p:nvSpPr>
+          <p:cNvPr id="9" name="Fußzeilenplatzhalter 4">
+            <a:extLst>
+              <a:ext uri="{FF2B5EF4-FFF2-40B4-BE49-F238E27FC236}">
+                <a16:creationId xmlns:a16="http://schemas.microsoft.com/office/drawing/2014/main" id="{3176C2C0-0091-E744-9748-45DCFE784C68}"/>
+              </a:ext>
+            </a:extLst>
+          </p:cNvPr>
+          <p:cNvSpPr>
+            <a:spLocks noGrp="1"/>
+          </p:cNvSpPr>
+          <p:nvPr>
+            <p:ph type="ftr" sz="quarter" idx="11"/>
+          </p:nvPr>
+        </p:nvSpPr>
+        <p:spPr>
+          <a:xfrm>
+            <a:off x="0" y="6356350"/>
+            <a:ext cx="12192000" cy="365125"/>
+          </a:xfrm>
+          <a:solidFill>
+            <a:schemeClr val="bg2"/>
+          </a:solidFill>
+          <a:ln>
+            <a:solidFill>
+              <a:schemeClr val="tx1"/>
+            </a:solidFill>
+          </a:ln>
+        </p:spPr>
+        <p:style>
+          <a:lnRef idx="0">
+            <a:schemeClr val="accent3"/>
+          </a:lnRef>
+          <a:fillRef idx="3">
+            <a:schemeClr val="accent3"/>
+          </a:fillRef>
+          <a:effectRef idx="3">
+            <a:schemeClr val="accent3"/>
+          </a:effectRef>
+          <a:fontRef idx="minor">
+            <a:schemeClr val="lt1"/>
+          </a:fontRef>
+        </p:style>
+        <p:txBody>
+          <a:bodyPr/>
+          <a:lstStyle/>
+          <a:p>
+            <a:pPr algn="l"/>
+            <a:r>
+              <a:rPr lang="de-DE" dirty="0">
+                <a:solidFill>
+                  <a:schemeClr val="tx1"/>
+                </a:solidFill>
+              </a:rPr>
+              <a:t>          Orkhan Aliev, Tim Groß, Daniel Helmig, Rukiye Devran</a:t>
+            </a:r>
+          </a:p>
+        </p:txBody>
+      </p:sp>
+      <p:sp>
+        <p:nvSpPr>
+          <p:cNvPr id="10" name="Titel 1">
+            <a:extLst>
+              <a:ext uri="{FF2B5EF4-FFF2-40B4-BE49-F238E27FC236}">
+                <a16:creationId xmlns:a16="http://schemas.microsoft.com/office/drawing/2014/main" id="{6770A854-6295-8244-84C6-61073FFACC4D}"/>
+              </a:ext>
+            </a:extLst>
+          </p:cNvPr>
+          <p:cNvSpPr txBox="1">
+            <a:spLocks/>
+          </p:cNvSpPr>
+          <p:nvPr/>
+        </p:nvSpPr>
+        <p:spPr>
+          <a:xfrm>
+            <a:off x="0" y="192933"/>
+            <a:ext cx="10930597" cy="777738"/>
+          </a:xfrm>
+          <a:prstGeom prst="rect">
+            <a:avLst/>
+          </a:prstGeom>
+          <a:solidFill>
+            <a:schemeClr val="bg2"/>
+          </a:solidFill>
+          <a:ln>
+            <a:solidFill>
+              <a:schemeClr val="tx1"/>
+            </a:solidFill>
+          </a:ln>
+        </p:spPr>
+        <p:style>
+          <a:lnRef idx="0">
+            <a:schemeClr val="accent3"/>
+          </a:lnRef>
+          <a:fillRef idx="3">
+            <a:schemeClr val="accent3"/>
+          </a:fillRef>
+          <a:effectRef idx="3">
+            <a:schemeClr val="accent3"/>
+          </a:effectRef>
+          <a:fontRef idx="minor">
+            <a:schemeClr val="lt1"/>
+          </a:fontRef>
+        </p:style>
+        <p:txBody>
+          <a:bodyPr vert="horz" lIns="91440" tIns="45720" rIns="91440" bIns="45720" rtlCol="0" anchor="ctr">
+            <a:normAutofit/>
+          </a:bodyPr>
+          <a:lstStyle>
+            <a:lvl1pPr algn="l" defTabSz="914400" rtl="0" eaLnBrk="1" latinLnBrk="0" hangingPunct="1">
+              <a:lnSpc>
+                <a:spcPct val="90000"/>
+              </a:lnSpc>
+              <a:spcBef>
+                <a:spcPct val="0"/>
+              </a:spcBef>
+              <a:buNone/>
+              <a:defRPr sz="4400" kern="1200">
+                <a:solidFill>
+                  <a:schemeClr val="lt1"/>
+                </a:solidFill>
+                <a:latin typeface="+mn-lt"/>
+                <a:ea typeface="+mn-ea"/>
+                <a:cs typeface="+mn-cs"/>
+              </a:defRPr>
+            </a:lvl1pPr>
+            <a:lvl2pPr>
+              <a:defRPr>
+                <a:solidFill>
+                  <a:schemeClr val="lt1"/>
+                </a:solidFill>
+                <a:latin typeface="+mn-lt"/>
+                <a:ea typeface="+mn-ea"/>
+                <a:cs typeface="+mn-cs"/>
+              </a:defRPr>
+            </a:lvl2pPr>
+            <a:lvl3pPr>
+              <a:defRPr>
+                <a:solidFill>
+                  <a:schemeClr val="lt1"/>
+                </a:solidFill>
+                <a:latin typeface="+mn-lt"/>
+                <a:ea typeface="+mn-ea"/>
+                <a:cs typeface="+mn-cs"/>
+              </a:defRPr>
+            </a:lvl3pPr>
+            <a:lvl4pPr>
+              <a:defRPr>
+                <a:solidFill>
+                  <a:schemeClr val="lt1"/>
+                </a:solidFill>
+                <a:latin typeface="+mn-lt"/>
+                <a:ea typeface="+mn-ea"/>
+                <a:cs typeface="+mn-cs"/>
+              </a:defRPr>
+            </a:lvl4pPr>
+            <a:lvl5pPr>
+              <a:defRPr>
+                <a:solidFill>
+                  <a:schemeClr val="lt1"/>
+                </a:solidFill>
+                <a:latin typeface="+mn-lt"/>
+                <a:ea typeface="+mn-ea"/>
+                <a:cs typeface="+mn-cs"/>
+              </a:defRPr>
+            </a:lvl5pPr>
+            <a:lvl6pPr>
+              <a:defRPr>
+                <a:solidFill>
+                  <a:schemeClr val="lt1"/>
+                </a:solidFill>
+                <a:latin typeface="+mn-lt"/>
+                <a:ea typeface="+mn-ea"/>
+                <a:cs typeface="+mn-cs"/>
+              </a:defRPr>
+            </a:lvl6pPr>
+            <a:lvl7pPr>
+              <a:defRPr>
+                <a:solidFill>
+                  <a:schemeClr val="lt1"/>
+                </a:solidFill>
+                <a:latin typeface="+mn-lt"/>
+                <a:ea typeface="+mn-ea"/>
+                <a:cs typeface="+mn-cs"/>
+              </a:defRPr>
+            </a:lvl7pPr>
+            <a:lvl8pPr>
+              <a:defRPr>
+                <a:solidFill>
+                  <a:schemeClr val="lt1"/>
+                </a:solidFill>
+                <a:latin typeface="+mn-lt"/>
+                <a:ea typeface="+mn-ea"/>
+                <a:cs typeface="+mn-cs"/>
+              </a:defRPr>
+            </a:lvl8pPr>
+            <a:lvl9pPr>
+              <a:defRPr>
+                <a:solidFill>
+                  <a:schemeClr val="lt1"/>
+                </a:solidFill>
+                <a:latin typeface="+mn-lt"/>
+                <a:ea typeface="+mn-ea"/>
+                <a:cs typeface="+mn-cs"/>
+              </a:defRPr>
+            </a:lvl9pPr>
+          </a:lstStyle>
+          <a:p>
+            <a:r>
+              <a:rPr lang="de-DE" b="1" dirty="0">
+                <a:solidFill>
+                  <a:schemeClr val="tx1"/>
+                </a:solidFill>
+              </a:rPr>
+              <a:t>      5. Fragen</a:t>
+            </a:r>
+            <a:r>
+              <a:rPr lang="de-DE" dirty="0">
+                <a:solidFill>
+                  <a:schemeClr val="tx1"/>
+                </a:solidFill>
+              </a:rPr>
+              <a:t> </a:t>
+            </a:r>
+            <a:endParaRPr lang="de-DE" b="1" dirty="0">
+              <a:solidFill>
+                <a:schemeClr val="tx1"/>
+              </a:solidFill>
+            </a:endParaRPr>
+          </a:p>
+        </p:txBody>
+      </p:sp>
+      <p:sp>
+        <p:nvSpPr>
+          <p:cNvPr id="11" name="Inhaltsplatzhalter 2">
+            <a:extLst>
+              <a:ext uri="{FF2B5EF4-FFF2-40B4-BE49-F238E27FC236}">
+                <a16:creationId xmlns:a16="http://schemas.microsoft.com/office/drawing/2014/main" id="{64CFDE58-DC7F-2F41-9E62-09383F1D01EA}"/>
+              </a:ext>
+            </a:extLst>
+          </p:cNvPr>
+          <p:cNvSpPr txBox="1">
+            <a:spLocks/>
+          </p:cNvSpPr>
+          <p:nvPr/>
+        </p:nvSpPr>
+        <p:spPr>
+          <a:xfrm>
+            <a:off x="0" y="1628679"/>
+            <a:ext cx="12192000" cy="1395876"/>
+          </a:xfrm>
+          <a:prstGeom prst="rect">
+            <a:avLst/>
+          </a:prstGeom>
+          <a:solidFill>
+            <a:schemeClr val="bg2"/>
+          </a:solidFill>
+          <a:ln w="28575">
+            <a:solidFill>
+              <a:schemeClr val="tx1"/>
+            </a:solidFill>
+          </a:ln>
+        </p:spPr>
+        <p:txBody>
+          <a:bodyPr vert="horz" lIns="91440" tIns="45720" rIns="91440" bIns="45720" rtlCol="0">
+            <a:normAutofit/>
+          </a:bodyPr>
+          <a:lstStyle>
+            <a:lvl1pPr marL="228600" indent="-228600" algn="l" defTabSz="914400" rtl="0" eaLnBrk="1" latinLnBrk="0" hangingPunct="1">
+              <a:lnSpc>
+                <a:spcPct val="90000"/>
+              </a:lnSpc>
+              <a:spcBef>
+                <a:spcPts val="1000"/>
+              </a:spcBef>
+              <a:buFont typeface="Arial" panose="020B0604020202020204" pitchFamily="34" charset="0"/>
+              <a:buChar char="•"/>
+              <a:defRPr sz="2800" kern="1200">
+                <a:solidFill>
+                  <a:schemeClr val="tx1"/>
+                </a:solidFill>
+                <a:latin typeface="+mn-lt"/>
+                <a:ea typeface="+mn-ea"/>
+                <a:cs typeface="+mn-cs"/>
+              </a:defRPr>
+            </a:lvl1pPr>
+            <a:lvl2pPr marL="685800" indent="-228600" algn="l" defTabSz="914400" rtl="0" eaLnBrk="1" latinLnBrk="0" hangingPunct="1">
+              <a:lnSpc>
+                <a:spcPct val="90000"/>
+              </a:lnSpc>
+              <a:spcBef>
+                <a:spcPts val="500"/>
+              </a:spcBef>
+              <a:buFont typeface="Arial" panose="020B0604020202020204" pitchFamily="34" charset="0"/>
+              <a:buChar char="•"/>
+              <a:defRPr sz="2400" kern="1200">
+                <a:solidFill>
+                  <a:schemeClr val="tx1"/>
+                </a:solidFill>
+                <a:latin typeface="+mn-lt"/>
+                <a:ea typeface="+mn-ea"/>
+                <a:cs typeface="+mn-cs"/>
+              </a:defRPr>
+            </a:lvl2pPr>
+            <a:lvl3pPr marL="1143000" indent="-228600" algn="l" defTabSz="914400" rtl="0" eaLnBrk="1" latinLnBrk="0" hangingPunct="1">
+              <a:lnSpc>
+                <a:spcPct val="90000"/>
+              </a:lnSpc>
+              <a:spcBef>
+                <a:spcPts val="500"/>
+              </a:spcBef>
+              <a:buFont typeface="Arial" panose="020B0604020202020204" pitchFamily="34" charset="0"/>
+              <a:buChar char="•"/>
+              <a:defRPr sz="2000" kern="1200">
+                <a:solidFill>
+                  <a:schemeClr val="tx1"/>
+                </a:solidFill>
+                <a:latin typeface="+mn-lt"/>
+                <a:ea typeface="+mn-ea"/>
+                <a:cs typeface="+mn-cs"/>
+              </a:defRPr>
+            </a:lvl3pPr>
+            <a:lvl4pPr marL="1600200" indent="-228600" algn="l" defTabSz="914400" rtl="0" eaLnBrk="1" latinLnBrk="0" hangingPunct="1">
+              <a:lnSpc>
+                <a:spcPct val="90000"/>
+              </a:lnSpc>
+              <a:spcBef>
+                <a:spcPts val="500"/>
+              </a:spcBef>
+              <a:buFont typeface="Arial" panose="020B0604020202020204" pitchFamily="34" charset="0"/>
+              <a:buChar char="•"/>
+              <a:defRPr sz="1800" kern="1200">
+                <a:solidFill>
+                  <a:schemeClr val="tx1"/>
+                </a:solidFill>
+                <a:latin typeface="+mn-lt"/>
+                <a:ea typeface="+mn-ea"/>
+                <a:cs typeface="+mn-cs"/>
+              </a:defRPr>
+            </a:lvl4pPr>
+            <a:lvl5pPr marL="2057400" indent="-228600" algn="l" defTabSz="914400" rtl="0" eaLnBrk="1" latinLnBrk="0" hangingPunct="1">
+              <a:lnSpc>
+                <a:spcPct val="90000"/>
+              </a:lnSpc>
+              <a:spcBef>
+                <a:spcPts val="500"/>
+              </a:spcBef>
+              <a:buFont typeface="Arial" panose="020B0604020202020204" pitchFamily="34" charset="0"/>
+              <a:buChar char="•"/>
+              <a:defRPr sz="1800" kern="1200">
+                <a:solidFill>
+                  <a:schemeClr val="tx1"/>
+                </a:solidFill>
+                <a:latin typeface="+mn-lt"/>
+                <a:ea typeface="+mn-ea"/>
+                <a:cs typeface="+mn-cs"/>
+              </a:defRPr>
+            </a:lvl5pPr>
+            <a:lvl6pPr marL="2514600" indent="-228600" algn="l" defTabSz="914400" rtl="0" eaLnBrk="1" latinLnBrk="0" hangingPunct="1">
+              <a:lnSpc>
+                <a:spcPct val="90000"/>
+              </a:lnSpc>
+              <a:spcBef>
+                <a:spcPts val="500"/>
+              </a:spcBef>
+              <a:buFont typeface="Arial" panose="020B0604020202020204" pitchFamily="34" charset="0"/>
+              <a:buChar char="•"/>
+              <a:defRPr sz="1800" kern="1200">
+                <a:solidFill>
+                  <a:schemeClr val="tx1"/>
+                </a:solidFill>
+                <a:latin typeface="+mn-lt"/>
+                <a:ea typeface="+mn-ea"/>
+                <a:cs typeface="+mn-cs"/>
+              </a:defRPr>
+            </a:lvl6pPr>
+            <a:lvl7pPr marL="2971800" indent="-228600" algn="l" defTabSz="914400" rtl="0" eaLnBrk="1" latinLnBrk="0" hangingPunct="1">
+              <a:lnSpc>
+                <a:spcPct val="90000"/>
+              </a:lnSpc>
+              <a:spcBef>
+                <a:spcPts val="500"/>
+              </a:spcBef>
+              <a:buFont typeface="Arial" panose="020B0604020202020204" pitchFamily="34" charset="0"/>
+              <a:buChar char="•"/>
+              <a:defRPr sz="1800" kern="1200">
+                <a:solidFill>
+                  <a:schemeClr val="tx1"/>
+                </a:solidFill>
+                <a:latin typeface="+mn-lt"/>
+                <a:ea typeface="+mn-ea"/>
+                <a:cs typeface="+mn-cs"/>
+              </a:defRPr>
+            </a:lvl7pPr>
+            <a:lvl8pPr marL="3429000" indent="-228600" algn="l" defTabSz="914400" rtl="0" eaLnBrk="1" latinLnBrk="0" hangingPunct="1">
+              <a:lnSpc>
+                <a:spcPct val="90000"/>
+              </a:lnSpc>
+              <a:spcBef>
+                <a:spcPts val="500"/>
+              </a:spcBef>
+              <a:buFont typeface="Arial" panose="020B0604020202020204" pitchFamily="34" charset="0"/>
+              <a:buChar char="•"/>
+              <a:defRPr sz="1800" kern="1200">
+                <a:solidFill>
+                  <a:schemeClr val="tx1"/>
+                </a:solidFill>
+                <a:latin typeface="+mn-lt"/>
+                <a:ea typeface="+mn-ea"/>
+                <a:cs typeface="+mn-cs"/>
+              </a:defRPr>
+            </a:lvl8pPr>
+            <a:lvl9pPr marL="3886200" indent="-228600" algn="l" defTabSz="914400" rtl="0" eaLnBrk="1" latinLnBrk="0" hangingPunct="1">
+              <a:lnSpc>
+                <a:spcPct val="90000"/>
+              </a:lnSpc>
+              <a:spcBef>
+                <a:spcPts val="500"/>
+              </a:spcBef>
+              <a:buFont typeface="Arial" panose="020B0604020202020204" pitchFamily="34" charset="0"/>
+              <a:buChar char="•"/>
+              <a:defRPr sz="1800" kern="1200">
+                <a:solidFill>
+                  <a:schemeClr val="tx1"/>
+                </a:solidFill>
+                <a:latin typeface="+mn-lt"/>
+                <a:ea typeface="+mn-ea"/>
+                <a:cs typeface="+mn-cs"/>
+              </a:defRPr>
+            </a:lvl9pPr>
+          </a:lstStyle>
+          <a:p>
+            <a:pPr marL="0" indent="0">
+              <a:buFont typeface="Arial" panose="020B0604020202020204" pitchFamily="34" charset="0"/>
+              <a:buNone/>
+            </a:pPr>
+            <a:endParaRPr lang="de-DE" b="1" dirty="0">
+              <a:sym typeface="Wingdings" pitchFamily="2" charset="2"/>
+            </a:endParaRPr>
+          </a:p>
+          <a:p>
+            <a:pPr marL="457200" lvl="1" indent="0">
+              <a:buFont typeface="Arial" panose="020B0604020202020204" pitchFamily="34" charset="0"/>
+              <a:buNone/>
+            </a:pPr>
+            <a:r>
+              <a:rPr lang="de-DE" sz="2800" b="1" dirty="0">
+                <a:sym typeface="Wingdings" pitchFamily="2" charset="2"/>
+              </a:rPr>
+              <a:t>Gibt es noch Fragen?</a:t>
+            </a:r>
+            <a:endParaRPr lang="de-DE" sz="2800" dirty="0"/>
+          </a:p>
+        </p:txBody>
+      </p:sp>
+      <p:pic>
+        <p:nvPicPr>
+          <p:cNvPr id="4" name="Inhaltsplatzhalter 4">
+            <a:extLst>
+              <a:ext uri="{FF2B5EF4-FFF2-40B4-BE49-F238E27FC236}">
+                <a16:creationId xmlns:a16="http://schemas.microsoft.com/office/drawing/2014/main" id="{F1B8E86B-7A3B-5440-A6B6-8D29D7DDD34E}"/>
+              </a:ext>
+            </a:extLst>
+          </p:cNvPr>
+          <p:cNvPicPr>
+            <a:picLocks noChangeAspect="1"/>
+          </p:cNvPicPr>
+          <p:nvPr/>
+        </p:nvPicPr>
+        <p:blipFill>
+          <a:blip r:embed="rId3"/>
+          <a:stretch>
+            <a:fillRect/>
+          </a:stretch>
+        </p:blipFill>
+        <p:spPr>
+          <a:xfrm>
+            <a:off x="10687711" y="-110171"/>
             <a:ext cx="1504289" cy="1383945"/>
           </a:xfrm>
           <a:prstGeom prst="rect">
@@ -5178,39 +7487,10 @@
       </p:pic>
       <p:sp>
         <p:nvSpPr>
-          <p:cNvPr id="6" name="Foliennummernplatzhalter 5">
-            <a:extLst>
-              <a:ext uri="{FF2B5EF4-FFF2-40B4-BE49-F238E27FC236}">
-                <a16:creationId xmlns:a16="http://schemas.microsoft.com/office/drawing/2014/main" id="{EC05A2B7-D800-5D48-848A-6F55990F4949}"/>
-              </a:ext>
-            </a:extLst>
-          </p:cNvPr>
-          <p:cNvSpPr>
-            <a:spLocks noGrp="1"/>
-          </p:cNvSpPr>
-          <p:nvPr>
-            <p:ph type="sldNum" sz="quarter" idx="12"/>
-          </p:nvPr>
-        </p:nvSpPr>
-        <p:spPr/>
-        <p:txBody>
-          <a:bodyPr/>
-          <a:lstStyle/>
-          <a:p>
-            <a:fld id="{78776B16-91FB-9448-9CB1-FBF57F5ADB35}" type="slidenum">
-              <a:rPr lang="de-DE" smtClean="0"/>
-              <a:t>15</a:t>
-            </a:fld>
-            <a:endParaRPr lang="de-DE"/>
-          </a:p>
-        </p:txBody>
-      </p:sp>
-      <p:sp>
-        <p:nvSpPr>
-          <p:cNvPr id="7" name="Fußzeilenplatzhalter 4">
-            <a:extLst>
-              <a:ext uri="{FF2B5EF4-FFF2-40B4-BE49-F238E27FC236}">
-                <a16:creationId xmlns:a16="http://schemas.microsoft.com/office/drawing/2014/main" id="{C5A094D8-0BDD-0343-B9B8-4B09207B520A}"/>
+          <p:cNvPr id="14" name="Foliennummernplatzhalter 5">
+            <a:extLst>
+              <a:ext uri="{FF2B5EF4-FFF2-40B4-BE49-F238E27FC236}">
+                <a16:creationId xmlns:a16="http://schemas.microsoft.com/office/drawing/2014/main" id="{E85A1979-B22D-704F-A76E-530508FAA2C5}"/>
               </a:ext>
             </a:extLst>
           </p:cNvPr>
@@ -5221,8 +7501,8 @@
         </p:nvSpPr>
         <p:spPr>
           <a:xfrm>
-            <a:off x="0" y="6356350"/>
-            <a:ext cx="4114800" cy="365125"/>
+            <a:off x="8620547" y="6356350"/>
+            <a:ext cx="2743200" cy="365125"/>
           </a:xfrm>
           <a:prstGeom prst="rect">
             <a:avLst/>
@@ -5234,7 +7514,7 @@
             <a:defPPr>
               <a:defRPr lang="de-DE"/>
             </a:defPPr>
-            <a:lvl1pPr marL="0" algn="ctr" defTabSz="914400" rtl="0" eaLnBrk="1" latinLnBrk="0" hangingPunct="1">
+            <a:lvl1pPr marL="0" algn="r" defTabSz="914400" rtl="0" eaLnBrk="1" latinLnBrk="0" hangingPunct="1">
               <a:defRPr sz="1200" kern="1200">
                 <a:solidFill>
                   <a:schemeClr val="tx1">
@@ -5329,34 +7609,9 @@
           </a:lstStyle>
           <a:p>
             <a:r>
-              <a:rPr lang="de-DE" dirty="0" err="1"/>
-              <a:t>Orkhan</a:t>
+              <a:rPr lang="de-DE" dirty="0"/>
+              <a:t>15</a:t>
             </a:r>
-            <a:r>
-              <a:rPr lang="de-DE" dirty="0"/>
-              <a:t> </a:t>
-            </a:r>
-            <a:r>
-              <a:rPr lang="de-DE" dirty="0" err="1"/>
-              <a:t>Aliev</a:t>
-            </a:r>
-            <a:r>
-              <a:rPr lang="de-DE" dirty="0"/>
-              <a:t>, Tim Groß, Daniel </a:t>
-            </a:r>
-            <a:r>
-              <a:rPr lang="de-DE" dirty="0" err="1"/>
-              <a:t>Helmig</a:t>
-            </a:r>
-            <a:r>
-              <a:rPr lang="de-DE" dirty="0"/>
-              <a:t>, Rukiye </a:t>
-            </a:r>
-            <a:r>
-              <a:rPr lang="de-DE" dirty="0" err="1"/>
-              <a:t>Devran</a:t>
-            </a:r>
-            <a:endParaRPr lang="de-DE" dirty="0"/>
           </a:p>
         </p:txBody>
       </p:sp>
@@ -5390,107 +7645,12 @@
           <a:chExt cx="0" cy="0"/>
         </a:xfrm>
       </p:grpSpPr>
-      <p:sp>
-        <p:nvSpPr>
-          <p:cNvPr id="2" name="Titel 1">
-            <a:extLst>
-              <a:ext uri="{FF2B5EF4-FFF2-40B4-BE49-F238E27FC236}">
-                <a16:creationId xmlns:a16="http://schemas.microsoft.com/office/drawing/2014/main" id="{9124C531-B6C5-B141-B687-D46894E4FC1F}"/>
-              </a:ext>
-            </a:extLst>
-          </p:cNvPr>
-          <p:cNvSpPr>
-            <a:spLocks noGrp="1"/>
-          </p:cNvSpPr>
-          <p:nvPr>
-            <p:ph type="title"/>
-          </p:nvPr>
-        </p:nvSpPr>
-        <p:spPr/>
-        <p:txBody>
-          <a:bodyPr/>
-          <a:lstStyle/>
-          <a:p>
-            <a:r>
-              <a:rPr lang="de-DE" b="1" dirty="0"/>
-              <a:t>Gliederung</a:t>
-            </a:r>
-          </a:p>
-        </p:txBody>
-      </p:sp>
-      <p:sp>
-        <p:nvSpPr>
-          <p:cNvPr id="3" name="Inhaltsplatzhalter 2">
-            <a:extLst>
-              <a:ext uri="{FF2B5EF4-FFF2-40B4-BE49-F238E27FC236}">
-                <a16:creationId xmlns:a16="http://schemas.microsoft.com/office/drawing/2014/main" id="{54BAD29F-FEC5-264F-878E-5E20BC3F0613}"/>
-              </a:ext>
-            </a:extLst>
-          </p:cNvPr>
-          <p:cNvSpPr>
-            <a:spLocks noGrp="1"/>
-          </p:cNvSpPr>
-          <p:nvPr>
-            <p:ph idx="1"/>
-          </p:nvPr>
-        </p:nvSpPr>
-        <p:spPr/>
-        <p:txBody>
-          <a:bodyPr/>
-          <a:lstStyle/>
-          <a:p>
-            <a:pPr marL="514350" indent="-514350">
-              <a:buAutoNum type="arabicPeriod"/>
-            </a:pPr>
-            <a:r>
-              <a:rPr lang="de-DE" dirty="0"/>
-              <a:t>Phasen Ergebnisse</a:t>
-            </a:r>
-          </a:p>
-          <a:p>
-            <a:pPr marL="514350" indent="-514350">
-              <a:buAutoNum type="arabicPeriod"/>
-            </a:pPr>
-            <a:r>
-              <a:rPr lang="de-DE" dirty="0"/>
-              <a:t>Allgemeine Schwierigkeiten</a:t>
-            </a:r>
-          </a:p>
-          <a:p>
-            <a:pPr marL="514350" indent="-514350">
-              <a:buAutoNum type="arabicPeriod"/>
-            </a:pPr>
-            <a:r>
-              <a:rPr lang="de-DE" dirty="0"/>
-              <a:t>App Demonstration</a:t>
-            </a:r>
-          </a:p>
-          <a:p>
-            <a:pPr marL="514350" indent="-514350">
-              <a:buAutoNum type="arabicPeriod"/>
-            </a:pPr>
-            <a:r>
-              <a:rPr lang="de-DE" dirty="0"/>
-              <a:t>Fazit</a:t>
-            </a:r>
-          </a:p>
-          <a:p>
-            <a:pPr marL="514350" indent="-514350">
-              <a:buAutoNum type="arabicPeriod"/>
-            </a:pPr>
-            <a:r>
-              <a:rPr lang="de-DE" dirty="0"/>
-              <a:t>Fragen</a:t>
-            </a:r>
-          </a:p>
-        </p:txBody>
-      </p:sp>
       <p:pic>
         <p:nvPicPr>
-          <p:cNvPr id="4" name="Inhaltsplatzhalter 4">
-            <a:extLst>
-              <a:ext uri="{FF2B5EF4-FFF2-40B4-BE49-F238E27FC236}">
-                <a16:creationId xmlns:a16="http://schemas.microsoft.com/office/drawing/2014/main" id="{ECFF8110-CF9C-BB41-83FA-DBB7C2B3B8F0}"/>
+          <p:cNvPr id="7" name="Grafik 6">
+            <a:extLst>
+              <a:ext uri="{FF2B5EF4-FFF2-40B4-BE49-F238E27FC236}">
+                <a16:creationId xmlns:a16="http://schemas.microsoft.com/office/drawing/2014/main" id="{184B6AF4-EC09-4749-B440-C20282DB51F0}"/>
               </a:ext>
             </a:extLst>
           </p:cNvPr>
@@ -5500,14 +7660,247 @@
           <p:nvPr/>
         </p:nvPicPr>
         <p:blipFill>
-          <a:blip r:embed="rId2"/>
+          <a:blip r:embed="rId2">
+            <a:alphaModFix amt="70000"/>
+            <a:extLst>
+              <a:ext uri="{BEBA8EAE-BF5A-486C-A8C5-ECC9F3942E4B}">
+                <a14:imgProps xmlns:a14="http://schemas.microsoft.com/office/drawing/2010/main">
+                  <a14:imgLayer>
+                    <a14:imgEffect>
+                      <a14:sharpenSoften amount="50000"/>
+                    </a14:imgEffect>
+                    <a14:imgEffect>
+                      <a14:brightnessContrast bright="20000"/>
+                    </a14:imgEffect>
+                  </a14:imgLayer>
+                </a14:imgProps>
+              </a:ext>
+            </a:extLst>
+          </a:blip>
           <a:stretch>
             <a:fillRect/>
           </a:stretch>
         </p:blipFill>
         <p:spPr>
           <a:xfrm>
-            <a:off x="10601655" y="108525"/>
+            <a:off x="0" y="0"/>
+            <a:ext cx="12192000" cy="6858000"/>
+          </a:xfrm>
+          <a:prstGeom prst="rect">
+            <a:avLst/>
+          </a:prstGeom>
+        </p:spPr>
+      </p:pic>
+      <p:sp>
+        <p:nvSpPr>
+          <p:cNvPr id="2" name="Titel 1">
+            <a:extLst>
+              <a:ext uri="{FF2B5EF4-FFF2-40B4-BE49-F238E27FC236}">
+                <a16:creationId xmlns:a16="http://schemas.microsoft.com/office/drawing/2014/main" id="{9124C531-B6C5-B141-B687-D46894E4FC1F}"/>
+              </a:ext>
+            </a:extLst>
+          </p:cNvPr>
+          <p:cNvSpPr>
+            <a:spLocks noGrp="1"/>
+          </p:cNvSpPr>
+          <p:nvPr>
+            <p:ph type="title"/>
+          </p:nvPr>
+        </p:nvSpPr>
+        <p:spPr>
+          <a:xfrm>
+            <a:off x="0" y="192933"/>
+            <a:ext cx="10930597" cy="777738"/>
+          </a:xfrm>
+          <a:solidFill>
+            <a:schemeClr val="bg2"/>
+          </a:solidFill>
+          <a:ln>
+            <a:solidFill>
+              <a:schemeClr val="tx1"/>
+            </a:solidFill>
+          </a:ln>
+        </p:spPr>
+        <p:style>
+          <a:lnRef idx="0">
+            <a:schemeClr val="accent3"/>
+          </a:lnRef>
+          <a:fillRef idx="3">
+            <a:schemeClr val="accent3"/>
+          </a:fillRef>
+          <a:effectRef idx="3">
+            <a:schemeClr val="accent3"/>
+          </a:effectRef>
+          <a:fontRef idx="minor">
+            <a:schemeClr val="lt1"/>
+          </a:fontRef>
+        </p:style>
+        <p:txBody>
+          <a:bodyPr/>
+          <a:lstStyle/>
+          <a:p>
+            <a:r>
+              <a:rPr lang="de-DE" b="1" dirty="0">
+                <a:solidFill>
+                  <a:schemeClr val="tx1"/>
+                </a:solidFill>
+              </a:rPr>
+              <a:t>      Gliederung</a:t>
+            </a:r>
+          </a:p>
+        </p:txBody>
+      </p:sp>
+      <p:sp>
+        <p:nvSpPr>
+          <p:cNvPr id="3" name="Inhaltsplatzhalter 2">
+            <a:extLst>
+              <a:ext uri="{FF2B5EF4-FFF2-40B4-BE49-F238E27FC236}">
+                <a16:creationId xmlns:a16="http://schemas.microsoft.com/office/drawing/2014/main" id="{54BAD29F-FEC5-264F-878E-5E20BC3F0613}"/>
+              </a:ext>
+            </a:extLst>
+          </p:cNvPr>
+          <p:cNvSpPr>
+            <a:spLocks noGrp="1"/>
+          </p:cNvSpPr>
+          <p:nvPr>
+            <p:ph idx="1"/>
+          </p:nvPr>
+        </p:nvSpPr>
+        <p:spPr>
+          <a:xfrm>
+            <a:off x="0" y="1744395"/>
+            <a:ext cx="12192000" cy="3151162"/>
+          </a:xfrm>
+          <a:solidFill>
+            <a:schemeClr val="bg2"/>
+          </a:solidFill>
+          <a:ln w="28575">
+            <a:solidFill>
+              <a:schemeClr val="bg2">
+                <a:lumMod val="10000"/>
+              </a:schemeClr>
+            </a:solidFill>
+          </a:ln>
+        </p:spPr>
+        <p:style>
+          <a:lnRef idx="0">
+            <a:schemeClr val="accent3"/>
+          </a:lnRef>
+          <a:fillRef idx="3">
+            <a:schemeClr val="accent3"/>
+          </a:fillRef>
+          <a:effectRef idx="3">
+            <a:schemeClr val="accent3"/>
+          </a:effectRef>
+          <a:fontRef idx="minor">
+            <a:schemeClr val="lt1"/>
+          </a:fontRef>
+        </p:style>
+        <p:txBody>
+          <a:bodyPr>
+            <a:normAutofit/>
+          </a:bodyPr>
+          <a:lstStyle/>
+          <a:p>
+            <a:pPr marL="457200" lvl="1" indent="0">
+              <a:buNone/>
+            </a:pPr>
+            <a:endParaRPr lang="de-DE" sz="2800" dirty="0">
+              <a:solidFill>
+                <a:schemeClr val="tx1"/>
+              </a:solidFill>
+            </a:endParaRPr>
+          </a:p>
+          <a:p>
+            <a:pPr marL="971550" lvl="1" indent="-514350">
+              <a:buAutoNum type="arabicPeriod"/>
+            </a:pPr>
+            <a:r>
+              <a:rPr lang="de-DE" sz="2800" dirty="0">
+                <a:solidFill>
+                  <a:schemeClr val="tx1"/>
+                </a:solidFill>
+              </a:rPr>
+              <a:t>Phasen Ergebnisse</a:t>
+            </a:r>
+          </a:p>
+          <a:p>
+            <a:pPr marL="971550" lvl="1" indent="-514350">
+              <a:buAutoNum type="arabicPeriod"/>
+            </a:pPr>
+            <a:r>
+              <a:rPr lang="de-DE" sz="2800" dirty="0">
+                <a:solidFill>
+                  <a:schemeClr val="tx1"/>
+                </a:solidFill>
+              </a:rPr>
+              <a:t>Allgemeine Schwierigkeiten</a:t>
+            </a:r>
+          </a:p>
+          <a:p>
+            <a:pPr marL="971550" lvl="1" indent="-514350">
+              <a:buAutoNum type="arabicPeriod"/>
+            </a:pPr>
+            <a:r>
+              <a:rPr lang="de-DE" sz="2800" dirty="0">
+                <a:solidFill>
+                  <a:schemeClr val="tx1"/>
+                </a:solidFill>
+              </a:rPr>
+              <a:t>App Demonstration</a:t>
+            </a:r>
+          </a:p>
+          <a:p>
+            <a:pPr marL="971550" lvl="1" indent="-514350">
+              <a:buAutoNum type="arabicPeriod"/>
+            </a:pPr>
+            <a:r>
+              <a:rPr lang="de-DE" sz="2800" dirty="0">
+                <a:solidFill>
+                  <a:schemeClr val="tx1"/>
+                </a:solidFill>
+              </a:rPr>
+              <a:t>Fazit</a:t>
+            </a:r>
+          </a:p>
+          <a:p>
+            <a:pPr marL="971550" lvl="1" indent="-514350">
+              <a:buAutoNum type="arabicPeriod"/>
+            </a:pPr>
+            <a:r>
+              <a:rPr lang="de-DE" sz="2800" dirty="0">
+                <a:solidFill>
+                  <a:schemeClr val="tx1"/>
+                </a:solidFill>
+              </a:rPr>
+              <a:t>Fragen</a:t>
+            </a:r>
+          </a:p>
+        </p:txBody>
+      </p:sp>
+      <p:pic>
+        <p:nvPicPr>
+          <p:cNvPr id="4" name="Inhaltsplatzhalter 4">
+            <a:extLst>
+              <a:ext uri="{FF2B5EF4-FFF2-40B4-BE49-F238E27FC236}">
+                <a16:creationId xmlns:a16="http://schemas.microsoft.com/office/drawing/2014/main" id="{ECFF8110-CF9C-BB41-83FA-DBB7C2B3B8F0}"/>
+              </a:ext>
+            </a:extLst>
+          </p:cNvPr>
+          <p:cNvPicPr>
+            <a:picLocks noChangeAspect="1"/>
+          </p:cNvPicPr>
+          <p:nvPr/>
+        </p:nvPicPr>
+        <p:blipFill>
+          <a:blip r:embed="rId3"/>
+          <a:stretch>
+            <a:fillRect/>
+          </a:stretch>
+        </p:blipFill>
+        <p:spPr>
+          <a:xfrm>
+            <a:off x="10687711" y="-110171"/>
             <a:ext cx="1504289" cy="1383945"/>
           </a:xfrm>
           <a:prstGeom prst="rect">
@@ -5534,42 +7927,44 @@
         <p:spPr>
           <a:xfrm>
             <a:off x="0" y="6356350"/>
-            <a:ext cx="4114800" cy="365125"/>
+            <a:ext cx="12192000" cy="365125"/>
           </a:xfrm>
+          <a:solidFill>
+            <a:schemeClr val="bg2"/>
+          </a:solidFill>
+          <a:ln>
+            <a:solidFill>
+              <a:schemeClr val="tx1"/>
+            </a:solidFill>
+          </a:ln>
         </p:spPr>
+        <p:style>
+          <a:lnRef idx="0">
+            <a:schemeClr val="accent3"/>
+          </a:lnRef>
+          <a:fillRef idx="3">
+            <a:schemeClr val="accent3"/>
+          </a:fillRef>
+          <a:effectRef idx="3">
+            <a:schemeClr val="accent3"/>
+          </a:effectRef>
+          <a:fontRef idx="minor">
+            <a:schemeClr val="lt1"/>
+          </a:fontRef>
+        </p:style>
         <p:txBody>
           <a:bodyPr/>
           <a:lstStyle/>
           <a:p>
+            <a:pPr algn="l"/>
             <a:r>
-              <a:rPr lang="de-DE" dirty="0" err="1"/>
-              <a:t>Orkhan</a:t>
+              <a:rPr lang="de-DE" dirty="0">
+                <a:solidFill>
+                  <a:schemeClr val="tx1"/>
+                </a:solidFill>
+              </a:rPr>
+              <a:t>          Orkhan Aliev, Tim Groß, Daniel Helmig, Rukiye Devran</a:t>
             </a:r>
-            <a:r>
-              <a:rPr lang="de-DE" dirty="0"/>
-              <a:t> </a:t>
-            </a:r>
-            <a:r>
-              <a:rPr lang="de-DE" dirty="0" err="1"/>
-              <a:t>Aliev</a:t>
-            </a:r>
-            <a:r>
-              <a:rPr lang="de-DE" dirty="0"/>
-              <a:t>, Tim Groß, Daniel </a:t>
-            </a:r>
-            <a:r>
-              <a:rPr lang="de-DE" dirty="0" err="1"/>
-              <a:t>Helmig</a:t>
-            </a:r>
-            <a:r>
-              <a:rPr lang="de-DE" dirty="0"/>
-              <a:t>, Rukiye </a:t>
-            </a:r>
-            <a:r>
-              <a:rPr lang="de-DE" dirty="0" err="1"/>
-              <a:t>Devran</a:t>
-            </a:r>
-            <a:endParaRPr lang="de-DE" dirty="0"/>
           </a:p>
         </p:txBody>
       </p:sp>
@@ -5598,7 +7993,7 @@
               <a:rPr lang="de-DE" smtClean="0"/>
               <a:t>2</a:t>
             </a:fld>
-            <a:endParaRPr lang="de-DE"/>
+            <a:endParaRPr lang="de-DE" dirty="0"/>
           </a:p>
         </p:txBody>
       </p:sp>
@@ -5632,35 +8027,52 @@
           <a:chExt cx="0" cy="0"/>
         </a:xfrm>
       </p:grpSpPr>
-      <p:sp>
-        <p:nvSpPr>
-          <p:cNvPr id="2" name="Titel 1">
-            <a:extLst>
-              <a:ext uri="{FF2B5EF4-FFF2-40B4-BE49-F238E27FC236}">
-                <a16:creationId xmlns:a16="http://schemas.microsoft.com/office/drawing/2014/main" id="{8458FFC1-912F-2642-80C2-495E6796CD3F}"/>
-              </a:ext>
-            </a:extLst>
-          </p:cNvPr>
-          <p:cNvSpPr>
-            <a:spLocks noGrp="1"/>
-          </p:cNvSpPr>
-          <p:nvPr>
-            <p:ph type="title"/>
-          </p:nvPr>
-        </p:nvSpPr>
-        <p:spPr/>
-        <p:txBody>
-          <a:bodyPr/>
-          <a:lstStyle/>
-          <a:p>
-            <a:r>
-              <a:rPr lang="de-DE" b="1" dirty="0"/>
-              <a:t>1. Phasen Ergebnisse</a:t>
-            </a:r>
-            <a:endParaRPr lang="de-DE" dirty="0"/>
-          </a:p>
-        </p:txBody>
-      </p:sp>
+      <p:pic>
+        <p:nvPicPr>
+          <p:cNvPr id="15" name="Grafik 14">
+            <a:extLst>
+              <a:ext uri="{FF2B5EF4-FFF2-40B4-BE49-F238E27FC236}">
+                <a16:creationId xmlns:a16="http://schemas.microsoft.com/office/drawing/2014/main" id="{64A60FFD-6232-8341-BBE3-F58F328CAC11}"/>
+              </a:ext>
+            </a:extLst>
+          </p:cNvPr>
+          <p:cNvPicPr>
+            <a:picLocks noChangeAspect="1"/>
+          </p:cNvPicPr>
+          <p:nvPr/>
+        </p:nvPicPr>
+        <p:blipFill>
+          <a:blip r:embed="rId2">
+            <a:alphaModFix amt="70000"/>
+            <a:extLst>
+              <a:ext uri="{BEBA8EAE-BF5A-486C-A8C5-ECC9F3942E4B}">
+                <a14:imgProps xmlns:a14="http://schemas.microsoft.com/office/drawing/2010/main">
+                  <a14:imgLayer>
+                    <a14:imgEffect>
+                      <a14:sharpenSoften amount="50000"/>
+                    </a14:imgEffect>
+                    <a14:imgEffect>
+                      <a14:brightnessContrast bright="20000"/>
+                    </a14:imgEffect>
+                  </a14:imgLayer>
+                </a14:imgProps>
+              </a:ext>
+            </a:extLst>
+          </a:blip>
+          <a:stretch>
+            <a:fillRect/>
+          </a:stretch>
+        </p:blipFill>
+        <p:spPr>
+          <a:xfrm>
+            <a:off x="0" y="0"/>
+            <a:ext cx="12192000" cy="6858000"/>
+          </a:xfrm>
+          <a:prstGeom prst="rect">
+            <a:avLst/>
+          </a:prstGeom>
+        </p:spPr>
+      </p:pic>
       <p:sp>
         <p:nvSpPr>
           <p:cNvPr id="4" name="Abgerundetes Rechteck 3">
@@ -5675,7 +8087,7 @@
         </p:nvSpPr>
         <p:spPr>
           <a:xfrm>
-            <a:off x="1135117" y="1765738"/>
+            <a:off x="938169" y="1504569"/>
             <a:ext cx="2217683" cy="977462"/>
           </a:xfrm>
           <a:prstGeom prst="roundRect">
@@ -5724,7 +8136,7 @@
         </p:nvSpPr>
         <p:spPr>
           <a:xfrm>
-            <a:off x="3352800" y="2906110"/>
+            <a:off x="3155852" y="2644941"/>
             <a:ext cx="2217683" cy="977462"/>
           </a:xfrm>
           <a:prstGeom prst="roundRect">
@@ -5773,7 +8185,7 @@
         </p:nvSpPr>
         <p:spPr>
           <a:xfrm>
-            <a:off x="5570483" y="4121532"/>
+            <a:off x="5373535" y="3860363"/>
             <a:ext cx="2217683" cy="977462"/>
           </a:xfrm>
           <a:prstGeom prst="roundRect">
@@ -5822,7 +8234,7 @@
         </p:nvSpPr>
         <p:spPr>
           <a:xfrm>
-            <a:off x="7788166" y="5336954"/>
+            <a:off x="7591218" y="5075785"/>
             <a:ext cx="2217683" cy="977462"/>
           </a:xfrm>
           <a:prstGeom prst="roundRect">
@@ -5871,7 +8283,7 @@
         </p:nvSpPr>
         <p:spPr>
           <a:xfrm rot="5400000">
-            <a:off x="2026441" y="2416805"/>
+            <a:off x="1829493" y="2155636"/>
             <a:ext cx="915879" cy="1568670"/>
           </a:xfrm>
           <a:prstGeom prst="bentUpArrow">
@@ -5934,7 +8346,7 @@
         </p:nvSpPr>
         <p:spPr>
           <a:xfrm rot="5400000">
-            <a:off x="4209965" y="3533527"/>
+            <a:off x="4013017" y="3272358"/>
             <a:ext cx="936899" cy="1636989"/>
           </a:xfrm>
           <a:prstGeom prst="bentUpArrow">
@@ -5997,7 +8409,7 @@
         </p:nvSpPr>
         <p:spPr>
           <a:xfrm rot="5400000">
-            <a:off x="6442839" y="4752153"/>
+            <a:off x="6245891" y="4490984"/>
             <a:ext cx="914401" cy="1608084"/>
           </a:xfrm>
           <a:prstGeom prst="bentUpArrow">
@@ -6046,6 +8458,255 @@
           </a:p>
         </p:txBody>
       </p:sp>
+      <p:sp>
+        <p:nvSpPr>
+          <p:cNvPr id="14" name="Foliennummernplatzhalter 13">
+            <a:extLst>
+              <a:ext uri="{FF2B5EF4-FFF2-40B4-BE49-F238E27FC236}">
+                <a16:creationId xmlns:a16="http://schemas.microsoft.com/office/drawing/2014/main" id="{89B2F2DD-1751-A44E-A8D9-05BA41BEB7F3}"/>
+              </a:ext>
+            </a:extLst>
+          </p:cNvPr>
+          <p:cNvSpPr>
+            <a:spLocks noGrp="1"/>
+          </p:cNvSpPr>
+          <p:nvPr>
+            <p:ph type="sldNum" sz="quarter" idx="12"/>
+          </p:nvPr>
+        </p:nvSpPr>
+        <p:spPr/>
+        <p:txBody>
+          <a:bodyPr/>
+          <a:lstStyle/>
+          <a:p>
+            <a:fld id="{78776B16-91FB-9448-9CB1-FBF57F5ADB35}" type="slidenum">
+              <a:rPr lang="de-DE" smtClean="0"/>
+              <a:t>3</a:t>
+            </a:fld>
+            <a:endParaRPr lang="de-DE"/>
+          </a:p>
+        </p:txBody>
+      </p:sp>
+      <p:sp>
+        <p:nvSpPr>
+          <p:cNvPr id="16" name="Titel 1">
+            <a:extLst>
+              <a:ext uri="{FF2B5EF4-FFF2-40B4-BE49-F238E27FC236}">
+                <a16:creationId xmlns:a16="http://schemas.microsoft.com/office/drawing/2014/main" id="{923DC72F-B94D-0C42-AA88-04E5CF7095A6}"/>
+              </a:ext>
+            </a:extLst>
+          </p:cNvPr>
+          <p:cNvSpPr txBox="1">
+            <a:spLocks/>
+          </p:cNvSpPr>
+          <p:nvPr/>
+        </p:nvSpPr>
+        <p:spPr>
+          <a:xfrm>
+            <a:off x="0" y="192933"/>
+            <a:ext cx="10930597" cy="777738"/>
+          </a:xfrm>
+          <a:prstGeom prst="rect">
+            <a:avLst/>
+          </a:prstGeom>
+          <a:solidFill>
+            <a:schemeClr val="bg2"/>
+          </a:solidFill>
+          <a:ln>
+            <a:solidFill>
+              <a:schemeClr val="tx1"/>
+            </a:solidFill>
+          </a:ln>
+        </p:spPr>
+        <p:style>
+          <a:lnRef idx="0">
+            <a:schemeClr val="accent3"/>
+          </a:lnRef>
+          <a:fillRef idx="3">
+            <a:schemeClr val="accent3"/>
+          </a:fillRef>
+          <a:effectRef idx="3">
+            <a:schemeClr val="accent3"/>
+          </a:effectRef>
+          <a:fontRef idx="minor">
+            <a:schemeClr val="lt1"/>
+          </a:fontRef>
+        </p:style>
+        <p:txBody>
+          <a:bodyPr vert="horz" lIns="91440" tIns="45720" rIns="91440" bIns="45720" rtlCol="0" anchor="ctr">
+            <a:normAutofit/>
+          </a:bodyPr>
+          <a:lstStyle>
+            <a:lvl1pPr algn="l" defTabSz="914400" rtl="0" eaLnBrk="1" latinLnBrk="0" hangingPunct="1">
+              <a:lnSpc>
+                <a:spcPct val="90000"/>
+              </a:lnSpc>
+              <a:spcBef>
+                <a:spcPct val="0"/>
+              </a:spcBef>
+              <a:buNone/>
+              <a:defRPr sz="4400" kern="1200">
+                <a:solidFill>
+                  <a:schemeClr val="lt1"/>
+                </a:solidFill>
+                <a:latin typeface="+mn-lt"/>
+                <a:ea typeface="+mn-ea"/>
+                <a:cs typeface="+mn-cs"/>
+              </a:defRPr>
+            </a:lvl1pPr>
+            <a:lvl2pPr>
+              <a:defRPr>
+                <a:solidFill>
+                  <a:schemeClr val="lt1"/>
+                </a:solidFill>
+                <a:latin typeface="+mn-lt"/>
+                <a:ea typeface="+mn-ea"/>
+                <a:cs typeface="+mn-cs"/>
+              </a:defRPr>
+            </a:lvl2pPr>
+            <a:lvl3pPr>
+              <a:defRPr>
+                <a:solidFill>
+                  <a:schemeClr val="lt1"/>
+                </a:solidFill>
+                <a:latin typeface="+mn-lt"/>
+                <a:ea typeface="+mn-ea"/>
+                <a:cs typeface="+mn-cs"/>
+              </a:defRPr>
+            </a:lvl3pPr>
+            <a:lvl4pPr>
+              <a:defRPr>
+                <a:solidFill>
+                  <a:schemeClr val="lt1"/>
+                </a:solidFill>
+                <a:latin typeface="+mn-lt"/>
+                <a:ea typeface="+mn-ea"/>
+                <a:cs typeface="+mn-cs"/>
+              </a:defRPr>
+            </a:lvl4pPr>
+            <a:lvl5pPr>
+              <a:defRPr>
+                <a:solidFill>
+                  <a:schemeClr val="lt1"/>
+                </a:solidFill>
+                <a:latin typeface="+mn-lt"/>
+                <a:ea typeface="+mn-ea"/>
+                <a:cs typeface="+mn-cs"/>
+              </a:defRPr>
+            </a:lvl5pPr>
+            <a:lvl6pPr>
+              <a:defRPr>
+                <a:solidFill>
+                  <a:schemeClr val="lt1"/>
+                </a:solidFill>
+                <a:latin typeface="+mn-lt"/>
+                <a:ea typeface="+mn-ea"/>
+                <a:cs typeface="+mn-cs"/>
+              </a:defRPr>
+            </a:lvl6pPr>
+            <a:lvl7pPr>
+              <a:defRPr>
+                <a:solidFill>
+                  <a:schemeClr val="lt1"/>
+                </a:solidFill>
+                <a:latin typeface="+mn-lt"/>
+                <a:ea typeface="+mn-ea"/>
+                <a:cs typeface="+mn-cs"/>
+              </a:defRPr>
+            </a:lvl7pPr>
+            <a:lvl8pPr>
+              <a:defRPr>
+                <a:solidFill>
+                  <a:schemeClr val="lt1"/>
+                </a:solidFill>
+                <a:latin typeface="+mn-lt"/>
+                <a:ea typeface="+mn-ea"/>
+                <a:cs typeface="+mn-cs"/>
+              </a:defRPr>
+            </a:lvl8pPr>
+            <a:lvl9pPr>
+              <a:defRPr>
+                <a:solidFill>
+                  <a:schemeClr val="lt1"/>
+                </a:solidFill>
+                <a:latin typeface="+mn-lt"/>
+                <a:ea typeface="+mn-ea"/>
+                <a:cs typeface="+mn-cs"/>
+              </a:defRPr>
+            </a:lvl9pPr>
+          </a:lstStyle>
+          <a:p>
+            <a:r>
+              <a:rPr lang="de-DE" b="1" dirty="0">
+                <a:solidFill>
+                  <a:schemeClr val="tx1"/>
+                </a:solidFill>
+              </a:rPr>
+              <a:t>      1. Phasen Ergebnisse </a:t>
+            </a:r>
+          </a:p>
+        </p:txBody>
+      </p:sp>
+      <p:sp>
+        <p:nvSpPr>
+          <p:cNvPr id="19" name="Fußzeilenplatzhalter 4">
+            <a:extLst>
+              <a:ext uri="{FF2B5EF4-FFF2-40B4-BE49-F238E27FC236}">
+                <a16:creationId xmlns:a16="http://schemas.microsoft.com/office/drawing/2014/main" id="{8B31CEFD-FFAD-E247-9D34-3BBEEDDB0D45}"/>
+              </a:ext>
+            </a:extLst>
+          </p:cNvPr>
+          <p:cNvSpPr>
+            <a:spLocks noGrp="1"/>
+          </p:cNvSpPr>
+          <p:nvPr>
+            <p:ph type="ftr" sz="quarter" idx="11"/>
+          </p:nvPr>
+        </p:nvSpPr>
+        <p:spPr>
+          <a:xfrm>
+            <a:off x="0" y="6356350"/>
+            <a:ext cx="12192000" cy="365125"/>
+          </a:xfrm>
+          <a:solidFill>
+            <a:schemeClr val="bg2"/>
+          </a:solidFill>
+          <a:ln>
+            <a:solidFill>
+              <a:schemeClr val="tx1"/>
+            </a:solidFill>
+          </a:ln>
+        </p:spPr>
+        <p:style>
+          <a:lnRef idx="0">
+            <a:schemeClr val="accent3"/>
+          </a:lnRef>
+          <a:fillRef idx="3">
+            <a:schemeClr val="accent3"/>
+          </a:fillRef>
+          <a:effectRef idx="3">
+            <a:schemeClr val="accent3"/>
+          </a:effectRef>
+          <a:fontRef idx="minor">
+            <a:schemeClr val="lt1"/>
+          </a:fontRef>
+        </p:style>
+        <p:txBody>
+          <a:bodyPr/>
+          <a:lstStyle/>
+          <a:p>
+            <a:pPr algn="l"/>
+            <a:r>
+              <a:rPr lang="de-DE" dirty="0">
+                <a:solidFill>
+                  <a:schemeClr val="tx1"/>
+                </a:solidFill>
+              </a:rPr>
+              <a:t>          Orkhan Aliev, Tim Groß, Daniel Helmig, Rukiye Devran</a:t>
+            </a:r>
+          </a:p>
+        </p:txBody>
+      </p:sp>
       <p:pic>
         <p:nvPicPr>
           <p:cNvPr id="12" name="Inhaltsplatzhalter 4">
@@ -6061,14 +8722,14 @@
           <p:nvPr/>
         </p:nvPicPr>
         <p:blipFill>
-          <a:blip r:embed="rId2"/>
+          <a:blip r:embed="rId3"/>
           <a:stretch>
             <a:fillRect/>
           </a:stretch>
         </p:blipFill>
         <p:spPr>
           <a:xfrm>
-            <a:off x="10601655" y="108525"/>
+            <a:off x="10687711" y="-110171"/>
             <a:ext cx="1504289" cy="1383945"/>
           </a:xfrm>
           <a:prstGeom prst="rect">
@@ -6078,88 +8739,131 @@
       </p:pic>
       <p:sp>
         <p:nvSpPr>
-          <p:cNvPr id="13" name="Fußzeilenplatzhalter 12">
-            <a:extLst>
-              <a:ext uri="{FF2B5EF4-FFF2-40B4-BE49-F238E27FC236}">
-                <a16:creationId xmlns:a16="http://schemas.microsoft.com/office/drawing/2014/main" id="{201DC01F-4D12-2D4D-9CBD-B85715BF1B7E}"/>
-              </a:ext>
-            </a:extLst>
-          </p:cNvPr>
-          <p:cNvSpPr>
-            <a:spLocks noGrp="1"/>
-          </p:cNvSpPr>
-          <p:nvPr>
-            <p:ph type="ftr" sz="quarter" idx="11"/>
-          </p:nvPr>
+          <p:cNvPr id="21" name="Foliennummernplatzhalter 5">
+            <a:extLst>
+              <a:ext uri="{FF2B5EF4-FFF2-40B4-BE49-F238E27FC236}">
+                <a16:creationId xmlns:a16="http://schemas.microsoft.com/office/drawing/2014/main" id="{CA45C947-763C-AD4C-B6CB-90DBA8907858}"/>
+              </a:ext>
+            </a:extLst>
+          </p:cNvPr>
+          <p:cNvSpPr txBox="1">
+            <a:spLocks/>
+          </p:cNvSpPr>
+          <p:nvPr/>
         </p:nvSpPr>
         <p:spPr>
           <a:xfrm>
-            <a:off x="0" y="6356350"/>
-            <a:ext cx="4114800" cy="365125"/>
+            <a:off x="8620547" y="6356350"/>
+            <a:ext cx="2743200" cy="365125"/>
           </a:xfrm>
+          <a:prstGeom prst="rect">
+            <a:avLst/>
+          </a:prstGeom>
         </p:spPr>
         <p:txBody>
-          <a:bodyPr/>
-          <a:lstStyle/>
-          <a:p>
-            <a:r>
-              <a:rPr lang="de-DE" dirty="0" err="1"/>
-              <a:t>Orkhan</a:t>
-            </a:r>
+          <a:bodyPr vert="horz" lIns="91440" tIns="45720" rIns="91440" bIns="45720" rtlCol="0" anchor="ctr"/>
+          <a:lstStyle>
+            <a:defPPr>
+              <a:defRPr lang="de-DE"/>
+            </a:defPPr>
+            <a:lvl1pPr marL="0" algn="r" defTabSz="914400" rtl="0" eaLnBrk="1" latinLnBrk="0" hangingPunct="1">
+              <a:defRPr sz="1200" kern="1200">
+                <a:solidFill>
+                  <a:schemeClr val="tx1">
+                    <a:tint val="75000"/>
+                  </a:schemeClr>
+                </a:solidFill>
+                <a:latin typeface="+mn-lt"/>
+                <a:ea typeface="+mn-ea"/>
+                <a:cs typeface="+mn-cs"/>
+              </a:defRPr>
+            </a:lvl1pPr>
+            <a:lvl2pPr marL="457200" algn="l" defTabSz="914400" rtl="0" eaLnBrk="1" latinLnBrk="0" hangingPunct="1">
+              <a:defRPr sz="1800" kern="1200">
+                <a:solidFill>
+                  <a:schemeClr val="tx1"/>
+                </a:solidFill>
+                <a:latin typeface="+mn-lt"/>
+                <a:ea typeface="+mn-ea"/>
+                <a:cs typeface="+mn-cs"/>
+              </a:defRPr>
+            </a:lvl2pPr>
+            <a:lvl3pPr marL="914400" algn="l" defTabSz="914400" rtl="0" eaLnBrk="1" latinLnBrk="0" hangingPunct="1">
+              <a:defRPr sz="1800" kern="1200">
+                <a:solidFill>
+                  <a:schemeClr val="tx1"/>
+                </a:solidFill>
+                <a:latin typeface="+mn-lt"/>
+                <a:ea typeface="+mn-ea"/>
+                <a:cs typeface="+mn-cs"/>
+              </a:defRPr>
+            </a:lvl3pPr>
+            <a:lvl4pPr marL="1371600" algn="l" defTabSz="914400" rtl="0" eaLnBrk="1" latinLnBrk="0" hangingPunct="1">
+              <a:defRPr sz="1800" kern="1200">
+                <a:solidFill>
+                  <a:schemeClr val="tx1"/>
+                </a:solidFill>
+                <a:latin typeface="+mn-lt"/>
+                <a:ea typeface="+mn-ea"/>
+                <a:cs typeface="+mn-cs"/>
+              </a:defRPr>
+            </a:lvl4pPr>
+            <a:lvl5pPr marL="1828800" algn="l" defTabSz="914400" rtl="0" eaLnBrk="1" latinLnBrk="0" hangingPunct="1">
+              <a:defRPr sz="1800" kern="1200">
+                <a:solidFill>
+                  <a:schemeClr val="tx1"/>
+                </a:solidFill>
+                <a:latin typeface="+mn-lt"/>
+                <a:ea typeface="+mn-ea"/>
+                <a:cs typeface="+mn-cs"/>
+              </a:defRPr>
+            </a:lvl5pPr>
+            <a:lvl6pPr marL="2286000" algn="l" defTabSz="914400" rtl="0" eaLnBrk="1" latinLnBrk="0" hangingPunct="1">
+              <a:defRPr sz="1800" kern="1200">
+                <a:solidFill>
+                  <a:schemeClr val="tx1"/>
+                </a:solidFill>
+                <a:latin typeface="+mn-lt"/>
+                <a:ea typeface="+mn-ea"/>
+                <a:cs typeface="+mn-cs"/>
+              </a:defRPr>
+            </a:lvl6pPr>
+            <a:lvl7pPr marL="2743200" algn="l" defTabSz="914400" rtl="0" eaLnBrk="1" latinLnBrk="0" hangingPunct="1">
+              <a:defRPr sz="1800" kern="1200">
+                <a:solidFill>
+                  <a:schemeClr val="tx1"/>
+                </a:solidFill>
+                <a:latin typeface="+mn-lt"/>
+                <a:ea typeface="+mn-ea"/>
+                <a:cs typeface="+mn-cs"/>
+              </a:defRPr>
+            </a:lvl7pPr>
+            <a:lvl8pPr marL="3200400" algn="l" defTabSz="914400" rtl="0" eaLnBrk="1" latinLnBrk="0" hangingPunct="1">
+              <a:defRPr sz="1800" kern="1200">
+                <a:solidFill>
+                  <a:schemeClr val="tx1"/>
+                </a:solidFill>
+                <a:latin typeface="+mn-lt"/>
+                <a:ea typeface="+mn-ea"/>
+                <a:cs typeface="+mn-cs"/>
+              </a:defRPr>
+            </a:lvl8pPr>
+            <a:lvl9pPr marL="3657600" algn="l" defTabSz="914400" rtl="0" eaLnBrk="1" latinLnBrk="0" hangingPunct="1">
+              <a:defRPr sz="1800" kern="1200">
+                <a:solidFill>
+                  <a:schemeClr val="tx1"/>
+                </a:solidFill>
+                <a:latin typeface="+mn-lt"/>
+                <a:ea typeface="+mn-ea"/>
+                <a:cs typeface="+mn-cs"/>
+              </a:defRPr>
+            </a:lvl9pPr>
+          </a:lstStyle>
+          <a:p>
             <a:r>
               <a:rPr lang="de-DE" dirty="0"/>
-              <a:t> </a:t>
+              <a:t>3</a:t>
             </a:r>
-            <a:r>
-              <a:rPr lang="de-DE" dirty="0" err="1"/>
-              <a:t>Aliev</a:t>
-            </a:r>
-            <a:r>
-              <a:rPr lang="de-DE" dirty="0"/>
-              <a:t>, Tim Groß, Daniel </a:t>
-            </a:r>
-            <a:r>
-              <a:rPr lang="de-DE" dirty="0" err="1"/>
-              <a:t>Helmig</a:t>
-            </a:r>
-            <a:r>
-              <a:rPr lang="de-DE" dirty="0"/>
-              <a:t>, Rukiye </a:t>
-            </a:r>
-            <a:r>
-              <a:rPr lang="de-DE" dirty="0" err="1"/>
-              <a:t>Devran</a:t>
-            </a:r>
-            <a:endParaRPr lang="de-DE" dirty="0"/>
-          </a:p>
-        </p:txBody>
-      </p:sp>
-      <p:sp>
-        <p:nvSpPr>
-          <p:cNvPr id="14" name="Foliennummernplatzhalter 13">
-            <a:extLst>
-              <a:ext uri="{FF2B5EF4-FFF2-40B4-BE49-F238E27FC236}">
-                <a16:creationId xmlns:a16="http://schemas.microsoft.com/office/drawing/2014/main" id="{89B2F2DD-1751-A44E-A8D9-05BA41BEB7F3}"/>
-              </a:ext>
-            </a:extLst>
-          </p:cNvPr>
-          <p:cNvSpPr>
-            <a:spLocks noGrp="1"/>
-          </p:cNvSpPr>
-          <p:nvPr>
-            <p:ph type="sldNum" sz="quarter" idx="12"/>
-          </p:nvPr>
-        </p:nvSpPr>
-        <p:spPr/>
-        <p:txBody>
-          <a:bodyPr/>
-          <a:lstStyle/>
-          <a:p>
-            <a:fld id="{78776B16-91FB-9448-9CB1-FBF57F5ADB35}" type="slidenum">
-              <a:rPr lang="de-DE" smtClean="0"/>
-              <a:t>3</a:t>
-            </a:fld>
-            <a:endParaRPr lang="de-DE"/>
           </a:p>
         </p:txBody>
       </p:sp>
@@ -6193,109 +8897,12 @@
           <a:chExt cx="0" cy="0"/>
         </a:xfrm>
       </p:grpSpPr>
-      <p:sp>
-        <p:nvSpPr>
-          <p:cNvPr id="2" name="Titel 1">
-            <a:extLst>
-              <a:ext uri="{FF2B5EF4-FFF2-40B4-BE49-F238E27FC236}">
-                <a16:creationId xmlns:a16="http://schemas.microsoft.com/office/drawing/2014/main" id="{0D8A9B72-AD12-FA40-B293-7911C401917D}"/>
-              </a:ext>
-            </a:extLst>
-          </p:cNvPr>
-          <p:cNvSpPr>
-            <a:spLocks noGrp="1"/>
-          </p:cNvSpPr>
-          <p:nvPr>
-            <p:ph type="title"/>
-          </p:nvPr>
-        </p:nvSpPr>
-        <p:spPr/>
-        <p:txBody>
-          <a:bodyPr/>
-          <a:lstStyle/>
-          <a:p>
-            <a:r>
-              <a:rPr lang="de-DE" b="1" dirty="0"/>
-              <a:t>1.1 Pflichtenheft</a:t>
-            </a:r>
-          </a:p>
-        </p:txBody>
-      </p:sp>
-      <p:sp>
-        <p:nvSpPr>
-          <p:cNvPr id="3" name="Inhaltsplatzhalter 2">
-            <a:extLst>
-              <a:ext uri="{FF2B5EF4-FFF2-40B4-BE49-F238E27FC236}">
-                <a16:creationId xmlns:a16="http://schemas.microsoft.com/office/drawing/2014/main" id="{A6DA07C2-DD90-434C-8BDC-9575845EE867}"/>
-              </a:ext>
-            </a:extLst>
-          </p:cNvPr>
-          <p:cNvSpPr>
-            <a:spLocks noGrp="1"/>
-          </p:cNvSpPr>
-          <p:nvPr>
-            <p:ph idx="1"/>
-          </p:nvPr>
-        </p:nvSpPr>
-        <p:spPr/>
-        <p:txBody>
-          <a:bodyPr>
-            <a:normAutofit/>
-          </a:bodyPr>
-          <a:lstStyle/>
-          <a:p>
-            <a:pPr marL="0" indent="0">
-              <a:buNone/>
-            </a:pPr>
-            <a:r>
-              <a:rPr lang="de-DE" b="1" dirty="0"/>
-              <a:t>Funktionalität:</a:t>
-            </a:r>
-          </a:p>
-          <a:p>
-            <a:r>
-              <a:rPr lang="de-DE" dirty="0"/>
-              <a:t>Anmelden</a:t>
-            </a:r>
-          </a:p>
-          <a:p>
-            <a:r>
-              <a:rPr lang="de-DE" dirty="0"/>
-              <a:t>Statistik</a:t>
-            </a:r>
-          </a:p>
-          <a:p>
-            <a:r>
-              <a:rPr lang="de-DE" dirty="0"/>
-              <a:t>Spielersuche</a:t>
-            </a:r>
-          </a:p>
-          <a:p>
-            <a:r>
-              <a:rPr lang="de-DE" dirty="0"/>
-              <a:t>Spielen auf einem Gerät</a:t>
-            </a:r>
-          </a:p>
-          <a:p>
-            <a:r>
-              <a:rPr lang="de-DE" dirty="0"/>
-              <a:t>Gegen einen herausgeforderten Spieler spielen</a:t>
-            </a:r>
-          </a:p>
-          <a:p>
-            <a:r>
-              <a:rPr lang="de-DE" dirty="0"/>
-              <a:t>Schachfiguren bewegen sich gemäß den Schachregeln</a:t>
-            </a:r>
-          </a:p>
-        </p:txBody>
-      </p:sp>
       <p:pic>
         <p:nvPicPr>
-          <p:cNvPr id="4" name="Inhaltsplatzhalter 4">
-            <a:extLst>
-              <a:ext uri="{FF2B5EF4-FFF2-40B4-BE49-F238E27FC236}">
-                <a16:creationId xmlns:a16="http://schemas.microsoft.com/office/drawing/2014/main" id="{4FAFCDC8-299E-E145-896B-892EF6032171}"/>
+          <p:cNvPr id="7" name="Grafik 6">
+            <a:extLst>
+              <a:ext uri="{FF2B5EF4-FFF2-40B4-BE49-F238E27FC236}">
+                <a16:creationId xmlns:a16="http://schemas.microsoft.com/office/drawing/2014/main" id="{23087EAD-B47F-194E-AC01-C62A3EF345E6}"/>
               </a:ext>
             </a:extLst>
           </p:cNvPr>
@@ -6305,14 +8912,403 @@
           <p:nvPr/>
         </p:nvPicPr>
         <p:blipFill>
-          <a:blip r:embed="rId2"/>
+          <a:blip r:embed="rId2">
+            <a:alphaModFix amt="70000"/>
+            <a:extLst>
+              <a:ext uri="{BEBA8EAE-BF5A-486C-A8C5-ECC9F3942E4B}">
+                <a14:imgProps xmlns:a14="http://schemas.microsoft.com/office/drawing/2010/main">
+                  <a14:imgLayer>
+                    <a14:imgEffect>
+                      <a14:sharpenSoften amount="50000"/>
+                    </a14:imgEffect>
+                    <a14:imgEffect>
+                      <a14:brightnessContrast bright="20000"/>
+                    </a14:imgEffect>
+                  </a14:imgLayer>
+                </a14:imgProps>
+              </a:ext>
+            </a:extLst>
+          </a:blip>
           <a:stretch>
             <a:fillRect/>
           </a:stretch>
         </p:blipFill>
         <p:spPr>
           <a:xfrm>
-            <a:off x="10601655" y="108525"/>
+            <a:off x="0" y="0"/>
+            <a:ext cx="12192000" cy="6858000"/>
+          </a:xfrm>
+          <a:prstGeom prst="rect">
+            <a:avLst/>
+          </a:prstGeom>
+        </p:spPr>
+      </p:pic>
+      <p:sp>
+        <p:nvSpPr>
+          <p:cNvPr id="3" name="Inhaltsplatzhalter 2">
+            <a:extLst>
+              <a:ext uri="{FF2B5EF4-FFF2-40B4-BE49-F238E27FC236}">
+                <a16:creationId xmlns:a16="http://schemas.microsoft.com/office/drawing/2014/main" id="{A6DA07C2-DD90-434C-8BDC-9575845EE867}"/>
+              </a:ext>
+            </a:extLst>
+          </p:cNvPr>
+          <p:cNvSpPr>
+            <a:spLocks noGrp="1"/>
+          </p:cNvSpPr>
+          <p:nvPr>
+            <p:ph idx="1"/>
+          </p:nvPr>
+        </p:nvSpPr>
+        <p:spPr>
+          <a:xfrm>
+            <a:off x="0" y="1630729"/>
+            <a:ext cx="12191999" cy="4065563"/>
+          </a:xfrm>
+          <a:solidFill>
+            <a:schemeClr val="bg2"/>
+          </a:solidFill>
+          <a:ln w="28575">
+            <a:solidFill>
+              <a:schemeClr val="tx1"/>
+            </a:solidFill>
+          </a:ln>
+        </p:spPr>
+        <p:txBody>
+          <a:bodyPr>
+            <a:normAutofit/>
+          </a:bodyPr>
+          <a:lstStyle/>
+          <a:p>
+            <a:pPr marL="457200" lvl="1" indent="0">
+              <a:buNone/>
+            </a:pPr>
+            <a:endParaRPr lang="de-DE" sz="2800" b="1" dirty="0"/>
+          </a:p>
+          <a:p>
+            <a:pPr marL="457200" lvl="1" indent="0">
+              <a:buNone/>
+            </a:pPr>
+            <a:r>
+              <a:rPr lang="de-DE" sz="2800" b="1" u="sng" dirty="0"/>
+              <a:t>Funktionalität</a:t>
+            </a:r>
+          </a:p>
+          <a:p>
+            <a:pPr lvl="1"/>
+            <a:r>
+              <a:rPr lang="de-DE" sz="2800" dirty="0"/>
+              <a:t>Anmelden</a:t>
+            </a:r>
+          </a:p>
+          <a:p>
+            <a:pPr lvl="1"/>
+            <a:r>
+              <a:rPr lang="de-DE" sz="2800" dirty="0"/>
+              <a:t>Statistik</a:t>
+            </a:r>
+          </a:p>
+          <a:p>
+            <a:pPr lvl="1"/>
+            <a:r>
+              <a:rPr lang="de-DE" sz="2800" dirty="0"/>
+              <a:t>Spielersuche</a:t>
+            </a:r>
+          </a:p>
+          <a:p>
+            <a:pPr lvl="1"/>
+            <a:r>
+              <a:rPr lang="de-DE" sz="2800" dirty="0"/>
+              <a:t>Spielen auf einem Gerät</a:t>
+            </a:r>
+          </a:p>
+          <a:p>
+            <a:pPr lvl="1"/>
+            <a:r>
+              <a:rPr lang="de-DE" sz="2800" dirty="0"/>
+              <a:t>Gegen einen herausgeforderten Spieler spielen</a:t>
+            </a:r>
+          </a:p>
+          <a:p>
+            <a:pPr lvl="1"/>
+            <a:r>
+              <a:rPr lang="de-DE" sz="2800" dirty="0"/>
+              <a:t>Schachfiguren bewegen sich gemäß den Schachregeln</a:t>
+            </a:r>
+          </a:p>
+        </p:txBody>
+      </p:sp>
+      <p:sp>
+        <p:nvSpPr>
+          <p:cNvPr id="6" name="Foliennummernplatzhalter 5">
+            <a:extLst>
+              <a:ext uri="{FF2B5EF4-FFF2-40B4-BE49-F238E27FC236}">
+                <a16:creationId xmlns:a16="http://schemas.microsoft.com/office/drawing/2014/main" id="{EAE394E1-F3AF-7341-BCBA-2AA82D997FED}"/>
+              </a:ext>
+            </a:extLst>
+          </p:cNvPr>
+          <p:cNvSpPr>
+            <a:spLocks noGrp="1"/>
+          </p:cNvSpPr>
+          <p:nvPr>
+            <p:ph type="sldNum" sz="quarter" idx="12"/>
+          </p:nvPr>
+        </p:nvSpPr>
+        <p:spPr/>
+        <p:txBody>
+          <a:bodyPr/>
+          <a:lstStyle/>
+          <a:p>
+            <a:fld id="{78776B16-91FB-9448-9CB1-FBF57F5ADB35}" type="slidenum">
+              <a:rPr lang="de-DE" smtClean="0"/>
+              <a:t>4</a:t>
+            </a:fld>
+            <a:endParaRPr lang="de-DE"/>
+          </a:p>
+        </p:txBody>
+      </p:sp>
+      <p:sp>
+        <p:nvSpPr>
+          <p:cNvPr id="8" name="Fußzeilenplatzhalter 4">
+            <a:extLst>
+              <a:ext uri="{FF2B5EF4-FFF2-40B4-BE49-F238E27FC236}">
+                <a16:creationId xmlns:a16="http://schemas.microsoft.com/office/drawing/2014/main" id="{5AB4E3AE-4CF3-A344-B716-DB87037C0195}"/>
+              </a:ext>
+            </a:extLst>
+          </p:cNvPr>
+          <p:cNvSpPr>
+            <a:spLocks noGrp="1"/>
+          </p:cNvSpPr>
+          <p:nvPr>
+            <p:ph type="ftr" sz="quarter" idx="11"/>
+          </p:nvPr>
+        </p:nvSpPr>
+        <p:spPr>
+          <a:xfrm>
+            <a:off x="0" y="6356350"/>
+            <a:ext cx="12192000" cy="365125"/>
+          </a:xfrm>
+          <a:solidFill>
+            <a:schemeClr val="bg2"/>
+          </a:solidFill>
+          <a:ln>
+            <a:solidFill>
+              <a:schemeClr val="tx1"/>
+            </a:solidFill>
+          </a:ln>
+        </p:spPr>
+        <p:style>
+          <a:lnRef idx="0">
+            <a:schemeClr val="accent3"/>
+          </a:lnRef>
+          <a:fillRef idx="3">
+            <a:schemeClr val="accent3"/>
+          </a:fillRef>
+          <a:effectRef idx="3">
+            <a:schemeClr val="accent3"/>
+          </a:effectRef>
+          <a:fontRef idx="minor">
+            <a:schemeClr val="lt1"/>
+          </a:fontRef>
+        </p:style>
+        <p:txBody>
+          <a:bodyPr/>
+          <a:lstStyle/>
+          <a:p>
+            <a:pPr algn="l"/>
+            <a:r>
+              <a:rPr lang="de-DE" dirty="0">
+                <a:solidFill>
+                  <a:schemeClr val="tx1"/>
+                </a:solidFill>
+              </a:rPr>
+              <a:t>          Orkhan Aliev, Tim Groß, Daniel Helmig, Rukiye Devran</a:t>
+            </a:r>
+          </a:p>
+        </p:txBody>
+      </p:sp>
+      <p:sp>
+        <p:nvSpPr>
+          <p:cNvPr id="9" name="Titel 1">
+            <a:extLst>
+              <a:ext uri="{FF2B5EF4-FFF2-40B4-BE49-F238E27FC236}">
+                <a16:creationId xmlns:a16="http://schemas.microsoft.com/office/drawing/2014/main" id="{F2FD2EBA-0137-1445-8069-B3230CE67360}"/>
+              </a:ext>
+            </a:extLst>
+          </p:cNvPr>
+          <p:cNvSpPr txBox="1">
+            <a:spLocks/>
+          </p:cNvSpPr>
+          <p:nvPr/>
+        </p:nvSpPr>
+        <p:spPr>
+          <a:xfrm>
+            <a:off x="0" y="192933"/>
+            <a:ext cx="10930597" cy="777738"/>
+          </a:xfrm>
+          <a:prstGeom prst="rect">
+            <a:avLst/>
+          </a:prstGeom>
+          <a:solidFill>
+            <a:schemeClr val="bg2"/>
+          </a:solidFill>
+          <a:ln>
+            <a:solidFill>
+              <a:schemeClr val="tx1"/>
+            </a:solidFill>
+          </a:ln>
+        </p:spPr>
+        <p:style>
+          <a:lnRef idx="0">
+            <a:schemeClr val="accent3"/>
+          </a:lnRef>
+          <a:fillRef idx="3">
+            <a:schemeClr val="accent3"/>
+          </a:fillRef>
+          <a:effectRef idx="3">
+            <a:schemeClr val="accent3"/>
+          </a:effectRef>
+          <a:fontRef idx="minor">
+            <a:schemeClr val="lt1"/>
+          </a:fontRef>
+        </p:style>
+        <p:txBody>
+          <a:bodyPr vert="horz" lIns="91440" tIns="45720" rIns="91440" bIns="45720" rtlCol="0" anchor="ctr">
+            <a:normAutofit/>
+          </a:bodyPr>
+          <a:lstStyle>
+            <a:lvl1pPr algn="l" defTabSz="914400" rtl="0" eaLnBrk="1" latinLnBrk="0" hangingPunct="1">
+              <a:lnSpc>
+                <a:spcPct val="90000"/>
+              </a:lnSpc>
+              <a:spcBef>
+                <a:spcPct val="0"/>
+              </a:spcBef>
+              <a:buNone/>
+              <a:defRPr sz="4400" kern="1200">
+                <a:solidFill>
+                  <a:schemeClr val="lt1"/>
+                </a:solidFill>
+                <a:latin typeface="+mn-lt"/>
+                <a:ea typeface="+mn-ea"/>
+                <a:cs typeface="+mn-cs"/>
+              </a:defRPr>
+            </a:lvl1pPr>
+            <a:lvl2pPr>
+              <a:defRPr>
+                <a:solidFill>
+                  <a:schemeClr val="lt1"/>
+                </a:solidFill>
+                <a:latin typeface="+mn-lt"/>
+                <a:ea typeface="+mn-ea"/>
+                <a:cs typeface="+mn-cs"/>
+              </a:defRPr>
+            </a:lvl2pPr>
+            <a:lvl3pPr>
+              <a:defRPr>
+                <a:solidFill>
+                  <a:schemeClr val="lt1"/>
+                </a:solidFill>
+                <a:latin typeface="+mn-lt"/>
+                <a:ea typeface="+mn-ea"/>
+                <a:cs typeface="+mn-cs"/>
+              </a:defRPr>
+            </a:lvl3pPr>
+            <a:lvl4pPr>
+              <a:defRPr>
+                <a:solidFill>
+                  <a:schemeClr val="lt1"/>
+                </a:solidFill>
+                <a:latin typeface="+mn-lt"/>
+                <a:ea typeface="+mn-ea"/>
+                <a:cs typeface="+mn-cs"/>
+              </a:defRPr>
+            </a:lvl4pPr>
+            <a:lvl5pPr>
+              <a:defRPr>
+                <a:solidFill>
+                  <a:schemeClr val="lt1"/>
+                </a:solidFill>
+                <a:latin typeface="+mn-lt"/>
+                <a:ea typeface="+mn-ea"/>
+                <a:cs typeface="+mn-cs"/>
+              </a:defRPr>
+            </a:lvl5pPr>
+            <a:lvl6pPr>
+              <a:defRPr>
+                <a:solidFill>
+                  <a:schemeClr val="lt1"/>
+                </a:solidFill>
+                <a:latin typeface="+mn-lt"/>
+                <a:ea typeface="+mn-ea"/>
+                <a:cs typeface="+mn-cs"/>
+              </a:defRPr>
+            </a:lvl6pPr>
+            <a:lvl7pPr>
+              <a:defRPr>
+                <a:solidFill>
+                  <a:schemeClr val="lt1"/>
+                </a:solidFill>
+                <a:latin typeface="+mn-lt"/>
+                <a:ea typeface="+mn-ea"/>
+                <a:cs typeface="+mn-cs"/>
+              </a:defRPr>
+            </a:lvl7pPr>
+            <a:lvl8pPr>
+              <a:defRPr>
+                <a:solidFill>
+                  <a:schemeClr val="lt1"/>
+                </a:solidFill>
+                <a:latin typeface="+mn-lt"/>
+                <a:ea typeface="+mn-ea"/>
+                <a:cs typeface="+mn-cs"/>
+              </a:defRPr>
+            </a:lvl8pPr>
+            <a:lvl9pPr>
+              <a:defRPr>
+                <a:solidFill>
+                  <a:schemeClr val="lt1"/>
+                </a:solidFill>
+                <a:latin typeface="+mn-lt"/>
+                <a:ea typeface="+mn-ea"/>
+                <a:cs typeface="+mn-cs"/>
+              </a:defRPr>
+            </a:lvl9pPr>
+          </a:lstStyle>
+          <a:p>
+            <a:r>
+              <a:rPr lang="de-DE" b="1" dirty="0">
+                <a:solidFill>
+                  <a:schemeClr val="tx1"/>
+                </a:solidFill>
+              </a:rPr>
+              <a:t>      1.1 Pflichtenheft </a:t>
+            </a:r>
+          </a:p>
+        </p:txBody>
+      </p:sp>
+      <p:pic>
+        <p:nvPicPr>
+          <p:cNvPr id="4" name="Inhaltsplatzhalter 4">
+            <a:extLst>
+              <a:ext uri="{FF2B5EF4-FFF2-40B4-BE49-F238E27FC236}">
+                <a16:creationId xmlns:a16="http://schemas.microsoft.com/office/drawing/2014/main" id="{4FAFCDC8-299E-E145-896B-892EF6032171}"/>
+              </a:ext>
+            </a:extLst>
+          </p:cNvPr>
+          <p:cNvPicPr>
+            <a:picLocks noChangeAspect="1"/>
+          </p:cNvPicPr>
+          <p:nvPr/>
+        </p:nvPicPr>
+        <p:blipFill>
+          <a:blip r:embed="rId3"/>
+          <a:stretch>
+            <a:fillRect/>
+          </a:stretch>
+        </p:blipFill>
+        <p:spPr>
+          <a:xfrm>
+            <a:off x="10687711" y="-110171"/>
             <a:ext cx="1504289" cy="1383945"/>
           </a:xfrm>
           <a:prstGeom prst="rect">
@@ -6322,90 +9318,131 @@
       </p:pic>
       <p:sp>
         <p:nvSpPr>
-          <p:cNvPr id="5" name="Fußzeilenplatzhalter 4">
-            <a:extLst>
-              <a:ext uri="{FF2B5EF4-FFF2-40B4-BE49-F238E27FC236}">
-                <a16:creationId xmlns:a16="http://schemas.microsoft.com/office/drawing/2014/main" id="{550AB2A0-4E9D-414C-9A85-6A243FBE8F4E}"/>
-              </a:ext>
-            </a:extLst>
-          </p:cNvPr>
-          <p:cNvSpPr>
-            <a:spLocks noGrp="1"/>
-          </p:cNvSpPr>
-          <p:nvPr>
-            <p:ph type="ftr" sz="quarter" idx="11"/>
-          </p:nvPr>
+          <p:cNvPr id="10" name="Foliennummernplatzhalter 5">
+            <a:extLst>
+              <a:ext uri="{FF2B5EF4-FFF2-40B4-BE49-F238E27FC236}">
+                <a16:creationId xmlns:a16="http://schemas.microsoft.com/office/drawing/2014/main" id="{A8C96C1F-C583-234D-BE78-DA6988C4B272}"/>
+              </a:ext>
+            </a:extLst>
+          </p:cNvPr>
+          <p:cNvSpPr txBox="1">
+            <a:spLocks/>
+          </p:cNvSpPr>
+          <p:nvPr/>
         </p:nvSpPr>
         <p:spPr>
           <a:xfrm>
-            <a:off x="0" y="6356350"/>
-            <a:ext cx="4114800" cy="365125"/>
+            <a:off x="8620547" y="6356350"/>
+            <a:ext cx="2743200" cy="365125"/>
           </a:xfrm>
+          <a:prstGeom prst="rect">
+            <a:avLst/>
+          </a:prstGeom>
         </p:spPr>
         <p:txBody>
-          <a:bodyPr/>
-          <a:lstStyle/>
-          <a:p>
-            <a:r>
-              <a:rPr lang="de-DE" dirty="0" err="1"/>
-              <a:t>Orkhan</a:t>
-            </a:r>
+          <a:bodyPr vert="horz" lIns="91440" tIns="45720" rIns="91440" bIns="45720" rtlCol="0" anchor="ctr"/>
+          <a:lstStyle>
+            <a:defPPr>
+              <a:defRPr lang="de-DE"/>
+            </a:defPPr>
+            <a:lvl1pPr marL="0" algn="r" defTabSz="914400" rtl="0" eaLnBrk="1" latinLnBrk="0" hangingPunct="1">
+              <a:defRPr sz="1200" kern="1200">
+                <a:solidFill>
+                  <a:schemeClr val="tx1">
+                    <a:tint val="75000"/>
+                  </a:schemeClr>
+                </a:solidFill>
+                <a:latin typeface="+mn-lt"/>
+                <a:ea typeface="+mn-ea"/>
+                <a:cs typeface="+mn-cs"/>
+              </a:defRPr>
+            </a:lvl1pPr>
+            <a:lvl2pPr marL="457200" algn="l" defTabSz="914400" rtl="0" eaLnBrk="1" latinLnBrk="0" hangingPunct="1">
+              <a:defRPr sz="1800" kern="1200">
+                <a:solidFill>
+                  <a:schemeClr val="tx1"/>
+                </a:solidFill>
+                <a:latin typeface="+mn-lt"/>
+                <a:ea typeface="+mn-ea"/>
+                <a:cs typeface="+mn-cs"/>
+              </a:defRPr>
+            </a:lvl2pPr>
+            <a:lvl3pPr marL="914400" algn="l" defTabSz="914400" rtl="0" eaLnBrk="1" latinLnBrk="0" hangingPunct="1">
+              <a:defRPr sz="1800" kern="1200">
+                <a:solidFill>
+                  <a:schemeClr val="tx1"/>
+                </a:solidFill>
+                <a:latin typeface="+mn-lt"/>
+                <a:ea typeface="+mn-ea"/>
+                <a:cs typeface="+mn-cs"/>
+              </a:defRPr>
+            </a:lvl3pPr>
+            <a:lvl4pPr marL="1371600" algn="l" defTabSz="914400" rtl="0" eaLnBrk="1" latinLnBrk="0" hangingPunct="1">
+              <a:defRPr sz="1800" kern="1200">
+                <a:solidFill>
+                  <a:schemeClr val="tx1"/>
+                </a:solidFill>
+                <a:latin typeface="+mn-lt"/>
+                <a:ea typeface="+mn-ea"/>
+                <a:cs typeface="+mn-cs"/>
+              </a:defRPr>
+            </a:lvl4pPr>
+            <a:lvl5pPr marL="1828800" algn="l" defTabSz="914400" rtl="0" eaLnBrk="1" latinLnBrk="0" hangingPunct="1">
+              <a:defRPr sz="1800" kern="1200">
+                <a:solidFill>
+                  <a:schemeClr val="tx1"/>
+                </a:solidFill>
+                <a:latin typeface="+mn-lt"/>
+                <a:ea typeface="+mn-ea"/>
+                <a:cs typeface="+mn-cs"/>
+              </a:defRPr>
+            </a:lvl5pPr>
+            <a:lvl6pPr marL="2286000" algn="l" defTabSz="914400" rtl="0" eaLnBrk="1" latinLnBrk="0" hangingPunct="1">
+              <a:defRPr sz="1800" kern="1200">
+                <a:solidFill>
+                  <a:schemeClr val="tx1"/>
+                </a:solidFill>
+                <a:latin typeface="+mn-lt"/>
+                <a:ea typeface="+mn-ea"/>
+                <a:cs typeface="+mn-cs"/>
+              </a:defRPr>
+            </a:lvl6pPr>
+            <a:lvl7pPr marL="2743200" algn="l" defTabSz="914400" rtl="0" eaLnBrk="1" latinLnBrk="0" hangingPunct="1">
+              <a:defRPr sz="1800" kern="1200">
+                <a:solidFill>
+                  <a:schemeClr val="tx1"/>
+                </a:solidFill>
+                <a:latin typeface="+mn-lt"/>
+                <a:ea typeface="+mn-ea"/>
+                <a:cs typeface="+mn-cs"/>
+              </a:defRPr>
+            </a:lvl7pPr>
+            <a:lvl8pPr marL="3200400" algn="l" defTabSz="914400" rtl="0" eaLnBrk="1" latinLnBrk="0" hangingPunct="1">
+              <a:defRPr sz="1800" kern="1200">
+                <a:solidFill>
+                  <a:schemeClr val="tx1"/>
+                </a:solidFill>
+                <a:latin typeface="+mn-lt"/>
+                <a:ea typeface="+mn-ea"/>
+                <a:cs typeface="+mn-cs"/>
+              </a:defRPr>
+            </a:lvl8pPr>
+            <a:lvl9pPr marL="3657600" algn="l" defTabSz="914400" rtl="0" eaLnBrk="1" latinLnBrk="0" hangingPunct="1">
+              <a:defRPr sz="1800" kern="1200">
+                <a:solidFill>
+                  <a:schemeClr val="tx1"/>
+                </a:solidFill>
+                <a:latin typeface="+mn-lt"/>
+                <a:ea typeface="+mn-ea"/>
+                <a:cs typeface="+mn-cs"/>
+              </a:defRPr>
+            </a:lvl9pPr>
+          </a:lstStyle>
+          <a:p>
             <a:r>
               <a:rPr lang="de-DE" dirty="0"/>
-              <a:t> </a:t>
+              <a:t>4</a:t>
             </a:r>
-            <a:r>
-              <a:rPr lang="de-DE" dirty="0" err="1"/>
-              <a:t>Aliev</a:t>
-            </a:r>
-            <a:r>
-              <a:rPr lang="de-DE" dirty="0"/>
-              <a:t>, Tim Groß, Daniel </a:t>
-            </a:r>
-            <a:r>
-              <a:rPr lang="de-DE" dirty="0" err="1"/>
-              <a:t>Helmig</a:t>
-            </a:r>
-            <a:r>
-              <a:rPr lang="de-DE" dirty="0"/>
-              <a:t>, Rukiye </a:t>
-            </a:r>
-            <a:r>
-              <a:rPr lang="de-DE" dirty="0" err="1"/>
-              <a:t>Devran</a:t>
-            </a:r>
-            <a:endParaRPr lang="de-DE" dirty="0">
-              <a:effectLst/>
-            </a:endParaRPr>
-          </a:p>
-        </p:txBody>
-      </p:sp>
-      <p:sp>
-        <p:nvSpPr>
-          <p:cNvPr id="6" name="Foliennummernplatzhalter 5">
-            <a:extLst>
-              <a:ext uri="{FF2B5EF4-FFF2-40B4-BE49-F238E27FC236}">
-                <a16:creationId xmlns:a16="http://schemas.microsoft.com/office/drawing/2014/main" id="{EAE394E1-F3AF-7341-BCBA-2AA82D997FED}"/>
-              </a:ext>
-            </a:extLst>
-          </p:cNvPr>
-          <p:cNvSpPr>
-            <a:spLocks noGrp="1"/>
-          </p:cNvSpPr>
-          <p:nvPr>
-            <p:ph type="sldNum" sz="quarter" idx="12"/>
-          </p:nvPr>
-        </p:nvSpPr>
-        <p:spPr/>
-        <p:txBody>
-          <a:bodyPr/>
-          <a:lstStyle/>
-          <a:p>
-            <a:fld id="{78776B16-91FB-9448-9CB1-FBF57F5ADB35}" type="slidenum">
-              <a:rPr lang="de-DE" smtClean="0"/>
-              <a:t>4</a:t>
-            </a:fld>
-            <a:endParaRPr lang="de-DE"/>
           </a:p>
         </p:txBody>
       </p:sp>
@@ -6439,63 +9476,50 @@
           <a:chExt cx="0" cy="0"/>
         </a:xfrm>
       </p:grpSpPr>
-      <p:sp>
-        <p:nvSpPr>
-          <p:cNvPr id="2" name="Titel 1">
-            <a:extLst>
-              <a:ext uri="{FF2B5EF4-FFF2-40B4-BE49-F238E27FC236}">
-                <a16:creationId xmlns:a16="http://schemas.microsoft.com/office/drawing/2014/main" id="{4FC900EB-BDEA-B64B-B574-24CB145F40E2}"/>
-              </a:ext>
-            </a:extLst>
-          </p:cNvPr>
-          <p:cNvSpPr>
-            <a:spLocks noGrp="1"/>
-          </p:cNvSpPr>
-          <p:nvPr>
-            <p:ph type="title"/>
-          </p:nvPr>
-        </p:nvSpPr>
-        <p:spPr/>
-        <p:txBody>
-          <a:bodyPr>
-            <a:normAutofit/>
-          </a:bodyPr>
-          <a:lstStyle/>
-          <a:p>
-            <a:r>
-              <a:rPr lang="de-DE" b="1" dirty="0"/>
-              <a:t>1.2 Entwurf</a:t>
-            </a:r>
-          </a:p>
-        </p:txBody>
-      </p:sp>
       <p:pic>
         <p:nvPicPr>
-          <p:cNvPr id="6" name="Inhaltsplatzhalter 5">
-            <a:extLst>
-              <a:ext uri="{FF2B5EF4-FFF2-40B4-BE49-F238E27FC236}">
-                <a16:creationId xmlns:a16="http://schemas.microsoft.com/office/drawing/2014/main" id="{58BA05F4-A3B9-654C-B450-C05F141E9FD0}"/>
+          <p:cNvPr id="12" name="Grafik 11">
+            <a:extLst>
+              <a:ext uri="{FF2B5EF4-FFF2-40B4-BE49-F238E27FC236}">
+                <a16:creationId xmlns:a16="http://schemas.microsoft.com/office/drawing/2014/main" id="{209F5495-2A65-3A45-A11F-98EAA36AF387}"/>
               </a:ext>
             </a:extLst>
           </p:cNvPr>
           <p:cNvPicPr>
-            <a:picLocks noGrp="1" noChangeAspect="1"/>
+            <a:picLocks noChangeAspect="1"/>
           </p:cNvPicPr>
-          <p:nvPr>
-            <p:ph idx="1"/>
-          </p:nvPr>
+          <p:nvPr/>
         </p:nvPicPr>
         <p:blipFill>
-          <a:blip r:embed="rId2"/>
+          <a:blip r:embed="rId2">
+            <a:alphaModFix amt="70000"/>
+            <a:extLst>
+              <a:ext uri="{BEBA8EAE-BF5A-486C-A8C5-ECC9F3942E4B}">
+                <a14:imgProps xmlns:a14="http://schemas.microsoft.com/office/drawing/2010/main">
+                  <a14:imgLayer>
+                    <a14:imgEffect>
+                      <a14:sharpenSoften amount="50000"/>
+                    </a14:imgEffect>
+                    <a14:imgEffect>
+                      <a14:brightnessContrast bright="20000"/>
+                    </a14:imgEffect>
+                  </a14:imgLayer>
+                </a14:imgProps>
+              </a:ext>
+            </a:extLst>
+          </a:blip>
           <a:stretch>
             <a:fillRect/>
           </a:stretch>
         </p:blipFill>
         <p:spPr>
           <a:xfrm>
-            <a:off x="924912" y="2131050"/>
-            <a:ext cx="5612524" cy="4008945"/>
+            <a:off x="0" y="0"/>
+            <a:ext cx="12192000" cy="6858000"/>
           </a:xfrm>
+          <a:prstGeom prst="rect">
+            <a:avLst/>
+          </a:prstGeom>
         </p:spPr>
       </p:pic>
       <p:pic>
@@ -6520,7 +9544,7 @@
         </p:blipFill>
         <p:spPr>
           <a:xfrm>
-            <a:off x="10601655" y="108525"/>
+            <a:off x="10687711" y="-110171"/>
             <a:ext cx="1504289" cy="1383945"/>
           </a:xfrm>
           <a:prstGeom prst="rect">
@@ -6559,22 +9583,332 @@
       </p:sp>
       <p:sp>
         <p:nvSpPr>
-          <p:cNvPr id="10" name="Fußzeilenplatzhalter 4">
-            <a:extLst>
-              <a:ext uri="{FF2B5EF4-FFF2-40B4-BE49-F238E27FC236}">
-                <a16:creationId xmlns:a16="http://schemas.microsoft.com/office/drawing/2014/main" id="{15225FD6-5A36-E14D-8406-84DB17444288}"/>
-              </a:ext>
-            </a:extLst>
-          </p:cNvPr>
-          <p:cNvSpPr txBox="1">
-            <a:spLocks/>
-          </p:cNvSpPr>
+          <p:cNvPr id="11" name="Rechteck 10">
+            <a:extLst>
+              <a:ext uri="{FF2B5EF4-FFF2-40B4-BE49-F238E27FC236}">
+                <a16:creationId xmlns:a16="http://schemas.microsoft.com/office/drawing/2014/main" id="{1398AF79-79F4-2345-A30D-BA318A0438E7}"/>
+              </a:ext>
+            </a:extLst>
+          </p:cNvPr>
+          <p:cNvSpPr/>
           <p:nvPr/>
+        </p:nvSpPr>
+        <p:spPr>
+          <a:xfrm>
+            <a:off x="0" y="1238043"/>
+            <a:ext cx="12192000" cy="523220"/>
+          </a:xfrm>
+          <a:prstGeom prst="rect">
+            <a:avLst/>
+          </a:prstGeom>
+          <a:solidFill>
+            <a:schemeClr val="bg2"/>
+          </a:solidFill>
+          <a:ln w="28575">
+            <a:solidFill>
+              <a:schemeClr val="tx1"/>
+            </a:solidFill>
+          </a:ln>
+        </p:spPr>
+        <p:txBody>
+          <a:bodyPr wrap="square">
+            <a:spAutoFit/>
+          </a:bodyPr>
+          <a:lstStyle/>
+          <a:p>
+            <a:r>
+              <a:rPr lang="de-DE" sz="2800" b="1" dirty="0"/>
+              <a:t>          Paketdiagramm</a:t>
+            </a:r>
+            <a:endParaRPr lang="de-DE" sz="2800" dirty="0"/>
+          </a:p>
+        </p:txBody>
+      </p:sp>
+      <p:sp>
+        <p:nvSpPr>
+          <p:cNvPr id="13" name="Fußzeilenplatzhalter 4">
+            <a:extLst>
+              <a:ext uri="{FF2B5EF4-FFF2-40B4-BE49-F238E27FC236}">
+                <a16:creationId xmlns:a16="http://schemas.microsoft.com/office/drawing/2014/main" id="{23401FA9-C086-8E4F-9F8C-EEBFD349E180}"/>
+              </a:ext>
+            </a:extLst>
+          </p:cNvPr>
+          <p:cNvSpPr>
+            <a:spLocks noGrp="1"/>
+          </p:cNvSpPr>
+          <p:nvPr>
+            <p:ph type="ftr" sz="quarter" idx="11"/>
+          </p:nvPr>
         </p:nvSpPr>
         <p:spPr>
           <a:xfrm>
             <a:off x="0" y="6356350"/>
-            <a:ext cx="4114800" cy="365125"/>
+            <a:ext cx="12192000" cy="365125"/>
+          </a:xfrm>
+          <a:solidFill>
+            <a:schemeClr val="bg2"/>
+          </a:solidFill>
+          <a:ln>
+            <a:solidFill>
+              <a:schemeClr val="tx1"/>
+            </a:solidFill>
+          </a:ln>
+        </p:spPr>
+        <p:style>
+          <a:lnRef idx="0">
+            <a:schemeClr val="accent3"/>
+          </a:lnRef>
+          <a:fillRef idx="3">
+            <a:schemeClr val="accent3"/>
+          </a:fillRef>
+          <a:effectRef idx="3">
+            <a:schemeClr val="accent3"/>
+          </a:effectRef>
+          <a:fontRef idx="minor">
+            <a:schemeClr val="lt1"/>
+          </a:fontRef>
+        </p:style>
+        <p:txBody>
+          <a:bodyPr/>
+          <a:lstStyle/>
+          <a:p>
+            <a:pPr algn="l"/>
+            <a:r>
+              <a:rPr lang="de-DE" dirty="0">
+                <a:solidFill>
+                  <a:schemeClr val="tx1"/>
+                </a:solidFill>
+              </a:rPr>
+              <a:t>          Orkhan Aliev, Tim Groß, Daniel Helmig, Rukiye Devran</a:t>
+            </a:r>
+          </a:p>
+        </p:txBody>
+      </p:sp>
+      <p:sp>
+        <p:nvSpPr>
+          <p:cNvPr id="15" name="Titel 1">
+            <a:extLst>
+              <a:ext uri="{FF2B5EF4-FFF2-40B4-BE49-F238E27FC236}">
+                <a16:creationId xmlns:a16="http://schemas.microsoft.com/office/drawing/2014/main" id="{DAB6E076-C878-6149-9860-F0CC8EF9317C}"/>
+              </a:ext>
+            </a:extLst>
+          </p:cNvPr>
+          <p:cNvSpPr txBox="1">
+            <a:spLocks/>
+          </p:cNvSpPr>
+          <p:nvPr/>
+        </p:nvSpPr>
+        <p:spPr>
+          <a:xfrm>
+            <a:off x="0" y="192933"/>
+            <a:ext cx="10930597" cy="777738"/>
+          </a:xfrm>
+          <a:prstGeom prst="rect">
+            <a:avLst/>
+          </a:prstGeom>
+          <a:solidFill>
+            <a:schemeClr val="bg2"/>
+          </a:solidFill>
+          <a:ln>
+            <a:solidFill>
+              <a:schemeClr val="tx1"/>
+            </a:solidFill>
+          </a:ln>
+        </p:spPr>
+        <p:style>
+          <a:lnRef idx="0">
+            <a:schemeClr val="accent3"/>
+          </a:lnRef>
+          <a:fillRef idx="3">
+            <a:schemeClr val="accent3"/>
+          </a:fillRef>
+          <a:effectRef idx="3">
+            <a:schemeClr val="accent3"/>
+          </a:effectRef>
+          <a:fontRef idx="minor">
+            <a:schemeClr val="lt1"/>
+          </a:fontRef>
+        </p:style>
+        <p:txBody>
+          <a:bodyPr vert="horz" lIns="91440" tIns="45720" rIns="91440" bIns="45720" rtlCol="0" anchor="ctr">
+            <a:normAutofit/>
+          </a:bodyPr>
+          <a:lstStyle>
+            <a:lvl1pPr algn="l" defTabSz="914400" rtl="0" eaLnBrk="1" latinLnBrk="0" hangingPunct="1">
+              <a:lnSpc>
+                <a:spcPct val="90000"/>
+              </a:lnSpc>
+              <a:spcBef>
+                <a:spcPct val="0"/>
+              </a:spcBef>
+              <a:buNone/>
+              <a:defRPr sz="4400" kern="1200">
+                <a:solidFill>
+                  <a:schemeClr val="lt1"/>
+                </a:solidFill>
+                <a:latin typeface="+mn-lt"/>
+                <a:ea typeface="+mn-ea"/>
+                <a:cs typeface="+mn-cs"/>
+              </a:defRPr>
+            </a:lvl1pPr>
+            <a:lvl2pPr>
+              <a:defRPr>
+                <a:solidFill>
+                  <a:schemeClr val="lt1"/>
+                </a:solidFill>
+                <a:latin typeface="+mn-lt"/>
+                <a:ea typeface="+mn-ea"/>
+                <a:cs typeface="+mn-cs"/>
+              </a:defRPr>
+            </a:lvl2pPr>
+            <a:lvl3pPr>
+              <a:defRPr>
+                <a:solidFill>
+                  <a:schemeClr val="lt1"/>
+                </a:solidFill>
+                <a:latin typeface="+mn-lt"/>
+                <a:ea typeface="+mn-ea"/>
+                <a:cs typeface="+mn-cs"/>
+              </a:defRPr>
+            </a:lvl3pPr>
+            <a:lvl4pPr>
+              <a:defRPr>
+                <a:solidFill>
+                  <a:schemeClr val="lt1"/>
+                </a:solidFill>
+                <a:latin typeface="+mn-lt"/>
+                <a:ea typeface="+mn-ea"/>
+                <a:cs typeface="+mn-cs"/>
+              </a:defRPr>
+            </a:lvl4pPr>
+            <a:lvl5pPr>
+              <a:defRPr>
+                <a:solidFill>
+                  <a:schemeClr val="lt1"/>
+                </a:solidFill>
+                <a:latin typeface="+mn-lt"/>
+                <a:ea typeface="+mn-ea"/>
+                <a:cs typeface="+mn-cs"/>
+              </a:defRPr>
+            </a:lvl5pPr>
+            <a:lvl6pPr>
+              <a:defRPr>
+                <a:solidFill>
+                  <a:schemeClr val="lt1"/>
+                </a:solidFill>
+                <a:latin typeface="+mn-lt"/>
+                <a:ea typeface="+mn-ea"/>
+                <a:cs typeface="+mn-cs"/>
+              </a:defRPr>
+            </a:lvl6pPr>
+            <a:lvl7pPr>
+              <a:defRPr>
+                <a:solidFill>
+                  <a:schemeClr val="lt1"/>
+                </a:solidFill>
+                <a:latin typeface="+mn-lt"/>
+                <a:ea typeface="+mn-ea"/>
+                <a:cs typeface="+mn-cs"/>
+              </a:defRPr>
+            </a:lvl7pPr>
+            <a:lvl8pPr>
+              <a:defRPr>
+                <a:solidFill>
+                  <a:schemeClr val="lt1"/>
+                </a:solidFill>
+                <a:latin typeface="+mn-lt"/>
+                <a:ea typeface="+mn-ea"/>
+                <a:cs typeface="+mn-cs"/>
+              </a:defRPr>
+            </a:lvl8pPr>
+            <a:lvl9pPr>
+              <a:defRPr>
+                <a:solidFill>
+                  <a:schemeClr val="lt1"/>
+                </a:solidFill>
+                <a:latin typeface="+mn-lt"/>
+                <a:ea typeface="+mn-ea"/>
+                <a:cs typeface="+mn-cs"/>
+              </a:defRPr>
+            </a:lvl9pPr>
+          </a:lstStyle>
+          <a:p>
+            <a:r>
+              <a:rPr lang="de-DE" b="1" dirty="0">
+                <a:solidFill>
+                  <a:schemeClr val="tx1"/>
+                </a:solidFill>
+              </a:rPr>
+              <a:t>      1.2 Entwurf</a:t>
+            </a:r>
+            <a:r>
+              <a:rPr lang="de-DE" dirty="0">
+                <a:solidFill>
+                  <a:schemeClr val="tx1"/>
+                </a:solidFill>
+              </a:rPr>
+              <a:t> </a:t>
+            </a:r>
+            <a:endParaRPr lang="de-DE" b="1" dirty="0">
+              <a:solidFill>
+                <a:schemeClr val="tx1"/>
+              </a:solidFill>
+            </a:endParaRPr>
+          </a:p>
+        </p:txBody>
+      </p:sp>
+      <p:pic>
+        <p:nvPicPr>
+          <p:cNvPr id="6" name="Inhaltsplatzhalter 5">
+            <a:extLst>
+              <a:ext uri="{FF2B5EF4-FFF2-40B4-BE49-F238E27FC236}">
+                <a16:creationId xmlns:a16="http://schemas.microsoft.com/office/drawing/2014/main" id="{58BA05F4-A3B9-654C-B450-C05F141E9FD0}"/>
+              </a:ext>
+            </a:extLst>
+          </p:cNvPr>
+          <p:cNvPicPr>
+            <a:picLocks noGrp="1" noChangeAspect="1"/>
+          </p:cNvPicPr>
+          <p:nvPr>
+            <p:ph idx="1"/>
+          </p:nvPr>
+        </p:nvPicPr>
+        <p:blipFill>
+          <a:blip r:embed="rId4"/>
+          <a:stretch>
+            <a:fillRect/>
+          </a:stretch>
+        </p:blipFill>
+        <p:spPr>
+          <a:xfrm>
+            <a:off x="3862243" y="1163604"/>
+            <a:ext cx="6735493" cy="5056221"/>
+          </a:xfrm>
+          <a:ln w="12700">
+            <a:solidFill>
+              <a:schemeClr val="tx1"/>
+            </a:solidFill>
+          </a:ln>
+        </p:spPr>
+      </p:pic>
+      <p:sp>
+        <p:nvSpPr>
+          <p:cNvPr id="18" name="Foliennummernplatzhalter 5">
+            <a:extLst>
+              <a:ext uri="{FF2B5EF4-FFF2-40B4-BE49-F238E27FC236}">
+                <a16:creationId xmlns:a16="http://schemas.microsoft.com/office/drawing/2014/main" id="{C3A00C9D-E0A0-5342-B76D-D751ED8A6951}"/>
+              </a:ext>
+            </a:extLst>
+          </p:cNvPr>
+          <p:cNvSpPr txBox="1">
+            <a:spLocks/>
+          </p:cNvSpPr>
+          <p:nvPr/>
+        </p:nvSpPr>
+        <p:spPr>
+          <a:xfrm>
+            <a:off x="8620547" y="6356350"/>
+            <a:ext cx="2743200" cy="365125"/>
           </a:xfrm>
           <a:prstGeom prst="rect">
             <a:avLst/>
@@ -6586,7 +9920,7 @@
             <a:defPPr>
               <a:defRPr lang="de-DE"/>
             </a:defPPr>
-            <a:lvl1pPr marL="0" algn="ctr" defTabSz="914400" rtl="0" eaLnBrk="1" latinLnBrk="0" hangingPunct="1">
+            <a:lvl1pPr marL="0" algn="r" defTabSz="914400" rtl="0" eaLnBrk="1" latinLnBrk="0" hangingPunct="1">
               <a:defRPr sz="1200" kern="1200">
                 <a:solidFill>
                   <a:schemeClr val="tx1">
@@ -6681,69 +10015,9 @@
           </a:lstStyle>
           <a:p>
             <a:r>
-              <a:rPr lang="de-DE" dirty="0" err="1"/>
-              <a:t>Orkhan</a:t>
+              <a:rPr lang="de-DE" dirty="0"/>
+              <a:t>5</a:t>
             </a:r>
-            <a:r>
-              <a:rPr lang="de-DE" dirty="0"/>
-              <a:t> </a:t>
-            </a:r>
-            <a:r>
-              <a:rPr lang="de-DE" dirty="0" err="1"/>
-              <a:t>Aliev</a:t>
-            </a:r>
-            <a:r>
-              <a:rPr lang="de-DE" dirty="0"/>
-              <a:t>, Tim Groß, Daniel </a:t>
-            </a:r>
-            <a:r>
-              <a:rPr lang="de-DE" dirty="0" err="1"/>
-              <a:t>Helmig</a:t>
-            </a:r>
-            <a:r>
-              <a:rPr lang="de-DE" dirty="0"/>
-              <a:t>, Rukiye </a:t>
-            </a:r>
-            <a:r>
-              <a:rPr lang="de-DE" dirty="0" err="1"/>
-              <a:t>Devran</a:t>
-            </a:r>
-            <a:endParaRPr lang="de-DE" dirty="0"/>
-          </a:p>
-        </p:txBody>
-      </p:sp>
-      <p:sp>
-        <p:nvSpPr>
-          <p:cNvPr id="11" name="Rechteck 10">
-            <a:extLst>
-              <a:ext uri="{FF2B5EF4-FFF2-40B4-BE49-F238E27FC236}">
-                <a16:creationId xmlns:a16="http://schemas.microsoft.com/office/drawing/2014/main" id="{1398AF79-79F4-2345-A30D-BA318A0438E7}"/>
-              </a:ext>
-            </a:extLst>
-          </p:cNvPr>
-          <p:cNvSpPr/>
-          <p:nvPr/>
-        </p:nvSpPr>
-        <p:spPr>
-          <a:xfrm>
-            <a:off x="924912" y="1507651"/>
-            <a:ext cx="2519536" cy="523220"/>
-          </a:xfrm>
-          <a:prstGeom prst="rect">
-            <a:avLst/>
-          </a:prstGeom>
-        </p:spPr>
-        <p:txBody>
-          <a:bodyPr wrap="none">
-            <a:spAutoFit/>
-          </a:bodyPr>
-          <a:lstStyle/>
-          <a:p>
-            <a:r>
-              <a:rPr lang="de-DE" sz="2800" b="1" dirty="0"/>
-              <a:t>Paketdiagramm</a:t>
-            </a:r>
-            <a:endParaRPr lang="de-DE" sz="2800" dirty="0"/>
           </a:p>
         </p:txBody>
       </p:sp>
@@ -6779,6 +10053,357 @@
       </p:grpSpPr>
       <p:pic>
         <p:nvPicPr>
+          <p:cNvPr id="13" name="Grafik 12">
+            <a:extLst>
+              <a:ext uri="{FF2B5EF4-FFF2-40B4-BE49-F238E27FC236}">
+                <a16:creationId xmlns:a16="http://schemas.microsoft.com/office/drawing/2014/main" id="{D42C5593-1746-A645-9B38-51F44312363A}"/>
+              </a:ext>
+            </a:extLst>
+          </p:cNvPr>
+          <p:cNvPicPr>
+            <a:picLocks noChangeAspect="1"/>
+          </p:cNvPicPr>
+          <p:nvPr/>
+        </p:nvPicPr>
+        <p:blipFill>
+          <a:blip r:embed="rId2">
+            <a:alphaModFix amt="70000"/>
+            <a:extLst>
+              <a:ext uri="{BEBA8EAE-BF5A-486C-A8C5-ECC9F3942E4B}">
+                <a14:imgProps xmlns:a14="http://schemas.microsoft.com/office/drawing/2010/main">
+                  <a14:imgLayer>
+                    <a14:imgEffect>
+                      <a14:sharpenSoften amount="50000"/>
+                    </a14:imgEffect>
+                    <a14:imgEffect>
+                      <a14:brightnessContrast bright="20000"/>
+                    </a14:imgEffect>
+                  </a14:imgLayer>
+                </a14:imgProps>
+              </a:ext>
+            </a:extLst>
+          </a:blip>
+          <a:stretch>
+            <a:fillRect/>
+          </a:stretch>
+        </p:blipFill>
+        <p:spPr>
+          <a:xfrm>
+            <a:off x="0" y="-1"/>
+            <a:ext cx="12192000" cy="6858001"/>
+          </a:xfrm>
+          <a:prstGeom prst="rect">
+            <a:avLst/>
+          </a:prstGeom>
+        </p:spPr>
+      </p:pic>
+      <p:sp>
+        <p:nvSpPr>
+          <p:cNvPr id="8" name="Foliennummernplatzhalter 7">
+            <a:extLst>
+              <a:ext uri="{FF2B5EF4-FFF2-40B4-BE49-F238E27FC236}">
+                <a16:creationId xmlns:a16="http://schemas.microsoft.com/office/drawing/2014/main" id="{ECF3A212-5252-C340-B1A9-17A80A46748F}"/>
+              </a:ext>
+            </a:extLst>
+          </p:cNvPr>
+          <p:cNvSpPr>
+            <a:spLocks noGrp="1"/>
+          </p:cNvSpPr>
+          <p:nvPr>
+            <p:ph type="sldNum" sz="quarter" idx="12"/>
+          </p:nvPr>
+        </p:nvSpPr>
+        <p:spPr/>
+        <p:txBody>
+          <a:bodyPr/>
+          <a:lstStyle/>
+          <a:p>
+            <a:fld id="{78776B16-91FB-9448-9CB1-FBF57F5ADB35}" type="slidenum">
+              <a:rPr lang="de-DE" smtClean="0"/>
+              <a:t>6</a:t>
+            </a:fld>
+            <a:endParaRPr lang="de-DE"/>
+          </a:p>
+        </p:txBody>
+      </p:sp>
+      <p:sp>
+        <p:nvSpPr>
+          <p:cNvPr id="14" name="Fußzeilenplatzhalter 4">
+            <a:extLst>
+              <a:ext uri="{FF2B5EF4-FFF2-40B4-BE49-F238E27FC236}">
+                <a16:creationId xmlns:a16="http://schemas.microsoft.com/office/drawing/2014/main" id="{3D41339B-E7FF-344F-80A2-A31A14E0A922}"/>
+              </a:ext>
+            </a:extLst>
+          </p:cNvPr>
+          <p:cNvSpPr>
+            <a:spLocks noGrp="1"/>
+          </p:cNvSpPr>
+          <p:nvPr>
+            <p:ph type="ftr" sz="quarter" idx="11"/>
+          </p:nvPr>
+        </p:nvSpPr>
+        <p:spPr>
+          <a:xfrm>
+            <a:off x="0" y="6356350"/>
+            <a:ext cx="12192000" cy="365125"/>
+          </a:xfrm>
+          <a:solidFill>
+            <a:schemeClr val="bg2"/>
+          </a:solidFill>
+          <a:ln>
+            <a:solidFill>
+              <a:schemeClr val="tx1"/>
+            </a:solidFill>
+          </a:ln>
+        </p:spPr>
+        <p:style>
+          <a:lnRef idx="0">
+            <a:schemeClr val="accent3"/>
+          </a:lnRef>
+          <a:fillRef idx="3">
+            <a:schemeClr val="accent3"/>
+          </a:fillRef>
+          <a:effectRef idx="3">
+            <a:schemeClr val="accent3"/>
+          </a:effectRef>
+          <a:fontRef idx="minor">
+            <a:schemeClr val="lt1"/>
+          </a:fontRef>
+        </p:style>
+        <p:txBody>
+          <a:bodyPr/>
+          <a:lstStyle/>
+          <a:p>
+            <a:pPr algn="l"/>
+            <a:r>
+              <a:rPr lang="de-DE" dirty="0">
+                <a:solidFill>
+                  <a:schemeClr val="tx1"/>
+                </a:solidFill>
+              </a:rPr>
+              <a:t>          Orkhan Aliev, Tim Groß, Daniel Helmig, Rukiye Devran</a:t>
+            </a:r>
+          </a:p>
+        </p:txBody>
+      </p:sp>
+      <p:sp>
+        <p:nvSpPr>
+          <p:cNvPr id="17" name="Titel 1">
+            <a:extLst>
+              <a:ext uri="{FF2B5EF4-FFF2-40B4-BE49-F238E27FC236}">
+                <a16:creationId xmlns:a16="http://schemas.microsoft.com/office/drawing/2014/main" id="{C43D030E-AD6C-B946-9C8E-8451FDADE219}"/>
+              </a:ext>
+            </a:extLst>
+          </p:cNvPr>
+          <p:cNvSpPr txBox="1">
+            <a:spLocks/>
+          </p:cNvSpPr>
+          <p:nvPr/>
+        </p:nvSpPr>
+        <p:spPr>
+          <a:xfrm>
+            <a:off x="0" y="192933"/>
+            <a:ext cx="10930597" cy="777738"/>
+          </a:xfrm>
+          <a:prstGeom prst="rect">
+            <a:avLst/>
+          </a:prstGeom>
+          <a:solidFill>
+            <a:schemeClr val="bg2"/>
+          </a:solidFill>
+          <a:ln>
+            <a:solidFill>
+              <a:schemeClr val="tx1"/>
+            </a:solidFill>
+          </a:ln>
+        </p:spPr>
+        <p:style>
+          <a:lnRef idx="0">
+            <a:schemeClr val="accent3"/>
+          </a:lnRef>
+          <a:fillRef idx="3">
+            <a:schemeClr val="accent3"/>
+          </a:fillRef>
+          <a:effectRef idx="3">
+            <a:schemeClr val="accent3"/>
+          </a:effectRef>
+          <a:fontRef idx="minor">
+            <a:schemeClr val="lt1"/>
+          </a:fontRef>
+        </p:style>
+        <p:txBody>
+          <a:bodyPr vert="horz" lIns="91440" tIns="45720" rIns="91440" bIns="45720" rtlCol="0" anchor="ctr">
+            <a:normAutofit/>
+          </a:bodyPr>
+          <a:lstStyle>
+            <a:lvl1pPr algn="l" defTabSz="914400" rtl="0" eaLnBrk="1" latinLnBrk="0" hangingPunct="1">
+              <a:lnSpc>
+                <a:spcPct val="90000"/>
+              </a:lnSpc>
+              <a:spcBef>
+                <a:spcPct val="0"/>
+              </a:spcBef>
+              <a:buNone/>
+              <a:defRPr sz="4400" kern="1200">
+                <a:solidFill>
+                  <a:schemeClr val="lt1"/>
+                </a:solidFill>
+                <a:latin typeface="+mn-lt"/>
+                <a:ea typeface="+mn-ea"/>
+                <a:cs typeface="+mn-cs"/>
+              </a:defRPr>
+            </a:lvl1pPr>
+            <a:lvl2pPr>
+              <a:defRPr>
+                <a:solidFill>
+                  <a:schemeClr val="lt1"/>
+                </a:solidFill>
+                <a:latin typeface="+mn-lt"/>
+                <a:ea typeface="+mn-ea"/>
+                <a:cs typeface="+mn-cs"/>
+              </a:defRPr>
+            </a:lvl2pPr>
+            <a:lvl3pPr>
+              <a:defRPr>
+                <a:solidFill>
+                  <a:schemeClr val="lt1"/>
+                </a:solidFill>
+                <a:latin typeface="+mn-lt"/>
+                <a:ea typeface="+mn-ea"/>
+                <a:cs typeface="+mn-cs"/>
+              </a:defRPr>
+            </a:lvl3pPr>
+            <a:lvl4pPr>
+              <a:defRPr>
+                <a:solidFill>
+                  <a:schemeClr val="lt1"/>
+                </a:solidFill>
+                <a:latin typeface="+mn-lt"/>
+                <a:ea typeface="+mn-ea"/>
+                <a:cs typeface="+mn-cs"/>
+              </a:defRPr>
+            </a:lvl4pPr>
+            <a:lvl5pPr>
+              <a:defRPr>
+                <a:solidFill>
+                  <a:schemeClr val="lt1"/>
+                </a:solidFill>
+                <a:latin typeface="+mn-lt"/>
+                <a:ea typeface="+mn-ea"/>
+                <a:cs typeface="+mn-cs"/>
+              </a:defRPr>
+            </a:lvl5pPr>
+            <a:lvl6pPr>
+              <a:defRPr>
+                <a:solidFill>
+                  <a:schemeClr val="lt1"/>
+                </a:solidFill>
+                <a:latin typeface="+mn-lt"/>
+                <a:ea typeface="+mn-ea"/>
+                <a:cs typeface="+mn-cs"/>
+              </a:defRPr>
+            </a:lvl6pPr>
+            <a:lvl7pPr>
+              <a:defRPr>
+                <a:solidFill>
+                  <a:schemeClr val="lt1"/>
+                </a:solidFill>
+                <a:latin typeface="+mn-lt"/>
+                <a:ea typeface="+mn-ea"/>
+                <a:cs typeface="+mn-cs"/>
+              </a:defRPr>
+            </a:lvl7pPr>
+            <a:lvl8pPr>
+              <a:defRPr>
+                <a:solidFill>
+                  <a:schemeClr val="lt1"/>
+                </a:solidFill>
+                <a:latin typeface="+mn-lt"/>
+                <a:ea typeface="+mn-ea"/>
+                <a:cs typeface="+mn-cs"/>
+              </a:defRPr>
+            </a:lvl8pPr>
+            <a:lvl9pPr>
+              <a:defRPr>
+                <a:solidFill>
+                  <a:schemeClr val="lt1"/>
+                </a:solidFill>
+                <a:latin typeface="+mn-lt"/>
+                <a:ea typeface="+mn-ea"/>
+                <a:cs typeface="+mn-cs"/>
+              </a:defRPr>
+            </a:lvl9pPr>
+          </a:lstStyle>
+          <a:p>
+            <a:r>
+              <a:rPr lang="de-DE" b="1" dirty="0">
+                <a:solidFill>
+                  <a:schemeClr val="tx1"/>
+                </a:solidFill>
+              </a:rPr>
+              <a:t>      1.2 Entwurf</a:t>
+            </a:r>
+            <a:r>
+              <a:rPr lang="de-DE" dirty="0">
+                <a:solidFill>
+                  <a:schemeClr val="tx1"/>
+                </a:solidFill>
+              </a:rPr>
+              <a:t> </a:t>
+            </a:r>
+            <a:endParaRPr lang="de-DE" b="1" dirty="0">
+              <a:solidFill>
+                <a:schemeClr val="tx1"/>
+              </a:solidFill>
+            </a:endParaRPr>
+          </a:p>
+        </p:txBody>
+      </p:sp>
+      <p:sp>
+        <p:nvSpPr>
+          <p:cNvPr id="18" name="Rechteck 17">
+            <a:extLst>
+              <a:ext uri="{FF2B5EF4-FFF2-40B4-BE49-F238E27FC236}">
+                <a16:creationId xmlns:a16="http://schemas.microsoft.com/office/drawing/2014/main" id="{D5466189-7A71-D14B-9D65-3593155E590D}"/>
+              </a:ext>
+            </a:extLst>
+          </p:cNvPr>
+          <p:cNvSpPr/>
+          <p:nvPr/>
+        </p:nvSpPr>
+        <p:spPr>
+          <a:xfrm>
+            <a:off x="0" y="1238043"/>
+            <a:ext cx="12192000" cy="523220"/>
+          </a:xfrm>
+          <a:prstGeom prst="rect">
+            <a:avLst/>
+          </a:prstGeom>
+          <a:solidFill>
+            <a:schemeClr val="bg2"/>
+          </a:solidFill>
+          <a:ln w="28575">
+            <a:solidFill>
+              <a:schemeClr val="tx1"/>
+            </a:solidFill>
+          </a:ln>
+        </p:spPr>
+        <p:txBody>
+          <a:bodyPr wrap="square">
+            <a:spAutoFit/>
+          </a:bodyPr>
+          <a:lstStyle/>
+          <a:p>
+            <a:r>
+              <a:rPr lang="de-DE" sz="2800" b="1" dirty="0"/>
+              <a:t>          Komplettes Spiel</a:t>
+            </a:r>
+            <a:endParaRPr lang="de-DE" sz="2800" dirty="0"/>
+          </a:p>
+        </p:txBody>
+      </p:sp>
+      <p:pic>
+        <p:nvPicPr>
           <p:cNvPr id="5" name="Inhaltsplatzhalter 4">
             <a:extLst>
               <a:ext uri="{FF2B5EF4-FFF2-40B4-BE49-F238E27FC236}">
@@ -6792,33 +10417,6 @@
           <p:nvPr>
             <p:ph idx="1"/>
           </p:nvPr>
-        </p:nvPicPr>
-        <p:blipFill>
-          <a:blip r:embed="rId2"/>
-          <a:stretch>
-            <a:fillRect/>
-          </a:stretch>
-        </p:blipFill>
-        <p:spPr>
-          <a:xfrm>
-            <a:off x="3579566" y="1062107"/>
-            <a:ext cx="6153013" cy="5191038"/>
-          </a:xfrm>
-        </p:spPr>
-      </p:pic>
-      <p:pic>
-        <p:nvPicPr>
-          <p:cNvPr id="6" name="Inhaltsplatzhalter 4">
-            <a:extLst>
-              <a:ext uri="{FF2B5EF4-FFF2-40B4-BE49-F238E27FC236}">
-                <a16:creationId xmlns:a16="http://schemas.microsoft.com/office/drawing/2014/main" id="{8EB5257C-7099-1443-979A-0B17FA78C9BA}"/>
-              </a:ext>
-            </a:extLst>
-          </p:cNvPr>
-          <p:cNvPicPr>
-            <a:picLocks noChangeAspect="1"/>
-          </p:cNvPicPr>
-          <p:nvPr/>
         </p:nvPicPr>
         <p:blipFill>
           <a:blip r:embed="rId3"/>
@@ -6828,7 +10426,39 @@
         </p:blipFill>
         <p:spPr>
           <a:xfrm>
-            <a:off x="10601655" y="108525"/>
+            <a:off x="3909346" y="1163604"/>
+            <a:ext cx="6472611" cy="5077731"/>
+          </a:xfrm>
+          <a:ln w="28575">
+            <a:solidFill>
+              <a:schemeClr val="tx1"/>
+            </a:solidFill>
+          </a:ln>
+        </p:spPr>
+      </p:pic>
+      <p:pic>
+        <p:nvPicPr>
+          <p:cNvPr id="6" name="Inhaltsplatzhalter 4">
+            <a:extLst>
+              <a:ext uri="{FF2B5EF4-FFF2-40B4-BE49-F238E27FC236}">
+                <a16:creationId xmlns:a16="http://schemas.microsoft.com/office/drawing/2014/main" id="{8EB5257C-7099-1443-979A-0B17FA78C9BA}"/>
+              </a:ext>
+            </a:extLst>
+          </p:cNvPr>
+          <p:cNvPicPr>
+            <a:picLocks noChangeAspect="1"/>
+          </p:cNvPicPr>
+          <p:nvPr/>
+        </p:nvPicPr>
+        <p:blipFill>
+          <a:blip r:embed="rId4"/>
+          <a:stretch>
+            <a:fillRect/>
+          </a:stretch>
+        </p:blipFill>
+        <p:spPr>
+          <a:xfrm>
+            <a:off x="10687711" y="-110171"/>
             <a:ext cx="1504289" cy="1383945"/>
           </a:xfrm>
           <a:prstGeom prst="rect">
@@ -6838,39 +10468,10 @@
       </p:pic>
       <p:sp>
         <p:nvSpPr>
-          <p:cNvPr id="8" name="Foliennummernplatzhalter 7">
-            <a:extLst>
-              <a:ext uri="{FF2B5EF4-FFF2-40B4-BE49-F238E27FC236}">
-                <a16:creationId xmlns:a16="http://schemas.microsoft.com/office/drawing/2014/main" id="{ECF3A212-5252-C340-B1A9-17A80A46748F}"/>
-              </a:ext>
-            </a:extLst>
-          </p:cNvPr>
-          <p:cNvSpPr>
-            <a:spLocks noGrp="1"/>
-          </p:cNvSpPr>
-          <p:nvPr>
-            <p:ph type="sldNum" sz="quarter" idx="12"/>
-          </p:nvPr>
-        </p:nvSpPr>
-        <p:spPr/>
-        <p:txBody>
-          <a:bodyPr/>
-          <a:lstStyle/>
-          <a:p>
-            <a:fld id="{78776B16-91FB-9448-9CB1-FBF57F5ADB35}" type="slidenum">
-              <a:rPr lang="de-DE" smtClean="0"/>
-              <a:t>6</a:t>
-            </a:fld>
-            <a:endParaRPr lang="de-DE"/>
-          </a:p>
-        </p:txBody>
-      </p:sp>
-      <p:sp>
-        <p:nvSpPr>
-          <p:cNvPr id="9" name="Fußzeilenplatzhalter 4">
-            <a:extLst>
-              <a:ext uri="{FF2B5EF4-FFF2-40B4-BE49-F238E27FC236}">
-                <a16:creationId xmlns:a16="http://schemas.microsoft.com/office/drawing/2014/main" id="{2DB39BBA-2283-DE4E-ADD2-C99AF8880C27}"/>
+          <p:cNvPr id="19" name="Foliennummernplatzhalter 5">
+            <a:extLst>
+              <a:ext uri="{FF2B5EF4-FFF2-40B4-BE49-F238E27FC236}">
+                <a16:creationId xmlns:a16="http://schemas.microsoft.com/office/drawing/2014/main" id="{56539BC7-930F-0944-96AE-89C90801BCAB}"/>
               </a:ext>
             </a:extLst>
           </p:cNvPr>
@@ -6881,8 +10482,8 @@
         </p:nvSpPr>
         <p:spPr>
           <a:xfrm>
-            <a:off x="0" y="6356350"/>
-            <a:ext cx="4114800" cy="365125"/>
+            <a:off x="8620547" y="6356350"/>
+            <a:ext cx="2743200" cy="365125"/>
           </a:xfrm>
           <a:prstGeom prst="rect">
             <a:avLst/>
@@ -6894,7 +10495,7 @@
             <a:defPPr>
               <a:defRPr lang="de-DE"/>
             </a:defPPr>
-            <a:lvl1pPr marL="0" algn="ctr" defTabSz="914400" rtl="0" eaLnBrk="1" latinLnBrk="0" hangingPunct="1">
+            <a:lvl1pPr marL="0" algn="r" defTabSz="914400" rtl="0" eaLnBrk="1" latinLnBrk="0" hangingPunct="1">
               <a:defRPr sz="1200" kern="1200">
                 <a:solidFill>
                   <a:schemeClr val="tx1">
@@ -6989,69 +10590,9 @@
           </a:lstStyle>
           <a:p>
             <a:r>
-              <a:rPr lang="de-DE" dirty="0" err="1"/>
-              <a:t>Orkhan</a:t>
+              <a:rPr lang="de-DE" dirty="0"/>
+              <a:t>6</a:t>
             </a:r>
-            <a:r>
-              <a:rPr lang="de-DE" dirty="0"/>
-              <a:t> </a:t>
-            </a:r>
-            <a:r>
-              <a:rPr lang="de-DE" dirty="0" err="1"/>
-              <a:t>Aliev</a:t>
-            </a:r>
-            <a:r>
-              <a:rPr lang="de-DE" dirty="0"/>
-              <a:t>, Tim Groß, Daniel </a:t>
-            </a:r>
-            <a:r>
-              <a:rPr lang="de-DE" dirty="0" err="1"/>
-              <a:t>Helmig</a:t>
-            </a:r>
-            <a:r>
-              <a:rPr lang="de-DE" dirty="0"/>
-              <a:t>, Rukiye </a:t>
-            </a:r>
-            <a:r>
-              <a:rPr lang="de-DE" dirty="0" err="1"/>
-              <a:t>Devran</a:t>
-            </a:r>
-            <a:endParaRPr lang="de-DE" dirty="0"/>
-          </a:p>
-        </p:txBody>
-      </p:sp>
-      <p:sp>
-        <p:nvSpPr>
-          <p:cNvPr id="12" name="Rechteck 11">
-            <a:extLst>
-              <a:ext uri="{FF2B5EF4-FFF2-40B4-BE49-F238E27FC236}">
-                <a16:creationId xmlns:a16="http://schemas.microsoft.com/office/drawing/2014/main" id="{13A2DB93-E43E-B748-BD08-A9EB5802765E}"/>
-              </a:ext>
-            </a:extLst>
-          </p:cNvPr>
-          <p:cNvSpPr/>
-          <p:nvPr/>
-        </p:nvSpPr>
-        <p:spPr>
-          <a:xfrm>
-            <a:off x="893381" y="538887"/>
-            <a:ext cx="2686185" cy="523220"/>
-          </a:xfrm>
-          <a:prstGeom prst="rect">
-            <a:avLst/>
-          </a:prstGeom>
-        </p:spPr>
-        <p:txBody>
-          <a:bodyPr wrap="none">
-            <a:spAutoFit/>
-          </a:bodyPr>
-          <a:lstStyle/>
-          <a:p>
-            <a:r>
-              <a:rPr lang="de-DE" sz="2800" b="1" dirty="0"/>
-              <a:t>Komplettes Spiel</a:t>
-            </a:r>
-            <a:endParaRPr lang="de-DE" sz="2800" dirty="0"/>
           </a:p>
         </p:txBody>
       </p:sp>
@@ -7085,92 +10626,12 @@
           <a:chExt cx="0" cy="0"/>
         </a:xfrm>
       </p:grpSpPr>
-      <p:sp>
-        <p:nvSpPr>
-          <p:cNvPr id="2" name="Titel 1">
-            <a:extLst>
-              <a:ext uri="{FF2B5EF4-FFF2-40B4-BE49-F238E27FC236}">
-                <a16:creationId xmlns:a16="http://schemas.microsoft.com/office/drawing/2014/main" id="{41B4F4AC-BFAF-F146-8437-CD93406A9FDC}"/>
-              </a:ext>
-            </a:extLst>
-          </p:cNvPr>
-          <p:cNvSpPr>
-            <a:spLocks noGrp="1"/>
-          </p:cNvSpPr>
-          <p:nvPr>
-            <p:ph type="title"/>
-          </p:nvPr>
-        </p:nvSpPr>
-        <p:spPr/>
-        <p:txBody>
-          <a:bodyPr/>
-          <a:lstStyle/>
-          <a:p>
-            <a:r>
-              <a:rPr lang="de-DE" b="1" dirty="0"/>
-              <a:t>1.3 Implementierung</a:t>
-            </a:r>
-          </a:p>
-        </p:txBody>
-      </p:sp>
-      <p:sp>
-        <p:nvSpPr>
-          <p:cNvPr id="3" name="Inhaltsplatzhalter 2">
-            <a:extLst>
-              <a:ext uri="{FF2B5EF4-FFF2-40B4-BE49-F238E27FC236}">
-                <a16:creationId xmlns:a16="http://schemas.microsoft.com/office/drawing/2014/main" id="{A7FAE2E2-D0B8-524C-A7FB-0B1F03ACD86D}"/>
-              </a:ext>
-            </a:extLst>
-          </p:cNvPr>
-          <p:cNvSpPr>
-            <a:spLocks noGrp="1"/>
-          </p:cNvSpPr>
-          <p:nvPr>
-            <p:ph idx="1"/>
-          </p:nvPr>
-        </p:nvSpPr>
-        <p:spPr/>
-        <p:txBody>
-          <a:bodyPr/>
-          <a:lstStyle/>
-          <a:p>
-            <a:r>
-              <a:rPr lang="de-DE" dirty="0"/>
-              <a:t>Codezeilen:</a:t>
-            </a:r>
-          </a:p>
-          <a:p>
-            <a:r>
-              <a:rPr lang="de-DE" dirty="0"/>
-              <a:t>Klassen: 46, 8 Server</a:t>
-            </a:r>
-          </a:p>
-          <a:p>
-            <a:r>
-              <a:rPr lang="de-DE" dirty="0"/>
-              <a:t>Commits:</a:t>
-            </a:r>
-          </a:p>
-          <a:p>
-            <a:r>
-              <a:rPr lang="de-DE" dirty="0"/>
-              <a:t>Tests:</a:t>
-            </a:r>
-          </a:p>
-          <a:p>
-            <a:pPr marL="0" indent="0">
-              <a:buNone/>
-            </a:pPr>
-            <a:endParaRPr lang="de-DE" dirty="0"/>
-          </a:p>
-        </p:txBody>
-      </p:sp>
       <p:pic>
         <p:nvPicPr>
-          <p:cNvPr id="4" name="Inhaltsplatzhalter 4">
-            <a:extLst>
-              <a:ext uri="{FF2B5EF4-FFF2-40B4-BE49-F238E27FC236}">
-                <a16:creationId xmlns:a16="http://schemas.microsoft.com/office/drawing/2014/main" id="{9A4DF21A-8C2F-C942-911B-9C0CDB9D9074}"/>
+          <p:cNvPr id="8" name="Grafik 7">
+            <a:extLst>
+              <a:ext uri="{FF2B5EF4-FFF2-40B4-BE49-F238E27FC236}">
+                <a16:creationId xmlns:a16="http://schemas.microsoft.com/office/drawing/2014/main" id="{BB5D5326-806B-A944-A369-B5EE9684D578}"/>
               </a:ext>
             </a:extLst>
           </p:cNvPr>
@@ -7180,14 +10641,142 @@
           <p:nvPr/>
         </p:nvPicPr>
         <p:blipFill>
-          <a:blip r:embed="rId2"/>
+          <a:blip r:embed="rId2">
+            <a:alphaModFix amt="70000"/>
+            <a:extLst>
+              <a:ext uri="{BEBA8EAE-BF5A-486C-A8C5-ECC9F3942E4B}">
+                <a14:imgProps xmlns:a14="http://schemas.microsoft.com/office/drawing/2010/main">
+                  <a14:imgLayer>
+                    <a14:imgEffect>
+                      <a14:sharpenSoften amount="50000"/>
+                    </a14:imgEffect>
+                    <a14:imgEffect>
+                      <a14:brightnessContrast bright="20000"/>
+                    </a14:imgEffect>
+                  </a14:imgLayer>
+                </a14:imgProps>
+              </a:ext>
+            </a:extLst>
+          </a:blip>
           <a:stretch>
             <a:fillRect/>
           </a:stretch>
         </p:blipFill>
         <p:spPr>
           <a:xfrm>
-            <a:off x="10601655" y="108525"/>
+            <a:off x="0" y="0"/>
+            <a:ext cx="12224000" cy="6876000"/>
+          </a:xfrm>
+          <a:prstGeom prst="rect">
+            <a:avLst/>
+          </a:prstGeom>
+        </p:spPr>
+      </p:pic>
+      <p:sp>
+        <p:nvSpPr>
+          <p:cNvPr id="3" name="Inhaltsplatzhalter 2">
+            <a:extLst>
+              <a:ext uri="{FF2B5EF4-FFF2-40B4-BE49-F238E27FC236}">
+                <a16:creationId xmlns:a16="http://schemas.microsoft.com/office/drawing/2014/main" id="{A7FAE2E2-D0B8-524C-A7FB-0B1F03ACD86D}"/>
+              </a:ext>
+            </a:extLst>
+          </p:cNvPr>
+          <p:cNvSpPr>
+            <a:spLocks noGrp="1"/>
+          </p:cNvSpPr>
+          <p:nvPr>
+            <p:ph idx="1"/>
+          </p:nvPr>
+        </p:nvSpPr>
+        <p:spPr>
+          <a:xfrm>
+            <a:off x="0" y="1656379"/>
+            <a:ext cx="12192000" cy="3513256"/>
+          </a:xfrm>
+          <a:solidFill>
+            <a:schemeClr val="bg2"/>
+          </a:solidFill>
+          <a:ln w="28575">
+            <a:solidFill>
+              <a:schemeClr val="tx1"/>
+            </a:solidFill>
+          </a:ln>
+        </p:spPr>
+        <p:txBody>
+          <a:bodyPr/>
+          <a:lstStyle/>
+          <a:p>
+            <a:pPr marL="457200" lvl="1" indent="0">
+              <a:buNone/>
+            </a:pPr>
+            <a:endParaRPr lang="de-DE" sz="2800" dirty="0"/>
+          </a:p>
+          <a:p>
+            <a:pPr lvl="1"/>
+            <a:r>
+              <a:rPr lang="de-DE" sz="2800" dirty="0"/>
+              <a:t>Codezeilen:</a:t>
+            </a:r>
+          </a:p>
+          <a:p>
+            <a:pPr lvl="1"/>
+            <a:r>
+              <a:rPr lang="de-DE" sz="2800" dirty="0"/>
+              <a:t>Klassen: 46, 8 Server</a:t>
+            </a:r>
+          </a:p>
+          <a:p>
+            <a:pPr lvl="1"/>
+            <a:r>
+              <a:rPr lang="de-DE" sz="2800" dirty="0"/>
+              <a:t>Commits:</a:t>
+            </a:r>
+          </a:p>
+          <a:p>
+            <a:pPr lvl="1"/>
+            <a:r>
+              <a:rPr lang="de-DE" sz="2800" dirty="0"/>
+              <a:t>Tests:</a:t>
+            </a:r>
+          </a:p>
+          <a:p>
+            <a:pPr lvl="1"/>
+            <a:r>
+              <a:rPr lang="de-DE" sz="2800" dirty="0"/>
+              <a:t>....</a:t>
+            </a:r>
+          </a:p>
+          <a:p>
+            <a:pPr marL="0" indent="0">
+              <a:buNone/>
+            </a:pPr>
+            <a:endParaRPr lang="de-DE" dirty="0"/>
+          </a:p>
+        </p:txBody>
+      </p:sp>
+      <p:pic>
+        <p:nvPicPr>
+          <p:cNvPr id="4" name="Inhaltsplatzhalter 4">
+            <a:extLst>
+              <a:ext uri="{FF2B5EF4-FFF2-40B4-BE49-F238E27FC236}">
+                <a16:creationId xmlns:a16="http://schemas.microsoft.com/office/drawing/2014/main" id="{9A4DF21A-8C2F-C942-911B-9C0CDB9D9074}"/>
+              </a:ext>
+            </a:extLst>
+          </p:cNvPr>
+          <p:cNvPicPr>
+            <a:picLocks noChangeAspect="1"/>
+          </p:cNvPicPr>
+          <p:nvPr/>
+        </p:nvPicPr>
+        <p:blipFill>
+          <a:blip r:embed="rId3"/>
+          <a:stretch>
+            <a:fillRect/>
+          </a:stretch>
+        </p:blipFill>
+        <p:spPr>
+          <a:xfrm>
+            <a:off x="10687711" y="-110171"/>
             <a:ext cx="1504289" cy="1383945"/>
           </a:xfrm>
           <a:prstGeom prst="rect">
@@ -7226,22 +10815,255 @@
       </p:sp>
       <p:sp>
         <p:nvSpPr>
-          <p:cNvPr id="7" name="Fußzeilenplatzhalter 4">
-            <a:extLst>
-              <a:ext uri="{FF2B5EF4-FFF2-40B4-BE49-F238E27FC236}">
-                <a16:creationId xmlns:a16="http://schemas.microsoft.com/office/drawing/2014/main" id="{1084B874-F392-FB4B-BD2E-10E27A5C9D8E}"/>
-              </a:ext>
-            </a:extLst>
-          </p:cNvPr>
-          <p:cNvSpPr txBox="1">
-            <a:spLocks/>
-          </p:cNvSpPr>
-          <p:nvPr/>
+          <p:cNvPr id="9" name="Fußzeilenplatzhalter 4">
+            <a:extLst>
+              <a:ext uri="{FF2B5EF4-FFF2-40B4-BE49-F238E27FC236}">
+                <a16:creationId xmlns:a16="http://schemas.microsoft.com/office/drawing/2014/main" id="{AB69DEAF-2F98-4145-BE4C-EAD391B8AE58}"/>
+              </a:ext>
+            </a:extLst>
+          </p:cNvPr>
+          <p:cNvSpPr>
+            <a:spLocks noGrp="1"/>
+          </p:cNvSpPr>
+          <p:nvPr>
+            <p:ph type="ftr" sz="quarter" idx="11"/>
+          </p:nvPr>
         </p:nvSpPr>
         <p:spPr>
           <a:xfrm>
             <a:off x="0" y="6356350"/>
-            <a:ext cx="4114800" cy="365125"/>
+            <a:ext cx="12192000" cy="365125"/>
+          </a:xfrm>
+          <a:solidFill>
+            <a:schemeClr val="bg2"/>
+          </a:solidFill>
+          <a:ln>
+            <a:solidFill>
+              <a:schemeClr val="tx1"/>
+            </a:solidFill>
+          </a:ln>
+        </p:spPr>
+        <p:style>
+          <a:lnRef idx="0">
+            <a:schemeClr val="accent3"/>
+          </a:lnRef>
+          <a:fillRef idx="3">
+            <a:schemeClr val="accent3"/>
+          </a:fillRef>
+          <a:effectRef idx="3">
+            <a:schemeClr val="accent3"/>
+          </a:effectRef>
+          <a:fontRef idx="minor">
+            <a:schemeClr val="lt1"/>
+          </a:fontRef>
+        </p:style>
+        <p:txBody>
+          <a:bodyPr/>
+          <a:lstStyle/>
+          <a:p>
+            <a:pPr algn="l"/>
+            <a:r>
+              <a:rPr lang="de-DE" dirty="0">
+                <a:solidFill>
+                  <a:schemeClr val="tx1"/>
+                </a:solidFill>
+              </a:rPr>
+              <a:t>          Orkhan Aliev, Tim Groß, Daniel Helmig, Rukiye Devran</a:t>
+            </a:r>
+          </a:p>
+        </p:txBody>
+      </p:sp>
+      <p:sp>
+        <p:nvSpPr>
+          <p:cNvPr id="10" name="Titel 1">
+            <a:extLst>
+              <a:ext uri="{FF2B5EF4-FFF2-40B4-BE49-F238E27FC236}">
+                <a16:creationId xmlns:a16="http://schemas.microsoft.com/office/drawing/2014/main" id="{FDC30A74-0A1C-B44C-85B1-FB289E6D6E04}"/>
+              </a:ext>
+            </a:extLst>
+          </p:cNvPr>
+          <p:cNvSpPr txBox="1">
+            <a:spLocks/>
+          </p:cNvSpPr>
+          <p:nvPr/>
+        </p:nvSpPr>
+        <p:spPr>
+          <a:xfrm>
+            <a:off x="0" y="192933"/>
+            <a:ext cx="10930597" cy="777738"/>
+          </a:xfrm>
+          <a:prstGeom prst="rect">
+            <a:avLst/>
+          </a:prstGeom>
+          <a:solidFill>
+            <a:schemeClr val="bg2"/>
+          </a:solidFill>
+          <a:ln>
+            <a:solidFill>
+              <a:schemeClr val="tx1"/>
+            </a:solidFill>
+          </a:ln>
+        </p:spPr>
+        <p:style>
+          <a:lnRef idx="0">
+            <a:schemeClr val="accent3"/>
+          </a:lnRef>
+          <a:fillRef idx="3">
+            <a:schemeClr val="accent3"/>
+          </a:fillRef>
+          <a:effectRef idx="3">
+            <a:schemeClr val="accent3"/>
+          </a:effectRef>
+          <a:fontRef idx="minor">
+            <a:schemeClr val="lt1"/>
+          </a:fontRef>
+        </p:style>
+        <p:txBody>
+          <a:bodyPr vert="horz" lIns="91440" tIns="45720" rIns="91440" bIns="45720" rtlCol="0" anchor="ctr">
+            <a:normAutofit/>
+          </a:bodyPr>
+          <a:lstStyle>
+            <a:lvl1pPr algn="l" defTabSz="914400" rtl="0" eaLnBrk="1" latinLnBrk="0" hangingPunct="1">
+              <a:lnSpc>
+                <a:spcPct val="90000"/>
+              </a:lnSpc>
+              <a:spcBef>
+                <a:spcPct val="0"/>
+              </a:spcBef>
+              <a:buNone/>
+              <a:defRPr sz="4400" kern="1200">
+                <a:solidFill>
+                  <a:schemeClr val="lt1"/>
+                </a:solidFill>
+                <a:latin typeface="+mn-lt"/>
+                <a:ea typeface="+mn-ea"/>
+                <a:cs typeface="+mn-cs"/>
+              </a:defRPr>
+            </a:lvl1pPr>
+            <a:lvl2pPr>
+              <a:defRPr>
+                <a:solidFill>
+                  <a:schemeClr val="lt1"/>
+                </a:solidFill>
+                <a:latin typeface="+mn-lt"/>
+                <a:ea typeface="+mn-ea"/>
+                <a:cs typeface="+mn-cs"/>
+              </a:defRPr>
+            </a:lvl2pPr>
+            <a:lvl3pPr>
+              <a:defRPr>
+                <a:solidFill>
+                  <a:schemeClr val="lt1"/>
+                </a:solidFill>
+                <a:latin typeface="+mn-lt"/>
+                <a:ea typeface="+mn-ea"/>
+                <a:cs typeface="+mn-cs"/>
+              </a:defRPr>
+            </a:lvl3pPr>
+            <a:lvl4pPr>
+              <a:defRPr>
+                <a:solidFill>
+                  <a:schemeClr val="lt1"/>
+                </a:solidFill>
+                <a:latin typeface="+mn-lt"/>
+                <a:ea typeface="+mn-ea"/>
+                <a:cs typeface="+mn-cs"/>
+              </a:defRPr>
+            </a:lvl4pPr>
+            <a:lvl5pPr>
+              <a:defRPr>
+                <a:solidFill>
+                  <a:schemeClr val="lt1"/>
+                </a:solidFill>
+                <a:latin typeface="+mn-lt"/>
+                <a:ea typeface="+mn-ea"/>
+                <a:cs typeface="+mn-cs"/>
+              </a:defRPr>
+            </a:lvl5pPr>
+            <a:lvl6pPr>
+              <a:defRPr>
+                <a:solidFill>
+                  <a:schemeClr val="lt1"/>
+                </a:solidFill>
+                <a:latin typeface="+mn-lt"/>
+                <a:ea typeface="+mn-ea"/>
+                <a:cs typeface="+mn-cs"/>
+              </a:defRPr>
+            </a:lvl6pPr>
+            <a:lvl7pPr>
+              <a:defRPr>
+                <a:solidFill>
+                  <a:schemeClr val="lt1"/>
+                </a:solidFill>
+                <a:latin typeface="+mn-lt"/>
+                <a:ea typeface="+mn-ea"/>
+                <a:cs typeface="+mn-cs"/>
+              </a:defRPr>
+            </a:lvl7pPr>
+            <a:lvl8pPr>
+              <a:defRPr>
+                <a:solidFill>
+                  <a:schemeClr val="lt1"/>
+                </a:solidFill>
+                <a:latin typeface="+mn-lt"/>
+                <a:ea typeface="+mn-ea"/>
+                <a:cs typeface="+mn-cs"/>
+              </a:defRPr>
+            </a:lvl8pPr>
+            <a:lvl9pPr>
+              <a:defRPr>
+                <a:solidFill>
+                  <a:schemeClr val="lt1"/>
+                </a:solidFill>
+                <a:latin typeface="+mn-lt"/>
+                <a:ea typeface="+mn-ea"/>
+                <a:cs typeface="+mn-cs"/>
+              </a:defRPr>
+            </a:lvl9pPr>
+          </a:lstStyle>
+          <a:p>
+            <a:r>
+              <a:rPr lang="de-DE" b="1" dirty="0">
+                <a:solidFill>
+                  <a:schemeClr val="tx1"/>
+                </a:solidFill>
+              </a:rPr>
+              <a:t>      1.3 Implementierung</a:t>
+            </a:r>
+            <a:r>
+              <a:rPr lang="de-DE" dirty="0">
+                <a:solidFill>
+                  <a:schemeClr val="tx1"/>
+                </a:solidFill>
+              </a:rPr>
+              <a:t> </a:t>
+            </a:r>
+            <a:endParaRPr lang="de-DE" b="1" dirty="0">
+              <a:solidFill>
+                <a:schemeClr val="tx1"/>
+              </a:solidFill>
+            </a:endParaRPr>
+          </a:p>
+        </p:txBody>
+      </p:sp>
+      <p:sp>
+        <p:nvSpPr>
+          <p:cNvPr id="13" name="Foliennummernplatzhalter 5">
+            <a:extLst>
+              <a:ext uri="{FF2B5EF4-FFF2-40B4-BE49-F238E27FC236}">
+                <a16:creationId xmlns:a16="http://schemas.microsoft.com/office/drawing/2014/main" id="{C57F2FD1-E8FC-854F-B6FF-3ADCA4A5E5C0}"/>
+              </a:ext>
+            </a:extLst>
+          </p:cNvPr>
+          <p:cNvSpPr txBox="1">
+            <a:spLocks/>
+          </p:cNvSpPr>
+          <p:nvPr/>
+        </p:nvSpPr>
+        <p:spPr>
+          <a:xfrm>
+            <a:off x="8620547" y="6356350"/>
+            <a:ext cx="2743200" cy="365125"/>
           </a:xfrm>
           <a:prstGeom prst="rect">
             <a:avLst/>
@@ -7253,7 +11075,7 @@
             <a:defPPr>
               <a:defRPr lang="de-DE"/>
             </a:defPPr>
-            <a:lvl1pPr marL="0" algn="ctr" defTabSz="914400" rtl="0" eaLnBrk="1" latinLnBrk="0" hangingPunct="1">
+            <a:lvl1pPr marL="0" algn="r" defTabSz="914400" rtl="0" eaLnBrk="1" latinLnBrk="0" hangingPunct="1">
               <a:defRPr sz="1200" kern="1200">
                 <a:solidFill>
                   <a:schemeClr val="tx1">
@@ -7348,34 +11170,9 @@
           </a:lstStyle>
           <a:p>
             <a:r>
-              <a:rPr lang="de-DE" dirty="0" err="1"/>
-              <a:t>Orkhan</a:t>
+              <a:rPr lang="de-DE" dirty="0"/>
+              <a:t>7</a:t>
             </a:r>
-            <a:r>
-              <a:rPr lang="de-DE" dirty="0"/>
-              <a:t> </a:t>
-            </a:r>
-            <a:r>
-              <a:rPr lang="de-DE" dirty="0" err="1"/>
-              <a:t>Aliev</a:t>
-            </a:r>
-            <a:r>
-              <a:rPr lang="de-DE" dirty="0"/>
-              <a:t>, Tim Groß, Daniel </a:t>
-            </a:r>
-            <a:r>
-              <a:rPr lang="de-DE" dirty="0" err="1"/>
-              <a:t>Helmig</a:t>
-            </a:r>
-            <a:r>
-              <a:rPr lang="de-DE" dirty="0"/>
-              <a:t>, Rukiye </a:t>
-            </a:r>
-            <a:r>
-              <a:rPr lang="de-DE" dirty="0" err="1"/>
-              <a:t>Devran</a:t>
-            </a:r>
-            <a:endParaRPr lang="de-DE" dirty="0"/>
           </a:p>
         </p:txBody>
       </p:sp>
@@ -7409,85 +11206,12 @@
           <a:chExt cx="0" cy="0"/>
         </a:xfrm>
       </p:grpSpPr>
-      <p:sp>
-        <p:nvSpPr>
-          <p:cNvPr id="2" name="Titel 1">
-            <a:extLst>
-              <a:ext uri="{FF2B5EF4-FFF2-40B4-BE49-F238E27FC236}">
-                <a16:creationId xmlns:a16="http://schemas.microsoft.com/office/drawing/2014/main" id="{2423F25B-5F23-334B-90AF-EF258AA50A9A}"/>
-              </a:ext>
-            </a:extLst>
-          </p:cNvPr>
-          <p:cNvSpPr>
-            <a:spLocks noGrp="1"/>
-          </p:cNvSpPr>
-          <p:nvPr>
-            <p:ph type="title"/>
-          </p:nvPr>
-        </p:nvSpPr>
-        <p:spPr/>
-        <p:txBody>
-          <a:bodyPr/>
-          <a:lstStyle/>
-          <a:p>
-            <a:r>
-              <a:rPr lang="de-DE" b="1" dirty="0"/>
-              <a:t>Verwendete Tools</a:t>
-            </a:r>
-          </a:p>
-        </p:txBody>
-      </p:sp>
-      <p:sp>
-        <p:nvSpPr>
-          <p:cNvPr id="3" name="Inhaltsplatzhalter 2">
-            <a:extLst>
-              <a:ext uri="{FF2B5EF4-FFF2-40B4-BE49-F238E27FC236}">
-                <a16:creationId xmlns:a16="http://schemas.microsoft.com/office/drawing/2014/main" id="{A5E20C8F-7423-BC47-9A17-AB5A63848F83}"/>
-              </a:ext>
-            </a:extLst>
-          </p:cNvPr>
-          <p:cNvSpPr>
-            <a:spLocks noGrp="1"/>
-          </p:cNvSpPr>
-          <p:nvPr>
-            <p:ph idx="1"/>
-          </p:nvPr>
-        </p:nvSpPr>
-        <p:spPr/>
-        <p:txBody>
-          <a:bodyPr/>
-          <a:lstStyle/>
-          <a:p>
-            <a:r>
-              <a:rPr lang="de-DE" dirty="0"/>
-              <a:t>Sprache: Java</a:t>
-            </a:r>
-          </a:p>
-          <a:p>
-            <a:r>
-              <a:rPr lang="de-DE" dirty="0"/>
-              <a:t>Bibliotheken: Websocket, </a:t>
-            </a:r>
-            <a:r>
-              <a:rPr lang="de-DE" dirty="0" err="1"/>
-              <a:t>Retrofit</a:t>
-            </a:r>
-            <a:endParaRPr lang="de-DE" dirty="0"/>
-          </a:p>
-          <a:p>
-            <a:r>
-              <a:rPr lang="de-DE" dirty="0"/>
-              <a:t>Spring</a:t>
-            </a:r>
-          </a:p>
-        </p:txBody>
-      </p:sp>
       <p:pic>
         <p:nvPicPr>
-          <p:cNvPr id="4" name="Inhaltsplatzhalter 4">
-            <a:extLst>
-              <a:ext uri="{FF2B5EF4-FFF2-40B4-BE49-F238E27FC236}">
-                <a16:creationId xmlns:a16="http://schemas.microsoft.com/office/drawing/2014/main" id="{A360C743-EF42-E94C-9E31-804D3BB25185}"/>
+          <p:cNvPr id="8" name="Grafik 7">
+            <a:extLst>
+              <a:ext uri="{FF2B5EF4-FFF2-40B4-BE49-F238E27FC236}">
+                <a16:creationId xmlns:a16="http://schemas.microsoft.com/office/drawing/2014/main" id="{F50DCDE9-F4A5-F142-A409-E48900146FAA}"/>
               </a:ext>
             </a:extLst>
           </p:cNvPr>
@@ -7497,14 +11221,403 @@
           <p:nvPr/>
         </p:nvPicPr>
         <p:blipFill>
-          <a:blip r:embed="rId2"/>
+          <a:blip r:embed="rId2">
+            <a:alphaModFix amt="70000"/>
+            <a:extLst>
+              <a:ext uri="{BEBA8EAE-BF5A-486C-A8C5-ECC9F3942E4B}">
+                <a14:imgProps xmlns:a14="http://schemas.microsoft.com/office/drawing/2010/main">
+                  <a14:imgLayer>
+                    <a14:imgEffect>
+                      <a14:sharpenSoften amount="50000"/>
+                    </a14:imgEffect>
+                    <a14:imgEffect>
+                      <a14:brightnessContrast bright="20000"/>
+                    </a14:imgEffect>
+                  </a14:imgLayer>
+                </a14:imgProps>
+              </a:ext>
+            </a:extLst>
+          </a:blip>
           <a:stretch>
             <a:fillRect/>
           </a:stretch>
         </p:blipFill>
         <p:spPr>
           <a:xfrm>
-            <a:off x="10601655" y="108525"/>
+            <a:off x="0" y="0"/>
+            <a:ext cx="12192000" cy="6858000"/>
+          </a:xfrm>
+          <a:prstGeom prst="rect">
+            <a:avLst/>
+          </a:prstGeom>
+        </p:spPr>
+      </p:pic>
+      <p:sp>
+        <p:nvSpPr>
+          <p:cNvPr id="3" name="Inhaltsplatzhalter 2">
+            <a:extLst>
+              <a:ext uri="{FF2B5EF4-FFF2-40B4-BE49-F238E27FC236}">
+                <a16:creationId xmlns:a16="http://schemas.microsoft.com/office/drawing/2014/main" id="{A5E20C8F-7423-BC47-9A17-AB5A63848F83}"/>
+              </a:ext>
+            </a:extLst>
+          </p:cNvPr>
+          <p:cNvSpPr>
+            <a:spLocks noGrp="1"/>
+          </p:cNvSpPr>
+          <p:nvPr>
+            <p:ph idx="1"/>
+          </p:nvPr>
+        </p:nvSpPr>
+        <p:spPr>
+          <a:xfrm>
+            <a:off x="0" y="1639393"/>
+            <a:ext cx="12192000" cy="3664127"/>
+          </a:xfrm>
+          <a:solidFill>
+            <a:schemeClr val="bg2"/>
+          </a:solidFill>
+          <a:ln w="28575">
+            <a:solidFill>
+              <a:schemeClr val="tx1"/>
+            </a:solidFill>
+          </a:ln>
+        </p:spPr>
+        <p:txBody>
+          <a:bodyPr/>
+          <a:lstStyle/>
+          <a:p>
+            <a:pPr marL="457200" lvl="1" indent="0">
+              <a:buNone/>
+            </a:pPr>
+            <a:br>
+              <a:rPr lang="de-DE" b="1" dirty="0"/>
+            </a:br>
+            <a:r>
+              <a:rPr lang="de-DE" sz="2800" b="1" u="sng" dirty="0"/>
+              <a:t>Verwendete Tools</a:t>
+            </a:r>
+            <a:endParaRPr lang="de-DE" sz="2800" u="sng" dirty="0"/>
+          </a:p>
+          <a:p>
+            <a:pPr lvl="1"/>
+            <a:r>
+              <a:rPr lang="de-DE" sz="2800" dirty="0"/>
+              <a:t>Sprache: Java</a:t>
+            </a:r>
+          </a:p>
+          <a:p>
+            <a:pPr lvl="1"/>
+            <a:r>
+              <a:rPr lang="de-DE" sz="2800" dirty="0"/>
+              <a:t>Bibliotheken: Websocket, </a:t>
+            </a:r>
+            <a:r>
+              <a:rPr lang="de-DE" sz="2800" dirty="0" err="1"/>
+              <a:t>Retrofit</a:t>
+            </a:r>
+            <a:endParaRPr lang="de-DE" sz="2800" dirty="0"/>
+          </a:p>
+          <a:p>
+            <a:pPr lvl="1"/>
+            <a:r>
+              <a:rPr lang="de-DE" sz="2800" dirty="0"/>
+              <a:t>Spring</a:t>
+            </a:r>
+          </a:p>
+          <a:p>
+            <a:pPr lvl="1"/>
+            <a:r>
+              <a:rPr lang="de-DE" sz="2800" dirty="0"/>
+              <a:t>....</a:t>
+            </a:r>
+          </a:p>
+        </p:txBody>
+      </p:sp>
+      <p:sp>
+        <p:nvSpPr>
+          <p:cNvPr id="6" name="Foliennummernplatzhalter 5">
+            <a:extLst>
+              <a:ext uri="{FF2B5EF4-FFF2-40B4-BE49-F238E27FC236}">
+                <a16:creationId xmlns:a16="http://schemas.microsoft.com/office/drawing/2014/main" id="{ACC39A85-2C1D-1443-81DA-AAB56EC1A49A}"/>
+              </a:ext>
+            </a:extLst>
+          </p:cNvPr>
+          <p:cNvSpPr>
+            <a:spLocks noGrp="1"/>
+          </p:cNvSpPr>
+          <p:nvPr>
+            <p:ph type="sldNum" sz="quarter" idx="12"/>
+          </p:nvPr>
+        </p:nvSpPr>
+        <p:spPr/>
+        <p:txBody>
+          <a:bodyPr/>
+          <a:lstStyle/>
+          <a:p>
+            <a:fld id="{78776B16-91FB-9448-9CB1-FBF57F5ADB35}" type="slidenum">
+              <a:rPr lang="de-DE" smtClean="0"/>
+              <a:t>8</a:t>
+            </a:fld>
+            <a:endParaRPr lang="de-DE"/>
+          </a:p>
+        </p:txBody>
+      </p:sp>
+      <p:sp>
+        <p:nvSpPr>
+          <p:cNvPr id="9" name="Fußzeilenplatzhalter 4">
+            <a:extLst>
+              <a:ext uri="{FF2B5EF4-FFF2-40B4-BE49-F238E27FC236}">
+                <a16:creationId xmlns:a16="http://schemas.microsoft.com/office/drawing/2014/main" id="{F5F0CF0C-B4A3-9846-BA45-7A1D67FB2FC8}"/>
+              </a:ext>
+            </a:extLst>
+          </p:cNvPr>
+          <p:cNvSpPr>
+            <a:spLocks noGrp="1"/>
+          </p:cNvSpPr>
+          <p:nvPr>
+            <p:ph type="ftr" sz="quarter" idx="11"/>
+          </p:nvPr>
+        </p:nvSpPr>
+        <p:spPr>
+          <a:xfrm>
+            <a:off x="0" y="6356350"/>
+            <a:ext cx="12192000" cy="365125"/>
+          </a:xfrm>
+          <a:solidFill>
+            <a:schemeClr val="bg2"/>
+          </a:solidFill>
+          <a:ln>
+            <a:solidFill>
+              <a:schemeClr val="tx1"/>
+            </a:solidFill>
+          </a:ln>
+        </p:spPr>
+        <p:style>
+          <a:lnRef idx="0">
+            <a:schemeClr val="accent3"/>
+          </a:lnRef>
+          <a:fillRef idx="3">
+            <a:schemeClr val="accent3"/>
+          </a:fillRef>
+          <a:effectRef idx="3">
+            <a:schemeClr val="accent3"/>
+          </a:effectRef>
+          <a:fontRef idx="minor">
+            <a:schemeClr val="lt1"/>
+          </a:fontRef>
+        </p:style>
+        <p:txBody>
+          <a:bodyPr/>
+          <a:lstStyle/>
+          <a:p>
+            <a:pPr algn="l"/>
+            <a:r>
+              <a:rPr lang="de-DE" dirty="0">
+                <a:solidFill>
+                  <a:schemeClr val="tx1"/>
+                </a:solidFill>
+              </a:rPr>
+              <a:t>          Orkhan Aliev, Tim Groß, Daniel Helmig, Rukiye Devran</a:t>
+            </a:r>
+          </a:p>
+        </p:txBody>
+      </p:sp>
+      <p:sp>
+        <p:nvSpPr>
+          <p:cNvPr id="10" name="Titel 1">
+            <a:extLst>
+              <a:ext uri="{FF2B5EF4-FFF2-40B4-BE49-F238E27FC236}">
+                <a16:creationId xmlns:a16="http://schemas.microsoft.com/office/drawing/2014/main" id="{7F0486FD-F504-B74F-BA37-8B7F29D74080}"/>
+              </a:ext>
+            </a:extLst>
+          </p:cNvPr>
+          <p:cNvSpPr txBox="1">
+            <a:spLocks/>
+          </p:cNvSpPr>
+          <p:nvPr/>
+        </p:nvSpPr>
+        <p:spPr>
+          <a:xfrm>
+            <a:off x="0" y="192933"/>
+            <a:ext cx="10930597" cy="777738"/>
+          </a:xfrm>
+          <a:prstGeom prst="rect">
+            <a:avLst/>
+          </a:prstGeom>
+          <a:solidFill>
+            <a:schemeClr val="bg2"/>
+          </a:solidFill>
+          <a:ln>
+            <a:solidFill>
+              <a:schemeClr val="tx1"/>
+            </a:solidFill>
+          </a:ln>
+        </p:spPr>
+        <p:style>
+          <a:lnRef idx="0">
+            <a:schemeClr val="accent3"/>
+          </a:lnRef>
+          <a:fillRef idx="3">
+            <a:schemeClr val="accent3"/>
+          </a:fillRef>
+          <a:effectRef idx="3">
+            <a:schemeClr val="accent3"/>
+          </a:effectRef>
+          <a:fontRef idx="minor">
+            <a:schemeClr val="lt1"/>
+          </a:fontRef>
+        </p:style>
+        <p:txBody>
+          <a:bodyPr vert="horz" lIns="91440" tIns="45720" rIns="91440" bIns="45720" rtlCol="0" anchor="ctr">
+            <a:normAutofit/>
+          </a:bodyPr>
+          <a:lstStyle>
+            <a:lvl1pPr algn="l" defTabSz="914400" rtl="0" eaLnBrk="1" latinLnBrk="0" hangingPunct="1">
+              <a:lnSpc>
+                <a:spcPct val="90000"/>
+              </a:lnSpc>
+              <a:spcBef>
+                <a:spcPct val="0"/>
+              </a:spcBef>
+              <a:buNone/>
+              <a:defRPr sz="4400" kern="1200">
+                <a:solidFill>
+                  <a:schemeClr val="lt1"/>
+                </a:solidFill>
+                <a:latin typeface="+mn-lt"/>
+                <a:ea typeface="+mn-ea"/>
+                <a:cs typeface="+mn-cs"/>
+              </a:defRPr>
+            </a:lvl1pPr>
+            <a:lvl2pPr>
+              <a:defRPr>
+                <a:solidFill>
+                  <a:schemeClr val="lt1"/>
+                </a:solidFill>
+                <a:latin typeface="+mn-lt"/>
+                <a:ea typeface="+mn-ea"/>
+                <a:cs typeface="+mn-cs"/>
+              </a:defRPr>
+            </a:lvl2pPr>
+            <a:lvl3pPr>
+              <a:defRPr>
+                <a:solidFill>
+                  <a:schemeClr val="lt1"/>
+                </a:solidFill>
+                <a:latin typeface="+mn-lt"/>
+                <a:ea typeface="+mn-ea"/>
+                <a:cs typeface="+mn-cs"/>
+              </a:defRPr>
+            </a:lvl3pPr>
+            <a:lvl4pPr>
+              <a:defRPr>
+                <a:solidFill>
+                  <a:schemeClr val="lt1"/>
+                </a:solidFill>
+                <a:latin typeface="+mn-lt"/>
+                <a:ea typeface="+mn-ea"/>
+                <a:cs typeface="+mn-cs"/>
+              </a:defRPr>
+            </a:lvl4pPr>
+            <a:lvl5pPr>
+              <a:defRPr>
+                <a:solidFill>
+                  <a:schemeClr val="lt1"/>
+                </a:solidFill>
+                <a:latin typeface="+mn-lt"/>
+                <a:ea typeface="+mn-ea"/>
+                <a:cs typeface="+mn-cs"/>
+              </a:defRPr>
+            </a:lvl5pPr>
+            <a:lvl6pPr>
+              <a:defRPr>
+                <a:solidFill>
+                  <a:schemeClr val="lt1"/>
+                </a:solidFill>
+                <a:latin typeface="+mn-lt"/>
+                <a:ea typeface="+mn-ea"/>
+                <a:cs typeface="+mn-cs"/>
+              </a:defRPr>
+            </a:lvl6pPr>
+            <a:lvl7pPr>
+              <a:defRPr>
+                <a:solidFill>
+                  <a:schemeClr val="lt1"/>
+                </a:solidFill>
+                <a:latin typeface="+mn-lt"/>
+                <a:ea typeface="+mn-ea"/>
+                <a:cs typeface="+mn-cs"/>
+              </a:defRPr>
+            </a:lvl7pPr>
+            <a:lvl8pPr>
+              <a:defRPr>
+                <a:solidFill>
+                  <a:schemeClr val="lt1"/>
+                </a:solidFill>
+                <a:latin typeface="+mn-lt"/>
+                <a:ea typeface="+mn-ea"/>
+                <a:cs typeface="+mn-cs"/>
+              </a:defRPr>
+            </a:lvl8pPr>
+            <a:lvl9pPr>
+              <a:defRPr>
+                <a:solidFill>
+                  <a:schemeClr val="lt1"/>
+                </a:solidFill>
+                <a:latin typeface="+mn-lt"/>
+                <a:ea typeface="+mn-ea"/>
+                <a:cs typeface="+mn-cs"/>
+              </a:defRPr>
+            </a:lvl9pPr>
+          </a:lstStyle>
+          <a:p>
+            <a:r>
+              <a:rPr lang="de-DE" b="1" dirty="0">
+                <a:solidFill>
+                  <a:schemeClr val="tx1"/>
+                </a:solidFill>
+              </a:rPr>
+              <a:t>      1.3 Implementierung</a:t>
+            </a:r>
+            <a:r>
+              <a:rPr lang="de-DE" dirty="0">
+                <a:solidFill>
+                  <a:schemeClr val="tx1"/>
+                </a:solidFill>
+              </a:rPr>
+              <a:t> </a:t>
+            </a:r>
+            <a:endParaRPr lang="de-DE" b="1" dirty="0">
+              <a:solidFill>
+                <a:schemeClr val="tx1"/>
+              </a:solidFill>
+            </a:endParaRPr>
+          </a:p>
+        </p:txBody>
+      </p:sp>
+      <p:pic>
+        <p:nvPicPr>
+          <p:cNvPr id="4" name="Inhaltsplatzhalter 4">
+            <a:extLst>
+              <a:ext uri="{FF2B5EF4-FFF2-40B4-BE49-F238E27FC236}">
+                <a16:creationId xmlns:a16="http://schemas.microsoft.com/office/drawing/2014/main" id="{A360C743-EF42-E94C-9E31-804D3BB25185}"/>
+              </a:ext>
+            </a:extLst>
+          </p:cNvPr>
+          <p:cNvPicPr>
+            <a:picLocks noChangeAspect="1"/>
+          </p:cNvPicPr>
+          <p:nvPr/>
+        </p:nvPicPr>
+        <p:blipFill>
+          <a:blip r:embed="rId3"/>
+          <a:stretch>
+            <a:fillRect/>
+          </a:stretch>
+        </p:blipFill>
+        <p:spPr>
+          <a:xfrm>
+            <a:off x="10687711" y="-110171"/>
             <a:ext cx="1504289" cy="1383945"/>
           </a:xfrm>
           <a:prstGeom prst="rect">
@@ -7514,39 +11627,10 @@
       </p:pic>
       <p:sp>
         <p:nvSpPr>
-          <p:cNvPr id="6" name="Foliennummernplatzhalter 5">
-            <a:extLst>
-              <a:ext uri="{FF2B5EF4-FFF2-40B4-BE49-F238E27FC236}">
-                <a16:creationId xmlns:a16="http://schemas.microsoft.com/office/drawing/2014/main" id="{ACC39A85-2C1D-1443-81DA-AAB56EC1A49A}"/>
-              </a:ext>
-            </a:extLst>
-          </p:cNvPr>
-          <p:cNvSpPr>
-            <a:spLocks noGrp="1"/>
-          </p:cNvSpPr>
-          <p:nvPr>
-            <p:ph type="sldNum" sz="quarter" idx="12"/>
-          </p:nvPr>
-        </p:nvSpPr>
-        <p:spPr/>
-        <p:txBody>
-          <a:bodyPr/>
-          <a:lstStyle/>
-          <a:p>
-            <a:fld id="{78776B16-91FB-9448-9CB1-FBF57F5ADB35}" type="slidenum">
-              <a:rPr lang="de-DE" smtClean="0"/>
-              <a:t>8</a:t>
-            </a:fld>
-            <a:endParaRPr lang="de-DE"/>
-          </a:p>
-        </p:txBody>
-      </p:sp>
-      <p:sp>
-        <p:nvSpPr>
-          <p:cNvPr id="7" name="Fußzeilenplatzhalter 4">
-            <a:extLst>
-              <a:ext uri="{FF2B5EF4-FFF2-40B4-BE49-F238E27FC236}">
-                <a16:creationId xmlns:a16="http://schemas.microsoft.com/office/drawing/2014/main" id="{7CA5508F-F90A-EC41-806A-B10FA06505EA}"/>
+          <p:cNvPr id="11" name="Foliennummernplatzhalter 5">
+            <a:extLst>
+              <a:ext uri="{FF2B5EF4-FFF2-40B4-BE49-F238E27FC236}">
+                <a16:creationId xmlns:a16="http://schemas.microsoft.com/office/drawing/2014/main" id="{4E29E7A7-F925-FA43-AD8F-C5EE143D92E2}"/>
               </a:ext>
             </a:extLst>
           </p:cNvPr>
@@ -7557,8 +11641,8 @@
         </p:nvSpPr>
         <p:spPr>
           <a:xfrm>
-            <a:off x="0" y="6356350"/>
-            <a:ext cx="4114800" cy="365125"/>
+            <a:off x="8620547" y="6356350"/>
+            <a:ext cx="2743200" cy="365125"/>
           </a:xfrm>
           <a:prstGeom prst="rect">
             <a:avLst/>
@@ -7570,7 +11654,7 @@
             <a:defPPr>
               <a:defRPr lang="de-DE"/>
             </a:defPPr>
-            <a:lvl1pPr marL="0" algn="ctr" defTabSz="914400" rtl="0" eaLnBrk="1" latinLnBrk="0" hangingPunct="1">
+            <a:lvl1pPr marL="0" algn="r" defTabSz="914400" rtl="0" eaLnBrk="1" latinLnBrk="0" hangingPunct="1">
               <a:defRPr sz="1200" kern="1200">
                 <a:solidFill>
                   <a:schemeClr val="tx1">
@@ -7665,34 +11749,9 @@
           </a:lstStyle>
           <a:p>
             <a:r>
-              <a:rPr lang="de-DE" dirty="0" err="1"/>
-              <a:t>Orkhan</a:t>
+              <a:rPr lang="de-DE" dirty="0"/>
+              <a:t>8</a:t>
             </a:r>
-            <a:r>
-              <a:rPr lang="de-DE" dirty="0"/>
-              <a:t> </a:t>
-            </a:r>
-            <a:r>
-              <a:rPr lang="de-DE" dirty="0" err="1"/>
-              <a:t>Aliev</a:t>
-            </a:r>
-            <a:r>
-              <a:rPr lang="de-DE" dirty="0"/>
-              <a:t>, Tim Groß, Daniel </a:t>
-            </a:r>
-            <a:r>
-              <a:rPr lang="de-DE" dirty="0" err="1"/>
-              <a:t>Helmig</a:t>
-            </a:r>
-            <a:r>
-              <a:rPr lang="de-DE" dirty="0"/>
-              <a:t>, Rukiye </a:t>
-            </a:r>
-            <a:r>
-              <a:rPr lang="de-DE" dirty="0" err="1"/>
-              <a:t>Devran</a:t>
-            </a:r>
-            <a:endParaRPr lang="de-DE" dirty="0"/>
           </a:p>
         </p:txBody>
       </p:sp>
@@ -7726,81 +11785,12 @@
           <a:chExt cx="0" cy="0"/>
         </a:xfrm>
       </p:grpSpPr>
-      <p:sp>
-        <p:nvSpPr>
-          <p:cNvPr id="2" name="Titel 1">
-            <a:extLst>
-              <a:ext uri="{FF2B5EF4-FFF2-40B4-BE49-F238E27FC236}">
-                <a16:creationId xmlns:a16="http://schemas.microsoft.com/office/drawing/2014/main" id="{96124F85-BE46-A840-9352-73133920B314}"/>
-              </a:ext>
-            </a:extLst>
-          </p:cNvPr>
-          <p:cNvSpPr>
-            <a:spLocks noGrp="1"/>
-          </p:cNvSpPr>
-          <p:nvPr>
-            <p:ph type="title"/>
-          </p:nvPr>
-        </p:nvSpPr>
-        <p:spPr/>
-        <p:txBody>
-          <a:bodyPr/>
-          <a:lstStyle/>
-          <a:p>
-            <a:r>
-              <a:rPr lang="de-DE" b="1" dirty="0"/>
-              <a:t>1.4 Qualitätssicherung</a:t>
-            </a:r>
-          </a:p>
-        </p:txBody>
-      </p:sp>
-      <p:sp>
-        <p:nvSpPr>
-          <p:cNvPr id="3" name="Inhaltsplatzhalter 2">
-            <a:extLst>
-              <a:ext uri="{FF2B5EF4-FFF2-40B4-BE49-F238E27FC236}">
-                <a16:creationId xmlns:a16="http://schemas.microsoft.com/office/drawing/2014/main" id="{0C60A1A4-5E08-0642-BF49-107700A52D89}"/>
-              </a:ext>
-            </a:extLst>
-          </p:cNvPr>
-          <p:cNvSpPr>
-            <a:spLocks noGrp="1"/>
-          </p:cNvSpPr>
-          <p:nvPr>
-            <p:ph idx="1"/>
-          </p:nvPr>
-        </p:nvSpPr>
-        <p:spPr/>
-        <p:txBody>
-          <a:bodyPr/>
-          <a:lstStyle/>
-          <a:p>
-            <a:pPr marL="0" indent="0">
-              <a:buNone/>
-            </a:pPr>
-            <a:r>
-              <a:rPr lang="de-DE" b="1" dirty="0"/>
-              <a:t>Überdeckungen:</a:t>
-            </a:r>
-            <a:br>
-              <a:rPr lang="de-DE" dirty="0"/>
-            </a:br>
-            <a:endParaRPr lang="de-DE" dirty="0"/>
-          </a:p>
-          <a:p>
-            <a:r>
-              <a:rPr lang="de-DE" dirty="0"/>
-              <a:t>Schachlogik: </a:t>
-            </a:r>
-          </a:p>
-        </p:txBody>
-      </p:sp>
       <p:pic>
         <p:nvPicPr>
-          <p:cNvPr id="4" name="Inhaltsplatzhalter 4">
-            <a:extLst>
-              <a:ext uri="{FF2B5EF4-FFF2-40B4-BE49-F238E27FC236}">
-                <a16:creationId xmlns:a16="http://schemas.microsoft.com/office/drawing/2014/main" id="{6E19C396-401C-0E4D-87E7-6424304CDE60}"/>
+          <p:cNvPr id="8" name="Grafik 7">
+            <a:extLst>
+              <a:ext uri="{FF2B5EF4-FFF2-40B4-BE49-F238E27FC236}">
+                <a16:creationId xmlns:a16="http://schemas.microsoft.com/office/drawing/2014/main" id="{92F3F33A-3331-4D4E-B6D0-BF51AE4D47F8}"/>
               </a:ext>
             </a:extLst>
           </p:cNvPr>
@@ -7810,14 +11800,387 @@
           <p:nvPr/>
         </p:nvPicPr>
         <p:blipFill>
-          <a:blip r:embed="rId2"/>
+          <a:blip r:embed="rId2">
+            <a:alphaModFix amt="70000"/>
+            <a:extLst>
+              <a:ext uri="{BEBA8EAE-BF5A-486C-A8C5-ECC9F3942E4B}">
+                <a14:imgProps xmlns:a14="http://schemas.microsoft.com/office/drawing/2010/main">
+                  <a14:imgLayer>
+                    <a14:imgEffect>
+                      <a14:sharpenSoften amount="50000"/>
+                    </a14:imgEffect>
+                    <a14:imgEffect>
+                      <a14:brightnessContrast bright="20000"/>
+                    </a14:imgEffect>
+                  </a14:imgLayer>
+                </a14:imgProps>
+              </a:ext>
+            </a:extLst>
+          </a:blip>
           <a:stretch>
             <a:fillRect/>
           </a:stretch>
         </p:blipFill>
         <p:spPr>
           <a:xfrm>
-            <a:off x="10601655" y="108525"/>
+            <a:off x="0" y="0"/>
+            <a:ext cx="12192000" cy="6858000"/>
+          </a:xfrm>
+          <a:prstGeom prst="rect">
+            <a:avLst/>
+          </a:prstGeom>
+        </p:spPr>
+      </p:pic>
+      <p:sp>
+        <p:nvSpPr>
+          <p:cNvPr id="3" name="Inhaltsplatzhalter 2">
+            <a:extLst>
+              <a:ext uri="{FF2B5EF4-FFF2-40B4-BE49-F238E27FC236}">
+                <a16:creationId xmlns:a16="http://schemas.microsoft.com/office/drawing/2014/main" id="{0C60A1A4-5E08-0642-BF49-107700A52D89}"/>
+              </a:ext>
+            </a:extLst>
+          </p:cNvPr>
+          <p:cNvSpPr>
+            <a:spLocks noGrp="1"/>
+          </p:cNvSpPr>
+          <p:nvPr>
+            <p:ph idx="1"/>
+          </p:nvPr>
+        </p:nvSpPr>
+        <p:spPr>
+          <a:xfrm>
+            <a:off x="0" y="1619714"/>
+            <a:ext cx="12192000" cy="3618572"/>
+          </a:xfrm>
+          <a:solidFill>
+            <a:schemeClr val="bg2"/>
+          </a:solidFill>
+          <a:ln w="28575">
+            <a:solidFill>
+              <a:schemeClr val="tx1"/>
+            </a:solidFill>
+          </a:ln>
+        </p:spPr>
+        <p:txBody>
+          <a:bodyPr/>
+          <a:lstStyle/>
+          <a:p>
+            <a:pPr marL="0" indent="0">
+              <a:buNone/>
+            </a:pPr>
+            <a:endParaRPr lang="de-DE" b="1" dirty="0"/>
+          </a:p>
+          <a:p>
+            <a:pPr marL="457200" lvl="1" indent="0">
+              <a:buNone/>
+            </a:pPr>
+            <a:r>
+              <a:rPr lang="de-DE" sz="2800" b="1" u="sng" dirty="0"/>
+              <a:t>Überdeckungen</a:t>
+            </a:r>
+            <a:endParaRPr lang="de-DE" sz="2800" u="sng" dirty="0"/>
+          </a:p>
+          <a:p>
+            <a:pPr lvl="1"/>
+            <a:r>
+              <a:rPr lang="de-DE" sz="2800" dirty="0"/>
+              <a:t>Schachlogik: </a:t>
+            </a:r>
+          </a:p>
+          <a:p>
+            <a:pPr lvl="1"/>
+            <a:r>
+              <a:rPr lang="de-DE" sz="2800" dirty="0"/>
+              <a:t>....</a:t>
+            </a:r>
+          </a:p>
+        </p:txBody>
+      </p:sp>
+      <p:sp>
+        <p:nvSpPr>
+          <p:cNvPr id="6" name="Foliennummernplatzhalter 5">
+            <a:extLst>
+              <a:ext uri="{FF2B5EF4-FFF2-40B4-BE49-F238E27FC236}">
+                <a16:creationId xmlns:a16="http://schemas.microsoft.com/office/drawing/2014/main" id="{15C5D404-9A41-CA49-9A07-1454259B2121}"/>
+              </a:ext>
+            </a:extLst>
+          </p:cNvPr>
+          <p:cNvSpPr>
+            <a:spLocks noGrp="1"/>
+          </p:cNvSpPr>
+          <p:nvPr>
+            <p:ph type="sldNum" sz="quarter" idx="12"/>
+          </p:nvPr>
+        </p:nvSpPr>
+        <p:spPr/>
+        <p:txBody>
+          <a:bodyPr/>
+          <a:lstStyle/>
+          <a:p>
+            <a:fld id="{78776B16-91FB-9448-9CB1-FBF57F5ADB35}" type="slidenum">
+              <a:rPr lang="de-DE" smtClean="0"/>
+              <a:t>9</a:t>
+            </a:fld>
+            <a:endParaRPr lang="de-DE"/>
+          </a:p>
+        </p:txBody>
+      </p:sp>
+      <p:sp>
+        <p:nvSpPr>
+          <p:cNvPr id="9" name="Fußzeilenplatzhalter 4">
+            <a:extLst>
+              <a:ext uri="{FF2B5EF4-FFF2-40B4-BE49-F238E27FC236}">
+                <a16:creationId xmlns:a16="http://schemas.microsoft.com/office/drawing/2014/main" id="{2D892B49-5AA5-024E-BE1C-30CE9C685F34}"/>
+              </a:ext>
+            </a:extLst>
+          </p:cNvPr>
+          <p:cNvSpPr>
+            <a:spLocks noGrp="1"/>
+          </p:cNvSpPr>
+          <p:nvPr>
+            <p:ph type="ftr" sz="quarter" idx="11"/>
+          </p:nvPr>
+        </p:nvSpPr>
+        <p:spPr>
+          <a:xfrm>
+            <a:off x="0" y="6356350"/>
+            <a:ext cx="12192000" cy="365125"/>
+          </a:xfrm>
+          <a:solidFill>
+            <a:schemeClr val="bg2"/>
+          </a:solidFill>
+          <a:ln>
+            <a:solidFill>
+              <a:schemeClr val="tx1"/>
+            </a:solidFill>
+          </a:ln>
+        </p:spPr>
+        <p:style>
+          <a:lnRef idx="0">
+            <a:schemeClr val="accent3"/>
+          </a:lnRef>
+          <a:fillRef idx="3">
+            <a:schemeClr val="accent3"/>
+          </a:fillRef>
+          <a:effectRef idx="3">
+            <a:schemeClr val="accent3"/>
+          </a:effectRef>
+          <a:fontRef idx="minor">
+            <a:schemeClr val="lt1"/>
+          </a:fontRef>
+        </p:style>
+        <p:txBody>
+          <a:bodyPr/>
+          <a:lstStyle/>
+          <a:p>
+            <a:pPr algn="l"/>
+            <a:r>
+              <a:rPr lang="de-DE" dirty="0">
+                <a:solidFill>
+                  <a:schemeClr val="tx1"/>
+                </a:solidFill>
+              </a:rPr>
+              <a:t>          Orkhan Aliev, Tim Groß, Daniel Helmig, Rukiye Devran</a:t>
+            </a:r>
+          </a:p>
+        </p:txBody>
+      </p:sp>
+      <p:sp>
+        <p:nvSpPr>
+          <p:cNvPr id="10" name="Titel 1">
+            <a:extLst>
+              <a:ext uri="{FF2B5EF4-FFF2-40B4-BE49-F238E27FC236}">
+                <a16:creationId xmlns:a16="http://schemas.microsoft.com/office/drawing/2014/main" id="{807DCFFB-26C1-5C4B-9995-49883EC38D2C}"/>
+              </a:ext>
+            </a:extLst>
+          </p:cNvPr>
+          <p:cNvSpPr txBox="1">
+            <a:spLocks/>
+          </p:cNvSpPr>
+          <p:nvPr/>
+        </p:nvSpPr>
+        <p:spPr>
+          <a:xfrm>
+            <a:off x="0" y="192933"/>
+            <a:ext cx="10930597" cy="777738"/>
+          </a:xfrm>
+          <a:prstGeom prst="rect">
+            <a:avLst/>
+          </a:prstGeom>
+          <a:solidFill>
+            <a:schemeClr val="bg2"/>
+          </a:solidFill>
+          <a:ln>
+            <a:solidFill>
+              <a:schemeClr val="tx1"/>
+            </a:solidFill>
+          </a:ln>
+        </p:spPr>
+        <p:style>
+          <a:lnRef idx="0">
+            <a:schemeClr val="accent3"/>
+          </a:lnRef>
+          <a:fillRef idx="3">
+            <a:schemeClr val="accent3"/>
+          </a:fillRef>
+          <a:effectRef idx="3">
+            <a:schemeClr val="accent3"/>
+          </a:effectRef>
+          <a:fontRef idx="minor">
+            <a:schemeClr val="lt1"/>
+          </a:fontRef>
+        </p:style>
+        <p:txBody>
+          <a:bodyPr vert="horz" lIns="91440" tIns="45720" rIns="91440" bIns="45720" rtlCol="0" anchor="ctr">
+            <a:normAutofit/>
+          </a:bodyPr>
+          <a:lstStyle>
+            <a:lvl1pPr algn="l" defTabSz="914400" rtl="0" eaLnBrk="1" latinLnBrk="0" hangingPunct="1">
+              <a:lnSpc>
+                <a:spcPct val="90000"/>
+              </a:lnSpc>
+              <a:spcBef>
+                <a:spcPct val="0"/>
+              </a:spcBef>
+              <a:buNone/>
+              <a:defRPr sz="4400" kern="1200">
+                <a:solidFill>
+                  <a:schemeClr val="lt1"/>
+                </a:solidFill>
+                <a:latin typeface="+mn-lt"/>
+                <a:ea typeface="+mn-ea"/>
+                <a:cs typeface="+mn-cs"/>
+              </a:defRPr>
+            </a:lvl1pPr>
+            <a:lvl2pPr>
+              <a:defRPr>
+                <a:solidFill>
+                  <a:schemeClr val="lt1"/>
+                </a:solidFill>
+                <a:latin typeface="+mn-lt"/>
+                <a:ea typeface="+mn-ea"/>
+                <a:cs typeface="+mn-cs"/>
+              </a:defRPr>
+            </a:lvl2pPr>
+            <a:lvl3pPr>
+              <a:defRPr>
+                <a:solidFill>
+                  <a:schemeClr val="lt1"/>
+                </a:solidFill>
+                <a:latin typeface="+mn-lt"/>
+                <a:ea typeface="+mn-ea"/>
+                <a:cs typeface="+mn-cs"/>
+              </a:defRPr>
+            </a:lvl3pPr>
+            <a:lvl4pPr>
+              <a:defRPr>
+                <a:solidFill>
+                  <a:schemeClr val="lt1"/>
+                </a:solidFill>
+                <a:latin typeface="+mn-lt"/>
+                <a:ea typeface="+mn-ea"/>
+                <a:cs typeface="+mn-cs"/>
+              </a:defRPr>
+            </a:lvl4pPr>
+            <a:lvl5pPr>
+              <a:defRPr>
+                <a:solidFill>
+                  <a:schemeClr val="lt1"/>
+                </a:solidFill>
+                <a:latin typeface="+mn-lt"/>
+                <a:ea typeface="+mn-ea"/>
+                <a:cs typeface="+mn-cs"/>
+              </a:defRPr>
+            </a:lvl5pPr>
+            <a:lvl6pPr>
+              <a:defRPr>
+                <a:solidFill>
+                  <a:schemeClr val="lt1"/>
+                </a:solidFill>
+                <a:latin typeface="+mn-lt"/>
+                <a:ea typeface="+mn-ea"/>
+                <a:cs typeface="+mn-cs"/>
+              </a:defRPr>
+            </a:lvl6pPr>
+            <a:lvl7pPr>
+              <a:defRPr>
+                <a:solidFill>
+                  <a:schemeClr val="lt1"/>
+                </a:solidFill>
+                <a:latin typeface="+mn-lt"/>
+                <a:ea typeface="+mn-ea"/>
+                <a:cs typeface="+mn-cs"/>
+              </a:defRPr>
+            </a:lvl7pPr>
+            <a:lvl8pPr>
+              <a:defRPr>
+                <a:solidFill>
+                  <a:schemeClr val="lt1"/>
+                </a:solidFill>
+                <a:latin typeface="+mn-lt"/>
+                <a:ea typeface="+mn-ea"/>
+                <a:cs typeface="+mn-cs"/>
+              </a:defRPr>
+            </a:lvl8pPr>
+            <a:lvl9pPr>
+              <a:defRPr>
+                <a:solidFill>
+                  <a:schemeClr val="lt1"/>
+                </a:solidFill>
+                <a:latin typeface="+mn-lt"/>
+                <a:ea typeface="+mn-ea"/>
+                <a:cs typeface="+mn-cs"/>
+              </a:defRPr>
+            </a:lvl9pPr>
+          </a:lstStyle>
+          <a:p>
+            <a:r>
+              <a:rPr lang="de-DE" b="1" dirty="0">
+                <a:solidFill>
+                  <a:schemeClr val="tx1"/>
+                </a:solidFill>
+              </a:rPr>
+              <a:t>      1.4 Qualitätssicherung</a:t>
+            </a:r>
+            <a:r>
+              <a:rPr lang="de-DE" dirty="0">
+                <a:solidFill>
+                  <a:schemeClr val="tx1"/>
+                </a:solidFill>
+              </a:rPr>
+              <a:t> </a:t>
+            </a:r>
+            <a:endParaRPr lang="de-DE" b="1" dirty="0">
+              <a:solidFill>
+                <a:schemeClr val="tx1"/>
+              </a:solidFill>
+            </a:endParaRPr>
+          </a:p>
+        </p:txBody>
+      </p:sp>
+      <p:pic>
+        <p:nvPicPr>
+          <p:cNvPr id="4" name="Inhaltsplatzhalter 4">
+            <a:extLst>
+              <a:ext uri="{FF2B5EF4-FFF2-40B4-BE49-F238E27FC236}">
+                <a16:creationId xmlns:a16="http://schemas.microsoft.com/office/drawing/2014/main" id="{6E19C396-401C-0E4D-87E7-6424304CDE60}"/>
+              </a:ext>
+            </a:extLst>
+          </p:cNvPr>
+          <p:cNvPicPr>
+            <a:picLocks noChangeAspect="1"/>
+          </p:cNvPicPr>
+          <p:nvPr/>
+        </p:nvPicPr>
+        <p:blipFill>
+          <a:blip r:embed="rId3"/>
+          <a:stretch>
+            <a:fillRect/>
+          </a:stretch>
+        </p:blipFill>
+        <p:spPr>
+          <a:xfrm>
+            <a:off x="10687711" y="-110171"/>
             <a:ext cx="1504289" cy="1383945"/>
           </a:xfrm>
           <a:prstGeom prst="rect">
@@ -7827,39 +12190,10 @@
       </p:pic>
       <p:sp>
         <p:nvSpPr>
-          <p:cNvPr id="6" name="Foliennummernplatzhalter 5">
-            <a:extLst>
-              <a:ext uri="{FF2B5EF4-FFF2-40B4-BE49-F238E27FC236}">
-                <a16:creationId xmlns:a16="http://schemas.microsoft.com/office/drawing/2014/main" id="{15C5D404-9A41-CA49-9A07-1454259B2121}"/>
-              </a:ext>
-            </a:extLst>
-          </p:cNvPr>
-          <p:cNvSpPr>
-            <a:spLocks noGrp="1"/>
-          </p:cNvSpPr>
-          <p:nvPr>
-            <p:ph type="sldNum" sz="quarter" idx="12"/>
-          </p:nvPr>
-        </p:nvSpPr>
-        <p:spPr/>
-        <p:txBody>
-          <a:bodyPr/>
-          <a:lstStyle/>
-          <a:p>
-            <a:fld id="{78776B16-91FB-9448-9CB1-FBF57F5ADB35}" type="slidenum">
-              <a:rPr lang="de-DE" smtClean="0"/>
-              <a:t>9</a:t>
-            </a:fld>
-            <a:endParaRPr lang="de-DE"/>
-          </a:p>
-        </p:txBody>
-      </p:sp>
-      <p:sp>
-        <p:nvSpPr>
-          <p:cNvPr id="7" name="Fußzeilenplatzhalter 4">
-            <a:extLst>
-              <a:ext uri="{FF2B5EF4-FFF2-40B4-BE49-F238E27FC236}">
-                <a16:creationId xmlns:a16="http://schemas.microsoft.com/office/drawing/2014/main" id="{11424586-C67E-C841-AD35-0BB80C9FFF9B}"/>
+          <p:cNvPr id="11" name="Foliennummernplatzhalter 5">
+            <a:extLst>
+              <a:ext uri="{FF2B5EF4-FFF2-40B4-BE49-F238E27FC236}">
+                <a16:creationId xmlns:a16="http://schemas.microsoft.com/office/drawing/2014/main" id="{CC05BB42-78A4-AB40-8132-C2190D676721}"/>
               </a:ext>
             </a:extLst>
           </p:cNvPr>
@@ -7870,8 +12204,8 @@
         </p:nvSpPr>
         <p:spPr>
           <a:xfrm>
-            <a:off x="0" y="6356350"/>
-            <a:ext cx="4114800" cy="365125"/>
+            <a:off x="8620547" y="6356350"/>
+            <a:ext cx="2743200" cy="365125"/>
           </a:xfrm>
           <a:prstGeom prst="rect">
             <a:avLst/>
@@ -7883,7 +12217,7 @@
             <a:defPPr>
               <a:defRPr lang="de-DE"/>
             </a:defPPr>
-            <a:lvl1pPr marL="0" algn="ctr" defTabSz="914400" rtl="0" eaLnBrk="1" latinLnBrk="0" hangingPunct="1">
+            <a:lvl1pPr marL="0" algn="r" defTabSz="914400" rtl="0" eaLnBrk="1" latinLnBrk="0" hangingPunct="1">
               <a:defRPr sz="1200" kern="1200">
                 <a:solidFill>
                   <a:schemeClr val="tx1">
@@ -7978,34 +12312,9 @@
           </a:lstStyle>
           <a:p>
             <a:r>
-              <a:rPr lang="de-DE" dirty="0" err="1"/>
-              <a:t>Orkhan</a:t>
+              <a:rPr lang="de-DE" dirty="0"/>
+              <a:t>9</a:t>
             </a:r>
-            <a:r>
-              <a:rPr lang="de-DE" dirty="0"/>
-              <a:t> </a:t>
-            </a:r>
-            <a:r>
-              <a:rPr lang="de-DE" dirty="0" err="1"/>
-              <a:t>Aliev</a:t>
-            </a:r>
-            <a:r>
-              <a:rPr lang="de-DE" dirty="0"/>
-              <a:t>, Tim Groß, Daniel </a:t>
-            </a:r>
-            <a:r>
-              <a:rPr lang="de-DE" dirty="0" err="1"/>
-              <a:t>Helmig</a:t>
-            </a:r>
-            <a:r>
-              <a:rPr lang="de-DE" dirty="0"/>
-              <a:t>, Rukiye </a:t>
-            </a:r>
-            <a:r>
-              <a:rPr lang="de-DE" dirty="0" err="1"/>
-              <a:t>Devran</a:t>
-            </a:r>
-            <a:endParaRPr lang="de-DE" dirty="0"/>
           </a:p>
         </p:txBody>
       </p:sp>

--- a/Abschlusspräsentation/Abschlusspräsentation.pptx
+++ b/Abschlusspräsentation/Abschlusspräsentation.pptx
@@ -121,6 +121,11 @@
       </a:defRPr>
     </a:lvl9pPr>
   </p:defaultTextStyle>
+  <p:extLst>
+    <p:ext uri="{EFAFB233-063F-42B5-8137-9DF3F51BA10A}">
+      <p15:sldGuideLst xmlns:p15="http://schemas.microsoft.com/office/powerpoint/2012/main"/>
+    </p:ext>
+  </p:extLst>
 </p:presentation>
 </file>
 
@@ -206,7 +211,7 @@
           <a:p>
             <a:fld id="{2A964AE4-3AF3-E442-AFAF-A73C48A1F56D}" type="datetimeFigureOut">
               <a:rPr lang="de-DE" smtClean="0"/>
-              <a:t>14.03.19</a:t>
+              <a:t>17.03.19</a:t>
             </a:fld>
             <a:endParaRPr lang="de-DE"/>
           </a:p>
@@ -595,7 +600,7 @@
           <a:p>
             <a:fld id="{73545339-1622-494D-8E70-00E2BA419683}" type="datetime1">
               <a:rPr lang="de-DE" smtClean="0"/>
-              <a:t>14.03.19</a:t>
+              <a:t>17.03.19</a:t>
             </a:fld>
             <a:endParaRPr lang="de-DE"/>
           </a:p>
@@ -768,7 +773,7 @@
           <a:p>
             <a:fld id="{DF07BDC8-8216-D349-9058-E1F87E5B3611}" type="datetime1">
               <a:rPr lang="de-DE" smtClean="0"/>
-              <a:t>14.03.19</a:t>
+              <a:t>17.03.19</a:t>
             </a:fld>
             <a:endParaRPr lang="de-DE"/>
           </a:p>
@@ -951,7 +956,7 @@
           <a:p>
             <a:fld id="{7D4B407F-ABB3-E54B-9317-58C81C304734}" type="datetime1">
               <a:rPr lang="de-DE" smtClean="0"/>
-              <a:t>14.03.19</a:t>
+              <a:t>17.03.19</a:t>
             </a:fld>
             <a:endParaRPr lang="de-DE"/>
           </a:p>
@@ -1124,7 +1129,7 @@
           <a:p>
             <a:fld id="{99B7EBEE-06B7-BE4F-B0D8-0587D499AB28}" type="datetime1">
               <a:rPr lang="de-DE" smtClean="0"/>
-              <a:t>14.03.19</a:t>
+              <a:t>17.03.19</a:t>
             </a:fld>
             <a:endParaRPr lang="de-DE"/>
           </a:p>
@@ -1402,7 +1407,7 @@
           <a:p>
             <a:fld id="{E755FA26-DA6C-B644-8730-03D04829D5E9}" type="datetime1">
               <a:rPr lang="de-DE" smtClean="0"/>
-              <a:t>14.03.19</a:t>
+              <a:t>17.03.19</a:t>
             </a:fld>
             <a:endParaRPr lang="de-DE"/>
           </a:p>
@@ -1617,7 +1622,7 @@
           <a:p>
             <a:fld id="{0848337C-DE54-3241-86CB-5694689798A1}" type="datetime1">
               <a:rPr lang="de-DE" smtClean="0"/>
-              <a:t>14.03.19</a:t>
+              <a:t>17.03.19</a:t>
             </a:fld>
             <a:endParaRPr lang="de-DE"/>
           </a:p>
@@ -1985,7 +1990,7 @@
           <a:p>
             <a:fld id="{8D89853E-512F-2647-8B0F-E5DDB2DFE56C}" type="datetime1">
               <a:rPr lang="de-DE" smtClean="0"/>
-              <a:t>14.03.19</a:t>
+              <a:t>17.03.19</a:t>
             </a:fld>
             <a:endParaRPr lang="de-DE"/>
           </a:p>
@@ -2126,7 +2131,7 @@
           <a:p>
             <a:fld id="{A89BC9DB-C430-9644-8793-6E81C3892253}" type="datetime1">
               <a:rPr lang="de-DE" smtClean="0"/>
-              <a:t>14.03.19</a:t>
+              <a:t>17.03.19</a:t>
             </a:fld>
             <a:endParaRPr lang="de-DE"/>
           </a:p>
@@ -2239,7 +2244,7 @@
           <a:p>
             <a:fld id="{3A2C90BF-FC5B-CA49-A2AE-F228E5AEC323}" type="datetime1">
               <a:rPr lang="de-DE" smtClean="0"/>
-              <a:t>14.03.19</a:t>
+              <a:t>17.03.19</a:t>
             </a:fld>
             <a:endParaRPr lang="de-DE"/>
           </a:p>
@@ -2528,7 +2533,7 @@
           <a:p>
             <a:fld id="{3DD3629A-03FF-894B-829D-0E5150D0B5C9}" type="datetime1">
               <a:rPr lang="de-DE" smtClean="0"/>
-              <a:t>14.03.19</a:t>
+              <a:t>17.03.19</a:t>
             </a:fld>
             <a:endParaRPr lang="de-DE"/>
           </a:p>
@@ -2819,7 +2824,7 @@
           <a:p>
             <a:fld id="{355D3F27-45D6-F24C-9D28-495E0B1CF426}" type="datetime1">
               <a:rPr lang="de-DE" smtClean="0"/>
-              <a:t>14.03.19</a:t>
+              <a:t>17.03.19</a:t>
             </a:fld>
             <a:endParaRPr lang="de-DE"/>
           </a:p>
@@ -3035,7 +3040,7 @@
           <a:p>
             <a:fld id="{22A0BB3E-1A97-1646-82A9-B8EDA698AB0F}" type="datetime1">
               <a:rPr lang="de-DE" smtClean="0"/>
-              <a:t>14.03.19</a:t>
+              <a:t>17.03.19</a:t>
             </a:fld>
             <a:endParaRPr lang="de-DE"/>
           </a:p>
@@ -3522,7 +3527,7 @@
         </p:nvSpPr>
         <p:spPr>
           <a:xfrm>
-            <a:off x="1524000" y="1420836"/>
+            <a:off x="1524000" y="1013450"/>
             <a:ext cx="9144000" cy="1765569"/>
           </a:xfrm>
           <a:solidFill>
@@ -3557,6 +3562,13 @@
                 <a:solidFill>
                   <a:sysClr val="windowText" lastClr="000000"/>
                 </a:solidFill>
+                <a:effectLst>
+                  <a:outerShdw blurRad="50800" dist="38100" dir="2700000" algn="tl" rotWithShape="0">
+                    <a:prstClr val="black">
+                      <a:alpha val="40000"/>
+                    </a:prstClr>
+                  </a:outerShdw>
+                </a:effectLst>
               </a:rPr>
               <a:t>Abschlusspräsentation</a:t>
             </a:r>
@@ -3565,6 +3577,13 @@
                 <a:solidFill>
                   <a:sysClr val="windowText" lastClr="000000"/>
                 </a:solidFill>
+                <a:effectLst>
+                  <a:outerShdw blurRad="50800" dist="38100" dir="2700000" algn="tl" rotWithShape="0">
+                    <a:prstClr val="black">
+                      <a:alpha val="40000"/>
+                    </a:prstClr>
+                  </a:outerShdw>
+                </a:effectLst>
               </a:rPr>
             </a:br>
             <a:r>
@@ -3572,6 +3591,13 @@
                 <a:solidFill>
                   <a:sysClr val="windowText" lastClr="000000"/>
                 </a:solidFill>
+                <a:effectLst>
+                  <a:outerShdw blurRad="50800" dist="38100" dir="2700000" algn="tl" rotWithShape="0">
+                    <a:prstClr val="black">
+                      <a:alpha val="40000"/>
+                    </a:prstClr>
+                  </a:outerShdw>
+                </a:effectLst>
               </a:rPr>
               <a:t>- Schach-App -</a:t>
             </a:r>
@@ -3596,8 +3622,8 @@
         </p:nvSpPr>
         <p:spPr>
           <a:xfrm>
-            <a:off x="2193387" y="3429000"/>
-            <a:ext cx="7805225" cy="1424354"/>
+            <a:off x="2475614" y="3051544"/>
+            <a:ext cx="7240772" cy="1180214"/>
           </a:xfrm>
           <a:solidFill>
             <a:schemeClr val="bg2"/>
@@ -3629,12 +3655,12 @@
           <a:lstStyle/>
           <a:p>
             <a:br>
-              <a:rPr lang="de-DE" dirty="0"/>
+              <a:rPr lang="de-DE" sz="1800" dirty="0"/>
             </a:br>
             <a:r>
-              <a:rPr lang="de-DE" dirty="0">
-                <a:solidFill>
-                  <a:sysClr val="windowText" lastClr="000000"/>
+              <a:rPr lang="de-DE" sz="2200" dirty="0">
+                <a:solidFill>
+                  <a:schemeClr val="tx1"/>
                 </a:solidFill>
               </a:rPr>
               <a:t>Orkhan Aliev, Tim Groß, Daniel Helmig, Rukiye Devran</a:t>
@@ -3642,12 +3668,12 @@
           </a:p>
           <a:p>
             <a:r>
-              <a:rPr lang="de-DE" dirty="0">
+              <a:rPr lang="de-DE" sz="1900" dirty="0">
                 <a:solidFill>
                   <a:sysClr val="windowText" lastClr="000000"/>
                 </a:solidFill>
               </a:rPr>
-              <a:t>Betreuer: Erik Burger, Sandro Koch</a:t>
+              <a:t>Betreuer: Erik Burger, Sandro Koch, Jan Keim</a:t>
             </a:r>
           </a:p>
           <a:p>
@@ -3874,11 +3900,102 @@
           <a:p>
             <a:r>
               <a:rPr lang="de-DE" sz="6200" dirty="0"/>
-              <a:t>Praxis der Softwareentwicklung, Wintersemester 2017/18</a:t>
+              <a:t>Praxis der Softwareentwicklung, Wintersemester 2018/19</a:t>
             </a:r>
           </a:p>
         </p:txBody>
       </p:sp>
+      <p:pic>
+        <p:nvPicPr>
+          <p:cNvPr id="7" name="Inhaltsplatzhalter 4">
+            <a:extLst>
+              <a:ext uri="{FF2B5EF4-FFF2-40B4-BE49-F238E27FC236}">
+                <a16:creationId xmlns:a16="http://schemas.microsoft.com/office/drawing/2014/main" id="{A836D8B3-D08A-474B-94C3-DACE2C06954D}"/>
+              </a:ext>
+            </a:extLst>
+          </p:cNvPr>
+          <p:cNvPicPr>
+            <a:picLocks noChangeAspect="1"/>
+          </p:cNvPicPr>
+          <p:nvPr/>
+        </p:nvPicPr>
+        <p:blipFill>
+          <a:blip r:embed="rId3">
+            <a:extLst>
+              <a:ext uri="{BEBA8EAE-BF5A-486C-A8C5-ECC9F3942E4B}">
+                <a14:imgProps xmlns:a14="http://schemas.microsoft.com/office/drawing/2010/main">
+                  <a14:imgLayer>
+                    <a14:imgEffect>
+                      <a14:backgroundRemoval t="10000" b="90000" l="10000" r="90000">
+                        <a14:foregroundMark x1="25333" y1="28623" x2="29667" y2="50362"/>
+                        <a14:foregroundMark x1="19000" y1="15942" x2="15667" y2="51449"/>
+                        <a14:foregroundMark x1="15667" y1="51449" x2="27000" y2="84420"/>
+                        <a14:foregroundMark x1="27000" y1="84420" x2="58667" y2="84783"/>
+                        <a14:foregroundMark x1="58667" y1="84783" x2="80333" y2="57971"/>
+                        <a14:foregroundMark x1="80333" y1="57971" x2="80667" y2="23551"/>
+                        <a14:foregroundMark x1="80667" y1="23551" x2="50000" y2="13768"/>
+                        <a14:foregroundMark x1="50000" y1="13768" x2="18333" y2="16667"/>
+                        <a14:backgroundMark x1="3000" y1="10145" x2="3667" y2="59058"/>
+                        <a14:backgroundMark x1="3667" y1="59058" x2="18000" y2="90580"/>
+                        <a14:backgroundMark x1="18000" y1="90580" x2="50667" y2="91304"/>
+                        <a14:backgroundMark x1="50667" y1="91304" x2="82667" y2="86957"/>
+                        <a14:backgroundMark x1="82667" y1="86957" x2="83333" y2="82246"/>
+                        <a14:backgroundMark x1="13667" y1="10145" x2="46333" y2="7246"/>
+                        <a14:backgroundMark x1="46333" y1="7246" x2="79333" y2="7609"/>
+                        <a14:backgroundMark x1="79333" y1="7609" x2="95333" y2="41304"/>
+                        <a14:backgroundMark x1="95333" y1="41304" x2="93667" y2="78623"/>
+                        <a14:backgroundMark x1="93667" y1="78623" x2="65000" y2="98913"/>
+                        <a14:backgroundMark x1="65000" y1="98913" x2="14333" y2="99275"/>
+                        <a14:backgroundMark x1="14333" y1="99275" x2="5333" y2="65217"/>
+                        <a14:backgroundMark x1="5333" y1="65217" x2="5333" y2="30435"/>
+                        <a14:backgroundMark x1="5333" y1="30435" x2="13000" y2="10870"/>
+                        <a14:backgroundMark x1="0" y1="65942" x2="0" y2="65942"/>
+                      </a14:backgroundRemoval>
+                    </a14:imgEffect>
+                    <a14:imgEffect>
+                      <a14:sharpenSoften amount="50000"/>
+                    </a14:imgEffect>
+                    <a14:imgEffect>
+                      <a14:colorTemperature colorTemp="11200"/>
+                    </a14:imgEffect>
+                    <a14:imgEffect>
+                      <a14:saturation sat="0"/>
+                    </a14:imgEffect>
+                    <a14:imgEffect>
+                      <a14:brightnessContrast contrast="20000"/>
+                    </a14:imgEffect>
+                  </a14:imgLayer>
+                </a14:imgProps>
+              </a:ext>
+            </a:extLst>
+          </a:blip>
+          <a:stretch>
+            <a:fillRect/>
+          </a:stretch>
+        </p:blipFill>
+        <p:spPr>
+          <a:xfrm>
+            <a:off x="5237891" y="4463155"/>
+            <a:ext cx="1716219" cy="1578921"/>
+          </a:xfrm>
+          <a:prstGeom prst="rect">
+            <a:avLst/>
+          </a:prstGeom>
+          <a:effectLst>
+            <a:glow rad="228600">
+              <a:schemeClr val="bg2">
+                <a:lumMod val="25000"/>
+                <a:alpha val="40000"/>
+              </a:schemeClr>
+            </a:glow>
+            <a:outerShdw blurRad="50800" dist="38100" dir="2700000" algn="tl" rotWithShape="0">
+              <a:prstClr val="black">
+                <a:alpha val="40000"/>
+              </a:prstClr>
+            </a:outerShdw>
+          </a:effectLst>
+        </p:spPr>
+      </p:pic>
     </p:spTree>
     <p:extLst>
       <p:ext uri="{BB962C8B-B14F-4D97-AF65-F5344CB8AC3E}">
@@ -4138,6 +4255,13 @@
                 <a:solidFill>
                   <a:schemeClr val="tx1"/>
                 </a:solidFill>
+                <a:effectLst>
+                  <a:outerShdw blurRad="50800" dist="38100" dir="2700000" algn="tl" rotWithShape="0">
+                    <a:prstClr val="black">
+                      <a:alpha val="40000"/>
+                    </a:prstClr>
+                  </a:outerShdw>
+                </a:effectLst>
               </a:rPr>
               <a:t>      1.4 Qualitätssicherung</a:t>
             </a:r>
@@ -4146,6 +4270,13 @@
                 <a:solidFill>
                   <a:schemeClr val="tx1"/>
                 </a:solidFill>
+                <a:effectLst>
+                  <a:outerShdw blurRad="50800" dist="38100" dir="2700000" algn="tl" rotWithShape="0">
+                    <a:prstClr val="black">
+                      <a:alpha val="40000"/>
+                    </a:prstClr>
+                  </a:outerShdw>
+                </a:effectLst>
               </a:rPr>
               <a:t> </a:t>
             </a:r>
@@ -4153,6 +4284,13 @@
               <a:solidFill>
                 <a:schemeClr val="tx1"/>
               </a:solidFill>
+              <a:effectLst>
+                <a:outerShdw blurRad="50800" dist="38100" dir="2700000" algn="tl" rotWithShape="0">
+                  <a:prstClr val="black">
+                    <a:alpha val="40000"/>
+                  </a:prstClr>
+                </a:outerShdw>
+              </a:effectLst>
             </a:endParaRPr>
           </a:p>
         </p:txBody>
@@ -4206,12 +4344,8 @@
           <a:p>
             <a:pPr lvl="1"/>
             <a:r>
-              <a:rPr lang="de-DE" sz="2800" dirty="0" err="1"/>
-              <a:t>Monkey</a:t>
-            </a:r>
-            <a:r>
               <a:rPr lang="de-DE" sz="2800" dirty="0"/>
-              <a:t> Testing</a:t>
+              <a:t>Monkey Testing</a:t>
             </a:r>
           </a:p>
           <a:p>
@@ -4230,36 +4364,6 @@
           </a:p>
         </p:txBody>
       </p:sp>
-      <p:pic>
-        <p:nvPicPr>
-          <p:cNvPr id="4" name="Inhaltsplatzhalter 4">
-            <a:extLst>
-              <a:ext uri="{FF2B5EF4-FFF2-40B4-BE49-F238E27FC236}">
-                <a16:creationId xmlns:a16="http://schemas.microsoft.com/office/drawing/2014/main" id="{C21DE334-6847-F84B-BB9E-FEFEF1FE63E3}"/>
-              </a:ext>
-            </a:extLst>
-          </p:cNvPr>
-          <p:cNvPicPr>
-            <a:picLocks noChangeAspect="1"/>
-          </p:cNvPicPr>
-          <p:nvPr/>
-        </p:nvPicPr>
-        <p:blipFill>
-          <a:blip r:embed="rId3"/>
-          <a:stretch>
-            <a:fillRect/>
-          </a:stretch>
-        </p:blipFill>
-        <p:spPr>
-          <a:xfrm>
-            <a:off x="10687711" y="-110171"/>
-            <a:ext cx="1504289" cy="1383945"/>
-          </a:xfrm>
-          <a:prstGeom prst="rect">
-            <a:avLst/>
-          </a:prstGeom>
-        </p:spPr>
-      </p:pic>
       <p:sp>
         <p:nvSpPr>
           <p:cNvPr id="9" name="Fußzeilenplatzhalter 4">
@@ -4450,6 +4554,97 @@
           </a:p>
         </p:txBody>
       </p:sp>
+      <p:pic>
+        <p:nvPicPr>
+          <p:cNvPr id="11" name="Inhaltsplatzhalter 4">
+            <a:extLst>
+              <a:ext uri="{FF2B5EF4-FFF2-40B4-BE49-F238E27FC236}">
+                <a16:creationId xmlns:a16="http://schemas.microsoft.com/office/drawing/2014/main" id="{5F06B6DD-689F-DD41-8A91-8B9A3C7F7BC7}"/>
+              </a:ext>
+            </a:extLst>
+          </p:cNvPr>
+          <p:cNvPicPr>
+            <a:picLocks noChangeAspect="1"/>
+          </p:cNvPicPr>
+          <p:nvPr/>
+        </p:nvPicPr>
+        <p:blipFill>
+          <a:blip r:embed="rId3">
+            <a:extLst>
+              <a:ext uri="{BEBA8EAE-BF5A-486C-A8C5-ECC9F3942E4B}">
+                <a14:imgProps xmlns:a14="http://schemas.microsoft.com/office/drawing/2010/main">
+                  <a14:imgLayer>
+                    <a14:imgEffect>
+                      <a14:backgroundRemoval t="10000" b="90000" l="10000" r="90000">
+                        <a14:foregroundMark x1="25333" y1="28623" x2="29667" y2="50362"/>
+                        <a14:foregroundMark x1="19000" y1="15942" x2="15667" y2="51449"/>
+                        <a14:foregroundMark x1="15667" y1="51449" x2="27000" y2="84420"/>
+                        <a14:foregroundMark x1="27000" y1="84420" x2="58667" y2="84783"/>
+                        <a14:foregroundMark x1="58667" y1="84783" x2="80333" y2="57971"/>
+                        <a14:foregroundMark x1="80333" y1="57971" x2="80667" y2="23551"/>
+                        <a14:foregroundMark x1="80667" y1="23551" x2="50000" y2="13768"/>
+                        <a14:foregroundMark x1="50000" y1="13768" x2="18333" y2="16667"/>
+                        <a14:backgroundMark x1="3000" y1="10145" x2="3667" y2="59058"/>
+                        <a14:backgroundMark x1="3667" y1="59058" x2="18000" y2="90580"/>
+                        <a14:backgroundMark x1="18000" y1="90580" x2="50667" y2="91304"/>
+                        <a14:backgroundMark x1="50667" y1="91304" x2="82667" y2="86957"/>
+                        <a14:backgroundMark x1="82667" y1="86957" x2="83333" y2="82246"/>
+                        <a14:backgroundMark x1="13667" y1="10145" x2="46333" y2="7246"/>
+                        <a14:backgroundMark x1="46333" y1="7246" x2="79333" y2="7609"/>
+                        <a14:backgroundMark x1="79333" y1="7609" x2="95333" y2="41304"/>
+                        <a14:backgroundMark x1="95333" y1="41304" x2="93667" y2="78623"/>
+                        <a14:backgroundMark x1="93667" y1="78623" x2="65000" y2="98913"/>
+                        <a14:backgroundMark x1="65000" y1="98913" x2="14333" y2="99275"/>
+                        <a14:backgroundMark x1="14333" y1="99275" x2="5333" y2="65217"/>
+                        <a14:backgroundMark x1="5333" y1="65217" x2="5333" y2="30435"/>
+                        <a14:backgroundMark x1="5333" y1="30435" x2="13000" y2="10870"/>
+                        <a14:backgroundMark x1="0" y1="65942" x2="0" y2="65942"/>
+                      </a14:backgroundRemoval>
+                    </a14:imgEffect>
+                    <a14:imgEffect>
+                      <a14:sharpenSoften amount="50000"/>
+                    </a14:imgEffect>
+                    <a14:imgEffect>
+                      <a14:colorTemperature colorTemp="11200"/>
+                    </a14:imgEffect>
+                    <a14:imgEffect>
+                      <a14:saturation sat="0"/>
+                    </a14:imgEffect>
+                    <a14:imgEffect>
+                      <a14:brightnessContrast contrast="20000"/>
+                    </a14:imgEffect>
+                  </a14:imgLayer>
+                </a14:imgProps>
+              </a:ext>
+            </a:extLst>
+          </a:blip>
+          <a:stretch>
+            <a:fillRect/>
+          </a:stretch>
+        </p:blipFill>
+        <p:spPr>
+          <a:xfrm>
+            <a:off x="10687711" y="-110171"/>
+            <a:ext cx="1504289" cy="1383945"/>
+          </a:xfrm>
+          <a:prstGeom prst="rect">
+            <a:avLst/>
+          </a:prstGeom>
+          <a:effectLst>
+            <a:glow rad="101600">
+              <a:schemeClr val="bg2">
+                <a:lumMod val="50000"/>
+                <a:alpha val="60000"/>
+              </a:schemeClr>
+            </a:glow>
+            <a:outerShdw blurRad="50800" dist="38100" dir="2700000" algn="tl" rotWithShape="0">
+              <a:prstClr val="black">
+                <a:alpha val="40000"/>
+              </a:prstClr>
+            </a:outerShdw>
+          </a:effectLst>
+        </p:spPr>
+      </p:pic>
     </p:spTree>
     <p:extLst>
       <p:ext uri="{BB962C8B-B14F-4D97-AF65-F5344CB8AC3E}">
@@ -4769,6 +4964,13 @@
                 <a:solidFill>
                   <a:schemeClr val="tx1"/>
                 </a:solidFill>
+                <a:effectLst>
+                  <a:outerShdw blurRad="50800" dist="38100" dir="2700000" algn="tl" rotWithShape="0">
+                    <a:prstClr val="black">
+                      <a:alpha val="40000"/>
+                    </a:prstClr>
+                  </a:outerShdw>
+                </a:effectLst>
               </a:rPr>
               <a:t>      2. Allgemeine Schwierigkeiten</a:t>
             </a:r>
@@ -4777,6 +4979,13 @@
                 <a:solidFill>
                   <a:schemeClr val="tx1"/>
                 </a:solidFill>
+                <a:effectLst>
+                  <a:outerShdw blurRad="50800" dist="38100" dir="2700000" algn="tl" rotWithShape="0">
+                    <a:prstClr val="black">
+                      <a:alpha val="40000"/>
+                    </a:prstClr>
+                  </a:outerShdw>
+                </a:effectLst>
               </a:rPr>
               <a:t> </a:t>
             </a:r>
@@ -4784,40 +4993,17 @@
               <a:solidFill>
                 <a:schemeClr val="tx1"/>
               </a:solidFill>
+              <a:effectLst>
+                <a:outerShdw blurRad="50800" dist="38100" dir="2700000" algn="tl" rotWithShape="0">
+                  <a:prstClr val="black">
+                    <a:alpha val="40000"/>
+                  </a:prstClr>
+                </a:outerShdw>
+              </a:effectLst>
             </a:endParaRPr>
           </a:p>
         </p:txBody>
       </p:sp>
-      <p:pic>
-        <p:nvPicPr>
-          <p:cNvPr id="4" name="Inhaltsplatzhalter 4">
-            <a:extLst>
-              <a:ext uri="{FF2B5EF4-FFF2-40B4-BE49-F238E27FC236}">
-                <a16:creationId xmlns:a16="http://schemas.microsoft.com/office/drawing/2014/main" id="{D32FA1F4-4B32-1C4A-9360-CCA6404C1916}"/>
-              </a:ext>
-            </a:extLst>
-          </p:cNvPr>
-          <p:cNvPicPr>
-            <a:picLocks noChangeAspect="1"/>
-          </p:cNvPicPr>
-          <p:nvPr/>
-        </p:nvPicPr>
-        <p:blipFill>
-          <a:blip r:embed="rId3"/>
-          <a:stretch>
-            <a:fillRect/>
-          </a:stretch>
-        </p:blipFill>
-        <p:spPr>
-          <a:xfrm>
-            <a:off x="10687711" y="-110171"/>
-            <a:ext cx="1504289" cy="1383945"/>
-          </a:xfrm>
-          <a:prstGeom prst="rect">
-            <a:avLst/>
-          </a:prstGeom>
-        </p:spPr>
-      </p:pic>
       <p:sp>
         <p:nvSpPr>
           <p:cNvPr id="15" name="Inhaltsplatzhalter 2">
@@ -5003,6 +5189,97 @@
           </a:p>
         </p:txBody>
       </p:sp>
+      <p:pic>
+        <p:nvPicPr>
+          <p:cNvPr id="11" name="Inhaltsplatzhalter 4">
+            <a:extLst>
+              <a:ext uri="{FF2B5EF4-FFF2-40B4-BE49-F238E27FC236}">
+                <a16:creationId xmlns:a16="http://schemas.microsoft.com/office/drawing/2014/main" id="{CAD91F6D-B403-7E40-9AD1-349BCA65C285}"/>
+              </a:ext>
+            </a:extLst>
+          </p:cNvPr>
+          <p:cNvPicPr>
+            <a:picLocks noChangeAspect="1"/>
+          </p:cNvPicPr>
+          <p:nvPr/>
+        </p:nvPicPr>
+        <p:blipFill>
+          <a:blip r:embed="rId3">
+            <a:extLst>
+              <a:ext uri="{BEBA8EAE-BF5A-486C-A8C5-ECC9F3942E4B}">
+                <a14:imgProps xmlns:a14="http://schemas.microsoft.com/office/drawing/2010/main">
+                  <a14:imgLayer>
+                    <a14:imgEffect>
+                      <a14:backgroundRemoval t="10000" b="90000" l="10000" r="90000">
+                        <a14:foregroundMark x1="25333" y1="28623" x2="29667" y2="50362"/>
+                        <a14:foregroundMark x1="19000" y1="15942" x2="15667" y2="51449"/>
+                        <a14:foregroundMark x1="15667" y1="51449" x2="27000" y2="84420"/>
+                        <a14:foregroundMark x1="27000" y1="84420" x2="58667" y2="84783"/>
+                        <a14:foregroundMark x1="58667" y1="84783" x2="80333" y2="57971"/>
+                        <a14:foregroundMark x1="80333" y1="57971" x2="80667" y2="23551"/>
+                        <a14:foregroundMark x1="80667" y1="23551" x2="50000" y2="13768"/>
+                        <a14:foregroundMark x1="50000" y1="13768" x2="18333" y2="16667"/>
+                        <a14:backgroundMark x1="3000" y1="10145" x2="3667" y2="59058"/>
+                        <a14:backgroundMark x1="3667" y1="59058" x2="18000" y2="90580"/>
+                        <a14:backgroundMark x1="18000" y1="90580" x2="50667" y2="91304"/>
+                        <a14:backgroundMark x1="50667" y1="91304" x2="82667" y2="86957"/>
+                        <a14:backgroundMark x1="82667" y1="86957" x2="83333" y2="82246"/>
+                        <a14:backgroundMark x1="13667" y1="10145" x2="46333" y2="7246"/>
+                        <a14:backgroundMark x1="46333" y1="7246" x2="79333" y2="7609"/>
+                        <a14:backgroundMark x1="79333" y1="7609" x2="95333" y2="41304"/>
+                        <a14:backgroundMark x1="95333" y1="41304" x2="93667" y2="78623"/>
+                        <a14:backgroundMark x1="93667" y1="78623" x2="65000" y2="98913"/>
+                        <a14:backgroundMark x1="65000" y1="98913" x2="14333" y2="99275"/>
+                        <a14:backgroundMark x1="14333" y1="99275" x2="5333" y2="65217"/>
+                        <a14:backgroundMark x1="5333" y1="65217" x2="5333" y2="30435"/>
+                        <a14:backgroundMark x1="5333" y1="30435" x2="13000" y2="10870"/>
+                        <a14:backgroundMark x1="0" y1="65942" x2="0" y2="65942"/>
+                      </a14:backgroundRemoval>
+                    </a14:imgEffect>
+                    <a14:imgEffect>
+                      <a14:sharpenSoften amount="50000"/>
+                    </a14:imgEffect>
+                    <a14:imgEffect>
+                      <a14:colorTemperature colorTemp="11200"/>
+                    </a14:imgEffect>
+                    <a14:imgEffect>
+                      <a14:saturation sat="0"/>
+                    </a14:imgEffect>
+                    <a14:imgEffect>
+                      <a14:brightnessContrast contrast="20000"/>
+                    </a14:imgEffect>
+                  </a14:imgLayer>
+                </a14:imgProps>
+              </a:ext>
+            </a:extLst>
+          </a:blip>
+          <a:stretch>
+            <a:fillRect/>
+          </a:stretch>
+        </p:blipFill>
+        <p:spPr>
+          <a:xfrm>
+            <a:off x="10687711" y="-110171"/>
+            <a:ext cx="1504289" cy="1383945"/>
+          </a:xfrm>
+          <a:prstGeom prst="rect">
+            <a:avLst/>
+          </a:prstGeom>
+          <a:effectLst>
+            <a:glow rad="101600">
+              <a:schemeClr val="bg2">
+                <a:lumMod val="50000"/>
+                <a:alpha val="60000"/>
+              </a:schemeClr>
+            </a:glow>
+            <a:outerShdw blurRad="50800" dist="38100" dir="2700000" algn="tl" rotWithShape="0">
+              <a:prstClr val="black">
+                <a:alpha val="40000"/>
+              </a:prstClr>
+            </a:outerShdw>
+          </a:effectLst>
+        </p:spPr>
+      </p:pic>
     </p:spTree>
     <p:extLst>
       <p:ext uri="{BB962C8B-B14F-4D97-AF65-F5344CB8AC3E}">
@@ -5530,42 +5807,19 @@
                 <a:solidFill>
                   <a:schemeClr val="tx1"/>
                 </a:solidFill>
+                <a:effectLst>
+                  <a:outerShdw blurRad="50800" dist="38100" dir="2700000" algn="tl" rotWithShape="0">
+                    <a:prstClr val="black">
+                      <a:alpha val="40000"/>
+                    </a:prstClr>
+                  </a:outerShdw>
+                </a:effectLst>
               </a:rPr>
               <a:t>      3. App Demonstration</a:t>
             </a:r>
           </a:p>
         </p:txBody>
       </p:sp>
-      <p:pic>
-        <p:nvPicPr>
-          <p:cNvPr id="13" name="Inhaltsplatzhalter 4">
-            <a:extLst>
-              <a:ext uri="{FF2B5EF4-FFF2-40B4-BE49-F238E27FC236}">
-                <a16:creationId xmlns:a16="http://schemas.microsoft.com/office/drawing/2014/main" id="{5FCC1094-BB12-D04F-AC8D-EA4EF1BEDE86}"/>
-              </a:ext>
-            </a:extLst>
-          </p:cNvPr>
-          <p:cNvPicPr>
-            <a:picLocks noChangeAspect="1"/>
-          </p:cNvPicPr>
-          <p:nvPr/>
-        </p:nvPicPr>
-        <p:blipFill>
-          <a:blip r:embed="rId3"/>
-          <a:stretch>
-            <a:fillRect/>
-          </a:stretch>
-        </p:blipFill>
-        <p:spPr>
-          <a:xfrm>
-            <a:off x="10687711" y="-110171"/>
-            <a:ext cx="1504289" cy="1383945"/>
-          </a:xfrm>
-          <a:prstGeom prst="rect">
-            <a:avLst/>
-          </a:prstGeom>
-        </p:spPr>
-      </p:pic>
       <p:pic>
         <p:nvPicPr>
           <p:cNvPr id="17" name="Inhaltsplatzhalter 4">
@@ -5583,7 +5837,7 @@
           </p:nvPr>
         </p:nvPicPr>
         <p:blipFill>
-          <a:blip r:embed="rId4">
+          <a:blip r:embed="rId3">
             <a:extLst>
               <a:ext uri="{BEBA8EAE-BF5A-486C-A8C5-ECC9F3942E4B}">
                 <a14:imgProps xmlns:a14="http://schemas.microsoft.com/office/drawing/2010/main">
@@ -5618,6 +5872,19 @@
           <a:ln>
             <a:noFill/>
           </a:ln>
+          <a:effectLst>
+            <a:glow rad="101600">
+              <a:schemeClr val="bg2">
+                <a:lumMod val="75000"/>
+                <a:alpha val="60000"/>
+              </a:schemeClr>
+            </a:glow>
+            <a:outerShdw blurRad="50800" dist="38100" dir="2700000" algn="tl" rotWithShape="0">
+              <a:prstClr val="black">
+                <a:alpha val="40000"/>
+              </a:prstClr>
+            </a:outerShdw>
+          </a:effectLst>
         </p:spPr>
       </p:pic>
       <p:sp>
@@ -5750,6 +6017,97 @@
           </a:p>
         </p:txBody>
       </p:sp>
+      <p:pic>
+        <p:nvPicPr>
+          <p:cNvPr id="14" name="Inhaltsplatzhalter 4">
+            <a:extLst>
+              <a:ext uri="{FF2B5EF4-FFF2-40B4-BE49-F238E27FC236}">
+                <a16:creationId xmlns:a16="http://schemas.microsoft.com/office/drawing/2014/main" id="{EF579FD2-1EFC-674D-A628-51199229EB44}"/>
+              </a:ext>
+            </a:extLst>
+          </p:cNvPr>
+          <p:cNvPicPr>
+            <a:picLocks noChangeAspect="1"/>
+          </p:cNvPicPr>
+          <p:nvPr/>
+        </p:nvPicPr>
+        <p:blipFill>
+          <a:blip r:embed="rId4">
+            <a:extLst>
+              <a:ext uri="{BEBA8EAE-BF5A-486C-A8C5-ECC9F3942E4B}">
+                <a14:imgProps xmlns:a14="http://schemas.microsoft.com/office/drawing/2010/main">
+                  <a14:imgLayer>
+                    <a14:imgEffect>
+                      <a14:backgroundRemoval t="10000" b="90000" l="10000" r="90000">
+                        <a14:foregroundMark x1="25333" y1="28623" x2="29667" y2="50362"/>
+                        <a14:foregroundMark x1="19000" y1="15942" x2="15667" y2="51449"/>
+                        <a14:foregroundMark x1="15667" y1="51449" x2="27000" y2="84420"/>
+                        <a14:foregroundMark x1="27000" y1="84420" x2="58667" y2="84783"/>
+                        <a14:foregroundMark x1="58667" y1="84783" x2="80333" y2="57971"/>
+                        <a14:foregroundMark x1="80333" y1="57971" x2="80667" y2="23551"/>
+                        <a14:foregroundMark x1="80667" y1="23551" x2="50000" y2="13768"/>
+                        <a14:foregroundMark x1="50000" y1="13768" x2="18333" y2="16667"/>
+                        <a14:backgroundMark x1="3000" y1="10145" x2="3667" y2="59058"/>
+                        <a14:backgroundMark x1="3667" y1="59058" x2="18000" y2="90580"/>
+                        <a14:backgroundMark x1="18000" y1="90580" x2="50667" y2="91304"/>
+                        <a14:backgroundMark x1="50667" y1="91304" x2="82667" y2="86957"/>
+                        <a14:backgroundMark x1="82667" y1="86957" x2="83333" y2="82246"/>
+                        <a14:backgroundMark x1="13667" y1="10145" x2="46333" y2="7246"/>
+                        <a14:backgroundMark x1="46333" y1="7246" x2="79333" y2="7609"/>
+                        <a14:backgroundMark x1="79333" y1="7609" x2="95333" y2="41304"/>
+                        <a14:backgroundMark x1="95333" y1="41304" x2="93667" y2="78623"/>
+                        <a14:backgroundMark x1="93667" y1="78623" x2="65000" y2="98913"/>
+                        <a14:backgroundMark x1="65000" y1="98913" x2="14333" y2="99275"/>
+                        <a14:backgroundMark x1="14333" y1="99275" x2="5333" y2="65217"/>
+                        <a14:backgroundMark x1="5333" y1="65217" x2="5333" y2="30435"/>
+                        <a14:backgroundMark x1="5333" y1="30435" x2="13000" y2="10870"/>
+                        <a14:backgroundMark x1="0" y1="65942" x2="0" y2="65942"/>
+                      </a14:backgroundRemoval>
+                    </a14:imgEffect>
+                    <a14:imgEffect>
+                      <a14:sharpenSoften amount="50000"/>
+                    </a14:imgEffect>
+                    <a14:imgEffect>
+                      <a14:colorTemperature colorTemp="11200"/>
+                    </a14:imgEffect>
+                    <a14:imgEffect>
+                      <a14:saturation sat="0"/>
+                    </a14:imgEffect>
+                    <a14:imgEffect>
+                      <a14:brightnessContrast contrast="20000"/>
+                    </a14:imgEffect>
+                  </a14:imgLayer>
+                </a14:imgProps>
+              </a:ext>
+            </a:extLst>
+          </a:blip>
+          <a:stretch>
+            <a:fillRect/>
+          </a:stretch>
+        </p:blipFill>
+        <p:spPr>
+          <a:xfrm>
+            <a:off x="10687711" y="-110171"/>
+            <a:ext cx="1504289" cy="1383945"/>
+          </a:xfrm>
+          <a:prstGeom prst="rect">
+            <a:avLst/>
+          </a:prstGeom>
+          <a:effectLst>
+            <a:glow rad="101600">
+              <a:schemeClr val="bg2">
+                <a:lumMod val="50000"/>
+                <a:alpha val="60000"/>
+              </a:schemeClr>
+            </a:glow>
+            <a:outerShdw blurRad="50800" dist="38100" dir="2700000" algn="tl" rotWithShape="0">
+              <a:prstClr val="black">
+                <a:alpha val="40000"/>
+              </a:prstClr>
+            </a:outerShdw>
+          </a:effectLst>
+        </p:spPr>
+      </p:pic>
     </p:spTree>
     <p:extLst>
       <p:ext uri="{BB962C8B-B14F-4D97-AF65-F5344CB8AC3E}">
@@ -6165,6 +6523,13 @@
                 <a:solidFill>
                   <a:schemeClr val="tx1"/>
                 </a:solidFill>
+                <a:effectLst>
+                  <a:outerShdw blurRad="50800" dist="38100" dir="2700000" algn="tl" rotWithShape="0">
+                    <a:prstClr val="black">
+                      <a:alpha val="40000"/>
+                    </a:prstClr>
+                  </a:outerShdw>
+                </a:effectLst>
               </a:rPr>
               <a:t>      4. Fazit</a:t>
             </a:r>
@@ -6173,6 +6538,13 @@
                 <a:solidFill>
                   <a:schemeClr val="tx1"/>
                 </a:solidFill>
+                <a:effectLst>
+                  <a:outerShdw blurRad="50800" dist="38100" dir="2700000" algn="tl" rotWithShape="0">
+                    <a:prstClr val="black">
+                      <a:alpha val="40000"/>
+                    </a:prstClr>
+                  </a:outerShdw>
+                </a:effectLst>
               </a:rPr>
               <a:t> </a:t>
             </a:r>
@@ -6180,16 +6552,153 @@
               <a:solidFill>
                 <a:schemeClr val="tx1"/>
               </a:solidFill>
+              <a:effectLst>
+                <a:outerShdw blurRad="50800" dist="38100" dir="2700000" algn="tl" rotWithShape="0">
+                  <a:prstClr val="black">
+                    <a:alpha val="40000"/>
+                  </a:prstClr>
+                </a:outerShdw>
+              </a:effectLst>
             </a:endParaRPr>
+          </a:p>
+        </p:txBody>
+      </p:sp>
+      <p:sp>
+        <p:nvSpPr>
+          <p:cNvPr id="11" name="Foliennummernplatzhalter 5">
+            <a:extLst>
+              <a:ext uri="{FF2B5EF4-FFF2-40B4-BE49-F238E27FC236}">
+                <a16:creationId xmlns:a16="http://schemas.microsoft.com/office/drawing/2014/main" id="{83A2BFA8-1211-BD4D-8210-A163C747B6C0}"/>
+              </a:ext>
+            </a:extLst>
+          </p:cNvPr>
+          <p:cNvSpPr txBox="1">
+            <a:spLocks/>
+          </p:cNvSpPr>
+          <p:nvPr/>
+        </p:nvSpPr>
+        <p:spPr>
+          <a:xfrm>
+            <a:off x="8620547" y="6356350"/>
+            <a:ext cx="2743200" cy="365125"/>
+          </a:xfrm>
+          <a:prstGeom prst="rect">
+            <a:avLst/>
+          </a:prstGeom>
+        </p:spPr>
+        <p:txBody>
+          <a:bodyPr vert="horz" lIns="91440" tIns="45720" rIns="91440" bIns="45720" rtlCol="0" anchor="ctr"/>
+          <a:lstStyle>
+            <a:defPPr>
+              <a:defRPr lang="de-DE"/>
+            </a:defPPr>
+            <a:lvl1pPr marL="0" algn="r" defTabSz="914400" rtl="0" eaLnBrk="1" latinLnBrk="0" hangingPunct="1">
+              <a:defRPr sz="1200" kern="1200">
+                <a:solidFill>
+                  <a:schemeClr val="tx1">
+                    <a:tint val="75000"/>
+                  </a:schemeClr>
+                </a:solidFill>
+                <a:latin typeface="+mn-lt"/>
+                <a:ea typeface="+mn-ea"/>
+                <a:cs typeface="+mn-cs"/>
+              </a:defRPr>
+            </a:lvl1pPr>
+            <a:lvl2pPr marL="457200" algn="l" defTabSz="914400" rtl="0" eaLnBrk="1" latinLnBrk="0" hangingPunct="1">
+              <a:defRPr sz="1800" kern="1200">
+                <a:solidFill>
+                  <a:schemeClr val="tx1"/>
+                </a:solidFill>
+                <a:latin typeface="+mn-lt"/>
+                <a:ea typeface="+mn-ea"/>
+                <a:cs typeface="+mn-cs"/>
+              </a:defRPr>
+            </a:lvl2pPr>
+            <a:lvl3pPr marL="914400" algn="l" defTabSz="914400" rtl="0" eaLnBrk="1" latinLnBrk="0" hangingPunct="1">
+              <a:defRPr sz="1800" kern="1200">
+                <a:solidFill>
+                  <a:schemeClr val="tx1"/>
+                </a:solidFill>
+                <a:latin typeface="+mn-lt"/>
+                <a:ea typeface="+mn-ea"/>
+                <a:cs typeface="+mn-cs"/>
+              </a:defRPr>
+            </a:lvl3pPr>
+            <a:lvl4pPr marL="1371600" algn="l" defTabSz="914400" rtl="0" eaLnBrk="1" latinLnBrk="0" hangingPunct="1">
+              <a:defRPr sz="1800" kern="1200">
+                <a:solidFill>
+                  <a:schemeClr val="tx1"/>
+                </a:solidFill>
+                <a:latin typeface="+mn-lt"/>
+                <a:ea typeface="+mn-ea"/>
+                <a:cs typeface="+mn-cs"/>
+              </a:defRPr>
+            </a:lvl4pPr>
+            <a:lvl5pPr marL="1828800" algn="l" defTabSz="914400" rtl="0" eaLnBrk="1" latinLnBrk="0" hangingPunct="1">
+              <a:defRPr sz="1800" kern="1200">
+                <a:solidFill>
+                  <a:schemeClr val="tx1"/>
+                </a:solidFill>
+                <a:latin typeface="+mn-lt"/>
+                <a:ea typeface="+mn-ea"/>
+                <a:cs typeface="+mn-cs"/>
+              </a:defRPr>
+            </a:lvl5pPr>
+            <a:lvl6pPr marL="2286000" algn="l" defTabSz="914400" rtl="0" eaLnBrk="1" latinLnBrk="0" hangingPunct="1">
+              <a:defRPr sz="1800" kern="1200">
+                <a:solidFill>
+                  <a:schemeClr val="tx1"/>
+                </a:solidFill>
+                <a:latin typeface="+mn-lt"/>
+                <a:ea typeface="+mn-ea"/>
+                <a:cs typeface="+mn-cs"/>
+              </a:defRPr>
+            </a:lvl6pPr>
+            <a:lvl7pPr marL="2743200" algn="l" defTabSz="914400" rtl="0" eaLnBrk="1" latinLnBrk="0" hangingPunct="1">
+              <a:defRPr sz="1800" kern="1200">
+                <a:solidFill>
+                  <a:schemeClr val="tx1"/>
+                </a:solidFill>
+                <a:latin typeface="+mn-lt"/>
+                <a:ea typeface="+mn-ea"/>
+                <a:cs typeface="+mn-cs"/>
+              </a:defRPr>
+            </a:lvl7pPr>
+            <a:lvl8pPr marL="3200400" algn="l" defTabSz="914400" rtl="0" eaLnBrk="1" latinLnBrk="0" hangingPunct="1">
+              <a:defRPr sz="1800" kern="1200">
+                <a:solidFill>
+                  <a:schemeClr val="tx1"/>
+                </a:solidFill>
+                <a:latin typeface="+mn-lt"/>
+                <a:ea typeface="+mn-ea"/>
+                <a:cs typeface="+mn-cs"/>
+              </a:defRPr>
+            </a:lvl8pPr>
+            <a:lvl9pPr marL="3657600" algn="l" defTabSz="914400" rtl="0" eaLnBrk="1" latinLnBrk="0" hangingPunct="1">
+              <a:defRPr sz="1800" kern="1200">
+                <a:solidFill>
+                  <a:schemeClr val="tx1"/>
+                </a:solidFill>
+                <a:latin typeface="+mn-lt"/>
+                <a:ea typeface="+mn-ea"/>
+                <a:cs typeface="+mn-cs"/>
+              </a:defRPr>
+            </a:lvl9pPr>
+          </a:lstStyle>
+          <a:p>
+            <a:r>
+              <a:rPr lang="de-DE" dirty="0"/>
+              <a:t>13</a:t>
+            </a:r>
           </a:p>
         </p:txBody>
       </p:sp>
       <p:pic>
         <p:nvPicPr>
-          <p:cNvPr id="4" name="Inhaltsplatzhalter 4">
-            <a:extLst>
-              <a:ext uri="{FF2B5EF4-FFF2-40B4-BE49-F238E27FC236}">
-                <a16:creationId xmlns:a16="http://schemas.microsoft.com/office/drawing/2014/main" id="{71745377-BDFA-014C-8A7A-E071B6B6692B}"/>
+          <p:cNvPr id="12" name="Inhaltsplatzhalter 4">
+            <a:extLst>
+              <a:ext uri="{FF2B5EF4-FFF2-40B4-BE49-F238E27FC236}">
+                <a16:creationId xmlns:a16="http://schemas.microsoft.com/office/drawing/2014/main" id="{301B56D1-EE4E-584A-B72E-8D000DF5C8FD}"/>
               </a:ext>
             </a:extLst>
           </p:cNvPr>
@@ -6199,7 +6708,55 @@
           <p:nvPr/>
         </p:nvPicPr>
         <p:blipFill>
-          <a:blip r:embed="rId3"/>
+          <a:blip r:embed="rId3">
+            <a:extLst>
+              <a:ext uri="{BEBA8EAE-BF5A-486C-A8C5-ECC9F3942E4B}">
+                <a14:imgProps xmlns:a14="http://schemas.microsoft.com/office/drawing/2010/main">
+                  <a14:imgLayer>
+                    <a14:imgEffect>
+                      <a14:backgroundRemoval t="10000" b="90000" l="10000" r="90000">
+                        <a14:foregroundMark x1="25333" y1="28623" x2="29667" y2="50362"/>
+                        <a14:foregroundMark x1="19000" y1="15942" x2="15667" y2="51449"/>
+                        <a14:foregroundMark x1="15667" y1="51449" x2="27000" y2="84420"/>
+                        <a14:foregroundMark x1="27000" y1="84420" x2="58667" y2="84783"/>
+                        <a14:foregroundMark x1="58667" y1="84783" x2="80333" y2="57971"/>
+                        <a14:foregroundMark x1="80333" y1="57971" x2="80667" y2="23551"/>
+                        <a14:foregroundMark x1="80667" y1="23551" x2="50000" y2="13768"/>
+                        <a14:foregroundMark x1="50000" y1="13768" x2="18333" y2="16667"/>
+                        <a14:backgroundMark x1="3000" y1="10145" x2="3667" y2="59058"/>
+                        <a14:backgroundMark x1="3667" y1="59058" x2="18000" y2="90580"/>
+                        <a14:backgroundMark x1="18000" y1="90580" x2="50667" y2="91304"/>
+                        <a14:backgroundMark x1="50667" y1="91304" x2="82667" y2="86957"/>
+                        <a14:backgroundMark x1="82667" y1="86957" x2="83333" y2="82246"/>
+                        <a14:backgroundMark x1="13667" y1="10145" x2="46333" y2="7246"/>
+                        <a14:backgroundMark x1="46333" y1="7246" x2="79333" y2="7609"/>
+                        <a14:backgroundMark x1="79333" y1="7609" x2="95333" y2="41304"/>
+                        <a14:backgroundMark x1="95333" y1="41304" x2="93667" y2="78623"/>
+                        <a14:backgroundMark x1="93667" y1="78623" x2="65000" y2="98913"/>
+                        <a14:backgroundMark x1="65000" y1="98913" x2="14333" y2="99275"/>
+                        <a14:backgroundMark x1="14333" y1="99275" x2="5333" y2="65217"/>
+                        <a14:backgroundMark x1="5333" y1="65217" x2="5333" y2="30435"/>
+                        <a14:backgroundMark x1="5333" y1="30435" x2="13000" y2="10870"/>
+                        <a14:backgroundMark x1="0" y1="65942" x2="0" y2="65942"/>
+                      </a14:backgroundRemoval>
+                    </a14:imgEffect>
+                    <a14:imgEffect>
+                      <a14:sharpenSoften amount="50000"/>
+                    </a14:imgEffect>
+                    <a14:imgEffect>
+                      <a14:colorTemperature colorTemp="11200"/>
+                    </a14:imgEffect>
+                    <a14:imgEffect>
+                      <a14:saturation sat="0"/>
+                    </a14:imgEffect>
+                    <a14:imgEffect>
+                      <a14:brightnessContrast contrast="20000"/>
+                    </a14:imgEffect>
+                  </a14:imgLayer>
+                </a14:imgProps>
+              </a:ext>
+            </a:extLst>
+          </a:blip>
           <a:stretch>
             <a:fillRect/>
           </a:stretch>
@@ -6212,138 +6769,21 @@
           <a:prstGeom prst="rect">
             <a:avLst/>
           </a:prstGeom>
+          <a:effectLst>
+            <a:glow rad="101600">
+              <a:schemeClr val="bg2">
+                <a:lumMod val="50000"/>
+                <a:alpha val="60000"/>
+              </a:schemeClr>
+            </a:glow>
+            <a:outerShdw blurRad="50800" dist="38100" dir="2700000" algn="tl" rotWithShape="0">
+              <a:prstClr val="black">
+                <a:alpha val="40000"/>
+              </a:prstClr>
+            </a:outerShdw>
+          </a:effectLst>
         </p:spPr>
       </p:pic>
-      <p:sp>
-        <p:nvSpPr>
-          <p:cNvPr id="11" name="Foliennummernplatzhalter 5">
-            <a:extLst>
-              <a:ext uri="{FF2B5EF4-FFF2-40B4-BE49-F238E27FC236}">
-                <a16:creationId xmlns:a16="http://schemas.microsoft.com/office/drawing/2014/main" id="{83A2BFA8-1211-BD4D-8210-A163C747B6C0}"/>
-              </a:ext>
-            </a:extLst>
-          </p:cNvPr>
-          <p:cNvSpPr txBox="1">
-            <a:spLocks/>
-          </p:cNvSpPr>
-          <p:nvPr/>
-        </p:nvSpPr>
-        <p:spPr>
-          <a:xfrm>
-            <a:off x="8620547" y="6356350"/>
-            <a:ext cx="2743200" cy="365125"/>
-          </a:xfrm>
-          <a:prstGeom prst="rect">
-            <a:avLst/>
-          </a:prstGeom>
-        </p:spPr>
-        <p:txBody>
-          <a:bodyPr vert="horz" lIns="91440" tIns="45720" rIns="91440" bIns="45720" rtlCol="0" anchor="ctr"/>
-          <a:lstStyle>
-            <a:defPPr>
-              <a:defRPr lang="de-DE"/>
-            </a:defPPr>
-            <a:lvl1pPr marL="0" algn="r" defTabSz="914400" rtl="0" eaLnBrk="1" latinLnBrk="0" hangingPunct="1">
-              <a:defRPr sz="1200" kern="1200">
-                <a:solidFill>
-                  <a:schemeClr val="tx1">
-                    <a:tint val="75000"/>
-                  </a:schemeClr>
-                </a:solidFill>
-                <a:latin typeface="+mn-lt"/>
-                <a:ea typeface="+mn-ea"/>
-                <a:cs typeface="+mn-cs"/>
-              </a:defRPr>
-            </a:lvl1pPr>
-            <a:lvl2pPr marL="457200" algn="l" defTabSz="914400" rtl="0" eaLnBrk="1" latinLnBrk="0" hangingPunct="1">
-              <a:defRPr sz="1800" kern="1200">
-                <a:solidFill>
-                  <a:schemeClr val="tx1"/>
-                </a:solidFill>
-                <a:latin typeface="+mn-lt"/>
-                <a:ea typeface="+mn-ea"/>
-                <a:cs typeface="+mn-cs"/>
-              </a:defRPr>
-            </a:lvl2pPr>
-            <a:lvl3pPr marL="914400" algn="l" defTabSz="914400" rtl="0" eaLnBrk="1" latinLnBrk="0" hangingPunct="1">
-              <a:defRPr sz="1800" kern="1200">
-                <a:solidFill>
-                  <a:schemeClr val="tx1"/>
-                </a:solidFill>
-                <a:latin typeface="+mn-lt"/>
-                <a:ea typeface="+mn-ea"/>
-                <a:cs typeface="+mn-cs"/>
-              </a:defRPr>
-            </a:lvl3pPr>
-            <a:lvl4pPr marL="1371600" algn="l" defTabSz="914400" rtl="0" eaLnBrk="1" latinLnBrk="0" hangingPunct="1">
-              <a:defRPr sz="1800" kern="1200">
-                <a:solidFill>
-                  <a:schemeClr val="tx1"/>
-                </a:solidFill>
-                <a:latin typeface="+mn-lt"/>
-                <a:ea typeface="+mn-ea"/>
-                <a:cs typeface="+mn-cs"/>
-              </a:defRPr>
-            </a:lvl4pPr>
-            <a:lvl5pPr marL="1828800" algn="l" defTabSz="914400" rtl="0" eaLnBrk="1" latinLnBrk="0" hangingPunct="1">
-              <a:defRPr sz="1800" kern="1200">
-                <a:solidFill>
-                  <a:schemeClr val="tx1"/>
-                </a:solidFill>
-                <a:latin typeface="+mn-lt"/>
-                <a:ea typeface="+mn-ea"/>
-                <a:cs typeface="+mn-cs"/>
-              </a:defRPr>
-            </a:lvl5pPr>
-            <a:lvl6pPr marL="2286000" algn="l" defTabSz="914400" rtl="0" eaLnBrk="1" latinLnBrk="0" hangingPunct="1">
-              <a:defRPr sz="1800" kern="1200">
-                <a:solidFill>
-                  <a:schemeClr val="tx1"/>
-                </a:solidFill>
-                <a:latin typeface="+mn-lt"/>
-                <a:ea typeface="+mn-ea"/>
-                <a:cs typeface="+mn-cs"/>
-              </a:defRPr>
-            </a:lvl6pPr>
-            <a:lvl7pPr marL="2743200" algn="l" defTabSz="914400" rtl="0" eaLnBrk="1" latinLnBrk="0" hangingPunct="1">
-              <a:defRPr sz="1800" kern="1200">
-                <a:solidFill>
-                  <a:schemeClr val="tx1"/>
-                </a:solidFill>
-                <a:latin typeface="+mn-lt"/>
-                <a:ea typeface="+mn-ea"/>
-                <a:cs typeface="+mn-cs"/>
-              </a:defRPr>
-            </a:lvl7pPr>
-            <a:lvl8pPr marL="3200400" algn="l" defTabSz="914400" rtl="0" eaLnBrk="1" latinLnBrk="0" hangingPunct="1">
-              <a:defRPr sz="1800" kern="1200">
-                <a:solidFill>
-                  <a:schemeClr val="tx1"/>
-                </a:solidFill>
-                <a:latin typeface="+mn-lt"/>
-                <a:ea typeface="+mn-ea"/>
-                <a:cs typeface="+mn-cs"/>
-              </a:defRPr>
-            </a:lvl8pPr>
-            <a:lvl9pPr marL="3657600" algn="l" defTabSz="914400" rtl="0" eaLnBrk="1" latinLnBrk="0" hangingPunct="1">
-              <a:defRPr sz="1800" kern="1200">
-                <a:solidFill>
-                  <a:schemeClr val="tx1"/>
-                </a:solidFill>
-                <a:latin typeface="+mn-lt"/>
-                <a:ea typeface="+mn-ea"/>
-                <a:cs typeface="+mn-cs"/>
-              </a:defRPr>
-            </a:lvl9pPr>
-          </a:lstStyle>
-          <a:p>
-            <a:r>
-              <a:rPr lang="de-DE" dirty="0"/>
-              <a:t>13</a:t>
-            </a:r>
-          </a:p>
-        </p:txBody>
-      </p:sp>
     </p:spTree>
     <p:extLst>
       <p:ext uri="{BB962C8B-B14F-4D97-AF65-F5344CB8AC3E}">
@@ -6444,7 +6884,7 @@
           <a:solidFill>
             <a:schemeClr val="bg2"/>
           </a:solidFill>
-          <a:ln>
+          <a:ln w="28575">
             <a:solidFill>
               <a:schemeClr val="tx1"/>
             </a:solidFill>
@@ -6728,18 +7168,155 @@
                 <a:solidFill>
                   <a:schemeClr val="tx1"/>
                 </a:solidFill>
+                <a:effectLst>
+                  <a:outerShdw blurRad="50800" dist="38100" dir="2700000" algn="tl" rotWithShape="0">
+                    <a:prstClr val="black">
+                      <a:alpha val="40000"/>
+                    </a:prstClr>
+                  </a:outerShdw>
+                </a:effectLst>
               </a:rPr>
               <a:t>      Ende</a:t>
             </a:r>
           </a:p>
         </p:txBody>
       </p:sp>
+      <p:sp>
+        <p:nvSpPr>
+          <p:cNvPr id="11" name="Foliennummernplatzhalter 5">
+            <a:extLst>
+              <a:ext uri="{FF2B5EF4-FFF2-40B4-BE49-F238E27FC236}">
+                <a16:creationId xmlns:a16="http://schemas.microsoft.com/office/drawing/2014/main" id="{AF2FB51D-507F-CD4E-98C5-B1C08CC9E889}"/>
+              </a:ext>
+            </a:extLst>
+          </p:cNvPr>
+          <p:cNvSpPr txBox="1">
+            <a:spLocks/>
+          </p:cNvSpPr>
+          <p:nvPr/>
+        </p:nvSpPr>
+        <p:spPr>
+          <a:xfrm>
+            <a:off x="8620547" y="6356350"/>
+            <a:ext cx="2743200" cy="365125"/>
+          </a:xfrm>
+          <a:prstGeom prst="rect">
+            <a:avLst/>
+          </a:prstGeom>
+        </p:spPr>
+        <p:txBody>
+          <a:bodyPr vert="horz" lIns="91440" tIns="45720" rIns="91440" bIns="45720" rtlCol="0" anchor="ctr"/>
+          <a:lstStyle>
+            <a:defPPr>
+              <a:defRPr lang="de-DE"/>
+            </a:defPPr>
+            <a:lvl1pPr marL="0" algn="r" defTabSz="914400" rtl="0" eaLnBrk="1" latinLnBrk="0" hangingPunct="1">
+              <a:defRPr sz="1200" kern="1200">
+                <a:solidFill>
+                  <a:schemeClr val="tx1">
+                    <a:tint val="75000"/>
+                  </a:schemeClr>
+                </a:solidFill>
+                <a:latin typeface="+mn-lt"/>
+                <a:ea typeface="+mn-ea"/>
+                <a:cs typeface="+mn-cs"/>
+              </a:defRPr>
+            </a:lvl1pPr>
+            <a:lvl2pPr marL="457200" algn="l" defTabSz="914400" rtl="0" eaLnBrk="1" latinLnBrk="0" hangingPunct="1">
+              <a:defRPr sz="1800" kern="1200">
+                <a:solidFill>
+                  <a:schemeClr val="tx1"/>
+                </a:solidFill>
+                <a:latin typeface="+mn-lt"/>
+                <a:ea typeface="+mn-ea"/>
+                <a:cs typeface="+mn-cs"/>
+              </a:defRPr>
+            </a:lvl2pPr>
+            <a:lvl3pPr marL="914400" algn="l" defTabSz="914400" rtl="0" eaLnBrk="1" latinLnBrk="0" hangingPunct="1">
+              <a:defRPr sz="1800" kern="1200">
+                <a:solidFill>
+                  <a:schemeClr val="tx1"/>
+                </a:solidFill>
+                <a:latin typeface="+mn-lt"/>
+                <a:ea typeface="+mn-ea"/>
+                <a:cs typeface="+mn-cs"/>
+              </a:defRPr>
+            </a:lvl3pPr>
+            <a:lvl4pPr marL="1371600" algn="l" defTabSz="914400" rtl="0" eaLnBrk="1" latinLnBrk="0" hangingPunct="1">
+              <a:defRPr sz="1800" kern="1200">
+                <a:solidFill>
+                  <a:schemeClr val="tx1"/>
+                </a:solidFill>
+                <a:latin typeface="+mn-lt"/>
+                <a:ea typeface="+mn-ea"/>
+                <a:cs typeface="+mn-cs"/>
+              </a:defRPr>
+            </a:lvl4pPr>
+            <a:lvl5pPr marL="1828800" algn="l" defTabSz="914400" rtl="0" eaLnBrk="1" latinLnBrk="0" hangingPunct="1">
+              <a:defRPr sz="1800" kern="1200">
+                <a:solidFill>
+                  <a:schemeClr val="tx1"/>
+                </a:solidFill>
+                <a:latin typeface="+mn-lt"/>
+                <a:ea typeface="+mn-ea"/>
+                <a:cs typeface="+mn-cs"/>
+              </a:defRPr>
+            </a:lvl5pPr>
+            <a:lvl6pPr marL="2286000" algn="l" defTabSz="914400" rtl="0" eaLnBrk="1" latinLnBrk="0" hangingPunct="1">
+              <a:defRPr sz="1800" kern="1200">
+                <a:solidFill>
+                  <a:schemeClr val="tx1"/>
+                </a:solidFill>
+                <a:latin typeface="+mn-lt"/>
+                <a:ea typeface="+mn-ea"/>
+                <a:cs typeface="+mn-cs"/>
+              </a:defRPr>
+            </a:lvl6pPr>
+            <a:lvl7pPr marL="2743200" algn="l" defTabSz="914400" rtl="0" eaLnBrk="1" latinLnBrk="0" hangingPunct="1">
+              <a:defRPr sz="1800" kern="1200">
+                <a:solidFill>
+                  <a:schemeClr val="tx1"/>
+                </a:solidFill>
+                <a:latin typeface="+mn-lt"/>
+                <a:ea typeface="+mn-ea"/>
+                <a:cs typeface="+mn-cs"/>
+              </a:defRPr>
+            </a:lvl7pPr>
+            <a:lvl8pPr marL="3200400" algn="l" defTabSz="914400" rtl="0" eaLnBrk="1" latinLnBrk="0" hangingPunct="1">
+              <a:defRPr sz="1800" kern="1200">
+                <a:solidFill>
+                  <a:schemeClr val="tx1"/>
+                </a:solidFill>
+                <a:latin typeface="+mn-lt"/>
+                <a:ea typeface="+mn-ea"/>
+                <a:cs typeface="+mn-cs"/>
+              </a:defRPr>
+            </a:lvl8pPr>
+            <a:lvl9pPr marL="3657600" algn="l" defTabSz="914400" rtl="0" eaLnBrk="1" latinLnBrk="0" hangingPunct="1">
+              <a:defRPr sz="1800" kern="1200">
+                <a:solidFill>
+                  <a:schemeClr val="tx1"/>
+                </a:solidFill>
+                <a:latin typeface="+mn-lt"/>
+                <a:ea typeface="+mn-ea"/>
+                <a:cs typeface="+mn-cs"/>
+              </a:defRPr>
+            </a:lvl9pPr>
+          </a:lstStyle>
+          <a:p>
+            <a:r>
+              <a:rPr lang="de-DE" dirty="0"/>
+              <a:t>14</a:t>
+            </a:r>
+          </a:p>
+        </p:txBody>
+      </p:sp>
       <p:pic>
         <p:nvPicPr>
-          <p:cNvPr id="4" name="Inhaltsplatzhalter 4">
-            <a:extLst>
-              <a:ext uri="{FF2B5EF4-FFF2-40B4-BE49-F238E27FC236}">
-                <a16:creationId xmlns:a16="http://schemas.microsoft.com/office/drawing/2014/main" id="{212108A4-926C-5D40-A440-6A2813C346F5}"/>
+          <p:cNvPr id="12" name="Inhaltsplatzhalter 4">
+            <a:extLst>
+              <a:ext uri="{FF2B5EF4-FFF2-40B4-BE49-F238E27FC236}">
+                <a16:creationId xmlns:a16="http://schemas.microsoft.com/office/drawing/2014/main" id="{C2260AA3-57DD-8246-8A03-6F41F07AFDBE}"/>
               </a:ext>
             </a:extLst>
           </p:cNvPr>
@@ -6749,7 +7326,55 @@
           <p:nvPr/>
         </p:nvPicPr>
         <p:blipFill>
-          <a:blip r:embed="rId3"/>
+          <a:blip r:embed="rId3">
+            <a:extLst>
+              <a:ext uri="{BEBA8EAE-BF5A-486C-A8C5-ECC9F3942E4B}">
+                <a14:imgProps xmlns:a14="http://schemas.microsoft.com/office/drawing/2010/main">
+                  <a14:imgLayer>
+                    <a14:imgEffect>
+                      <a14:backgroundRemoval t="10000" b="90000" l="10000" r="90000">
+                        <a14:foregroundMark x1="25333" y1="28623" x2="29667" y2="50362"/>
+                        <a14:foregroundMark x1="19000" y1="15942" x2="15667" y2="51449"/>
+                        <a14:foregroundMark x1="15667" y1="51449" x2="27000" y2="84420"/>
+                        <a14:foregroundMark x1="27000" y1="84420" x2="58667" y2="84783"/>
+                        <a14:foregroundMark x1="58667" y1="84783" x2="80333" y2="57971"/>
+                        <a14:foregroundMark x1="80333" y1="57971" x2="80667" y2="23551"/>
+                        <a14:foregroundMark x1="80667" y1="23551" x2="50000" y2="13768"/>
+                        <a14:foregroundMark x1="50000" y1="13768" x2="18333" y2="16667"/>
+                        <a14:backgroundMark x1="3000" y1="10145" x2="3667" y2="59058"/>
+                        <a14:backgroundMark x1="3667" y1="59058" x2="18000" y2="90580"/>
+                        <a14:backgroundMark x1="18000" y1="90580" x2="50667" y2="91304"/>
+                        <a14:backgroundMark x1="50667" y1="91304" x2="82667" y2="86957"/>
+                        <a14:backgroundMark x1="82667" y1="86957" x2="83333" y2="82246"/>
+                        <a14:backgroundMark x1="13667" y1="10145" x2="46333" y2="7246"/>
+                        <a14:backgroundMark x1="46333" y1="7246" x2="79333" y2="7609"/>
+                        <a14:backgroundMark x1="79333" y1="7609" x2="95333" y2="41304"/>
+                        <a14:backgroundMark x1="95333" y1="41304" x2="93667" y2="78623"/>
+                        <a14:backgroundMark x1="93667" y1="78623" x2="65000" y2="98913"/>
+                        <a14:backgroundMark x1="65000" y1="98913" x2="14333" y2="99275"/>
+                        <a14:backgroundMark x1="14333" y1="99275" x2="5333" y2="65217"/>
+                        <a14:backgroundMark x1="5333" y1="65217" x2="5333" y2="30435"/>
+                        <a14:backgroundMark x1="5333" y1="30435" x2="13000" y2="10870"/>
+                        <a14:backgroundMark x1="0" y1="65942" x2="0" y2="65942"/>
+                      </a14:backgroundRemoval>
+                    </a14:imgEffect>
+                    <a14:imgEffect>
+                      <a14:sharpenSoften amount="50000"/>
+                    </a14:imgEffect>
+                    <a14:imgEffect>
+                      <a14:colorTemperature colorTemp="11200"/>
+                    </a14:imgEffect>
+                    <a14:imgEffect>
+                      <a14:saturation sat="0"/>
+                    </a14:imgEffect>
+                    <a14:imgEffect>
+                      <a14:brightnessContrast contrast="20000"/>
+                    </a14:imgEffect>
+                  </a14:imgLayer>
+                </a14:imgProps>
+              </a:ext>
+            </a:extLst>
+          </a:blip>
           <a:stretch>
             <a:fillRect/>
           </a:stretch>
@@ -6762,138 +7387,21 @@
           <a:prstGeom prst="rect">
             <a:avLst/>
           </a:prstGeom>
+          <a:effectLst>
+            <a:glow rad="101600">
+              <a:schemeClr val="bg2">
+                <a:lumMod val="50000"/>
+                <a:alpha val="60000"/>
+              </a:schemeClr>
+            </a:glow>
+            <a:outerShdw blurRad="50800" dist="38100" dir="2700000" algn="tl" rotWithShape="0">
+              <a:prstClr val="black">
+                <a:alpha val="40000"/>
+              </a:prstClr>
+            </a:outerShdw>
+          </a:effectLst>
         </p:spPr>
       </p:pic>
-      <p:sp>
-        <p:nvSpPr>
-          <p:cNvPr id="11" name="Foliennummernplatzhalter 5">
-            <a:extLst>
-              <a:ext uri="{FF2B5EF4-FFF2-40B4-BE49-F238E27FC236}">
-                <a16:creationId xmlns:a16="http://schemas.microsoft.com/office/drawing/2014/main" id="{AF2FB51D-507F-CD4E-98C5-B1C08CC9E889}"/>
-              </a:ext>
-            </a:extLst>
-          </p:cNvPr>
-          <p:cNvSpPr txBox="1">
-            <a:spLocks/>
-          </p:cNvSpPr>
-          <p:nvPr/>
-        </p:nvSpPr>
-        <p:spPr>
-          <a:xfrm>
-            <a:off x="8620547" y="6356350"/>
-            <a:ext cx="2743200" cy="365125"/>
-          </a:xfrm>
-          <a:prstGeom prst="rect">
-            <a:avLst/>
-          </a:prstGeom>
-        </p:spPr>
-        <p:txBody>
-          <a:bodyPr vert="horz" lIns="91440" tIns="45720" rIns="91440" bIns="45720" rtlCol="0" anchor="ctr"/>
-          <a:lstStyle>
-            <a:defPPr>
-              <a:defRPr lang="de-DE"/>
-            </a:defPPr>
-            <a:lvl1pPr marL="0" algn="r" defTabSz="914400" rtl="0" eaLnBrk="1" latinLnBrk="0" hangingPunct="1">
-              <a:defRPr sz="1200" kern="1200">
-                <a:solidFill>
-                  <a:schemeClr val="tx1">
-                    <a:tint val="75000"/>
-                  </a:schemeClr>
-                </a:solidFill>
-                <a:latin typeface="+mn-lt"/>
-                <a:ea typeface="+mn-ea"/>
-                <a:cs typeface="+mn-cs"/>
-              </a:defRPr>
-            </a:lvl1pPr>
-            <a:lvl2pPr marL="457200" algn="l" defTabSz="914400" rtl="0" eaLnBrk="1" latinLnBrk="0" hangingPunct="1">
-              <a:defRPr sz="1800" kern="1200">
-                <a:solidFill>
-                  <a:schemeClr val="tx1"/>
-                </a:solidFill>
-                <a:latin typeface="+mn-lt"/>
-                <a:ea typeface="+mn-ea"/>
-                <a:cs typeface="+mn-cs"/>
-              </a:defRPr>
-            </a:lvl2pPr>
-            <a:lvl3pPr marL="914400" algn="l" defTabSz="914400" rtl="0" eaLnBrk="1" latinLnBrk="0" hangingPunct="1">
-              <a:defRPr sz="1800" kern="1200">
-                <a:solidFill>
-                  <a:schemeClr val="tx1"/>
-                </a:solidFill>
-                <a:latin typeface="+mn-lt"/>
-                <a:ea typeface="+mn-ea"/>
-                <a:cs typeface="+mn-cs"/>
-              </a:defRPr>
-            </a:lvl3pPr>
-            <a:lvl4pPr marL="1371600" algn="l" defTabSz="914400" rtl="0" eaLnBrk="1" latinLnBrk="0" hangingPunct="1">
-              <a:defRPr sz="1800" kern="1200">
-                <a:solidFill>
-                  <a:schemeClr val="tx1"/>
-                </a:solidFill>
-                <a:latin typeface="+mn-lt"/>
-                <a:ea typeface="+mn-ea"/>
-                <a:cs typeface="+mn-cs"/>
-              </a:defRPr>
-            </a:lvl4pPr>
-            <a:lvl5pPr marL="1828800" algn="l" defTabSz="914400" rtl="0" eaLnBrk="1" latinLnBrk="0" hangingPunct="1">
-              <a:defRPr sz="1800" kern="1200">
-                <a:solidFill>
-                  <a:schemeClr val="tx1"/>
-                </a:solidFill>
-                <a:latin typeface="+mn-lt"/>
-                <a:ea typeface="+mn-ea"/>
-                <a:cs typeface="+mn-cs"/>
-              </a:defRPr>
-            </a:lvl5pPr>
-            <a:lvl6pPr marL="2286000" algn="l" defTabSz="914400" rtl="0" eaLnBrk="1" latinLnBrk="0" hangingPunct="1">
-              <a:defRPr sz="1800" kern="1200">
-                <a:solidFill>
-                  <a:schemeClr val="tx1"/>
-                </a:solidFill>
-                <a:latin typeface="+mn-lt"/>
-                <a:ea typeface="+mn-ea"/>
-                <a:cs typeface="+mn-cs"/>
-              </a:defRPr>
-            </a:lvl6pPr>
-            <a:lvl7pPr marL="2743200" algn="l" defTabSz="914400" rtl="0" eaLnBrk="1" latinLnBrk="0" hangingPunct="1">
-              <a:defRPr sz="1800" kern="1200">
-                <a:solidFill>
-                  <a:schemeClr val="tx1"/>
-                </a:solidFill>
-                <a:latin typeface="+mn-lt"/>
-                <a:ea typeface="+mn-ea"/>
-                <a:cs typeface="+mn-cs"/>
-              </a:defRPr>
-            </a:lvl7pPr>
-            <a:lvl8pPr marL="3200400" algn="l" defTabSz="914400" rtl="0" eaLnBrk="1" latinLnBrk="0" hangingPunct="1">
-              <a:defRPr sz="1800" kern="1200">
-                <a:solidFill>
-                  <a:schemeClr val="tx1"/>
-                </a:solidFill>
-                <a:latin typeface="+mn-lt"/>
-                <a:ea typeface="+mn-ea"/>
-                <a:cs typeface="+mn-cs"/>
-              </a:defRPr>
-            </a:lvl8pPr>
-            <a:lvl9pPr marL="3657600" algn="l" defTabSz="914400" rtl="0" eaLnBrk="1" latinLnBrk="0" hangingPunct="1">
-              <a:defRPr sz="1800" kern="1200">
-                <a:solidFill>
-                  <a:schemeClr val="tx1"/>
-                </a:solidFill>
-                <a:latin typeface="+mn-lt"/>
-                <a:ea typeface="+mn-ea"/>
-                <a:cs typeface="+mn-cs"/>
-              </a:defRPr>
-            </a:lvl9pPr>
-          </a:lstStyle>
-          <a:p>
-            <a:r>
-              <a:rPr lang="de-DE" dirty="0"/>
-              <a:t>14</a:t>
-            </a:r>
-          </a:p>
-        </p:txBody>
-      </p:sp>
     </p:spTree>
     <p:extLst>
       <p:ext uri="{BB962C8B-B14F-4D97-AF65-F5344CB8AC3E}">
@@ -7213,6 +7721,13 @@
                 <a:solidFill>
                   <a:schemeClr val="tx1"/>
                 </a:solidFill>
+                <a:effectLst>
+                  <a:outerShdw blurRad="50800" dist="38100" dir="2700000" algn="tl" rotWithShape="0">
+                    <a:prstClr val="black">
+                      <a:alpha val="40000"/>
+                    </a:prstClr>
+                  </a:outerShdw>
+                </a:effectLst>
               </a:rPr>
               <a:t>      5. Fragen</a:t>
             </a:r>
@@ -7221,6 +7736,13 @@
                 <a:solidFill>
                   <a:schemeClr val="tx1"/>
                 </a:solidFill>
+                <a:effectLst>
+                  <a:outerShdw blurRad="50800" dist="38100" dir="2700000" algn="tl" rotWithShape="0">
+                    <a:prstClr val="black">
+                      <a:alpha val="40000"/>
+                    </a:prstClr>
+                  </a:outerShdw>
+                </a:effectLst>
               </a:rPr>
               <a:t> </a:t>
             </a:r>
@@ -7228,6 +7750,13 @@
               <a:solidFill>
                 <a:schemeClr val="tx1"/>
               </a:solidFill>
+              <a:effectLst>
+                <a:outerShdw blurRad="50800" dist="38100" dir="2700000" algn="tl" rotWithShape="0">
+                  <a:prstClr val="black">
+                    <a:alpha val="40000"/>
+                  </a:prstClr>
+                </a:outerShdw>
+              </a:effectLst>
             </a:endParaRPr>
           </a:p>
         </p:txBody>
@@ -7455,12 +7984,142 @@
           </a:p>
         </p:txBody>
       </p:sp>
+      <p:sp>
+        <p:nvSpPr>
+          <p:cNvPr id="14" name="Foliennummernplatzhalter 5">
+            <a:extLst>
+              <a:ext uri="{FF2B5EF4-FFF2-40B4-BE49-F238E27FC236}">
+                <a16:creationId xmlns:a16="http://schemas.microsoft.com/office/drawing/2014/main" id="{E85A1979-B22D-704F-A76E-530508FAA2C5}"/>
+              </a:ext>
+            </a:extLst>
+          </p:cNvPr>
+          <p:cNvSpPr txBox="1">
+            <a:spLocks/>
+          </p:cNvSpPr>
+          <p:nvPr/>
+        </p:nvSpPr>
+        <p:spPr>
+          <a:xfrm>
+            <a:off x="8620547" y="6356350"/>
+            <a:ext cx="2743200" cy="365125"/>
+          </a:xfrm>
+          <a:prstGeom prst="rect">
+            <a:avLst/>
+          </a:prstGeom>
+        </p:spPr>
+        <p:txBody>
+          <a:bodyPr vert="horz" lIns="91440" tIns="45720" rIns="91440" bIns="45720" rtlCol="0" anchor="ctr"/>
+          <a:lstStyle>
+            <a:defPPr>
+              <a:defRPr lang="de-DE"/>
+            </a:defPPr>
+            <a:lvl1pPr marL="0" algn="r" defTabSz="914400" rtl="0" eaLnBrk="1" latinLnBrk="0" hangingPunct="1">
+              <a:defRPr sz="1200" kern="1200">
+                <a:solidFill>
+                  <a:schemeClr val="tx1">
+                    <a:tint val="75000"/>
+                  </a:schemeClr>
+                </a:solidFill>
+                <a:latin typeface="+mn-lt"/>
+                <a:ea typeface="+mn-ea"/>
+                <a:cs typeface="+mn-cs"/>
+              </a:defRPr>
+            </a:lvl1pPr>
+            <a:lvl2pPr marL="457200" algn="l" defTabSz="914400" rtl="0" eaLnBrk="1" latinLnBrk="0" hangingPunct="1">
+              <a:defRPr sz="1800" kern="1200">
+                <a:solidFill>
+                  <a:schemeClr val="tx1"/>
+                </a:solidFill>
+                <a:latin typeface="+mn-lt"/>
+                <a:ea typeface="+mn-ea"/>
+                <a:cs typeface="+mn-cs"/>
+              </a:defRPr>
+            </a:lvl2pPr>
+            <a:lvl3pPr marL="914400" algn="l" defTabSz="914400" rtl="0" eaLnBrk="1" latinLnBrk="0" hangingPunct="1">
+              <a:defRPr sz="1800" kern="1200">
+                <a:solidFill>
+                  <a:schemeClr val="tx1"/>
+                </a:solidFill>
+                <a:latin typeface="+mn-lt"/>
+                <a:ea typeface="+mn-ea"/>
+                <a:cs typeface="+mn-cs"/>
+              </a:defRPr>
+            </a:lvl3pPr>
+            <a:lvl4pPr marL="1371600" algn="l" defTabSz="914400" rtl="0" eaLnBrk="1" latinLnBrk="0" hangingPunct="1">
+              <a:defRPr sz="1800" kern="1200">
+                <a:solidFill>
+                  <a:schemeClr val="tx1"/>
+                </a:solidFill>
+                <a:latin typeface="+mn-lt"/>
+                <a:ea typeface="+mn-ea"/>
+                <a:cs typeface="+mn-cs"/>
+              </a:defRPr>
+            </a:lvl4pPr>
+            <a:lvl5pPr marL="1828800" algn="l" defTabSz="914400" rtl="0" eaLnBrk="1" latinLnBrk="0" hangingPunct="1">
+              <a:defRPr sz="1800" kern="1200">
+                <a:solidFill>
+                  <a:schemeClr val="tx1"/>
+                </a:solidFill>
+                <a:latin typeface="+mn-lt"/>
+                <a:ea typeface="+mn-ea"/>
+                <a:cs typeface="+mn-cs"/>
+              </a:defRPr>
+            </a:lvl5pPr>
+            <a:lvl6pPr marL="2286000" algn="l" defTabSz="914400" rtl="0" eaLnBrk="1" latinLnBrk="0" hangingPunct="1">
+              <a:defRPr sz="1800" kern="1200">
+                <a:solidFill>
+                  <a:schemeClr val="tx1"/>
+                </a:solidFill>
+                <a:latin typeface="+mn-lt"/>
+                <a:ea typeface="+mn-ea"/>
+                <a:cs typeface="+mn-cs"/>
+              </a:defRPr>
+            </a:lvl6pPr>
+            <a:lvl7pPr marL="2743200" algn="l" defTabSz="914400" rtl="0" eaLnBrk="1" latinLnBrk="0" hangingPunct="1">
+              <a:defRPr sz="1800" kern="1200">
+                <a:solidFill>
+                  <a:schemeClr val="tx1"/>
+                </a:solidFill>
+                <a:latin typeface="+mn-lt"/>
+                <a:ea typeface="+mn-ea"/>
+                <a:cs typeface="+mn-cs"/>
+              </a:defRPr>
+            </a:lvl7pPr>
+            <a:lvl8pPr marL="3200400" algn="l" defTabSz="914400" rtl="0" eaLnBrk="1" latinLnBrk="0" hangingPunct="1">
+              <a:defRPr sz="1800" kern="1200">
+                <a:solidFill>
+                  <a:schemeClr val="tx1"/>
+                </a:solidFill>
+                <a:latin typeface="+mn-lt"/>
+                <a:ea typeface="+mn-ea"/>
+                <a:cs typeface="+mn-cs"/>
+              </a:defRPr>
+            </a:lvl8pPr>
+            <a:lvl9pPr marL="3657600" algn="l" defTabSz="914400" rtl="0" eaLnBrk="1" latinLnBrk="0" hangingPunct="1">
+              <a:defRPr sz="1800" kern="1200">
+                <a:solidFill>
+                  <a:schemeClr val="tx1"/>
+                </a:solidFill>
+                <a:latin typeface="+mn-lt"/>
+                <a:ea typeface="+mn-ea"/>
+                <a:cs typeface="+mn-cs"/>
+              </a:defRPr>
+            </a:lvl9pPr>
+          </a:lstStyle>
+          <a:p>
+            <a:r>
+              <a:rPr lang="de-DE" dirty="0"/>
+              <a:t>15</a:t>
+            </a:r>
+          </a:p>
+        </p:txBody>
+      </p:sp>
       <p:pic>
         <p:nvPicPr>
-          <p:cNvPr id="4" name="Inhaltsplatzhalter 4">
-            <a:extLst>
-              <a:ext uri="{FF2B5EF4-FFF2-40B4-BE49-F238E27FC236}">
-                <a16:creationId xmlns:a16="http://schemas.microsoft.com/office/drawing/2014/main" id="{F1B8E86B-7A3B-5440-A6B6-8D29D7DDD34E}"/>
+          <p:cNvPr id="12" name="Inhaltsplatzhalter 4">
+            <a:extLst>
+              <a:ext uri="{FF2B5EF4-FFF2-40B4-BE49-F238E27FC236}">
+                <a16:creationId xmlns:a16="http://schemas.microsoft.com/office/drawing/2014/main" id="{73E6772E-E18B-BA43-8B9A-BD101E516F21}"/>
               </a:ext>
             </a:extLst>
           </p:cNvPr>
@@ -7470,7 +8129,55 @@
           <p:nvPr/>
         </p:nvPicPr>
         <p:blipFill>
-          <a:blip r:embed="rId3"/>
+          <a:blip r:embed="rId3">
+            <a:extLst>
+              <a:ext uri="{BEBA8EAE-BF5A-486C-A8C5-ECC9F3942E4B}">
+                <a14:imgProps xmlns:a14="http://schemas.microsoft.com/office/drawing/2010/main">
+                  <a14:imgLayer>
+                    <a14:imgEffect>
+                      <a14:backgroundRemoval t="10000" b="90000" l="10000" r="90000">
+                        <a14:foregroundMark x1="25333" y1="28623" x2="29667" y2="50362"/>
+                        <a14:foregroundMark x1="19000" y1="15942" x2="15667" y2="51449"/>
+                        <a14:foregroundMark x1="15667" y1="51449" x2="27000" y2="84420"/>
+                        <a14:foregroundMark x1="27000" y1="84420" x2="58667" y2="84783"/>
+                        <a14:foregroundMark x1="58667" y1="84783" x2="80333" y2="57971"/>
+                        <a14:foregroundMark x1="80333" y1="57971" x2="80667" y2="23551"/>
+                        <a14:foregroundMark x1="80667" y1="23551" x2="50000" y2="13768"/>
+                        <a14:foregroundMark x1="50000" y1="13768" x2="18333" y2="16667"/>
+                        <a14:backgroundMark x1="3000" y1="10145" x2="3667" y2="59058"/>
+                        <a14:backgroundMark x1="3667" y1="59058" x2="18000" y2="90580"/>
+                        <a14:backgroundMark x1="18000" y1="90580" x2="50667" y2="91304"/>
+                        <a14:backgroundMark x1="50667" y1="91304" x2="82667" y2="86957"/>
+                        <a14:backgroundMark x1="82667" y1="86957" x2="83333" y2="82246"/>
+                        <a14:backgroundMark x1="13667" y1="10145" x2="46333" y2="7246"/>
+                        <a14:backgroundMark x1="46333" y1="7246" x2="79333" y2="7609"/>
+                        <a14:backgroundMark x1="79333" y1="7609" x2="95333" y2="41304"/>
+                        <a14:backgroundMark x1="95333" y1="41304" x2="93667" y2="78623"/>
+                        <a14:backgroundMark x1="93667" y1="78623" x2="65000" y2="98913"/>
+                        <a14:backgroundMark x1="65000" y1="98913" x2="14333" y2="99275"/>
+                        <a14:backgroundMark x1="14333" y1="99275" x2="5333" y2="65217"/>
+                        <a14:backgroundMark x1="5333" y1="65217" x2="5333" y2="30435"/>
+                        <a14:backgroundMark x1="5333" y1="30435" x2="13000" y2="10870"/>
+                        <a14:backgroundMark x1="0" y1="65942" x2="0" y2="65942"/>
+                      </a14:backgroundRemoval>
+                    </a14:imgEffect>
+                    <a14:imgEffect>
+                      <a14:sharpenSoften amount="50000"/>
+                    </a14:imgEffect>
+                    <a14:imgEffect>
+                      <a14:colorTemperature colorTemp="11200"/>
+                    </a14:imgEffect>
+                    <a14:imgEffect>
+                      <a14:saturation sat="0"/>
+                    </a14:imgEffect>
+                    <a14:imgEffect>
+                      <a14:brightnessContrast contrast="20000"/>
+                    </a14:imgEffect>
+                  </a14:imgLayer>
+                </a14:imgProps>
+              </a:ext>
+            </a:extLst>
+          </a:blip>
           <a:stretch>
             <a:fillRect/>
           </a:stretch>
@@ -7483,138 +8190,21 @@
           <a:prstGeom prst="rect">
             <a:avLst/>
           </a:prstGeom>
+          <a:effectLst>
+            <a:glow rad="101600">
+              <a:schemeClr val="bg2">
+                <a:lumMod val="50000"/>
+                <a:alpha val="60000"/>
+              </a:schemeClr>
+            </a:glow>
+            <a:outerShdw blurRad="50800" dist="38100" dir="2700000" algn="tl" rotWithShape="0">
+              <a:prstClr val="black">
+                <a:alpha val="40000"/>
+              </a:prstClr>
+            </a:outerShdw>
+          </a:effectLst>
         </p:spPr>
       </p:pic>
-      <p:sp>
-        <p:nvSpPr>
-          <p:cNvPr id="14" name="Foliennummernplatzhalter 5">
-            <a:extLst>
-              <a:ext uri="{FF2B5EF4-FFF2-40B4-BE49-F238E27FC236}">
-                <a16:creationId xmlns:a16="http://schemas.microsoft.com/office/drawing/2014/main" id="{E85A1979-B22D-704F-A76E-530508FAA2C5}"/>
-              </a:ext>
-            </a:extLst>
-          </p:cNvPr>
-          <p:cNvSpPr txBox="1">
-            <a:spLocks/>
-          </p:cNvSpPr>
-          <p:nvPr/>
-        </p:nvSpPr>
-        <p:spPr>
-          <a:xfrm>
-            <a:off x="8620547" y="6356350"/>
-            <a:ext cx="2743200" cy="365125"/>
-          </a:xfrm>
-          <a:prstGeom prst="rect">
-            <a:avLst/>
-          </a:prstGeom>
-        </p:spPr>
-        <p:txBody>
-          <a:bodyPr vert="horz" lIns="91440" tIns="45720" rIns="91440" bIns="45720" rtlCol="0" anchor="ctr"/>
-          <a:lstStyle>
-            <a:defPPr>
-              <a:defRPr lang="de-DE"/>
-            </a:defPPr>
-            <a:lvl1pPr marL="0" algn="r" defTabSz="914400" rtl="0" eaLnBrk="1" latinLnBrk="0" hangingPunct="1">
-              <a:defRPr sz="1200" kern="1200">
-                <a:solidFill>
-                  <a:schemeClr val="tx1">
-                    <a:tint val="75000"/>
-                  </a:schemeClr>
-                </a:solidFill>
-                <a:latin typeface="+mn-lt"/>
-                <a:ea typeface="+mn-ea"/>
-                <a:cs typeface="+mn-cs"/>
-              </a:defRPr>
-            </a:lvl1pPr>
-            <a:lvl2pPr marL="457200" algn="l" defTabSz="914400" rtl="0" eaLnBrk="1" latinLnBrk="0" hangingPunct="1">
-              <a:defRPr sz="1800" kern="1200">
-                <a:solidFill>
-                  <a:schemeClr val="tx1"/>
-                </a:solidFill>
-                <a:latin typeface="+mn-lt"/>
-                <a:ea typeface="+mn-ea"/>
-                <a:cs typeface="+mn-cs"/>
-              </a:defRPr>
-            </a:lvl2pPr>
-            <a:lvl3pPr marL="914400" algn="l" defTabSz="914400" rtl="0" eaLnBrk="1" latinLnBrk="0" hangingPunct="1">
-              <a:defRPr sz="1800" kern="1200">
-                <a:solidFill>
-                  <a:schemeClr val="tx1"/>
-                </a:solidFill>
-                <a:latin typeface="+mn-lt"/>
-                <a:ea typeface="+mn-ea"/>
-                <a:cs typeface="+mn-cs"/>
-              </a:defRPr>
-            </a:lvl3pPr>
-            <a:lvl4pPr marL="1371600" algn="l" defTabSz="914400" rtl="0" eaLnBrk="1" latinLnBrk="0" hangingPunct="1">
-              <a:defRPr sz="1800" kern="1200">
-                <a:solidFill>
-                  <a:schemeClr val="tx1"/>
-                </a:solidFill>
-                <a:latin typeface="+mn-lt"/>
-                <a:ea typeface="+mn-ea"/>
-                <a:cs typeface="+mn-cs"/>
-              </a:defRPr>
-            </a:lvl4pPr>
-            <a:lvl5pPr marL="1828800" algn="l" defTabSz="914400" rtl="0" eaLnBrk="1" latinLnBrk="0" hangingPunct="1">
-              <a:defRPr sz="1800" kern="1200">
-                <a:solidFill>
-                  <a:schemeClr val="tx1"/>
-                </a:solidFill>
-                <a:latin typeface="+mn-lt"/>
-                <a:ea typeface="+mn-ea"/>
-                <a:cs typeface="+mn-cs"/>
-              </a:defRPr>
-            </a:lvl5pPr>
-            <a:lvl6pPr marL="2286000" algn="l" defTabSz="914400" rtl="0" eaLnBrk="1" latinLnBrk="0" hangingPunct="1">
-              <a:defRPr sz="1800" kern="1200">
-                <a:solidFill>
-                  <a:schemeClr val="tx1"/>
-                </a:solidFill>
-                <a:latin typeface="+mn-lt"/>
-                <a:ea typeface="+mn-ea"/>
-                <a:cs typeface="+mn-cs"/>
-              </a:defRPr>
-            </a:lvl6pPr>
-            <a:lvl7pPr marL="2743200" algn="l" defTabSz="914400" rtl="0" eaLnBrk="1" latinLnBrk="0" hangingPunct="1">
-              <a:defRPr sz="1800" kern="1200">
-                <a:solidFill>
-                  <a:schemeClr val="tx1"/>
-                </a:solidFill>
-                <a:latin typeface="+mn-lt"/>
-                <a:ea typeface="+mn-ea"/>
-                <a:cs typeface="+mn-cs"/>
-              </a:defRPr>
-            </a:lvl7pPr>
-            <a:lvl8pPr marL="3200400" algn="l" defTabSz="914400" rtl="0" eaLnBrk="1" latinLnBrk="0" hangingPunct="1">
-              <a:defRPr sz="1800" kern="1200">
-                <a:solidFill>
-                  <a:schemeClr val="tx1"/>
-                </a:solidFill>
-                <a:latin typeface="+mn-lt"/>
-                <a:ea typeface="+mn-ea"/>
-                <a:cs typeface="+mn-cs"/>
-              </a:defRPr>
-            </a:lvl8pPr>
-            <a:lvl9pPr marL="3657600" algn="l" defTabSz="914400" rtl="0" eaLnBrk="1" latinLnBrk="0" hangingPunct="1">
-              <a:defRPr sz="1800" kern="1200">
-                <a:solidFill>
-                  <a:schemeClr val="tx1"/>
-                </a:solidFill>
-                <a:latin typeface="+mn-lt"/>
-                <a:ea typeface="+mn-ea"/>
-                <a:cs typeface="+mn-cs"/>
-              </a:defRPr>
-            </a:lvl9pPr>
-          </a:lstStyle>
-          <a:p>
-            <a:r>
-              <a:rPr lang="de-DE" dirty="0"/>
-              <a:t>15</a:t>
-            </a:r>
-          </a:p>
-        </p:txBody>
-      </p:sp>
     </p:spTree>
     <p:extLst>
       <p:ext uri="{BB962C8B-B14F-4D97-AF65-F5344CB8AC3E}">
@@ -7720,6 +8310,13 @@
               <a:schemeClr val="tx1"/>
             </a:solidFill>
           </a:ln>
+          <a:effectLst>
+            <a:outerShdw blurRad="50800" dist="38100" dir="2700000" algn="tl" rotWithShape="0">
+              <a:prstClr val="black">
+                <a:alpha val="40000"/>
+              </a:prstClr>
+            </a:outerShdw>
+          </a:effectLst>
         </p:spPr>
         <p:style>
           <a:lnRef idx="0">
@@ -7745,7 +8342,22 @@
                   <a:schemeClr val="tx1"/>
                 </a:solidFill>
               </a:rPr>
-              <a:t>      Gliederung</a:t>
+              <a:t>      </a:t>
+            </a:r>
+            <a:r>
+              <a:rPr lang="de-DE" b="1" dirty="0">
+                <a:solidFill>
+                  <a:schemeClr val="tx1"/>
+                </a:solidFill>
+                <a:effectLst>
+                  <a:outerShdw blurRad="50800" dist="38100" dir="2700000" algn="tl" rotWithShape="0">
+                    <a:prstClr val="black">
+                      <a:alpha val="40000"/>
+                    </a:prstClr>
+                  </a:outerShdw>
+                </a:effectLst>
+              </a:rPr>
+              <a:t>Gliederung</a:t>
             </a:r>
           </a:p>
         </p:txBody>
@@ -7893,7 +8505,55 @@
           <p:nvPr/>
         </p:nvPicPr>
         <p:blipFill>
-          <a:blip r:embed="rId3"/>
+          <a:blip r:embed="rId3">
+            <a:extLst>
+              <a:ext uri="{BEBA8EAE-BF5A-486C-A8C5-ECC9F3942E4B}">
+                <a14:imgProps xmlns:a14="http://schemas.microsoft.com/office/drawing/2010/main">
+                  <a14:imgLayer>
+                    <a14:imgEffect>
+                      <a14:backgroundRemoval t="10000" b="90000" l="10000" r="90000">
+                        <a14:foregroundMark x1="25333" y1="28623" x2="29667" y2="50362"/>
+                        <a14:foregroundMark x1="19000" y1="15942" x2="15667" y2="51449"/>
+                        <a14:foregroundMark x1="15667" y1="51449" x2="27000" y2="84420"/>
+                        <a14:foregroundMark x1="27000" y1="84420" x2="58667" y2="84783"/>
+                        <a14:foregroundMark x1="58667" y1="84783" x2="80333" y2="57971"/>
+                        <a14:foregroundMark x1="80333" y1="57971" x2="80667" y2="23551"/>
+                        <a14:foregroundMark x1="80667" y1="23551" x2="50000" y2="13768"/>
+                        <a14:foregroundMark x1="50000" y1="13768" x2="18333" y2="16667"/>
+                        <a14:backgroundMark x1="3000" y1="10145" x2="3667" y2="59058"/>
+                        <a14:backgroundMark x1="3667" y1="59058" x2="18000" y2="90580"/>
+                        <a14:backgroundMark x1="18000" y1="90580" x2="50667" y2="91304"/>
+                        <a14:backgroundMark x1="50667" y1="91304" x2="82667" y2="86957"/>
+                        <a14:backgroundMark x1="82667" y1="86957" x2="83333" y2="82246"/>
+                        <a14:backgroundMark x1="13667" y1="10145" x2="46333" y2="7246"/>
+                        <a14:backgroundMark x1="46333" y1="7246" x2="79333" y2="7609"/>
+                        <a14:backgroundMark x1="79333" y1="7609" x2="95333" y2="41304"/>
+                        <a14:backgroundMark x1="95333" y1="41304" x2="93667" y2="78623"/>
+                        <a14:backgroundMark x1="93667" y1="78623" x2="65000" y2="98913"/>
+                        <a14:backgroundMark x1="65000" y1="98913" x2="14333" y2="99275"/>
+                        <a14:backgroundMark x1="14333" y1="99275" x2="5333" y2="65217"/>
+                        <a14:backgroundMark x1="5333" y1="65217" x2="5333" y2="30435"/>
+                        <a14:backgroundMark x1="5333" y1="30435" x2="13000" y2="10870"/>
+                        <a14:backgroundMark x1="0" y1="65942" x2="0" y2="65942"/>
+                      </a14:backgroundRemoval>
+                    </a14:imgEffect>
+                    <a14:imgEffect>
+                      <a14:sharpenSoften amount="50000"/>
+                    </a14:imgEffect>
+                    <a14:imgEffect>
+                      <a14:colorTemperature colorTemp="11200"/>
+                    </a14:imgEffect>
+                    <a14:imgEffect>
+                      <a14:saturation sat="0"/>
+                    </a14:imgEffect>
+                    <a14:imgEffect>
+                      <a14:brightnessContrast contrast="20000"/>
+                    </a14:imgEffect>
+                  </a14:imgLayer>
+                </a14:imgProps>
+              </a:ext>
+            </a:extLst>
+          </a:blip>
           <a:stretch>
             <a:fillRect/>
           </a:stretch>
@@ -7906,6 +8566,19 @@
           <a:prstGeom prst="rect">
             <a:avLst/>
           </a:prstGeom>
+          <a:effectLst>
+            <a:glow rad="101600">
+              <a:schemeClr val="bg2">
+                <a:lumMod val="50000"/>
+                <a:alpha val="60000"/>
+              </a:schemeClr>
+            </a:glow>
+            <a:outerShdw blurRad="50800" dist="38100" dir="2700000" algn="tl" rotWithShape="0">
+              <a:prstClr val="black">
+                <a:alpha val="40000"/>
+              </a:prstClr>
+            </a:outerShdw>
+          </a:effectLst>
         </p:spPr>
       </p:pic>
       <p:sp>
@@ -8093,6 +8766,18 @@
           <a:prstGeom prst="roundRect">
             <a:avLst/>
           </a:prstGeom>
+          <a:ln>
+            <a:solidFill>
+              <a:schemeClr val="tx1"/>
+            </a:solidFill>
+          </a:ln>
+          <a:effectLst>
+            <a:outerShdw blurRad="50800" dist="38100" dir="2700000" algn="tl" rotWithShape="0">
+              <a:prstClr val="black">
+                <a:alpha val="40000"/>
+              </a:prstClr>
+            </a:outerShdw>
+          </a:effectLst>
         </p:spPr>
         <p:style>
           <a:lnRef idx="2">
@@ -8142,6 +8827,18 @@
           <a:prstGeom prst="roundRect">
             <a:avLst/>
           </a:prstGeom>
+          <a:ln>
+            <a:solidFill>
+              <a:schemeClr val="tx1"/>
+            </a:solidFill>
+          </a:ln>
+          <a:effectLst>
+            <a:outerShdw blurRad="50800" dist="38100" dir="2700000" algn="tl" rotWithShape="0">
+              <a:prstClr val="black">
+                <a:alpha val="40000"/>
+              </a:prstClr>
+            </a:outerShdw>
+          </a:effectLst>
         </p:spPr>
         <p:style>
           <a:lnRef idx="2">
@@ -8191,6 +8888,18 @@
           <a:prstGeom prst="roundRect">
             <a:avLst/>
           </a:prstGeom>
+          <a:ln>
+            <a:solidFill>
+              <a:schemeClr val="tx1"/>
+            </a:solidFill>
+          </a:ln>
+          <a:effectLst>
+            <a:outerShdw blurRad="50800" dist="38100" dir="2700000" algn="tl" rotWithShape="0">
+              <a:prstClr val="black">
+                <a:alpha val="40000"/>
+              </a:prstClr>
+            </a:outerShdw>
+          </a:effectLst>
         </p:spPr>
         <p:style>
           <a:lnRef idx="2">
@@ -8240,6 +8949,18 @@
           <a:prstGeom prst="roundRect">
             <a:avLst/>
           </a:prstGeom>
+          <a:ln>
+            <a:solidFill>
+              <a:schemeClr val="tx1"/>
+            </a:solidFill>
+          </a:ln>
+          <a:effectLst>
+            <a:outerShdw blurRad="50800" dist="38100" dir="2700000" algn="tl" rotWithShape="0">
+              <a:prstClr val="black">
+                <a:alpha val="40000"/>
+              </a:prstClr>
+            </a:outerShdw>
+          </a:effectLst>
         </p:spPr>
         <p:style>
           <a:lnRef idx="2">
@@ -8283,7 +9004,7 @@
         </p:nvSpPr>
         <p:spPr>
           <a:xfrm rot="5400000">
-            <a:off x="1829493" y="2155636"/>
+            <a:off x="1881801" y="2176902"/>
             <a:ext cx="915879" cy="1568670"/>
           </a:xfrm>
           <a:prstGeom prst="bentUpArrow">
@@ -8306,6 +9027,13 @@
               </a:schemeClr>
             </a:solidFill>
           </a:ln>
+          <a:effectLst>
+            <a:outerShdw blurRad="50800" dist="38100" dir="2700000" algn="tl" rotWithShape="0">
+              <a:prstClr val="black">
+                <a:alpha val="40000"/>
+              </a:prstClr>
+            </a:outerShdw>
+          </a:effectLst>
         </p:spPr>
         <p:style>
           <a:lnRef idx="2">
@@ -8346,7 +9074,7 @@
         </p:nvSpPr>
         <p:spPr>
           <a:xfrm rot="5400000">
-            <a:off x="4013017" y="3272358"/>
+            <a:off x="4065325" y="3293624"/>
             <a:ext cx="936899" cy="1636989"/>
           </a:xfrm>
           <a:prstGeom prst="bentUpArrow">
@@ -8369,6 +9097,13 @@
               </a:schemeClr>
             </a:solidFill>
           </a:ln>
+          <a:effectLst>
+            <a:outerShdw blurRad="50800" dist="38100" dir="2700000" algn="tl" rotWithShape="0">
+              <a:prstClr val="black">
+                <a:alpha val="40000"/>
+              </a:prstClr>
+            </a:outerShdw>
+          </a:effectLst>
         </p:spPr>
         <p:style>
           <a:lnRef idx="2">
@@ -8391,7 +9126,7 @@
           <a:lstStyle/>
           <a:p>
             <a:pPr algn="ctr"/>
-            <a:endParaRPr lang="de-DE"/>
+            <a:endParaRPr lang="de-DE" dirty="0"/>
           </a:p>
         </p:txBody>
       </p:sp>
@@ -8409,7 +9144,7 @@
         </p:nvSpPr>
         <p:spPr>
           <a:xfrm rot="5400000">
-            <a:off x="6245891" y="4490984"/>
+            <a:off x="6298199" y="4512250"/>
             <a:ext cx="914401" cy="1608084"/>
           </a:xfrm>
           <a:prstGeom prst="bentUpArrow">
@@ -8432,6 +9167,13 @@
               </a:schemeClr>
             </a:solidFill>
           </a:ln>
+          <a:effectLst>
+            <a:outerShdw blurRad="50800" dist="38100" dir="2700000" algn="tl" rotWithShape="0">
+              <a:prstClr val="black">
+                <a:alpha val="40000"/>
+              </a:prstClr>
+            </a:outerShdw>
+          </a:effectLst>
         </p:spPr>
         <p:style>
           <a:lnRef idx="2">
@@ -8517,6 +9259,13 @@
               <a:schemeClr val="tx1"/>
             </a:solidFill>
           </a:ln>
+          <a:effectLst>
+            <a:outerShdw blurRad="50800" dist="38100" dir="2700000" algn="tl" rotWithShape="0">
+              <a:prstClr val="black">
+                <a:alpha val="40000"/>
+              </a:prstClr>
+            </a:outerShdw>
+          </a:effectLst>
         </p:spPr>
         <p:style>
           <a:lnRef idx="0">
@@ -8641,6 +9390,13 @@
                 <a:solidFill>
                   <a:schemeClr val="tx1"/>
                 </a:solidFill>
+                <a:effectLst>
+                  <a:outerShdw blurRad="50800" dist="38100" dir="2700000" algn="tl" rotWithShape="0">
+                    <a:prstClr val="black">
+                      <a:alpha val="40000"/>
+                    </a:prstClr>
+                  </a:outerShdw>
+                </a:effectLst>
               </a:rPr>
               <a:t>      1. Phasen Ergebnisse </a:t>
             </a:r>
@@ -8707,12 +9463,142 @@
           </a:p>
         </p:txBody>
       </p:sp>
+      <p:sp>
+        <p:nvSpPr>
+          <p:cNvPr id="21" name="Foliennummernplatzhalter 5">
+            <a:extLst>
+              <a:ext uri="{FF2B5EF4-FFF2-40B4-BE49-F238E27FC236}">
+                <a16:creationId xmlns:a16="http://schemas.microsoft.com/office/drawing/2014/main" id="{CA45C947-763C-AD4C-B6CB-90DBA8907858}"/>
+              </a:ext>
+            </a:extLst>
+          </p:cNvPr>
+          <p:cNvSpPr txBox="1">
+            <a:spLocks/>
+          </p:cNvSpPr>
+          <p:nvPr/>
+        </p:nvSpPr>
+        <p:spPr>
+          <a:xfrm>
+            <a:off x="8620547" y="6356350"/>
+            <a:ext cx="2743200" cy="365125"/>
+          </a:xfrm>
+          <a:prstGeom prst="rect">
+            <a:avLst/>
+          </a:prstGeom>
+        </p:spPr>
+        <p:txBody>
+          <a:bodyPr vert="horz" lIns="91440" tIns="45720" rIns="91440" bIns="45720" rtlCol="0" anchor="ctr"/>
+          <a:lstStyle>
+            <a:defPPr>
+              <a:defRPr lang="de-DE"/>
+            </a:defPPr>
+            <a:lvl1pPr marL="0" algn="r" defTabSz="914400" rtl="0" eaLnBrk="1" latinLnBrk="0" hangingPunct="1">
+              <a:defRPr sz="1200" kern="1200">
+                <a:solidFill>
+                  <a:schemeClr val="tx1">
+                    <a:tint val="75000"/>
+                  </a:schemeClr>
+                </a:solidFill>
+                <a:latin typeface="+mn-lt"/>
+                <a:ea typeface="+mn-ea"/>
+                <a:cs typeface="+mn-cs"/>
+              </a:defRPr>
+            </a:lvl1pPr>
+            <a:lvl2pPr marL="457200" algn="l" defTabSz="914400" rtl="0" eaLnBrk="1" latinLnBrk="0" hangingPunct="1">
+              <a:defRPr sz="1800" kern="1200">
+                <a:solidFill>
+                  <a:schemeClr val="tx1"/>
+                </a:solidFill>
+                <a:latin typeface="+mn-lt"/>
+                <a:ea typeface="+mn-ea"/>
+                <a:cs typeface="+mn-cs"/>
+              </a:defRPr>
+            </a:lvl2pPr>
+            <a:lvl3pPr marL="914400" algn="l" defTabSz="914400" rtl="0" eaLnBrk="1" latinLnBrk="0" hangingPunct="1">
+              <a:defRPr sz="1800" kern="1200">
+                <a:solidFill>
+                  <a:schemeClr val="tx1"/>
+                </a:solidFill>
+                <a:latin typeface="+mn-lt"/>
+                <a:ea typeface="+mn-ea"/>
+                <a:cs typeface="+mn-cs"/>
+              </a:defRPr>
+            </a:lvl3pPr>
+            <a:lvl4pPr marL="1371600" algn="l" defTabSz="914400" rtl="0" eaLnBrk="1" latinLnBrk="0" hangingPunct="1">
+              <a:defRPr sz="1800" kern="1200">
+                <a:solidFill>
+                  <a:schemeClr val="tx1"/>
+                </a:solidFill>
+                <a:latin typeface="+mn-lt"/>
+                <a:ea typeface="+mn-ea"/>
+                <a:cs typeface="+mn-cs"/>
+              </a:defRPr>
+            </a:lvl4pPr>
+            <a:lvl5pPr marL="1828800" algn="l" defTabSz="914400" rtl="0" eaLnBrk="1" latinLnBrk="0" hangingPunct="1">
+              <a:defRPr sz="1800" kern="1200">
+                <a:solidFill>
+                  <a:schemeClr val="tx1"/>
+                </a:solidFill>
+                <a:latin typeface="+mn-lt"/>
+                <a:ea typeface="+mn-ea"/>
+                <a:cs typeface="+mn-cs"/>
+              </a:defRPr>
+            </a:lvl5pPr>
+            <a:lvl6pPr marL="2286000" algn="l" defTabSz="914400" rtl="0" eaLnBrk="1" latinLnBrk="0" hangingPunct="1">
+              <a:defRPr sz="1800" kern="1200">
+                <a:solidFill>
+                  <a:schemeClr val="tx1"/>
+                </a:solidFill>
+                <a:latin typeface="+mn-lt"/>
+                <a:ea typeface="+mn-ea"/>
+                <a:cs typeface="+mn-cs"/>
+              </a:defRPr>
+            </a:lvl6pPr>
+            <a:lvl7pPr marL="2743200" algn="l" defTabSz="914400" rtl="0" eaLnBrk="1" latinLnBrk="0" hangingPunct="1">
+              <a:defRPr sz="1800" kern="1200">
+                <a:solidFill>
+                  <a:schemeClr val="tx1"/>
+                </a:solidFill>
+                <a:latin typeface="+mn-lt"/>
+                <a:ea typeface="+mn-ea"/>
+                <a:cs typeface="+mn-cs"/>
+              </a:defRPr>
+            </a:lvl7pPr>
+            <a:lvl8pPr marL="3200400" algn="l" defTabSz="914400" rtl="0" eaLnBrk="1" latinLnBrk="0" hangingPunct="1">
+              <a:defRPr sz="1800" kern="1200">
+                <a:solidFill>
+                  <a:schemeClr val="tx1"/>
+                </a:solidFill>
+                <a:latin typeface="+mn-lt"/>
+                <a:ea typeface="+mn-ea"/>
+                <a:cs typeface="+mn-cs"/>
+              </a:defRPr>
+            </a:lvl8pPr>
+            <a:lvl9pPr marL="3657600" algn="l" defTabSz="914400" rtl="0" eaLnBrk="1" latinLnBrk="0" hangingPunct="1">
+              <a:defRPr sz="1800" kern="1200">
+                <a:solidFill>
+                  <a:schemeClr val="tx1"/>
+                </a:solidFill>
+                <a:latin typeface="+mn-lt"/>
+                <a:ea typeface="+mn-ea"/>
+                <a:cs typeface="+mn-cs"/>
+              </a:defRPr>
+            </a:lvl9pPr>
+          </a:lstStyle>
+          <a:p>
+            <a:r>
+              <a:rPr lang="de-DE" dirty="0"/>
+              <a:t>3</a:t>
+            </a:r>
+          </a:p>
+        </p:txBody>
+      </p:sp>
       <p:pic>
         <p:nvPicPr>
-          <p:cNvPr id="12" name="Inhaltsplatzhalter 4">
-            <a:extLst>
-              <a:ext uri="{FF2B5EF4-FFF2-40B4-BE49-F238E27FC236}">
-                <a16:creationId xmlns:a16="http://schemas.microsoft.com/office/drawing/2014/main" id="{F30B086A-E7B5-054A-A8D0-215EE2475B0D}"/>
+          <p:cNvPr id="17" name="Inhaltsplatzhalter 4">
+            <a:extLst>
+              <a:ext uri="{FF2B5EF4-FFF2-40B4-BE49-F238E27FC236}">
+                <a16:creationId xmlns:a16="http://schemas.microsoft.com/office/drawing/2014/main" id="{1045912C-E1A7-1C4E-BC7B-7E37C3F16D22}"/>
               </a:ext>
             </a:extLst>
           </p:cNvPr>
@@ -8722,7 +9608,55 @@
           <p:nvPr/>
         </p:nvPicPr>
         <p:blipFill>
-          <a:blip r:embed="rId3"/>
+          <a:blip r:embed="rId3">
+            <a:extLst>
+              <a:ext uri="{BEBA8EAE-BF5A-486C-A8C5-ECC9F3942E4B}">
+                <a14:imgProps xmlns:a14="http://schemas.microsoft.com/office/drawing/2010/main">
+                  <a14:imgLayer>
+                    <a14:imgEffect>
+                      <a14:backgroundRemoval t="10000" b="90000" l="10000" r="90000">
+                        <a14:foregroundMark x1="25333" y1="28623" x2="29667" y2="50362"/>
+                        <a14:foregroundMark x1="19000" y1="15942" x2="15667" y2="51449"/>
+                        <a14:foregroundMark x1="15667" y1="51449" x2="27000" y2="84420"/>
+                        <a14:foregroundMark x1="27000" y1="84420" x2="58667" y2="84783"/>
+                        <a14:foregroundMark x1="58667" y1="84783" x2="80333" y2="57971"/>
+                        <a14:foregroundMark x1="80333" y1="57971" x2="80667" y2="23551"/>
+                        <a14:foregroundMark x1="80667" y1="23551" x2="50000" y2="13768"/>
+                        <a14:foregroundMark x1="50000" y1="13768" x2="18333" y2="16667"/>
+                        <a14:backgroundMark x1="3000" y1="10145" x2="3667" y2="59058"/>
+                        <a14:backgroundMark x1="3667" y1="59058" x2="18000" y2="90580"/>
+                        <a14:backgroundMark x1="18000" y1="90580" x2="50667" y2="91304"/>
+                        <a14:backgroundMark x1="50667" y1="91304" x2="82667" y2="86957"/>
+                        <a14:backgroundMark x1="82667" y1="86957" x2="83333" y2="82246"/>
+                        <a14:backgroundMark x1="13667" y1="10145" x2="46333" y2="7246"/>
+                        <a14:backgroundMark x1="46333" y1="7246" x2="79333" y2="7609"/>
+                        <a14:backgroundMark x1="79333" y1="7609" x2="95333" y2="41304"/>
+                        <a14:backgroundMark x1="95333" y1="41304" x2="93667" y2="78623"/>
+                        <a14:backgroundMark x1="93667" y1="78623" x2="65000" y2="98913"/>
+                        <a14:backgroundMark x1="65000" y1="98913" x2="14333" y2="99275"/>
+                        <a14:backgroundMark x1="14333" y1="99275" x2="5333" y2="65217"/>
+                        <a14:backgroundMark x1="5333" y1="65217" x2="5333" y2="30435"/>
+                        <a14:backgroundMark x1="5333" y1="30435" x2="13000" y2="10870"/>
+                        <a14:backgroundMark x1="0" y1="65942" x2="0" y2="65942"/>
+                      </a14:backgroundRemoval>
+                    </a14:imgEffect>
+                    <a14:imgEffect>
+                      <a14:sharpenSoften amount="50000"/>
+                    </a14:imgEffect>
+                    <a14:imgEffect>
+                      <a14:colorTemperature colorTemp="11200"/>
+                    </a14:imgEffect>
+                    <a14:imgEffect>
+                      <a14:saturation sat="0"/>
+                    </a14:imgEffect>
+                    <a14:imgEffect>
+                      <a14:brightnessContrast contrast="20000"/>
+                    </a14:imgEffect>
+                  </a14:imgLayer>
+                </a14:imgProps>
+              </a:ext>
+            </a:extLst>
+          </a:blip>
           <a:stretch>
             <a:fillRect/>
           </a:stretch>
@@ -8735,138 +9669,21 @@
           <a:prstGeom prst="rect">
             <a:avLst/>
           </a:prstGeom>
+          <a:effectLst>
+            <a:glow rad="101600">
+              <a:schemeClr val="bg2">
+                <a:lumMod val="50000"/>
+                <a:alpha val="60000"/>
+              </a:schemeClr>
+            </a:glow>
+            <a:outerShdw blurRad="50800" dist="38100" dir="2700000" algn="tl" rotWithShape="0">
+              <a:prstClr val="black">
+                <a:alpha val="40000"/>
+              </a:prstClr>
+            </a:outerShdw>
+          </a:effectLst>
         </p:spPr>
       </p:pic>
-      <p:sp>
-        <p:nvSpPr>
-          <p:cNvPr id="21" name="Foliennummernplatzhalter 5">
-            <a:extLst>
-              <a:ext uri="{FF2B5EF4-FFF2-40B4-BE49-F238E27FC236}">
-                <a16:creationId xmlns:a16="http://schemas.microsoft.com/office/drawing/2014/main" id="{CA45C947-763C-AD4C-B6CB-90DBA8907858}"/>
-              </a:ext>
-            </a:extLst>
-          </p:cNvPr>
-          <p:cNvSpPr txBox="1">
-            <a:spLocks/>
-          </p:cNvSpPr>
-          <p:nvPr/>
-        </p:nvSpPr>
-        <p:spPr>
-          <a:xfrm>
-            <a:off x="8620547" y="6356350"/>
-            <a:ext cx="2743200" cy="365125"/>
-          </a:xfrm>
-          <a:prstGeom prst="rect">
-            <a:avLst/>
-          </a:prstGeom>
-        </p:spPr>
-        <p:txBody>
-          <a:bodyPr vert="horz" lIns="91440" tIns="45720" rIns="91440" bIns="45720" rtlCol="0" anchor="ctr"/>
-          <a:lstStyle>
-            <a:defPPr>
-              <a:defRPr lang="de-DE"/>
-            </a:defPPr>
-            <a:lvl1pPr marL="0" algn="r" defTabSz="914400" rtl="0" eaLnBrk="1" latinLnBrk="0" hangingPunct="1">
-              <a:defRPr sz="1200" kern="1200">
-                <a:solidFill>
-                  <a:schemeClr val="tx1">
-                    <a:tint val="75000"/>
-                  </a:schemeClr>
-                </a:solidFill>
-                <a:latin typeface="+mn-lt"/>
-                <a:ea typeface="+mn-ea"/>
-                <a:cs typeface="+mn-cs"/>
-              </a:defRPr>
-            </a:lvl1pPr>
-            <a:lvl2pPr marL="457200" algn="l" defTabSz="914400" rtl="0" eaLnBrk="1" latinLnBrk="0" hangingPunct="1">
-              <a:defRPr sz="1800" kern="1200">
-                <a:solidFill>
-                  <a:schemeClr val="tx1"/>
-                </a:solidFill>
-                <a:latin typeface="+mn-lt"/>
-                <a:ea typeface="+mn-ea"/>
-                <a:cs typeface="+mn-cs"/>
-              </a:defRPr>
-            </a:lvl2pPr>
-            <a:lvl3pPr marL="914400" algn="l" defTabSz="914400" rtl="0" eaLnBrk="1" latinLnBrk="0" hangingPunct="1">
-              <a:defRPr sz="1800" kern="1200">
-                <a:solidFill>
-                  <a:schemeClr val="tx1"/>
-                </a:solidFill>
-                <a:latin typeface="+mn-lt"/>
-                <a:ea typeface="+mn-ea"/>
-                <a:cs typeface="+mn-cs"/>
-              </a:defRPr>
-            </a:lvl3pPr>
-            <a:lvl4pPr marL="1371600" algn="l" defTabSz="914400" rtl="0" eaLnBrk="1" latinLnBrk="0" hangingPunct="1">
-              <a:defRPr sz="1800" kern="1200">
-                <a:solidFill>
-                  <a:schemeClr val="tx1"/>
-                </a:solidFill>
-                <a:latin typeface="+mn-lt"/>
-                <a:ea typeface="+mn-ea"/>
-                <a:cs typeface="+mn-cs"/>
-              </a:defRPr>
-            </a:lvl4pPr>
-            <a:lvl5pPr marL="1828800" algn="l" defTabSz="914400" rtl="0" eaLnBrk="1" latinLnBrk="0" hangingPunct="1">
-              <a:defRPr sz="1800" kern="1200">
-                <a:solidFill>
-                  <a:schemeClr val="tx1"/>
-                </a:solidFill>
-                <a:latin typeface="+mn-lt"/>
-                <a:ea typeface="+mn-ea"/>
-                <a:cs typeface="+mn-cs"/>
-              </a:defRPr>
-            </a:lvl5pPr>
-            <a:lvl6pPr marL="2286000" algn="l" defTabSz="914400" rtl="0" eaLnBrk="1" latinLnBrk="0" hangingPunct="1">
-              <a:defRPr sz="1800" kern="1200">
-                <a:solidFill>
-                  <a:schemeClr val="tx1"/>
-                </a:solidFill>
-                <a:latin typeface="+mn-lt"/>
-                <a:ea typeface="+mn-ea"/>
-                <a:cs typeface="+mn-cs"/>
-              </a:defRPr>
-            </a:lvl6pPr>
-            <a:lvl7pPr marL="2743200" algn="l" defTabSz="914400" rtl="0" eaLnBrk="1" latinLnBrk="0" hangingPunct="1">
-              <a:defRPr sz="1800" kern="1200">
-                <a:solidFill>
-                  <a:schemeClr val="tx1"/>
-                </a:solidFill>
-                <a:latin typeface="+mn-lt"/>
-                <a:ea typeface="+mn-ea"/>
-                <a:cs typeface="+mn-cs"/>
-              </a:defRPr>
-            </a:lvl7pPr>
-            <a:lvl8pPr marL="3200400" algn="l" defTabSz="914400" rtl="0" eaLnBrk="1" latinLnBrk="0" hangingPunct="1">
-              <a:defRPr sz="1800" kern="1200">
-                <a:solidFill>
-                  <a:schemeClr val="tx1"/>
-                </a:solidFill>
-                <a:latin typeface="+mn-lt"/>
-                <a:ea typeface="+mn-ea"/>
-                <a:cs typeface="+mn-cs"/>
-              </a:defRPr>
-            </a:lvl8pPr>
-            <a:lvl9pPr marL="3657600" algn="l" defTabSz="914400" rtl="0" eaLnBrk="1" latinLnBrk="0" hangingPunct="1">
-              <a:defRPr sz="1800" kern="1200">
-                <a:solidFill>
-                  <a:schemeClr val="tx1"/>
-                </a:solidFill>
-                <a:latin typeface="+mn-lt"/>
-                <a:ea typeface="+mn-ea"/>
-                <a:cs typeface="+mn-cs"/>
-              </a:defRPr>
-            </a:lvl9pPr>
-          </a:lstStyle>
-          <a:p>
-            <a:r>
-              <a:rPr lang="de-DE" dirty="0"/>
-              <a:t>3</a:t>
-            </a:r>
-          </a:p>
-        </p:txBody>
-      </p:sp>
     </p:spTree>
     <p:extLst>
       <p:ext uri="{BB962C8B-B14F-4D97-AF65-F5344CB8AC3E}">
@@ -9280,18 +10097,155 @@
                 <a:solidFill>
                   <a:schemeClr val="tx1"/>
                 </a:solidFill>
+                <a:effectLst>
+                  <a:outerShdw blurRad="50800" dist="38100" dir="2700000" algn="tl" rotWithShape="0">
+                    <a:prstClr val="black">
+                      <a:alpha val="40000"/>
+                    </a:prstClr>
+                  </a:outerShdw>
+                </a:effectLst>
               </a:rPr>
               <a:t>      1.1 Pflichtenheft </a:t>
             </a:r>
           </a:p>
         </p:txBody>
       </p:sp>
+      <p:sp>
+        <p:nvSpPr>
+          <p:cNvPr id="10" name="Foliennummernplatzhalter 5">
+            <a:extLst>
+              <a:ext uri="{FF2B5EF4-FFF2-40B4-BE49-F238E27FC236}">
+                <a16:creationId xmlns:a16="http://schemas.microsoft.com/office/drawing/2014/main" id="{A8C96C1F-C583-234D-BE78-DA6988C4B272}"/>
+              </a:ext>
+            </a:extLst>
+          </p:cNvPr>
+          <p:cNvSpPr txBox="1">
+            <a:spLocks/>
+          </p:cNvSpPr>
+          <p:nvPr/>
+        </p:nvSpPr>
+        <p:spPr>
+          <a:xfrm>
+            <a:off x="8620547" y="6356350"/>
+            <a:ext cx="2743200" cy="365125"/>
+          </a:xfrm>
+          <a:prstGeom prst="rect">
+            <a:avLst/>
+          </a:prstGeom>
+        </p:spPr>
+        <p:txBody>
+          <a:bodyPr vert="horz" lIns="91440" tIns="45720" rIns="91440" bIns="45720" rtlCol="0" anchor="ctr"/>
+          <a:lstStyle>
+            <a:defPPr>
+              <a:defRPr lang="de-DE"/>
+            </a:defPPr>
+            <a:lvl1pPr marL="0" algn="r" defTabSz="914400" rtl="0" eaLnBrk="1" latinLnBrk="0" hangingPunct="1">
+              <a:defRPr sz="1200" kern="1200">
+                <a:solidFill>
+                  <a:schemeClr val="tx1">
+                    <a:tint val="75000"/>
+                  </a:schemeClr>
+                </a:solidFill>
+                <a:latin typeface="+mn-lt"/>
+                <a:ea typeface="+mn-ea"/>
+                <a:cs typeface="+mn-cs"/>
+              </a:defRPr>
+            </a:lvl1pPr>
+            <a:lvl2pPr marL="457200" algn="l" defTabSz="914400" rtl="0" eaLnBrk="1" latinLnBrk="0" hangingPunct="1">
+              <a:defRPr sz="1800" kern="1200">
+                <a:solidFill>
+                  <a:schemeClr val="tx1"/>
+                </a:solidFill>
+                <a:latin typeface="+mn-lt"/>
+                <a:ea typeface="+mn-ea"/>
+                <a:cs typeface="+mn-cs"/>
+              </a:defRPr>
+            </a:lvl2pPr>
+            <a:lvl3pPr marL="914400" algn="l" defTabSz="914400" rtl="0" eaLnBrk="1" latinLnBrk="0" hangingPunct="1">
+              <a:defRPr sz="1800" kern="1200">
+                <a:solidFill>
+                  <a:schemeClr val="tx1"/>
+                </a:solidFill>
+                <a:latin typeface="+mn-lt"/>
+                <a:ea typeface="+mn-ea"/>
+                <a:cs typeface="+mn-cs"/>
+              </a:defRPr>
+            </a:lvl3pPr>
+            <a:lvl4pPr marL="1371600" algn="l" defTabSz="914400" rtl="0" eaLnBrk="1" latinLnBrk="0" hangingPunct="1">
+              <a:defRPr sz="1800" kern="1200">
+                <a:solidFill>
+                  <a:schemeClr val="tx1"/>
+                </a:solidFill>
+                <a:latin typeface="+mn-lt"/>
+                <a:ea typeface="+mn-ea"/>
+                <a:cs typeface="+mn-cs"/>
+              </a:defRPr>
+            </a:lvl4pPr>
+            <a:lvl5pPr marL="1828800" algn="l" defTabSz="914400" rtl="0" eaLnBrk="1" latinLnBrk="0" hangingPunct="1">
+              <a:defRPr sz="1800" kern="1200">
+                <a:solidFill>
+                  <a:schemeClr val="tx1"/>
+                </a:solidFill>
+                <a:latin typeface="+mn-lt"/>
+                <a:ea typeface="+mn-ea"/>
+                <a:cs typeface="+mn-cs"/>
+              </a:defRPr>
+            </a:lvl5pPr>
+            <a:lvl6pPr marL="2286000" algn="l" defTabSz="914400" rtl="0" eaLnBrk="1" latinLnBrk="0" hangingPunct="1">
+              <a:defRPr sz="1800" kern="1200">
+                <a:solidFill>
+                  <a:schemeClr val="tx1"/>
+                </a:solidFill>
+                <a:latin typeface="+mn-lt"/>
+                <a:ea typeface="+mn-ea"/>
+                <a:cs typeface="+mn-cs"/>
+              </a:defRPr>
+            </a:lvl6pPr>
+            <a:lvl7pPr marL="2743200" algn="l" defTabSz="914400" rtl="0" eaLnBrk="1" latinLnBrk="0" hangingPunct="1">
+              <a:defRPr sz="1800" kern="1200">
+                <a:solidFill>
+                  <a:schemeClr val="tx1"/>
+                </a:solidFill>
+                <a:latin typeface="+mn-lt"/>
+                <a:ea typeface="+mn-ea"/>
+                <a:cs typeface="+mn-cs"/>
+              </a:defRPr>
+            </a:lvl7pPr>
+            <a:lvl8pPr marL="3200400" algn="l" defTabSz="914400" rtl="0" eaLnBrk="1" latinLnBrk="0" hangingPunct="1">
+              <a:defRPr sz="1800" kern="1200">
+                <a:solidFill>
+                  <a:schemeClr val="tx1"/>
+                </a:solidFill>
+                <a:latin typeface="+mn-lt"/>
+                <a:ea typeface="+mn-ea"/>
+                <a:cs typeface="+mn-cs"/>
+              </a:defRPr>
+            </a:lvl8pPr>
+            <a:lvl9pPr marL="3657600" algn="l" defTabSz="914400" rtl="0" eaLnBrk="1" latinLnBrk="0" hangingPunct="1">
+              <a:defRPr sz="1800" kern="1200">
+                <a:solidFill>
+                  <a:schemeClr val="tx1"/>
+                </a:solidFill>
+                <a:latin typeface="+mn-lt"/>
+                <a:ea typeface="+mn-ea"/>
+                <a:cs typeface="+mn-cs"/>
+              </a:defRPr>
+            </a:lvl9pPr>
+          </a:lstStyle>
+          <a:p>
+            <a:r>
+              <a:rPr lang="de-DE" dirty="0"/>
+              <a:t>4</a:t>
+            </a:r>
+          </a:p>
+        </p:txBody>
+      </p:sp>
       <p:pic>
         <p:nvPicPr>
-          <p:cNvPr id="4" name="Inhaltsplatzhalter 4">
-            <a:extLst>
-              <a:ext uri="{FF2B5EF4-FFF2-40B4-BE49-F238E27FC236}">
-                <a16:creationId xmlns:a16="http://schemas.microsoft.com/office/drawing/2014/main" id="{4FAFCDC8-299E-E145-896B-892EF6032171}"/>
+          <p:cNvPr id="11" name="Inhaltsplatzhalter 4">
+            <a:extLst>
+              <a:ext uri="{FF2B5EF4-FFF2-40B4-BE49-F238E27FC236}">
+                <a16:creationId xmlns:a16="http://schemas.microsoft.com/office/drawing/2014/main" id="{B3C76160-AA00-A947-B400-FD9A61BB1F95}"/>
               </a:ext>
             </a:extLst>
           </p:cNvPr>
@@ -9301,7 +10255,55 @@
           <p:nvPr/>
         </p:nvPicPr>
         <p:blipFill>
-          <a:blip r:embed="rId3"/>
+          <a:blip r:embed="rId3">
+            <a:extLst>
+              <a:ext uri="{BEBA8EAE-BF5A-486C-A8C5-ECC9F3942E4B}">
+                <a14:imgProps xmlns:a14="http://schemas.microsoft.com/office/drawing/2010/main">
+                  <a14:imgLayer>
+                    <a14:imgEffect>
+                      <a14:backgroundRemoval t="10000" b="90000" l="10000" r="90000">
+                        <a14:foregroundMark x1="25333" y1="28623" x2="29667" y2="50362"/>
+                        <a14:foregroundMark x1="19000" y1="15942" x2="15667" y2="51449"/>
+                        <a14:foregroundMark x1="15667" y1="51449" x2="27000" y2="84420"/>
+                        <a14:foregroundMark x1="27000" y1="84420" x2="58667" y2="84783"/>
+                        <a14:foregroundMark x1="58667" y1="84783" x2="80333" y2="57971"/>
+                        <a14:foregroundMark x1="80333" y1="57971" x2="80667" y2="23551"/>
+                        <a14:foregroundMark x1="80667" y1="23551" x2="50000" y2="13768"/>
+                        <a14:foregroundMark x1="50000" y1="13768" x2="18333" y2="16667"/>
+                        <a14:backgroundMark x1="3000" y1="10145" x2="3667" y2="59058"/>
+                        <a14:backgroundMark x1="3667" y1="59058" x2="18000" y2="90580"/>
+                        <a14:backgroundMark x1="18000" y1="90580" x2="50667" y2="91304"/>
+                        <a14:backgroundMark x1="50667" y1="91304" x2="82667" y2="86957"/>
+                        <a14:backgroundMark x1="82667" y1="86957" x2="83333" y2="82246"/>
+                        <a14:backgroundMark x1="13667" y1="10145" x2="46333" y2="7246"/>
+                        <a14:backgroundMark x1="46333" y1="7246" x2="79333" y2="7609"/>
+                        <a14:backgroundMark x1="79333" y1="7609" x2="95333" y2="41304"/>
+                        <a14:backgroundMark x1="95333" y1="41304" x2="93667" y2="78623"/>
+                        <a14:backgroundMark x1="93667" y1="78623" x2="65000" y2="98913"/>
+                        <a14:backgroundMark x1="65000" y1="98913" x2="14333" y2="99275"/>
+                        <a14:backgroundMark x1="14333" y1="99275" x2="5333" y2="65217"/>
+                        <a14:backgroundMark x1="5333" y1="65217" x2="5333" y2="30435"/>
+                        <a14:backgroundMark x1="5333" y1="30435" x2="13000" y2="10870"/>
+                        <a14:backgroundMark x1="0" y1="65942" x2="0" y2="65942"/>
+                      </a14:backgroundRemoval>
+                    </a14:imgEffect>
+                    <a14:imgEffect>
+                      <a14:sharpenSoften amount="50000"/>
+                    </a14:imgEffect>
+                    <a14:imgEffect>
+                      <a14:colorTemperature colorTemp="11200"/>
+                    </a14:imgEffect>
+                    <a14:imgEffect>
+                      <a14:saturation sat="0"/>
+                    </a14:imgEffect>
+                    <a14:imgEffect>
+                      <a14:brightnessContrast contrast="20000"/>
+                    </a14:imgEffect>
+                  </a14:imgLayer>
+                </a14:imgProps>
+              </a:ext>
+            </a:extLst>
+          </a:blip>
           <a:stretch>
             <a:fillRect/>
           </a:stretch>
@@ -9314,138 +10316,21 @@
           <a:prstGeom prst="rect">
             <a:avLst/>
           </a:prstGeom>
+          <a:effectLst>
+            <a:glow rad="101600">
+              <a:schemeClr val="bg2">
+                <a:lumMod val="50000"/>
+                <a:alpha val="60000"/>
+              </a:schemeClr>
+            </a:glow>
+            <a:outerShdw blurRad="50800" dist="38100" dir="2700000" algn="tl" rotWithShape="0">
+              <a:prstClr val="black">
+                <a:alpha val="40000"/>
+              </a:prstClr>
+            </a:outerShdw>
+          </a:effectLst>
         </p:spPr>
       </p:pic>
-      <p:sp>
-        <p:nvSpPr>
-          <p:cNvPr id="10" name="Foliennummernplatzhalter 5">
-            <a:extLst>
-              <a:ext uri="{FF2B5EF4-FFF2-40B4-BE49-F238E27FC236}">
-                <a16:creationId xmlns:a16="http://schemas.microsoft.com/office/drawing/2014/main" id="{A8C96C1F-C583-234D-BE78-DA6988C4B272}"/>
-              </a:ext>
-            </a:extLst>
-          </p:cNvPr>
-          <p:cNvSpPr txBox="1">
-            <a:spLocks/>
-          </p:cNvSpPr>
-          <p:nvPr/>
-        </p:nvSpPr>
-        <p:spPr>
-          <a:xfrm>
-            <a:off x="8620547" y="6356350"/>
-            <a:ext cx="2743200" cy="365125"/>
-          </a:xfrm>
-          <a:prstGeom prst="rect">
-            <a:avLst/>
-          </a:prstGeom>
-        </p:spPr>
-        <p:txBody>
-          <a:bodyPr vert="horz" lIns="91440" tIns="45720" rIns="91440" bIns="45720" rtlCol="0" anchor="ctr"/>
-          <a:lstStyle>
-            <a:defPPr>
-              <a:defRPr lang="de-DE"/>
-            </a:defPPr>
-            <a:lvl1pPr marL="0" algn="r" defTabSz="914400" rtl="0" eaLnBrk="1" latinLnBrk="0" hangingPunct="1">
-              <a:defRPr sz="1200" kern="1200">
-                <a:solidFill>
-                  <a:schemeClr val="tx1">
-                    <a:tint val="75000"/>
-                  </a:schemeClr>
-                </a:solidFill>
-                <a:latin typeface="+mn-lt"/>
-                <a:ea typeface="+mn-ea"/>
-                <a:cs typeface="+mn-cs"/>
-              </a:defRPr>
-            </a:lvl1pPr>
-            <a:lvl2pPr marL="457200" algn="l" defTabSz="914400" rtl="0" eaLnBrk="1" latinLnBrk="0" hangingPunct="1">
-              <a:defRPr sz="1800" kern="1200">
-                <a:solidFill>
-                  <a:schemeClr val="tx1"/>
-                </a:solidFill>
-                <a:latin typeface="+mn-lt"/>
-                <a:ea typeface="+mn-ea"/>
-                <a:cs typeface="+mn-cs"/>
-              </a:defRPr>
-            </a:lvl2pPr>
-            <a:lvl3pPr marL="914400" algn="l" defTabSz="914400" rtl="0" eaLnBrk="1" latinLnBrk="0" hangingPunct="1">
-              <a:defRPr sz="1800" kern="1200">
-                <a:solidFill>
-                  <a:schemeClr val="tx1"/>
-                </a:solidFill>
-                <a:latin typeface="+mn-lt"/>
-                <a:ea typeface="+mn-ea"/>
-                <a:cs typeface="+mn-cs"/>
-              </a:defRPr>
-            </a:lvl3pPr>
-            <a:lvl4pPr marL="1371600" algn="l" defTabSz="914400" rtl="0" eaLnBrk="1" latinLnBrk="0" hangingPunct="1">
-              <a:defRPr sz="1800" kern="1200">
-                <a:solidFill>
-                  <a:schemeClr val="tx1"/>
-                </a:solidFill>
-                <a:latin typeface="+mn-lt"/>
-                <a:ea typeface="+mn-ea"/>
-                <a:cs typeface="+mn-cs"/>
-              </a:defRPr>
-            </a:lvl4pPr>
-            <a:lvl5pPr marL="1828800" algn="l" defTabSz="914400" rtl="0" eaLnBrk="1" latinLnBrk="0" hangingPunct="1">
-              <a:defRPr sz="1800" kern="1200">
-                <a:solidFill>
-                  <a:schemeClr val="tx1"/>
-                </a:solidFill>
-                <a:latin typeface="+mn-lt"/>
-                <a:ea typeface="+mn-ea"/>
-                <a:cs typeface="+mn-cs"/>
-              </a:defRPr>
-            </a:lvl5pPr>
-            <a:lvl6pPr marL="2286000" algn="l" defTabSz="914400" rtl="0" eaLnBrk="1" latinLnBrk="0" hangingPunct="1">
-              <a:defRPr sz="1800" kern="1200">
-                <a:solidFill>
-                  <a:schemeClr val="tx1"/>
-                </a:solidFill>
-                <a:latin typeface="+mn-lt"/>
-                <a:ea typeface="+mn-ea"/>
-                <a:cs typeface="+mn-cs"/>
-              </a:defRPr>
-            </a:lvl6pPr>
-            <a:lvl7pPr marL="2743200" algn="l" defTabSz="914400" rtl="0" eaLnBrk="1" latinLnBrk="0" hangingPunct="1">
-              <a:defRPr sz="1800" kern="1200">
-                <a:solidFill>
-                  <a:schemeClr val="tx1"/>
-                </a:solidFill>
-                <a:latin typeface="+mn-lt"/>
-                <a:ea typeface="+mn-ea"/>
-                <a:cs typeface="+mn-cs"/>
-              </a:defRPr>
-            </a:lvl7pPr>
-            <a:lvl8pPr marL="3200400" algn="l" defTabSz="914400" rtl="0" eaLnBrk="1" latinLnBrk="0" hangingPunct="1">
-              <a:defRPr sz="1800" kern="1200">
-                <a:solidFill>
-                  <a:schemeClr val="tx1"/>
-                </a:solidFill>
-                <a:latin typeface="+mn-lt"/>
-                <a:ea typeface="+mn-ea"/>
-                <a:cs typeface="+mn-cs"/>
-              </a:defRPr>
-            </a:lvl8pPr>
-            <a:lvl9pPr marL="3657600" algn="l" defTabSz="914400" rtl="0" eaLnBrk="1" latinLnBrk="0" hangingPunct="1">
-              <a:defRPr sz="1800" kern="1200">
-                <a:solidFill>
-                  <a:schemeClr val="tx1"/>
-                </a:solidFill>
-                <a:latin typeface="+mn-lt"/>
-                <a:ea typeface="+mn-ea"/>
-                <a:cs typeface="+mn-cs"/>
-              </a:defRPr>
-            </a:lvl9pPr>
-          </a:lstStyle>
-          <a:p>
-            <a:r>
-              <a:rPr lang="de-DE" dirty="0"/>
-              <a:t>4</a:t>
-            </a:r>
-          </a:p>
-        </p:txBody>
-      </p:sp>
     </p:spTree>
     <p:extLst>
       <p:ext uri="{BB962C8B-B14F-4D97-AF65-F5344CB8AC3E}">
@@ -9522,36 +10407,6 @@
           </a:prstGeom>
         </p:spPr>
       </p:pic>
-      <p:pic>
-        <p:nvPicPr>
-          <p:cNvPr id="7" name="Inhaltsplatzhalter 4">
-            <a:extLst>
-              <a:ext uri="{FF2B5EF4-FFF2-40B4-BE49-F238E27FC236}">
-                <a16:creationId xmlns:a16="http://schemas.microsoft.com/office/drawing/2014/main" id="{26B3EE55-F062-BA42-A3A0-061F3EFE4C5D}"/>
-              </a:ext>
-            </a:extLst>
-          </p:cNvPr>
-          <p:cNvPicPr>
-            <a:picLocks noChangeAspect="1"/>
-          </p:cNvPicPr>
-          <p:nvPr/>
-        </p:nvPicPr>
-        <p:blipFill>
-          <a:blip r:embed="rId3"/>
-          <a:stretch>
-            <a:fillRect/>
-          </a:stretch>
-        </p:blipFill>
-        <p:spPr>
-          <a:xfrm>
-            <a:off x="10687711" y="-110171"/>
-            <a:ext cx="1504289" cy="1383945"/>
-          </a:xfrm>
-          <a:prstGeom prst="rect">
-            <a:avLst/>
-          </a:prstGeom>
-        </p:spPr>
-      </p:pic>
       <p:sp>
         <p:nvSpPr>
           <p:cNvPr id="9" name="Foliennummernplatzhalter 8">
@@ -9838,6 +10693,13 @@
                 <a:solidFill>
                   <a:schemeClr val="tx1"/>
                 </a:solidFill>
+                <a:effectLst>
+                  <a:outerShdw blurRad="50800" dist="38100" dir="2700000" algn="tl" rotWithShape="0">
+                    <a:prstClr val="black">
+                      <a:alpha val="40000"/>
+                    </a:prstClr>
+                  </a:outerShdw>
+                </a:effectLst>
               </a:rPr>
               <a:t>      1.2 Entwurf</a:t>
             </a:r>
@@ -9846,6 +10708,13 @@
                 <a:solidFill>
                   <a:schemeClr val="tx1"/>
                 </a:solidFill>
+                <a:effectLst>
+                  <a:outerShdw blurRad="50800" dist="38100" dir="2700000" algn="tl" rotWithShape="0">
+                    <a:prstClr val="black">
+                      <a:alpha val="40000"/>
+                    </a:prstClr>
+                  </a:outerShdw>
+                </a:effectLst>
               </a:rPr>
               <a:t> </a:t>
             </a:r>
@@ -9853,6 +10722,13 @@
               <a:solidFill>
                 <a:schemeClr val="tx1"/>
               </a:solidFill>
+              <a:effectLst>
+                <a:outerShdw blurRad="50800" dist="38100" dir="2700000" algn="tl" rotWithShape="0">
+                  <a:prstClr val="black">
+                    <a:alpha val="40000"/>
+                  </a:prstClr>
+                </a:outerShdw>
+              </a:effectLst>
             </a:endParaRPr>
           </a:p>
         </p:txBody>
@@ -9874,7 +10750,19 @@
           </p:nvPr>
         </p:nvPicPr>
         <p:blipFill>
-          <a:blip r:embed="rId4"/>
+          <a:blip r:embed="rId3">
+            <a:extLst>
+              <a:ext uri="{BEBA8EAE-BF5A-486C-A8C5-ECC9F3942E4B}">
+                <a14:imgProps xmlns:a14="http://schemas.microsoft.com/office/drawing/2010/main">
+                  <a14:imgLayer>
+                    <a14:imgEffect>
+                      <a14:sharpenSoften amount="50000"/>
+                    </a14:imgEffect>
+                  </a14:imgLayer>
+                </a14:imgProps>
+              </a:ext>
+            </a:extLst>
+          </a:blip>
           <a:stretch>
             <a:fillRect/>
           </a:stretch>
@@ -10021,6 +10909,97 @@
           </a:p>
         </p:txBody>
       </p:sp>
+      <p:pic>
+        <p:nvPicPr>
+          <p:cNvPr id="10" name="Inhaltsplatzhalter 4">
+            <a:extLst>
+              <a:ext uri="{FF2B5EF4-FFF2-40B4-BE49-F238E27FC236}">
+                <a16:creationId xmlns:a16="http://schemas.microsoft.com/office/drawing/2014/main" id="{3151A9A0-DB6D-5441-B86F-BE8E3CEF149D}"/>
+              </a:ext>
+            </a:extLst>
+          </p:cNvPr>
+          <p:cNvPicPr>
+            <a:picLocks noChangeAspect="1"/>
+          </p:cNvPicPr>
+          <p:nvPr/>
+        </p:nvPicPr>
+        <p:blipFill>
+          <a:blip r:embed="rId4">
+            <a:extLst>
+              <a:ext uri="{BEBA8EAE-BF5A-486C-A8C5-ECC9F3942E4B}">
+                <a14:imgProps xmlns:a14="http://schemas.microsoft.com/office/drawing/2010/main">
+                  <a14:imgLayer>
+                    <a14:imgEffect>
+                      <a14:backgroundRemoval t="10000" b="90000" l="10000" r="90000">
+                        <a14:foregroundMark x1="25333" y1="28623" x2="29667" y2="50362"/>
+                        <a14:foregroundMark x1="19000" y1="15942" x2="15667" y2="51449"/>
+                        <a14:foregroundMark x1="15667" y1="51449" x2="27000" y2="84420"/>
+                        <a14:foregroundMark x1="27000" y1="84420" x2="58667" y2="84783"/>
+                        <a14:foregroundMark x1="58667" y1="84783" x2="80333" y2="57971"/>
+                        <a14:foregroundMark x1="80333" y1="57971" x2="80667" y2="23551"/>
+                        <a14:foregroundMark x1="80667" y1="23551" x2="50000" y2="13768"/>
+                        <a14:foregroundMark x1="50000" y1="13768" x2="18333" y2="16667"/>
+                        <a14:backgroundMark x1="3000" y1="10145" x2="3667" y2="59058"/>
+                        <a14:backgroundMark x1="3667" y1="59058" x2="18000" y2="90580"/>
+                        <a14:backgroundMark x1="18000" y1="90580" x2="50667" y2="91304"/>
+                        <a14:backgroundMark x1="50667" y1="91304" x2="82667" y2="86957"/>
+                        <a14:backgroundMark x1="82667" y1="86957" x2="83333" y2="82246"/>
+                        <a14:backgroundMark x1="13667" y1="10145" x2="46333" y2="7246"/>
+                        <a14:backgroundMark x1="46333" y1="7246" x2="79333" y2="7609"/>
+                        <a14:backgroundMark x1="79333" y1="7609" x2="95333" y2="41304"/>
+                        <a14:backgroundMark x1="95333" y1="41304" x2="93667" y2="78623"/>
+                        <a14:backgroundMark x1="93667" y1="78623" x2="65000" y2="98913"/>
+                        <a14:backgroundMark x1="65000" y1="98913" x2="14333" y2="99275"/>
+                        <a14:backgroundMark x1="14333" y1="99275" x2="5333" y2="65217"/>
+                        <a14:backgroundMark x1="5333" y1="65217" x2="5333" y2="30435"/>
+                        <a14:backgroundMark x1="5333" y1="30435" x2="13000" y2="10870"/>
+                        <a14:backgroundMark x1="0" y1="65942" x2="0" y2="65942"/>
+                      </a14:backgroundRemoval>
+                    </a14:imgEffect>
+                    <a14:imgEffect>
+                      <a14:sharpenSoften amount="50000"/>
+                    </a14:imgEffect>
+                    <a14:imgEffect>
+                      <a14:colorTemperature colorTemp="11200"/>
+                    </a14:imgEffect>
+                    <a14:imgEffect>
+                      <a14:saturation sat="0"/>
+                    </a14:imgEffect>
+                    <a14:imgEffect>
+                      <a14:brightnessContrast contrast="20000"/>
+                    </a14:imgEffect>
+                  </a14:imgLayer>
+                </a14:imgProps>
+              </a:ext>
+            </a:extLst>
+          </a:blip>
+          <a:stretch>
+            <a:fillRect/>
+          </a:stretch>
+        </p:blipFill>
+        <p:spPr>
+          <a:xfrm>
+            <a:off x="10687711" y="-110171"/>
+            <a:ext cx="1504289" cy="1383945"/>
+          </a:xfrm>
+          <a:prstGeom prst="rect">
+            <a:avLst/>
+          </a:prstGeom>
+          <a:effectLst>
+            <a:glow rad="101600">
+              <a:schemeClr val="bg2">
+                <a:lumMod val="50000"/>
+                <a:alpha val="60000"/>
+              </a:schemeClr>
+            </a:glow>
+            <a:outerShdw blurRad="50800" dist="38100" dir="2700000" algn="tl" rotWithShape="0">
+              <a:prstClr val="black">
+                <a:alpha val="40000"/>
+              </a:prstClr>
+            </a:outerShdw>
+          </a:effectLst>
+        </p:spPr>
+      </p:pic>
     </p:spTree>
     <p:extLst>
       <p:ext uri="{BB962C8B-B14F-4D97-AF65-F5344CB8AC3E}">
@@ -10340,6 +11319,13 @@
                 <a:solidFill>
                   <a:schemeClr val="tx1"/>
                 </a:solidFill>
+                <a:effectLst>
+                  <a:outerShdw blurRad="50800" dist="38100" dir="2700000" algn="tl" rotWithShape="0">
+                    <a:prstClr val="black">
+                      <a:alpha val="40000"/>
+                    </a:prstClr>
+                  </a:outerShdw>
+                </a:effectLst>
               </a:rPr>
               <a:t>      1.2 Entwurf</a:t>
             </a:r>
@@ -10348,6 +11334,13 @@
                 <a:solidFill>
                   <a:schemeClr val="tx1"/>
                 </a:solidFill>
+                <a:effectLst>
+                  <a:outerShdw blurRad="50800" dist="38100" dir="2700000" algn="tl" rotWithShape="0">
+                    <a:prstClr val="black">
+                      <a:alpha val="40000"/>
+                    </a:prstClr>
+                  </a:outerShdw>
+                </a:effectLst>
               </a:rPr>
               <a:t> </a:t>
             </a:r>
@@ -10355,6 +11348,13 @@
               <a:solidFill>
                 <a:schemeClr val="tx1"/>
               </a:solidFill>
+              <a:effectLst>
+                <a:outerShdw blurRad="50800" dist="38100" dir="2700000" algn="tl" rotWithShape="0">
+                  <a:prstClr val="black">
+                    <a:alpha val="40000"/>
+                  </a:prstClr>
+                </a:outerShdw>
+              </a:effectLst>
             </a:endParaRPr>
           </a:p>
         </p:txBody>
@@ -10419,7 +11419,19 @@
           </p:nvPr>
         </p:nvPicPr>
         <p:blipFill>
-          <a:blip r:embed="rId3"/>
+          <a:blip r:embed="rId3">
+            <a:extLst>
+              <a:ext uri="{BEBA8EAE-BF5A-486C-A8C5-ECC9F3942E4B}">
+                <a14:imgProps xmlns:a14="http://schemas.microsoft.com/office/drawing/2010/main">
+                  <a14:imgLayer>
+                    <a14:imgEffect>
+                      <a14:sharpenSoften amount="25000"/>
+                    </a14:imgEffect>
+                  </a14:imgLayer>
+                </a14:imgProps>
+              </a:ext>
+            </a:extLst>
+          </a:blip>
           <a:stretch>
             <a:fillRect/>
           </a:stretch>
@@ -10436,12 +11448,142 @@
           </a:ln>
         </p:spPr>
       </p:pic>
+      <p:sp>
+        <p:nvSpPr>
+          <p:cNvPr id="19" name="Foliennummernplatzhalter 5">
+            <a:extLst>
+              <a:ext uri="{FF2B5EF4-FFF2-40B4-BE49-F238E27FC236}">
+                <a16:creationId xmlns:a16="http://schemas.microsoft.com/office/drawing/2014/main" id="{56539BC7-930F-0944-96AE-89C90801BCAB}"/>
+              </a:ext>
+            </a:extLst>
+          </p:cNvPr>
+          <p:cNvSpPr txBox="1">
+            <a:spLocks/>
+          </p:cNvSpPr>
+          <p:nvPr/>
+        </p:nvSpPr>
+        <p:spPr>
+          <a:xfrm>
+            <a:off x="8620547" y="6356350"/>
+            <a:ext cx="2743200" cy="365125"/>
+          </a:xfrm>
+          <a:prstGeom prst="rect">
+            <a:avLst/>
+          </a:prstGeom>
+        </p:spPr>
+        <p:txBody>
+          <a:bodyPr vert="horz" lIns="91440" tIns="45720" rIns="91440" bIns="45720" rtlCol="0" anchor="ctr"/>
+          <a:lstStyle>
+            <a:defPPr>
+              <a:defRPr lang="de-DE"/>
+            </a:defPPr>
+            <a:lvl1pPr marL="0" algn="r" defTabSz="914400" rtl="0" eaLnBrk="1" latinLnBrk="0" hangingPunct="1">
+              <a:defRPr sz="1200" kern="1200">
+                <a:solidFill>
+                  <a:schemeClr val="tx1">
+                    <a:tint val="75000"/>
+                  </a:schemeClr>
+                </a:solidFill>
+                <a:latin typeface="+mn-lt"/>
+                <a:ea typeface="+mn-ea"/>
+                <a:cs typeface="+mn-cs"/>
+              </a:defRPr>
+            </a:lvl1pPr>
+            <a:lvl2pPr marL="457200" algn="l" defTabSz="914400" rtl="0" eaLnBrk="1" latinLnBrk="0" hangingPunct="1">
+              <a:defRPr sz="1800" kern="1200">
+                <a:solidFill>
+                  <a:schemeClr val="tx1"/>
+                </a:solidFill>
+                <a:latin typeface="+mn-lt"/>
+                <a:ea typeface="+mn-ea"/>
+                <a:cs typeface="+mn-cs"/>
+              </a:defRPr>
+            </a:lvl2pPr>
+            <a:lvl3pPr marL="914400" algn="l" defTabSz="914400" rtl="0" eaLnBrk="1" latinLnBrk="0" hangingPunct="1">
+              <a:defRPr sz="1800" kern="1200">
+                <a:solidFill>
+                  <a:schemeClr val="tx1"/>
+                </a:solidFill>
+                <a:latin typeface="+mn-lt"/>
+                <a:ea typeface="+mn-ea"/>
+                <a:cs typeface="+mn-cs"/>
+              </a:defRPr>
+            </a:lvl3pPr>
+            <a:lvl4pPr marL="1371600" algn="l" defTabSz="914400" rtl="0" eaLnBrk="1" latinLnBrk="0" hangingPunct="1">
+              <a:defRPr sz="1800" kern="1200">
+                <a:solidFill>
+                  <a:schemeClr val="tx1"/>
+                </a:solidFill>
+                <a:latin typeface="+mn-lt"/>
+                <a:ea typeface="+mn-ea"/>
+                <a:cs typeface="+mn-cs"/>
+              </a:defRPr>
+            </a:lvl4pPr>
+            <a:lvl5pPr marL="1828800" algn="l" defTabSz="914400" rtl="0" eaLnBrk="1" latinLnBrk="0" hangingPunct="1">
+              <a:defRPr sz="1800" kern="1200">
+                <a:solidFill>
+                  <a:schemeClr val="tx1"/>
+                </a:solidFill>
+                <a:latin typeface="+mn-lt"/>
+                <a:ea typeface="+mn-ea"/>
+                <a:cs typeface="+mn-cs"/>
+              </a:defRPr>
+            </a:lvl5pPr>
+            <a:lvl6pPr marL="2286000" algn="l" defTabSz="914400" rtl="0" eaLnBrk="1" latinLnBrk="0" hangingPunct="1">
+              <a:defRPr sz="1800" kern="1200">
+                <a:solidFill>
+                  <a:schemeClr val="tx1"/>
+                </a:solidFill>
+                <a:latin typeface="+mn-lt"/>
+                <a:ea typeface="+mn-ea"/>
+                <a:cs typeface="+mn-cs"/>
+              </a:defRPr>
+            </a:lvl6pPr>
+            <a:lvl7pPr marL="2743200" algn="l" defTabSz="914400" rtl="0" eaLnBrk="1" latinLnBrk="0" hangingPunct="1">
+              <a:defRPr sz="1800" kern="1200">
+                <a:solidFill>
+                  <a:schemeClr val="tx1"/>
+                </a:solidFill>
+                <a:latin typeface="+mn-lt"/>
+                <a:ea typeface="+mn-ea"/>
+                <a:cs typeface="+mn-cs"/>
+              </a:defRPr>
+            </a:lvl7pPr>
+            <a:lvl8pPr marL="3200400" algn="l" defTabSz="914400" rtl="0" eaLnBrk="1" latinLnBrk="0" hangingPunct="1">
+              <a:defRPr sz="1800" kern="1200">
+                <a:solidFill>
+                  <a:schemeClr val="tx1"/>
+                </a:solidFill>
+                <a:latin typeface="+mn-lt"/>
+                <a:ea typeface="+mn-ea"/>
+                <a:cs typeface="+mn-cs"/>
+              </a:defRPr>
+            </a:lvl8pPr>
+            <a:lvl9pPr marL="3657600" algn="l" defTabSz="914400" rtl="0" eaLnBrk="1" latinLnBrk="0" hangingPunct="1">
+              <a:defRPr sz="1800" kern="1200">
+                <a:solidFill>
+                  <a:schemeClr val="tx1"/>
+                </a:solidFill>
+                <a:latin typeface="+mn-lt"/>
+                <a:ea typeface="+mn-ea"/>
+                <a:cs typeface="+mn-cs"/>
+              </a:defRPr>
+            </a:lvl9pPr>
+          </a:lstStyle>
+          <a:p>
+            <a:r>
+              <a:rPr lang="de-DE" dirty="0"/>
+              <a:t>6</a:t>
+            </a:r>
+          </a:p>
+        </p:txBody>
+      </p:sp>
       <p:pic>
         <p:nvPicPr>
-          <p:cNvPr id="6" name="Inhaltsplatzhalter 4">
-            <a:extLst>
-              <a:ext uri="{FF2B5EF4-FFF2-40B4-BE49-F238E27FC236}">
-                <a16:creationId xmlns:a16="http://schemas.microsoft.com/office/drawing/2014/main" id="{8EB5257C-7099-1443-979A-0B17FA78C9BA}"/>
+          <p:cNvPr id="10" name="Inhaltsplatzhalter 4">
+            <a:extLst>
+              <a:ext uri="{FF2B5EF4-FFF2-40B4-BE49-F238E27FC236}">
+                <a16:creationId xmlns:a16="http://schemas.microsoft.com/office/drawing/2014/main" id="{AA136BE7-68C2-5C49-BA89-FC853631A255}"/>
               </a:ext>
             </a:extLst>
           </p:cNvPr>
@@ -10451,7 +11593,55 @@
           <p:nvPr/>
         </p:nvPicPr>
         <p:blipFill>
-          <a:blip r:embed="rId4"/>
+          <a:blip r:embed="rId4">
+            <a:extLst>
+              <a:ext uri="{BEBA8EAE-BF5A-486C-A8C5-ECC9F3942E4B}">
+                <a14:imgProps xmlns:a14="http://schemas.microsoft.com/office/drawing/2010/main">
+                  <a14:imgLayer>
+                    <a14:imgEffect>
+                      <a14:backgroundRemoval t="10000" b="90000" l="10000" r="90000">
+                        <a14:foregroundMark x1="25333" y1="28623" x2="29667" y2="50362"/>
+                        <a14:foregroundMark x1="19000" y1="15942" x2="15667" y2="51449"/>
+                        <a14:foregroundMark x1="15667" y1="51449" x2="27000" y2="84420"/>
+                        <a14:foregroundMark x1="27000" y1="84420" x2="58667" y2="84783"/>
+                        <a14:foregroundMark x1="58667" y1="84783" x2="80333" y2="57971"/>
+                        <a14:foregroundMark x1="80333" y1="57971" x2="80667" y2="23551"/>
+                        <a14:foregroundMark x1="80667" y1="23551" x2="50000" y2="13768"/>
+                        <a14:foregroundMark x1="50000" y1="13768" x2="18333" y2="16667"/>
+                        <a14:backgroundMark x1="3000" y1="10145" x2="3667" y2="59058"/>
+                        <a14:backgroundMark x1="3667" y1="59058" x2="18000" y2="90580"/>
+                        <a14:backgroundMark x1="18000" y1="90580" x2="50667" y2="91304"/>
+                        <a14:backgroundMark x1="50667" y1="91304" x2="82667" y2="86957"/>
+                        <a14:backgroundMark x1="82667" y1="86957" x2="83333" y2="82246"/>
+                        <a14:backgroundMark x1="13667" y1="10145" x2="46333" y2="7246"/>
+                        <a14:backgroundMark x1="46333" y1="7246" x2="79333" y2="7609"/>
+                        <a14:backgroundMark x1="79333" y1="7609" x2="95333" y2="41304"/>
+                        <a14:backgroundMark x1="95333" y1="41304" x2="93667" y2="78623"/>
+                        <a14:backgroundMark x1="93667" y1="78623" x2="65000" y2="98913"/>
+                        <a14:backgroundMark x1="65000" y1="98913" x2="14333" y2="99275"/>
+                        <a14:backgroundMark x1="14333" y1="99275" x2="5333" y2="65217"/>
+                        <a14:backgroundMark x1="5333" y1="65217" x2="5333" y2="30435"/>
+                        <a14:backgroundMark x1="5333" y1="30435" x2="13000" y2="10870"/>
+                        <a14:backgroundMark x1="0" y1="65942" x2="0" y2="65942"/>
+                      </a14:backgroundRemoval>
+                    </a14:imgEffect>
+                    <a14:imgEffect>
+                      <a14:sharpenSoften amount="50000"/>
+                    </a14:imgEffect>
+                    <a14:imgEffect>
+                      <a14:colorTemperature colorTemp="11200"/>
+                    </a14:imgEffect>
+                    <a14:imgEffect>
+                      <a14:saturation sat="0"/>
+                    </a14:imgEffect>
+                    <a14:imgEffect>
+                      <a14:brightnessContrast contrast="20000"/>
+                    </a14:imgEffect>
+                  </a14:imgLayer>
+                </a14:imgProps>
+              </a:ext>
+            </a:extLst>
+          </a:blip>
           <a:stretch>
             <a:fillRect/>
           </a:stretch>
@@ -10464,138 +11654,21 @@
           <a:prstGeom prst="rect">
             <a:avLst/>
           </a:prstGeom>
+          <a:effectLst>
+            <a:glow rad="101600">
+              <a:schemeClr val="bg2">
+                <a:lumMod val="50000"/>
+                <a:alpha val="60000"/>
+              </a:schemeClr>
+            </a:glow>
+            <a:outerShdw blurRad="50800" dist="38100" dir="2700000" algn="tl" rotWithShape="0">
+              <a:prstClr val="black">
+                <a:alpha val="40000"/>
+              </a:prstClr>
+            </a:outerShdw>
+          </a:effectLst>
         </p:spPr>
       </p:pic>
-      <p:sp>
-        <p:nvSpPr>
-          <p:cNvPr id="19" name="Foliennummernplatzhalter 5">
-            <a:extLst>
-              <a:ext uri="{FF2B5EF4-FFF2-40B4-BE49-F238E27FC236}">
-                <a16:creationId xmlns:a16="http://schemas.microsoft.com/office/drawing/2014/main" id="{56539BC7-930F-0944-96AE-89C90801BCAB}"/>
-              </a:ext>
-            </a:extLst>
-          </p:cNvPr>
-          <p:cNvSpPr txBox="1">
-            <a:spLocks/>
-          </p:cNvSpPr>
-          <p:nvPr/>
-        </p:nvSpPr>
-        <p:spPr>
-          <a:xfrm>
-            <a:off x="8620547" y="6356350"/>
-            <a:ext cx="2743200" cy="365125"/>
-          </a:xfrm>
-          <a:prstGeom prst="rect">
-            <a:avLst/>
-          </a:prstGeom>
-        </p:spPr>
-        <p:txBody>
-          <a:bodyPr vert="horz" lIns="91440" tIns="45720" rIns="91440" bIns="45720" rtlCol="0" anchor="ctr"/>
-          <a:lstStyle>
-            <a:defPPr>
-              <a:defRPr lang="de-DE"/>
-            </a:defPPr>
-            <a:lvl1pPr marL="0" algn="r" defTabSz="914400" rtl="0" eaLnBrk="1" latinLnBrk="0" hangingPunct="1">
-              <a:defRPr sz="1200" kern="1200">
-                <a:solidFill>
-                  <a:schemeClr val="tx1">
-                    <a:tint val="75000"/>
-                  </a:schemeClr>
-                </a:solidFill>
-                <a:latin typeface="+mn-lt"/>
-                <a:ea typeface="+mn-ea"/>
-                <a:cs typeface="+mn-cs"/>
-              </a:defRPr>
-            </a:lvl1pPr>
-            <a:lvl2pPr marL="457200" algn="l" defTabSz="914400" rtl="0" eaLnBrk="1" latinLnBrk="0" hangingPunct="1">
-              <a:defRPr sz="1800" kern="1200">
-                <a:solidFill>
-                  <a:schemeClr val="tx1"/>
-                </a:solidFill>
-                <a:latin typeface="+mn-lt"/>
-                <a:ea typeface="+mn-ea"/>
-                <a:cs typeface="+mn-cs"/>
-              </a:defRPr>
-            </a:lvl2pPr>
-            <a:lvl3pPr marL="914400" algn="l" defTabSz="914400" rtl="0" eaLnBrk="1" latinLnBrk="0" hangingPunct="1">
-              <a:defRPr sz="1800" kern="1200">
-                <a:solidFill>
-                  <a:schemeClr val="tx1"/>
-                </a:solidFill>
-                <a:latin typeface="+mn-lt"/>
-                <a:ea typeface="+mn-ea"/>
-                <a:cs typeface="+mn-cs"/>
-              </a:defRPr>
-            </a:lvl3pPr>
-            <a:lvl4pPr marL="1371600" algn="l" defTabSz="914400" rtl="0" eaLnBrk="1" latinLnBrk="0" hangingPunct="1">
-              <a:defRPr sz="1800" kern="1200">
-                <a:solidFill>
-                  <a:schemeClr val="tx1"/>
-                </a:solidFill>
-                <a:latin typeface="+mn-lt"/>
-                <a:ea typeface="+mn-ea"/>
-                <a:cs typeface="+mn-cs"/>
-              </a:defRPr>
-            </a:lvl4pPr>
-            <a:lvl5pPr marL="1828800" algn="l" defTabSz="914400" rtl="0" eaLnBrk="1" latinLnBrk="0" hangingPunct="1">
-              <a:defRPr sz="1800" kern="1200">
-                <a:solidFill>
-                  <a:schemeClr val="tx1"/>
-                </a:solidFill>
-                <a:latin typeface="+mn-lt"/>
-                <a:ea typeface="+mn-ea"/>
-                <a:cs typeface="+mn-cs"/>
-              </a:defRPr>
-            </a:lvl5pPr>
-            <a:lvl6pPr marL="2286000" algn="l" defTabSz="914400" rtl="0" eaLnBrk="1" latinLnBrk="0" hangingPunct="1">
-              <a:defRPr sz="1800" kern="1200">
-                <a:solidFill>
-                  <a:schemeClr val="tx1"/>
-                </a:solidFill>
-                <a:latin typeface="+mn-lt"/>
-                <a:ea typeface="+mn-ea"/>
-                <a:cs typeface="+mn-cs"/>
-              </a:defRPr>
-            </a:lvl6pPr>
-            <a:lvl7pPr marL="2743200" algn="l" defTabSz="914400" rtl="0" eaLnBrk="1" latinLnBrk="0" hangingPunct="1">
-              <a:defRPr sz="1800" kern="1200">
-                <a:solidFill>
-                  <a:schemeClr val="tx1"/>
-                </a:solidFill>
-                <a:latin typeface="+mn-lt"/>
-                <a:ea typeface="+mn-ea"/>
-                <a:cs typeface="+mn-cs"/>
-              </a:defRPr>
-            </a:lvl7pPr>
-            <a:lvl8pPr marL="3200400" algn="l" defTabSz="914400" rtl="0" eaLnBrk="1" latinLnBrk="0" hangingPunct="1">
-              <a:defRPr sz="1800" kern="1200">
-                <a:solidFill>
-                  <a:schemeClr val="tx1"/>
-                </a:solidFill>
-                <a:latin typeface="+mn-lt"/>
-                <a:ea typeface="+mn-ea"/>
-                <a:cs typeface="+mn-cs"/>
-              </a:defRPr>
-            </a:lvl8pPr>
-            <a:lvl9pPr marL="3657600" algn="l" defTabSz="914400" rtl="0" eaLnBrk="1" latinLnBrk="0" hangingPunct="1">
-              <a:defRPr sz="1800" kern="1200">
-                <a:solidFill>
-                  <a:schemeClr val="tx1"/>
-                </a:solidFill>
-                <a:latin typeface="+mn-lt"/>
-                <a:ea typeface="+mn-ea"/>
-                <a:cs typeface="+mn-cs"/>
-              </a:defRPr>
-            </a:lvl9pPr>
-          </a:lstStyle>
-          <a:p>
-            <a:r>
-              <a:rPr lang="de-DE" dirty="0"/>
-              <a:t>6</a:t>
-            </a:r>
-          </a:p>
-        </p:txBody>
-      </p:sp>
     </p:spTree>
     <p:extLst>
       <p:ext uri="{BB962C8B-B14F-4D97-AF65-F5344CB8AC3E}">
@@ -10722,7 +11795,7 @@
             <a:pPr lvl="1"/>
             <a:r>
               <a:rPr lang="de-DE" sz="2800" dirty="0"/>
-              <a:t>Klassen: 46, 8 Server</a:t>
+              <a:t>Klassen: 46 und 8 Serverklassen</a:t>
             </a:r>
           </a:p>
           <a:p>
@@ -10754,36 +11827,6 @@
           </a:p>
         </p:txBody>
       </p:sp>
-      <p:pic>
-        <p:nvPicPr>
-          <p:cNvPr id="4" name="Inhaltsplatzhalter 4">
-            <a:extLst>
-              <a:ext uri="{FF2B5EF4-FFF2-40B4-BE49-F238E27FC236}">
-                <a16:creationId xmlns:a16="http://schemas.microsoft.com/office/drawing/2014/main" id="{9A4DF21A-8C2F-C942-911B-9C0CDB9D9074}"/>
-              </a:ext>
-            </a:extLst>
-          </p:cNvPr>
-          <p:cNvPicPr>
-            <a:picLocks noChangeAspect="1"/>
-          </p:cNvPicPr>
-          <p:nvPr/>
-        </p:nvPicPr>
-        <p:blipFill>
-          <a:blip r:embed="rId3"/>
-          <a:stretch>
-            <a:fillRect/>
-          </a:stretch>
-        </p:blipFill>
-        <p:spPr>
-          <a:xfrm>
-            <a:off x="10687711" y="-110171"/>
-            <a:ext cx="1504289" cy="1383945"/>
-          </a:xfrm>
-          <a:prstGeom prst="rect">
-            <a:avLst/>
-          </a:prstGeom>
-        </p:spPr>
-      </p:pic>
       <p:sp>
         <p:nvSpPr>
           <p:cNvPr id="6" name="Foliennummernplatzhalter 5">
@@ -11027,6 +12070,13 @@
                 <a:solidFill>
                   <a:schemeClr val="tx1"/>
                 </a:solidFill>
+                <a:effectLst>
+                  <a:outerShdw blurRad="50800" dist="38100" dir="2700000" algn="tl" rotWithShape="0">
+                    <a:prstClr val="black">
+                      <a:alpha val="40000"/>
+                    </a:prstClr>
+                  </a:outerShdw>
+                </a:effectLst>
               </a:rPr>
               <a:t>      1.3 Implementierung</a:t>
             </a:r>
@@ -11035,6 +12085,13 @@
                 <a:solidFill>
                   <a:schemeClr val="tx1"/>
                 </a:solidFill>
+                <a:effectLst>
+                  <a:outerShdw blurRad="50800" dist="38100" dir="2700000" algn="tl" rotWithShape="0">
+                    <a:prstClr val="black">
+                      <a:alpha val="40000"/>
+                    </a:prstClr>
+                  </a:outerShdw>
+                </a:effectLst>
               </a:rPr>
               <a:t> </a:t>
             </a:r>
@@ -11042,6 +12099,13 @@
               <a:solidFill>
                 <a:schemeClr val="tx1"/>
               </a:solidFill>
+              <a:effectLst>
+                <a:outerShdw blurRad="50800" dist="38100" dir="2700000" algn="tl" rotWithShape="0">
+                  <a:prstClr val="black">
+                    <a:alpha val="40000"/>
+                  </a:prstClr>
+                </a:outerShdw>
+              </a:effectLst>
             </a:endParaRPr>
           </a:p>
         </p:txBody>
@@ -11176,6 +12240,97 @@
           </a:p>
         </p:txBody>
       </p:sp>
+      <p:pic>
+        <p:nvPicPr>
+          <p:cNvPr id="11" name="Inhaltsplatzhalter 4">
+            <a:extLst>
+              <a:ext uri="{FF2B5EF4-FFF2-40B4-BE49-F238E27FC236}">
+                <a16:creationId xmlns:a16="http://schemas.microsoft.com/office/drawing/2014/main" id="{B5725865-1D59-644C-A600-93B1237203A9}"/>
+              </a:ext>
+            </a:extLst>
+          </p:cNvPr>
+          <p:cNvPicPr>
+            <a:picLocks noChangeAspect="1"/>
+          </p:cNvPicPr>
+          <p:nvPr/>
+        </p:nvPicPr>
+        <p:blipFill>
+          <a:blip r:embed="rId3">
+            <a:extLst>
+              <a:ext uri="{BEBA8EAE-BF5A-486C-A8C5-ECC9F3942E4B}">
+                <a14:imgProps xmlns:a14="http://schemas.microsoft.com/office/drawing/2010/main">
+                  <a14:imgLayer>
+                    <a14:imgEffect>
+                      <a14:backgroundRemoval t="10000" b="90000" l="10000" r="90000">
+                        <a14:foregroundMark x1="25333" y1="28623" x2="29667" y2="50362"/>
+                        <a14:foregroundMark x1="19000" y1="15942" x2="15667" y2="51449"/>
+                        <a14:foregroundMark x1="15667" y1="51449" x2="27000" y2="84420"/>
+                        <a14:foregroundMark x1="27000" y1="84420" x2="58667" y2="84783"/>
+                        <a14:foregroundMark x1="58667" y1="84783" x2="80333" y2="57971"/>
+                        <a14:foregroundMark x1="80333" y1="57971" x2="80667" y2="23551"/>
+                        <a14:foregroundMark x1="80667" y1="23551" x2="50000" y2="13768"/>
+                        <a14:foregroundMark x1="50000" y1="13768" x2="18333" y2="16667"/>
+                        <a14:backgroundMark x1="3000" y1="10145" x2="3667" y2="59058"/>
+                        <a14:backgroundMark x1="3667" y1="59058" x2="18000" y2="90580"/>
+                        <a14:backgroundMark x1="18000" y1="90580" x2="50667" y2="91304"/>
+                        <a14:backgroundMark x1="50667" y1="91304" x2="82667" y2="86957"/>
+                        <a14:backgroundMark x1="82667" y1="86957" x2="83333" y2="82246"/>
+                        <a14:backgroundMark x1="13667" y1="10145" x2="46333" y2="7246"/>
+                        <a14:backgroundMark x1="46333" y1="7246" x2="79333" y2="7609"/>
+                        <a14:backgroundMark x1="79333" y1="7609" x2="95333" y2="41304"/>
+                        <a14:backgroundMark x1="95333" y1="41304" x2="93667" y2="78623"/>
+                        <a14:backgroundMark x1="93667" y1="78623" x2="65000" y2="98913"/>
+                        <a14:backgroundMark x1="65000" y1="98913" x2="14333" y2="99275"/>
+                        <a14:backgroundMark x1="14333" y1="99275" x2="5333" y2="65217"/>
+                        <a14:backgroundMark x1="5333" y1="65217" x2="5333" y2="30435"/>
+                        <a14:backgroundMark x1="5333" y1="30435" x2="13000" y2="10870"/>
+                        <a14:backgroundMark x1="0" y1="65942" x2="0" y2="65942"/>
+                      </a14:backgroundRemoval>
+                    </a14:imgEffect>
+                    <a14:imgEffect>
+                      <a14:sharpenSoften amount="50000"/>
+                    </a14:imgEffect>
+                    <a14:imgEffect>
+                      <a14:colorTemperature colorTemp="11200"/>
+                    </a14:imgEffect>
+                    <a14:imgEffect>
+                      <a14:saturation sat="0"/>
+                    </a14:imgEffect>
+                    <a14:imgEffect>
+                      <a14:brightnessContrast contrast="20000"/>
+                    </a14:imgEffect>
+                  </a14:imgLayer>
+                </a14:imgProps>
+              </a:ext>
+            </a:extLst>
+          </a:blip>
+          <a:stretch>
+            <a:fillRect/>
+          </a:stretch>
+        </p:blipFill>
+        <p:spPr>
+          <a:xfrm>
+            <a:off x="10687711" y="-110171"/>
+            <a:ext cx="1504289" cy="1383945"/>
+          </a:xfrm>
+          <a:prstGeom prst="rect">
+            <a:avLst/>
+          </a:prstGeom>
+          <a:effectLst>
+            <a:glow rad="101600">
+              <a:schemeClr val="bg2">
+                <a:lumMod val="50000"/>
+                <a:alpha val="60000"/>
+              </a:schemeClr>
+            </a:glow>
+            <a:outerShdw blurRad="50800" dist="38100" dir="2700000" algn="tl" rotWithShape="0">
+              <a:prstClr val="black">
+                <a:alpha val="40000"/>
+              </a:prstClr>
+            </a:outerShdw>
+          </a:effectLst>
+        </p:spPr>
+      </p:pic>
     </p:spTree>
     <p:extLst>
       <p:ext uri="{BB962C8B-B14F-4D97-AF65-F5344CB8AC3E}">
@@ -11576,6 +12731,13 @@
                 <a:solidFill>
                   <a:schemeClr val="tx1"/>
                 </a:solidFill>
+                <a:effectLst>
+                  <a:outerShdw blurRad="50800" dist="38100" dir="2700000" algn="tl" rotWithShape="0">
+                    <a:prstClr val="black">
+                      <a:alpha val="40000"/>
+                    </a:prstClr>
+                  </a:outerShdw>
+                </a:effectLst>
               </a:rPr>
               <a:t>      1.3 Implementierung</a:t>
             </a:r>
@@ -11584,6 +12746,13 @@
                 <a:solidFill>
                   <a:schemeClr val="tx1"/>
                 </a:solidFill>
+                <a:effectLst>
+                  <a:outerShdw blurRad="50800" dist="38100" dir="2700000" algn="tl" rotWithShape="0">
+                    <a:prstClr val="black">
+                      <a:alpha val="40000"/>
+                    </a:prstClr>
+                  </a:outerShdw>
+                </a:effectLst>
               </a:rPr>
               <a:t> </a:t>
             </a:r>
@@ -11591,16 +12760,153 @@
               <a:solidFill>
                 <a:schemeClr val="tx1"/>
               </a:solidFill>
+              <a:effectLst>
+                <a:outerShdw blurRad="50800" dist="38100" dir="2700000" algn="tl" rotWithShape="0">
+                  <a:prstClr val="black">
+                    <a:alpha val="40000"/>
+                  </a:prstClr>
+                </a:outerShdw>
+              </a:effectLst>
             </a:endParaRPr>
+          </a:p>
+        </p:txBody>
+      </p:sp>
+      <p:sp>
+        <p:nvSpPr>
+          <p:cNvPr id="11" name="Foliennummernplatzhalter 5">
+            <a:extLst>
+              <a:ext uri="{FF2B5EF4-FFF2-40B4-BE49-F238E27FC236}">
+                <a16:creationId xmlns:a16="http://schemas.microsoft.com/office/drawing/2014/main" id="{4E29E7A7-F925-FA43-AD8F-C5EE143D92E2}"/>
+              </a:ext>
+            </a:extLst>
+          </p:cNvPr>
+          <p:cNvSpPr txBox="1">
+            <a:spLocks/>
+          </p:cNvSpPr>
+          <p:nvPr/>
+        </p:nvSpPr>
+        <p:spPr>
+          <a:xfrm>
+            <a:off x="8620547" y="6356350"/>
+            <a:ext cx="2743200" cy="365125"/>
+          </a:xfrm>
+          <a:prstGeom prst="rect">
+            <a:avLst/>
+          </a:prstGeom>
+        </p:spPr>
+        <p:txBody>
+          <a:bodyPr vert="horz" lIns="91440" tIns="45720" rIns="91440" bIns="45720" rtlCol="0" anchor="ctr"/>
+          <a:lstStyle>
+            <a:defPPr>
+              <a:defRPr lang="de-DE"/>
+            </a:defPPr>
+            <a:lvl1pPr marL="0" algn="r" defTabSz="914400" rtl="0" eaLnBrk="1" latinLnBrk="0" hangingPunct="1">
+              <a:defRPr sz="1200" kern="1200">
+                <a:solidFill>
+                  <a:schemeClr val="tx1">
+                    <a:tint val="75000"/>
+                  </a:schemeClr>
+                </a:solidFill>
+                <a:latin typeface="+mn-lt"/>
+                <a:ea typeface="+mn-ea"/>
+                <a:cs typeface="+mn-cs"/>
+              </a:defRPr>
+            </a:lvl1pPr>
+            <a:lvl2pPr marL="457200" algn="l" defTabSz="914400" rtl="0" eaLnBrk="1" latinLnBrk="0" hangingPunct="1">
+              <a:defRPr sz="1800" kern="1200">
+                <a:solidFill>
+                  <a:schemeClr val="tx1"/>
+                </a:solidFill>
+                <a:latin typeface="+mn-lt"/>
+                <a:ea typeface="+mn-ea"/>
+                <a:cs typeface="+mn-cs"/>
+              </a:defRPr>
+            </a:lvl2pPr>
+            <a:lvl3pPr marL="914400" algn="l" defTabSz="914400" rtl="0" eaLnBrk="1" latinLnBrk="0" hangingPunct="1">
+              <a:defRPr sz="1800" kern="1200">
+                <a:solidFill>
+                  <a:schemeClr val="tx1"/>
+                </a:solidFill>
+                <a:latin typeface="+mn-lt"/>
+                <a:ea typeface="+mn-ea"/>
+                <a:cs typeface="+mn-cs"/>
+              </a:defRPr>
+            </a:lvl3pPr>
+            <a:lvl4pPr marL="1371600" algn="l" defTabSz="914400" rtl="0" eaLnBrk="1" latinLnBrk="0" hangingPunct="1">
+              <a:defRPr sz="1800" kern="1200">
+                <a:solidFill>
+                  <a:schemeClr val="tx1"/>
+                </a:solidFill>
+                <a:latin typeface="+mn-lt"/>
+                <a:ea typeface="+mn-ea"/>
+                <a:cs typeface="+mn-cs"/>
+              </a:defRPr>
+            </a:lvl4pPr>
+            <a:lvl5pPr marL="1828800" algn="l" defTabSz="914400" rtl="0" eaLnBrk="1" latinLnBrk="0" hangingPunct="1">
+              <a:defRPr sz="1800" kern="1200">
+                <a:solidFill>
+                  <a:schemeClr val="tx1"/>
+                </a:solidFill>
+                <a:latin typeface="+mn-lt"/>
+                <a:ea typeface="+mn-ea"/>
+                <a:cs typeface="+mn-cs"/>
+              </a:defRPr>
+            </a:lvl5pPr>
+            <a:lvl6pPr marL="2286000" algn="l" defTabSz="914400" rtl="0" eaLnBrk="1" latinLnBrk="0" hangingPunct="1">
+              <a:defRPr sz="1800" kern="1200">
+                <a:solidFill>
+                  <a:schemeClr val="tx1"/>
+                </a:solidFill>
+                <a:latin typeface="+mn-lt"/>
+                <a:ea typeface="+mn-ea"/>
+                <a:cs typeface="+mn-cs"/>
+              </a:defRPr>
+            </a:lvl6pPr>
+            <a:lvl7pPr marL="2743200" algn="l" defTabSz="914400" rtl="0" eaLnBrk="1" latinLnBrk="0" hangingPunct="1">
+              <a:defRPr sz="1800" kern="1200">
+                <a:solidFill>
+                  <a:schemeClr val="tx1"/>
+                </a:solidFill>
+                <a:latin typeface="+mn-lt"/>
+                <a:ea typeface="+mn-ea"/>
+                <a:cs typeface="+mn-cs"/>
+              </a:defRPr>
+            </a:lvl7pPr>
+            <a:lvl8pPr marL="3200400" algn="l" defTabSz="914400" rtl="0" eaLnBrk="1" latinLnBrk="0" hangingPunct="1">
+              <a:defRPr sz="1800" kern="1200">
+                <a:solidFill>
+                  <a:schemeClr val="tx1"/>
+                </a:solidFill>
+                <a:latin typeface="+mn-lt"/>
+                <a:ea typeface="+mn-ea"/>
+                <a:cs typeface="+mn-cs"/>
+              </a:defRPr>
+            </a:lvl8pPr>
+            <a:lvl9pPr marL="3657600" algn="l" defTabSz="914400" rtl="0" eaLnBrk="1" latinLnBrk="0" hangingPunct="1">
+              <a:defRPr sz="1800" kern="1200">
+                <a:solidFill>
+                  <a:schemeClr val="tx1"/>
+                </a:solidFill>
+                <a:latin typeface="+mn-lt"/>
+                <a:ea typeface="+mn-ea"/>
+                <a:cs typeface="+mn-cs"/>
+              </a:defRPr>
+            </a:lvl9pPr>
+          </a:lstStyle>
+          <a:p>
+            <a:r>
+              <a:rPr lang="de-DE" dirty="0"/>
+              <a:t>8</a:t>
+            </a:r>
           </a:p>
         </p:txBody>
       </p:sp>
       <p:pic>
         <p:nvPicPr>
-          <p:cNvPr id="4" name="Inhaltsplatzhalter 4">
-            <a:extLst>
-              <a:ext uri="{FF2B5EF4-FFF2-40B4-BE49-F238E27FC236}">
-                <a16:creationId xmlns:a16="http://schemas.microsoft.com/office/drawing/2014/main" id="{A360C743-EF42-E94C-9E31-804D3BB25185}"/>
+          <p:cNvPr id="12" name="Inhaltsplatzhalter 4">
+            <a:extLst>
+              <a:ext uri="{FF2B5EF4-FFF2-40B4-BE49-F238E27FC236}">
+                <a16:creationId xmlns:a16="http://schemas.microsoft.com/office/drawing/2014/main" id="{F1CA45BE-3B63-0443-94DC-75AC87695154}"/>
               </a:ext>
             </a:extLst>
           </p:cNvPr>
@@ -11610,7 +12916,55 @@
           <p:nvPr/>
         </p:nvPicPr>
         <p:blipFill>
-          <a:blip r:embed="rId3"/>
+          <a:blip r:embed="rId3">
+            <a:extLst>
+              <a:ext uri="{BEBA8EAE-BF5A-486C-A8C5-ECC9F3942E4B}">
+                <a14:imgProps xmlns:a14="http://schemas.microsoft.com/office/drawing/2010/main">
+                  <a14:imgLayer>
+                    <a14:imgEffect>
+                      <a14:backgroundRemoval t="10000" b="90000" l="10000" r="90000">
+                        <a14:foregroundMark x1="25333" y1="28623" x2="29667" y2="50362"/>
+                        <a14:foregroundMark x1="19000" y1="15942" x2="15667" y2="51449"/>
+                        <a14:foregroundMark x1="15667" y1="51449" x2="27000" y2="84420"/>
+                        <a14:foregroundMark x1="27000" y1="84420" x2="58667" y2="84783"/>
+                        <a14:foregroundMark x1="58667" y1="84783" x2="80333" y2="57971"/>
+                        <a14:foregroundMark x1="80333" y1="57971" x2="80667" y2="23551"/>
+                        <a14:foregroundMark x1="80667" y1="23551" x2="50000" y2="13768"/>
+                        <a14:foregroundMark x1="50000" y1="13768" x2="18333" y2="16667"/>
+                        <a14:backgroundMark x1="3000" y1="10145" x2="3667" y2="59058"/>
+                        <a14:backgroundMark x1="3667" y1="59058" x2="18000" y2="90580"/>
+                        <a14:backgroundMark x1="18000" y1="90580" x2="50667" y2="91304"/>
+                        <a14:backgroundMark x1="50667" y1="91304" x2="82667" y2="86957"/>
+                        <a14:backgroundMark x1="82667" y1="86957" x2="83333" y2="82246"/>
+                        <a14:backgroundMark x1="13667" y1="10145" x2="46333" y2="7246"/>
+                        <a14:backgroundMark x1="46333" y1="7246" x2="79333" y2="7609"/>
+                        <a14:backgroundMark x1="79333" y1="7609" x2="95333" y2="41304"/>
+                        <a14:backgroundMark x1="95333" y1="41304" x2="93667" y2="78623"/>
+                        <a14:backgroundMark x1="93667" y1="78623" x2="65000" y2="98913"/>
+                        <a14:backgroundMark x1="65000" y1="98913" x2="14333" y2="99275"/>
+                        <a14:backgroundMark x1="14333" y1="99275" x2="5333" y2="65217"/>
+                        <a14:backgroundMark x1="5333" y1="65217" x2="5333" y2="30435"/>
+                        <a14:backgroundMark x1="5333" y1="30435" x2="13000" y2="10870"/>
+                        <a14:backgroundMark x1="0" y1="65942" x2="0" y2="65942"/>
+                      </a14:backgroundRemoval>
+                    </a14:imgEffect>
+                    <a14:imgEffect>
+                      <a14:sharpenSoften amount="50000"/>
+                    </a14:imgEffect>
+                    <a14:imgEffect>
+                      <a14:colorTemperature colorTemp="11200"/>
+                    </a14:imgEffect>
+                    <a14:imgEffect>
+                      <a14:saturation sat="0"/>
+                    </a14:imgEffect>
+                    <a14:imgEffect>
+                      <a14:brightnessContrast contrast="20000"/>
+                    </a14:imgEffect>
+                  </a14:imgLayer>
+                </a14:imgProps>
+              </a:ext>
+            </a:extLst>
+          </a:blip>
           <a:stretch>
             <a:fillRect/>
           </a:stretch>
@@ -11623,138 +12977,21 @@
           <a:prstGeom prst="rect">
             <a:avLst/>
           </a:prstGeom>
+          <a:effectLst>
+            <a:glow rad="101600">
+              <a:schemeClr val="bg2">
+                <a:lumMod val="50000"/>
+                <a:alpha val="60000"/>
+              </a:schemeClr>
+            </a:glow>
+            <a:outerShdw blurRad="50800" dist="38100" dir="2700000" algn="tl" rotWithShape="0">
+              <a:prstClr val="black">
+                <a:alpha val="40000"/>
+              </a:prstClr>
+            </a:outerShdw>
+          </a:effectLst>
         </p:spPr>
       </p:pic>
-      <p:sp>
-        <p:nvSpPr>
-          <p:cNvPr id="11" name="Foliennummernplatzhalter 5">
-            <a:extLst>
-              <a:ext uri="{FF2B5EF4-FFF2-40B4-BE49-F238E27FC236}">
-                <a16:creationId xmlns:a16="http://schemas.microsoft.com/office/drawing/2014/main" id="{4E29E7A7-F925-FA43-AD8F-C5EE143D92E2}"/>
-              </a:ext>
-            </a:extLst>
-          </p:cNvPr>
-          <p:cNvSpPr txBox="1">
-            <a:spLocks/>
-          </p:cNvSpPr>
-          <p:nvPr/>
-        </p:nvSpPr>
-        <p:spPr>
-          <a:xfrm>
-            <a:off x="8620547" y="6356350"/>
-            <a:ext cx="2743200" cy="365125"/>
-          </a:xfrm>
-          <a:prstGeom prst="rect">
-            <a:avLst/>
-          </a:prstGeom>
-        </p:spPr>
-        <p:txBody>
-          <a:bodyPr vert="horz" lIns="91440" tIns="45720" rIns="91440" bIns="45720" rtlCol="0" anchor="ctr"/>
-          <a:lstStyle>
-            <a:defPPr>
-              <a:defRPr lang="de-DE"/>
-            </a:defPPr>
-            <a:lvl1pPr marL="0" algn="r" defTabSz="914400" rtl="0" eaLnBrk="1" latinLnBrk="0" hangingPunct="1">
-              <a:defRPr sz="1200" kern="1200">
-                <a:solidFill>
-                  <a:schemeClr val="tx1">
-                    <a:tint val="75000"/>
-                  </a:schemeClr>
-                </a:solidFill>
-                <a:latin typeface="+mn-lt"/>
-                <a:ea typeface="+mn-ea"/>
-                <a:cs typeface="+mn-cs"/>
-              </a:defRPr>
-            </a:lvl1pPr>
-            <a:lvl2pPr marL="457200" algn="l" defTabSz="914400" rtl="0" eaLnBrk="1" latinLnBrk="0" hangingPunct="1">
-              <a:defRPr sz="1800" kern="1200">
-                <a:solidFill>
-                  <a:schemeClr val="tx1"/>
-                </a:solidFill>
-                <a:latin typeface="+mn-lt"/>
-                <a:ea typeface="+mn-ea"/>
-                <a:cs typeface="+mn-cs"/>
-              </a:defRPr>
-            </a:lvl2pPr>
-            <a:lvl3pPr marL="914400" algn="l" defTabSz="914400" rtl="0" eaLnBrk="1" latinLnBrk="0" hangingPunct="1">
-              <a:defRPr sz="1800" kern="1200">
-                <a:solidFill>
-                  <a:schemeClr val="tx1"/>
-                </a:solidFill>
-                <a:latin typeface="+mn-lt"/>
-                <a:ea typeface="+mn-ea"/>
-                <a:cs typeface="+mn-cs"/>
-              </a:defRPr>
-            </a:lvl3pPr>
-            <a:lvl4pPr marL="1371600" algn="l" defTabSz="914400" rtl="0" eaLnBrk="1" latinLnBrk="0" hangingPunct="1">
-              <a:defRPr sz="1800" kern="1200">
-                <a:solidFill>
-                  <a:schemeClr val="tx1"/>
-                </a:solidFill>
-                <a:latin typeface="+mn-lt"/>
-                <a:ea typeface="+mn-ea"/>
-                <a:cs typeface="+mn-cs"/>
-              </a:defRPr>
-            </a:lvl4pPr>
-            <a:lvl5pPr marL="1828800" algn="l" defTabSz="914400" rtl="0" eaLnBrk="1" latinLnBrk="0" hangingPunct="1">
-              <a:defRPr sz="1800" kern="1200">
-                <a:solidFill>
-                  <a:schemeClr val="tx1"/>
-                </a:solidFill>
-                <a:latin typeface="+mn-lt"/>
-                <a:ea typeface="+mn-ea"/>
-                <a:cs typeface="+mn-cs"/>
-              </a:defRPr>
-            </a:lvl5pPr>
-            <a:lvl6pPr marL="2286000" algn="l" defTabSz="914400" rtl="0" eaLnBrk="1" latinLnBrk="0" hangingPunct="1">
-              <a:defRPr sz="1800" kern="1200">
-                <a:solidFill>
-                  <a:schemeClr val="tx1"/>
-                </a:solidFill>
-                <a:latin typeface="+mn-lt"/>
-                <a:ea typeface="+mn-ea"/>
-                <a:cs typeface="+mn-cs"/>
-              </a:defRPr>
-            </a:lvl6pPr>
-            <a:lvl7pPr marL="2743200" algn="l" defTabSz="914400" rtl="0" eaLnBrk="1" latinLnBrk="0" hangingPunct="1">
-              <a:defRPr sz="1800" kern="1200">
-                <a:solidFill>
-                  <a:schemeClr val="tx1"/>
-                </a:solidFill>
-                <a:latin typeface="+mn-lt"/>
-                <a:ea typeface="+mn-ea"/>
-                <a:cs typeface="+mn-cs"/>
-              </a:defRPr>
-            </a:lvl7pPr>
-            <a:lvl8pPr marL="3200400" algn="l" defTabSz="914400" rtl="0" eaLnBrk="1" latinLnBrk="0" hangingPunct="1">
-              <a:defRPr sz="1800" kern="1200">
-                <a:solidFill>
-                  <a:schemeClr val="tx1"/>
-                </a:solidFill>
-                <a:latin typeface="+mn-lt"/>
-                <a:ea typeface="+mn-ea"/>
-                <a:cs typeface="+mn-cs"/>
-              </a:defRPr>
-            </a:lvl8pPr>
-            <a:lvl9pPr marL="3657600" algn="l" defTabSz="914400" rtl="0" eaLnBrk="1" latinLnBrk="0" hangingPunct="1">
-              <a:defRPr sz="1800" kern="1200">
-                <a:solidFill>
-                  <a:schemeClr val="tx1"/>
-                </a:solidFill>
-                <a:latin typeface="+mn-lt"/>
-                <a:ea typeface="+mn-ea"/>
-                <a:cs typeface="+mn-cs"/>
-              </a:defRPr>
-            </a:lvl9pPr>
-          </a:lstStyle>
-          <a:p>
-            <a:r>
-              <a:rPr lang="de-DE" dirty="0"/>
-              <a:t>8</a:t>
-            </a:r>
-          </a:p>
-        </p:txBody>
-      </p:sp>
     </p:spTree>
     <p:extLst>
       <p:ext uri="{BB962C8B-B14F-4D97-AF65-F5344CB8AC3E}">
@@ -11884,7 +13121,7 @@
             <a:pPr lvl="1"/>
             <a:r>
               <a:rPr lang="de-DE" sz="2800" dirty="0"/>
-              <a:t>Schachlogik: </a:t>
+              <a:t>Schachlogik: ...%</a:t>
             </a:r>
           </a:p>
           <a:p>
@@ -12139,6 +13376,13 @@
                 <a:solidFill>
                   <a:schemeClr val="tx1"/>
                 </a:solidFill>
+                <a:effectLst>
+                  <a:outerShdw blurRad="50800" dist="38100" dir="2700000" algn="tl" rotWithShape="0">
+                    <a:prstClr val="black">
+                      <a:alpha val="40000"/>
+                    </a:prstClr>
+                  </a:outerShdw>
+                </a:effectLst>
               </a:rPr>
               <a:t>      1.4 Qualitätssicherung</a:t>
             </a:r>
@@ -12147,6 +13391,13 @@
                 <a:solidFill>
                   <a:schemeClr val="tx1"/>
                 </a:solidFill>
+                <a:effectLst>
+                  <a:outerShdw blurRad="50800" dist="38100" dir="2700000" algn="tl" rotWithShape="0">
+                    <a:prstClr val="black">
+                      <a:alpha val="40000"/>
+                    </a:prstClr>
+                  </a:outerShdw>
+                </a:effectLst>
               </a:rPr>
               <a:t> </a:t>
             </a:r>
@@ -12154,16 +13405,153 @@
               <a:solidFill>
                 <a:schemeClr val="tx1"/>
               </a:solidFill>
+              <a:effectLst>
+                <a:outerShdw blurRad="50800" dist="38100" dir="2700000" algn="tl" rotWithShape="0">
+                  <a:prstClr val="black">
+                    <a:alpha val="40000"/>
+                  </a:prstClr>
+                </a:outerShdw>
+              </a:effectLst>
             </a:endParaRPr>
+          </a:p>
+        </p:txBody>
+      </p:sp>
+      <p:sp>
+        <p:nvSpPr>
+          <p:cNvPr id="11" name="Foliennummernplatzhalter 5">
+            <a:extLst>
+              <a:ext uri="{FF2B5EF4-FFF2-40B4-BE49-F238E27FC236}">
+                <a16:creationId xmlns:a16="http://schemas.microsoft.com/office/drawing/2014/main" id="{CC05BB42-78A4-AB40-8132-C2190D676721}"/>
+              </a:ext>
+            </a:extLst>
+          </p:cNvPr>
+          <p:cNvSpPr txBox="1">
+            <a:spLocks/>
+          </p:cNvSpPr>
+          <p:nvPr/>
+        </p:nvSpPr>
+        <p:spPr>
+          <a:xfrm>
+            <a:off x="8620547" y="6356350"/>
+            <a:ext cx="2743200" cy="365125"/>
+          </a:xfrm>
+          <a:prstGeom prst="rect">
+            <a:avLst/>
+          </a:prstGeom>
+        </p:spPr>
+        <p:txBody>
+          <a:bodyPr vert="horz" lIns="91440" tIns="45720" rIns="91440" bIns="45720" rtlCol="0" anchor="ctr"/>
+          <a:lstStyle>
+            <a:defPPr>
+              <a:defRPr lang="de-DE"/>
+            </a:defPPr>
+            <a:lvl1pPr marL="0" algn="r" defTabSz="914400" rtl="0" eaLnBrk="1" latinLnBrk="0" hangingPunct="1">
+              <a:defRPr sz="1200" kern="1200">
+                <a:solidFill>
+                  <a:schemeClr val="tx1">
+                    <a:tint val="75000"/>
+                  </a:schemeClr>
+                </a:solidFill>
+                <a:latin typeface="+mn-lt"/>
+                <a:ea typeface="+mn-ea"/>
+                <a:cs typeface="+mn-cs"/>
+              </a:defRPr>
+            </a:lvl1pPr>
+            <a:lvl2pPr marL="457200" algn="l" defTabSz="914400" rtl="0" eaLnBrk="1" latinLnBrk="0" hangingPunct="1">
+              <a:defRPr sz="1800" kern="1200">
+                <a:solidFill>
+                  <a:schemeClr val="tx1"/>
+                </a:solidFill>
+                <a:latin typeface="+mn-lt"/>
+                <a:ea typeface="+mn-ea"/>
+                <a:cs typeface="+mn-cs"/>
+              </a:defRPr>
+            </a:lvl2pPr>
+            <a:lvl3pPr marL="914400" algn="l" defTabSz="914400" rtl="0" eaLnBrk="1" latinLnBrk="0" hangingPunct="1">
+              <a:defRPr sz="1800" kern="1200">
+                <a:solidFill>
+                  <a:schemeClr val="tx1"/>
+                </a:solidFill>
+                <a:latin typeface="+mn-lt"/>
+                <a:ea typeface="+mn-ea"/>
+                <a:cs typeface="+mn-cs"/>
+              </a:defRPr>
+            </a:lvl3pPr>
+            <a:lvl4pPr marL="1371600" algn="l" defTabSz="914400" rtl="0" eaLnBrk="1" latinLnBrk="0" hangingPunct="1">
+              <a:defRPr sz="1800" kern="1200">
+                <a:solidFill>
+                  <a:schemeClr val="tx1"/>
+                </a:solidFill>
+                <a:latin typeface="+mn-lt"/>
+                <a:ea typeface="+mn-ea"/>
+                <a:cs typeface="+mn-cs"/>
+              </a:defRPr>
+            </a:lvl4pPr>
+            <a:lvl5pPr marL="1828800" algn="l" defTabSz="914400" rtl="0" eaLnBrk="1" latinLnBrk="0" hangingPunct="1">
+              <a:defRPr sz="1800" kern="1200">
+                <a:solidFill>
+                  <a:schemeClr val="tx1"/>
+                </a:solidFill>
+                <a:latin typeface="+mn-lt"/>
+                <a:ea typeface="+mn-ea"/>
+                <a:cs typeface="+mn-cs"/>
+              </a:defRPr>
+            </a:lvl5pPr>
+            <a:lvl6pPr marL="2286000" algn="l" defTabSz="914400" rtl="0" eaLnBrk="1" latinLnBrk="0" hangingPunct="1">
+              <a:defRPr sz="1800" kern="1200">
+                <a:solidFill>
+                  <a:schemeClr val="tx1"/>
+                </a:solidFill>
+                <a:latin typeface="+mn-lt"/>
+                <a:ea typeface="+mn-ea"/>
+                <a:cs typeface="+mn-cs"/>
+              </a:defRPr>
+            </a:lvl6pPr>
+            <a:lvl7pPr marL="2743200" algn="l" defTabSz="914400" rtl="0" eaLnBrk="1" latinLnBrk="0" hangingPunct="1">
+              <a:defRPr sz="1800" kern="1200">
+                <a:solidFill>
+                  <a:schemeClr val="tx1"/>
+                </a:solidFill>
+                <a:latin typeface="+mn-lt"/>
+                <a:ea typeface="+mn-ea"/>
+                <a:cs typeface="+mn-cs"/>
+              </a:defRPr>
+            </a:lvl7pPr>
+            <a:lvl8pPr marL="3200400" algn="l" defTabSz="914400" rtl="0" eaLnBrk="1" latinLnBrk="0" hangingPunct="1">
+              <a:defRPr sz="1800" kern="1200">
+                <a:solidFill>
+                  <a:schemeClr val="tx1"/>
+                </a:solidFill>
+                <a:latin typeface="+mn-lt"/>
+                <a:ea typeface="+mn-ea"/>
+                <a:cs typeface="+mn-cs"/>
+              </a:defRPr>
+            </a:lvl8pPr>
+            <a:lvl9pPr marL="3657600" algn="l" defTabSz="914400" rtl="0" eaLnBrk="1" latinLnBrk="0" hangingPunct="1">
+              <a:defRPr sz="1800" kern="1200">
+                <a:solidFill>
+                  <a:schemeClr val="tx1"/>
+                </a:solidFill>
+                <a:latin typeface="+mn-lt"/>
+                <a:ea typeface="+mn-ea"/>
+                <a:cs typeface="+mn-cs"/>
+              </a:defRPr>
+            </a:lvl9pPr>
+          </a:lstStyle>
+          <a:p>
+            <a:r>
+              <a:rPr lang="de-DE" dirty="0"/>
+              <a:t>9</a:t>
+            </a:r>
           </a:p>
         </p:txBody>
       </p:sp>
       <p:pic>
         <p:nvPicPr>
-          <p:cNvPr id="4" name="Inhaltsplatzhalter 4">
-            <a:extLst>
-              <a:ext uri="{FF2B5EF4-FFF2-40B4-BE49-F238E27FC236}">
-                <a16:creationId xmlns:a16="http://schemas.microsoft.com/office/drawing/2014/main" id="{6E19C396-401C-0E4D-87E7-6424304CDE60}"/>
+          <p:cNvPr id="12" name="Inhaltsplatzhalter 4">
+            <a:extLst>
+              <a:ext uri="{FF2B5EF4-FFF2-40B4-BE49-F238E27FC236}">
+                <a16:creationId xmlns:a16="http://schemas.microsoft.com/office/drawing/2014/main" id="{467F0A93-5CCB-A841-9580-1931CF74F950}"/>
               </a:ext>
             </a:extLst>
           </p:cNvPr>
@@ -12173,7 +13561,55 @@
           <p:nvPr/>
         </p:nvPicPr>
         <p:blipFill>
-          <a:blip r:embed="rId3"/>
+          <a:blip r:embed="rId3">
+            <a:extLst>
+              <a:ext uri="{BEBA8EAE-BF5A-486C-A8C5-ECC9F3942E4B}">
+                <a14:imgProps xmlns:a14="http://schemas.microsoft.com/office/drawing/2010/main">
+                  <a14:imgLayer>
+                    <a14:imgEffect>
+                      <a14:backgroundRemoval t="10000" b="90000" l="10000" r="90000">
+                        <a14:foregroundMark x1="25333" y1="28623" x2="29667" y2="50362"/>
+                        <a14:foregroundMark x1="19000" y1="15942" x2="15667" y2="51449"/>
+                        <a14:foregroundMark x1="15667" y1="51449" x2="27000" y2="84420"/>
+                        <a14:foregroundMark x1="27000" y1="84420" x2="58667" y2="84783"/>
+                        <a14:foregroundMark x1="58667" y1="84783" x2="80333" y2="57971"/>
+                        <a14:foregroundMark x1="80333" y1="57971" x2="80667" y2="23551"/>
+                        <a14:foregroundMark x1="80667" y1="23551" x2="50000" y2="13768"/>
+                        <a14:foregroundMark x1="50000" y1="13768" x2="18333" y2="16667"/>
+                        <a14:backgroundMark x1="3000" y1="10145" x2="3667" y2="59058"/>
+                        <a14:backgroundMark x1="3667" y1="59058" x2="18000" y2="90580"/>
+                        <a14:backgroundMark x1="18000" y1="90580" x2="50667" y2="91304"/>
+                        <a14:backgroundMark x1="50667" y1="91304" x2="82667" y2="86957"/>
+                        <a14:backgroundMark x1="82667" y1="86957" x2="83333" y2="82246"/>
+                        <a14:backgroundMark x1="13667" y1="10145" x2="46333" y2="7246"/>
+                        <a14:backgroundMark x1="46333" y1="7246" x2="79333" y2="7609"/>
+                        <a14:backgroundMark x1="79333" y1="7609" x2="95333" y2="41304"/>
+                        <a14:backgroundMark x1="95333" y1="41304" x2="93667" y2="78623"/>
+                        <a14:backgroundMark x1="93667" y1="78623" x2="65000" y2="98913"/>
+                        <a14:backgroundMark x1="65000" y1="98913" x2="14333" y2="99275"/>
+                        <a14:backgroundMark x1="14333" y1="99275" x2="5333" y2="65217"/>
+                        <a14:backgroundMark x1="5333" y1="65217" x2="5333" y2="30435"/>
+                        <a14:backgroundMark x1="5333" y1="30435" x2="13000" y2="10870"/>
+                        <a14:backgroundMark x1="0" y1="65942" x2="0" y2="65942"/>
+                      </a14:backgroundRemoval>
+                    </a14:imgEffect>
+                    <a14:imgEffect>
+                      <a14:sharpenSoften amount="50000"/>
+                    </a14:imgEffect>
+                    <a14:imgEffect>
+                      <a14:colorTemperature colorTemp="11200"/>
+                    </a14:imgEffect>
+                    <a14:imgEffect>
+                      <a14:saturation sat="0"/>
+                    </a14:imgEffect>
+                    <a14:imgEffect>
+                      <a14:brightnessContrast contrast="20000"/>
+                    </a14:imgEffect>
+                  </a14:imgLayer>
+                </a14:imgProps>
+              </a:ext>
+            </a:extLst>
+          </a:blip>
           <a:stretch>
             <a:fillRect/>
           </a:stretch>
@@ -12186,138 +13622,21 @@
           <a:prstGeom prst="rect">
             <a:avLst/>
           </a:prstGeom>
+          <a:effectLst>
+            <a:glow rad="101600">
+              <a:schemeClr val="bg2">
+                <a:lumMod val="50000"/>
+                <a:alpha val="60000"/>
+              </a:schemeClr>
+            </a:glow>
+            <a:outerShdw blurRad="50800" dist="38100" dir="2700000" algn="tl" rotWithShape="0">
+              <a:prstClr val="black">
+                <a:alpha val="40000"/>
+              </a:prstClr>
+            </a:outerShdw>
+          </a:effectLst>
         </p:spPr>
       </p:pic>
-      <p:sp>
-        <p:nvSpPr>
-          <p:cNvPr id="11" name="Foliennummernplatzhalter 5">
-            <a:extLst>
-              <a:ext uri="{FF2B5EF4-FFF2-40B4-BE49-F238E27FC236}">
-                <a16:creationId xmlns:a16="http://schemas.microsoft.com/office/drawing/2014/main" id="{CC05BB42-78A4-AB40-8132-C2190D676721}"/>
-              </a:ext>
-            </a:extLst>
-          </p:cNvPr>
-          <p:cNvSpPr txBox="1">
-            <a:spLocks/>
-          </p:cNvSpPr>
-          <p:nvPr/>
-        </p:nvSpPr>
-        <p:spPr>
-          <a:xfrm>
-            <a:off x="8620547" y="6356350"/>
-            <a:ext cx="2743200" cy="365125"/>
-          </a:xfrm>
-          <a:prstGeom prst="rect">
-            <a:avLst/>
-          </a:prstGeom>
-        </p:spPr>
-        <p:txBody>
-          <a:bodyPr vert="horz" lIns="91440" tIns="45720" rIns="91440" bIns="45720" rtlCol="0" anchor="ctr"/>
-          <a:lstStyle>
-            <a:defPPr>
-              <a:defRPr lang="de-DE"/>
-            </a:defPPr>
-            <a:lvl1pPr marL="0" algn="r" defTabSz="914400" rtl="0" eaLnBrk="1" latinLnBrk="0" hangingPunct="1">
-              <a:defRPr sz="1200" kern="1200">
-                <a:solidFill>
-                  <a:schemeClr val="tx1">
-                    <a:tint val="75000"/>
-                  </a:schemeClr>
-                </a:solidFill>
-                <a:latin typeface="+mn-lt"/>
-                <a:ea typeface="+mn-ea"/>
-                <a:cs typeface="+mn-cs"/>
-              </a:defRPr>
-            </a:lvl1pPr>
-            <a:lvl2pPr marL="457200" algn="l" defTabSz="914400" rtl="0" eaLnBrk="1" latinLnBrk="0" hangingPunct="1">
-              <a:defRPr sz="1800" kern="1200">
-                <a:solidFill>
-                  <a:schemeClr val="tx1"/>
-                </a:solidFill>
-                <a:latin typeface="+mn-lt"/>
-                <a:ea typeface="+mn-ea"/>
-                <a:cs typeface="+mn-cs"/>
-              </a:defRPr>
-            </a:lvl2pPr>
-            <a:lvl3pPr marL="914400" algn="l" defTabSz="914400" rtl="0" eaLnBrk="1" latinLnBrk="0" hangingPunct="1">
-              <a:defRPr sz="1800" kern="1200">
-                <a:solidFill>
-                  <a:schemeClr val="tx1"/>
-                </a:solidFill>
-                <a:latin typeface="+mn-lt"/>
-                <a:ea typeface="+mn-ea"/>
-                <a:cs typeface="+mn-cs"/>
-              </a:defRPr>
-            </a:lvl3pPr>
-            <a:lvl4pPr marL="1371600" algn="l" defTabSz="914400" rtl="0" eaLnBrk="1" latinLnBrk="0" hangingPunct="1">
-              <a:defRPr sz="1800" kern="1200">
-                <a:solidFill>
-                  <a:schemeClr val="tx1"/>
-                </a:solidFill>
-                <a:latin typeface="+mn-lt"/>
-                <a:ea typeface="+mn-ea"/>
-                <a:cs typeface="+mn-cs"/>
-              </a:defRPr>
-            </a:lvl4pPr>
-            <a:lvl5pPr marL="1828800" algn="l" defTabSz="914400" rtl="0" eaLnBrk="1" latinLnBrk="0" hangingPunct="1">
-              <a:defRPr sz="1800" kern="1200">
-                <a:solidFill>
-                  <a:schemeClr val="tx1"/>
-                </a:solidFill>
-                <a:latin typeface="+mn-lt"/>
-                <a:ea typeface="+mn-ea"/>
-                <a:cs typeface="+mn-cs"/>
-              </a:defRPr>
-            </a:lvl5pPr>
-            <a:lvl6pPr marL="2286000" algn="l" defTabSz="914400" rtl="0" eaLnBrk="1" latinLnBrk="0" hangingPunct="1">
-              <a:defRPr sz="1800" kern="1200">
-                <a:solidFill>
-                  <a:schemeClr val="tx1"/>
-                </a:solidFill>
-                <a:latin typeface="+mn-lt"/>
-                <a:ea typeface="+mn-ea"/>
-                <a:cs typeface="+mn-cs"/>
-              </a:defRPr>
-            </a:lvl6pPr>
-            <a:lvl7pPr marL="2743200" algn="l" defTabSz="914400" rtl="0" eaLnBrk="1" latinLnBrk="0" hangingPunct="1">
-              <a:defRPr sz="1800" kern="1200">
-                <a:solidFill>
-                  <a:schemeClr val="tx1"/>
-                </a:solidFill>
-                <a:latin typeface="+mn-lt"/>
-                <a:ea typeface="+mn-ea"/>
-                <a:cs typeface="+mn-cs"/>
-              </a:defRPr>
-            </a:lvl7pPr>
-            <a:lvl8pPr marL="3200400" algn="l" defTabSz="914400" rtl="0" eaLnBrk="1" latinLnBrk="0" hangingPunct="1">
-              <a:defRPr sz="1800" kern="1200">
-                <a:solidFill>
-                  <a:schemeClr val="tx1"/>
-                </a:solidFill>
-                <a:latin typeface="+mn-lt"/>
-                <a:ea typeface="+mn-ea"/>
-                <a:cs typeface="+mn-cs"/>
-              </a:defRPr>
-            </a:lvl8pPr>
-            <a:lvl9pPr marL="3657600" algn="l" defTabSz="914400" rtl="0" eaLnBrk="1" latinLnBrk="0" hangingPunct="1">
-              <a:defRPr sz="1800" kern="1200">
-                <a:solidFill>
-                  <a:schemeClr val="tx1"/>
-                </a:solidFill>
-                <a:latin typeface="+mn-lt"/>
-                <a:ea typeface="+mn-ea"/>
-                <a:cs typeface="+mn-cs"/>
-              </a:defRPr>
-            </a:lvl9pPr>
-          </a:lstStyle>
-          <a:p>
-            <a:r>
-              <a:rPr lang="de-DE" dirty="0"/>
-              <a:t>9</a:t>
-            </a:r>
-          </a:p>
-        </p:txBody>
-      </p:sp>
     </p:spTree>
     <p:extLst>
       <p:ext uri="{BB962C8B-B14F-4D97-AF65-F5344CB8AC3E}">

--- a/Abschlusspräsentation/Abschlusspräsentation.pptx
+++ b/Abschlusspräsentation/Abschlusspräsentation.pptx
@@ -5,24 +5,23 @@
     <p:sldMasterId id="2147483648" r:id="rId1"/>
   </p:sldMasterIdLst>
   <p:notesMasterIdLst>
-    <p:notesMasterId r:id="rId17"/>
+    <p:notesMasterId r:id="rId16"/>
   </p:notesMasterIdLst>
   <p:sldIdLst>
     <p:sldId id="256" r:id="rId2"/>
-    <p:sldId id="257" r:id="rId3"/>
-    <p:sldId id="274" r:id="rId4"/>
-    <p:sldId id="265" r:id="rId5"/>
-    <p:sldId id="266" r:id="rId6"/>
-    <p:sldId id="272" r:id="rId7"/>
-    <p:sldId id="267" r:id="rId8"/>
-    <p:sldId id="269" r:id="rId9"/>
-    <p:sldId id="268" r:id="rId10"/>
-    <p:sldId id="270" r:id="rId11"/>
-    <p:sldId id="271" r:id="rId12"/>
-    <p:sldId id="262" r:id="rId13"/>
-    <p:sldId id="263" r:id="rId14"/>
-    <p:sldId id="273" r:id="rId15"/>
-    <p:sldId id="264" r:id="rId16"/>
+    <p:sldId id="274" r:id="rId3"/>
+    <p:sldId id="265" r:id="rId4"/>
+    <p:sldId id="266" r:id="rId5"/>
+    <p:sldId id="272" r:id="rId6"/>
+    <p:sldId id="267" r:id="rId7"/>
+    <p:sldId id="269" r:id="rId8"/>
+    <p:sldId id="268" r:id="rId9"/>
+    <p:sldId id="270" r:id="rId10"/>
+    <p:sldId id="271" r:id="rId11"/>
+    <p:sldId id="262" r:id="rId12"/>
+    <p:sldId id="263" r:id="rId13"/>
+    <p:sldId id="273" r:id="rId14"/>
+    <p:sldId id="264" r:id="rId15"/>
   </p:sldIdLst>
   <p:sldSz cx="12192000" cy="6858000"/>
   <p:notesSz cx="6858000" cy="9144000"/>
@@ -211,7 +210,7 @@
           <a:p>
             <a:fld id="{2A964AE4-3AF3-E442-AFAF-A73C48A1F56D}" type="datetimeFigureOut">
               <a:rPr lang="de-DE" smtClean="0"/>
-              <a:t>17.03.19</a:t>
+              <a:t>20.03.19</a:t>
             </a:fld>
             <a:endParaRPr lang="de-DE"/>
           </a:p>
@@ -600,7 +599,7 @@
           <a:p>
             <a:fld id="{73545339-1622-494D-8E70-00E2BA419683}" type="datetime1">
               <a:rPr lang="de-DE" smtClean="0"/>
-              <a:t>17.03.19</a:t>
+              <a:t>20.03.19</a:t>
             </a:fld>
             <a:endParaRPr lang="de-DE"/>
           </a:p>
@@ -773,7 +772,7 @@
           <a:p>
             <a:fld id="{DF07BDC8-8216-D349-9058-E1F87E5B3611}" type="datetime1">
               <a:rPr lang="de-DE" smtClean="0"/>
-              <a:t>17.03.19</a:t>
+              <a:t>20.03.19</a:t>
             </a:fld>
             <a:endParaRPr lang="de-DE"/>
           </a:p>
@@ -956,7 +955,7 @@
           <a:p>
             <a:fld id="{7D4B407F-ABB3-E54B-9317-58C81C304734}" type="datetime1">
               <a:rPr lang="de-DE" smtClean="0"/>
-              <a:t>17.03.19</a:t>
+              <a:t>20.03.19</a:t>
             </a:fld>
             <a:endParaRPr lang="de-DE"/>
           </a:p>
@@ -1129,7 +1128,7 @@
           <a:p>
             <a:fld id="{99B7EBEE-06B7-BE4F-B0D8-0587D499AB28}" type="datetime1">
               <a:rPr lang="de-DE" smtClean="0"/>
-              <a:t>17.03.19</a:t>
+              <a:t>20.03.19</a:t>
             </a:fld>
             <a:endParaRPr lang="de-DE"/>
           </a:p>
@@ -1407,7 +1406,7 @@
           <a:p>
             <a:fld id="{E755FA26-DA6C-B644-8730-03D04829D5E9}" type="datetime1">
               <a:rPr lang="de-DE" smtClean="0"/>
-              <a:t>17.03.19</a:t>
+              <a:t>20.03.19</a:t>
             </a:fld>
             <a:endParaRPr lang="de-DE"/>
           </a:p>
@@ -1622,7 +1621,7 @@
           <a:p>
             <a:fld id="{0848337C-DE54-3241-86CB-5694689798A1}" type="datetime1">
               <a:rPr lang="de-DE" smtClean="0"/>
-              <a:t>17.03.19</a:t>
+              <a:t>20.03.19</a:t>
             </a:fld>
             <a:endParaRPr lang="de-DE"/>
           </a:p>
@@ -1990,7 +1989,7 @@
           <a:p>
             <a:fld id="{8D89853E-512F-2647-8B0F-E5DDB2DFE56C}" type="datetime1">
               <a:rPr lang="de-DE" smtClean="0"/>
-              <a:t>17.03.19</a:t>
+              <a:t>20.03.19</a:t>
             </a:fld>
             <a:endParaRPr lang="de-DE"/>
           </a:p>
@@ -2131,7 +2130,7 @@
           <a:p>
             <a:fld id="{A89BC9DB-C430-9644-8793-6E81C3892253}" type="datetime1">
               <a:rPr lang="de-DE" smtClean="0"/>
-              <a:t>17.03.19</a:t>
+              <a:t>20.03.19</a:t>
             </a:fld>
             <a:endParaRPr lang="de-DE"/>
           </a:p>
@@ -2244,7 +2243,7 @@
           <a:p>
             <a:fld id="{3A2C90BF-FC5B-CA49-A2AE-F228E5AEC323}" type="datetime1">
               <a:rPr lang="de-DE" smtClean="0"/>
-              <a:t>17.03.19</a:t>
+              <a:t>20.03.19</a:t>
             </a:fld>
             <a:endParaRPr lang="de-DE"/>
           </a:p>
@@ -2533,7 +2532,7 @@
           <a:p>
             <a:fld id="{3DD3629A-03FF-894B-829D-0E5150D0B5C9}" type="datetime1">
               <a:rPr lang="de-DE" smtClean="0"/>
-              <a:t>17.03.19</a:t>
+              <a:t>20.03.19</a:t>
             </a:fld>
             <a:endParaRPr lang="de-DE"/>
           </a:p>
@@ -2824,7 +2823,7 @@
           <a:p>
             <a:fld id="{355D3F27-45D6-F24C-9D28-495E0B1CF426}" type="datetime1">
               <a:rPr lang="de-DE" smtClean="0"/>
-              <a:t>17.03.19</a:t>
+              <a:t>20.03.19</a:t>
             </a:fld>
             <a:endParaRPr lang="de-DE"/>
           </a:p>
@@ -3040,7 +3039,7 @@
           <a:p>
             <a:fld id="{22A0BB3E-1A97-1646-82A9-B8EDA698AB0F}" type="datetime1">
               <a:rPr lang="de-DE" smtClean="0"/>
-              <a:t>17.03.19</a:t>
+              <a:t>20.03.19</a:t>
             </a:fld>
             <a:endParaRPr lang="de-DE"/>
           </a:p>
@@ -4031,7 +4030,7 @@
           <p:cNvPr id="8" name="Grafik 7">
             <a:extLst>
               <a:ext uri="{FF2B5EF4-FFF2-40B4-BE49-F238E27FC236}">
-                <a16:creationId xmlns:a16="http://schemas.microsoft.com/office/drawing/2014/main" id="{8D3CA7FB-C623-9944-8554-489B3CF0D331}"/>
+                <a16:creationId xmlns:a16="http://schemas.microsoft.com/office/drawing/2014/main" id="{20AEE990-C300-824C-9EC3-8C674825AAB6}"/>
               </a:ext>
             </a:extLst>
           </p:cNvPr>
@@ -4077,7 +4076,7 @@
           <p:cNvPr id="6" name="Foliennummernplatzhalter 5">
             <a:extLst>
               <a:ext uri="{FF2B5EF4-FFF2-40B4-BE49-F238E27FC236}">
-                <a16:creationId xmlns:a16="http://schemas.microsoft.com/office/drawing/2014/main" id="{8E839A05-E2CD-304E-883A-1D5997376548}"/>
+                <a16:creationId xmlns:a16="http://schemas.microsoft.com/office/drawing/2014/main" id="{CE667594-0D22-3D47-BC92-18F73DA69662}"/>
               </a:ext>
             </a:extLst>
           </p:cNvPr>
@@ -4103,10 +4102,70 @@
       </p:sp>
       <p:sp>
         <p:nvSpPr>
+          <p:cNvPr id="9" name="Fußzeilenplatzhalter 4">
+            <a:extLst>
+              <a:ext uri="{FF2B5EF4-FFF2-40B4-BE49-F238E27FC236}">
+                <a16:creationId xmlns:a16="http://schemas.microsoft.com/office/drawing/2014/main" id="{28119FDB-601C-1D4F-AF81-2FC0AC777806}"/>
+              </a:ext>
+            </a:extLst>
+          </p:cNvPr>
+          <p:cNvSpPr>
+            <a:spLocks noGrp="1"/>
+          </p:cNvSpPr>
+          <p:nvPr>
+            <p:ph type="ftr" sz="quarter" idx="11"/>
+          </p:nvPr>
+        </p:nvSpPr>
+        <p:spPr>
+          <a:xfrm>
+            <a:off x="0" y="6356350"/>
+            <a:ext cx="12192000" cy="365125"/>
+          </a:xfrm>
+          <a:solidFill>
+            <a:schemeClr val="bg2"/>
+          </a:solidFill>
+          <a:ln>
+            <a:solidFill>
+              <a:schemeClr val="tx1"/>
+            </a:solidFill>
+          </a:ln>
+        </p:spPr>
+        <p:style>
+          <a:lnRef idx="0">
+            <a:schemeClr val="accent3"/>
+          </a:lnRef>
+          <a:fillRef idx="3">
+            <a:schemeClr val="accent3"/>
+          </a:fillRef>
+          <a:effectRef idx="3">
+            <a:schemeClr val="accent3"/>
+          </a:effectRef>
+          <a:fontRef idx="minor">
+            <a:schemeClr val="lt1"/>
+          </a:fontRef>
+        </p:style>
+        <p:txBody>
+          <a:bodyPr/>
+          <a:lstStyle/>
+          <a:p>
+            <a:pPr algn="l"/>
+            <a:r>
+              <a:rPr lang="de-DE" dirty="0">
+                <a:solidFill>
+                  <a:schemeClr val="tx1"/>
+                </a:solidFill>
+              </a:rPr>
+              <a:t>          Orkhan Aliev, Tim Groß, Daniel Helmig, Rukiye Devran</a:t>
+            </a:r>
+          </a:p>
+        </p:txBody>
+      </p:sp>
+      <p:sp>
+        <p:nvSpPr>
           <p:cNvPr id="10" name="Titel 1">
             <a:extLst>
               <a:ext uri="{FF2B5EF4-FFF2-40B4-BE49-F238E27FC236}">
-                <a16:creationId xmlns:a16="http://schemas.microsoft.com/office/drawing/2014/main" id="{F8F12A2B-6116-B040-B87B-51EA79DB792A}"/>
+                <a16:creationId xmlns:a16="http://schemas.microsoft.com/office/drawing/2014/main" id="{8C412BFA-EF8B-E745-8915-938294B1F36B}"/>
               </a:ext>
             </a:extLst>
           </p:cNvPr>
@@ -4263,7 +4322,7 @@
                   </a:outerShdw>
                 </a:effectLst>
               </a:rPr>
-              <a:t>      1.4 Qualitätssicherung</a:t>
+              <a:t>      2. Allgemeine Schwierigkeiten</a:t>
             </a:r>
             <a:r>
               <a:rPr lang="de-DE" dirty="0">
@@ -4297,10 +4356,10 @@
       </p:sp>
       <p:sp>
         <p:nvSpPr>
-          <p:cNvPr id="13" name="Inhaltsplatzhalter 2">
-            <a:extLst>
-              <a:ext uri="{FF2B5EF4-FFF2-40B4-BE49-F238E27FC236}">
-                <a16:creationId xmlns:a16="http://schemas.microsoft.com/office/drawing/2014/main" id="{382E00AB-3A0D-7440-9E21-0F1B08DB493B}"/>
+          <p:cNvPr id="15" name="Inhaltsplatzhalter 2">
+            <a:extLst>
+              <a:ext uri="{FF2B5EF4-FFF2-40B4-BE49-F238E27FC236}">
+                <a16:creationId xmlns:a16="http://schemas.microsoft.com/office/drawing/2014/main" id="{239DAB00-5DB8-744C-88FE-03D87681F179}"/>
               </a:ext>
             </a:extLst>
           </p:cNvPr>
@@ -4313,8 +4372,8 @@
         </p:nvSpPr>
         <p:spPr>
           <a:xfrm>
-            <a:off x="0" y="1639393"/>
-            <a:ext cx="12192000" cy="3664127"/>
+            <a:off x="0" y="1639394"/>
+            <a:ext cx="12192000" cy="1856842"/>
           </a:xfrm>
           <a:solidFill>
             <a:schemeClr val="bg2"/>
@@ -4332,104 +4391,34 @@
             <a:pPr marL="457200" lvl="1" indent="0">
               <a:buNone/>
             </a:pPr>
-            <a:br>
-              <a:rPr lang="de-DE" b="1" dirty="0"/>
-            </a:br>
-            <a:r>
-              <a:rPr lang="de-DE" sz="2800" b="1" u="sng" dirty="0"/>
-              <a:t>Verwendete Tools</a:t>
-            </a:r>
-            <a:endParaRPr lang="de-DE" sz="2800" u="sng" dirty="0"/>
+            <a:endParaRPr lang="de-DE" sz="2800" dirty="0"/>
           </a:p>
           <a:p>
             <a:pPr lvl="1"/>
             <a:r>
               <a:rPr lang="de-DE" sz="2800" dirty="0"/>
-              <a:t>Monkey Testing</a:t>
+              <a:t>Server: ....</a:t>
             </a:r>
           </a:p>
           <a:p>
             <a:pPr lvl="1"/>
             <a:r>
               <a:rPr lang="de-DE" sz="2800" dirty="0"/>
-              <a:t>JUnit</a:t>
+              <a:t>GUI: Umgang mit Bitmaps, Pixelberechnung</a:t>
             </a:r>
           </a:p>
           <a:p>
             <a:pPr lvl="1"/>
-            <a:r>
-              <a:rPr lang="de-DE" sz="2800" dirty="0"/>
-              <a:t>....</a:t>
-            </a:r>
+            <a:endParaRPr lang="de-DE" sz="2800" dirty="0"/>
           </a:p>
         </p:txBody>
       </p:sp>
       <p:sp>
         <p:nvSpPr>
-          <p:cNvPr id="9" name="Fußzeilenplatzhalter 4">
-            <a:extLst>
-              <a:ext uri="{FF2B5EF4-FFF2-40B4-BE49-F238E27FC236}">
-                <a16:creationId xmlns:a16="http://schemas.microsoft.com/office/drawing/2014/main" id="{D4A97D1F-017A-2544-913E-76818C304226}"/>
-              </a:ext>
-            </a:extLst>
-          </p:cNvPr>
-          <p:cNvSpPr>
-            <a:spLocks noGrp="1"/>
-          </p:cNvSpPr>
-          <p:nvPr>
-            <p:ph type="ftr" sz="quarter" idx="11"/>
-          </p:nvPr>
-        </p:nvSpPr>
-        <p:spPr>
-          <a:xfrm>
-            <a:off x="0" y="6356350"/>
-            <a:ext cx="12192000" cy="365125"/>
-          </a:xfrm>
-          <a:solidFill>
-            <a:schemeClr val="bg2"/>
-          </a:solidFill>
-          <a:ln>
-            <a:solidFill>
-              <a:schemeClr val="tx1"/>
-            </a:solidFill>
-          </a:ln>
-        </p:spPr>
-        <p:style>
-          <a:lnRef idx="0">
-            <a:schemeClr val="accent3"/>
-          </a:lnRef>
-          <a:fillRef idx="3">
-            <a:schemeClr val="accent3"/>
-          </a:fillRef>
-          <a:effectRef idx="3">
-            <a:schemeClr val="accent3"/>
-          </a:effectRef>
-          <a:fontRef idx="minor">
-            <a:schemeClr val="lt1"/>
-          </a:fontRef>
-        </p:style>
-        <p:txBody>
-          <a:bodyPr/>
-          <a:lstStyle/>
-          <a:p>
-            <a:pPr algn="l"/>
-            <a:r>
-              <a:rPr lang="de-DE" dirty="0">
-                <a:solidFill>
-                  <a:schemeClr val="tx1"/>
-                </a:solidFill>
-              </a:rPr>
-              <a:t>          Orkhan Aliev, Tim Groß, Daniel Helmig, Rukiye Devran</a:t>
-            </a:r>
-          </a:p>
-        </p:txBody>
-      </p:sp>
-      <p:sp>
-        <p:nvSpPr>
-          <p:cNvPr id="14" name="Foliennummernplatzhalter 5">
-            <a:extLst>
-              <a:ext uri="{FF2B5EF4-FFF2-40B4-BE49-F238E27FC236}">
-                <a16:creationId xmlns:a16="http://schemas.microsoft.com/office/drawing/2014/main" id="{B9F068FA-D6F2-5545-BEF5-ABC141F3D2CA}"/>
+          <p:cNvPr id="16" name="Foliennummernplatzhalter 5">
+            <a:extLst>
+              <a:ext uri="{FF2B5EF4-FFF2-40B4-BE49-F238E27FC236}">
+                <a16:creationId xmlns:a16="http://schemas.microsoft.com/office/drawing/2014/main" id="{FE343FB5-05C7-E444-A6C3-7C4B5753176C}"/>
               </a:ext>
             </a:extLst>
           </p:cNvPr>
@@ -4549,7 +4538,7 @@
           <a:p>
             <a:r>
               <a:rPr lang="de-DE" dirty="0"/>
-              <a:t>10</a:t>
+              <a:t>11</a:t>
             </a:r>
           </a:p>
         </p:txBody>
@@ -4559,7 +4548,7 @@
           <p:cNvPr id="11" name="Inhaltsplatzhalter 4">
             <a:extLst>
               <a:ext uri="{FF2B5EF4-FFF2-40B4-BE49-F238E27FC236}">
-                <a16:creationId xmlns:a16="http://schemas.microsoft.com/office/drawing/2014/main" id="{5F06B6DD-689F-DD41-8A91-8B9A3C7F7BC7}"/>
+                <a16:creationId xmlns:a16="http://schemas.microsoft.com/office/drawing/2014/main" id="{CAD91F6D-B403-7E40-9AD1-349BCA65C285}"/>
               </a:ext>
             </a:extLst>
           </p:cNvPr>
@@ -4648,7 +4637,7 @@
     </p:spTree>
     <p:extLst>
       <p:ext uri="{BB962C8B-B14F-4D97-AF65-F5344CB8AC3E}">
-        <p14:creationId xmlns:p14="http://schemas.microsoft.com/office/powerpoint/2010/main" val="58701852"/>
+        <p14:creationId xmlns:p14="http://schemas.microsoft.com/office/powerpoint/2010/main" val="1890556279"/>
       </p:ext>
     </p:extLst>
   </p:cSld>
@@ -4677,10 +4666,10 @@
       </p:grpSpPr>
       <p:pic>
         <p:nvPicPr>
-          <p:cNvPr id="8" name="Grafik 7">
-            <a:extLst>
-              <a:ext uri="{FF2B5EF4-FFF2-40B4-BE49-F238E27FC236}">
-                <a16:creationId xmlns:a16="http://schemas.microsoft.com/office/drawing/2014/main" id="{20AEE990-C300-824C-9EC3-8C674825AAB6}"/>
+          <p:cNvPr id="10" name="Grafik 9">
+            <a:extLst>
+              <a:ext uri="{FF2B5EF4-FFF2-40B4-BE49-F238E27FC236}">
+                <a16:creationId xmlns:a16="http://schemas.microsoft.com/office/drawing/2014/main" id="{E7D77146-B6AE-3A47-863B-F36F824FE892}"/>
               </a:ext>
             </a:extLst>
           </p:cNvPr>
@@ -4723,10 +4712,218 @@
       </p:pic>
       <p:sp>
         <p:nvSpPr>
-          <p:cNvPr id="6" name="Foliennummernplatzhalter 5">
-            <a:extLst>
-              <a:ext uri="{FF2B5EF4-FFF2-40B4-BE49-F238E27FC236}">
-                <a16:creationId xmlns:a16="http://schemas.microsoft.com/office/drawing/2014/main" id="{CE667594-0D22-3D47-BC92-18F73DA69662}"/>
+          <p:cNvPr id="15" name="Inhaltsplatzhalter 2">
+            <a:extLst>
+              <a:ext uri="{FF2B5EF4-FFF2-40B4-BE49-F238E27FC236}">
+                <a16:creationId xmlns:a16="http://schemas.microsoft.com/office/drawing/2014/main" id="{145984F8-646B-8641-8B77-91311028AE17}"/>
+              </a:ext>
+            </a:extLst>
+          </p:cNvPr>
+          <p:cNvSpPr txBox="1">
+            <a:spLocks/>
+          </p:cNvSpPr>
+          <p:nvPr/>
+        </p:nvSpPr>
+        <p:spPr>
+          <a:xfrm>
+            <a:off x="0" y="1639394"/>
+            <a:ext cx="12192000" cy="2524643"/>
+          </a:xfrm>
+          <a:prstGeom prst="rect">
+            <a:avLst/>
+          </a:prstGeom>
+          <a:solidFill>
+            <a:schemeClr val="bg2"/>
+          </a:solidFill>
+          <a:ln w="28575">
+            <a:solidFill>
+              <a:schemeClr val="tx1"/>
+            </a:solidFill>
+          </a:ln>
+        </p:spPr>
+        <p:txBody>
+          <a:bodyPr vert="horz" lIns="91440" tIns="45720" rIns="91440" bIns="45720" rtlCol="0">
+            <a:normAutofit/>
+          </a:bodyPr>
+          <a:lstStyle>
+            <a:lvl1pPr marL="228600" indent="-228600" algn="l" defTabSz="914400" rtl="0" eaLnBrk="1" latinLnBrk="0" hangingPunct="1">
+              <a:lnSpc>
+                <a:spcPct val="90000"/>
+              </a:lnSpc>
+              <a:spcBef>
+                <a:spcPts val="1000"/>
+              </a:spcBef>
+              <a:buFont typeface="Arial" panose="020B0604020202020204" pitchFamily="34" charset="0"/>
+              <a:buChar char="•"/>
+              <a:defRPr sz="2800" kern="1200">
+                <a:solidFill>
+                  <a:schemeClr val="tx1"/>
+                </a:solidFill>
+                <a:latin typeface="+mn-lt"/>
+                <a:ea typeface="+mn-ea"/>
+                <a:cs typeface="+mn-cs"/>
+              </a:defRPr>
+            </a:lvl1pPr>
+            <a:lvl2pPr marL="685800" indent="-228600" algn="l" defTabSz="914400" rtl="0" eaLnBrk="1" latinLnBrk="0" hangingPunct="1">
+              <a:lnSpc>
+                <a:spcPct val="90000"/>
+              </a:lnSpc>
+              <a:spcBef>
+                <a:spcPts val="500"/>
+              </a:spcBef>
+              <a:buFont typeface="Arial" panose="020B0604020202020204" pitchFamily="34" charset="0"/>
+              <a:buChar char="•"/>
+              <a:defRPr sz="2400" kern="1200">
+                <a:solidFill>
+                  <a:schemeClr val="tx1"/>
+                </a:solidFill>
+                <a:latin typeface="+mn-lt"/>
+                <a:ea typeface="+mn-ea"/>
+                <a:cs typeface="+mn-cs"/>
+              </a:defRPr>
+            </a:lvl2pPr>
+            <a:lvl3pPr marL="1143000" indent="-228600" algn="l" defTabSz="914400" rtl="0" eaLnBrk="1" latinLnBrk="0" hangingPunct="1">
+              <a:lnSpc>
+                <a:spcPct val="90000"/>
+              </a:lnSpc>
+              <a:spcBef>
+                <a:spcPts val="500"/>
+              </a:spcBef>
+              <a:buFont typeface="Arial" panose="020B0604020202020204" pitchFamily="34" charset="0"/>
+              <a:buChar char="•"/>
+              <a:defRPr sz="2000" kern="1200">
+                <a:solidFill>
+                  <a:schemeClr val="tx1"/>
+                </a:solidFill>
+                <a:latin typeface="+mn-lt"/>
+                <a:ea typeface="+mn-ea"/>
+                <a:cs typeface="+mn-cs"/>
+              </a:defRPr>
+            </a:lvl3pPr>
+            <a:lvl4pPr marL="1600200" indent="-228600" algn="l" defTabSz="914400" rtl="0" eaLnBrk="1" latinLnBrk="0" hangingPunct="1">
+              <a:lnSpc>
+                <a:spcPct val="90000"/>
+              </a:lnSpc>
+              <a:spcBef>
+                <a:spcPts val="500"/>
+              </a:spcBef>
+              <a:buFont typeface="Arial" panose="020B0604020202020204" pitchFamily="34" charset="0"/>
+              <a:buChar char="•"/>
+              <a:defRPr sz="1800" kern="1200">
+                <a:solidFill>
+                  <a:schemeClr val="tx1"/>
+                </a:solidFill>
+                <a:latin typeface="+mn-lt"/>
+                <a:ea typeface="+mn-ea"/>
+                <a:cs typeface="+mn-cs"/>
+              </a:defRPr>
+            </a:lvl4pPr>
+            <a:lvl5pPr marL="2057400" indent="-228600" algn="l" defTabSz="914400" rtl="0" eaLnBrk="1" latinLnBrk="0" hangingPunct="1">
+              <a:lnSpc>
+                <a:spcPct val="90000"/>
+              </a:lnSpc>
+              <a:spcBef>
+                <a:spcPts val="500"/>
+              </a:spcBef>
+              <a:buFont typeface="Arial" panose="020B0604020202020204" pitchFamily="34" charset="0"/>
+              <a:buChar char="•"/>
+              <a:defRPr sz="1800" kern="1200">
+                <a:solidFill>
+                  <a:schemeClr val="tx1"/>
+                </a:solidFill>
+                <a:latin typeface="+mn-lt"/>
+                <a:ea typeface="+mn-ea"/>
+                <a:cs typeface="+mn-cs"/>
+              </a:defRPr>
+            </a:lvl5pPr>
+            <a:lvl6pPr marL="2514600" indent="-228600" algn="l" defTabSz="914400" rtl="0" eaLnBrk="1" latinLnBrk="0" hangingPunct="1">
+              <a:lnSpc>
+                <a:spcPct val="90000"/>
+              </a:lnSpc>
+              <a:spcBef>
+                <a:spcPts val="500"/>
+              </a:spcBef>
+              <a:buFont typeface="Arial" panose="020B0604020202020204" pitchFamily="34" charset="0"/>
+              <a:buChar char="•"/>
+              <a:defRPr sz="1800" kern="1200">
+                <a:solidFill>
+                  <a:schemeClr val="tx1"/>
+                </a:solidFill>
+                <a:latin typeface="+mn-lt"/>
+                <a:ea typeface="+mn-ea"/>
+                <a:cs typeface="+mn-cs"/>
+              </a:defRPr>
+            </a:lvl6pPr>
+            <a:lvl7pPr marL="2971800" indent="-228600" algn="l" defTabSz="914400" rtl="0" eaLnBrk="1" latinLnBrk="0" hangingPunct="1">
+              <a:lnSpc>
+                <a:spcPct val="90000"/>
+              </a:lnSpc>
+              <a:spcBef>
+                <a:spcPts val="500"/>
+              </a:spcBef>
+              <a:buFont typeface="Arial" panose="020B0604020202020204" pitchFamily="34" charset="0"/>
+              <a:buChar char="•"/>
+              <a:defRPr sz="1800" kern="1200">
+                <a:solidFill>
+                  <a:schemeClr val="tx1"/>
+                </a:solidFill>
+                <a:latin typeface="+mn-lt"/>
+                <a:ea typeface="+mn-ea"/>
+                <a:cs typeface="+mn-cs"/>
+              </a:defRPr>
+            </a:lvl7pPr>
+            <a:lvl8pPr marL="3429000" indent="-228600" algn="l" defTabSz="914400" rtl="0" eaLnBrk="1" latinLnBrk="0" hangingPunct="1">
+              <a:lnSpc>
+                <a:spcPct val="90000"/>
+              </a:lnSpc>
+              <a:spcBef>
+                <a:spcPts val="500"/>
+              </a:spcBef>
+              <a:buFont typeface="Arial" panose="020B0604020202020204" pitchFamily="34" charset="0"/>
+              <a:buChar char="•"/>
+              <a:defRPr sz="1800" kern="1200">
+                <a:solidFill>
+                  <a:schemeClr val="tx1"/>
+                </a:solidFill>
+                <a:latin typeface="+mn-lt"/>
+                <a:ea typeface="+mn-ea"/>
+                <a:cs typeface="+mn-cs"/>
+              </a:defRPr>
+            </a:lvl8pPr>
+            <a:lvl9pPr marL="3886200" indent="-228600" algn="l" defTabSz="914400" rtl="0" eaLnBrk="1" latinLnBrk="0" hangingPunct="1">
+              <a:lnSpc>
+                <a:spcPct val="90000"/>
+              </a:lnSpc>
+              <a:spcBef>
+                <a:spcPts val="500"/>
+              </a:spcBef>
+              <a:buFont typeface="Arial" panose="020B0604020202020204" pitchFamily="34" charset="0"/>
+              <a:buChar char="•"/>
+              <a:defRPr sz="1800" kern="1200">
+                <a:solidFill>
+                  <a:schemeClr val="tx1"/>
+                </a:solidFill>
+                <a:latin typeface="+mn-lt"/>
+                <a:ea typeface="+mn-ea"/>
+                <a:cs typeface="+mn-cs"/>
+              </a:defRPr>
+            </a:lvl9pPr>
+          </a:lstStyle>
+          <a:p>
+            <a:pPr marL="457200" lvl="1" indent="0">
+              <a:buFont typeface="Arial" panose="020B0604020202020204" pitchFamily="34" charset="0"/>
+              <a:buNone/>
+            </a:pPr>
+            <a:endParaRPr lang="de-DE" sz="2800" dirty="0"/>
+          </a:p>
+        </p:txBody>
+      </p:sp>
+      <p:sp>
+        <p:nvSpPr>
+          <p:cNvPr id="8" name="Foliennummernplatzhalter 7">
+            <a:extLst>
+              <a:ext uri="{FF2B5EF4-FFF2-40B4-BE49-F238E27FC236}">
+                <a16:creationId xmlns:a16="http://schemas.microsoft.com/office/drawing/2014/main" id="{10969AAB-F240-6E45-B069-5960B3889F6A}"/>
               </a:ext>
             </a:extLst>
           </p:cNvPr>
@@ -4752,10 +4949,10 @@
       </p:sp>
       <p:sp>
         <p:nvSpPr>
-          <p:cNvPr id="9" name="Fußzeilenplatzhalter 4">
-            <a:extLst>
-              <a:ext uri="{FF2B5EF4-FFF2-40B4-BE49-F238E27FC236}">
-                <a16:creationId xmlns:a16="http://schemas.microsoft.com/office/drawing/2014/main" id="{28119FDB-601C-1D4F-AF81-2FC0AC777806}"/>
+          <p:cNvPr id="11" name="Fußzeilenplatzhalter 4">
+            <a:extLst>
+              <a:ext uri="{FF2B5EF4-FFF2-40B4-BE49-F238E27FC236}">
+                <a16:creationId xmlns:a16="http://schemas.microsoft.com/office/drawing/2014/main" id="{399F1CD2-5D5E-4C4D-B6DC-1F79D23F7386}"/>
               </a:ext>
             </a:extLst>
           </p:cNvPr>
@@ -4812,10 +5009,10 @@
       </p:sp>
       <p:sp>
         <p:nvSpPr>
-          <p:cNvPr id="10" name="Titel 1">
-            <a:extLst>
-              <a:ext uri="{FF2B5EF4-FFF2-40B4-BE49-F238E27FC236}">
-                <a16:creationId xmlns:a16="http://schemas.microsoft.com/office/drawing/2014/main" id="{8C412BFA-EF8B-E745-8915-938294B1F36B}"/>
+          <p:cNvPr id="12" name="Titel 1">
+            <a:extLst>
+              <a:ext uri="{FF2B5EF4-FFF2-40B4-BE49-F238E27FC236}">
+                <a16:creationId xmlns:a16="http://schemas.microsoft.com/office/drawing/2014/main" id="{E3D739D8-EC04-5F4E-AF55-01A09BA39B0C}"/>
               </a:ext>
             </a:extLst>
           </p:cNvPr>
@@ -4972,99 +5169,84 @@
                   </a:outerShdw>
                 </a:effectLst>
               </a:rPr>
-              <a:t>      2. Allgemeine Schwierigkeiten</a:t>
+              <a:t>      3. App Demonstration</a:t>
             </a:r>
-            <a:r>
-              <a:rPr lang="de-DE" dirty="0">
-                <a:solidFill>
-                  <a:schemeClr val="tx1"/>
-                </a:solidFill>
-                <a:effectLst>
-                  <a:outerShdw blurRad="50800" dist="38100" dir="2700000" algn="tl" rotWithShape="0">
-                    <a:prstClr val="black">
-                      <a:alpha val="40000"/>
-                    </a:prstClr>
-                  </a:outerShdw>
-                </a:effectLst>
-              </a:rPr>
-              <a:t> </a:t>
-            </a:r>
-            <a:endParaRPr lang="de-DE" b="1" dirty="0">
-              <a:solidFill>
-                <a:schemeClr val="tx1"/>
-              </a:solidFill>
-              <a:effectLst>
-                <a:outerShdw blurRad="50800" dist="38100" dir="2700000" algn="tl" rotWithShape="0">
-                  <a:prstClr val="black">
-                    <a:alpha val="40000"/>
-                  </a:prstClr>
-                </a:outerShdw>
-              </a:effectLst>
-            </a:endParaRPr>
           </a:p>
         </p:txBody>
       </p:sp>
-      <p:sp>
-        <p:nvSpPr>
-          <p:cNvPr id="15" name="Inhaltsplatzhalter 2">
-            <a:extLst>
-              <a:ext uri="{FF2B5EF4-FFF2-40B4-BE49-F238E27FC236}">
-                <a16:creationId xmlns:a16="http://schemas.microsoft.com/office/drawing/2014/main" id="{239DAB00-5DB8-744C-88FE-03D87681F179}"/>
-              </a:ext>
-            </a:extLst>
-          </p:cNvPr>
-          <p:cNvSpPr>
-            <a:spLocks noGrp="1"/>
-          </p:cNvSpPr>
+      <p:pic>
+        <p:nvPicPr>
+          <p:cNvPr id="17" name="Inhaltsplatzhalter 4">
+            <a:extLst>
+              <a:ext uri="{FF2B5EF4-FFF2-40B4-BE49-F238E27FC236}">
+                <a16:creationId xmlns:a16="http://schemas.microsoft.com/office/drawing/2014/main" id="{9C4EB775-86DF-AC49-ADAC-B2B918BA77AC}"/>
+              </a:ext>
+            </a:extLst>
+          </p:cNvPr>
+          <p:cNvPicPr>
+            <a:picLocks noGrp="1" noChangeAspect="1"/>
+          </p:cNvPicPr>
           <p:nvPr>
             <p:ph idx="1"/>
           </p:nvPr>
-        </p:nvSpPr>
+        </p:nvPicPr>
+        <p:blipFill>
+          <a:blip r:embed="rId3">
+            <a:extLst>
+              <a:ext uri="{BEBA8EAE-BF5A-486C-A8C5-ECC9F3942E4B}">
+                <a14:imgProps xmlns:a14="http://schemas.microsoft.com/office/drawing/2010/main">
+                  <a14:imgLayer>
+                    <a14:imgEffect>
+                      <a14:sharpenSoften amount="50000"/>
+                    </a14:imgEffect>
+                    <a14:imgEffect>
+                      <a14:colorTemperature colorTemp="11200"/>
+                    </a14:imgEffect>
+                    <a14:imgEffect>
+                      <a14:saturation sat="0"/>
+                    </a14:imgEffect>
+                    <a14:imgEffect>
+                      <a14:brightnessContrast contrast="20000"/>
+                    </a14:imgEffect>
+                  </a14:imgLayer>
+                </a14:imgProps>
+              </a:ext>
+            </a:extLst>
+          </a:blip>
+          <a:stretch>
+            <a:fillRect/>
+          </a:stretch>
+        </p:blipFill>
         <p:spPr>
           <a:xfrm>
-            <a:off x="0" y="1639393"/>
-            <a:ext cx="12192000" cy="3664127"/>
+            <a:off x="352475" y="1820002"/>
+            <a:ext cx="2427456" cy="2233259"/>
           </a:xfrm>
-          <a:solidFill>
-            <a:schemeClr val="bg2"/>
-          </a:solidFill>
-          <a:ln w="28575">
-            <a:solidFill>
-              <a:schemeClr val="tx1"/>
-            </a:solidFill>
+          <a:noFill/>
+          <a:ln>
+            <a:noFill/>
           </a:ln>
+          <a:effectLst>
+            <a:glow rad="101600">
+              <a:schemeClr val="bg2">
+                <a:lumMod val="75000"/>
+                <a:alpha val="60000"/>
+              </a:schemeClr>
+            </a:glow>
+            <a:outerShdw blurRad="50800" dist="38100" dir="2700000" algn="tl" rotWithShape="0">
+              <a:prstClr val="black">
+                <a:alpha val="40000"/>
+              </a:prstClr>
+            </a:outerShdw>
+          </a:effectLst>
         </p:spPr>
-        <p:txBody>
-          <a:bodyPr/>
-          <a:lstStyle/>
-          <a:p>
-            <a:pPr marL="457200" lvl="1" indent="0">
-              <a:buNone/>
-            </a:pPr>
-            <a:endParaRPr lang="de-DE" sz="2800" dirty="0"/>
-          </a:p>
-          <a:p>
-            <a:pPr lvl="1"/>
-            <a:r>
-              <a:rPr lang="de-DE" sz="2800" dirty="0"/>
-              <a:t>Server</a:t>
-            </a:r>
-          </a:p>
-          <a:p>
-            <a:pPr lvl="1"/>
-            <a:r>
-              <a:rPr lang="de-DE" sz="2800" dirty="0"/>
-              <a:t>....</a:t>
-            </a:r>
-          </a:p>
-        </p:txBody>
-      </p:sp>
+      </p:pic>
       <p:sp>
         <p:nvSpPr>
-          <p:cNvPr id="16" name="Foliennummernplatzhalter 5">
-            <a:extLst>
-              <a:ext uri="{FF2B5EF4-FFF2-40B4-BE49-F238E27FC236}">
-                <a16:creationId xmlns:a16="http://schemas.microsoft.com/office/drawing/2014/main" id="{FE343FB5-05C7-E444-A6C3-7C4B5753176C}"/>
+          <p:cNvPr id="18" name="Foliennummernplatzhalter 5">
+            <a:extLst>
+              <a:ext uri="{FF2B5EF4-FFF2-40B4-BE49-F238E27FC236}">
+                <a16:creationId xmlns:a16="http://schemas.microsoft.com/office/drawing/2014/main" id="{9EBB46DB-AA5E-E14E-8CD8-C578AC083DD3}"/>
               </a:ext>
             </a:extLst>
           </p:cNvPr>
@@ -5184,17 +5366,17 @@
           <a:p>
             <a:r>
               <a:rPr lang="de-DE" dirty="0"/>
-              <a:t>11</a:t>
+              <a:t>12</a:t>
             </a:r>
           </a:p>
         </p:txBody>
       </p:sp>
       <p:pic>
         <p:nvPicPr>
-          <p:cNvPr id="11" name="Inhaltsplatzhalter 4">
-            <a:extLst>
-              <a:ext uri="{FF2B5EF4-FFF2-40B4-BE49-F238E27FC236}">
-                <a16:creationId xmlns:a16="http://schemas.microsoft.com/office/drawing/2014/main" id="{CAD91F6D-B403-7E40-9AD1-349BCA65C285}"/>
+          <p:cNvPr id="14" name="Inhaltsplatzhalter 4">
+            <a:extLst>
+              <a:ext uri="{FF2B5EF4-FFF2-40B4-BE49-F238E27FC236}">
+                <a16:creationId xmlns:a16="http://schemas.microsoft.com/office/drawing/2014/main" id="{EF579FD2-1EFC-674D-A628-51199229EB44}"/>
               </a:ext>
             </a:extLst>
           </p:cNvPr>
@@ -5204,7 +5386,7 @@
           <p:nvPr/>
         </p:nvPicPr>
         <p:blipFill>
-          <a:blip r:embed="rId3">
+          <a:blip r:embed="rId4">
             <a:extLst>
               <a:ext uri="{BEBA8EAE-BF5A-486C-A8C5-ECC9F3942E4B}">
                 <a14:imgProps xmlns:a14="http://schemas.microsoft.com/office/drawing/2010/main">
@@ -5283,7 +5465,7 @@
     </p:spTree>
     <p:extLst>
       <p:ext uri="{BB962C8B-B14F-4D97-AF65-F5344CB8AC3E}">
-        <p14:creationId xmlns:p14="http://schemas.microsoft.com/office/powerpoint/2010/main" val="1890556279"/>
+        <p14:creationId xmlns:p14="http://schemas.microsoft.com/office/powerpoint/2010/main" val="2222297757"/>
       </p:ext>
     </p:extLst>
   </p:cSld>
@@ -5312,10 +5494,10 @@
       </p:grpSpPr>
       <p:pic>
         <p:nvPicPr>
-          <p:cNvPr id="10" name="Grafik 9">
-            <a:extLst>
-              <a:ext uri="{FF2B5EF4-FFF2-40B4-BE49-F238E27FC236}">
-                <a16:creationId xmlns:a16="http://schemas.microsoft.com/office/drawing/2014/main" id="{E7D77146-B6AE-3A47-863B-F36F824FE892}"/>
+          <p:cNvPr id="8" name="Grafik 7">
+            <a:extLst>
+              <a:ext uri="{FF2B5EF4-FFF2-40B4-BE49-F238E27FC236}">
+                <a16:creationId xmlns:a16="http://schemas.microsoft.com/office/drawing/2014/main" id="{DE122CF9-F31E-EC46-9341-52C7F81E4ED8}"/>
               </a:ext>
             </a:extLst>
           </p:cNvPr>
@@ -5358,26 +5540,25 @@
       </p:pic>
       <p:sp>
         <p:nvSpPr>
-          <p:cNvPr id="15" name="Inhaltsplatzhalter 2">
-            <a:extLst>
-              <a:ext uri="{FF2B5EF4-FFF2-40B4-BE49-F238E27FC236}">
-                <a16:creationId xmlns:a16="http://schemas.microsoft.com/office/drawing/2014/main" id="{145984F8-646B-8641-8B77-91311028AE17}"/>
-              </a:ext>
-            </a:extLst>
-          </p:cNvPr>
-          <p:cNvSpPr txBox="1">
-            <a:spLocks/>
+          <p:cNvPr id="3" name="Inhaltsplatzhalter 2">
+            <a:extLst>
+              <a:ext uri="{FF2B5EF4-FFF2-40B4-BE49-F238E27FC236}">
+                <a16:creationId xmlns:a16="http://schemas.microsoft.com/office/drawing/2014/main" id="{152C754F-FF1B-A147-8C3D-6A25CF64554A}"/>
+              </a:ext>
+            </a:extLst>
+          </p:cNvPr>
+          <p:cNvSpPr>
+            <a:spLocks noGrp="1"/>
           </p:cNvSpPr>
-          <p:nvPr/>
+          <p:nvPr>
+            <p:ph idx="1"/>
+          </p:nvPr>
         </p:nvSpPr>
         <p:spPr>
           <a:xfrm>
-            <a:off x="0" y="1639394"/>
-            <a:ext cx="12192000" cy="2524643"/>
+            <a:off x="0" y="1628678"/>
+            <a:ext cx="12192000" cy="3745181"/>
           </a:xfrm>
-          <a:prstGeom prst="rect">
-            <a:avLst/>
-          </a:prstGeom>
           <a:solidFill>
             <a:schemeClr val="bg2"/>
           </a:solidFill>
@@ -5388,188 +5569,72 @@
           </a:ln>
         </p:spPr>
         <p:txBody>
-          <a:bodyPr vert="horz" lIns="91440" tIns="45720" rIns="91440" bIns="45720" rtlCol="0">
-            <a:normAutofit/>
-          </a:bodyPr>
-          <a:lstStyle>
-            <a:lvl1pPr marL="228600" indent="-228600" algn="l" defTabSz="914400" rtl="0" eaLnBrk="1" latinLnBrk="0" hangingPunct="1">
-              <a:lnSpc>
-                <a:spcPct val="90000"/>
-              </a:lnSpc>
-              <a:spcBef>
-                <a:spcPts val="1000"/>
-              </a:spcBef>
-              <a:buFont typeface="Arial" panose="020B0604020202020204" pitchFamily="34" charset="0"/>
-              <a:buChar char="•"/>
-              <a:defRPr sz="2800" kern="1200">
-                <a:solidFill>
-                  <a:schemeClr val="tx1"/>
-                </a:solidFill>
-                <a:latin typeface="+mn-lt"/>
-                <a:ea typeface="+mn-ea"/>
-                <a:cs typeface="+mn-cs"/>
-              </a:defRPr>
-            </a:lvl1pPr>
-            <a:lvl2pPr marL="685800" indent="-228600" algn="l" defTabSz="914400" rtl="0" eaLnBrk="1" latinLnBrk="0" hangingPunct="1">
-              <a:lnSpc>
-                <a:spcPct val="90000"/>
-              </a:lnSpc>
-              <a:spcBef>
-                <a:spcPts val="500"/>
-              </a:spcBef>
-              <a:buFont typeface="Arial" panose="020B0604020202020204" pitchFamily="34" charset="0"/>
-              <a:buChar char="•"/>
-              <a:defRPr sz="2400" kern="1200">
-                <a:solidFill>
-                  <a:schemeClr val="tx1"/>
-                </a:solidFill>
-                <a:latin typeface="+mn-lt"/>
-                <a:ea typeface="+mn-ea"/>
-                <a:cs typeface="+mn-cs"/>
-              </a:defRPr>
-            </a:lvl2pPr>
-            <a:lvl3pPr marL="1143000" indent="-228600" algn="l" defTabSz="914400" rtl="0" eaLnBrk="1" latinLnBrk="0" hangingPunct="1">
-              <a:lnSpc>
-                <a:spcPct val="90000"/>
-              </a:lnSpc>
-              <a:spcBef>
-                <a:spcPts val="500"/>
-              </a:spcBef>
-              <a:buFont typeface="Arial" panose="020B0604020202020204" pitchFamily="34" charset="0"/>
-              <a:buChar char="•"/>
-              <a:defRPr sz="2000" kern="1200">
-                <a:solidFill>
-                  <a:schemeClr val="tx1"/>
-                </a:solidFill>
-                <a:latin typeface="+mn-lt"/>
-                <a:ea typeface="+mn-ea"/>
-                <a:cs typeface="+mn-cs"/>
-              </a:defRPr>
-            </a:lvl3pPr>
-            <a:lvl4pPr marL="1600200" indent="-228600" algn="l" defTabSz="914400" rtl="0" eaLnBrk="1" latinLnBrk="0" hangingPunct="1">
-              <a:lnSpc>
-                <a:spcPct val="90000"/>
-              </a:lnSpc>
-              <a:spcBef>
-                <a:spcPts val="500"/>
-              </a:spcBef>
-              <a:buFont typeface="Arial" panose="020B0604020202020204" pitchFamily="34" charset="0"/>
-              <a:buChar char="•"/>
-              <a:defRPr sz="1800" kern="1200">
-                <a:solidFill>
-                  <a:schemeClr val="tx1"/>
-                </a:solidFill>
-                <a:latin typeface="+mn-lt"/>
-                <a:ea typeface="+mn-ea"/>
-                <a:cs typeface="+mn-cs"/>
-              </a:defRPr>
-            </a:lvl4pPr>
-            <a:lvl5pPr marL="2057400" indent="-228600" algn="l" defTabSz="914400" rtl="0" eaLnBrk="1" latinLnBrk="0" hangingPunct="1">
-              <a:lnSpc>
-                <a:spcPct val="90000"/>
-              </a:lnSpc>
-              <a:spcBef>
-                <a:spcPts val="500"/>
-              </a:spcBef>
-              <a:buFont typeface="Arial" panose="020B0604020202020204" pitchFamily="34" charset="0"/>
-              <a:buChar char="•"/>
-              <a:defRPr sz="1800" kern="1200">
-                <a:solidFill>
-                  <a:schemeClr val="tx1"/>
-                </a:solidFill>
-                <a:latin typeface="+mn-lt"/>
-                <a:ea typeface="+mn-ea"/>
-                <a:cs typeface="+mn-cs"/>
-              </a:defRPr>
-            </a:lvl5pPr>
-            <a:lvl6pPr marL="2514600" indent="-228600" algn="l" defTabSz="914400" rtl="0" eaLnBrk="1" latinLnBrk="0" hangingPunct="1">
-              <a:lnSpc>
-                <a:spcPct val="90000"/>
-              </a:lnSpc>
-              <a:spcBef>
-                <a:spcPts val="500"/>
-              </a:spcBef>
-              <a:buFont typeface="Arial" panose="020B0604020202020204" pitchFamily="34" charset="0"/>
-              <a:buChar char="•"/>
-              <a:defRPr sz="1800" kern="1200">
-                <a:solidFill>
-                  <a:schemeClr val="tx1"/>
-                </a:solidFill>
-                <a:latin typeface="+mn-lt"/>
-                <a:ea typeface="+mn-ea"/>
-                <a:cs typeface="+mn-cs"/>
-              </a:defRPr>
-            </a:lvl6pPr>
-            <a:lvl7pPr marL="2971800" indent="-228600" algn="l" defTabSz="914400" rtl="0" eaLnBrk="1" latinLnBrk="0" hangingPunct="1">
-              <a:lnSpc>
-                <a:spcPct val="90000"/>
-              </a:lnSpc>
-              <a:spcBef>
-                <a:spcPts val="500"/>
-              </a:spcBef>
-              <a:buFont typeface="Arial" panose="020B0604020202020204" pitchFamily="34" charset="0"/>
-              <a:buChar char="•"/>
-              <a:defRPr sz="1800" kern="1200">
-                <a:solidFill>
-                  <a:schemeClr val="tx1"/>
-                </a:solidFill>
-                <a:latin typeface="+mn-lt"/>
-                <a:ea typeface="+mn-ea"/>
-                <a:cs typeface="+mn-cs"/>
-              </a:defRPr>
-            </a:lvl7pPr>
-            <a:lvl8pPr marL="3429000" indent="-228600" algn="l" defTabSz="914400" rtl="0" eaLnBrk="1" latinLnBrk="0" hangingPunct="1">
-              <a:lnSpc>
-                <a:spcPct val="90000"/>
-              </a:lnSpc>
-              <a:spcBef>
-                <a:spcPts val="500"/>
-              </a:spcBef>
-              <a:buFont typeface="Arial" panose="020B0604020202020204" pitchFamily="34" charset="0"/>
-              <a:buChar char="•"/>
-              <a:defRPr sz="1800" kern="1200">
-                <a:solidFill>
-                  <a:schemeClr val="tx1"/>
-                </a:solidFill>
-                <a:latin typeface="+mn-lt"/>
-                <a:ea typeface="+mn-ea"/>
-                <a:cs typeface="+mn-cs"/>
-              </a:defRPr>
-            </a:lvl8pPr>
-            <a:lvl9pPr marL="3886200" indent="-228600" algn="l" defTabSz="914400" rtl="0" eaLnBrk="1" latinLnBrk="0" hangingPunct="1">
-              <a:lnSpc>
-                <a:spcPct val="90000"/>
-              </a:lnSpc>
-              <a:spcBef>
-                <a:spcPts val="500"/>
-              </a:spcBef>
-              <a:buFont typeface="Arial" panose="020B0604020202020204" pitchFamily="34" charset="0"/>
-              <a:buChar char="•"/>
-              <a:defRPr sz="1800" kern="1200">
-                <a:solidFill>
-                  <a:schemeClr val="tx1"/>
-                </a:solidFill>
-                <a:latin typeface="+mn-lt"/>
-                <a:ea typeface="+mn-ea"/>
-                <a:cs typeface="+mn-cs"/>
-              </a:defRPr>
-            </a:lvl9pPr>
-          </a:lstStyle>
-          <a:p>
-            <a:pPr marL="457200" lvl="1" indent="0">
-              <a:buFont typeface="Arial" panose="020B0604020202020204" pitchFamily="34" charset="0"/>
+          <a:bodyPr/>
+          <a:lstStyle/>
+          <a:p>
+            <a:pPr marL="0" indent="0">
               <a:buNone/>
             </a:pPr>
+            <a:endParaRPr lang="de-DE" b="1" dirty="0">
+              <a:sym typeface="Wingdings" pitchFamily="2" charset="2"/>
+            </a:endParaRPr>
+          </a:p>
+          <a:p>
+            <a:pPr marL="457200" lvl="1" indent="0">
+              <a:buNone/>
+            </a:pPr>
+            <a:r>
+              <a:rPr lang="de-DE" sz="2800" b="1" dirty="0">
+                <a:sym typeface="Wingdings" pitchFamily="2" charset="2"/>
+              </a:rPr>
+              <a:t>Erfahrungen:</a:t>
+            </a:r>
+          </a:p>
+          <a:p>
+            <a:pPr lvl="1"/>
+            <a:r>
+              <a:rPr lang="de-DE" sz="2800" dirty="0">
+                <a:sym typeface="Wingdings" pitchFamily="2" charset="2"/>
+              </a:rPr>
+              <a:t>zu Optimistisch geplanter Zeitaufwand</a:t>
+            </a:r>
+          </a:p>
+          <a:p>
+            <a:pPr lvl="1"/>
+            <a:r>
+              <a:rPr lang="de-DE" sz="2800" dirty="0">
+                <a:sym typeface="Wingdings" pitchFamily="2" charset="2"/>
+              </a:rPr>
+              <a:t>Pflichtenheft und Entwurfsheft nie vollständig</a:t>
+            </a:r>
+          </a:p>
+          <a:p>
+            <a:pPr lvl="1"/>
+            <a:r>
+              <a:rPr lang="de-DE" sz="2800" dirty="0">
+                <a:sym typeface="Wingdings" pitchFamily="2" charset="2"/>
+              </a:rPr>
+              <a:t> viele Probleme erst bei Implementierung aufgetaucht</a:t>
+            </a:r>
+          </a:p>
+          <a:p>
+            <a:pPr lvl="1"/>
+            <a:r>
+              <a:rPr lang="de-DE" sz="2800">
+                <a:sym typeface="Wingdings" pitchFamily="2" charset="2"/>
+              </a:rPr>
+              <a:t>...</a:t>
+            </a:r>
             <a:endParaRPr lang="de-DE" sz="2800" dirty="0"/>
           </a:p>
         </p:txBody>
       </p:sp>
       <p:sp>
         <p:nvSpPr>
-          <p:cNvPr id="8" name="Foliennummernplatzhalter 7">
-            <a:extLst>
-              <a:ext uri="{FF2B5EF4-FFF2-40B4-BE49-F238E27FC236}">
-                <a16:creationId xmlns:a16="http://schemas.microsoft.com/office/drawing/2014/main" id="{10969AAB-F240-6E45-B069-5960B3889F6A}"/>
+          <p:cNvPr id="6" name="Foliennummernplatzhalter 5">
+            <a:extLst>
+              <a:ext uri="{FF2B5EF4-FFF2-40B4-BE49-F238E27FC236}">
+                <a16:creationId xmlns:a16="http://schemas.microsoft.com/office/drawing/2014/main" id="{108B7FEB-0E2A-734B-B8B8-F0704F1DC5E9}"/>
               </a:ext>
             </a:extLst>
           </p:cNvPr>
@@ -5595,10 +5660,10 @@
       </p:sp>
       <p:sp>
         <p:nvSpPr>
-          <p:cNvPr id="11" name="Fußzeilenplatzhalter 4">
-            <a:extLst>
-              <a:ext uri="{FF2B5EF4-FFF2-40B4-BE49-F238E27FC236}">
-                <a16:creationId xmlns:a16="http://schemas.microsoft.com/office/drawing/2014/main" id="{399F1CD2-5D5E-4C4D-B6DC-1F79D23F7386}"/>
+          <p:cNvPr id="9" name="Fußzeilenplatzhalter 4">
+            <a:extLst>
+              <a:ext uri="{FF2B5EF4-FFF2-40B4-BE49-F238E27FC236}">
+                <a16:creationId xmlns:a16="http://schemas.microsoft.com/office/drawing/2014/main" id="{6CF6F754-F093-C543-8C7B-32E9F223FDB6}"/>
               </a:ext>
             </a:extLst>
           </p:cNvPr>
@@ -5643,22 +5708,27 @@
           <a:p>
             <a:pPr algn="l"/>
             <a:r>
-              <a:rPr lang="de-DE" dirty="0">
+              <a:rPr lang="de-DE">
                 <a:solidFill>
                   <a:schemeClr val="tx1"/>
                 </a:solidFill>
               </a:rPr>
-              <a:t>          Orkhan Aliev, Tim Groß, Daniel Helmig, Rukiye Devran</a:t>
+              <a:t>          Orkhan Aliev, Tim Groß, Daniel Helmig, Rukiye Devran </a:t>
             </a:r>
+            <a:endParaRPr lang="de-DE" dirty="0">
+              <a:solidFill>
+                <a:schemeClr val="tx1"/>
+              </a:solidFill>
+            </a:endParaRPr>
           </a:p>
         </p:txBody>
       </p:sp>
       <p:sp>
         <p:nvSpPr>
-          <p:cNvPr id="12" name="Titel 1">
-            <a:extLst>
-              <a:ext uri="{FF2B5EF4-FFF2-40B4-BE49-F238E27FC236}">
-                <a16:creationId xmlns:a16="http://schemas.microsoft.com/office/drawing/2014/main" id="{E3D739D8-EC04-5F4E-AF55-01A09BA39B0C}"/>
+          <p:cNvPr id="10" name="Titel 1">
+            <a:extLst>
+              <a:ext uri="{FF2B5EF4-FFF2-40B4-BE49-F238E27FC236}">
+                <a16:creationId xmlns:a16="http://schemas.microsoft.com/office/drawing/2014/main" id="{5874C92B-3A54-554E-9CF7-17B600FE0EBB}"/>
               </a:ext>
             </a:extLst>
           </p:cNvPr>
@@ -5815,84 +5885,44 @@
                   </a:outerShdw>
                 </a:effectLst>
               </a:rPr>
-              <a:t>      3. App Demonstration</a:t>
+              <a:t>      4. Fazit</a:t>
             </a:r>
+            <a:r>
+              <a:rPr lang="de-DE" dirty="0">
+                <a:solidFill>
+                  <a:schemeClr val="tx1"/>
+                </a:solidFill>
+                <a:effectLst>
+                  <a:outerShdw blurRad="50800" dist="38100" dir="2700000" algn="tl" rotWithShape="0">
+                    <a:prstClr val="black">
+                      <a:alpha val="40000"/>
+                    </a:prstClr>
+                  </a:outerShdw>
+                </a:effectLst>
+              </a:rPr>
+              <a:t> </a:t>
+            </a:r>
+            <a:endParaRPr lang="de-DE" b="1" dirty="0">
+              <a:solidFill>
+                <a:schemeClr val="tx1"/>
+              </a:solidFill>
+              <a:effectLst>
+                <a:outerShdw blurRad="50800" dist="38100" dir="2700000" algn="tl" rotWithShape="0">
+                  <a:prstClr val="black">
+                    <a:alpha val="40000"/>
+                  </a:prstClr>
+                </a:outerShdw>
+              </a:effectLst>
+            </a:endParaRPr>
           </a:p>
         </p:txBody>
       </p:sp>
-      <p:pic>
-        <p:nvPicPr>
-          <p:cNvPr id="17" name="Inhaltsplatzhalter 4">
-            <a:extLst>
-              <a:ext uri="{FF2B5EF4-FFF2-40B4-BE49-F238E27FC236}">
-                <a16:creationId xmlns:a16="http://schemas.microsoft.com/office/drawing/2014/main" id="{9C4EB775-86DF-AC49-ADAC-B2B918BA77AC}"/>
-              </a:ext>
-            </a:extLst>
-          </p:cNvPr>
-          <p:cNvPicPr>
-            <a:picLocks noGrp="1" noChangeAspect="1"/>
-          </p:cNvPicPr>
-          <p:nvPr>
-            <p:ph idx="1"/>
-          </p:nvPr>
-        </p:nvPicPr>
-        <p:blipFill>
-          <a:blip r:embed="rId3">
-            <a:extLst>
-              <a:ext uri="{BEBA8EAE-BF5A-486C-A8C5-ECC9F3942E4B}">
-                <a14:imgProps xmlns:a14="http://schemas.microsoft.com/office/drawing/2010/main">
-                  <a14:imgLayer>
-                    <a14:imgEffect>
-                      <a14:sharpenSoften amount="50000"/>
-                    </a14:imgEffect>
-                    <a14:imgEffect>
-                      <a14:colorTemperature colorTemp="11200"/>
-                    </a14:imgEffect>
-                    <a14:imgEffect>
-                      <a14:saturation sat="0"/>
-                    </a14:imgEffect>
-                    <a14:imgEffect>
-                      <a14:brightnessContrast contrast="20000"/>
-                    </a14:imgEffect>
-                  </a14:imgLayer>
-                </a14:imgProps>
-              </a:ext>
-            </a:extLst>
-          </a:blip>
-          <a:stretch>
-            <a:fillRect/>
-          </a:stretch>
-        </p:blipFill>
-        <p:spPr>
-          <a:xfrm>
-            <a:off x="352475" y="1820002"/>
-            <a:ext cx="2427456" cy="2233259"/>
-          </a:xfrm>
-          <a:noFill/>
-          <a:ln>
-            <a:noFill/>
-          </a:ln>
-          <a:effectLst>
-            <a:glow rad="101600">
-              <a:schemeClr val="bg2">
-                <a:lumMod val="75000"/>
-                <a:alpha val="60000"/>
-              </a:schemeClr>
-            </a:glow>
-            <a:outerShdw blurRad="50800" dist="38100" dir="2700000" algn="tl" rotWithShape="0">
-              <a:prstClr val="black">
-                <a:alpha val="40000"/>
-              </a:prstClr>
-            </a:outerShdw>
-          </a:effectLst>
-        </p:spPr>
-      </p:pic>
       <p:sp>
         <p:nvSpPr>
-          <p:cNvPr id="18" name="Foliennummernplatzhalter 5">
-            <a:extLst>
-              <a:ext uri="{FF2B5EF4-FFF2-40B4-BE49-F238E27FC236}">
-                <a16:creationId xmlns:a16="http://schemas.microsoft.com/office/drawing/2014/main" id="{9EBB46DB-AA5E-E14E-8CD8-C578AC083DD3}"/>
+          <p:cNvPr id="11" name="Foliennummernplatzhalter 5">
+            <a:extLst>
+              <a:ext uri="{FF2B5EF4-FFF2-40B4-BE49-F238E27FC236}">
+                <a16:creationId xmlns:a16="http://schemas.microsoft.com/office/drawing/2014/main" id="{83A2BFA8-1211-BD4D-8210-A163C747B6C0}"/>
               </a:ext>
             </a:extLst>
           </p:cNvPr>
@@ -6012,17 +6042,17 @@
           <a:p>
             <a:r>
               <a:rPr lang="de-DE" dirty="0"/>
-              <a:t>12</a:t>
+              <a:t>13</a:t>
             </a:r>
           </a:p>
         </p:txBody>
       </p:sp>
       <p:pic>
         <p:nvPicPr>
-          <p:cNvPr id="14" name="Inhaltsplatzhalter 4">
-            <a:extLst>
-              <a:ext uri="{FF2B5EF4-FFF2-40B4-BE49-F238E27FC236}">
-                <a16:creationId xmlns:a16="http://schemas.microsoft.com/office/drawing/2014/main" id="{EF579FD2-1EFC-674D-A628-51199229EB44}"/>
+          <p:cNvPr id="12" name="Inhaltsplatzhalter 4">
+            <a:extLst>
+              <a:ext uri="{FF2B5EF4-FFF2-40B4-BE49-F238E27FC236}">
+                <a16:creationId xmlns:a16="http://schemas.microsoft.com/office/drawing/2014/main" id="{301B56D1-EE4E-584A-B72E-8D000DF5C8FD}"/>
               </a:ext>
             </a:extLst>
           </p:cNvPr>
@@ -6032,7 +6062,7 @@
           <p:nvPr/>
         </p:nvPicPr>
         <p:blipFill>
-          <a:blip r:embed="rId4">
+          <a:blip r:embed="rId3">
             <a:extLst>
               <a:ext uri="{BEBA8EAE-BF5A-486C-A8C5-ECC9F3942E4B}">
                 <a14:imgProps xmlns:a14="http://schemas.microsoft.com/office/drawing/2010/main">
@@ -6108,10 +6138,50 @@
           </a:effectLst>
         </p:spPr>
       </p:pic>
+      <p:pic>
+        <p:nvPicPr>
+          <p:cNvPr id="4" name="Grafik 3">
+            <a:extLst>
+              <a:ext uri="{FF2B5EF4-FFF2-40B4-BE49-F238E27FC236}">
+                <a16:creationId xmlns:a16="http://schemas.microsoft.com/office/drawing/2014/main" id="{1AACFFB4-2C70-9943-9698-16272C179EF4}"/>
+              </a:ext>
+            </a:extLst>
+          </p:cNvPr>
+          <p:cNvPicPr>
+            <a:picLocks noChangeAspect="1"/>
+          </p:cNvPicPr>
+          <p:nvPr/>
+        </p:nvPicPr>
+        <p:blipFill>
+          <a:blip r:embed="rId4"/>
+          <a:stretch>
+            <a:fillRect/>
+          </a:stretch>
+        </p:blipFill>
+        <p:spPr>
+          <a:xfrm>
+            <a:off x="9372600" y="2108200"/>
+            <a:ext cx="2319997" cy="2319997"/>
+          </a:xfrm>
+          <a:prstGeom prst="rect">
+            <a:avLst/>
+          </a:prstGeom>
+          <a:ln>
+            <a:noFill/>
+          </a:ln>
+          <a:effectLst>
+            <a:outerShdw blurRad="292100" dist="139700" dir="2700000" algn="tl" rotWithShape="0">
+              <a:srgbClr val="333333">
+                <a:alpha val="65000"/>
+              </a:srgbClr>
+            </a:outerShdw>
+          </a:effectLst>
+        </p:spPr>
+      </p:pic>
     </p:spTree>
     <p:extLst>
       <p:ext uri="{BB962C8B-B14F-4D97-AF65-F5344CB8AC3E}">
-        <p14:creationId xmlns:p14="http://schemas.microsoft.com/office/powerpoint/2010/main" val="2222297757"/>
+        <p14:creationId xmlns:p14="http://schemas.microsoft.com/office/powerpoint/2010/main" val="3542344901"/>
       </p:ext>
     </p:extLst>
   </p:cSld>
@@ -6143,7 +6213,7 @@
           <p:cNvPr id="8" name="Grafik 7">
             <a:extLst>
               <a:ext uri="{FF2B5EF4-FFF2-40B4-BE49-F238E27FC236}">
-                <a16:creationId xmlns:a16="http://schemas.microsoft.com/office/drawing/2014/main" id="{DE122CF9-F31E-EC46-9341-52C7F81E4ED8}"/>
+                <a16:creationId xmlns:a16="http://schemas.microsoft.com/office/drawing/2014/main" id="{B4CA1025-4694-724B-A555-8140F17A1C60}"/>
               </a:ext>
             </a:extLst>
           </p:cNvPr>
@@ -6189,7 +6259,7 @@
           <p:cNvPr id="3" name="Inhaltsplatzhalter 2">
             <a:extLst>
               <a:ext uri="{FF2B5EF4-FFF2-40B4-BE49-F238E27FC236}">
-                <a16:creationId xmlns:a16="http://schemas.microsoft.com/office/drawing/2014/main" id="{152C754F-FF1B-A147-8C3D-6A25CF64554A}"/>
+                <a16:creationId xmlns:a16="http://schemas.microsoft.com/office/drawing/2014/main" id="{975E5260-C0C3-4941-B59F-21D6490A9954}"/>
               </a:ext>
             </a:extLst>
           </p:cNvPr>
@@ -6202,8 +6272,8 @@
         </p:nvSpPr>
         <p:spPr>
           <a:xfrm>
-            <a:off x="0" y="1628678"/>
-            <a:ext cx="12192000" cy="3745181"/>
+            <a:off x="0" y="1631853"/>
+            <a:ext cx="12192000" cy="3080823"/>
           </a:xfrm>
           <a:solidFill>
             <a:schemeClr val="bg2"/>
@@ -6215,63 +6285,37 @@
           </a:ln>
         </p:spPr>
         <p:txBody>
-          <a:bodyPr/>
+          <a:bodyPr>
+            <a:normAutofit/>
+          </a:bodyPr>
           <a:lstStyle/>
           <a:p>
-            <a:pPr marL="0" indent="0">
+            <a:pPr marL="0" indent="0" algn="ctr">
               <a:buNone/>
             </a:pPr>
-            <a:endParaRPr lang="de-DE" b="1" dirty="0">
-              <a:sym typeface="Wingdings" pitchFamily="2" charset="2"/>
-            </a:endParaRPr>
-          </a:p>
-          <a:p>
-            <a:pPr marL="457200" lvl="1" indent="0">
+            <a:endParaRPr lang="de-DE" sz="2000" b="1" dirty="0"/>
+          </a:p>
+          <a:p>
+            <a:pPr marL="0" indent="0" algn="ctr">
+              <a:buNone/>
+            </a:pPr>
+            <a:endParaRPr lang="de-DE" sz="2000" b="1" dirty="0"/>
+          </a:p>
+          <a:p>
+            <a:pPr marL="0" indent="0" algn="ctr">
               <a:buNone/>
             </a:pPr>
             <a:r>
-              <a:rPr lang="de-DE" sz="2800" b="1" dirty="0">
-                <a:sym typeface="Wingdings" pitchFamily="2" charset="2"/>
-              </a:rPr>
-              <a:t>Erfahrungen:</a:t>
+              <a:rPr lang="de-DE" sz="5400" b="1" dirty="0"/>
+              <a:t>Vielen Dank für </a:t>
             </a:r>
-          </a:p>
-          <a:p>
-            <a:pPr lvl="1"/>
+            <a:br>
+              <a:rPr lang="de-DE" sz="5400" b="1" dirty="0"/>
+            </a:br>
             <a:r>
-              <a:rPr lang="de-DE" sz="2800" dirty="0">
-                <a:sym typeface="Wingdings" pitchFamily="2" charset="2"/>
-              </a:rPr>
-              <a:t>zu Optimistisch geplanter Zeitaufwand</a:t>
+              <a:rPr lang="de-DE" sz="5400" b="1" dirty="0"/>
+              <a:t>Eure Aufmerksamkeit!</a:t>
             </a:r>
-          </a:p>
-          <a:p>
-            <a:pPr lvl="1"/>
-            <a:r>
-              <a:rPr lang="de-DE" sz="2800" dirty="0">
-                <a:sym typeface="Wingdings" pitchFamily="2" charset="2"/>
-              </a:rPr>
-              <a:t>Pflichtenheft und Entwurfsheft nie vollständig</a:t>
-            </a:r>
-          </a:p>
-          <a:p>
-            <a:pPr lvl="1"/>
-            <a:r>
-              <a:rPr lang="de-DE" sz="2800" dirty="0">
-                <a:sym typeface="Wingdings" pitchFamily="2" charset="2"/>
-              </a:rPr>
-              <a:t> viele Probleme erst bei Implementierung aufgetaucht</a:t>
-            </a:r>
-          </a:p>
-          <a:p>
-            <a:pPr lvl="1"/>
-            <a:r>
-              <a:rPr lang="de-DE" sz="2800" dirty="0">
-                <a:sym typeface="Wingdings" pitchFamily="2" charset="2"/>
-              </a:rPr>
-              <a:t>...</a:t>
-            </a:r>
-            <a:endParaRPr lang="de-DE" sz="2800" dirty="0"/>
           </a:p>
         </p:txBody>
       </p:sp>
@@ -6280,7 +6324,7 @@
           <p:cNvPr id="6" name="Foliennummernplatzhalter 5">
             <a:extLst>
               <a:ext uri="{FF2B5EF4-FFF2-40B4-BE49-F238E27FC236}">
-                <a16:creationId xmlns:a16="http://schemas.microsoft.com/office/drawing/2014/main" id="{108B7FEB-0E2A-734B-B8B8-F0704F1DC5E9}"/>
+                <a16:creationId xmlns:a16="http://schemas.microsoft.com/office/drawing/2014/main" id="{DBA75DD0-809D-C843-B340-F7DCB31B3C94}"/>
               </a:ext>
             </a:extLst>
           </p:cNvPr>
@@ -6309,7 +6353,7 @@
           <p:cNvPr id="9" name="Fußzeilenplatzhalter 4">
             <a:extLst>
               <a:ext uri="{FF2B5EF4-FFF2-40B4-BE49-F238E27FC236}">
-                <a16:creationId xmlns:a16="http://schemas.microsoft.com/office/drawing/2014/main" id="{6CF6F754-F093-C543-8C7B-32E9F223FDB6}"/>
+                <a16:creationId xmlns:a16="http://schemas.microsoft.com/office/drawing/2014/main" id="{7954C9BD-9470-C448-A6AF-103FEEC1AAFE}"/>
               </a:ext>
             </a:extLst>
           </p:cNvPr>
@@ -6354,18 +6398,13 @@
           <a:p>
             <a:pPr algn="l"/>
             <a:r>
-              <a:rPr lang="de-DE">
+              <a:rPr lang="de-DE" dirty="0">
                 <a:solidFill>
                   <a:schemeClr val="tx1"/>
                 </a:solidFill>
               </a:rPr>
-              <a:t>          Orkhan Aliev, Tim Groß, Daniel Helmig, Rukiye Devran </a:t>
+              <a:t>          Orkhan Aliev, Tim Groß, Daniel Helmig, Rukiye Devran</a:t>
             </a:r>
-            <a:endParaRPr lang="de-DE" dirty="0">
-              <a:solidFill>
-                <a:schemeClr val="tx1"/>
-              </a:solidFill>
-            </a:endParaRPr>
           </a:p>
         </p:txBody>
       </p:sp>
@@ -6374,7 +6413,7 @@
           <p:cNvPr id="10" name="Titel 1">
             <a:extLst>
               <a:ext uri="{FF2B5EF4-FFF2-40B4-BE49-F238E27FC236}">
-                <a16:creationId xmlns:a16="http://schemas.microsoft.com/office/drawing/2014/main" id="{5874C92B-3A54-554E-9CF7-17B600FE0EBB}"/>
+                <a16:creationId xmlns:a16="http://schemas.microsoft.com/office/drawing/2014/main" id="{834F639C-ABD7-A447-8A0B-B79909280D18}"/>
               </a:ext>
             </a:extLst>
           </p:cNvPr>
@@ -6531,35 +6570,8 @@
                   </a:outerShdw>
                 </a:effectLst>
               </a:rPr>
-              <a:t>      4. Fazit</a:t>
+              <a:t>      Ende</a:t>
             </a:r>
-            <a:r>
-              <a:rPr lang="de-DE" dirty="0">
-                <a:solidFill>
-                  <a:schemeClr val="tx1"/>
-                </a:solidFill>
-                <a:effectLst>
-                  <a:outerShdw blurRad="50800" dist="38100" dir="2700000" algn="tl" rotWithShape="0">
-                    <a:prstClr val="black">
-                      <a:alpha val="40000"/>
-                    </a:prstClr>
-                  </a:outerShdw>
-                </a:effectLst>
-              </a:rPr>
-              <a:t> </a:t>
-            </a:r>
-            <a:endParaRPr lang="de-DE" b="1" dirty="0">
-              <a:solidFill>
-                <a:schemeClr val="tx1"/>
-              </a:solidFill>
-              <a:effectLst>
-                <a:outerShdw blurRad="50800" dist="38100" dir="2700000" algn="tl" rotWithShape="0">
-                  <a:prstClr val="black">
-                    <a:alpha val="40000"/>
-                  </a:prstClr>
-                </a:outerShdw>
-              </a:effectLst>
-            </a:endParaRPr>
           </a:p>
         </p:txBody>
       </p:sp>
@@ -6568,7 +6580,7 @@
           <p:cNvPr id="11" name="Foliennummernplatzhalter 5">
             <a:extLst>
               <a:ext uri="{FF2B5EF4-FFF2-40B4-BE49-F238E27FC236}">
-                <a16:creationId xmlns:a16="http://schemas.microsoft.com/office/drawing/2014/main" id="{83A2BFA8-1211-BD4D-8210-A163C747B6C0}"/>
+                <a16:creationId xmlns:a16="http://schemas.microsoft.com/office/drawing/2014/main" id="{AF2FB51D-507F-CD4E-98C5-B1C08CC9E889}"/>
               </a:ext>
             </a:extLst>
           </p:cNvPr>
@@ -6688,7 +6700,7 @@
           <a:p>
             <a:r>
               <a:rPr lang="de-DE" dirty="0"/>
-              <a:t>13</a:t>
+              <a:t>14</a:t>
             </a:r>
           </a:p>
         </p:txBody>
@@ -6698,7 +6710,7 @@
           <p:cNvPr id="12" name="Inhaltsplatzhalter 4">
             <a:extLst>
               <a:ext uri="{FF2B5EF4-FFF2-40B4-BE49-F238E27FC236}">
-                <a16:creationId xmlns:a16="http://schemas.microsoft.com/office/drawing/2014/main" id="{301B56D1-EE4E-584A-B72E-8D000DF5C8FD}"/>
+                <a16:creationId xmlns:a16="http://schemas.microsoft.com/office/drawing/2014/main" id="{C2260AA3-57DD-8246-8A03-6F41F07AFDBE}"/>
               </a:ext>
             </a:extLst>
           </p:cNvPr>
@@ -6787,7 +6799,7 @@
     </p:spTree>
     <p:extLst>
       <p:ext uri="{BB962C8B-B14F-4D97-AF65-F5344CB8AC3E}">
-        <p14:creationId xmlns:p14="http://schemas.microsoft.com/office/powerpoint/2010/main" val="3542344901"/>
+        <p14:creationId xmlns:p14="http://schemas.microsoft.com/office/powerpoint/2010/main" val="4125867038"/>
       </p:ext>
     </p:extLst>
   </p:cSld>
@@ -6819,7 +6831,7 @@
           <p:cNvPr id="8" name="Grafik 7">
             <a:extLst>
               <a:ext uri="{FF2B5EF4-FFF2-40B4-BE49-F238E27FC236}">
-                <a16:creationId xmlns:a16="http://schemas.microsoft.com/office/drawing/2014/main" id="{B4CA1025-4694-724B-A555-8140F17A1C60}"/>
+                <a16:creationId xmlns:a16="http://schemas.microsoft.com/office/drawing/2014/main" id="{1D4FFE3D-6219-774C-AA8A-59974DE8939A}"/>
               </a:ext>
             </a:extLst>
           </p:cNvPr>
@@ -6862,75 +6874,10 @@
       </p:pic>
       <p:sp>
         <p:nvSpPr>
-          <p:cNvPr id="3" name="Inhaltsplatzhalter 2">
-            <a:extLst>
-              <a:ext uri="{FF2B5EF4-FFF2-40B4-BE49-F238E27FC236}">
-                <a16:creationId xmlns:a16="http://schemas.microsoft.com/office/drawing/2014/main" id="{975E5260-C0C3-4941-B59F-21D6490A9954}"/>
-              </a:ext>
-            </a:extLst>
-          </p:cNvPr>
-          <p:cNvSpPr>
-            <a:spLocks noGrp="1"/>
-          </p:cNvSpPr>
-          <p:nvPr>
-            <p:ph idx="1"/>
-          </p:nvPr>
-        </p:nvSpPr>
-        <p:spPr>
-          <a:xfrm>
-            <a:off x="0" y="1631853"/>
-            <a:ext cx="12192000" cy="3080823"/>
-          </a:xfrm>
-          <a:solidFill>
-            <a:schemeClr val="bg2"/>
-          </a:solidFill>
-          <a:ln w="28575">
-            <a:solidFill>
-              <a:schemeClr val="tx1"/>
-            </a:solidFill>
-          </a:ln>
-        </p:spPr>
-        <p:txBody>
-          <a:bodyPr>
-            <a:normAutofit/>
-          </a:bodyPr>
-          <a:lstStyle/>
-          <a:p>
-            <a:pPr marL="0" indent="0" algn="ctr">
-              <a:buNone/>
-            </a:pPr>
-            <a:endParaRPr lang="de-DE" sz="2000" b="1" dirty="0"/>
-          </a:p>
-          <a:p>
-            <a:pPr marL="0" indent="0" algn="ctr">
-              <a:buNone/>
-            </a:pPr>
-            <a:endParaRPr lang="de-DE" sz="2000" b="1" dirty="0"/>
-          </a:p>
-          <a:p>
-            <a:pPr marL="0" indent="0" algn="ctr">
-              <a:buNone/>
-            </a:pPr>
-            <a:r>
-              <a:rPr lang="de-DE" sz="5400" b="1" dirty="0"/>
-              <a:t>Vielen Dank für </a:t>
-            </a:r>
-            <a:br>
-              <a:rPr lang="de-DE" sz="5400" b="1" dirty="0"/>
-            </a:br>
-            <a:r>
-              <a:rPr lang="de-DE" sz="5400" b="1" dirty="0"/>
-              <a:t>Eure Aufmerksamkeit!</a:t>
-            </a:r>
-          </a:p>
-        </p:txBody>
-      </p:sp>
-      <p:sp>
-        <p:nvSpPr>
           <p:cNvPr id="6" name="Foliennummernplatzhalter 5">
             <a:extLst>
               <a:ext uri="{FF2B5EF4-FFF2-40B4-BE49-F238E27FC236}">
-                <a16:creationId xmlns:a16="http://schemas.microsoft.com/office/drawing/2014/main" id="{DBA75DD0-809D-C843-B340-F7DCB31B3C94}"/>
+                <a16:creationId xmlns:a16="http://schemas.microsoft.com/office/drawing/2014/main" id="{EC05A2B7-D800-5D48-848A-6F55990F4949}"/>
               </a:ext>
             </a:extLst>
           </p:cNvPr>
@@ -6959,7 +6906,7 @@
           <p:cNvPr id="9" name="Fußzeilenplatzhalter 4">
             <a:extLst>
               <a:ext uri="{FF2B5EF4-FFF2-40B4-BE49-F238E27FC236}">
-                <a16:creationId xmlns:a16="http://schemas.microsoft.com/office/drawing/2014/main" id="{7954C9BD-9470-C448-A6AF-103FEEC1AAFE}"/>
+                <a16:creationId xmlns:a16="http://schemas.microsoft.com/office/drawing/2014/main" id="{3176C2C0-0091-E744-9748-45DCFE784C68}"/>
               </a:ext>
             </a:extLst>
           </p:cNvPr>
@@ -7019,7 +6966,7 @@
           <p:cNvPr id="10" name="Titel 1">
             <a:extLst>
               <a:ext uri="{FF2B5EF4-FFF2-40B4-BE49-F238E27FC236}">
-                <a16:creationId xmlns:a16="http://schemas.microsoft.com/office/drawing/2014/main" id="{834F639C-ABD7-A447-8A0B-B79909280D18}"/>
+                <a16:creationId xmlns:a16="http://schemas.microsoft.com/office/drawing/2014/main" id="{6770A854-6295-8244-84C6-61073FFACC4D}"/>
               </a:ext>
             </a:extLst>
           </p:cNvPr>
@@ -7176,17 +7123,267 @@
                   </a:outerShdw>
                 </a:effectLst>
               </a:rPr>
-              <a:t>      Ende</a:t>
+              <a:t>      5. Fragen</a:t>
             </a:r>
+            <a:r>
+              <a:rPr lang="de-DE" dirty="0">
+                <a:solidFill>
+                  <a:schemeClr val="tx1"/>
+                </a:solidFill>
+                <a:effectLst>
+                  <a:outerShdw blurRad="50800" dist="38100" dir="2700000" algn="tl" rotWithShape="0">
+                    <a:prstClr val="black">
+                      <a:alpha val="40000"/>
+                    </a:prstClr>
+                  </a:outerShdw>
+                </a:effectLst>
+              </a:rPr>
+              <a:t> </a:t>
+            </a:r>
+            <a:endParaRPr lang="de-DE" b="1" dirty="0">
+              <a:solidFill>
+                <a:schemeClr val="tx1"/>
+              </a:solidFill>
+              <a:effectLst>
+                <a:outerShdw blurRad="50800" dist="38100" dir="2700000" algn="tl" rotWithShape="0">
+                  <a:prstClr val="black">
+                    <a:alpha val="40000"/>
+                  </a:prstClr>
+                </a:outerShdw>
+              </a:effectLst>
+            </a:endParaRPr>
           </a:p>
         </p:txBody>
       </p:sp>
       <p:sp>
         <p:nvSpPr>
-          <p:cNvPr id="11" name="Foliennummernplatzhalter 5">
-            <a:extLst>
-              <a:ext uri="{FF2B5EF4-FFF2-40B4-BE49-F238E27FC236}">
-                <a16:creationId xmlns:a16="http://schemas.microsoft.com/office/drawing/2014/main" id="{AF2FB51D-507F-CD4E-98C5-B1C08CC9E889}"/>
+          <p:cNvPr id="11" name="Inhaltsplatzhalter 2">
+            <a:extLst>
+              <a:ext uri="{FF2B5EF4-FFF2-40B4-BE49-F238E27FC236}">
+                <a16:creationId xmlns:a16="http://schemas.microsoft.com/office/drawing/2014/main" id="{64CFDE58-DC7F-2F41-9E62-09383F1D01EA}"/>
+              </a:ext>
+            </a:extLst>
+          </p:cNvPr>
+          <p:cNvSpPr txBox="1">
+            <a:spLocks/>
+          </p:cNvSpPr>
+          <p:nvPr/>
+        </p:nvSpPr>
+        <p:spPr>
+          <a:xfrm>
+            <a:off x="0" y="1628678"/>
+            <a:ext cx="12192000" cy="3933921"/>
+          </a:xfrm>
+          <a:prstGeom prst="rect">
+            <a:avLst/>
+          </a:prstGeom>
+          <a:solidFill>
+            <a:schemeClr val="bg2"/>
+          </a:solidFill>
+          <a:ln w="28575">
+            <a:solidFill>
+              <a:schemeClr val="tx1"/>
+            </a:solidFill>
+          </a:ln>
+        </p:spPr>
+        <p:txBody>
+          <a:bodyPr vert="horz" lIns="91440" tIns="45720" rIns="91440" bIns="45720" rtlCol="0">
+            <a:normAutofit/>
+          </a:bodyPr>
+          <a:lstStyle>
+            <a:lvl1pPr marL="228600" indent="-228600" algn="l" defTabSz="914400" rtl="0" eaLnBrk="1" latinLnBrk="0" hangingPunct="1">
+              <a:lnSpc>
+                <a:spcPct val="90000"/>
+              </a:lnSpc>
+              <a:spcBef>
+                <a:spcPts val="1000"/>
+              </a:spcBef>
+              <a:buFont typeface="Arial" panose="020B0604020202020204" pitchFamily="34" charset="0"/>
+              <a:buChar char="•"/>
+              <a:defRPr sz="2800" kern="1200">
+                <a:solidFill>
+                  <a:schemeClr val="tx1"/>
+                </a:solidFill>
+                <a:latin typeface="+mn-lt"/>
+                <a:ea typeface="+mn-ea"/>
+                <a:cs typeface="+mn-cs"/>
+              </a:defRPr>
+            </a:lvl1pPr>
+            <a:lvl2pPr marL="685800" indent="-228600" algn="l" defTabSz="914400" rtl="0" eaLnBrk="1" latinLnBrk="0" hangingPunct="1">
+              <a:lnSpc>
+                <a:spcPct val="90000"/>
+              </a:lnSpc>
+              <a:spcBef>
+                <a:spcPts val="500"/>
+              </a:spcBef>
+              <a:buFont typeface="Arial" panose="020B0604020202020204" pitchFamily="34" charset="0"/>
+              <a:buChar char="•"/>
+              <a:defRPr sz="2400" kern="1200">
+                <a:solidFill>
+                  <a:schemeClr val="tx1"/>
+                </a:solidFill>
+                <a:latin typeface="+mn-lt"/>
+                <a:ea typeface="+mn-ea"/>
+                <a:cs typeface="+mn-cs"/>
+              </a:defRPr>
+            </a:lvl2pPr>
+            <a:lvl3pPr marL="1143000" indent="-228600" algn="l" defTabSz="914400" rtl="0" eaLnBrk="1" latinLnBrk="0" hangingPunct="1">
+              <a:lnSpc>
+                <a:spcPct val="90000"/>
+              </a:lnSpc>
+              <a:spcBef>
+                <a:spcPts val="500"/>
+              </a:spcBef>
+              <a:buFont typeface="Arial" panose="020B0604020202020204" pitchFamily="34" charset="0"/>
+              <a:buChar char="•"/>
+              <a:defRPr sz="2000" kern="1200">
+                <a:solidFill>
+                  <a:schemeClr val="tx1"/>
+                </a:solidFill>
+                <a:latin typeface="+mn-lt"/>
+                <a:ea typeface="+mn-ea"/>
+                <a:cs typeface="+mn-cs"/>
+              </a:defRPr>
+            </a:lvl3pPr>
+            <a:lvl4pPr marL="1600200" indent="-228600" algn="l" defTabSz="914400" rtl="0" eaLnBrk="1" latinLnBrk="0" hangingPunct="1">
+              <a:lnSpc>
+                <a:spcPct val="90000"/>
+              </a:lnSpc>
+              <a:spcBef>
+                <a:spcPts val="500"/>
+              </a:spcBef>
+              <a:buFont typeface="Arial" panose="020B0604020202020204" pitchFamily="34" charset="0"/>
+              <a:buChar char="•"/>
+              <a:defRPr sz="1800" kern="1200">
+                <a:solidFill>
+                  <a:schemeClr val="tx1"/>
+                </a:solidFill>
+                <a:latin typeface="+mn-lt"/>
+                <a:ea typeface="+mn-ea"/>
+                <a:cs typeface="+mn-cs"/>
+              </a:defRPr>
+            </a:lvl4pPr>
+            <a:lvl5pPr marL="2057400" indent="-228600" algn="l" defTabSz="914400" rtl="0" eaLnBrk="1" latinLnBrk="0" hangingPunct="1">
+              <a:lnSpc>
+                <a:spcPct val="90000"/>
+              </a:lnSpc>
+              <a:spcBef>
+                <a:spcPts val="500"/>
+              </a:spcBef>
+              <a:buFont typeface="Arial" panose="020B0604020202020204" pitchFamily="34" charset="0"/>
+              <a:buChar char="•"/>
+              <a:defRPr sz="1800" kern="1200">
+                <a:solidFill>
+                  <a:schemeClr val="tx1"/>
+                </a:solidFill>
+                <a:latin typeface="+mn-lt"/>
+                <a:ea typeface="+mn-ea"/>
+                <a:cs typeface="+mn-cs"/>
+              </a:defRPr>
+            </a:lvl5pPr>
+            <a:lvl6pPr marL="2514600" indent="-228600" algn="l" defTabSz="914400" rtl="0" eaLnBrk="1" latinLnBrk="0" hangingPunct="1">
+              <a:lnSpc>
+                <a:spcPct val="90000"/>
+              </a:lnSpc>
+              <a:spcBef>
+                <a:spcPts val="500"/>
+              </a:spcBef>
+              <a:buFont typeface="Arial" panose="020B0604020202020204" pitchFamily="34" charset="0"/>
+              <a:buChar char="•"/>
+              <a:defRPr sz="1800" kern="1200">
+                <a:solidFill>
+                  <a:schemeClr val="tx1"/>
+                </a:solidFill>
+                <a:latin typeface="+mn-lt"/>
+                <a:ea typeface="+mn-ea"/>
+                <a:cs typeface="+mn-cs"/>
+              </a:defRPr>
+            </a:lvl6pPr>
+            <a:lvl7pPr marL="2971800" indent="-228600" algn="l" defTabSz="914400" rtl="0" eaLnBrk="1" latinLnBrk="0" hangingPunct="1">
+              <a:lnSpc>
+                <a:spcPct val="90000"/>
+              </a:lnSpc>
+              <a:spcBef>
+                <a:spcPts val="500"/>
+              </a:spcBef>
+              <a:buFont typeface="Arial" panose="020B0604020202020204" pitchFamily="34" charset="0"/>
+              <a:buChar char="•"/>
+              <a:defRPr sz="1800" kern="1200">
+                <a:solidFill>
+                  <a:schemeClr val="tx1"/>
+                </a:solidFill>
+                <a:latin typeface="+mn-lt"/>
+                <a:ea typeface="+mn-ea"/>
+                <a:cs typeface="+mn-cs"/>
+              </a:defRPr>
+            </a:lvl7pPr>
+            <a:lvl8pPr marL="3429000" indent="-228600" algn="l" defTabSz="914400" rtl="0" eaLnBrk="1" latinLnBrk="0" hangingPunct="1">
+              <a:lnSpc>
+                <a:spcPct val="90000"/>
+              </a:lnSpc>
+              <a:spcBef>
+                <a:spcPts val="500"/>
+              </a:spcBef>
+              <a:buFont typeface="Arial" panose="020B0604020202020204" pitchFamily="34" charset="0"/>
+              <a:buChar char="•"/>
+              <a:defRPr sz="1800" kern="1200">
+                <a:solidFill>
+                  <a:schemeClr val="tx1"/>
+                </a:solidFill>
+                <a:latin typeface="+mn-lt"/>
+                <a:ea typeface="+mn-ea"/>
+                <a:cs typeface="+mn-cs"/>
+              </a:defRPr>
+            </a:lvl8pPr>
+            <a:lvl9pPr marL="3886200" indent="-228600" algn="l" defTabSz="914400" rtl="0" eaLnBrk="1" latinLnBrk="0" hangingPunct="1">
+              <a:lnSpc>
+                <a:spcPct val="90000"/>
+              </a:lnSpc>
+              <a:spcBef>
+                <a:spcPts val="500"/>
+              </a:spcBef>
+              <a:buFont typeface="Arial" panose="020B0604020202020204" pitchFamily="34" charset="0"/>
+              <a:buChar char="•"/>
+              <a:defRPr sz="1800" kern="1200">
+                <a:solidFill>
+                  <a:schemeClr val="tx1"/>
+                </a:solidFill>
+                <a:latin typeface="+mn-lt"/>
+                <a:ea typeface="+mn-ea"/>
+                <a:cs typeface="+mn-cs"/>
+              </a:defRPr>
+            </a:lvl9pPr>
+          </a:lstStyle>
+          <a:p>
+            <a:pPr marL="0" indent="0">
+              <a:buFont typeface="Arial" panose="020B0604020202020204" pitchFamily="34" charset="0"/>
+              <a:buNone/>
+            </a:pPr>
+            <a:endParaRPr lang="de-DE" b="1" dirty="0">
+              <a:sym typeface="Wingdings" pitchFamily="2" charset="2"/>
+            </a:endParaRPr>
+          </a:p>
+          <a:p>
+            <a:pPr marL="457200" lvl="1" indent="0">
+              <a:buFont typeface="Arial" panose="020B0604020202020204" pitchFamily="34" charset="0"/>
+              <a:buNone/>
+            </a:pPr>
+            <a:r>
+              <a:rPr lang="de-DE" sz="2800" b="1" dirty="0">
+                <a:sym typeface="Wingdings" pitchFamily="2" charset="2"/>
+              </a:rPr>
+              <a:t>Gibt es noch Fragen?</a:t>
+            </a:r>
+            <a:endParaRPr lang="de-DE" sz="2800" dirty="0"/>
+          </a:p>
+        </p:txBody>
+      </p:sp>
+      <p:sp>
+        <p:nvSpPr>
+          <p:cNvPr id="14" name="Foliennummernplatzhalter 5">
+            <a:extLst>
+              <a:ext uri="{FF2B5EF4-FFF2-40B4-BE49-F238E27FC236}">
+                <a16:creationId xmlns:a16="http://schemas.microsoft.com/office/drawing/2014/main" id="{E85A1979-B22D-704F-A76E-530508FAA2C5}"/>
               </a:ext>
             </a:extLst>
           </p:cNvPr>
@@ -7306,7 +7503,7 @@
           <a:p>
             <a:r>
               <a:rPr lang="de-DE" dirty="0"/>
-              <a:t>14</a:t>
+              <a:t>15</a:t>
             </a:r>
           </a:p>
         </p:txBody>
@@ -7316,7 +7513,7 @@
           <p:cNvPr id="12" name="Inhaltsplatzhalter 4">
             <a:extLst>
               <a:ext uri="{FF2B5EF4-FFF2-40B4-BE49-F238E27FC236}">
-                <a16:creationId xmlns:a16="http://schemas.microsoft.com/office/drawing/2014/main" id="{C2260AA3-57DD-8246-8A03-6F41F07AFDBE}"/>
+                <a16:creationId xmlns:a16="http://schemas.microsoft.com/office/drawing/2014/main" id="{73E6772E-E18B-BA43-8B9A-BD101E516F21}"/>
               </a:ext>
             </a:extLst>
           </p:cNvPr>
@@ -7402,10 +7599,75 @@
           </a:effectLst>
         </p:spPr>
       </p:pic>
+      <p:pic>
+        <p:nvPicPr>
+          <p:cNvPr id="3" name="Grafik 2">
+            <a:extLst>
+              <a:ext uri="{FF2B5EF4-FFF2-40B4-BE49-F238E27FC236}">
+                <a16:creationId xmlns:a16="http://schemas.microsoft.com/office/drawing/2014/main" id="{95F1759C-FC43-734D-8680-B745AEE37C85}"/>
+              </a:ext>
+            </a:extLst>
+          </p:cNvPr>
+          <p:cNvPicPr>
+            <a:picLocks noChangeAspect="1"/>
+          </p:cNvPicPr>
+          <p:nvPr/>
+        </p:nvPicPr>
+        <p:blipFill>
+          <a:blip r:embed="rId4">
+            <a:extLst>
+              <a:ext uri="{BEBA8EAE-BF5A-486C-A8C5-ECC9F3942E4B}">
+                <a14:imgProps xmlns:a14="http://schemas.microsoft.com/office/drawing/2010/main">
+                  <a14:imgLayer r:embed="rId5">
+                    <a14:imgEffect>
+                      <a14:backgroundRemoval t="8824" b="90000" l="9827" r="89884">
+                        <a14:foregroundMark x1="49711" y1="10882" x2="46532" y2="8824"/>
+                        <a14:foregroundMark x1="38728" y1="72647" x2="34971" y2="79412"/>
+                        <a14:foregroundMark x1="59249" y1="89706" x2="54335" y2="87941"/>
+                        <a14:backgroundMark x1="61561" y1="86176" x2="62139" y2="84412"/>
+                        <a14:backgroundMark x1="63295" y1="91765" x2="63295" y2="91765"/>
+                        <a14:backgroundMark x1="63295" y1="91471" x2="63295" y2="91471"/>
+                      </a14:backgroundRemoval>
+                    </a14:imgEffect>
+                    <a14:imgEffect>
+                      <a14:sharpenSoften amount="50000"/>
+                    </a14:imgEffect>
+                    <a14:imgEffect>
+                      <a14:brightnessContrast contrast="20000"/>
+                    </a14:imgEffect>
+                  </a14:imgLayer>
+                </a14:imgProps>
+              </a:ext>
+            </a:extLst>
+          </a:blip>
+          <a:stretch>
+            <a:fillRect/>
+          </a:stretch>
+        </p:blipFill>
+        <p:spPr>
+          <a:xfrm>
+            <a:off x="4451349" y="1809750"/>
+            <a:ext cx="3725241" cy="3667708"/>
+          </a:xfrm>
+          <a:prstGeom prst="rect">
+            <a:avLst/>
+          </a:prstGeom>
+          <a:ln>
+            <a:noFill/>
+          </a:ln>
+          <a:effectLst>
+            <a:outerShdw blurRad="292100" dist="139700" dir="2700000" algn="tl" rotWithShape="0">
+              <a:srgbClr val="333333">
+                <a:alpha val="65000"/>
+              </a:srgbClr>
+            </a:outerShdw>
+          </a:effectLst>
+        </p:spPr>
+      </p:pic>
     </p:spTree>
     <p:extLst>
       <p:ext uri="{BB962C8B-B14F-4D97-AF65-F5344CB8AC3E}">
-        <p14:creationId xmlns:p14="http://schemas.microsoft.com/office/powerpoint/2010/main" val="4125867038"/>
+        <p14:creationId xmlns:p14="http://schemas.microsoft.com/office/powerpoint/2010/main" val="1777550913"/>
       </p:ext>
     </p:extLst>
   </p:cSld>
@@ -7415,7 +7677,7 @@
 </p:sld>
 </file>
 
-<file path=ppt/slides/slide15.xml><?xml version="1.0" encoding="utf-8"?>
+<file path=ppt/slides/slide2.xml><?xml version="1.0" encoding="utf-8"?>
 <p:sld xmlns:a="http://schemas.openxmlformats.org/drawingml/2006/main" xmlns:r="http://schemas.openxmlformats.org/officeDocument/2006/relationships" xmlns:p="http://schemas.openxmlformats.org/presentationml/2006/main">
   <p:cSld>
     <p:spTree>
@@ -7432,12 +7694,41 @@
           <a:chExt cx="0" cy="0"/>
         </a:xfrm>
       </p:grpSpPr>
+      <p:sp>
+        <p:nvSpPr>
+          <p:cNvPr id="5" name="Foliennummernplatzhalter 4">
+            <a:extLst>
+              <a:ext uri="{FF2B5EF4-FFF2-40B4-BE49-F238E27FC236}">
+                <a16:creationId xmlns:a16="http://schemas.microsoft.com/office/drawing/2014/main" id="{05FC008D-65A6-4449-8036-EA172A8496C2}"/>
+              </a:ext>
+            </a:extLst>
+          </p:cNvPr>
+          <p:cNvSpPr>
+            <a:spLocks noGrp="1"/>
+          </p:cNvSpPr>
+          <p:nvPr>
+            <p:ph type="sldNum" sz="quarter" idx="12"/>
+          </p:nvPr>
+        </p:nvSpPr>
+        <p:spPr/>
+        <p:txBody>
+          <a:bodyPr/>
+          <a:lstStyle/>
+          <a:p>
+            <a:fld id="{78776B16-91FB-9448-9CB1-FBF57F5ADB35}" type="slidenum">
+              <a:rPr lang="de-DE" smtClean="0"/>
+              <a:t>2</a:t>
+            </a:fld>
+            <a:endParaRPr lang="de-DE"/>
+          </a:p>
+        </p:txBody>
+      </p:sp>
       <p:pic>
         <p:nvPicPr>
           <p:cNvPr id="8" name="Grafik 7">
             <a:extLst>
               <a:ext uri="{FF2B5EF4-FFF2-40B4-BE49-F238E27FC236}">
-                <a16:creationId xmlns:a16="http://schemas.microsoft.com/office/drawing/2014/main" id="{1D4FFE3D-6219-774C-AA8A-59974DE8939A}"/>
+                <a16:creationId xmlns:a16="http://schemas.microsoft.com/office/drawing/2014/main" id="{588829EF-0401-924F-84D4-268D5A5CF7DF}"/>
               </a:ext>
             </a:extLst>
           </p:cNvPr>
@@ -7480,39 +7771,10 @@
       </p:pic>
       <p:sp>
         <p:nvSpPr>
-          <p:cNvPr id="6" name="Foliennummernplatzhalter 5">
-            <a:extLst>
-              <a:ext uri="{FF2B5EF4-FFF2-40B4-BE49-F238E27FC236}">
-                <a16:creationId xmlns:a16="http://schemas.microsoft.com/office/drawing/2014/main" id="{EC05A2B7-D800-5D48-848A-6F55990F4949}"/>
-              </a:ext>
-            </a:extLst>
-          </p:cNvPr>
-          <p:cNvSpPr>
-            <a:spLocks noGrp="1"/>
-          </p:cNvSpPr>
-          <p:nvPr>
-            <p:ph type="sldNum" sz="quarter" idx="12"/>
-          </p:nvPr>
-        </p:nvSpPr>
-        <p:spPr/>
-        <p:txBody>
-          <a:bodyPr/>
-          <a:lstStyle/>
-          <a:p>
-            <a:fld id="{78776B16-91FB-9448-9CB1-FBF57F5ADB35}" type="slidenum">
-              <a:rPr lang="de-DE" smtClean="0"/>
-              <a:t>15</a:t>
-            </a:fld>
-            <a:endParaRPr lang="de-DE"/>
-          </a:p>
-        </p:txBody>
-      </p:sp>
-      <p:sp>
-        <p:nvSpPr>
           <p:cNvPr id="9" name="Fußzeilenplatzhalter 4">
             <a:extLst>
               <a:ext uri="{FF2B5EF4-FFF2-40B4-BE49-F238E27FC236}">
-                <a16:creationId xmlns:a16="http://schemas.microsoft.com/office/drawing/2014/main" id="{3176C2C0-0091-E744-9748-45DCFE784C68}"/>
+                <a16:creationId xmlns:a16="http://schemas.microsoft.com/office/drawing/2014/main" id="{9F3A3253-5701-4444-BF28-E573F87CF16E}"/>
               </a:ext>
             </a:extLst>
           </p:cNvPr>
@@ -7572,7 +7834,7 @@
           <p:cNvPr id="10" name="Titel 1">
             <a:extLst>
               <a:ext uri="{FF2B5EF4-FFF2-40B4-BE49-F238E27FC236}">
-                <a16:creationId xmlns:a16="http://schemas.microsoft.com/office/drawing/2014/main" id="{6770A854-6295-8244-84C6-61073FFACC4D}"/>
+                <a16:creationId xmlns:a16="http://schemas.microsoft.com/office/drawing/2014/main" id="{6FB23C84-F11A-8C44-8F47-F47420DCBEF7}"/>
               </a:ext>
             </a:extLst>
           </p:cNvPr>
@@ -7729,397 +7991,17 @@
                   </a:outerShdw>
                 </a:effectLst>
               </a:rPr>
-              <a:t>      5. Fragen</a:t>
-            </a:r>
-            <a:r>
-              <a:rPr lang="de-DE" dirty="0">
-                <a:solidFill>
-                  <a:schemeClr val="tx1"/>
-                </a:solidFill>
-                <a:effectLst>
-                  <a:outerShdw blurRad="50800" dist="38100" dir="2700000" algn="tl" rotWithShape="0">
-                    <a:prstClr val="black">
-                      <a:alpha val="40000"/>
-                    </a:prstClr>
-                  </a:outerShdw>
-                </a:effectLst>
-              </a:rPr>
-              <a:t> </a:t>
-            </a:r>
-            <a:endParaRPr lang="de-DE" b="1" dirty="0">
-              <a:solidFill>
-                <a:schemeClr val="tx1"/>
-              </a:solidFill>
-              <a:effectLst>
-                <a:outerShdw blurRad="50800" dist="38100" dir="2700000" algn="tl" rotWithShape="0">
-                  <a:prstClr val="black">
-                    <a:alpha val="40000"/>
-                  </a:prstClr>
-                </a:outerShdw>
-              </a:effectLst>
-            </a:endParaRPr>
-          </a:p>
-        </p:txBody>
-      </p:sp>
-      <p:sp>
-        <p:nvSpPr>
-          <p:cNvPr id="11" name="Inhaltsplatzhalter 2">
-            <a:extLst>
-              <a:ext uri="{FF2B5EF4-FFF2-40B4-BE49-F238E27FC236}">
-                <a16:creationId xmlns:a16="http://schemas.microsoft.com/office/drawing/2014/main" id="{64CFDE58-DC7F-2F41-9E62-09383F1D01EA}"/>
-              </a:ext>
-            </a:extLst>
-          </p:cNvPr>
-          <p:cNvSpPr txBox="1">
-            <a:spLocks/>
-          </p:cNvSpPr>
-          <p:nvPr/>
-        </p:nvSpPr>
-        <p:spPr>
-          <a:xfrm>
-            <a:off x="0" y="1628679"/>
-            <a:ext cx="12192000" cy="1395876"/>
-          </a:xfrm>
-          <a:prstGeom prst="rect">
-            <a:avLst/>
-          </a:prstGeom>
-          <a:solidFill>
-            <a:schemeClr val="bg2"/>
-          </a:solidFill>
-          <a:ln w="28575">
-            <a:solidFill>
-              <a:schemeClr val="tx1"/>
-            </a:solidFill>
-          </a:ln>
-        </p:spPr>
-        <p:txBody>
-          <a:bodyPr vert="horz" lIns="91440" tIns="45720" rIns="91440" bIns="45720" rtlCol="0">
-            <a:normAutofit/>
-          </a:bodyPr>
-          <a:lstStyle>
-            <a:lvl1pPr marL="228600" indent="-228600" algn="l" defTabSz="914400" rtl="0" eaLnBrk="1" latinLnBrk="0" hangingPunct="1">
-              <a:lnSpc>
-                <a:spcPct val="90000"/>
-              </a:lnSpc>
-              <a:spcBef>
-                <a:spcPts val="1000"/>
-              </a:spcBef>
-              <a:buFont typeface="Arial" panose="020B0604020202020204" pitchFamily="34" charset="0"/>
-              <a:buChar char="•"/>
-              <a:defRPr sz="2800" kern="1200">
-                <a:solidFill>
-                  <a:schemeClr val="tx1"/>
-                </a:solidFill>
-                <a:latin typeface="+mn-lt"/>
-                <a:ea typeface="+mn-ea"/>
-                <a:cs typeface="+mn-cs"/>
-              </a:defRPr>
-            </a:lvl1pPr>
-            <a:lvl2pPr marL="685800" indent="-228600" algn="l" defTabSz="914400" rtl="0" eaLnBrk="1" latinLnBrk="0" hangingPunct="1">
-              <a:lnSpc>
-                <a:spcPct val="90000"/>
-              </a:lnSpc>
-              <a:spcBef>
-                <a:spcPts val="500"/>
-              </a:spcBef>
-              <a:buFont typeface="Arial" panose="020B0604020202020204" pitchFamily="34" charset="0"/>
-              <a:buChar char="•"/>
-              <a:defRPr sz="2400" kern="1200">
-                <a:solidFill>
-                  <a:schemeClr val="tx1"/>
-                </a:solidFill>
-                <a:latin typeface="+mn-lt"/>
-                <a:ea typeface="+mn-ea"/>
-                <a:cs typeface="+mn-cs"/>
-              </a:defRPr>
-            </a:lvl2pPr>
-            <a:lvl3pPr marL="1143000" indent="-228600" algn="l" defTabSz="914400" rtl="0" eaLnBrk="1" latinLnBrk="0" hangingPunct="1">
-              <a:lnSpc>
-                <a:spcPct val="90000"/>
-              </a:lnSpc>
-              <a:spcBef>
-                <a:spcPts val="500"/>
-              </a:spcBef>
-              <a:buFont typeface="Arial" panose="020B0604020202020204" pitchFamily="34" charset="0"/>
-              <a:buChar char="•"/>
-              <a:defRPr sz="2000" kern="1200">
-                <a:solidFill>
-                  <a:schemeClr val="tx1"/>
-                </a:solidFill>
-                <a:latin typeface="+mn-lt"/>
-                <a:ea typeface="+mn-ea"/>
-                <a:cs typeface="+mn-cs"/>
-              </a:defRPr>
-            </a:lvl3pPr>
-            <a:lvl4pPr marL="1600200" indent="-228600" algn="l" defTabSz="914400" rtl="0" eaLnBrk="1" latinLnBrk="0" hangingPunct="1">
-              <a:lnSpc>
-                <a:spcPct val="90000"/>
-              </a:lnSpc>
-              <a:spcBef>
-                <a:spcPts val="500"/>
-              </a:spcBef>
-              <a:buFont typeface="Arial" panose="020B0604020202020204" pitchFamily="34" charset="0"/>
-              <a:buChar char="•"/>
-              <a:defRPr sz="1800" kern="1200">
-                <a:solidFill>
-                  <a:schemeClr val="tx1"/>
-                </a:solidFill>
-                <a:latin typeface="+mn-lt"/>
-                <a:ea typeface="+mn-ea"/>
-                <a:cs typeface="+mn-cs"/>
-              </a:defRPr>
-            </a:lvl4pPr>
-            <a:lvl5pPr marL="2057400" indent="-228600" algn="l" defTabSz="914400" rtl="0" eaLnBrk="1" latinLnBrk="0" hangingPunct="1">
-              <a:lnSpc>
-                <a:spcPct val="90000"/>
-              </a:lnSpc>
-              <a:spcBef>
-                <a:spcPts val="500"/>
-              </a:spcBef>
-              <a:buFont typeface="Arial" panose="020B0604020202020204" pitchFamily="34" charset="0"/>
-              <a:buChar char="•"/>
-              <a:defRPr sz="1800" kern="1200">
-                <a:solidFill>
-                  <a:schemeClr val="tx1"/>
-                </a:solidFill>
-                <a:latin typeface="+mn-lt"/>
-                <a:ea typeface="+mn-ea"/>
-                <a:cs typeface="+mn-cs"/>
-              </a:defRPr>
-            </a:lvl5pPr>
-            <a:lvl6pPr marL="2514600" indent="-228600" algn="l" defTabSz="914400" rtl="0" eaLnBrk="1" latinLnBrk="0" hangingPunct="1">
-              <a:lnSpc>
-                <a:spcPct val="90000"/>
-              </a:lnSpc>
-              <a:spcBef>
-                <a:spcPts val="500"/>
-              </a:spcBef>
-              <a:buFont typeface="Arial" panose="020B0604020202020204" pitchFamily="34" charset="0"/>
-              <a:buChar char="•"/>
-              <a:defRPr sz="1800" kern="1200">
-                <a:solidFill>
-                  <a:schemeClr val="tx1"/>
-                </a:solidFill>
-                <a:latin typeface="+mn-lt"/>
-                <a:ea typeface="+mn-ea"/>
-                <a:cs typeface="+mn-cs"/>
-              </a:defRPr>
-            </a:lvl6pPr>
-            <a:lvl7pPr marL="2971800" indent="-228600" algn="l" defTabSz="914400" rtl="0" eaLnBrk="1" latinLnBrk="0" hangingPunct="1">
-              <a:lnSpc>
-                <a:spcPct val="90000"/>
-              </a:lnSpc>
-              <a:spcBef>
-                <a:spcPts val="500"/>
-              </a:spcBef>
-              <a:buFont typeface="Arial" panose="020B0604020202020204" pitchFamily="34" charset="0"/>
-              <a:buChar char="•"/>
-              <a:defRPr sz="1800" kern="1200">
-                <a:solidFill>
-                  <a:schemeClr val="tx1"/>
-                </a:solidFill>
-                <a:latin typeface="+mn-lt"/>
-                <a:ea typeface="+mn-ea"/>
-                <a:cs typeface="+mn-cs"/>
-              </a:defRPr>
-            </a:lvl7pPr>
-            <a:lvl8pPr marL="3429000" indent="-228600" algn="l" defTabSz="914400" rtl="0" eaLnBrk="1" latinLnBrk="0" hangingPunct="1">
-              <a:lnSpc>
-                <a:spcPct val="90000"/>
-              </a:lnSpc>
-              <a:spcBef>
-                <a:spcPts val="500"/>
-              </a:spcBef>
-              <a:buFont typeface="Arial" panose="020B0604020202020204" pitchFamily="34" charset="0"/>
-              <a:buChar char="•"/>
-              <a:defRPr sz="1800" kern="1200">
-                <a:solidFill>
-                  <a:schemeClr val="tx1"/>
-                </a:solidFill>
-                <a:latin typeface="+mn-lt"/>
-                <a:ea typeface="+mn-ea"/>
-                <a:cs typeface="+mn-cs"/>
-              </a:defRPr>
-            </a:lvl8pPr>
-            <a:lvl9pPr marL="3886200" indent="-228600" algn="l" defTabSz="914400" rtl="0" eaLnBrk="1" latinLnBrk="0" hangingPunct="1">
-              <a:lnSpc>
-                <a:spcPct val="90000"/>
-              </a:lnSpc>
-              <a:spcBef>
-                <a:spcPts val="500"/>
-              </a:spcBef>
-              <a:buFont typeface="Arial" panose="020B0604020202020204" pitchFamily="34" charset="0"/>
-              <a:buChar char="•"/>
-              <a:defRPr sz="1800" kern="1200">
-                <a:solidFill>
-                  <a:schemeClr val="tx1"/>
-                </a:solidFill>
-                <a:latin typeface="+mn-lt"/>
-                <a:ea typeface="+mn-ea"/>
-                <a:cs typeface="+mn-cs"/>
-              </a:defRPr>
-            </a:lvl9pPr>
-          </a:lstStyle>
-          <a:p>
-            <a:pPr marL="0" indent="0">
-              <a:buFont typeface="Arial" panose="020B0604020202020204" pitchFamily="34" charset="0"/>
-              <a:buNone/>
-            </a:pPr>
-            <a:endParaRPr lang="de-DE" b="1" dirty="0">
-              <a:sym typeface="Wingdings" pitchFamily="2" charset="2"/>
-            </a:endParaRPr>
-          </a:p>
-          <a:p>
-            <a:pPr marL="457200" lvl="1" indent="0">
-              <a:buFont typeface="Arial" panose="020B0604020202020204" pitchFamily="34" charset="0"/>
-              <a:buNone/>
-            </a:pPr>
-            <a:r>
-              <a:rPr lang="de-DE" sz="2800" b="1" dirty="0">
-                <a:sym typeface="Wingdings" pitchFamily="2" charset="2"/>
-              </a:rPr>
-              <a:t>Gibt es noch Fragen?</a:t>
-            </a:r>
-            <a:endParaRPr lang="de-DE" sz="2800" dirty="0"/>
-          </a:p>
-        </p:txBody>
-      </p:sp>
-      <p:sp>
-        <p:nvSpPr>
-          <p:cNvPr id="14" name="Foliennummernplatzhalter 5">
-            <a:extLst>
-              <a:ext uri="{FF2B5EF4-FFF2-40B4-BE49-F238E27FC236}">
-                <a16:creationId xmlns:a16="http://schemas.microsoft.com/office/drawing/2014/main" id="{E85A1979-B22D-704F-A76E-530508FAA2C5}"/>
-              </a:ext>
-            </a:extLst>
-          </p:cNvPr>
-          <p:cNvSpPr txBox="1">
-            <a:spLocks/>
-          </p:cNvSpPr>
-          <p:nvPr/>
-        </p:nvSpPr>
-        <p:spPr>
-          <a:xfrm>
-            <a:off x="8620547" y="6356350"/>
-            <a:ext cx="2743200" cy="365125"/>
-          </a:xfrm>
-          <a:prstGeom prst="rect">
-            <a:avLst/>
-          </a:prstGeom>
-        </p:spPr>
-        <p:txBody>
-          <a:bodyPr vert="horz" lIns="91440" tIns="45720" rIns="91440" bIns="45720" rtlCol="0" anchor="ctr"/>
-          <a:lstStyle>
-            <a:defPPr>
-              <a:defRPr lang="de-DE"/>
-            </a:defPPr>
-            <a:lvl1pPr marL="0" algn="r" defTabSz="914400" rtl="0" eaLnBrk="1" latinLnBrk="0" hangingPunct="1">
-              <a:defRPr sz="1200" kern="1200">
-                <a:solidFill>
-                  <a:schemeClr val="tx1">
-                    <a:tint val="75000"/>
-                  </a:schemeClr>
-                </a:solidFill>
-                <a:latin typeface="+mn-lt"/>
-                <a:ea typeface="+mn-ea"/>
-                <a:cs typeface="+mn-cs"/>
-              </a:defRPr>
-            </a:lvl1pPr>
-            <a:lvl2pPr marL="457200" algn="l" defTabSz="914400" rtl="0" eaLnBrk="1" latinLnBrk="0" hangingPunct="1">
-              <a:defRPr sz="1800" kern="1200">
-                <a:solidFill>
-                  <a:schemeClr val="tx1"/>
-                </a:solidFill>
-                <a:latin typeface="+mn-lt"/>
-                <a:ea typeface="+mn-ea"/>
-                <a:cs typeface="+mn-cs"/>
-              </a:defRPr>
-            </a:lvl2pPr>
-            <a:lvl3pPr marL="914400" algn="l" defTabSz="914400" rtl="0" eaLnBrk="1" latinLnBrk="0" hangingPunct="1">
-              <a:defRPr sz="1800" kern="1200">
-                <a:solidFill>
-                  <a:schemeClr val="tx1"/>
-                </a:solidFill>
-                <a:latin typeface="+mn-lt"/>
-                <a:ea typeface="+mn-ea"/>
-                <a:cs typeface="+mn-cs"/>
-              </a:defRPr>
-            </a:lvl3pPr>
-            <a:lvl4pPr marL="1371600" algn="l" defTabSz="914400" rtl="0" eaLnBrk="1" latinLnBrk="0" hangingPunct="1">
-              <a:defRPr sz="1800" kern="1200">
-                <a:solidFill>
-                  <a:schemeClr val="tx1"/>
-                </a:solidFill>
-                <a:latin typeface="+mn-lt"/>
-                <a:ea typeface="+mn-ea"/>
-                <a:cs typeface="+mn-cs"/>
-              </a:defRPr>
-            </a:lvl4pPr>
-            <a:lvl5pPr marL="1828800" algn="l" defTabSz="914400" rtl="0" eaLnBrk="1" latinLnBrk="0" hangingPunct="1">
-              <a:defRPr sz="1800" kern="1200">
-                <a:solidFill>
-                  <a:schemeClr val="tx1"/>
-                </a:solidFill>
-                <a:latin typeface="+mn-lt"/>
-                <a:ea typeface="+mn-ea"/>
-                <a:cs typeface="+mn-cs"/>
-              </a:defRPr>
-            </a:lvl5pPr>
-            <a:lvl6pPr marL="2286000" algn="l" defTabSz="914400" rtl="0" eaLnBrk="1" latinLnBrk="0" hangingPunct="1">
-              <a:defRPr sz="1800" kern="1200">
-                <a:solidFill>
-                  <a:schemeClr val="tx1"/>
-                </a:solidFill>
-                <a:latin typeface="+mn-lt"/>
-                <a:ea typeface="+mn-ea"/>
-                <a:cs typeface="+mn-cs"/>
-              </a:defRPr>
-            </a:lvl6pPr>
-            <a:lvl7pPr marL="2743200" algn="l" defTabSz="914400" rtl="0" eaLnBrk="1" latinLnBrk="0" hangingPunct="1">
-              <a:defRPr sz="1800" kern="1200">
-                <a:solidFill>
-                  <a:schemeClr val="tx1"/>
-                </a:solidFill>
-                <a:latin typeface="+mn-lt"/>
-                <a:ea typeface="+mn-ea"/>
-                <a:cs typeface="+mn-cs"/>
-              </a:defRPr>
-            </a:lvl7pPr>
-            <a:lvl8pPr marL="3200400" algn="l" defTabSz="914400" rtl="0" eaLnBrk="1" latinLnBrk="0" hangingPunct="1">
-              <a:defRPr sz="1800" kern="1200">
-                <a:solidFill>
-                  <a:schemeClr val="tx1"/>
-                </a:solidFill>
-                <a:latin typeface="+mn-lt"/>
-                <a:ea typeface="+mn-ea"/>
-                <a:cs typeface="+mn-cs"/>
-              </a:defRPr>
-            </a:lvl8pPr>
-            <a:lvl9pPr marL="3657600" algn="l" defTabSz="914400" rtl="0" eaLnBrk="1" latinLnBrk="0" hangingPunct="1">
-              <a:defRPr sz="1800" kern="1200">
-                <a:solidFill>
-                  <a:schemeClr val="tx1"/>
-                </a:solidFill>
-                <a:latin typeface="+mn-lt"/>
-                <a:ea typeface="+mn-ea"/>
-                <a:cs typeface="+mn-cs"/>
-              </a:defRPr>
-            </a:lvl9pPr>
-          </a:lstStyle>
-          <a:p>
-            <a:r>
-              <a:rPr lang="de-DE" dirty="0"/>
-              <a:t>15</a:t>
+              <a:t>      CHESS</a:t>
             </a:r>
           </a:p>
         </p:txBody>
       </p:sp>
       <p:pic>
         <p:nvPicPr>
-          <p:cNvPr id="12" name="Inhaltsplatzhalter 4">
-            <a:extLst>
-              <a:ext uri="{FF2B5EF4-FFF2-40B4-BE49-F238E27FC236}">
-                <a16:creationId xmlns:a16="http://schemas.microsoft.com/office/drawing/2014/main" id="{73E6772E-E18B-BA43-8B9A-BD101E516F21}"/>
+          <p:cNvPr id="11" name="Inhaltsplatzhalter 4">
+            <a:extLst>
+              <a:ext uri="{FF2B5EF4-FFF2-40B4-BE49-F238E27FC236}">
+                <a16:creationId xmlns:a16="http://schemas.microsoft.com/office/drawing/2014/main" id="{9B896C9B-F60D-7946-BA38-86E2D9E55367}"/>
               </a:ext>
             </a:extLst>
           </p:cNvPr>
@@ -8208,472 +8090,7 @@
     </p:spTree>
     <p:extLst>
       <p:ext uri="{BB962C8B-B14F-4D97-AF65-F5344CB8AC3E}">
-        <p14:creationId xmlns:p14="http://schemas.microsoft.com/office/powerpoint/2010/main" val="1777550913"/>
-      </p:ext>
-    </p:extLst>
-  </p:cSld>
-  <p:clrMapOvr>
-    <a:masterClrMapping/>
-  </p:clrMapOvr>
-</p:sld>
-</file>
-
-<file path=ppt/slides/slide2.xml><?xml version="1.0" encoding="utf-8"?>
-<p:sld xmlns:a="http://schemas.openxmlformats.org/drawingml/2006/main" xmlns:r="http://schemas.openxmlformats.org/officeDocument/2006/relationships" xmlns:p="http://schemas.openxmlformats.org/presentationml/2006/main">
-  <p:cSld>
-    <p:spTree>
-      <p:nvGrpSpPr>
-        <p:cNvPr id="1" name=""/>
-        <p:cNvGrpSpPr/>
-        <p:nvPr/>
-      </p:nvGrpSpPr>
-      <p:grpSpPr>
-        <a:xfrm>
-          <a:off x="0" y="0"/>
-          <a:ext cx="0" cy="0"/>
-          <a:chOff x="0" y="0"/>
-          <a:chExt cx="0" cy="0"/>
-        </a:xfrm>
-      </p:grpSpPr>
-      <p:pic>
-        <p:nvPicPr>
-          <p:cNvPr id="7" name="Grafik 6">
-            <a:extLst>
-              <a:ext uri="{FF2B5EF4-FFF2-40B4-BE49-F238E27FC236}">
-                <a16:creationId xmlns:a16="http://schemas.microsoft.com/office/drawing/2014/main" id="{184B6AF4-EC09-4749-B440-C20282DB51F0}"/>
-              </a:ext>
-            </a:extLst>
-          </p:cNvPr>
-          <p:cNvPicPr>
-            <a:picLocks noChangeAspect="1"/>
-          </p:cNvPicPr>
-          <p:nvPr/>
-        </p:nvPicPr>
-        <p:blipFill>
-          <a:blip r:embed="rId2">
-            <a:alphaModFix amt="70000"/>
-            <a:extLst>
-              <a:ext uri="{BEBA8EAE-BF5A-486C-A8C5-ECC9F3942E4B}">
-                <a14:imgProps xmlns:a14="http://schemas.microsoft.com/office/drawing/2010/main">
-                  <a14:imgLayer>
-                    <a14:imgEffect>
-                      <a14:sharpenSoften amount="50000"/>
-                    </a14:imgEffect>
-                    <a14:imgEffect>
-                      <a14:brightnessContrast bright="20000"/>
-                    </a14:imgEffect>
-                  </a14:imgLayer>
-                </a14:imgProps>
-              </a:ext>
-            </a:extLst>
-          </a:blip>
-          <a:stretch>
-            <a:fillRect/>
-          </a:stretch>
-        </p:blipFill>
-        <p:spPr>
-          <a:xfrm>
-            <a:off x="0" y="0"/>
-            <a:ext cx="12192000" cy="6858000"/>
-          </a:xfrm>
-          <a:prstGeom prst="rect">
-            <a:avLst/>
-          </a:prstGeom>
-        </p:spPr>
-      </p:pic>
-      <p:sp>
-        <p:nvSpPr>
-          <p:cNvPr id="2" name="Titel 1">
-            <a:extLst>
-              <a:ext uri="{FF2B5EF4-FFF2-40B4-BE49-F238E27FC236}">
-                <a16:creationId xmlns:a16="http://schemas.microsoft.com/office/drawing/2014/main" id="{9124C531-B6C5-B141-B687-D46894E4FC1F}"/>
-              </a:ext>
-            </a:extLst>
-          </p:cNvPr>
-          <p:cNvSpPr>
-            <a:spLocks noGrp="1"/>
-          </p:cNvSpPr>
-          <p:nvPr>
-            <p:ph type="title"/>
-          </p:nvPr>
-        </p:nvSpPr>
-        <p:spPr>
-          <a:xfrm>
-            <a:off x="0" y="192933"/>
-            <a:ext cx="10930597" cy="777738"/>
-          </a:xfrm>
-          <a:solidFill>
-            <a:schemeClr val="bg2"/>
-          </a:solidFill>
-          <a:ln>
-            <a:solidFill>
-              <a:schemeClr val="tx1"/>
-            </a:solidFill>
-          </a:ln>
-          <a:effectLst>
-            <a:outerShdw blurRad="50800" dist="38100" dir="2700000" algn="tl" rotWithShape="0">
-              <a:prstClr val="black">
-                <a:alpha val="40000"/>
-              </a:prstClr>
-            </a:outerShdw>
-          </a:effectLst>
-        </p:spPr>
-        <p:style>
-          <a:lnRef idx="0">
-            <a:schemeClr val="accent3"/>
-          </a:lnRef>
-          <a:fillRef idx="3">
-            <a:schemeClr val="accent3"/>
-          </a:fillRef>
-          <a:effectRef idx="3">
-            <a:schemeClr val="accent3"/>
-          </a:effectRef>
-          <a:fontRef idx="minor">
-            <a:schemeClr val="lt1"/>
-          </a:fontRef>
-        </p:style>
-        <p:txBody>
-          <a:bodyPr/>
-          <a:lstStyle/>
-          <a:p>
-            <a:r>
-              <a:rPr lang="de-DE" b="1" dirty="0">
-                <a:solidFill>
-                  <a:schemeClr val="tx1"/>
-                </a:solidFill>
-              </a:rPr>
-              <a:t>      </a:t>
-            </a:r>
-            <a:r>
-              <a:rPr lang="de-DE" b="1" dirty="0">
-                <a:solidFill>
-                  <a:schemeClr val="tx1"/>
-                </a:solidFill>
-                <a:effectLst>
-                  <a:outerShdw blurRad="50800" dist="38100" dir="2700000" algn="tl" rotWithShape="0">
-                    <a:prstClr val="black">
-                      <a:alpha val="40000"/>
-                    </a:prstClr>
-                  </a:outerShdw>
-                </a:effectLst>
-              </a:rPr>
-              <a:t>Gliederung</a:t>
-            </a:r>
-          </a:p>
-        </p:txBody>
-      </p:sp>
-      <p:sp>
-        <p:nvSpPr>
-          <p:cNvPr id="3" name="Inhaltsplatzhalter 2">
-            <a:extLst>
-              <a:ext uri="{FF2B5EF4-FFF2-40B4-BE49-F238E27FC236}">
-                <a16:creationId xmlns:a16="http://schemas.microsoft.com/office/drawing/2014/main" id="{54BAD29F-FEC5-264F-878E-5E20BC3F0613}"/>
-              </a:ext>
-            </a:extLst>
-          </p:cNvPr>
-          <p:cNvSpPr>
-            <a:spLocks noGrp="1"/>
-          </p:cNvSpPr>
-          <p:nvPr>
-            <p:ph idx="1"/>
-          </p:nvPr>
-        </p:nvSpPr>
-        <p:spPr>
-          <a:xfrm>
-            <a:off x="0" y="1744395"/>
-            <a:ext cx="12192000" cy="3151162"/>
-          </a:xfrm>
-          <a:solidFill>
-            <a:schemeClr val="bg2"/>
-          </a:solidFill>
-          <a:ln w="28575">
-            <a:solidFill>
-              <a:schemeClr val="bg2">
-                <a:lumMod val="10000"/>
-              </a:schemeClr>
-            </a:solidFill>
-          </a:ln>
-        </p:spPr>
-        <p:style>
-          <a:lnRef idx="0">
-            <a:schemeClr val="accent3"/>
-          </a:lnRef>
-          <a:fillRef idx="3">
-            <a:schemeClr val="accent3"/>
-          </a:fillRef>
-          <a:effectRef idx="3">
-            <a:schemeClr val="accent3"/>
-          </a:effectRef>
-          <a:fontRef idx="minor">
-            <a:schemeClr val="lt1"/>
-          </a:fontRef>
-        </p:style>
-        <p:txBody>
-          <a:bodyPr>
-            <a:normAutofit/>
-          </a:bodyPr>
-          <a:lstStyle/>
-          <a:p>
-            <a:pPr marL="457200" lvl="1" indent="0">
-              <a:buNone/>
-            </a:pPr>
-            <a:endParaRPr lang="de-DE" sz="2800" dirty="0">
-              <a:solidFill>
-                <a:schemeClr val="tx1"/>
-              </a:solidFill>
-            </a:endParaRPr>
-          </a:p>
-          <a:p>
-            <a:pPr marL="971550" lvl="1" indent="-514350">
-              <a:buAutoNum type="arabicPeriod"/>
-            </a:pPr>
-            <a:r>
-              <a:rPr lang="de-DE" sz="2800" dirty="0">
-                <a:solidFill>
-                  <a:schemeClr val="tx1"/>
-                </a:solidFill>
-              </a:rPr>
-              <a:t>Phasen Ergebnisse</a:t>
-            </a:r>
-          </a:p>
-          <a:p>
-            <a:pPr marL="971550" lvl="1" indent="-514350">
-              <a:buAutoNum type="arabicPeriod"/>
-            </a:pPr>
-            <a:r>
-              <a:rPr lang="de-DE" sz="2800" dirty="0">
-                <a:solidFill>
-                  <a:schemeClr val="tx1"/>
-                </a:solidFill>
-              </a:rPr>
-              <a:t>Allgemeine Schwierigkeiten</a:t>
-            </a:r>
-          </a:p>
-          <a:p>
-            <a:pPr marL="971550" lvl="1" indent="-514350">
-              <a:buAutoNum type="arabicPeriod"/>
-            </a:pPr>
-            <a:r>
-              <a:rPr lang="de-DE" sz="2800" dirty="0">
-                <a:solidFill>
-                  <a:schemeClr val="tx1"/>
-                </a:solidFill>
-              </a:rPr>
-              <a:t>App Demonstration</a:t>
-            </a:r>
-          </a:p>
-          <a:p>
-            <a:pPr marL="971550" lvl="1" indent="-514350">
-              <a:buAutoNum type="arabicPeriod"/>
-            </a:pPr>
-            <a:r>
-              <a:rPr lang="de-DE" sz="2800" dirty="0">
-                <a:solidFill>
-                  <a:schemeClr val="tx1"/>
-                </a:solidFill>
-              </a:rPr>
-              <a:t>Fazit</a:t>
-            </a:r>
-          </a:p>
-          <a:p>
-            <a:pPr marL="971550" lvl="1" indent="-514350">
-              <a:buAutoNum type="arabicPeriod"/>
-            </a:pPr>
-            <a:r>
-              <a:rPr lang="de-DE" sz="2800" dirty="0">
-                <a:solidFill>
-                  <a:schemeClr val="tx1"/>
-                </a:solidFill>
-              </a:rPr>
-              <a:t>Fragen</a:t>
-            </a:r>
-          </a:p>
-        </p:txBody>
-      </p:sp>
-      <p:pic>
-        <p:nvPicPr>
-          <p:cNvPr id="4" name="Inhaltsplatzhalter 4">
-            <a:extLst>
-              <a:ext uri="{FF2B5EF4-FFF2-40B4-BE49-F238E27FC236}">
-                <a16:creationId xmlns:a16="http://schemas.microsoft.com/office/drawing/2014/main" id="{ECFF8110-CF9C-BB41-83FA-DBB7C2B3B8F0}"/>
-              </a:ext>
-            </a:extLst>
-          </p:cNvPr>
-          <p:cNvPicPr>
-            <a:picLocks noChangeAspect="1"/>
-          </p:cNvPicPr>
-          <p:nvPr/>
-        </p:nvPicPr>
-        <p:blipFill>
-          <a:blip r:embed="rId3">
-            <a:extLst>
-              <a:ext uri="{BEBA8EAE-BF5A-486C-A8C5-ECC9F3942E4B}">
-                <a14:imgProps xmlns:a14="http://schemas.microsoft.com/office/drawing/2010/main">
-                  <a14:imgLayer>
-                    <a14:imgEffect>
-                      <a14:backgroundRemoval t="10000" b="90000" l="10000" r="90000">
-                        <a14:foregroundMark x1="25333" y1="28623" x2="29667" y2="50362"/>
-                        <a14:foregroundMark x1="19000" y1="15942" x2="15667" y2="51449"/>
-                        <a14:foregroundMark x1="15667" y1="51449" x2="27000" y2="84420"/>
-                        <a14:foregroundMark x1="27000" y1="84420" x2="58667" y2="84783"/>
-                        <a14:foregroundMark x1="58667" y1="84783" x2="80333" y2="57971"/>
-                        <a14:foregroundMark x1="80333" y1="57971" x2="80667" y2="23551"/>
-                        <a14:foregroundMark x1="80667" y1="23551" x2="50000" y2="13768"/>
-                        <a14:foregroundMark x1="50000" y1="13768" x2="18333" y2="16667"/>
-                        <a14:backgroundMark x1="3000" y1="10145" x2="3667" y2="59058"/>
-                        <a14:backgroundMark x1="3667" y1="59058" x2="18000" y2="90580"/>
-                        <a14:backgroundMark x1="18000" y1="90580" x2="50667" y2="91304"/>
-                        <a14:backgroundMark x1="50667" y1="91304" x2="82667" y2="86957"/>
-                        <a14:backgroundMark x1="82667" y1="86957" x2="83333" y2="82246"/>
-                        <a14:backgroundMark x1="13667" y1="10145" x2="46333" y2="7246"/>
-                        <a14:backgroundMark x1="46333" y1="7246" x2="79333" y2="7609"/>
-                        <a14:backgroundMark x1="79333" y1="7609" x2="95333" y2="41304"/>
-                        <a14:backgroundMark x1="95333" y1="41304" x2="93667" y2="78623"/>
-                        <a14:backgroundMark x1="93667" y1="78623" x2="65000" y2="98913"/>
-                        <a14:backgroundMark x1="65000" y1="98913" x2="14333" y2="99275"/>
-                        <a14:backgroundMark x1="14333" y1="99275" x2="5333" y2="65217"/>
-                        <a14:backgroundMark x1="5333" y1="65217" x2="5333" y2="30435"/>
-                        <a14:backgroundMark x1="5333" y1="30435" x2="13000" y2="10870"/>
-                        <a14:backgroundMark x1="0" y1="65942" x2="0" y2="65942"/>
-                      </a14:backgroundRemoval>
-                    </a14:imgEffect>
-                    <a14:imgEffect>
-                      <a14:sharpenSoften amount="50000"/>
-                    </a14:imgEffect>
-                    <a14:imgEffect>
-                      <a14:colorTemperature colorTemp="11200"/>
-                    </a14:imgEffect>
-                    <a14:imgEffect>
-                      <a14:saturation sat="0"/>
-                    </a14:imgEffect>
-                    <a14:imgEffect>
-                      <a14:brightnessContrast contrast="20000"/>
-                    </a14:imgEffect>
-                  </a14:imgLayer>
-                </a14:imgProps>
-              </a:ext>
-            </a:extLst>
-          </a:blip>
-          <a:stretch>
-            <a:fillRect/>
-          </a:stretch>
-        </p:blipFill>
-        <p:spPr>
-          <a:xfrm>
-            <a:off x="10687711" y="-110171"/>
-            <a:ext cx="1504289" cy="1383945"/>
-          </a:xfrm>
-          <a:prstGeom prst="rect">
-            <a:avLst/>
-          </a:prstGeom>
-          <a:effectLst>
-            <a:glow rad="101600">
-              <a:schemeClr val="bg2">
-                <a:lumMod val="50000"/>
-                <a:alpha val="60000"/>
-              </a:schemeClr>
-            </a:glow>
-            <a:outerShdw blurRad="50800" dist="38100" dir="2700000" algn="tl" rotWithShape="0">
-              <a:prstClr val="black">
-                <a:alpha val="40000"/>
-              </a:prstClr>
-            </a:outerShdw>
-          </a:effectLst>
-        </p:spPr>
-      </p:pic>
-      <p:sp>
-        <p:nvSpPr>
-          <p:cNvPr id="5" name="Fußzeilenplatzhalter 4">
-            <a:extLst>
-              <a:ext uri="{FF2B5EF4-FFF2-40B4-BE49-F238E27FC236}">
-                <a16:creationId xmlns:a16="http://schemas.microsoft.com/office/drawing/2014/main" id="{93946498-D338-EB45-B4FB-8D6595FBD9F7}"/>
-              </a:ext>
-            </a:extLst>
-          </p:cNvPr>
-          <p:cNvSpPr>
-            <a:spLocks noGrp="1"/>
-          </p:cNvSpPr>
-          <p:nvPr>
-            <p:ph type="ftr" sz="quarter" idx="11"/>
-          </p:nvPr>
-        </p:nvSpPr>
-        <p:spPr>
-          <a:xfrm>
-            <a:off x="0" y="6356350"/>
-            <a:ext cx="12192000" cy="365125"/>
-          </a:xfrm>
-          <a:solidFill>
-            <a:schemeClr val="bg2"/>
-          </a:solidFill>
-          <a:ln>
-            <a:solidFill>
-              <a:schemeClr val="tx1"/>
-            </a:solidFill>
-          </a:ln>
-        </p:spPr>
-        <p:style>
-          <a:lnRef idx="0">
-            <a:schemeClr val="accent3"/>
-          </a:lnRef>
-          <a:fillRef idx="3">
-            <a:schemeClr val="accent3"/>
-          </a:fillRef>
-          <a:effectRef idx="3">
-            <a:schemeClr val="accent3"/>
-          </a:effectRef>
-          <a:fontRef idx="minor">
-            <a:schemeClr val="lt1"/>
-          </a:fontRef>
-        </p:style>
-        <p:txBody>
-          <a:bodyPr/>
-          <a:lstStyle/>
-          <a:p>
-            <a:pPr algn="l"/>
-            <a:r>
-              <a:rPr lang="de-DE" dirty="0">
-                <a:solidFill>
-                  <a:schemeClr val="tx1"/>
-                </a:solidFill>
-              </a:rPr>
-              <a:t>          Orkhan Aliev, Tim Groß, Daniel Helmig, Rukiye Devran</a:t>
-            </a:r>
-          </a:p>
-        </p:txBody>
-      </p:sp>
-      <p:sp>
-        <p:nvSpPr>
-          <p:cNvPr id="6" name="Foliennummernplatzhalter 5">
-            <a:extLst>
-              <a:ext uri="{FF2B5EF4-FFF2-40B4-BE49-F238E27FC236}">
-                <a16:creationId xmlns:a16="http://schemas.microsoft.com/office/drawing/2014/main" id="{F66727D6-00B4-5148-9C37-4648882AA1DB}"/>
-              </a:ext>
-            </a:extLst>
-          </p:cNvPr>
-          <p:cNvSpPr>
-            <a:spLocks noGrp="1"/>
-          </p:cNvSpPr>
-          <p:nvPr>
-            <p:ph type="sldNum" sz="quarter" idx="12"/>
-          </p:nvPr>
-        </p:nvSpPr>
-        <p:spPr/>
-        <p:txBody>
-          <a:bodyPr/>
-          <a:lstStyle/>
-          <a:p>
-            <a:fld id="{78776B16-91FB-9448-9CB1-FBF57F5ADB35}" type="slidenum">
-              <a:rPr lang="de-DE" smtClean="0"/>
-              <a:t>2</a:t>
-            </a:fld>
-            <a:endParaRPr lang="de-DE" dirty="0"/>
-          </a:p>
-        </p:txBody>
-      </p:sp>
-    </p:spTree>
-    <p:extLst>
-      <p:ext uri="{BB962C8B-B14F-4D97-AF65-F5344CB8AC3E}">
-        <p14:creationId xmlns:p14="http://schemas.microsoft.com/office/powerpoint/2010/main" val="1873163358"/>
+        <p14:creationId xmlns:p14="http://schemas.microsoft.com/office/powerpoint/2010/main" val="4184613616"/>
       </p:ext>
     </p:extLst>
   </p:cSld>
@@ -8702,1020 +8119,6 @@
       </p:grpSpPr>
       <p:pic>
         <p:nvPicPr>
-          <p:cNvPr id="15" name="Grafik 14">
-            <a:extLst>
-              <a:ext uri="{FF2B5EF4-FFF2-40B4-BE49-F238E27FC236}">
-                <a16:creationId xmlns:a16="http://schemas.microsoft.com/office/drawing/2014/main" id="{64A60FFD-6232-8341-BBE3-F58F328CAC11}"/>
-              </a:ext>
-            </a:extLst>
-          </p:cNvPr>
-          <p:cNvPicPr>
-            <a:picLocks noChangeAspect="1"/>
-          </p:cNvPicPr>
-          <p:nvPr/>
-        </p:nvPicPr>
-        <p:blipFill>
-          <a:blip r:embed="rId2">
-            <a:alphaModFix amt="70000"/>
-            <a:extLst>
-              <a:ext uri="{BEBA8EAE-BF5A-486C-A8C5-ECC9F3942E4B}">
-                <a14:imgProps xmlns:a14="http://schemas.microsoft.com/office/drawing/2010/main">
-                  <a14:imgLayer>
-                    <a14:imgEffect>
-                      <a14:sharpenSoften amount="50000"/>
-                    </a14:imgEffect>
-                    <a14:imgEffect>
-                      <a14:brightnessContrast bright="20000"/>
-                    </a14:imgEffect>
-                  </a14:imgLayer>
-                </a14:imgProps>
-              </a:ext>
-            </a:extLst>
-          </a:blip>
-          <a:stretch>
-            <a:fillRect/>
-          </a:stretch>
-        </p:blipFill>
-        <p:spPr>
-          <a:xfrm>
-            <a:off x="0" y="0"/>
-            <a:ext cx="12192000" cy="6858000"/>
-          </a:xfrm>
-          <a:prstGeom prst="rect">
-            <a:avLst/>
-          </a:prstGeom>
-        </p:spPr>
-      </p:pic>
-      <p:sp>
-        <p:nvSpPr>
-          <p:cNvPr id="4" name="Abgerundetes Rechteck 3">
-            <a:extLst>
-              <a:ext uri="{FF2B5EF4-FFF2-40B4-BE49-F238E27FC236}">
-                <a16:creationId xmlns:a16="http://schemas.microsoft.com/office/drawing/2014/main" id="{8D5B918B-C684-F948-A9F6-4D58A1634905}"/>
-              </a:ext>
-            </a:extLst>
-          </p:cNvPr>
-          <p:cNvSpPr/>
-          <p:nvPr/>
-        </p:nvSpPr>
-        <p:spPr>
-          <a:xfrm>
-            <a:off x="938169" y="1504569"/>
-            <a:ext cx="2217683" cy="977462"/>
-          </a:xfrm>
-          <a:prstGeom prst="roundRect">
-            <a:avLst/>
-          </a:prstGeom>
-          <a:ln>
-            <a:solidFill>
-              <a:schemeClr val="tx1"/>
-            </a:solidFill>
-          </a:ln>
-          <a:effectLst>
-            <a:outerShdw blurRad="50800" dist="38100" dir="2700000" algn="tl" rotWithShape="0">
-              <a:prstClr val="black">
-                <a:alpha val="40000"/>
-              </a:prstClr>
-            </a:outerShdw>
-          </a:effectLst>
-        </p:spPr>
-        <p:style>
-          <a:lnRef idx="2">
-            <a:schemeClr val="accent1">
-              <a:shade val="50000"/>
-            </a:schemeClr>
-          </a:lnRef>
-          <a:fillRef idx="1">
-            <a:schemeClr val="accent1"/>
-          </a:fillRef>
-          <a:effectRef idx="0">
-            <a:schemeClr val="accent1"/>
-          </a:effectRef>
-          <a:fontRef idx="minor">
-            <a:schemeClr val="lt1"/>
-          </a:fontRef>
-        </p:style>
-        <p:txBody>
-          <a:bodyPr rtlCol="0" anchor="ctr"/>
-          <a:lstStyle/>
-          <a:p>
-            <a:pPr algn="ctr"/>
-            <a:r>
-              <a:rPr lang="de-DE" dirty="0"/>
-              <a:t>Pflichtenheft</a:t>
-            </a:r>
-          </a:p>
-        </p:txBody>
-      </p:sp>
-      <p:sp>
-        <p:nvSpPr>
-          <p:cNvPr id="5" name="Abgerundetes Rechteck 4">
-            <a:extLst>
-              <a:ext uri="{FF2B5EF4-FFF2-40B4-BE49-F238E27FC236}">
-                <a16:creationId xmlns:a16="http://schemas.microsoft.com/office/drawing/2014/main" id="{8B5D17B0-D205-5B43-972D-14166871E4D4}"/>
-              </a:ext>
-            </a:extLst>
-          </p:cNvPr>
-          <p:cNvSpPr/>
-          <p:nvPr/>
-        </p:nvSpPr>
-        <p:spPr>
-          <a:xfrm>
-            <a:off x="3155852" y="2644941"/>
-            <a:ext cx="2217683" cy="977462"/>
-          </a:xfrm>
-          <a:prstGeom prst="roundRect">
-            <a:avLst/>
-          </a:prstGeom>
-          <a:ln>
-            <a:solidFill>
-              <a:schemeClr val="tx1"/>
-            </a:solidFill>
-          </a:ln>
-          <a:effectLst>
-            <a:outerShdw blurRad="50800" dist="38100" dir="2700000" algn="tl" rotWithShape="0">
-              <a:prstClr val="black">
-                <a:alpha val="40000"/>
-              </a:prstClr>
-            </a:outerShdw>
-          </a:effectLst>
-        </p:spPr>
-        <p:style>
-          <a:lnRef idx="2">
-            <a:schemeClr val="accent1">
-              <a:shade val="50000"/>
-            </a:schemeClr>
-          </a:lnRef>
-          <a:fillRef idx="1">
-            <a:schemeClr val="accent1"/>
-          </a:fillRef>
-          <a:effectRef idx="0">
-            <a:schemeClr val="accent1"/>
-          </a:effectRef>
-          <a:fontRef idx="minor">
-            <a:schemeClr val="lt1"/>
-          </a:fontRef>
-        </p:style>
-        <p:txBody>
-          <a:bodyPr rtlCol="0" anchor="ctr"/>
-          <a:lstStyle/>
-          <a:p>
-            <a:pPr algn="ctr"/>
-            <a:r>
-              <a:rPr lang="de-DE" dirty="0"/>
-              <a:t>Entwurf</a:t>
-            </a:r>
-          </a:p>
-        </p:txBody>
-      </p:sp>
-      <p:sp>
-        <p:nvSpPr>
-          <p:cNvPr id="6" name="Abgerundetes Rechteck 5">
-            <a:extLst>
-              <a:ext uri="{FF2B5EF4-FFF2-40B4-BE49-F238E27FC236}">
-                <a16:creationId xmlns:a16="http://schemas.microsoft.com/office/drawing/2014/main" id="{F716FE9B-0BCE-7C4D-8910-9C1A1495FB0C}"/>
-              </a:ext>
-            </a:extLst>
-          </p:cNvPr>
-          <p:cNvSpPr/>
-          <p:nvPr/>
-        </p:nvSpPr>
-        <p:spPr>
-          <a:xfrm>
-            <a:off x="5373535" y="3860363"/>
-            <a:ext cx="2217683" cy="977462"/>
-          </a:xfrm>
-          <a:prstGeom prst="roundRect">
-            <a:avLst/>
-          </a:prstGeom>
-          <a:ln>
-            <a:solidFill>
-              <a:schemeClr val="tx1"/>
-            </a:solidFill>
-          </a:ln>
-          <a:effectLst>
-            <a:outerShdw blurRad="50800" dist="38100" dir="2700000" algn="tl" rotWithShape="0">
-              <a:prstClr val="black">
-                <a:alpha val="40000"/>
-              </a:prstClr>
-            </a:outerShdw>
-          </a:effectLst>
-        </p:spPr>
-        <p:style>
-          <a:lnRef idx="2">
-            <a:schemeClr val="accent1">
-              <a:shade val="50000"/>
-            </a:schemeClr>
-          </a:lnRef>
-          <a:fillRef idx="1">
-            <a:schemeClr val="accent1"/>
-          </a:fillRef>
-          <a:effectRef idx="0">
-            <a:schemeClr val="accent1"/>
-          </a:effectRef>
-          <a:fontRef idx="minor">
-            <a:schemeClr val="lt1"/>
-          </a:fontRef>
-        </p:style>
-        <p:txBody>
-          <a:bodyPr rtlCol="0" anchor="ctr"/>
-          <a:lstStyle/>
-          <a:p>
-            <a:pPr algn="ctr"/>
-            <a:r>
-              <a:rPr lang="de-DE" dirty="0"/>
-              <a:t>Implementierung</a:t>
-            </a:r>
-          </a:p>
-        </p:txBody>
-      </p:sp>
-      <p:sp>
-        <p:nvSpPr>
-          <p:cNvPr id="7" name="Abgerundetes Rechteck 6">
-            <a:extLst>
-              <a:ext uri="{FF2B5EF4-FFF2-40B4-BE49-F238E27FC236}">
-                <a16:creationId xmlns:a16="http://schemas.microsoft.com/office/drawing/2014/main" id="{0C6935CB-C80D-7A45-AB13-D995C76F2F0B}"/>
-              </a:ext>
-            </a:extLst>
-          </p:cNvPr>
-          <p:cNvSpPr/>
-          <p:nvPr/>
-        </p:nvSpPr>
-        <p:spPr>
-          <a:xfrm>
-            <a:off x="7591218" y="5075785"/>
-            <a:ext cx="2217683" cy="977462"/>
-          </a:xfrm>
-          <a:prstGeom prst="roundRect">
-            <a:avLst/>
-          </a:prstGeom>
-          <a:ln>
-            <a:solidFill>
-              <a:schemeClr val="tx1"/>
-            </a:solidFill>
-          </a:ln>
-          <a:effectLst>
-            <a:outerShdw blurRad="50800" dist="38100" dir="2700000" algn="tl" rotWithShape="0">
-              <a:prstClr val="black">
-                <a:alpha val="40000"/>
-              </a:prstClr>
-            </a:outerShdw>
-          </a:effectLst>
-        </p:spPr>
-        <p:style>
-          <a:lnRef idx="2">
-            <a:schemeClr val="accent1">
-              <a:shade val="50000"/>
-            </a:schemeClr>
-          </a:lnRef>
-          <a:fillRef idx="1">
-            <a:schemeClr val="accent1"/>
-          </a:fillRef>
-          <a:effectRef idx="0">
-            <a:schemeClr val="accent1"/>
-          </a:effectRef>
-          <a:fontRef idx="minor">
-            <a:schemeClr val="lt1"/>
-          </a:fontRef>
-        </p:style>
-        <p:txBody>
-          <a:bodyPr rtlCol="0" anchor="ctr"/>
-          <a:lstStyle/>
-          <a:p>
-            <a:pPr algn="ctr"/>
-            <a:r>
-              <a:rPr lang="de-DE" dirty="0"/>
-              <a:t>Qualitätssicherung</a:t>
-            </a:r>
-          </a:p>
-        </p:txBody>
-      </p:sp>
-      <p:sp>
-        <p:nvSpPr>
-          <p:cNvPr id="8" name="Nach oben gebogener Pfeil 7">
-            <a:extLst>
-              <a:ext uri="{FF2B5EF4-FFF2-40B4-BE49-F238E27FC236}">
-                <a16:creationId xmlns:a16="http://schemas.microsoft.com/office/drawing/2014/main" id="{CA6B63B6-EF0A-BD4D-AC41-BFFC8DDCCE64}"/>
-              </a:ext>
-            </a:extLst>
-          </p:cNvPr>
-          <p:cNvSpPr/>
-          <p:nvPr/>
-        </p:nvSpPr>
-        <p:spPr>
-          <a:xfrm rot="5400000">
-            <a:off x="1881801" y="2176902"/>
-            <a:ext cx="915879" cy="1568670"/>
-          </a:xfrm>
-          <a:prstGeom prst="bentUpArrow">
-            <a:avLst>
-              <a:gd name="adj1" fmla="val 25000"/>
-              <a:gd name="adj2" fmla="val 23077"/>
-              <a:gd name="adj3" fmla="val 25000"/>
-            </a:avLst>
-          </a:prstGeom>
-          <a:solidFill>
-            <a:schemeClr val="accent1">
-              <a:lumMod val="40000"/>
-              <a:lumOff val="60000"/>
-            </a:schemeClr>
-          </a:solidFill>
-          <a:ln>
-            <a:solidFill>
-              <a:schemeClr val="accent1">
-                <a:lumMod val="50000"/>
-              </a:schemeClr>
-            </a:solidFill>
-          </a:ln>
-          <a:effectLst>
-            <a:outerShdw blurRad="50800" dist="38100" dir="2700000" algn="tl" rotWithShape="0">
-              <a:prstClr val="black">
-                <a:alpha val="40000"/>
-              </a:prstClr>
-            </a:outerShdw>
-          </a:effectLst>
-        </p:spPr>
-        <p:style>
-          <a:lnRef idx="2">
-            <a:schemeClr val="accent1">
-              <a:shade val="50000"/>
-            </a:schemeClr>
-          </a:lnRef>
-          <a:fillRef idx="1">
-            <a:schemeClr val="accent1"/>
-          </a:fillRef>
-          <a:effectRef idx="0">
-            <a:schemeClr val="accent1"/>
-          </a:effectRef>
-          <a:fontRef idx="minor">
-            <a:schemeClr val="lt1"/>
-          </a:fontRef>
-        </p:style>
-        <p:txBody>
-          <a:bodyPr rtlCol="0" anchor="ctr"/>
-          <a:lstStyle/>
-          <a:p>
-            <a:pPr algn="ctr"/>
-            <a:endParaRPr lang="de-DE"/>
-          </a:p>
-        </p:txBody>
-      </p:sp>
-      <p:sp>
-        <p:nvSpPr>
-          <p:cNvPr id="10" name="Nach oben gebogener Pfeil 9">
-            <a:extLst>
-              <a:ext uri="{FF2B5EF4-FFF2-40B4-BE49-F238E27FC236}">
-                <a16:creationId xmlns:a16="http://schemas.microsoft.com/office/drawing/2014/main" id="{FAB813DF-3870-0B4A-A0D2-C5405D3E905B}"/>
-              </a:ext>
-            </a:extLst>
-          </p:cNvPr>
-          <p:cNvSpPr/>
-          <p:nvPr/>
-        </p:nvSpPr>
-        <p:spPr>
-          <a:xfrm rot="5400000">
-            <a:off x="4065325" y="3293624"/>
-            <a:ext cx="936899" cy="1636989"/>
-          </a:xfrm>
-          <a:prstGeom prst="bentUpArrow">
-            <a:avLst>
-              <a:gd name="adj1" fmla="val 25000"/>
-              <a:gd name="adj2" fmla="val 23077"/>
-              <a:gd name="adj3" fmla="val 25000"/>
-            </a:avLst>
-          </a:prstGeom>
-          <a:solidFill>
-            <a:schemeClr val="accent1">
-              <a:lumMod val="40000"/>
-              <a:lumOff val="60000"/>
-            </a:schemeClr>
-          </a:solidFill>
-          <a:ln>
-            <a:solidFill>
-              <a:schemeClr val="accent1">
-                <a:lumMod val="50000"/>
-              </a:schemeClr>
-            </a:solidFill>
-          </a:ln>
-          <a:effectLst>
-            <a:outerShdw blurRad="50800" dist="38100" dir="2700000" algn="tl" rotWithShape="0">
-              <a:prstClr val="black">
-                <a:alpha val="40000"/>
-              </a:prstClr>
-            </a:outerShdw>
-          </a:effectLst>
-        </p:spPr>
-        <p:style>
-          <a:lnRef idx="2">
-            <a:schemeClr val="accent1">
-              <a:shade val="50000"/>
-            </a:schemeClr>
-          </a:lnRef>
-          <a:fillRef idx="1">
-            <a:schemeClr val="accent1"/>
-          </a:fillRef>
-          <a:effectRef idx="0">
-            <a:schemeClr val="accent1"/>
-          </a:effectRef>
-          <a:fontRef idx="minor">
-            <a:schemeClr val="lt1"/>
-          </a:fontRef>
-        </p:style>
-        <p:txBody>
-          <a:bodyPr rtlCol="0" anchor="ctr"/>
-          <a:lstStyle/>
-          <a:p>
-            <a:pPr algn="ctr"/>
-            <a:endParaRPr lang="de-DE" dirty="0"/>
-          </a:p>
-        </p:txBody>
-      </p:sp>
-      <p:sp>
-        <p:nvSpPr>
-          <p:cNvPr id="11" name="Nach oben gebogener Pfeil 10">
-            <a:extLst>
-              <a:ext uri="{FF2B5EF4-FFF2-40B4-BE49-F238E27FC236}">
-                <a16:creationId xmlns:a16="http://schemas.microsoft.com/office/drawing/2014/main" id="{5CBDDC62-7F16-314A-8066-B7F41108835A}"/>
-              </a:ext>
-            </a:extLst>
-          </p:cNvPr>
-          <p:cNvSpPr/>
-          <p:nvPr/>
-        </p:nvSpPr>
-        <p:spPr>
-          <a:xfrm rot="5400000">
-            <a:off x="6298199" y="4512250"/>
-            <a:ext cx="914401" cy="1608084"/>
-          </a:xfrm>
-          <a:prstGeom prst="bentUpArrow">
-            <a:avLst>
-              <a:gd name="adj1" fmla="val 25000"/>
-              <a:gd name="adj2" fmla="val 23077"/>
-              <a:gd name="adj3" fmla="val 25000"/>
-            </a:avLst>
-          </a:prstGeom>
-          <a:solidFill>
-            <a:schemeClr val="accent1">
-              <a:lumMod val="40000"/>
-              <a:lumOff val="60000"/>
-            </a:schemeClr>
-          </a:solidFill>
-          <a:ln>
-            <a:solidFill>
-              <a:schemeClr val="accent1">
-                <a:lumMod val="50000"/>
-              </a:schemeClr>
-            </a:solidFill>
-          </a:ln>
-          <a:effectLst>
-            <a:outerShdw blurRad="50800" dist="38100" dir="2700000" algn="tl" rotWithShape="0">
-              <a:prstClr val="black">
-                <a:alpha val="40000"/>
-              </a:prstClr>
-            </a:outerShdw>
-          </a:effectLst>
-        </p:spPr>
-        <p:style>
-          <a:lnRef idx="2">
-            <a:schemeClr val="accent1">
-              <a:shade val="50000"/>
-            </a:schemeClr>
-          </a:lnRef>
-          <a:fillRef idx="1">
-            <a:schemeClr val="accent1"/>
-          </a:fillRef>
-          <a:effectRef idx="0">
-            <a:schemeClr val="accent1"/>
-          </a:effectRef>
-          <a:fontRef idx="minor">
-            <a:schemeClr val="lt1"/>
-          </a:fontRef>
-        </p:style>
-        <p:txBody>
-          <a:bodyPr rtlCol="0" anchor="ctr"/>
-          <a:lstStyle/>
-          <a:p>
-            <a:pPr algn="ctr"/>
-            <a:endParaRPr lang="de-DE"/>
-          </a:p>
-        </p:txBody>
-      </p:sp>
-      <p:sp>
-        <p:nvSpPr>
-          <p:cNvPr id="14" name="Foliennummernplatzhalter 13">
-            <a:extLst>
-              <a:ext uri="{FF2B5EF4-FFF2-40B4-BE49-F238E27FC236}">
-                <a16:creationId xmlns:a16="http://schemas.microsoft.com/office/drawing/2014/main" id="{89B2F2DD-1751-A44E-A8D9-05BA41BEB7F3}"/>
-              </a:ext>
-            </a:extLst>
-          </p:cNvPr>
-          <p:cNvSpPr>
-            <a:spLocks noGrp="1"/>
-          </p:cNvSpPr>
-          <p:nvPr>
-            <p:ph type="sldNum" sz="quarter" idx="12"/>
-          </p:nvPr>
-        </p:nvSpPr>
-        <p:spPr/>
-        <p:txBody>
-          <a:bodyPr/>
-          <a:lstStyle/>
-          <a:p>
-            <a:fld id="{78776B16-91FB-9448-9CB1-FBF57F5ADB35}" type="slidenum">
-              <a:rPr lang="de-DE" smtClean="0"/>
-              <a:t>3</a:t>
-            </a:fld>
-            <a:endParaRPr lang="de-DE"/>
-          </a:p>
-        </p:txBody>
-      </p:sp>
-      <p:sp>
-        <p:nvSpPr>
-          <p:cNvPr id="16" name="Titel 1">
-            <a:extLst>
-              <a:ext uri="{FF2B5EF4-FFF2-40B4-BE49-F238E27FC236}">
-                <a16:creationId xmlns:a16="http://schemas.microsoft.com/office/drawing/2014/main" id="{923DC72F-B94D-0C42-AA88-04E5CF7095A6}"/>
-              </a:ext>
-            </a:extLst>
-          </p:cNvPr>
-          <p:cNvSpPr txBox="1">
-            <a:spLocks/>
-          </p:cNvSpPr>
-          <p:nvPr/>
-        </p:nvSpPr>
-        <p:spPr>
-          <a:xfrm>
-            <a:off x="0" y="192933"/>
-            <a:ext cx="10930597" cy="777738"/>
-          </a:xfrm>
-          <a:prstGeom prst="rect">
-            <a:avLst/>
-          </a:prstGeom>
-          <a:solidFill>
-            <a:schemeClr val="bg2"/>
-          </a:solidFill>
-          <a:ln>
-            <a:solidFill>
-              <a:schemeClr val="tx1"/>
-            </a:solidFill>
-          </a:ln>
-          <a:effectLst>
-            <a:outerShdw blurRad="50800" dist="38100" dir="2700000" algn="tl" rotWithShape="0">
-              <a:prstClr val="black">
-                <a:alpha val="40000"/>
-              </a:prstClr>
-            </a:outerShdw>
-          </a:effectLst>
-        </p:spPr>
-        <p:style>
-          <a:lnRef idx="0">
-            <a:schemeClr val="accent3"/>
-          </a:lnRef>
-          <a:fillRef idx="3">
-            <a:schemeClr val="accent3"/>
-          </a:fillRef>
-          <a:effectRef idx="3">
-            <a:schemeClr val="accent3"/>
-          </a:effectRef>
-          <a:fontRef idx="minor">
-            <a:schemeClr val="lt1"/>
-          </a:fontRef>
-        </p:style>
-        <p:txBody>
-          <a:bodyPr vert="horz" lIns="91440" tIns="45720" rIns="91440" bIns="45720" rtlCol="0" anchor="ctr">
-            <a:normAutofit/>
-          </a:bodyPr>
-          <a:lstStyle>
-            <a:lvl1pPr algn="l" defTabSz="914400" rtl="0" eaLnBrk="1" latinLnBrk="0" hangingPunct="1">
-              <a:lnSpc>
-                <a:spcPct val="90000"/>
-              </a:lnSpc>
-              <a:spcBef>
-                <a:spcPct val="0"/>
-              </a:spcBef>
-              <a:buNone/>
-              <a:defRPr sz="4400" kern="1200">
-                <a:solidFill>
-                  <a:schemeClr val="lt1"/>
-                </a:solidFill>
-                <a:latin typeface="+mn-lt"/>
-                <a:ea typeface="+mn-ea"/>
-                <a:cs typeface="+mn-cs"/>
-              </a:defRPr>
-            </a:lvl1pPr>
-            <a:lvl2pPr>
-              <a:defRPr>
-                <a:solidFill>
-                  <a:schemeClr val="lt1"/>
-                </a:solidFill>
-                <a:latin typeface="+mn-lt"/>
-                <a:ea typeface="+mn-ea"/>
-                <a:cs typeface="+mn-cs"/>
-              </a:defRPr>
-            </a:lvl2pPr>
-            <a:lvl3pPr>
-              <a:defRPr>
-                <a:solidFill>
-                  <a:schemeClr val="lt1"/>
-                </a:solidFill>
-                <a:latin typeface="+mn-lt"/>
-                <a:ea typeface="+mn-ea"/>
-                <a:cs typeface="+mn-cs"/>
-              </a:defRPr>
-            </a:lvl3pPr>
-            <a:lvl4pPr>
-              <a:defRPr>
-                <a:solidFill>
-                  <a:schemeClr val="lt1"/>
-                </a:solidFill>
-                <a:latin typeface="+mn-lt"/>
-                <a:ea typeface="+mn-ea"/>
-                <a:cs typeface="+mn-cs"/>
-              </a:defRPr>
-            </a:lvl4pPr>
-            <a:lvl5pPr>
-              <a:defRPr>
-                <a:solidFill>
-                  <a:schemeClr val="lt1"/>
-                </a:solidFill>
-                <a:latin typeface="+mn-lt"/>
-                <a:ea typeface="+mn-ea"/>
-                <a:cs typeface="+mn-cs"/>
-              </a:defRPr>
-            </a:lvl5pPr>
-            <a:lvl6pPr>
-              <a:defRPr>
-                <a:solidFill>
-                  <a:schemeClr val="lt1"/>
-                </a:solidFill>
-                <a:latin typeface="+mn-lt"/>
-                <a:ea typeface="+mn-ea"/>
-                <a:cs typeface="+mn-cs"/>
-              </a:defRPr>
-            </a:lvl6pPr>
-            <a:lvl7pPr>
-              <a:defRPr>
-                <a:solidFill>
-                  <a:schemeClr val="lt1"/>
-                </a:solidFill>
-                <a:latin typeface="+mn-lt"/>
-                <a:ea typeface="+mn-ea"/>
-                <a:cs typeface="+mn-cs"/>
-              </a:defRPr>
-            </a:lvl7pPr>
-            <a:lvl8pPr>
-              <a:defRPr>
-                <a:solidFill>
-                  <a:schemeClr val="lt1"/>
-                </a:solidFill>
-                <a:latin typeface="+mn-lt"/>
-                <a:ea typeface="+mn-ea"/>
-                <a:cs typeface="+mn-cs"/>
-              </a:defRPr>
-            </a:lvl8pPr>
-            <a:lvl9pPr>
-              <a:defRPr>
-                <a:solidFill>
-                  <a:schemeClr val="lt1"/>
-                </a:solidFill>
-                <a:latin typeface="+mn-lt"/>
-                <a:ea typeface="+mn-ea"/>
-                <a:cs typeface="+mn-cs"/>
-              </a:defRPr>
-            </a:lvl9pPr>
-          </a:lstStyle>
-          <a:p>
-            <a:r>
-              <a:rPr lang="de-DE" b="1" dirty="0">
-                <a:solidFill>
-                  <a:schemeClr val="tx1"/>
-                </a:solidFill>
-                <a:effectLst>
-                  <a:outerShdw blurRad="50800" dist="38100" dir="2700000" algn="tl" rotWithShape="0">
-                    <a:prstClr val="black">
-                      <a:alpha val="40000"/>
-                    </a:prstClr>
-                  </a:outerShdw>
-                </a:effectLst>
-              </a:rPr>
-              <a:t>      1. Phasen Ergebnisse </a:t>
-            </a:r>
-          </a:p>
-        </p:txBody>
-      </p:sp>
-      <p:sp>
-        <p:nvSpPr>
-          <p:cNvPr id="19" name="Fußzeilenplatzhalter 4">
-            <a:extLst>
-              <a:ext uri="{FF2B5EF4-FFF2-40B4-BE49-F238E27FC236}">
-                <a16:creationId xmlns:a16="http://schemas.microsoft.com/office/drawing/2014/main" id="{8B31CEFD-FFAD-E247-9D34-3BBEEDDB0D45}"/>
-              </a:ext>
-            </a:extLst>
-          </p:cNvPr>
-          <p:cNvSpPr>
-            <a:spLocks noGrp="1"/>
-          </p:cNvSpPr>
-          <p:nvPr>
-            <p:ph type="ftr" sz="quarter" idx="11"/>
-          </p:nvPr>
-        </p:nvSpPr>
-        <p:spPr>
-          <a:xfrm>
-            <a:off x="0" y="6356350"/>
-            <a:ext cx="12192000" cy="365125"/>
-          </a:xfrm>
-          <a:solidFill>
-            <a:schemeClr val="bg2"/>
-          </a:solidFill>
-          <a:ln>
-            <a:solidFill>
-              <a:schemeClr val="tx1"/>
-            </a:solidFill>
-          </a:ln>
-        </p:spPr>
-        <p:style>
-          <a:lnRef idx="0">
-            <a:schemeClr val="accent3"/>
-          </a:lnRef>
-          <a:fillRef idx="3">
-            <a:schemeClr val="accent3"/>
-          </a:fillRef>
-          <a:effectRef idx="3">
-            <a:schemeClr val="accent3"/>
-          </a:effectRef>
-          <a:fontRef idx="minor">
-            <a:schemeClr val="lt1"/>
-          </a:fontRef>
-        </p:style>
-        <p:txBody>
-          <a:bodyPr/>
-          <a:lstStyle/>
-          <a:p>
-            <a:pPr algn="l"/>
-            <a:r>
-              <a:rPr lang="de-DE" dirty="0">
-                <a:solidFill>
-                  <a:schemeClr val="tx1"/>
-                </a:solidFill>
-              </a:rPr>
-              <a:t>          Orkhan Aliev, Tim Groß, Daniel Helmig, Rukiye Devran</a:t>
-            </a:r>
-          </a:p>
-        </p:txBody>
-      </p:sp>
-      <p:sp>
-        <p:nvSpPr>
-          <p:cNvPr id="21" name="Foliennummernplatzhalter 5">
-            <a:extLst>
-              <a:ext uri="{FF2B5EF4-FFF2-40B4-BE49-F238E27FC236}">
-                <a16:creationId xmlns:a16="http://schemas.microsoft.com/office/drawing/2014/main" id="{CA45C947-763C-AD4C-B6CB-90DBA8907858}"/>
-              </a:ext>
-            </a:extLst>
-          </p:cNvPr>
-          <p:cNvSpPr txBox="1">
-            <a:spLocks/>
-          </p:cNvSpPr>
-          <p:nvPr/>
-        </p:nvSpPr>
-        <p:spPr>
-          <a:xfrm>
-            <a:off x="8620547" y="6356350"/>
-            <a:ext cx="2743200" cy="365125"/>
-          </a:xfrm>
-          <a:prstGeom prst="rect">
-            <a:avLst/>
-          </a:prstGeom>
-        </p:spPr>
-        <p:txBody>
-          <a:bodyPr vert="horz" lIns="91440" tIns="45720" rIns="91440" bIns="45720" rtlCol="0" anchor="ctr"/>
-          <a:lstStyle>
-            <a:defPPr>
-              <a:defRPr lang="de-DE"/>
-            </a:defPPr>
-            <a:lvl1pPr marL="0" algn="r" defTabSz="914400" rtl="0" eaLnBrk="1" latinLnBrk="0" hangingPunct="1">
-              <a:defRPr sz="1200" kern="1200">
-                <a:solidFill>
-                  <a:schemeClr val="tx1">
-                    <a:tint val="75000"/>
-                  </a:schemeClr>
-                </a:solidFill>
-                <a:latin typeface="+mn-lt"/>
-                <a:ea typeface="+mn-ea"/>
-                <a:cs typeface="+mn-cs"/>
-              </a:defRPr>
-            </a:lvl1pPr>
-            <a:lvl2pPr marL="457200" algn="l" defTabSz="914400" rtl="0" eaLnBrk="1" latinLnBrk="0" hangingPunct="1">
-              <a:defRPr sz="1800" kern="1200">
-                <a:solidFill>
-                  <a:schemeClr val="tx1"/>
-                </a:solidFill>
-                <a:latin typeface="+mn-lt"/>
-                <a:ea typeface="+mn-ea"/>
-                <a:cs typeface="+mn-cs"/>
-              </a:defRPr>
-            </a:lvl2pPr>
-            <a:lvl3pPr marL="914400" algn="l" defTabSz="914400" rtl="0" eaLnBrk="1" latinLnBrk="0" hangingPunct="1">
-              <a:defRPr sz="1800" kern="1200">
-                <a:solidFill>
-                  <a:schemeClr val="tx1"/>
-                </a:solidFill>
-                <a:latin typeface="+mn-lt"/>
-                <a:ea typeface="+mn-ea"/>
-                <a:cs typeface="+mn-cs"/>
-              </a:defRPr>
-            </a:lvl3pPr>
-            <a:lvl4pPr marL="1371600" algn="l" defTabSz="914400" rtl="0" eaLnBrk="1" latinLnBrk="0" hangingPunct="1">
-              <a:defRPr sz="1800" kern="1200">
-                <a:solidFill>
-                  <a:schemeClr val="tx1"/>
-                </a:solidFill>
-                <a:latin typeface="+mn-lt"/>
-                <a:ea typeface="+mn-ea"/>
-                <a:cs typeface="+mn-cs"/>
-              </a:defRPr>
-            </a:lvl4pPr>
-            <a:lvl5pPr marL="1828800" algn="l" defTabSz="914400" rtl="0" eaLnBrk="1" latinLnBrk="0" hangingPunct="1">
-              <a:defRPr sz="1800" kern="1200">
-                <a:solidFill>
-                  <a:schemeClr val="tx1"/>
-                </a:solidFill>
-                <a:latin typeface="+mn-lt"/>
-                <a:ea typeface="+mn-ea"/>
-                <a:cs typeface="+mn-cs"/>
-              </a:defRPr>
-            </a:lvl5pPr>
-            <a:lvl6pPr marL="2286000" algn="l" defTabSz="914400" rtl="0" eaLnBrk="1" latinLnBrk="0" hangingPunct="1">
-              <a:defRPr sz="1800" kern="1200">
-                <a:solidFill>
-                  <a:schemeClr val="tx1"/>
-                </a:solidFill>
-                <a:latin typeface="+mn-lt"/>
-                <a:ea typeface="+mn-ea"/>
-                <a:cs typeface="+mn-cs"/>
-              </a:defRPr>
-            </a:lvl6pPr>
-            <a:lvl7pPr marL="2743200" algn="l" defTabSz="914400" rtl="0" eaLnBrk="1" latinLnBrk="0" hangingPunct="1">
-              <a:defRPr sz="1800" kern="1200">
-                <a:solidFill>
-                  <a:schemeClr val="tx1"/>
-                </a:solidFill>
-                <a:latin typeface="+mn-lt"/>
-                <a:ea typeface="+mn-ea"/>
-                <a:cs typeface="+mn-cs"/>
-              </a:defRPr>
-            </a:lvl7pPr>
-            <a:lvl8pPr marL="3200400" algn="l" defTabSz="914400" rtl="0" eaLnBrk="1" latinLnBrk="0" hangingPunct="1">
-              <a:defRPr sz="1800" kern="1200">
-                <a:solidFill>
-                  <a:schemeClr val="tx1"/>
-                </a:solidFill>
-                <a:latin typeface="+mn-lt"/>
-                <a:ea typeface="+mn-ea"/>
-                <a:cs typeface="+mn-cs"/>
-              </a:defRPr>
-            </a:lvl8pPr>
-            <a:lvl9pPr marL="3657600" algn="l" defTabSz="914400" rtl="0" eaLnBrk="1" latinLnBrk="0" hangingPunct="1">
-              <a:defRPr sz="1800" kern="1200">
-                <a:solidFill>
-                  <a:schemeClr val="tx1"/>
-                </a:solidFill>
-                <a:latin typeface="+mn-lt"/>
-                <a:ea typeface="+mn-ea"/>
-                <a:cs typeface="+mn-cs"/>
-              </a:defRPr>
-            </a:lvl9pPr>
-          </a:lstStyle>
-          <a:p>
-            <a:r>
-              <a:rPr lang="de-DE" dirty="0"/>
-              <a:t>3</a:t>
-            </a:r>
-          </a:p>
-        </p:txBody>
-      </p:sp>
-      <p:pic>
-        <p:nvPicPr>
-          <p:cNvPr id="17" name="Inhaltsplatzhalter 4">
-            <a:extLst>
-              <a:ext uri="{FF2B5EF4-FFF2-40B4-BE49-F238E27FC236}">
-                <a16:creationId xmlns:a16="http://schemas.microsoft.com/office/drawing/2014/main" id="{1045912C-E1A7-1C4E-BC7B-7E37C3F16D22}"/>
-              </a:ext>
-            </a:extLst>
-          </p:cNvPr>
-          <p:cNvPicPr>
-            <a:picLocks noChangeAspect="1"/>
-          </p:cNvPicPr>
-          <p:nvPr/>
-        </p:nvPicPr>
-        <p:blipFill>
-          <a:blip r:embed="rId3">
-            <a:extLst>
-              <a:ext uri="{BEBA8EAE-BF5A-486C-A8C5-ECC9F3942E4B}">
-                <a14:imgProps xmlns:a14="http://schemas.microsoft.com/office/drawing/2010/main">
-                  <a14:imgLayer>
-                    <a14:imgEffect>
-                      <a14:backgroundRemoval t="10000" b="90000" l="10000" r="90000">
-                        <a14:foregroundMark x1="25333" y1="28623" x2="29667" y2="50362"/>
-                        <a14:foregroundMark x1="19000" y1="15942" x2="15667" y2="51449"/>
-                        <a14:foregroundMark x1="15667" y1="51449" x2="27000" y2="84420"/>
-                        <a14:foregroundMark x1="27000" y1="84420" x2="58667" y2="84783"/>
-                        <a14:foregroundMark x1="58667" y1="84783" x2="80333" y2="57971"/>
-                        <a14:foregroundMark x1="80333" y1="57971" x2="80667" y2="23551"/>
-                        <a14:foregroundMark x1="80667" y1="23551" x2="50000" y2="13768"/>
-                        <a14:foregroundMark x1="50000" y1="13768" x2="18333" y2="16667"/>
-                        <a14:backgroundMark x1="3000" y1="10145" x2="3667" y2="59058"/>
-                        <a14:backgroundMark x1="3667" y1="59058" x2="18000" y2="90580"/>
-                        <a14:backgroundMark x1="18000" y1="90580" x2="50667" y2="91304"/>
-                        <a14:backgroundMark x1="50667" y1="91304" x2="82667" y2="86957"/>
-                        <a14:backgroundMark x1="82667" y1="86957" x2="83333" y2="82246"/>
-                        <a14:backgroundMark x1="13667" y1="10145" x2="46333" y2="7246"/>
-                        <a14:backgroundMark x1="46333" y1="7246" x2="79333" y2="7609"/>
-                        <a14:backgroundMark x1="79333" y1="7609" x2="95333" y2="41304"/>
-                        <a14:backgroundMark x1="95333" y1="41304" x2="93667" y2="78623"/>
-                        <a14:backgroundMark x1="93667" y1="78623" x2="65000" y2="98913"/>
-                        <a14:backgroundMark x1="65000" y1="98913" x2="14333" y2="99275"/>
-                        <a14:backgroundMark x1="14333" y1="99275" x2="5333" y2="65217"/>
-                        <a14:backgroundMark x1="5333" y1="65217" x2="5333" y2="30435"/>
-                        <a14:backgroundMark x1="5333" y1="30435" x2="13000" y2="10870"/>
-                        <a14:backgroundMark x1="0" y1="65942" x2="0" y2="65942"/>
-                      </a14:backgroundRemoval>
-                    </a14:imgEffect>
-                    <a14:imgEffect>
-                      <a14:sharpenSoften amount="50000"/>
-                    </a14:imgEffect>
-                    <a14:imgEffect>
-                      <a14:colorTemperature colorTemp="11200"/>
-                    </a14:imgEffect>
-                    <a14:imgEffect>
-                      <a14:saturation sat="0"/>
-                    </a14:imgEffect>
-                    <a14:imgEffect>
-                      <a14:brightnessContrast contrast="20000"/>
-                    </a14:imgEffect>
-                  </a14:imgLayer>
-                </a14:imgProps>
-              </a:ext>
-            </a:extLst>
-          </a:blip>
-          <a:stretch>
-            <a:fillRect/>
-          </a:stretch>
-        </p:blipFill>
-        <p:spPr>
-          <a:xfrm>
-            <a:off x="10687711" y="-110171"/>
-            <a:ext cx="1504289" cy="1383945"/>
-          </a:xfrm>
-          <a:prstGeom prst="rect">
-            <a:avLst/>
-          </a:prstGeom>
-          <a:effectLst>
-            <a:glow rad="101600">
-              <a:schemeClr val="bg2">
-                <a:lumMod val="50000"/>
-                <a:alpha val="60000"/>
-              </a:schemeClr>
-            </a:glow>
-            <a:outerShdw blurRad="50800" dist="38100" dir="2700000" algn="tl" rotWithShape="0">
-              <a:prstClr val="black">
-                <a:alpha val="40000"/>
-              </a:prstClr>
-            </a:outerShdw>
-          </a:effectLst>
-        </p:spPr>
-      </p:pic>
-    </p:spTree>
-    <p:extLst>
-      <p:ext uri="{BB962C8B-B14F-4D97-AF65-F5344CB8AC3E}">
-        <p14:creationId xmlns:p14="http://schemas.microsoft.com/office/powerpoint/2010/main" val="368741909"/>
-      </p:ext>
-    </p:extLst>
-  </p:cSld>
-  <p:clrMapOvr>
-    <a:masterClrMapping/>
-  </p:clrMapOvr>
-</p:sld>
-</file>
-
-<file path=ppt/slides/slide4.xml><?xml version="1.0" encoding="utf-8"?>
-<p:sld xmlns:a="http://schemas.openxmlformats.org/drawingml/2006/main" xmlns:r="http://schemas.openxmlformats.org/officeDocument/2006/relationships" xmlns:p="http://schemas.openxmlformats.org/presentationml/2006/main">
-  <p:cSld>
-    <p:spTree>
-      <p:nvGrpSpPr>
-        <p:cNvPr id="1" name=""/>
-        <p:cNvGrpSpPr/>
-        <p:nvPr/>
-      </p:nvGrpSpPr>
-      <p:grpSpPr>
-        <a:xfrm>
-          <a:off x="0" y="0"/>
-          <a:ext cx="0" cy="0"/>
-          <a:chOff x="0" y="0"/>
-          <a:chExt cx="0" cy="0"/>
-        </a:xfrm>
-      </p:grpSpPr>
-      <p:pic>
-        <p:nvPicPr>
           <p:cNvPr id="7" name="Grafik 6">
             <a:extLst>
               <a:ext uri="{FF2B5EF4-FFF2-40B4-BE49-F238E27FC236}">
@@ -9877,7 +8280,7 @@
           <a:p>
             <a:fld id="{78776B16-91FB-9448-9CB1-FBF57F5ADB35}" type="slidenum">
               <a:rPr lang="de-DE" smtClean="0"/>
-              <a:t>4</a:t>
+              <a:t>3</a:t>
             </a:fld>
             <a:endParaRPr lang="de-DE"/>
           </a:p>
@@ -10331,6 +8734,119 @@
           </a:effectLst>
         </p:spPr>
       </p:pic>
+      <p:pic>
+        <p:nvPicPr>
+          <p:cNvPr id="4" name="Grafik 3">
+            <a:extLst>
+              <a:ext uri="{FF2B5EF4-FFF2-40B4-BE49-F238E27FC236}">
+                <a16:creationId xmlns:a16="http://schemas.microsoft.com/office/drawing/2014/main" id="{BF27A060-0FF8-3B45-A188-CE32A76C8146}"/>
+              </a:ext>
+            </a:extLst>
+          </p:cNvPr>
+          <p:cNvPicPr>
+            <a:picLocks noChangeAspect="1"/>
+          </p:cNvPicPr>
+          <p:nvPr/>
+        </p:nvPicPr>
+        <p:blipFill>
+          <a:blip r:embed="rId4">
+            <a:extLst>
+              <a:ext uri="{BEBA8EAE-BF5A-486C-A8C5-ECC9F3942E4B}">
+                <a14:imgProps xmlns:a14="http://schemas.microsoft.com/office/drawing/2010/main">
+                  <a14:imgLayer r:embed="rId5">
+                    <a14:imgEffect>
+                      <a14:backgroundRemoval t="4111" b="96889" l="1667" r="98556">
+                        <a14:foregroundMark x1="35333" y1="39778" x2="33222" y2="48556"/>
+                        <a14:foregroundMark x1="35556" y1="44222" x2="34333" y2="62333"/>
+                        <a14:foregroundMark x1="34333" y1="62333" x2="48778" y2="67444"/>
+                        <a14:foregroundMark x1="48778" y1="67444" x2="57333" y2="66667"/>
+                        <a14:foregroundMark x1="57333" y1="66667" x2="63778" y2="62111"/>
+                        <a14:foregroundMark x1="63778" y1="62111" x2="66444" y2="54556"/>
+                        <a14:foregroundMark x1="66444" y1="54556" x2="66556" y2="47333"/>
+                        <a14:foregroundMark x1="66556" y1="47333" x2="62111" y2="41444"/>
+                        <a14:foregroundMark x1="62111" y1="41444" x2="55556" y2="36778"/>
+                        <a14:foregroundMark x1="55556" y1="36778" x2="48333" y2="35333"/>
+                        <a14:foregroundMark x1="48333" y1="35333" x2="41333" y2="37667"/>
+                        <a14:foregroundMark x1="41333" y1="37667" x2="33000" y2="47000"/>
+                        <a14:foregroundMark x1="12889" y1="31444" x2="10111" y2="38111"/>
+                        <a14:foregroundMark x1="10111" y1="38111" x2="4889" y2="42889"/>
+                        <a14:foregroundMark x1="4889" y1="42889" x2="3778" y2="50000"/>
+                        <a14:foregroundMark x1="3778" y1="50000" x2="6778" y2="56333"/>
+                        <a14:foregroundMark x1="6778" y1="56333" x2="11111" y2="60111"/>
+                        <a14:foregroundMark x1="1667" y1="46222" x2="1667" y2="53778"/>
+                        <a14:foregroundMark x1="1667" y1="53778" x2="12444" y2="64333"/>
+                        <a14:foregroundMark x1="12444" y1="64333" x2="14000" y2="78556"/>
+                        <a14:foregroundMark x1="14000" y1="78556" x2="19667" y2="83556"/>
+                        <a14:foregroundMark x1="19667" y1="83556" x2="26556" y2="86667"/>
+                        <a14:foregroundMark x1="26556" y1="86667" x2="30889" y2="86000"/>
+                        <a14:foregroundMark x1="30667" y1="85222" x2="46556" y2="96222"/>
+                        <a14:foregroundMark x1="46556" y1="96222" x2="53556" y2="96889"/>
+                        <a14:foregroundMark x1="53556" y1="96889" x2="68556" y2="86556"/>
+                        <a14:foregroundMark x1="69667" y1="83667" x2="76444" y2="86778"/>
+                        <a14:foregroundMark x1="76444" y1="86778" x2="83889" y2="83667"/>
+                        <a14:foregroundMark x1="83889" y1="83667" x2="87333" y2="77222"/>
+                        <a14:foregroundMark x1="87333" y1="77222" x2="86111" y2="70333"/>
+                        <a14:foregroundMark x1="86111" y1="70333" x2="86333" y2="69556"/>
+                        <a14:foregroundMark x1="85778" y1="68778" x2="88333" y2="61889"/>
+                        <a14:foregroundMark x1="88333" y1="61889" x2="94889" y2="58444"/>
+                        <a14:foregroundMark x1="94889" y1="58444" x2="97222" y2="49667"/>
+                        <a14:foregroundMark x1="97222" y1="49667" x2="94333" y2="42444"/>
+                        <a14:foregroundMark x1="94333" y1="42444" x2="87222" y2="37667"/>
+                        <a14:foregroundMark x1="87222" y1="37667" x2="85222" y2="31000"/>
+                        <a14:foregroundMark x1="85222" y1="31000" x2="86556" y2="27222"/>
+                        <a14:foregroundMark x1="86667" y1="25111" x2="84000" y2="18000"/>
+                        <a14:foregroundMark x1="84000" y1="18000" x2="78222" y2="12778"/>
+                        <a14:foregroundMark x1="78222" y1="12778" x2="71222" y2="14000"/>
+                        <a14:foregroundMark x1="71222" y1="14000" x2="63667" y2="12111"/>
+                        <a14:foregroundMark x1="63667" y1="12111" x2="59667" y2="5222"/>
+                        <a14:foregroundMark x1="59667" y1="5222" x2="52778" y2="3333"/>
+                        <a14:foregroundMark x1="52778" y1="3333" x2="45778" y2="4222"/>
+                        <a14:foregroundMark x1="45778" y1="4222" x2="34778" y2="13667"/>
+                        <a14:foregroundMark x1="34778" y1="13667" x2="18889" y2="12556"/>
+                        <a14:foregroundMark x1="18889" y1="12556" x2="16333" y2="19111"/>
+                        <a14:foregroundMark x1="16648" y1="26137" x2="16667" y2="26556"/>
+                        <a14:foregroundMark x1="16333" y1="19111" x2="16479" y2="22377"/>
+                        <a14:foregroundMark x1="16667" y1="26556" x2="14778" y2="33556"/>
+                        <a14:foregroundMark x1="14778" y1="33556" x2="14667" y2="33667"/>
+                        <a14:foregroundMark x1="97000" y1="42889" x2="98556" y2="53333"/>
+                        <a14:foregroundMark x1="16778" y1="20778" x2="14222" y2="24444"/>
+                        <a14:foregroundMark x1="35556" y1="36889" x2="37333" y2="35667"/>
+                        <a14:backgroundMark x1="49778" y1="52778" x2="49778" y2="52778"/>
+                        <a14:backgroundMark x1="45778" y1="42333" x2="45778" y2="42333"/>
+                        <a14:backgroundMark x1="16556" y1="25333" x2="17000" y2="24000"/>
+                        <a14:backgroundMark x1="49444" y1="46444" x2="49444" y2="46444"/>
+                        <a14:backgroundMark x1="36073" y1="35765" x2="16444" y2="24778"/>
+                      </a14:backgroundRemoval>
+                    </a14:imgEffect>
+                  </a14:imgLayer>
+                </a14:imgProps>
+              </a:ext>
+            </a:extLst>
+          </a:blip>
+          <a:stretch>
+            <a:fillRect/>
+          </a:stretch>
+        </p:blipFill>
+        <p:spPr>
+          <a:xfrm>
+            <a:off x="2804160" y="2057400"/>
+            <a:ext cx="579120" cy="579120"/>
+          </a:xfrm>
+          <a:prstGeom prst="rect">
+            <a:avLst/>
+          </a:prstGeom>
+          <a:ln>
+            <a:noFill/>
+          </a:ln>
+          <a:effectLst>
+            <a:outerShdw blurRad="292100" dist="139700" dir="2700000" algn="tl" rotWithShape="0">
+              <a:srgbClr val="333333">
+                <a:alpha val="65000"/>
+              </a:srgbClr>
+            </a:outerShdw>
+          </a:effectLst>
+        </p:spPr>
+      </p:pic>
     </p:spTree>
     <p:extLst>
       <p:ext uri="{BB962C8B-B14F-4D97-AF65-F5344CB8AC3E}">
@@ -10344,7 +8860,7 @@
 </p:sld>
 </file>
 
-<file path=ppt/slides/slide5.xml><?xml version="1.0" encoding="utf-8"?>
+<file path=ppt/slides/slide4.xml><?xml version="1.0" encoding="utf-8"?>
 <p:sld xmlns:a="http://schemas.openxmlformats.org/drawingml/2006/main" xmlns:r="http://schemas.openxmlformats.org/officeDocument/2006/relationships" xmlns:p="http://schemas.openxmlformats.org/presentationml/2006/main">
   <p:cSld>
     <p:spTree>
@@ -10430,7 +8946,7 @@
           <a:p>
             <a:fld id="{78776B16-91FB-9448-9CB1-FBF57F5ADB35}" type="slidenum">
               <a:rPr lang="de-DE" smtClean="0"/>
-              <a:t>5</a:t>
+              <a:t>4</a:t>
             </a:fld>
             <a:endParaRPr lang="de-DE"/>
           </a:p>
@@ -11013,7 +9529,7 @@
 </p:sld>
 </file>
 
-<file path=ppt/slides/slide6.xml><?xml version="1.0" encoding="utf-8"?>
+<file path=ppt/slides/slide5.xml><?xml version="1.0" encoding="utf-8"?>
 <p:sld xmlns:a="http://schemas.openxmlformats.org/drawingml/2006/main" xmlns:r="http://schemas.openxmlformats.org/officeDocument/2006/relationships" xmlns:p="http://schemas.openxmlformats.org/presentationml/2006/main">
   <p:cSld>
     <p:spTree>
@@ -11099,7 +9615,7 @@
           <a:p>
             <a:fld id="{78776B16-91FB-9448-9CB1-FBF57F5ADB35}" type="slidenum">
               <a:rPr lang="de-DE" smtClean="0"/>
-              <a:t>6</a:t>
+              <a:t>5</a:t>
             </a:fld>
             <a:endParaRPr lang="de-DE"/>
           </a:p>
@@ -11438,8 +9954,8 @@
         </p:blipFill>
         <p:spPr>
           <a:xfrm>
-            <a:off x="3909346" y="1163604"/>
-            <a:ext cx="6472611" cy="5077731"/>
+            <a:off x="3931117" y="1163605"/>
+            <a:ext cx="6658622" cy="5223655"/>
           </a:xfrm>
           <a:ln w="28575">
             <a:solidFill>
@@ -11682,7 +10198,7 @@
 </p:sld>
 </file>
 
-<file path=ppt/slides/slide7.xml><?xml version="1.0" encoding="utf-8"?>
+<file path=ppt/slides/slide6.xml><?xml version="1.0" encoding="utf-8"?>
 <p:sld xmlns:a="http://schemas.openxmlformats.org/drawingml/2006/main" xmlns:r="http://schemas.openxmlformats.org/officeDocument/2006/relationships" xmlns:p="http://schemas.openxmlformats.org/presentationml/2006/main">
   <p:cSld>
     <p:spTree>
@@ -11850,7 +10366,7 @@
           <a:p>
             <a:fld id="{78776B16-91FB-9448-9CB1-FBF57F5ADB35}" type="slidenum">
               <a:rPr lang="de-DE" smtClean="0"/>
-              <a:t>7</a:t>
+              <a:t>6</a:t>
             </a:fld>
             <a:endParaRPr lang="de-DE"/>
           </a:p>
@@ -12344,7 +10860,7 @@
 </p:sld>
 </file>
 
-<file path=ppt/slides/slide8.xml><?xml version="1.0" encoding="utf-8"?>
+<file path=ppt/slides/slide7.xml><?xml version="1.0" encoding="utf-8"?>
 <p:sld xmlns:a="http://schemas.openxmlformats.org/drawingml/2006/main" xmlns:r="http://schemas.openxmlformats.org/officeDocument/2006/relationships" xmlns:p="http://schemas.openxmlformats.org/presentationml/2006/main">
   <p:cSld>
     <p:spTree>
@@ -12399,7 +10915,7 @@
         </p:blipFill>
         <p:spPr>
           <a:xfrm>
-            <a:off x="0" y="0"/>
+            <a:off x="0" y="-1794"/>
             <a:ext cx="12192000" cy="6858000"/>
           </a:xfrm>
           <a:prstGeom prst="rect">
@@ -12451,20 +10967,36 @@
               <a:rPr lang="de-DE" sz="2800" b="1" u="sng" dirty="0"/>
               <a:t>Verwendete Tools</a:t>
             </a:r>
-            <a:endParaRPr lang="de-DE" sz="2800" u="sng" dirty="0"/>
-          </a:p>
-          <a:p>
-            <a:pPr lvl="1"/>
+          </a:p>
+          <a:p>
+            <a:pPr marL="457200" lvl="1" indent="0">
+              <a:buNone/>
+            </a:pPr>
+            <a:endParaRPr lang="de-DE" sz="2800" b="1" u="sng" dirty="0"/>
+          </a:p>
+          <a:p>
+            <a:pPr marL="457200" lvl="1" indent="0">
+              <a:buNone/>
+            </a:pPr>
             <a:r>
               <a:rPr lang="de-DE" sz="2800" dirty="0"/>
-              <a:t>Sprache: Java</a:t>
+              <a:t>Bibliotheken: </a:t>
             </a:r>
-          </a:p>
-          <a:p>
-            <a:pPr lvl="1"/>
+            <a:br>
+              <a:rPr lang="de-DE" sz="2800" dirty="0"/>
+            </a:br>
             <a:r>
               <a:rPr lang="de-DE" sz="2800" dirty="0"/>
-              <a:t>Bibliotheken: Websocket, </a:t>
+              <a:t>- Websocket</a:t>
+            </a:r>
+          </a:p>
+          <a:p>
+            <a:pPr marL="457200" lvl="1" indent="0">
+              <a:buNone/>
+            </a:pPr>
+            <a:r>
+              <a:rPr lang="de-DE" sz="2800" dirty="0"/>
+              <a:t>- </a:t>
             </a:r>
             <a:r>
               <a:rPr lang="de-DE" sz="2800" dirty="0" err="1"/>
@@ -12473,18 +11005,10 @@
             <a:endParaRPr lang="de-DE" sz="2800" dirty="0"/>
           </a:p>
           <a:p>
-            <a:pPr lvl="1"/>
-            <a:r>
-              <a:rPr lang="de-DE" sz="2800" dirty="0"/>
-              <a:t>Spring</a:t>
-            </a:r>
-          </a:p>
-          <a:p>
-            <a:pPr lvl="1"/>
-            <a:r>
-              <a:rPr lang="de-DE" sz="2800" dirty="0"/>
-              <a:t>....</a:t>
-            </a:r>
+            <a:pPr marL="457200" lvl="1" indent="0">
+              <a:buNone/>
+            </a:pPr>
+            <a:endParaRPr lang="de-DE" sz="2800" dirty="0"/>
           </a:p>
         </p:txBody>
       </p:sp>
@@ -12511,7 +11035,7 @@
           <a:p>
             <a:fld id="{78776B16-91FB-9448-9CB1-FBF57F5ADB35}" type="slidenum">
               <a:rPr lang="de-DE" smtClean="0"/>
-              <a:t>8</a:t>
+              <a:t>7</a:t>
             </a:fld>
             <a:endParaRPr lang="de-DE"/>
           </a:p>
@@ -12992,6 +11516,182 @@
           </a:effectLst>
         </p:spPr>
       </p:pic>
+      <p:pic>
+        <p:nvPicPr>
+          <p:cNvPr id="4" name="Grafik 3">
+            <a:extLst>
+              <a:ext uri="{FF2B5EF4-FFF2-40B4-BE49-F238E27FC236}">
+                <a16:creationId xmlns:a16="http://schemas.microsoft.com/office/drawing/2014/main" id="{08A58ADA-0B6D-8C48-AE0C-83C8E5FFD137}"/>
+              </a:ext>
+            </a:extLst>
+          </p:cNvPr>
+          <p:cNvPicPr>
+            <a:picLocks noChangeAspect="1"/>
+          </p:cNvPicPr>
+          <p:nvPr/>
+        </p:nvPicPr>
+        <p:blipFill>
+          <a:blip r:embed="rId4">
+            <a:extLst>
+              <a:ext uri="{BEBA8EAE-BF5A-486C-A8C5-ECC9F3942E4B}">
+                <a14:imgProps xmlns:a14="http://schemas.microsoft.com/office/drawing/2010/main">
+                  <a14:imgLayer>
+                    <a14:imgEffect>
+                      <a14:backgroundRemoval t="10000" b="90000" l="10000" r="90000">
+                        <a14:foregroundMark x1="23825" y1="55079" x2="24206" y2="82667"/>
+                        <a14:foregroundMark x1="43254" y1="54000" x2="43254" y2="73333"/>
+                        <a14:foregroundMark x1="52513" y1="58667" x2="53175" y2="75333"/>
+                        <a14:foregroundMark x1="52407" y1="56000" x2="52513" y2="58667"/>
+                        <a14:foregroundMark x1="52381" y1="55333" x2="52407" y2="56000"/>
+                        <a14:foregroundMark x1="53175" y1="44000" x2="53175" y2="44000"/>
+                        <a14:foregroundMark x1="58730" y1="55333" x2="58730" y2="75333"/>
+                        <a14:foregroundMark x1="76000" y1="72667" x2="75000" y2="74000"/>
+                        <a14:foregroundMark x1="76501" y1="72000" x2="76000" y2="72667"/>
+                        <a14:foregroundMark x1="77002" y1="71333" x2="76501" y2="72000"/>
+                        <a14:foregroundMark x1="78703" y1="69066" x2="77002" y2="71333"/>
+                        <a14:foregroundMark x1="86508" y1="58667" x2="86389" y2="58825"/>
+                        <a14:foregroundMark x1="11111" y1="58000" x2="10714" y2="59333"/>
+                        <a14:foregroundMark x1="75794" y1="72667" x2="75397" y2="72000"/>
+                        <a14:foregroundMark x1="76587" y1="74000" x2="75794" y2="72667"/>
+                        <a14:foregroundMark x1="76984" y1="74667" x2="76587" y2="74000"/>
+                        <a14:foregroundMark x1="75000" y1="72667" x2="75794" y2="74000"/>
+                        <a14:foregroundMark x1="74603" y1="72000" x2="75000" y2="72667"/>
+                        <a14:foregroundMark x1="74206" y1="71333" x2="74603" y2="72000"/>
+                        <a14:backgroundMark x1="80159" y1="61333" x2="80159" y2="61333"/>
+                        <a14:backgroundMark x1="82143" y1="67333" x2="82143" y2="67333"/>
+                        <a14:backgroundMark x1="80952" y1="65333" x2="80952" y2="65333"/>
+                        <a14:backgroundMark x1="80289" y1="65632" x2="82937" y2="62667"/>
+                        <a14:backgroundMark x1="84127" y1="64667" x2="82540" y2="60667"/>
+                        <a14:backgroundMark x1="83333" y1="60667" x2="84524" y2="66000"/>
+                        <a14:backgroundMark x1="794" y1="59333" x2="794" y2="59333"/>
+                        <a14:backgroundMark x1="16667" y1="59333" x2="18254" y2="60000"/>
+                        <a14:backgroundMark x1="17063" y1="59333" x2="18651" y2="60000"/>
+                        <a14:backgroundMark x1="12698" y1="69333" x2="9127" y2="68000"/>
+                        <a14:backgroundMark x1="14286" y1="69333" x2="11111" y2="67333"/>
+                        <a14:backgroundMark x1="14286" y1="67333" x2="11508" y2="66667"/>
+                        <a14:backgroundMark x1="18651" y1="58667" x2="20238" y2="60667"/>
+                        <a14:backgroundMark x1="74603" y1="78000" x2="73921" y2="76471"/>
+                        <a14:backgroundMark x1="75000" y1="77333" x2="74238" y2="76053"/>
+                        <a14:backgroundMark x1="51190" y1="56000" x2="51190" y2="56000"/>
+                        <a14:backgroundMark x1="50794" y1="58667" x2="50794" y2="58667"/>
+                        <a14:backgroundMark x1="73810" y1="75333" x2="73016" y2="73333"/>
+                        <a14:backgroundMark x1="75000" y1="74667" x2="75000" y2="74667"/>
+                        <a14:backgroundMark x1="73810" y1="72667" x2="73810" y2="72667"/>
+                        <a14:backgroundMark x1="73810" y1="72000" x2="73810" y2="72000"/>
+                        <a14:backgroundMark x1="73413" y1="71333" x2="73413" y2="71333"/>
+                        <a14:backgroundMark x1="74603" y1="74000" x2="74603" y2="74000"/>
+                        <a14:backgroundMark x1="76190" y1="75333" x2="76190" y2="75333"/>
+                      </a14:backgroundRemoval>
+                    </a14:imgEffect>
+                  </a14:imgLayer>
+                </a14:imgProps>
+              </a:ext>
+            </a:extLst>
+          </a:blip>
+          <a:stretch>
+            <a:fillRect/>
+          </a:stretch>
+        </p:blipFill>
+        <p:spPr>
+          <a:xfrm>
+            <a:off x="9992147" y="3906495"/>
+            <a:ext cx="1600200" cy="952500"/>
+          </a:xfrm>
+          <a:prstGeom prst="rect">
+            <a:avLst/>
+          </a:prstGeom>
+          <a:ln>
+            <a:noFill/>
+          </a:ln>
+          <a:effectLst>
+            <a:outerShdw blurRad="292100" dist="139700" dir="2700000" algn="tl" rotWithShape="0">
+              <a:srgbClr val="333333">
+                <a:alpha val="65000"/>
+              </a:srgbClr>
+            </a:outerShdw>
+          </a:effectLst>
+        </p:spPr>
+      </p:pic>
+      <p:pic>
+        <p:nvPicPr>
+          <p:cNvPr id="7" name="Grafik 6">
+            <a:extLst>
+              <a:ext uri="{FF2B5EF4-FFF2-40B4-BE49-F238E27FC236}">
+                <a16:creationId xmlns:a16="http://schemas.microsoft.com/office/drawing/2014/main" id="{A55815C9-F570-4947-8CE7-33D6015975BE}"/>
+              </a:ext>
+            </a:extLst>
+          </p:cNvPr>
+          <p:cNvPicPr>
+            <a:picLocks noChangeAspect="1"/>
+          </p:cNvPicPr>
+          <p:nvPr/>
+        </p:nvPicPr>
+        <p:blipFill>
+          <a:blip r:embed="rId5"/>
+          <a:stretch>
+            <a:fillRect/>
+          </a:stretch>
+        </p:blipFill>
+        <p:spPr>
+          <a:xfrm>
+            <a:off x="7898857" y="1945568"/>
+            <a:ext cx="1130729" cy="2140847"/>
+          </a:xfrm>
+          <a:prstGeom prst="rect">
+            <a:avLst/>
+          </a:prstGeom>
+          <a:ln>
+            <a:noFill/>
+          </a:ln>
+          <a:effectLst>
+            <a:outerShdw blurRad="292100" dist="139700" dir="2700000" algn="tl" rotWithShape="0">
+              <a:srgbClr val="333333">
+                <a:alpha val="65000"/>
+              </a:srgbClr>
+            </a:outerShdw>
+          </a:effectLst>
+        </p:spPr>
+      </p:pic>
+      <p:pic>
+        <p:nvPicPr>
+          <p:cNvPr id="14" name="Grafik 13">
+            <a:extLst>
+              <a:ext uri="{FF2B5EF4-FFF2-40B4-BE49-F238E27FC236}">
+                <a16:creationId xmlns:a16="http://schemas.microsoft.com/office/drawing/2014/main" id="{7448D3D4-2797-CC4D-B1A4-7626CB4DEB87}"/>
+              </a:ext>
+            </a:extLst>
+          </p:cNvPr>
+          <p:cNvPicPr>
+            <a:picLocks noChangeAspect="1"/>
+          </p:cNvPicPr>
+          <p:nvPr/>
+        </p:nvPicPr>
+        <p:blipFill>
+          <a:blip r:embed="rId6"/>
+          <a:stretch>
+            <a:fillRect/>
+          </a:stretch>
+        </p:blipFill>
+        <p:spPr>
+          <a:xfrm>
+            <a:off x="3545396" y="3069145"/>
+            <a:ext cx="3390900" cy="2034540"/>
+          </a:xfrm>
+          <a:prstGeom prst="rect">
+            <a:avLst/>
+          </a:prstGeom>
+          <a:ln>
+            <a:noFill/>
+          </a:ln>
+          <a:effectLst>
+            <a:outerShdw blurRad="292100" dist="139700" dir="2700000" algn="tl" rotWithShape="0">
+              <a:srgbClr val="333333">
+                <a:alpha val="65000"/>
+              </a:srgbClr>
+            </a:outerShdw>
+          </a:effectLst>
+        </p:spPr>
+      </p:pic>
     </p:spTree>
     <p:extLst>
       <p:ext uri="{BB962C8B-B14F-4D97-AF65-F5344CB8AC3E}">
@@ -13005,7 +11705,7 @@
 </p:sld>
 </file>
 
-<file path=ppt/slides/slide9.xml><?xml version="1.0" encoding="utf-8"?>
+<file path=ppt/slides/slide8.xml><?xml version="1.0" encoding="utf-8"?>
 <p:sld xmlns:a="http://schemas.openxmlformats.org/drawingml/2006/main" xmlns:r="http://schemas.openxmlformats.org/officeDocument/2006/relationships" xmlns:p="http://schemas.openxmlformats.org/presentationml/2006/main">
   <p:cSld>
     <p:spTree>
@@ -13156,7 +11856,7 @@
           <a:p>
             <a:fld id="{78776B16-91FB-9448-9CB1-FBF57F5ADB35}" type="slidenum">
               <a:rPr lang="de-DE" smtClean="0"/>
-              <a:t>9</a:t>
+              <a:t>8</a:t>
             </a:fld>
             <a:endParaRPr lang="de-DE"/>
           </a:p>
@@ -13641,6 +12341,776 @@
     <p:extLst>
       <p:ext uri="{BB962C8B-B14F-4D97-AF65-F5344CB8AC3E}">
         <p14:creationId xmlns:p14="http://schemas.microsoft.com/office/powerpoint/2010/main" val="4292364413"/>
+      </p:ext>
+    </p:extLst>
+  </p:cSld>
+  <p:clrMapOvr>
+    <a:masterClrMapping/>
+  </p:clrMapOvr>
+</p:sld>
+</file>
+
+<file path=ppt/slides/slide9.xml><?xml version="1.0" encoding="utf-8"?>
+<p:sld xmlns:a="http://schemas.openxmlformats.org/drawingml/2006/main" xmlns:r="http://schemas.openxmlformats.org/officeDocument/2006/relationships" xmlns:p="http://schemas.openxmlformats.org/presentationml/2006/main">
+  <p:cSld>
+    <p:spTree>
+      <p:nvGrpSpPr>
+        <p:cNvPr id="1" name=""/>
+        <p:cNvGrpSpPr/>
+        <p:nvPr/>
+      </p:nvGrpSpPr>
+      <p:grpSpPr>
+        <a:xfrm>
+          <a:off x="0" y="0"/>
+          <a:ext cx="0" cy="0"/>
+          <a:chOff x="0" y="0"/>
+          <a:chExt cx="0" cy="0"/>
+        </a:xfrm>
+      </p:grpSpPr>
+      <p:pic>
+        <p:nvPicPr>
+          <p:cNvPr id="8" name="Grafik 7">
+            <a:extLst>
+              <a:ext uri="{FF2B5EF4-FFF2-40B4-BE49-F238E27FC236}">
+                <a16:creationId xmlns:a16="http://schemas.microsoft.com/office/drawing/2014/main" id="{8D3CA7FB-C623-9944-8554-489B3CF0D331}"/>
+              </a:ext>
+            </a:extLst>
+          </p:cNvPr>
+          <p:cNvPicPr>
+            <a:picLocks noChangeAspect="1"/>
+          </p:cNvPicPr>
+          <p:nvPr/>
+        </p:nvPicPr>
+        <p:blipFill>
+          <a:blip r:embed="rId2">
+            <a:alphaModFix amt="70000"/>
+            <a:extLst>
+              <a:ext uri="{BEBA8EAE-BF5A-486C-A8C5-ECC9F3942E4B}">
+                <a14:imgProps xmlns:a14="http://schemas.microsoft.com/office/drawing/2010/main">
+                  <a14:imgLayer>
+                    <a14:imgEffect>
+                      <a14:sharpenSoften amount="50000"/>
+                    </a14:imgEffect>
+                    <a14:imgEffect>
+                      <a14:brightnessContrast bright="20000"/>
+                    </a14:imgEffect>
+                  </a14:imgLayer>
+                </a14:imgProps>
+              </a:ext>
+            </a:extLst>
+          </a:blip>
+          <a:stretch>
+            <a:fillRect/>
+          </a:stretch>
+        </p:blipFill>
+        <p:spPr>
+          <a:xfrm>
+            <a:off x="0" y="0"/>
+            <a:ext cx="12192000" cy="6858000"/>
+          </a:xfrm>
+          <a:prstGeom prst="rect">
+            <a:avLst/>
+          </a:prstGeom>
+        </p:spPr>
+      </p:pic>
+      <p:sp>
+        <p:nvSpPr>
+          <p:cNvPr id="6" name="Foliennummernplatzhalter 5">
+            <a:extLst>
+              <a:ext uri="{FF2B5EF4-FFF2-40B4-BE49-F238E27FC236}">
+                <a16:creationId xmlns:a16="http://schemas.microsoft.com/office/drawing/2014/main" id="{8E839A05-E2CD-304E-883A-1D5997376548}"/>
+              </a:ext>
+            </a:extLst>
+          </p:cNvPr>
+          <p:cNvSpPr>
+            <a:spLocks noGrp="1"/>
+          </p:cNvSpPr>
+          <p:nvPr>
+            <p:ph type="sldNum" sz="quarter" idx="12"/>
+          </p:nvPr>
+        </p:nvSpPr>
+        <p:spPr/>
+        <p:txBody>
+          <a:bodyPr/>
+          <a:lstStyle/>
+          <a:p>
+            <a:fld id="{78776B16-91FB-9448-9CB1-FBF57F5ADB35}" type="slidenum">
+              <a:rPr lang="de-DE" smtClean="0"/>
+              <a:t>9</a:t>
+            </a:fld>
+            <a:endParaRPr lang="de-DE"/>
+          </a:p>
+        </p:txBody>
+      </p:sp>
+      <p:sp>
+        <p:nvSpPr>
+          <p:cNvPr id="10" name="Titel 1">
+            <a:extLst>
+              <a:ext uri="{FF2B5EF4-FFF2-40B4-BE49-F238E27FC236}">
+                <a16:creationId xmlns:a16="http://schemas.microsoft.com/office/drawing/2014/main" id="{F8F12A2B-6116-B040-B87B-51EA79DB792A}"/>
+              </a:ext>
+            </a:extLst>
+          </p:cNvPr>
+          <p:cNvSpPr txBox="1">
+            <a:spLocks/>
+          </p:cNvSpPr>
+          <p:nvPr/>
+        </p:nvSpPr>
+        <p:spPr>
+          <a:xfrm>
+            <a:off x="0" y="192933"/>
+            <a:ext cx="10930597" cy="777738"/>
+          </a:xfrm>
+          <a:prstGeom prst="rect">
+            <a:avLst/>
+          </a:prstGeom>
+          <a:solidFill>
+            <a:schemeClr val="bg2"/>
+          </a:solidFill>
+          <a:ln>
+            <a:solidFill>
+              <a:schemeClr val="tx1"/>
+            </a:solidFill>
+          </a:ln>
+        </p:spPr>
+        <p:style>
+          <a:lnRef idx="0">
+            <a:schemeClr val="accent3"/>
+          </a:lnRef>
+          <a:fillRef idx="3">
+            <a:schemeClr val="accent3"/>
+          </a:fillRef>
+          <a:effectRef idx="3">
+            <a:schemeClr val="accent3"/>
+          </a:effectRef>
+          <a:fontRef idx="minor">
+            <a:schemeClr val="lt1"/>
+          </a:fontRef>
+        </p:style>
+        <p:txBody>
+          <a:bodyPr vert="horz" lIns="91440" tIns="45720" rIns="91440" bIns="45720" rtlCol="0" anchor="ctr">
+            <a:normAutofit/>
+          </a:bodyPr>
+          <a:lstStyle>
+            <a:lvl1pPr algn="l" defTabSz="914400" rtl="0" eaLnBrk="1" latinLnBrk="0" hangingPunct="1">
+              <a:lnSpc>
+                <a:spcPct val="90000"/>
+              </a:lnSpc>
+              <a:spcBef>
+                <a:spcPct val="0"/>
+              </a:spcBef>
+              <a:buNone/>
+              <a:defRPr sz="4400" kern="1200">
+                <a:solidFill>
+                  <a:schemeClr val="lt1"/>
+                </a:solidFill>
+                <a:latin typeface="+mn-lt"/>
+                <a:ea typeface="+mn-ea"/>
+                <a:cs typeface="+mn-cs"/>
+              </a:defRPr>
+            </a:lvl1pPr>
+            <a:lvl2pPr>
+              <a:defRPr>
+                <a:solidFill>
+                  <a:schemeClr val="lt1"/>
+                </a:solidFill>
+                <a:latin typeface="+mn-lt"/>
+                <a:ea typeface="+mn-ea"/>
+                <a:cs typeface="+mn-cs"/>
+              </a:defRPr>
+            </a:lvl2pPr>
+            <a:lvl3pPr>
+              <a:defRPr>
+                <a:solidFill>
+                  <a:schemeClr val="lt1"/>
+                </a:solidFill>
+                <a:latin typeface="+mn-lt"/>
+                <a:ea typeface="+mn-ea"/>
+                <a:cs typeface="+mn-cs"/>
+              </a:defRPr>
+            </a:lvl3pPr>
+            <a:lvl4pPr>
+              <a:defRPr>
+                <a:solidFill>
+                  <a:schemeClr val="lt1"/>
+                </a:solidFill>
+                <a:latin typeface="+mn-lt"/>
+                <a:ea typeface="+mn-ea"/>
+                <a:cs typeface="+mn-cs"/>
+              </a:defRPr>
+            </a:lvl4pPr>
+            <a:lvl5pPr>
+              <a:defRPr>
+                <a:solidFill>
+                  <a:schemeClr val="lt1"/>
+                </a:solidFill>
+                <a:latin typeface="+mn-lt"/>
+                <a:ea typeface="+mn-ea"/>
+                <a:cs typeface="+mn-cs"/>
+              </a:defRPr>
+            </a:lvl5pPr>
+            <a:lvl6pPr>
+              <a:defRPr>
+                <a:solidFill>
+                  <a:schemeClr val="lt1"/>
+                </a:solidFill>
+                <a:latin typeface="+mn-lt"/>
+                <a:ea typeface="+mn-ea"/>
+                <a:cs typeface="+mn-cs"/>
+              </a:defRPr>
+            </a:lvl6pPr>
+            <a:lvl7pPr>
+              <a:defRPr>
+                <a:solidFill>
+                  <a:schemeClr val="lt1"/>
+                </a:solidFill>
+                <a:latin typeface="+mn-lt"/>
+                <a:ea typeface="+mn-ea"/>
+                <a:cs typeface="+mn-cs"/>
+              </a:defRPr>
+            </a:lvl7pPr>
+            <a:lvl8pPr>
+              <a:defRPr>
+                <a:solidFill>
+                  <a:schemeClr val="lt1"/>
+                </a:solidFill>
+                <a:latin typeface="+mn-lt"/>
+                <a:ea typeface="+mn-ea"/>
+                <a:cs typeface="+mn-cs"/>
+              </a:defRPr>
+            </a:lvl8pPr>
+            <a:lvl9pPr>
+              <a:defRPr>
+                <a:solidFill>
+                  <a:schemeClr val="lt1"/>
+                </a:solidFill>
+                <a:latin typeface="+mn-lt"/>
+                <a:ea typeface="+mn-ea"/>
+                <a:cs typeface="+mn-cs"/>
+              </a:defRPr>
+            </a:lvl9pPr>
+          </a:lstStyle>
+          <a:p>
+            <a:r>
+              <a:rPr lang="de-DE" b="1" dirty="0">
+                <a:solidFill>
+                  <a:schemeClr val="tx1"/>
+                </a:solidFill>
+                <a:effectLst>
+                  <a:outerShdw blurRad="50800" dist="38100" dir="2700000" algn="tl" rotWithShape="0">
+                    <a:prstClr val="black">
+                      <a:alpha val="40000"/>
+                    </a:prstClr>
+                  </a:outerShdw>
+                </a:effectLst>
+              </a:rPr>
+              <a:t>      1.4 Qualitätssicherung</a:t>
+            </a:r>
+            <a:r>
+              <a:rPr lang="de-DE" dirty="0">
+                <a:solidFill>
+                  <a:schemeClr val="tx1"/>
+                </a:solidFill>
+                <a:effectLst>
+                  <a:outerShdw blurRad="50800" dist="38100" dir="2700000" algn="tl" rotWithShape="0">
+                    <a:prstClr val="black">
+                      <a:alpha val="40000"/>
+                    </a:prstClr>
+                  </a:outerShdw>
+                </a:effectLst>
+              </a:rPr>
+              <a:t> </a:t>
+            </a:r>
+            <a:endParaRPr lang="de-DE" b="1" dirty="0">
+              <a:solidFill>
+                <a:schemeClr val="tx1"/>
+              </a:solidFill>
+              <a:effectLst>
+                <a:outerShdw blurRad="50800" dist="38100" dir="2700000" algn="tl" rotWithShape="0">
+                  <a:prstClr val="black">
+                    <a:alpha val="40000"/>
+                  </a:prstClr>
+                </a:outerShdw>
+              </a:effectLst>
+            </a:endParaRPr>
+          </a:p>
+        </p:txBody>
+      </p:sp>
+      <p:sp>
+        <p:nvSpPr>
+          <p:cNvPr id="13" name="Inhaltsplatzhalter 2">
+            <a:extLst>
+              <a:ext uri="{FF2B5EF4-FFF2-40B4-BE49-F238E27FC236}">
+                <a16:creationId xmlns:a16="http://schemas.microsoft.com/office/drawing/2014/main" id="{382E00AB-3A0D-7440-9E21-0F1B08DB493B}"/>
+              </a:ext>
+            </a:extLst>
+          </p:cNvPr>
+          <p:cNvSpPr>
+            <a:spLocks noGrp="1"/>
+          </p:cNvSpPr>
+          <p:nvPr>
+            <p:ph idx="1"/>
+          </p:nvPr>
+        </p:nvSpPr>
+        <p:spPr>
+          <a:xfrm>
+            <a:off x="0" y="1639393"/>
+            <a:ext cx="12192000" cy="3664127"/>
+          </a:xfrm>
+          <a:solidFill>
+            <a:schemeClr val="bg2"/>
+          </a:solidFill>
+          <a:ln w="28575">
+            <a:solidFill>
+              <a:schemeClr val="tx1"/>
+            </a:solidFill>
+          </a:ln>
+        </p:spPr>
+        <p:txBody>
+          <a:bodyPr/>
+          <a:lstStyle/>
+          <a:p>
+            <a:pPr marL="457200" lvl="1" indent="0">
+              <a:buNone/>
+            </a:pPr>
+            <a:br>
+              <a:rPr lang="de-DE" b="1" dirty="0"/>
+            </a:br>
+            <a:r>
+              <a:rPr lang="de-DE" sz="2800" b="1" u="sng" dirty="0"/>
+              <a:t>Verwendete Tools</a:t>
+            </a:r>
+            <a:endParaRPr lang="de-DE" sz="2800" u="sng" dirty="0"/>
+          </a:p>
+          <a:p>
+            <a:pPr marL="457200" lvl="1" indent="0">
+              <a:buNone/>
+            </a:pPr>
+            <a:br>
+              <a:rPr lang="de-DE" sz="2800" dirty="0"/>
+            </a:br>
+            <a:br>
+              <a:rPr lang="de-DE" sz="2800" dirty="0"/>
+            </a:br>
+            <a:br>
+              <a:rPr lang="de-DE" sz="2800" dirty="0"/>
+            </a:br>
+            <a:br>
+              <a:rPr lang="de-DE" sz="2800" dirty="0"/>
+            </a:br>
+            <a:br>
+              <a:rPr lang="de-DE" sz="2800" dirty="0"/>
+            </a:br>
+            <a:r>
+              <a:rPr lang="de-DE" sz="2800" dirty="0"/>
+              <a:t>           </a:t>
+            </a:r>
+            <a:r>
+              <a:rPr lang="de-DE" sz="2800" dirty="0" err="1"/>
+              <a:t>Monkey</a:t>
+            </a:r>
+            <a:r>
+              <a:rPr lang="de-DE" sz="2800" dirty="0"/>
+              <a:t> Testing</a:t>
+            </a:r>
+          </a:p>
+          <a:p>
+            <a:pPr marL="457200" lvl="1" indent="0">
+              <a:buNone/>
+            </a:pPr>
+            <a:endParaRPr lang="de-DE" sz="2800" dirty="0"/>
+          </a:p>
+          <a:p>
+            <a:pPr marL="457200" lvl="1" indent="0">
+              <a:buNone/>
+            </a:pPr>
+            <a:endParaRPr lang="de-DE" sz="2800" dirty="0"/>
+          </a:p>
+          <a:p>
+            <a:pPr marL="457200" lvl="1" indent="0">
+              <a:buNone/>
+            </a:pPr>
+            <a:endParaRPr lang="de-DE" sz="2800" dirty="0"/>
+          </a:p>
+          <a:p>
+            <a:pPr marL="457200" lvl="1" indent="0">
+              <a:buNone/>
+            </a:pPr>
+            <a:endParaRPr lang="de-DE" sz="2800" dirty="0"/>
+          </a:p>
+          <a:p>
+            <a:pPr marL="457200" lvl="1" indent="0">
+              <a:buNone/>
+            </a:pPr>
+            <a:endParaRPr lang="de-DE" sz="2800" dirty="0"/>
+          </a:p>
+        </p:txBody>
+      </p:sp>
+      <p:sp>
+        <p:nvSpPr>
+          <p:cNvPr id="9" name="Fußzeilenplatzhalter 4">
+            <a:extLst>
+              <a:ext uri="{FF2B5EF4-FFF2-40B4-BE49-F238E27FC236}">
+                <a16:creationId xmlns:a16="http://schemas.microsoft.com/office/drawing/2014/main" id="{D4A97D1F-017A-2544-913E-76818C304226}"/>
+              </a:ext>
+            </a:extLst>
+          </p:cNvPr>
+          <p:cNvSpPr>
+            <a:spLocks noGrp="1"/>
+          </p:cNvSpPr>
+          <p:nvPr>
+            <p:ph type="ftr" sz="quarter" idx="11"/>
+          </p:nvPr>
+        </p:nvSpPr>
+        <p:spPr>
+          <a:xfrm>
+            <a:off x="0" y="6356350"/>
+            <a:ext cx="12192000" cy="365125"/>
+          </a:xfrm>
+          <a:solidFill>
+            <a:schemeClr val="bg2"/>
+          </a:solidFill>
+          <a:ln>
+            <a:solidFill>
+              <a:schemeClr val="tx1"/>
+            </a:solidFill>
+          </a:ln>
+        </p:spPr>
+        <p:style>
+          <a:lnRef idx="0">
+            <a:schemeClr val="accent3"/>
+          </a:lnRef>
+          <a:fillRef idx="3">
+            <a:schemeClr val="accent3"/>
+          </a:fillRef>
+          <a:effectRef idx="3">
+            <a:schemeClr val="accent3"/>
+          </a:effectRef>
+          <a:fontRef idx="minor">
+            <a:schemeClr val="lt1"/>
+          </a:fontRef>
+        </p:style>
+        <p:txBody>
+          <a:bodyPr/>
+          <a:lstStyle/>
+          <a:p>
+            <a:pPr algn="l"/>
+            <a:r>
+              <a:rPr lang="de-DE" dirty="0">
+                <a:solidFill>
+                  <a:schemeClr val="tx1"/>
+                </a:solidFill>
+              </a:rPr>
+              <a:t>          Orkhan Aliev, Tim Groß, Daniel Helmig, Rukiye Devran</a:t>
+            </a:r>
+          </a:p>
+        </p:txBody>
+      </p:sp>
+      <p:sp>
+        <p:nvSpPr>
+          <p:cNvPr id="14" name="Foliennummernplatzhalter 5">
+            <a:extLst>
+              <a:ext uri="{FF2B5EF4-FFF2-40B4-BE49-F238E27FC236}">
+                <a16:creationId xmlns:a16="http://schemas.microsoft.com/office/drawing/2014/main" id="{B9F068FA-D6F2-5545-BEF5-ABC141F3D2CA}"/>
+              </a:ext>
+            </a:extLst>
+          </p:cNvPr>
+          <p:cNvSpPr txBox="1">
+            <a:spLocks/>
+          </p:cNvSpPr>
+          <p:nvPr/>
+        </p:nvSpPr>
+        <p:spPr>
+          <a:xfrm>
+            <a:off x="8620547" y="6356350"/>
+            <a:ext cx="2743200" cy="365125"/>
+          </a:xfrm>
+          <a:prstGeom prst="rect">
+            <a:avLst/>
+          </a:prstGeom>
+        </p:spPr>
+        <p:txBody>
+          <a:bodyPr vert="horz" lIns="91440" tIns="45720" rIns="91440" bIns="45720" rtlCol="0" anchor="ctr"/>
+          <a:lstStyle>
+            <a:defPPr>
+              <a:defRPr lang="de-DE"/>
+            </a:defPPr>
+            <a:lvl1pPr marL="0" algn="r" defTabSz="914400" rtl="0" eaLnBrk="1" latinLnBrk="0" hangingPunct="1">
+              <a:defRPr sz="1200" kern="1200">
+                <a:solidFill>
+                  <a:schemeClr val="tx1">
+                    <a:tint val="75000"/>
+                  </a:schemeClr>
+                </a:solidFill>
+                <a:latin typeface="+mn-lt"/>
+                <a:ea typeface="+mn-ea"/>
+                <a:cs typeface="+mn-cs"/>
+              </a:defRPr>
+            </a:lvl1pPr>
+            <a:lvl2pPr marL="457200" algn="l" defTabSz="914400" rtl="0" eaLnBrk="1" latinLnBrk="0" hangingPunct="1">
+              <a:defRPr sz="1800" kern="1200">
+                <a:solidFill>
+                  <a:schemeClr val="tx1"/>
+                </a:solidFill>
+                <a:latin typeface="+mn-lt"/>
+                <a:ea typeface="+mn-ea"/>
+                <a:cs typeface="+mn-cs"/>
+              </a:defRPr>
+            </a:lvl2pPr>
+            <a:lvl3pPr marL="914400" algn="l" defTabSz="914400" rtl="0" eaLnBrk="1" latinLnBrk="0" hangingPunct="1">
+              <a:defRPr sz="1800" kern="1200">
+                <a:solidFill>
+                  <a:schemeClr val="tx1"/>
+                </a:solidFill>
+                <a:latin typeface="+mn-lt"/>
+                <a:ea typeface="+mn-ea"/>
+                <a:cs typeface="+mn-cs"/>
+              </a:defRPr>
+            </a:lvl3pPr>
+            <a:lvl4pPr marL="1371600" algn="l" defTabSz="914400" rtl="0" eaLnBrk="1" latinLnBrk="0" hangingPunct="1">
+              <a:defRPr sz="1800" kern="1200">
+                <a:solidFill>
+                  <a:schemeClr val="tx1"/>
+                </a:solidFill>
+                <a:latin typeface="+mn-lt"/>
+                <a:ea typeface="+mn-ea"/>
+                <a:cs typeface="+mn-cs"/>
+              </a:defRPr>
+            </a:lvl4pPr>
+            <a:lvl5pPr marL="1828800" algn="l" defTabSz="914400" rtl="0" eaLnBrk="1" latinLnBrk="0" hangingPunct="1">
+              <a:defRPr sz="1800" kern="1200">
+                <a:solidFill>
+                  <a:schemeClr val="tx1"/>
+                </a:solidFill>
+                <a:latin typeface="+mn-lt"/>
+                <a:ea typeface="+mn-ea"/>
+                <a:cs typeface="+mn-cs"/>
+              </a:defRPr>
+            </a:lvl5pPr>
+            <a:lvl6pPr marL="2286000" algn="l" defTabSz="914400" rtl="0" eaLnBrk="1" latinLnBrk="0" hangingPunct="1">
+              <a:defRPr sz="1800" kern="1200">
+                <a:solidFill>
+                  <a:schemeClr val="tx1"/>
+                </a:solidFill>
+                <a:latin typeface="+mn-lt"/>
+                <a:ea typeface="+mn-ea"/>
+                <a:cs typeface="+mn-cs"/>
+              </a:defRPr>
+            </a:lvl6pPr>
+            <a:lvl7pPr marL="2743200" algn="l" defTabSz="914400" rtl="0" eaLnBrk="1" latinLnBrk="0" hangingPunct="1">
+              <a:defRPr sz="1800" kern="1200">
+                <a:solidFill>
+                  <a:schemeClr val="tx1"/>
+                </a:solidFill>
+                <a:latin typeface="+mn-lt"/>
+                <a:ea typeface="+mn-ea"/>
+                <a:cs typeface="+mn-cs"/>
+              </a:defRPr>
+            </a:lvl7pPr>
+            <a:lvl8pPr marL="3200400" algn="l" defTabSz="914400" rtl="0" eaLnBrk="1" latinLnBrk="0" hangingPunct="1">
+              <a:defRPr sz="1800" kern="1200">
+                <a:solidFill>
+                  <a:schemeClr val="tx1"/>
+                </a:solidFill>
+                <a:latin typeface="+mn-lt"/>
+                <a:ea typeface="+mn-ea"/>
+                <a:cs typeface="+mn-cs"/>
+              </a:defRPr>
+            </a:lvl8pPr>
+            <a:lvl9pPr marL="3657600" algn="l" defTabSz="914400" rtl="0" eaLnBrk="1" latinLnBrk="0" hangingPunct="1">
+              <a:defRPr sz="1800" kern="1200">
+                <a:solidFill>
+                  <a:schemeClr val="tx1"/>
+                </a:solidFill>
+                <a:latin typeface="+mn-lt"/>
+                <a:ea typeface="+mn-ea"/>
+                <a:cs typeface="+mn-cs"/>
+              </a:defRPr>
+            </a:lvl9pPr>
+          </a:lstStyle>
+          <a:p>
+            <a:r>
+              <a:rPr lang="de-DE" dirty="0"/>
+              <a:t>10</a:t>
+            </a:r>
+          </a:p>
+        </p:txBody>
+      </p:sp>
+      <p:pic>
+        <p:nvPicPr>
+          <p:cNvPr id="11" name="Inhaltsplatzhalter 4">
+            <a:extLst>
+              <a:ext uri="{FF2B5EF4-FFF2-40B4-BE49-F238E27FC236}">
+                <a16:creationId xmlns:a16="http://schemas.microsoft.com/office/drawing/2014/main" id="{5F06B6DD-689F-DD41-8A91-8B9A3C7F7BC7}"/>
+              </a:ext>
+            </a:extLst>
+          </p:cNvPr>
+          <p:cNvPicPr>
+            <a:picLocks noChangeAspect="1"/>
+          </p:cNvPicPr>
+          <p:nvPr/>
+        </p:nvPicPr>
+        <p:blipFill>
+          <a:blip r:embed="rId3">
+            <a:extLst>
+              <a:ext uri="{BEBA8EAE-BF5A-486C-A8C5-ECC9F3942E4B}">
+                <a14:imgProps xmlns:a14="http://schemas.microsoft.com/office/drawing/2010/main">
+                  <a14:imgLayer>
+                    <a14:imgEffect>
+                      <a14:backgroundRemoval t="10000" b="90000" l="10000" r="90000">
+                        <a14:foregroundMark x1="25333" y1="28623" x2="29667" y2="50362"/>
+                        <a14:foregroundMark x1="19000" y1="15942" x2="15667" y2="51449"/>
+                        <a14:foregroundMark x1="15667" y1="51449" x2="27000" y2="84420"/>
+                        <a14:foregroundMark x1="27000" y1="84420" x2="58667" y2="84783"/>
+                        <a14:foregroundMark x1="58667" y1="84783" x2="80333" y2="57971"/>
+                        <a14:foregroundMark x1="80333" y1="57971" x2="80667" y2="23551"/>
+                        <a14:foregroundMark x1="80667" y1="23551" x2="50000" y2="13768"/>
+                        <a14:foregroundMark x1="50000" y1="13768" x2="18333" y2="16667"/>
+                        <a14:backgroundMark x1="3000" y1="10145" x2="3667" y2="59058"/>
+                        <a14:backgroundMark x1="3667" y1="59058" x2="18000" y2="90580"/>
+                        <a14:backgroundMark x1="18000" y1="90580" x2="50667" y2="91304"/>
+                        <a14:backgroundMark x1="50667" y1="91304" x2="82667" y2="86957"/>
+                        <a14:backgroundMark x1="82667" y1="86957" x2="83333" y2="82246"/>
+                        <a14:backgroundMark x1="13667" y1="10145" x2="46333" y2="7246"/>
+                        <a14:backgroundMark x1="46333" y1="7246" x2="79333" y2="7609"/>
+                        <a14:backgroundMark x1="79333" y1="7609" x2="95333" y2="41304"/>
+                        <a14:backgroundMark x1="95333" y1="41304" x2="93667" y2="78623"/>
+                        <a14:backgroundMark x1="93667" y1="78623" x2="65000" y2="98913"/>
+                        <a14:backgroundMark x1="65000" y1="98913" x2="14333" y2="99275"/>
+                        <a14:backgroundMark x1="14333" y1="99275" x2="5333" y2="65217"/>
+                        <a14:backgroundMark x1="5333" y1="65217" x2="5333" y2="30435"/>
+                        <a14:backgroundMark x1="5333" y1="30435" x2="13000" y2="10870"/>
+                        <a14:backgroundMark x1="0" y1="65942" x2="0" y2="65942"/>
+                      </a14:backgroundRemoval>
+                    </a14:imgEffect>
+                    <a14:imgEffect>
+                      <a14:sharpenSoften amount="50000"/>
+                    </a14:imgEffect>
+                    <a14:imgEffect>
+                      <a14:colorTemperature colorTemp="11200"/>
+                    </a14:imgEffect>
+                    <a14:imgEffect>
+                      <a14:saturation sat="0"/>
+                    </a14:imgEffect>
+                    <a14:imgEffect>
+                      <a14:brightnessContrast contrast="20000"/>
+                    </a14:imgEffect>
+                  </a14:imgLayer>
+                </a14:imgProps>
+              </a:ext>
+            </a:extLst>
+          </a:blip>
+          <a:stretch>
+            <a:fillRect/>
+          </a:stretch>
+        </p:blipFill>
+        <p:spPr>
+          <a:xfrm>
+            <a:off x="10687711" y="-110171"/>
+            <a:ext cx="1504289" cy="1383945"/>
+          </a:xfrm>
+          <a:prstGeom prst="rect">
+            <a:avLst/>
+          </a:prstGeom>
+          <a:effectLst>
+            <a:glow rad="101600">
+              <a:schemeClr val="bg2">
+                <a:lumMod val="50000"/>
+                <a:alpha val="60000"/>
+              </a:schemeClr>
+            </a:glow>
+            <a:outerShdw blurRad="50800" dist="38100" dir="2700000" algn="tl" rotWithShape="0">
+              <a:prstClr val="black">
+                <a:alpha val="40000"/>
+              </a:prstClr>
+            </a:outerShdw>
+          </a:effectLst>
+        </p:spPr>
+      </p:pic>
+      <p:pic>
+        <p:nvPicPr>
+          <p:cNvPr id="3" name="Grafik 2">
+            <a:extLst>
+              <a:ext uri="{FF2B5EF4-FFF2-40B4-BE49-F238E27FC236}">
+                <a16:creationId xmlns:a16="http://schemas.microsoft.com/office/drawing/2014/main" id="{4CE83F48-A006-EE46-9666-D30029E41C54}"/>
+              </a:ext>
+            </a:extLst>
+          </p:cNvPr>
+          <p:cNvPicPr>
+            <a:picLocks noChangeAspect="1"/>
+          </p:cNvPicPr>
+          <p:nvPr/>
+        </p:nvPicPr>
+        <p:blipFill>
+          <a:blip r:embed="rId4"/>
+          <a:stretch>
+            <a:fillRect/>
+          </a:stretch>
+        </p:blipFill>
+        <p:spPr>
+          <a:xfrm>
+            <a:off x="384810" y="2611083"/>
+            <a:ext cx="4263390" cy="1635833"/>
+          </a:xfrm>
+          <a:prstGeom prst="rect">
+            <a:avLst/>
+          </a:prstGeom>
+          <a:ln>
+            <a:noFill/>
+          </a:ln>
+          <a:effectLst>
+            <a:outerShdw blurRad="292100" dist="139700" dir="2700000" algn="tl" rotWithShape="0">
+              <a:srgbClr val="333333">
+                <a:alpha val="65000"/>
+              </a:srgbClr>
+            </a:outerShdw>
+          </a:effectLst>
+        </p:spPr>
+      </p:pic>
+      <p:pic>
+        <p:nvPicPr>
+          <p:cNvPr id="5" name="Grafik 4">
+            <a:extLst>
+              <a:ext uri="{FF2B5EF4-FFF2-40B4-BE49-F238E27FC236}">
+                <a16:creationId xmlns:a16="http://schemas.microsoft.com/office/drawing/2014/main" id="{18D797FE-46E4-854E-AD8C-62351E2FF653}"/>
+              </a:ext>
+            </a:extLst>
+          </p:cNvPr>
+          <p:cNvPicPr>
+            <a:picLocks noChangeAspect="1"/>
+          </p:cNvPicPr>
+          <p:nvPr/>
+        </p:nvPicPr>
+        <p:blipFill>
+          <a:blip r:embed="rId5"/>
+          <a:stretch>
+            <a:fillRect/>
+          </a:stretch>
+        </p:blipFill>
+        <p:spPr>
+          <a:xfrm>
+            <a:off x="7452147" y="2201456"/>
+            <a:ext cx="2540000" cy="2540000"/>
+          </a:xfrm>
+          <a:prstGeom prst="rect">
+            <a:avLst/>
+          </a:prstGeom>
+          <a:ln>
+            <a:noFill/>
+          </a:ln>
+          <a:effectLst>
+            <a:outerShdw blurRad="292100" dist="139700" dir="2700000" algn="tl" rotWithShape="0">
+              <a:srgbClr val="333333">
+                <a:alpha val="65000"/>
+              </a:srgbClr>
+            </a:outerShdw>
+          </a:effectLst>
+        </p:spPr>
+      </p:pic>
+    </p:spTree>
+    <p:extLst>
+      <p:ext uri="{BB962C8B-B14F-4D97-AF65-F5344CB8AC3E}">
+        <p14:creationId xmlns:p14="http://schemas.microsoft.com/office/powerpoint/2010/main" val="58701852"/>
       </p:ext>
     </p:extLst>
   </p:cSld>

--- a/Abschlusspräsentation/Abschlusspräsentation.pptx
+++ b/Abschlusspräsentation/Abschlusspräsentation.pptx
@@ -210,7 +210,7 @@
           <a:p>
             <a:fld id="{2A964AE4-3AF3-E442-AFAF-A73C48A1F56D}" type="datetimeFigureOut">
               <a:rPr lang="de-DE" smtClean="0"/>
-              <a:t>20.03.19</a:t>
+              <a:t>20.03.2019</a:t>
             </a:fld>
             <a:endParaRPr lang="de-DE"/>
           </a:p>
@@ -599,7 +599,7 @@
           <a:p>
             <a:fld id="{73545339-1622-494D-8E70-00E2BA419683}" type="datetime1">
               <a:rPr lang="de-DE" smtClean="0"/>
-              <a:t>20.03.19</a:t>
+              <a:t>20.03.2019</a:t>
             </a:fld>
             <a:endParaRPr lang="de-DE"/>
           </a:p>
@@ -772,7 +772,7 @@
           <a:p>
             <a:fld id="{DF07BDC8-8216-D349-9058-E1F87E5B3611}" type="datetime1">
               <a:rPr lang="de-DE" smtClean="0"/>
-              <a:t>20.03.19</a:t>
+              <a:t>20.03.2019</a:t>
             </a:fld>
             <a:endParaRPr lang="de-DE"/>
           </a:p>
@@ -955,7 +955,7 @@
           <a:p>
             <a:fld id="{7D4B407F-ABB3-E54B-9317-58C81C304734}" type="datetime1">
               <a:rPr lang="de-DE" smtClean="0"/>
-              <a:t>20.03.19</a:t>
+              <a:t>20.03.2019</a:t>
             </a:fld>
             <a:endParaRPr lang="de-DE"/>
           </a:p>
@@ -1128,7 +1128,7 @@
           <a:p>
             <a:fld id="{99B7EBEE-06B7-BE4F-B0D8-0587D499AB28}" type="datetime1">
               <a:rPr lang="de-DE" smtClean="0"/>
-              <a:t>20.03.19</a:t>
+              <a:t>20.03.2019</a:t>
             </a:fld>
             <a:endParaRPr lang="de-DE"/>
           </a:p>
@@ -1406,7 +1406,7 @@
           <a:p>
             <a:fld id="{E755FA26-DA6C-B644-8730-03D04829D5E9}" type="datetime1">
               <a:rPr lang="de-DE" smtClean="0"/>
-              <a:t>20.03.19</a:t>
+              <a:t>20.03.2019</a:t>
             </a:fld>
             <a:endParaRPr lang="de-DE"/>
           </a:p>
@@ -1621,7 +1621,7 @@
           <a:p>
             <a:fld id="{0848337C-DE54-3241-86CB-5694689798A1}" type="datetime1">
               <a:rPr lang="de-DE" smtClean="0"/>
-              <a:t>20.03.19</a:t>
+              <a:t>20.03.2019</a:t>
             </a:fld>
             <a:endParaRPr lang="de-DE"/>
           </a:p>
@@ -1989,7 +1989,7 @@
           <a:p>
             <a:fld id="{8D89853E-512F-2647-8B0F-E5DDB2DFE56C}" type="datetime1">
               <a:rPr lang="de-DE" smtClean="0"/>
-              <a:t>20.03.19</a:t>
+              <a:t>20.03.2019</a:t>
             </a:fld>
             <a:endParaRPr lang="de-DE"/>
           </a:p>
@@ -2130,7 +2130,7 @@
           <a:p>
             <a:fld id="{A89BC9DB-C430-9644-8793-6E81C3892253}" type="datetime1">
               <a:rPr lang="de-DE" smtClean="0"/>
-              <a:t>20.03.19</a:t>
+              <a:t>20.03.2019</a:t>
             </a:fld>
             <a:endParaRPr lang="de-DE"/>
           </a:p>
@@ -2243,7 +2243,7 @@
           <a:p>
             <a:fld id="{3A2C90BF-FC5B-CA49-A2AE-F228E5AEC323}" type="datetime1">
               <a:rPr lang="de-DE" smtClean="0"/>
-              <a:t>20.03.19</a:t>
+              <a:t>20.03.2019</a:t>
             </a:fld>
             <a:endParaRPr lang="de-DE"/>
           </a:p>
@@ -2532,7 +2532,7 @@
           <a:p>
             <a:fld id="{3DD3629A-03FF-894B-829D-0E5150D0B5C9}" type="datetime1">
               <a:rPr lang="de-DE" smtClean="0"/>
-              <a:t>20.03.19</a:t>
+              <a:t>20.03.2019</a:t>
             </a:fld>
             <a:endParaRPr lang="de-DE"/>
           </a:p>
@@ -2823,7 +2823,7 @@
           <a:p>
             <a:fld id="{355D3F27-45D6-F24C-9D28-495E0B1CF426}" type="datetime1">
               <a:rPr lang="de-DE" smtClean="0"/>
-              <a:t>20.03.19</a:t>
+              <a:t>20.03.2019</a:t>
             </a:fld>
             <a:endParaRPr lang="de-DE"/>
           </a:p>
@@ -3039,7 +3039,7 @@
           <a:p>
             <a:fld id="{22A0BB3E-1A97-1646-82A9-B8EDA698AB0F}" type="datetime1">
               <a:rPr lang="de-DE" smtClean="0"/>
-              <a:t>20.03.19</a:t>
+              <a:t>20.03.2019</a:t>
             </a:fld>
             <a:endParaRPr lang="de-DE"/>
           </a:p>
@@ -10292,7 +10292,9 @@
           </a:ln>
         </p:spPr>
         <p:txBody>
-          <a:bodyPr/>
+          <a:bodyPr>
+            <a:normAutofit fontScale="92500" lnSpcReduction="20000"/>
+          </a:bodyPr>
           <a:lstStyle/>
           <a:p>
             <a:pPr marL="457200" lvl="1" indent="0">
@@ -10317,8 +10319,53 @@
           <a:p>
             <a:pPr lvl="1"/>
             <a:r>
+              <a:rPr lang="de-DE" sz="2800" dirty="0" err="1"/>
+              <a:t>Commits</a:t>
+            </a:r>
+            <a:r>
               <a:rPr lang="de-DE" sz="2800" dirty="0"/>
-              <a:t>Commits:</a:t>
+              <a:t>:  </a:t>
+            </a:r>
+            <a:r>
+              <a:rPr lang="de-DE" sz="2800"/>
+              <a:t>Gesamt 505</a:t>
+            </a:r>
+            <a:endParaRPr lang="de-DE" sz="2800" dirty="0"/>
+          </a:p>
+          <a:p>
+            <a:pPr lvl="2"/>
+            <a:r>
+              <a:rPr lang="de-DE" sz="2400" dirty="0"/>
+              <a:t>Daniel 159</a:t>
+            </a:r>
+          </a:p>
+          <a:p>
+            <a:pPr lvl="2"/>
+            <a:r>
+              <a:rPr lang="de-DE" sz="2400" dirty="0"/>
+              <a:t>Tim 135</a:t>
+            </a:r>
+          </a:p>
+          <a:p>
+            <a:pPr lvl="2"/>
+            <a:r>
+              <a:rPr lang="de-DE" sz="2400" dirty="0" err="1"/>
+              <a:t>Ruki</a:t>
+            </a:r>
+            <a:r>
+              <a:rPr lang="de-DE" sz="2400" dirty="0"/>
+              <a:t> 127</a:t>
+            </a:r>
+          </a:p>
+          <a:p>
+            <a:pPr lvl="2"/>
+            <a:r>
+              <a:rPr lang="de-DE" sz="2400" dirty="0" err="1"/>
+              <a:t>Orkhan</a:t>
+            </a:r>
+            <a:r>
+              <a:rPr lang="de-DE" sz="2400" dirty="0"/>
+              <a:t> 14</a:t>
             </a:r>
           </a:p>
           <a:p>

--- a/Abschlusspräsentation/Abschlusspräsentation.pptx
+++ b/Abschlusspräsentation/Abschlusspräsentation.pptx
@@ -5617,16 +5617,6 @@
               <a:t> viele Probleme erst bei Implementierung aufgetaucht</a:t>
             </a:r>
           </a:p>
-          <a:p>
-            <a:pPr lvl="1"/>
-            <a:r>
-              <a:rPr lang="de-DE" sz="2800">
-                <a:sym typeface="Wingdings" pitchFamily="2" charset="2"/>
-              </a:rPr>
-              <a:t>...</a:t>
-            </a:r>
-            <a:endParaRPr lang="de-DE" sz="2800" dirty="0"/>
-          </a:p>
         </p:txBody>
       </p:sp>
       <p:sp>
@@ -10293,7 +10283,7 @@
         </p:spPr>
         <p:txBody>
           <a:bodyPr>
-            <a:normAutofit fontScale="92500" lnSpcReduction="20000"/>
+            <a:normAutofit fontScale="92500" lnSpcReduction="10000"/>
           </a:bodyPr>
           <a:lstStyle/>
           <a:p>
@@ -10328,7 +10318,7 @@
             </a:r>
             <a:r>
               <a:rPr lang="de-DE" sz="2800"/>
-              <a:t>Gesamt 505</a:t>
+              <a:t>Gesamt 506</a:t>
             </a:r>
             <a:endParaRPr lang="de-DE" sz="2800" dirty="0"/>
           </a:p>
@@ -10343,7 +10333,7 @@
             <a:pPr lvl="2"/>
             <a:r>
               <a:rPr lang="de-DE" sz="2400" dirty="0"/>
-              <a:t>Tim 135</a:t>
+              <a:t>Tim 136</a:t>
             </a:r>
           </a:p>
           <a:p>
@@ -10373,13 +10363,6 @@
             <a:r>
               <a:rPr lang="de-DE" sz="2800" dirty="0"/>
               <a:t>Tests:</a:t>
-            </a:r>
-          </a:p>
-          <a:p>
-            <a:pPr lvl="1"/>
-            <a:r>
-              <a:rPr lang="de-DE" sz="2800" dirty="0"/>
-              <a:t>....</a:t>
             </a:r>
           </a:p>
           <a:p>
@@ -11868,14 +11851,7 @@
             <a:pPr lvl="1"/>
             <a:r>
               <a:rPr lang="de-DE" sz="2800" dirty="0"/>
-              <a:t>Schachlogik: ...%</a:t>
-            </a:r>
-          </a:p>
-          <a:p>
-            <a:pPr lvl="1"/>
-            <a:r>
-              <a:rPr lang="de-DE" sz="2800" dirty="0"/>
-              <a:t>....</a:t>
+              <a:t>Schachlogik: 84 % Codezeilen, über 95% Methoden</a:t>
             </a:r>
           </a:p>
         </p:txBody>

--- a/Abschlusspräsentation/Abschlusspräsentation.pptx
+++ b/Abschlusspräsentation/Abschlusspräsentation.pptx
@@ -210,7 +210,7 @@
           <a:p>
             <a:fld id="{2A964AE4-3AF3-E442-AFAF-A73C48A1F56D}" type="datetimeFigureOut">
               <a:rPr lang="de-DE" smtClean="0"/>
-              <a:t>20.03.2019</a:t>
+              <a:t>20.03.19</a:t>
             </a:fld>
             <a:endParaRPr lang="de-DE"/>
           </a:p>
@@ -599,7 +599,7 @@
           <a:p>
             <a:fld id="{73545339-1622-494D-8E70-00E2BA419683}" type="datetime1">
               <a:rPr lang="de-DE" smtClean="0"/>
-              <a:t>20.03.2019</a:t>
+              <a:t>20.03.19</a:t>
             </a:fld>
             <a:endParaRPr lang="de-DE"/>
           </a:p>
@@ -772,7 +772,7 @@
           <a:p>
             <a:fld id="{DF07BDC8-8216-D349-9058-E1F87E5B3611}" type="datetime1">
               <a:rPr lang="de-DE" smtClean="0"/>
-              <a:t>20.03.2019</a:t>
+              <a:t>20.03.19</a:t>
             </a:fld>
             <a:endParaRPr lang="de-DE"/>
           </a:p>
@@ -955,7 +955,7 @@
           <a:p>
             <a:fld id="{7D4B407F-ABB3-E54B-9317-58C81C304734}" type="datetime1">
               <a:rPr lang="de-DE" smtClean="0"/>
-              <a:t>20.03.2019</a:t>
+              <a:t>20.03.19</a:t>
             </a:fld>
             <a:endParaRPr lang="de-DE"/>
           </a:p>
@@ -1128,7 +1128,7 @@
           <a:p>
             <a:fld id="{99B7EBEE-06B7-BE4F-B0D8-0587D499AB28}" type="datetime1">
               <a:rPr lang="de-DE" smtClean="0"/>
-              <a:t>20.03.2019</a:t>
+              <a:t>20.03.19</a:t>
             </a:fld>
             <a:endParaRPr lang="de-DE"/>
           </a:p>
@@ -1406,7 +1406,7 @@
           <a:p>
             <a:fld id="{E755FA26-DA6C-B644-8730-03D04829D5E9}" type="datetime1">
               <a:rPr lang="de-DE" smtClean="0"/>
-              <a:t>20.03.2019</a:t>
+              <a:t>20.03.19</a:t>
             </a:fld>
             <a:endParaRPr lang="de-DE"/>
           </a:p>
@@ -1621,7 +1621,7 @@
           <a:p>
             <a:fld id="{0848337C-DE54-3241-86CB-5694689798A1}" type="datetime1">
               <a:rPr lang="de-DE" smtClean="0"/>
-              <a:t>20.03.2019</a:t>
+              <a:t>20.03.19</a:t>
             </a:fld>
             <a:endParaRPr lang="de-DE"/>
           </a:p>
@@ -1989,7 +1989,7 @@
           <a:p>
             <a:fld id="{8D89853E-512F-2647-8B0F-E5DDB2DFE56C}" type="datetime1">
               <a:rPr lang="de-DE" smtClean="0"/>
-              <a:t>20.03.2019</a:t>
+              <a:t>20.03.19</a:t>
             </a:fld>
             <a:endParaRPr lang="de-DE"/>
           </a:p>
@@ -2130,7 +2130,7 @@
           <a:p>
             <a:fld id="{A89BC9DB-C430-9644-8793-6E81C3892253}" type="datetime1">
               <a:rPr lang="de-DE" smtClean="0"/>
-              <a:t>20.03.2019</a:t>
+              <a:t>20.03.19</a:t>
             </a:fld>
             <a:endParaRPr lang="de-DE"/>
           </a:p>
@@ -2243,7 +2243,7 @@
           <a:p>
             <a:fld id="{3A2C90BF-FC5B-CA49-A2AE-F228E5AEC323}" type="datetime1">
               <a:rPr lang="de-DE" smtClean="0"/>
-              <a:t>20.03.2019</a:t>
+              <a:t>20.03.19</a:t>
             </a:fld>
             <a:endParaRPr lang="de-DE"/>
           </a:p>
@@ -2532,7 +2532,7 @@
           <a:p>
             <a:fld id="{3DD3629A-03FF-894B-829D-0E5150D0B5C9}" type="datetime1">
               <a:rPr lang="de-DE" smtClean="0"/>
-              <a:t>20.03.2019</a:t>
+              <a:t>20.03.19</a:t>
             </a:fld>
             <a:endParaRPr lang="de-DE"/>
           </a:p>
@@ -2823,7 +2823,7 @@
           <a:p>
             <a:fld id="{355D3F27-45D6-F24C-9D28-495E0B1CF426}" type="datetime1">
               <a:rPr lang="de-DE" smtClean="0"/>
-              <a:t>20.03.2019</a:t>
+              <a:t>20.03.19</a:t>
             </a:fld>
             <a:endParaRPr lang="de-DE"/>
           </a:p>
@@ -3039,7 +3039,7 @@
           <a:p>
             <a:fld id="{22A0BB3E-1A97-1646-82A9-B8EDA698AB0F}" type="datetime1">
               <a:rPr lang="de-DE" smtClean="0"/>
-              <a:t>20.03.2019</a:t>
+              <a:t>20.03.19</a:t>
             </a:fld>
             <a:endParaRPr lang="de-DE"/>
           </a:p>
@@ -5617,6 +5617,16 @@
               <a:t> viele Probleme erst bei Implementierung aufgetaucht</a:t>
             </a:r>
           </a:p>
+          <a:p>
+            <a:pPr lvl="1"/>
+            <a:r>
+              <a:rPr lang="de-DE" sz="2800">
+                <a:sym typeface="Wingdings" pitchFamily="2" charset="2"/>
+              </a:rPr>
+              <a:t>...</a:t>
+            </a:r>
+            <a:endParaRPr lang="de-DE" sz="2800" dirty="0"/>
+          </a:p>
         </p:txBody>
       </p:sp>
       <p:sp>
@@ -10282,9 +10292,7 @@
           </a:ln>
         </p:spPr>
         <p:txBody>
-          <a:bodyPr>
-            <a:normAutofit fontScale="92500" lnSpcReduction="10000"/>
-          </a:bodyPr>
+          <a:bodyPr/>
           <a:lstStyle/>
           <a:p>
             <a:pPr marL="457200" lvl="1" indent="0">
@@ -10309,53 +10317,8 @@
           <a:p>
             <a:pPr lvl="1"/>
             <a:r>
-              <a:rPr lang="de-DE" sz="2800" dirty="0" err="1"/>
-              <a:t>Commits</a:t>
-            </a:r>
-            <a:r>
               <a:rPr lang="de-DE" sz="2800" dirty="0"/>
-              <a:t>:  </a:t>
-            </a:r>
-            <a:r>
-              <a:rPr lang="de-DE" sz="2800"/>
-              <a:t>Gesamt 506</a:t>
-            </a:r>
-            <a:endParaRPr lang="de-DE" sz="2800" dirty="0"/>
-          </a:p>
-          <a:p>
-            <a:pPr lvl="2"/>
-            <a:r>
-              <a:rPr lang="de-DE" sz="2400" dirty="0"/>
-              <a:t>Daniel 159</a:t>
-            </a:r>
-          </a:p>
-          <a:p>
-            <a:pPr lvl="2"/>
-            <a:r>
-              <a:rPr lang="de-DE" sz="2400" dirty="0"/>
-              <a:t>Tim 136</a:t>
-            </a:r>
-          </a:p>
-          <a:p>
-            <a:pPr lvl="2"/>
-            <a:r>
-              <a:rPr lang="de-DE" sz="2400" dirty="0" err="1"/>
-              <a:t>Ruki</a:t>
-            </a:r>
-            <a:r>
-              <a:rPr lang="de-DE" sz="2400" dirty="0"/>
-              <a:t> 127</a:t>
-            </a:r>
-          </a:p>
-          <a:p>
-            <a:pPr lvl="2"/>
-            <a:r>
-              <a:rPr lang="de-DE" sz="2400" dirty="0" err="1"/>
-              <a:t>Orkhan</a:t>
-            </a:r>
-            <a:r>
-              <a:rPr lang="de-DE" sz="2400" dirty="0"/>
-              <a:t> 14</a:t>
+              <a:t>Commits:</a:t>
             </a:r>
           </a:p>
           <a:p>
@@ -10363,6 +10326,13 @@
             <a:r>
               <a:rPr lang="de-DE" sz="2800" dirty="0"/>
               <a:t>Tests:</a:t>
+            </a:r>
+          </a:p>
+          <a:p>
+            <a:pPr lvl="1"/>
+            <a:r>
+              <a:rPr lang="de-DE" sz="2800" dirty="0"/>
+              <a:t>....</a:t>
             </a:r>
           </a:p>
           <a:p>
@@ -11851,7 +11821,14 @@
             <a:pPr lvl="1"/>
             <a:r>
               <a:rPr lang="de-DE" sz="2800" dirty="0"/>
-              <a:t>Schachlogik: 84 % Codezeilen, über 95% Methoden</a:t>
+              <a:t>Schachlogik: ...%</a:t>
+            </a:r>
+          </a:p>
+          <a:p>
+            <a:pPr lvl="1"/>
+            <a:r>
+              <a:rPr lang="de-DE" sz="2800" dirty="0"/>
+              <a:t>....</a:t>
             </a:r>
           </a:p>
         </p:txBody>
